--- a/winereviews/Wine Reviews Analysis and Visualization.pptx
+++ b/winereviews/Wine Reviews Analysis and Visualization.pptx
@@ -9,21 +9,24 @@
     <p:sldId id="287" r:id="rId3"/>
     <p:sldId id="282" r:id="rId4"/>
     <p:sldId id="270" r:id="rId5"/>
-    <p:sldId id="257" r:id="rId6"/>
-    <p:sldId id="262" r:id="rId7"/>
-    <p:sldId id="267" r:id="rId8"/>
-    <p:sldId id="268" r:id="rId9"/>
-    <p:sldId id="269" r:id="rId10"/>
-    <p:sldId id="261" r:id="rId11"/>
-    <p:sldId id="260" r:id="rId12"/>
-    <p:sldId id="265" r:id="rId13"/>
-    <p:sldId id="280" r:id="rId14"/>
-    <p:sldId id="281" r:id="rId15"/>
-    <p:sldId id="284" r:id="rId16"/>
-    <p:sldId id="288" r:id="rId17"/>
-    <p:sldId id="289" r:id="rId18"/>
-    <p:sldId id="286" r:id="rId19"/>
-    <p:sldId id="278" r:id="rId20"/>
+    <p:sldId id="294" r:id="rId6"/>
+    <p:sldId id="257" r:id="rId7"/>
+    <p:sldId id="262" r:id="rId8"/>
+    <p:sldId id="267" r:id="rId9"/>
+    <p:sldId id="268" r:id="rId10"/>
+    <p:sldId id="269" r:id="rId11"/>
+    <p:sldId id="261" r:id="rId12"/>
+    <p:sldId id="260" r:id="rId13"/>
+    <p:sldId id="265" r:id="rId14"/>
+    <p:sldId id="280" r:id="rId15"/>
+    <p:sldId id="281" r:id="rId16"/>
+    <p:sldId id="284" r:id="rId17"/>
+    <p:sldId id="288" r:id="rId18"/>
+    <p:sldId id="289" r:id="rId19"/>
+    <p:sldId id="286" r:id="rId20"/>
+    <p:sldId id="295" r:id="rId21"/>
+    <p:sldId id="278" r:id="rId22"/>
+    <p:sldId id="292" r:id="rId23"/>
   </p:sldIdLst>
   <p:sldSz cx="12192000" cy="6858000"/>
   <p:notesSz cx="6858000" cy="9144000"/>
@@ -261,7 +264,7 @@
           <a:p>
             <a:fld id="{F58EE7AA-45E9-465C-A3EF-992C7B969ACD}" type="datetimeFigureOut">
               <a:rPr lang="en-US" smtClean="0"/>
-              <a:t>3/6/2018</a:t>
+              <a:t>3/7/2018</a:t>
             </a:fld>
             <a:endParaRPr lang="en-US"/>
           </a:p>
@@ -431,7 +434,7 @@
           <a:p>
             <a:fld id="{F58EE7AA-45E9-465C-A3EF-992C7B969ACD}" type="datetimeFigureOut">
               <a:rPr lang="en-US" smtClean="0"/>
-              <a:t>3/6/2018</a:t>
+              <a:t>3/7/2018</a:t>
             </a:fld>
             <a:endParaRPr lang="en-US"/>
           </a:p>
@@ -611,7 +614,7 @@
           <a:p>
             <a:fld id="{F58EE7AA-45E9-465C-A3EF-992C7B969ACD}" type="datetimeFigureOut">
               <a:rPr lang="en-US" smtClean="0"/>
-              <a:t>3/6/2018</a:t>
+              <a:t>3/7/2018</a:t>
             </a:fld>
             <a:endParaRPr lang="en-US"/>
           </a:p>
@@ -781,7 +784,7 @@
           <a:p>
             <a:fld id="{F58EE7AA-45E9-465C-A3EF-992C7B969ACD}" type="datetimeFigureOut">
               <a:rPr lang="en-US" smtClean="0"/>
-              <a:t>3/6/2018</a:t>
+              <a:t>3/7/2018</a:t>
             </a:fld>
             <a:endParaRPr lang="en-US"/>
           </a:p>
@@ -1027,7 +1030,7 @@
           <a:p>
             <a:fld id="{F58EE7AA-45E9-465C-A3EF-992C7B969ACD}" type="datetimeFigureOut">
               <a:rPr lang="en-US" smtClean="0"/>
-              <a:t>3/6/2018</a:t>
+              <a:t>3/7/2018</a:t>
             </a:fld>
             <a:endParaRPr lang="en-US"/>
           </a:p>
@@ -1259,7 +1262,7 @@
           <a:p>
             <a:fld id="{F58EE7AA-45E9-465C-A3EF-992C7B969ACD}" type="datetimeFigureOut">
               <a:rPr lang="en-US" smtClean="0"/>
-              <a:t>3/6/2018</a:t>
+              <a:t>3/7/2018</a:t>
             </a:fld>
             <a:endParaRPr lang="en-US"/>
           </a:p>
@@ -1626,7 +1629,7 @@
           <a:p>
             <a:fld id="{F58EE7AA-45E9-465C-A3EF-992C7B969ACD}" type="datetimeFigureOut">
               <a:rPr lang="en-US" smtClean="0"/>
-              <a:t>3/6/2018</a:t>
+              <a:t>3/7/2018</a:t>
             </a:fld>
             <a:endParaRPr lang="en-US"/>
           </a:p>
@@ -1744,7 +1747,7 @@
           <a:p>
             <a:fld id="{F58EE7AA-45E9-465C-A3EF-992C7B969ACD}" type="datetimeFigureOut">
               <a:rPr lang="en-US" smtClean="0"/>
-              <a:t>3/6/2018</a:t>
+              <a:t>3/7/2018</a:t>
             </a:fld>
             <a:endParaRPr lang="en-US"/>
           </a:p>
@@ -1839,7 +1842,7 @@
           <a:p>
             <a:fld id="{F58EE7AA-45E9-465C-A3EF-992C7B969ACD}" type="datetimeFigureOut">
               <a:rPr lang="en-US" smtClean="0"/>
-              <a:t>3/6/2018</a:t>
+              <a:t>3/7/2018</a:t>
             </a:fld>
             <a:endParaRPr lang="en-US"/>
           </a:p>
@@ -2116,7 +2119,7 @@
           <a:p>
             <a:fld id="{F58EE7AA-45E9-465C-A3EF-992C7B969ACD}" type="datetimeFigureOut">
               <a:rPr lang="en-US" smtClean="0"/>
-              <a:t>3/6/2018</a:t>
+              <a:t>3/7/2018</a:t>
             </a:fld>
             <a:endParaRPr lang="en-US"/>
           </a:p>
@@ -2369,7 +2372,7 @@
           <a:p>
             <a:fld id="{F58EE7AA-45E9-465C-A3EF-992C7B969ACD}" type="datetimeFigureOut">
               <a:rPr lang="en-US" smtClean="0"/>
-              <a:t>3/6/2018</a:t>
+              <a:t>3/7/2018</a:t>
             </a:fld>
             <a:endParaRPr lang="en-US"/>
           </a:p>
@@ -2582,7 +2585,7 @@
           <a:p>
             <a:fld id="{F58EE7AA-45E9-465C-A3EF-992C7B969ACD}" type="datetimeFigureOut">
               <a:rPr lang="en-US" smtClean="0"/>
-              <a:t>3/6/2018</a:t>
+              <a:t>3/7/2018</a:t>
             </a:fld>
             <a:endParaRPr lang="en-US"/>
           </a:p>
@@ -3033,7 +3036,7 @@
           </a:ln>
           <a:extLst>
             <a:ext uri="{909E8E84-426E-40dd-AFC4-6F175D3DCCD1}">
-              <a14:hiddenFill xmlns="" xmlns:a14="http://schemas.microsoft.com/office/drawing/2010/main">
+              <a14:hiddenFill xmlns:a14="http://schemas.microsoft.com/office/drawing/2010/main" xmlns="">
                 <a:solidFill>
                   <a:schemeClr val="tx2">
                     <a:alpha val="0"/>
@@ -3268,7 +3271,7 @@
           </a:ln>
           <a:extLst>
             <a:ext uri="{909E8E84-426E-40dd-AFC4-6F175D3DCCD1}">
-              <a14:hiddenFill xmlns="" xmlns:a14="http://schemas.microsoft.com/office/drawing/2010/main">
+              <a14:hiddenFill xmlns:a14="http://schemas.microsoft.com/office/drawing/2010/main" xmlns="">
                 <a:solidFill>
                   <a:schemeClr val="tx2">
                     <a:alpha val="0"/>
@@ -3591,6 +3594,317 @@
 </file>
 
 <file path=ppt/slides/slide10.xml><?xml version="1.0" encoding="utf-8"?>
+<p:sld xmlns:a="http://schemas.openxmlformats.org/drawingml/2006/main" xmlns:r="http://schemas.openxmlformats.org/officeDocument/2006/relationships" xmlns:p="http://schemas.openxmlformats.org/presentationml/2006/main">
+  <p:cSld>
+    <p:spTree>
+      <p:nvGrpSpPr>
+        <p:cNvPr id="1" name=""/>
+        <p:cNvGrpSpPr/>
+        <p:nvPr/>
+      </p:nvGrpSpPr>
+      <p:grpSpPr>
+        <a:xfrm>
+          <a:off x="0" y="0"/>
+          <a:ext cx="0" cy="0"/>
+          <a:chOff x="0" y="0"/>
+          <a:chExt cx="0" cy="0"/>
+        </a:xfrm>
+      </p:grpSpPr>
+      <p:pic>
+        <p:nvPicPr>
+          <p:cNvPr id="4" name="Picture 3"/>
+          <p:cNvPicPr>
+            <a:picLocks noChangeAspect="1"/>
+          </p:cNvPicPr>
+          <p:nvPr/>
+        </p:nvPicPr>
+        <p:blipFill>
+          <a:blip r:embed="rId2"/>
+          <a:stretch>
+            <a:fillRect/>
+          </a:stretch>
+        </p:blipFill>
+        <p:spPr>
+          <a:xfrm>
+            <a:off x="386689" y="1198179"/>
+            <a:ext cx="8305623" cy="4718741"/>
+          </a:xfrm>
+          <a:prstGeom prst="rect">
+            <a:avLst/>
+          </a:prstGeom>
+        </p:spPr>
+      </p:pic>
+      <p:sp>
+        <p:nvSpPr>
+          <p:cNvPr id="5" name="Title 14"/>
+          <p:cNvSpPr txBox="1">
+            <a:spLocks/>
+          </p:cNvSpPr>
+          <p:nvPr/>
+        </p:nvSpPr>
+        <p:spPr bwMode="auto">
+          <a:xfrm>
+            <a:off x="310515" y="202783"/>
+            <a:ext cx="8229601" cy="492443"/>
+          </a:xfrm>
+          <a:prstGeom prst="rect">
+            <a:avLst/>
+          </a:prstGeom>
+          <a:noFill/>
+          <a:ln>
+            <a:noFill/>
+          </a:ln>
+          <a:extLst>
+            <a:ext uri="{FAA26D3D-D897-4be2-8F04-BA451C77F1D7}">
+              <ma14:placeholderFlag xmlns:ma14="http://schemas.microsoft.com/office/mac/drawingml/2011/main" xmlns="" val="1"/>
+            </a:ext>
+            <a:ext uri="{909E8E84-426E-40dd-AFC4-6F175D3DCCD1}">
+              <a14:hiddenFill xmlns="" xmlns:a14="http://schemas.microsoft.com/office/drawing/2010/main">
+                <a:solidFill>
+                  <a:schemeClr val="accent1"/>
+                </a:solidFill>
+              </a14:hiddenFill>
+            </a:ext>
+            <a:ext uri="{91240B29-F687-4f45-9708-019B960494DF}">
+              <a14:hiddenLine xmlns="" xmlns:a14="http://schemas.microsoft.com/office/drawing/2010/main" w="9525">
+                <a:solidFill>
+                  <a:schemeClr val="tx1"/>
+                </a:solidFill>
+                <a:miter lim="800000"/>
+                <a:headEnd/>
+                <a:tailEnd/>
+              </a14:hiddenLine>
+            </a:ext>
+          </a:extLst>
+        </p:spPr>
+        <p:txBody>
+          <a:bodyPr vert="horz" wrap="square" lIns="0" tIns="0" rIns="0" bIns="0" numCol="1" anchor="t" anchorCtr="0" compatLnSpc="1">
+            <a:prstTxWarp prst="textNoShape">
+              <a:avLst/>
+            </a:prstTxWarp>
+            <a:spAutoFit/>
+          </a:bodyPr>
+          <a:lstStyle>
+            <a:lvl1pPr algn="l" rtl="0" eaLnBrk="1" fontAlgn="base" hangingPunct="1">
+              <a:spcBef>
+                <a:spcPct val="0"/>
+              </a:spcBef>
+              <a:spcAft>
+                <a:spcPct val="0"/>
+              </a:spcAft>
+              <a:defRPr sz="2000" b="1">
+                <a:solidFill>
+                  <a:schemeClr val="accent1"/>
+                </a:solidFill>
+                <a:latin typeface="Malgun Gothic" panose="020B0503020000020004" pitchFamily="34" charset="-127"/>
+                <a:ea typeface="Malgun Gothic" panose="020B0503020000020004" pitchFamily="34" charset="-127"/>
+                <a:cs typeface="+mj-cs"/>
+              </a:defRPr>
+            </a:lvl1pPr>
+            <a:lvl2pPr algn="l" rtl="0" eaLnBrk="1" fontAlgn="base" hangingPunct="1">
+              <a:spcBef>
+                <a:spcPct val="0"/>
+              </a:spcBef>
+              <a:spcAft>
+                <a:spcPct val="0"/>
+              </a:spcAft>
+              <a:defRPr sz="2000" b="1">
+                <a:solidFill>
+                  <a:srgbClr val="9F0812"/>
+                </a:solidFill>
+                <a:latin typeface="Arial" charset="0"/>
+                <a:ea typeface="ヒラギノ角ゴ Pro W3" charset="0"/>
+                <a:cs typeface="ＭＳ Ｐゴシック" charset="0"/>
+              </a:defRPr>
+            </a:lvl2pPr>
+            <a:lvl3pPr algn="l" rtl="0" eaLnBrk="1" fontAlgn="base" hangingPunct="1">
+              <a:spcBef>
+                <a:spcPct val="0"/>
+              </a:spcBef>
+              <a:spcAft>
+                <a:spcPct val="0"/>
+              </a:spcAft>
+              <a:defRPr sz="2000" b="1">
+                <a:solidFill>
+                  <a:srgbClr val="9F0812"/>
+                </a:solidFill>
+                <a:latin typeface="Arial" charset="0"/>
+                <a:ea typeface="ヒラギノ角ゴ Pro W3" charset="0"/>
+                <a:cs typeface="ＭＳ Ｐゴシック" charset="0"/>
+              </a:defRPr>
+            </a:lvl3pPr>
+            <a:lvl4pPr algn="l" rtl="0" eaLnBrk="1" fontAlgn="base" hangingPunct="1">
+              <a:spcBef>
+                <a:spcPct val="0"/>
+              </a:spcBef>
+              <a:spcAft>
+                <a:spcPct val="0"/>
+              </a:spcAft>
+              <a:defRPr sz="2000" b="1">
+                <a:solidFill>
+                  <a:srgbClr val="9F0812"/>
+                </a:solidFill>
+                <a:latin typeface="Arial" charset="0"/>
+                <a:ea typeface="ヒラギノ角ゴ Pro W3" charset="0"/>
+                <a:cs typeface="ＭＳ Ｐゴシック" charset="0"/>
+              </a:defRPr>
+            </a:lvl4pPr>
+            <a:lvl5pPr algn="l" rtl="0" eaLnBrk="1" fontAlgn="base" hangingPunct="1">
+              <a:spcBef>
+                <a:spcPct val="0"/>
+              </a:spcBef>
+              <a:spcAft>
+                <a:spcPct val="0"/>
+              </a:spcAft>
+              <a:defRPr sz="2000" b="1">
+                <a:solidFill>
+                  <a:srgbClr val="9F0812"/>
+                </a:solidFill>
+                <a:latin typeface="Arial" charset="0"/>
+                <a:ea typeface="ヒラギノ角ゴ Pro W3" charset="0"/>
+                <a:cs typeface="ＭＳ Ｐゴシック" charset="0"/>
+              </a:defRPr>
+            </a:lvl5pPr>
+            <a:lvl6pPr marL="457200" algn="l" rtl="0" eaLnBrk="1" fontAlgn="base" hangingPunct="1">
+              <a:spcBef>
+                <a:spcPct val="0"/>
+              </a:spcBef>
+              <a:spcAft>
+                <a:spcPct val="0"/>
+              </a:spcAft>
+              <a:defRPr sz="2800" b="1">
+                <a:solidFill>
+                  <a:schemeClr val="tx2"/>
+                </a:solidFill>
+                <a:latin typeface="Arial" charset="0"/>
+                <a:ea typeface="ＭＳ Ｐゴシック" charset="0"/>
+                <a:cs typeface="ＭＳ Ｐゴシック" charset="0"/>
+              </a:defRPr>
+            </a:lvl6pPr>
+            <a:lvl7pPr marL="914400" algn="l" rtl="0" eaLnBrk="1" fontAlgn="base" hangingPunct="1">
+              <a:spcBef>
+                <a:spcPct val="0"/>
+              </a:spcBef>
+              <a:spcAft>
+                <a:spcPct val="0"/>
+              </a:spcAft>
+              <a:defRPr sz="2800" b="1">
+                <a:solidFill>
+                  <a:schemeClr val="tx2"/>
+                </a:solidFill>
+                <a:latin typeface="Arial" charset="0"/>
+                <a:ea typeface="ＭＳ Ｐゴシック" charset="0"/>
+                <a:cs typeface="ＭＳ Ｐゴシック" charset="0"/>
+              </a:defRPr>
+            </a:lvl7pPr>
+            <a:lvl8pPr marL="1371600" algn="l" rtl="0" eaLnBrk="1" fontAlgn="base" hangingPunct="1">
+              <a:spcBef>
+                <a:spcPct val="0"/>
+              </a:spcBef>
+              <a:spcAft>
+                <a:spcPct val="0"/>
+              </a:spcAft>
+              <a:defRPr sz="2800" b="1">
+                <a:solidFill>
+                  <a:schemeClr val="tx2"/>
+                </a:solidFill>
+                <a:latin typeface="Arial" charset="0"/>
+                <a:ea typeface="ＭＳ Ｐゴシック" charset="0"/>
+                <a:cs typeface="ＭＳ Ｐゴシック" charset="0"/>
+              </a:defRPr>
+            </a:lvl8pPr>
+            <a:lvl9pPr marL="1828800" algn="l" rtl="0" eaLnBrk="1" fontAlgn="base" hangingPunct="1">
+              <a:spcBef>
+                <a:spcPct val="0"/>
+              </a:spcBef>
+              <a:spcAft>
+                <a:spcPct val="0"/>
+              </a:spcAft>
+              <a:defRPr sz="2800" b="1">
+                <a:solidFill>
+                  <a:schemeClr val="tx2"/>
+                </a:solidFill>
+                <a:latin typeface="Arial" charset="0"/>
+                <a:ea typeface="ＭＳ Ｐゴシック" charset="0"/>
+                <a:cs typeface="ＭＳ Ｐゴシック" charset="0"/>
+              </a:defRPr>
+            </a:lvl9pPr>
+          </a:lstStyle>
+          <a:p>
+            <a:r>
+              <a:rPr lang="en-US" dirty="0" smtClean="0"/>
+              <a:t>Tableau Wine Tasted by Country</a:t>
+            </a:r>
+          </a:p>
+          <a:p>
+            <a:r>
+              <a:rPr lang="en-US" sz="1200" dirty="0" smtClean="0">
+                <a:solidFill>
+                  <a:schemeClr val="tx1"/>
+                </a:solidFill>
+              </a:rPr>
+              <a:t>Which countries produced the wines tasted?</a:t>
+            </a:r>
+            <a:endParaRPr lang="en-US" sz="1200" kern="0" dirty="0"/>
+          </a:p>
+        </p:txBody>
+      </p:sp>
+      <p:sp>
+        <p:nvSpPr>
+          <p:cNvPr id="6" name="TextBox 5"/>
+          <p:cNvSpPr txBox="1"/>
+          <p:nvPr/>
+        </p:nvSpPr>
+        <p:spPr>
+          <a:xfrm>
+            <a:off x="501164" y="6004374"/>
+            <a:ext cx="8828351" cy="830997"/>
+          </a:xfrm>
+          <a:prstGeom prst="rect">
+            <a:avLst/>
+          </a:prstGeom>
+          <a:noFill/>
+        </p:spPr>
+        <p:txBody>
+          <a:bodyPr wrap="square" rtlCol="0">
+            <a:spAutoFit/>
+          </a:bodyPr>
+          <a:lstStyle/>
+          <a:p>
+            <a:r>
+              <a:rPr lang="en-US" sz="1600" dirty="0" smtClean="0"/>
+              <a:t>Map is using longitude and latitude provided in the data.</a:t>
+            </a:r>
+          </a:p>
+          <a:p>
+            <a:r>
+              <a:rPr lang="en-US" sz="1600" dirty="0" smtClean="0"/>
+              <a:t>The USA has the most wines produced for this set of wine data.</a:t>
+            </a:r>
+          </a:p>
+          <a:p>
+            <a:pPr marL="742950" lvl="1" indent="-285750">
+              <a:buFont typeface="Arial" panose="020B0604020202020204" pitchFamily="34" charset="0"/>
+              <a:buChar char="•"/>
+            </a:pPr>
+            <a:endParaRPr lang="en-US" sz="1600" dirty="0" smtClean="0"/>
+          </a:p>
+        </p:txBody>
+      </p:sp>
+    </p:spTree>
+    <p:extLst>
+      <p:ext uri="{BB962C8B-B14F-4D97-AF65-F5344CB8AC3E}">
+        <p14:creationId xmlns:p14="http://schemas.microsoft.com/office/powerpoint/2010/main" val="50600015"/>
+      </p:ext>
+    </p:extLst>
+  </p:cSld>
+  <p:clrMapOvr>
+    <a:masterClrMapping/>
+  </p:clrMapOvr>
+</p:sld>
+</file>
+
+<file path=ppt/slides/slide11.xml><?xml version="1.0" encoding="utf-8"?>
 <p:sld xmlns:a="http://schemas.openxmlformats.org/drawingml/2006/main" xmlns:r="http://schemas.openxmlformats.org/officeDocument/2006/relationships" xmlns:p="http://schemas.openxmlformats.org/presentationml/2006/main">
   <p:cSld>
     <p:spTree>
@@ -3805,17 +4119,17 @@
           </a:ln>
           <a:extLst>
             <a:ext uri="{FAA26D3D-D897-4be2-8F04-BA451C77F1D7}">
-              <ma14:placeholderFlag xmlns="" xmlns:ma14="http://schemas.microsoft.com/office/mac/drawingml/2011/main" val="1"/>
+              <ma14:placeholderFlag xmlns:ma14="http://schemas.microsoft.com/office/mac/drawingml/2011/main" xmlns="" val="1"/>
             </a:ext>
             <a:ext uri="{909E8E84-426E-40dd-AFC4-6F175D3DCCD1}">
-              <a14:hiddenFill xmlns:a14="http://schemas.microsoft.com/office/drawing/2010/main" xmlns="">
+              <a14:hiddenFill xmlns="" xmlns:a14="http://schemas.microsoft.com/office/drawing/2010/main">
                 <a:solidFill>
                   <a:schemeClr val="accent1"/>
                 </a:solidFill>
               </a14:hiddenFill>
             </a:ext>
             <a:ext uri="{91240B29-F687-4f45-9708-019B960494DF}">
-              <a14:hiddenLine xmlns:a14="http://schemas.microsoft.com/office/drawing/2010/main" xmlns="" w="9525">
+              <a14:hiddenLine xmlns="" xmlns:a14="http://schemas.microsoft.com/office/drawing/2010/main" w="9525">
                 <a:solidFill>
                   <a:schemeClr val="tx1"/>
                 </a:solidFill>
@@ -4027,15 +4341,7 @@
           <a:p>
             <a:r>
               <a:rPr lang="en-US" sz="1600" dirty="0" smtClean="0"/>
-              <a:t>Lower pointed wines have some words like bitter, sour, candied, flat, heavy that might correlate to a lower </a:t>
-            </a:r>
-            <a:r>
-              <a:rPr lang="en-US" sz="1600" dirty="0" smtClean="0"/>
-              <a:t>point score</a:t>
-            </a:r>
-            <a:r>
-              <a:rPr lang="en-US" sz="1600" dirty="0" smtClean="0"/>
-              <a:t>.</a:t>
+              <a:t>Lower pointed wines have some words like bitter, sour, candied, flat, heavy that might correlate to a lower point score.</a:t>
             </a:r>
           </a:p>
           <a:p>
@@ -4116,7 +4422,7 @@
 </p:sld>
 </file>
 
-<file path=ppt/slides/slide11.xml><?xml version="1.0" encoding="utf-8"?>
+<file path=ppt/slides/slide12.xml><?xml version="1.0" encoding="utf-8"?>
 <p:sld xmlns:a="http://schemas.openxmlformats.org/drawingml/2006/main" xmlns:r="http://schemas.openxmlformats.org/officeDocument/2006/relationships" xmlns:p="http://schemas.openxmlformats.org/presentationml/2006/main">
   <p:cSld>
     <p:spTree>
@@ -4155,17 +4461,17 @@
           </a:ln>
           <a:extLst>
             <a:ext uri="{FAA26D3D-D897-4be2-8F04-BA451C77F1D7}">
-              <ma14:placeholderFlag xmlns="" xmlns:ma14="http://schemas.microsoft.com/office/mac/drawingml/2011/main" val="1"/>
+              <ma14:placeholderFlag xmlns:ma14="http://schemas.microsoft.com/office/mac/drawingml/2011/main" xmlns="" val="1"/>
             </a:ext>
             <a:ext uri="{909E8E84-426E-40dd-AFC4-6F175D3DCCD1}">
-              <a14:hiddenFill xmlns:a14="http://schemas.microsoft.com/office/drawing/2010/main" xmlns="">
+              <a14:hiddenFill xmlns="" xmlns:a14="http://schemas.microsoft.com/office/drawing/2010/main">
                 <a:solidFill>
                   <a:schemeClr val="accent1"/>
                 </a:solidFill>
               </a14:hiddenFill>
             </a:ext>
             <a:ext uri="{91240B29-F687-4f45-9708-019B960494DF}">
-              <a14:hiddenLine xmlns:a14="http://schemas.microsoft.com/office/drawing/2010/main" xmlns="" w="9525">
+              <a14:hiddenLine xmlns="" xmlns:a14="http://schemas.microsoft.com/office/drawing/2010/main" w="9525">
                 <a:solidFill>
                   <a:schemeClr val="tx1"/>
                 </a:solidFill>
@@ -4552,11 +4858,7 @@
             </a:pPr>
             <a:r>
               <a:rPr lang="en-US" sz="1200" dirty="0" smtClean="0"/>
-              <a:t>Scatter shows as price increases </a:t>
-            </a:r>
-            <a:r>
-              <a:rPr lang="en-US" sz="1200" dirty="0" smtClean="0"/>
-              <a:t>a possible correlation in point score </a:t>
+              <a:t>Scatter shows as price increases a possible correlation in point score </a:t>
             </a:r>
             <a:endParaRPr lang="en-US" sz="1200" dirty="0"/>
           </a:p>
@@ -4604,15 +4906,7 @@
             </a:pPr>
             <a:r>
               <a:rPr lang="en-US" sz="1200" dirty="0" smtClean="0"/>
-              <a:t>Prepping data for classifier model we setup the best and worst wines according to wine </a:t>
-            </a:r>
-            <a:r>
-              <a:rPr lang="en-US" sz="1200" dirty="0" smtClean="0"/>
-              <a:t>point scores</a:t>
-            </a:r>
-            <a:r>
-              <a:rPr lang="en-US" sz="1200" dirty="0" smtClean="0"/>
-              <a:t>. 30% from lower scoring ‘Worst’ wines and 30% from higher scoring</a:t>
+              <a:t>Prepping data for classifier model we setup the best and worst wines according to wine point scores. 30% from lower scoring ‘Worst’ wines and 30% from higher scoring</a:t>
             </a:r>
             <a:endParaRPr lang="en-US" sz="1200" dirty="0"/>
           </a:p>
@@ -4709,7 +5003,7 @@
 </p:sld>
 </file>
 
-<file path=ppt/slides/slide12.xml><?xml version="1.0" encoding="utf-8"?>
+<file path=ppt/slides/slide13.xml><?xml version="1.0" encoding="utf-8"?>
 <p:sld xmlns:a="http://schemas.openxmlformats.org/drawingml/2006/main" xmlns:r="http://schemas.openxmlformats.org/officeDocument/2006/relationships" xmlns:p="http://schemas.openxmlformats.org/presentationml/2006/main">
   <p:cSld>
     <p:spTree>
@@ -4748,17 +5042,17 @@
           </a:ln>
           <a:extLst>
             <a:ext uri="{FAA26D3D-D897-4be2-8F04-BA451C77F1D7}">
-              <ma14:placeholderFlag xmlns="" xmlns:ma14="http://schemas.microsoft.com/office/mac/drawingml/2011/main" val="1"/>
+              <ma14:placeholderFlag xmlns:ma14="http://schemas.microsoft.com/office/mac/drawingml/2011/main" xmlns="" val="1"/>
             </a:ext>
             <a:ext uri="{909E8E84-426E-40dd-AFC4-6F175D3DCCD1}">
-              <a14:hiddenFill xmlns:a14="http://schemas.microsoft.com/office/drawing/2010/main" xmlns="">
+              <a14:hiddenFill xmlns="" xmlns:a14="http://schemas.microsoft.com/office/drawing/2010/main">
                 <a:solidFill>
                   <a:schemeClr val="accent1"/>
                 </a:solidFill>
               </a14:hiddenFill>
             </a:ext>
             <a:ext uri="{91240B29-F687-4f45-9708-019B960494DF}">
-              <a14:hiddenLine xmlns:a14="http://schemas.microsoft.com/office/drawing/2010/main" xmlns="" w="9525">
+              <a14:hiddenLine xmlns="" xmlns:a14="http://schemas.microsoft.com/office/drawing/2010/main" w="9525">
                 <a:solidFill>
                   <a:schemeClr val="tx1"/>
                 </a:solidFill>
@@ -4940,23 +5234,7 @@
                   <a:schemeClr val="tx1"/>
                 </a:solidFill>
               </a:rPr>
-              <a:t>How do the words used in the wine tasting correlate to the wine </a:t>
-            </a:r>
-            <a:r>
-              <a:rPr lang="en-US" sz="1200" dirty="0" smtClean="0">
-                <a:solidFill>
-                  <a:schemeClr val="tx1"/>
-                </a:solidFill>
-              </a:rPr>
-              <a:t>point score </a:t>
-            </a:r>
-            <a:r>
-              <a:rPr lang="en-US" sz="1200" dirty="0" smtClean="0">
-                <a:solidFill>
-                  <a:schemeClr val="tx1"/>
-                </a:solidFill>
-              </a:rPr>
-              <a:t>using most informative features?</a:t>
+              <a:t>How do the words used in the wine tasting correlate to the wine point score using most informative features?</a:t>
             </a:r>
             <a:endParaRPr lang="en-US" sz="1200" kern="0" dirty="0"/>
           </a:p>
@@ -5006,23 +5284,7 @@
             </a:r>
             <a:r>
               <a:rPr lang="en-US" sz="1200" dirty="0" smtClean="0"/>
-              <a:t> calculates how often the word is used in the best wine </a:t>
-            </a:r>
-            <a:r>
-              <a:rPr lang="en-US" sz="1200" dirty="0" smtClean="0"/>
-              <a:t>point score </a:t>
-            </a:r>
-            <a:r>
-              <a:rPr lang="en-US" sz="1200" dirty="0" smtClean="0"/>
-              <a:t>reviews compared to the worst wine </a:t>
-            </a:r>
-            <a:r>
-              <a:rPr lang="en-US" sz="1200" dirty="0" smtClean="0"/>
-              <a:t>point score </a:t>
-            </a:r>
-            <a:r>
-              <a:rPr lang="en-US" sz="1200" dirty="0" smtClean="0"/>
-              <a:t>reviews</a:t>
+              <a:t> calculates how often the word is used in the best wine point score reviews compared to the worst wine point score reviews</a:t>
             </a:r>
           </a:p>
           <a:p>
@@ -5281,7 +5543,7 @@
 </p:sld>
 </file>
 
-<file path=ppt/slides/slide13.xml><?xml version="1.0" encoding="utf-8"?>
+<file path=ppt/slides/slide14.xml><?xml version="1.0" encoding="utf-8"?>
 <p:sld xmlns:a="http://schemas.openxmlformats.org/drawingml/2006/main" xmlns:r="http://schemas.openxmlformats.org/officeDocument/2006/relationships" xmlns:p="http://schemas.openxmlformats.org/presentationml/2006/main">
   <p:cSld>
     <p:spTree>
@@ -5320,17 +5582,17 @@
           </a:ln>
           <a:extLst>
             <a:ext uri="{FAA26D3D-D897-4be2-8F04-BA451C77F1D7}">
-              <ma14:placeholderFlag xmlns="" xmlns:ma14="http://schemas.microsoft.com/office/mac/drawingml/2011/main" val="1"/>
+              <ma14:placeholderFlag xmlns:ma14="http://schemas.microsoft.com/office/mac/drawingml/2011/main" xmlns="" val="1"/>
             </a:ext>
             <a:ext uri="{909E8E84-426E-40dd-AFC4-6F175D3DCCD1}">
-              <a14:hiddenFill xmlns:a14="http://schemas.microsoft.com/office/drawing/2010/main" xmlns="">
+              <a14:hiddenFill xmlns="" xmlns:a14="http://schemas.microsoft.com/office/drawing/2010/main">
                 <a:solidFill>
                   <a:schemeClr val="accent1"/>
                 </a:solidFill>
               </a14:hiddenFill>
             </a:ext>
             <a:ext uri="{91240B29-F687-4f45-9708-019B960494DF}">
-              <a14:hiddenLine xmlns:a14="http://schemas.microsoft.com/office/drawing/2010/main" xmlns="" w="9525">
+              <a14:hiddenLine xmlns="" xmlns:a14="http://schemas.microsoft.com/office/drawing/2010/main" w="9525">
                 <a:solidFill>
                   <a:schemeClr val="tx1"/>
                 </a:solidFill>
@@ -5834,7 +6096,7 @@
 </p:sld>
 </file>
 
-<file path=ppt/slides/slide14.xml><?xml version="1.0" encoding="utf-8"?>
+<file path=ppt/slides/slide15.xml><?xml version="1.0" encoding="utf-8"?>
 <p:sld xmlns:a="http://schemas.openxmlformats.org/drawingml/2006/main" xmlns:r="http://schemas.openxmlformats.org/officeDocument/2006/relationships" xmlns:p="http://schemas.openxmlformats.org/presentationml/2006/main">
   <p:cSld>
     <p:spTree>
@@ -5873,17 +6135,17 @@
           </a:ln>
           <a:extLst>
             <a:ext uri="{FAA26D3D-D897-4be2-8F04-BA451C77F1D7}">
-              <ma14:placeholderFlag xmlns="" xmlns:ma14="http://schemas.microsoft.com/office/mac/drawingml/2011/main" val="1"/>
+              <ma14:placeholderFlag xmlns:ma14="http://schemas.microsoft.com/office/mac/drawingml/2011/main" xmlns="" val="1"/>
             </a:ext>
             <a:ext uri="{909E8E84-426E-40dd-AFC4-6F175D3DCCD1}">
-              <a14:hiddenFill xmlns:a14="http://schemas.microsoft.com/office/drawing/2010/main" xmlns="">
+              <a14:hiddenFill xmlns="" xmlns:a14="http://schemas.microsoft.com/office/drawing/2010/main">
                 <a:solidFill>
                   <a:schemeClr val="accent1"/>
                 </a:solidFill>
               </a14:hiddenFill>
             </a:ext>
             <a:ext uri="{91240B29-F687-4f45-9708-019B960494DF}">
-              <a14:hiddenLine xmlns:a14="http://schemas.microsoft.com/office/drawing/2010/main" xmlns="" w="9525">
+              <a14:hiddenLine xmlns="" xmlns:a14="http://schemas.microsoft.com/office/drawing/2010/main" w="9525">
                 <a:solidFill>
                   <a:schemeClr val="tx1"/>
                 </a:solidFill>
@@ -6124,17 +6386,8 @@
           <a:p>
             <a:r>
               <a:rPr lang="en-US" sz="1400" dirty="0" smtClean="0"/>
-              <a:t>Reading the reviews suggests that the usage of ‘everyday’ in the wine review is indicating that the wine is good </a:t>
-            </a:r>
-            <a:r>
-              <a:rPr lang="en-US" sz="1400" dirty="0" smtClean="0"/>
-              <a:t>vs. </a:t>
-            </a:r>
-            <a:r>
-              <a:rPr lang="en-US" sz="1400" dirty="0" smtClean="0"/>
-              <a:t>excellent.</a:t>
-            </a:r>
-            <a:endParaRPr lang="en-US" sz="1400" dirty="0" smtClean="0"/>
+              <a:t>Reading the reviews suggests that the usage of ‘everyday’ in the wine review is indicating that the wine is good vs. excellent.</a:t>
+            </a:r>
           </a:p>
           <a:p>
             <a:endParaRPr lang="en-US" sz="1400" dirty="0"/>
@@ -6306,7 +6559,7 @@
 </p:sld>
 </file>
 
-<file path=ppt/slides/slide15.xml><?xml version="1.0" encoding="utf-8"?>
+<file path=ppt/slides/slide16.xml><?xml version="1.0" encoding="utf-8"?>
 <p:sld xmlns:a="http://schemas.openxmlformats.org/drawingml/2006/main" xmlns:r="http://schemas.openxmlformats.org/officeDocument/2006/relationships" xmlns:p="http://schemas.openxmlformats.org/presentationml/2006/main">
   <p:cSld>
     <p:spTree>
@@ -6345,17 +6598,17 @@
           </a:ln>
           <a:extLst>
             <a:ext uri="{FAA26D3D-D897-4be2-8F04-BA451C77F1D7}">
-              <ma14:placeholderFlag xmlns="" xmlns:ma14="http://schemas.microsoft.com/office/mac/drawingml/2011/main" val="1"/>
+              <ma14:placeholderFlag xmlns:ma14="http://schemas.microsoft.com/office/mac/drawingml/2011/main" xmlns="" val="1"/>
             </a:ext>
             <a:ext uri="{909E8E84-426E-40dd-AFC4-6F175D3DCCD1}">
-              <a14:hiddenFill xmlns:a14="http://schemas.microsoft.com/office/drawing/2010/main" xmlns="">
+              <a14:hiddenFill xmlns="" xmlns:a14="http://schemas.microsoft.com/office/drawing/2010/main">
                 <a:solidFill>
                   <a:schemeClr val="accent1"/>
                 </a:solidFill>
               </a14:hiddenFill>
             </a:ext>
             <a:ext uri="{91240B29-F687-4f45-9708-019B960494DF}">
-              <a14:hiddenLine xmlns:a14="http://schemas.microsoft.com/office/drawing/2010/main" xmlns="" w="9525">
+              <a14:hiddenLine xmlns="" xmlns:a14="http://schemas.microsoft.com/office/drawing/2010/main" w="9525">
                 <a:solidFill>
                   <a:schemeClr val="tx1"/>
                 </a:solidFill>
@@ -6770,7 +7023,7 @@
 </p:sld>
 </file>
 
-<file path=ppt/slides/slide16.xml><?xml version="1.0" encoding="utf-8"?>
+<file path=ppt/slides/slide17.xml><?xml version="1.0" encoding="utf-8"?>
 <p:sld xmlns:a="http://schemas.openxmlformats.org/drawingml/2006/main" xmlns:r="http://schemas.openxmlformats.org/officeDocument/2006/relationships" xmlns:p="http://schemas.openxmlformats.org/presentationml/2006/main">
   <p:cSld>
     <p:spTree>
@@ -6809,17 +7062,17 @@
           </a:ln>
           <a:extLst>
             <a:ext uri="{FAA26D3D-D897-4be2-8F04-BA451C77F1D7}">
-              <ma14:placeholderFlag xmlns="" xmlns:ma14="http://schemas.microsoft.com/office/mac/drawingml/2011/main" val="1"/>
+              <ma14:placeholderFlag xmlns:ma14="http://schemas.microsoft.com/office/mac/drawingml/2011/main" xmlns="" val="1"/>
             </a:ext>
             <a:ext uri="{909E8E84-426E-40dd-AFC4-6F175D3DCCD1}">
-              <a14:hiddenFill xmlns:a14="http://schemas.microsoft.com/office/drawing/2010/main" xmlns="">
+              <a14:hiddenFill xmlns="" xmlns:a14="http://schemas.microsoft.com/office/drawing/2010/main">
                 <a:solidFill>
                   <a:schemeClr val="accent1"/>
                 </a:solidFill>
               </a14:hiddenFill>
             </a:ext>
             <a:ext uri="{91240B29-F687-4f45-9708-019B960494DF}">
-              <a14:hiddenLine xmlns:a14="http://schemas.microsoft.com/office/drawing/2010/main" xmlns="" w="9525">
+              <a14:hiddenLine xmlns="" xmlns:a14="http://schemas.microsoft.com/office/drawing/2010/main" w="9525">
                 <a:solidFill>
                   <a:schemeClr val="tx1"/>
                 </a:solidFill>
@@ -7001,15 +7254,7 @@
                   <a:schemeClr val="tx1"/>
                 </a:solidFill>
               </a:rPr>
-              <a:t>Wine description </a:t>
-            </a:r>
-            <a:r>
-              <a:rPr lang="en-US" sz="1200" dirty="0" smtClean="0">
-                <a:solidFill>
-                  <a:schemeClr val="tx1"/>
-                </a:solidFill>
-              </a:rPr>
-              <a:t>predicting points using Ridge Regression</a:t>
+              <a:t>Wine description predicting points using Ridge Regression</a:t>
             </a:r>
             <a:endParaRPr lang="en-US" sz="1200" kern="0" dirty="0"/>
           </a:p>
@@ -7522,7 +7767,7 @@
 </p:sld>
 </file>
 
-<file path=ppt/slides/slide17.xml><?xml version="1.0" encoding="utf-8"?>
+<file path=ppt/slides/slide18.xml><?xml version="1.0" encoding="utf-8"?>
 <p:sld xmlns:a="http://schemas.openxmlformats.org/drawingml/2006/main" xmlns:r="http://schemas.openxmlformats.org/officeDocument/2006/relationships" xmlns:p="http://schemas.openxmlformats.org/presentationml/2006/main">
   <p:cSld>
     <p:spTree>
@@ -7561,17 +7806,17 @@
           </a:ln>
           <a:extLst>
             <a:ext uri="{FAA26D3D-D897-4be2-8F04-BA451C77F1D7}">
-              <ma14:placeholderFlag xmlns="" xmlns:ma14="http://schemas.microsoft.com/office/mac/drawingml/2011/main" val="1"/>
+              <ma14:placeholderFlag xmlns:ma14="http://schemas.microsoft.com/office/mac/drawingml/2011/main" xmlns="" val="1"/>
             </a:ext>
             <a:ext uri="{909E8E84-426E-40dd-AFC4-6F175D3DCCD1}">
-              <a14:hiddenFill xmlns:a14="http://schemas.microsoft.com/office/drawing/2010/main" xmlns="">
+              <a14:hiddenFill xmlns="" xmlns:a14="http://schemas.microsoft.com/office/drawing/2010/main">
                 <a:solidFill>
                   <a:schemeClr val="accent1"/>
                 </a:solidFill>
               </a14:hiddenFill>
             </a:ext>
             <a:ext uri="{91240B29-F687-4f45-9708-019B960494DF}">
-              <a14:hiddenLine xmlns:a14="http://schemas.microsoft.com/office/drawing/2010/main" xmlns="" w="9525">
+              <a14:hiddenLine xmlns="" xmlns:a14="http://schemas.microsoft.com/office/drawing/2010/main" w="9525">
                 <a:solidFill>
                   <a:schemeClr val="tx1"/>
                 </a:solidFill>
@@ -7742,11 +7987,7 @@
             </a:r>
             <a:r>
               <a:rPr lang="en-US" dirty="0" smtClean="0"/>
-              <a:t>Bayes </a:t>
-            </a:r>
-            <a:r>
-              <a:rPr lang="en-US" dirty="0" smtClean="0"/>
-              <a:t>Model</a:t>
+              <a:t>Bayes Model</a:t>
             </a:r>
             <a:r>
               <a:rPr lang="en-US" dirty="0"/>
@@ -7761,15 +8002,7 @@
                   <a:schemeClr val="tx1"/>
                 </a:solidFill>
               </a:rPr>
-              <a:t>Description predicting points </a:t>
-            </a:r>
-            <a:r>
-              <a:rPr lang="en-US" sz="1200" dirty="0" smtClean="0">
-                <a:solidFill>
-                  <a:schemeClr val="tx1"/>
-                </a:solidFill>
-              </a:rPr>
-              <a:t>using </a:t>
+              <a:t>Description predicting points using </a:t>
             </a:r>
             <a:r>
               <a:rPr lang="en-US" sz="1200" dirty="0" err="1">
@@ -8231,7 +8464,7 @@
 </p:sld>
 </file>
 
-<file path=ppt/slides/slide18.xml><?xml version="1.0" encoding="utf-8"?>
+<file path=ppt/slides/slide19.xml><?xml version="1.0" encoding="utf-8"?>
 <p:sld xmlns:a="http://schemas.openxmlformats.org/drawingml/2006/main" xmlns:r="http://schemas.openxmlformats.org/officeDocument/2006/relationships" xmlns:p="http://schemas.openxmlformats.org/presentationml/2006/main">
   <p:cSld>
     <p:spTree>
@@ -8270,17 +8503,17 @@
           </a:ln>
           <a:extLst>
             <a:ext uri="{FAA26D3D-D897-4be2-8F04-BA451C77F1D7}">
-              <ma14:placeholderFlag xmlns="" xmlns:ma14="http://schemas.microsoft.com/office/mac/drawingml/2011/main" val="1"/>
+              <ma14:placeholderFlag xmlns:ma14="http://schemas.microsoft.com/office/mac/drawingml/2011/main" xmlns="" val="1"/>
             </a:ext>
             <a:ext uri="{909E8E84-426E-40dd-AFC4-6F175D3DCCD1}">
-              <a14:hiddenFill xmlns:a14="http://schemas.microsoft.com/office/drawing/2010/main" xmlns="">
+              <a14:hiddenFill xmlns="" xmlns:a14="http://schemas.microsoft.com/office/drawing/2010/main">
                 <a:solidFill>
                   <a:schemeClr val="accent1"/>
                 </a:solidFill>
               </a14:hiddenFill>
             </a:ext>
             <a:ext uri="{91240B29-F687-4f45-9708-019B960494DF}">
-              <a14:hiddenLine xmlns:a14="http://schemas.microsoft.com/office/drawing/2010/main" xmlns="" w="9525">
+              <a14:hiddenLine xmlns="" xmlns:a14="http://schemas.microsoft.com/office/drawing/2010/main" w="9525">
                 <a:solidFill>
                   <a:schemeClr val="tx1"/>
                 </a:solidFill>
@@ -8513,7 +8746,7 @@
           <p:nvPr>
             <p:extLst>
               <p:ext uri="{D42A27DB-BD31-4B8C-83A1-F6EECF244321}">
-                <p14:modId xmlns:p14="http://schemas.microsoft.com/office/powerpoint/2010/main" val="2670520736"/>
+                <p14:modId xmlns:p14="http://schemas.microsoft.com/office/powerpoint/2010/main" val="1673857586"/>
               </p:ext>
             </p:extLst>
           </p:nvPr>
@@ -8596,6 +8829,10 @@
                       <a:r>
                         <a:rPr lang="en-US" sz="1400" dirty="0" err="1" smtClean="0"/>
                         <a:t>cross_val_predict</a:t>
+                      </a:r>
+                      <a:r>
+                        <a:rPr lang="en-US" sz="1400" dirty="0" smtClean="0"/>
+                        <a:t> function.</a:t>
                       </a:r>
                       <a:endParaRPr lang="en-US" sz="1400" dirty="0"/>
                     </a:p>
@@ -8702,7 +8939,1066 @@
 </p:sld>
 </file>
 
-<file path=ppt/slides/slide19.xml><?xml version="1.0" encoding="utf-8"?>
+<file path=ppt/slides/slide2.xml><?xml version="1.0" encoding="utf-8"?>
+<p:sld xmlns:a="http://schemas.openxmlformats.org/drawingml/2006/main" xmlns:r="http://schemas.openxmlformats.org/officeDocument/2006/relationships" xmlns:p="http://schemas.openxmlformats.org/presentationml/2006/main">
+  <p:cSld>
+    <p:spTree>
+      <p:nvGrpSpPr>
+        <p:cNvPr id="1" name=""/>
+        <p:cNvGrpSpPr/>
+        <p:nvPr/>
+      </p:nvGrpSpPr>
+      <p:grpSpPr>
+        <a:xfrm>
+          <a:off x="0" y="0"/>
+          <a:ext cx="0" cy="0"/>
+          <a:chOff x="0" y="0"/>
+          <a:chExt cx="0" cy="0"/>
+        </a:xfrm>
+      </p:grpSpPr>
+      <p:sp>
+        <p:nvSpPr>
+          <p:cNvPr id="3" name="Content Placeholder 2"/>
+          <p:cNvSpPr>
+            <a:spLocks noGrp="1"/>
+          </p:cNvSpPr>
+          <p:nvPr>
+            <p:ph idx="1"/>
+          </p:nvPr>
+        </p:nvSpPr>
+        <p:spPr>
+          <a:xfrm>
+            <a:off x="310515" y="1008992"/>
+            <a:ext cx="11043285" cy="5458309"/>
+          </a:xfrm>
+        </p:spPr>
+        <p:txBody>
+          <a:bodyPr>
+            <a:normAutofit fontScale="92500" lnSpcReduction="20000"/>
+          </a:bodyPr>
+          <a:lstStyle/>
+          <a:p>
+            <a:r>
+              <a:rPr lang="en-US" sz="2400" dirty="0" smtClean="0"/>
+              <a:t>Introduction</a:t>
+            </a:r>
+          </a:p>
+          <a:p>
+            <a:pPr lvl="1"/>
+            <a:r>
+              <a:rPr lang="en-US" dirty="0" smtClean="0"/>
+              <a:t>Project motivation was to develop text analytics to understand a wine tasters description of a wine and re-use that code for other text projects like surveys.</a:t>
+            </a:r>
+            <a:endParaRPr lang="en-US" dirty="0" smtClean="0"/>
+          </a:p>
+          <a:p>
+            <a:pPr lvl="1"/>
+            <a:r>
+              <a:rPr lang="en-US" dirty="0" smtClean="0"/>
+              <a:t>I am </a:t>
+            </a:r>
+            <a:r>
+              <a:rPr lang="en-US" dirty="0" smtClean="0"/>
+              <a:t>Database </a:t>
+            </a:r>
+            <a:r>
+              <a:rPr lang="en-US" dirty="0" smtClean="0"/>
+              <a:t>Technology </a:t>
+            </a:r>
+            <a:r>
+              <a:rPr lang="en-US" dirty="0" smtClean="0"/>
+              <a:t>student at Regis </a:t>
+            </a:r>
+            <a:r>
+              <a:rPr lang="en-US" dirty="0" smtClean="0"/>
+              <a:t>and </a:t>
+            </a:r>
+            <a:r>
+              <a:rPr lang="en-US" dirty="0" smtClean="0"/>
+              <a:t>an </a:t>
+            </a:r>
+            <a:r>
+              <a:rPr lang="en-US" dirty="0" smtClean="0"/>
+              <a:t>IT </a:t>
+            </a:r>
+            <a:r>
+              <a:rPr lang="en-US" dirty="0" smtClean="0"/>
+              <a:t>Manager by profession.</a:t>
+            </a:r>
+            <a:endParaRPr lang="en-US" dirty="0" smtClean="0"/>
+          </a:p>
+          <a:p>
+            <a:endParaRPr lang="en-US" sz="2400" dirty="0" smtClean="0"/>
+          </a:p>
+          <a:p>
+            <a:r>
+              <a:rPr lang="en-US" sz="2400" dirty="0" smtClean="0"/>
+              <a:t>Deeper </a:t>
+            </a:r>
+            <a:r>
+              <a:rPr lang="en-US" sz="2400" dirty="0"/>
+              <a:t>understanding the wine </a:t>
+            </a:r>
+            <a:r>
+              <a:rPr lang="en-US" sz="2400" dirty="0" smtClean="0"/>
+              <a:t>tasters description/review</a:t>
+            </a:r>
+            <a:endParaRPr lang="en-US" sz="2400" dirty="0"/>
+          </a:p>
+          <a:p>
+            <a:pPr lvl="1"/>
+            <a:r>
+              <a:rPr lang="en-US" dirty="0"/>
+              <a:t>Do low/high scores have correlations to certain words in tasters description?</a:t>
+            </a:r>
+          </a:p>
+          <a:p>
+            <a:pPr lvl="1"/>
+            <a:r>
+              <a:rPr lang="en-US" dirty="0"/>
+              <a:t>Can that be quantified using a Naïve Bayes feature classification model in Python that lists most informative features?</a:t>
+            </a:r>
+          </a:p>
+          <a:p>
+            <a:endParaRPr lang="en-US" sz="2400" dirty="0" smtClean="0"/>
+          </a:p>
+          <a:p>
+            <a:r>
+              <a:rPr lang="en-US" sz="2400" dirty="0" smtClean="0"/>
+              <a:t>Can we understanding </a:t>
+            </a:r>
+            <a:r>
+              <a:rPr lang="en-US" sz="2400" dirty="0"/>
+              <a:t>relationship of wine taster description and </a:t>
+            </a:r>
+            <a:r>
+              <a:rPr lang="en-US" sz="2400" dirty="0" smtClean="0"/>
+              <a:t>points?</a:t>
+            </a:r>
+            <a:endParaRPr lang="en-US" sz="2400" dirty="0"/>
+          </a:p>
+          <a:p>
+            <a:pPr lvl="1"/>
+            <a:r>
+              <a:rPr lang="en-US" dirty="0"/>
+              <a:t>Python Machine </a:t>
+            </a:r>
+            <a:r>
+              <a:rPr lang="en-US" dirty="0" smtClean="0"/>
+              <a:t>Learning wine score/point prediction</a:t>
+            </a:r>
+            <a:endParaRPr lang="en-US" dirty="0"/>
+          </a:p>
+          <a:p>
+            <a:endParaRPr lang="en-US" sz="2400" dirty="0" smtClean="0"/>
+          </a:p>
+          <a:p>
+            <a:r>
+              <a:rPr lang="en-US" sz="2400" dirty="0" smtClean="0"/>
+              <a:t>Exploratory </a:t>
+            </a:r>
+            <a:r>
+              <a:rPr lang="en-US" sz="2400" dirty="0" smtClean="0"/>
+              <a:t>data analysis</a:t>
+            </a:r>
+          </a:p>
+          <a:p>
+            <a:pPr lvl="1"/>
+            <a:r>
+              <a:rPr lang="en-US" dirty="0" smtClean="0"/>
+              <a:t>Learning and developing reports in </a:t>
+            </a:r>
+            <a:r>
+              <a:rPr lang="en-US" dirty="0" smtClean="0"/>
+              <a:t>Tableau to explore the wine data set</a:t>
+            </a:r>
+            <a:endParaRPr lang="en-US" dirty="0" smtClean="0"/>
+          </a:p>
+          <a:p>
+            <a:pPr lvl="1"/>
+            <a:r>
+              <a:rPr lang="en-US" dirty="0" smtClean="0"/>
+              <a:t>Learning and developing word cloud in </a:t>
+            </a:r>
+            <a:r>
+              <a:rPr lang="en-US" dirty="0" smtClean="0"/>
+              <a:t>R to understand descriptions</a:t>
+            </a:r>
+            <a:endParaRPr lang="en-US" dirty="0" smtClean="0"/>
+          </a:p>
+        </p:txBody>
+      </p:sp>
+      <p:sp>
+        <p:nvSpPr>
+          <p:cNvPr id="5" name="Title 14"/>
+          <p:cNvSpPr txBox="1">
+            <a:spLocks/>
+          </p:cNvSpPr>
+          <p:nvPr/>
+        </p:nvSpPr>
+        <p:spPr bwMode="auto">
+          <a:xfrm>
+            <a:off x="310515" y="202783"/>
+            <a:ext cx="8229601" cy="492443"/>
+          </a:xfrm>
+          <a:prstGeom prst="rect">
+            <a:avLst/>
+          </a:prstGeom>
+          <a:noFill/>
+          <a:ln>
+            <a:noFill/>
+          </a:ln>
+          <a:extLst>
+            <a:ext uri="{FAA26D3D-D897-4be2-8F04-BA451C77F1D7}">
+              <ma14:placeholderFlag xmlns:ma14="http://schemas.microsoft.com/office/mac/drawingml/2011/main" xmlns="" val="1"/>
+            </a:ext>
+            <a:ext uri="{909E8E84-426E-40dd-AFC4-6F175D3DCCD1}">
+              <a14:hiddenFill xmlns="" xmlns:a14="http://schemas.microsoft.com/office/drawing/2010/main">
+                <a:solidFill>
+                  <a:schemeClr val="accent1"/>
+                </a:solidFill>
+              </a14:hiddenFill>
+            </a:ext>
+            <a:ext uri="{91240B29-F687-4f45-9708-019B960494DF}">
+              <a14:hiddenLine xmlns="" xmlns:a14="http://schemas.microsoft.com/office/drawing/2010/main" w="9525">
+                <a:solidFill>
+                  <a:schemeClr val="tx1"/>
+                </a:solidFill>
+                <a:miter lim="800000"/>
+                <a:headEnd/>
+                <a:tailEnd/>
+              </a14:hiddenLine>
+            </a:ext>
+          </a:extLst>
+        </p:spPr>
+        <p:txBody>
+          <a:bodyPr vert="horz" wrap="square" lIns="0" tIns="0" rIns="0" bIns="0" numCol="1" anchor="t" anchorCtr="0" compatLnSpc="1">
+            <a:prstTxWarp prst="textNoShape">
+              <a:avLst/>
+            </a:prstTxWarp>
+            <a:spAutoFit/>
+          </a:bodyPr>
+          <a:lstStyle>
+            <a:lvl1pPr algn="l" rtl="0" eaLnBrk="1" fontAlgn="base" hangingPunct="1">
+              <a:spcBef>
+                <a:spcPct val="0"/>
+              </a:spcBef>
+              <a:spcAft>
+                <a:spcPct val="0"/>
+              </a:spcAft>
+              <a:defRPr sz="2000" b="1">
+                <a:solidFill>
+                  <a:schemeClr val="accent1"/>
+                </a:solidFill>
+                <a:latin typeface="Malgun Gothic" panose="020B0503020000020004" pitchFamily="34" charset="-127"/>
+                <a:ea typeface="Malgun Gothic" panose="020B0503020000020004" pitchFamily="34" charset="-127"/>
+                <a:cs typeface="+mj-cs"/>
+              </a:defRPr>
+            </a:lvl1pPr>
+            <a:lvl2pPr algn="l" rtl="0" eaLnBrk="1" fontAlgn="base" hangingPunct="1">
+              <a:spcBef>
+                <a:spcPct val="0"/>
+              </a:spcBef>
+              <a:spcAft>
+                <a:spcPct val="0"/>
+              </a:spcAft>
+              <a:defRPr sz="2000" b="1">
+                <a:solidFill>
+                  <a:srgbClr val="9F0812"/>
+                </a:solidFill>
+                <a:latin typeface="Arial" charset="0"/>
+                <a:ea typeface="ヒラギノ角ゴ Pro W3" charset="0"/>
+                <a:cs typeface="ＭＳ Ｐゴシック" charset="0"/>
+              </a:defRPr>
+            </a:lvl2pPr>
+            <a:lvl3pPr algn="l" rtl="0" eaLnBrk="1" fontAlgn="base" hangingPunct="1">
+              <a:spcBef>
+                <a:spcPct val="0"/>
+              </a:spcBef>
+              <a:spcAft>
+                <a:spcPct val="0"/>
+              </a:spcAft>
+              <a:defRPr sz="2000" b="1">
+                <a:solidFill>
+                  <a:srgbClr val="9F0812"/>
+                </a:solidFill>
+                <a:latin typeface="Arial" charset="0"/>
+                <a:ea typeface="ヒラギノ角ゴ Pro W3" charset="0"/>
+                <a:cs typeface="ＭＳ Ｐゴシック" charset="0"/>
+              </a:defRPr>
+            </a:lvl3pPr>
+            <a:lvl4pPr algn="l" rtl="0" eaLnBrk="1" fontAlgn="base" hangingPunct="1">
+              <a:spcBef>
+                <a:spcPct val="0"/>
+              </a:spcBef>
+              <a:spcAft>
+                <a:spcPct val="0"/>
+              </a:spcAft>
+              <a:defRPr sz="2000" b="1">
+                <a:solidFill>
+                  <a:srgbClr val="9F0812"/>
+                </a:solidFill>
+                <a:latin typeface="Arial" charset="0"/>
+                <a:ea typeface="ヒラギノ角ゴ Pro W3" charset="0"/>
+                <a:cs typeface="ＭＳ Ｐゴシック" charset="0"/>
+              </a:defRPr>
+            </a:lvl4pPr>
+            <a:lvl5pPr algn="l" rtl="0" eaLnBrk="1" fontAlgn="base" hangingPunct="1">
+              <a:spcBef>
+                <a:spcPct val="0"/>
+              </a:spcBef>
+              <a:spcAft>
+                <a:spcPct val="0"/>
+              </a:spcAft>
+              <a:defRPr sz="2000" b="1">
+                <a:solidFill>
+                  <a:srgbClr val="9F0812"/>
+                </a:solidFill>
+                <a:latin typeface="Arial" charset="0"/>
+                <a:ea typeface="ヒラギノ角ゴ Pro W3" charset="0"/>
+                <a:cs typeface="ＭＳ Ｐゴシック" charset="0"/>
+              </a:defRPr>
+            </a:lvl5pPr>
+            <a:lvl6pPr marL="457200" algn="l" rtl="0" eaLnBrk="1" fontAlgn="base" hangingPunct="1">
+              <a:spcBef>
+                <a:spcPct val="0"/>
+              </a:spcBef>
+              <a:spcAft>
+                <a:spcPct val="0"/>
+              </a:spcAft>
+              <a:defRPr sz="2800" b="1">
+                <a:solidFill>
+                  <a:schemeClr val="tx2"/>
+                </a:solidFill>
+                <a:latin typeface="Arial" charset="0"/>
+                <a:ea typeface="ＭＳ Ｐゴシック" charset="0"/>
+                <a:cs typeface="ＭＳ Ｐゴシック" charset="0"/>
+              </a:defRPr>
+            </a:lvl6pPr>
+            <a:lvl7pPr marL="914400" algn="l" rtl="0" eaLnBrk="1" fontAlgn="base" hangingPunct="1">
+              <a:spcBef>
+                <a:spcPct val="0"/>
+              </a:spcBef>
+              <a:spcAft>
+                <a:spcPct val="0"/>
+              </a:spcAft>
+              <a:defRPr sz="2800" b="1">
+                <a:solidFill>
+                  <a:schemeClr val="tx2"/>
+                </a:solidFill>
+                <a:latin typeface="Arial" charset="0"/>
+                <a:ea typeface="ＭＳ Ｐゴシック" charset="0"/>
+                <a:cs typeface="ＭＳ Ｐゴシック" charset="0"/>
+              </a:defRPr>
+            </a:lvl7pPr>
+            <a:lvl8pPr marL="1371600" algn="l" rtl="0" eaLnBrk="1" fontAlgn="base" hangingPunct="1">
+              <a:spcBef>
+                <a:spcPct val="0"/>
+              </a:spcBef>
+              <a:spcAft>
+                <a:spcPct val="0"/>
+              </a:spcAft>
+              <a:defRPr sz="2800" b="1">
+                <a:solidFill>
+                  <a:schemeClr val="tx2"/>
+                </a:solidFill>
+                <a:latin typeface="Arial" charset="0"/>
+                <a:ea typeface="ＭＳ Ｐゴシック" charset="0"/>
+                <a:cs typeface="ＭＳ Ｐゴシック" charset="0"/>
+              </a:defRPr>
+            </a:lvl8pPr>
+            <a:lvl9pPr marL="1828800" algn="l" rtl="0" eaLnBrk="1" fontAlgn="base" hangingPunct="1">
+              <a:spcBef>
+                <a:spcPct val="0"/>
+              </a:spcBef>
+              <a:spcAft>
+                <a:spcPct val="0"/>
+              </a:spcAft>
+              <a:defRPr sz="2800" b="1">
+                <a:solidFill>
+                  <a:schemeClr val="tx2"/>
+                </a:solidFill>
+                <a:latin typeface="Arial" charset="0"/>
+                <a:ea typeface="ＭＳ Ｐゴシック" charset="0"/>
+                <a:cs typeface="ＭＳ Ｐゴシック" charset="0"/>
+              </a:defRPr>
+            </a:lvl9pPr>
+          </a:lstStyle>
+          <a:p>
+            <a:r>
+              <a:rPr lang="en-US" dirty="0" smtClean="0"/>
+              <a:t>Objective</a:t>
+            </a:r>
+            <a:r>
+              <a:rPr lang="en-US" dirty="0"/>
+              <a:t/>
+            </a:r>
+            <a:br>
+              <a:rPr lang="en-US" dirty="0"/>
+            </a:br>
+            <a:r>
+              <a:rPr lang="en-US" sz="1200" dirty="0" smtClean="0">
+                <a:solidFill>
+                  <a:schemeClr val="tx1"/>
+                </a:solidFill>
+              </a:rPr>
+              <a:t>Analysis of wine tasting data</a:t>
+            </a:r>
+            <a:endParaRPr lang="en-US" sz="1200" kern="0" dirty="0"/>
+          </a:p>
+        </p:txBody>
+      </p:sp>
+    </p:spTree>
+    <p:extLst>
+      <p:ext uri="{BB962C8B-B14F-4D97-AF65-F5344CB8AC3E}">
+        <p14:creationId xmlns:p14="http://schemas.microsoft.com/office/powerpoint/2010/main" val="1639802680"/>
+      </p:ext>
+    </p:extLst>
+  </p:cSld>
+  <p:clrMapOvr>
+    <a:masterClrMapping/>
+  </p:clrMapOvr>
+  <p:timing>
+    <p:tnLst>
+      <p:par>
+        <p:cTn id="1" dur="indefinite" restart="never" nodeType="tmRoot"/>
+      </p:par>
+    </p:tnLst>
+  </p:timing>
+</p:sld>
+</file>
+
+<file path=ppt/slides/slide20.xml><?xml version="1.0" encoding="utf-8"?>
+<p:sld xmlns:a="http://schemas.openxmlformats.org/drawingml/2006/main" xmlns:r="http://schemas.openxmlformats.org/officeDocument/2006/relationships" xmlns:p="http://schemas.openxmlformats.org/presentationml/2006/main">
+  <p:cSld>
+    <p:spTree>
+      <p:nvGrpSpPr>
+        <p:cNvPr id="1" name=""/>
+        <p:cNvGrpSpPr/>
+        <p:nvPr/>
+      </p:nvGrpSpPr>
+      <p:grpSpPr>
+        <a:xfrm>
+          <a:off x="0" y="0"/>
+          <a:ext cx="0" cy="0"/>
+          <a:chOff x="0" y="0"/>
+          <a:chExt cx="0" cy="0"/>
+        </a:xfrm>
+      </p:grpSpPr>
+      <p:sp>
+        <p:nvSpPr>
+          <p:cNvPr id="5" name="Title 14"/>
+          <p:cNvSpPr txBox="1">
+            <a:spLocks/>
+          </p:cNvSpPr>
+          <p:nvPr/>
+        </p:nvSpPr>
+        <p:spPr bwMode="auto">
+          <a:xfrm>
+            <a:off x="310515" y="227721"/>
+            <a:ext cx="8229601" cy="492443"/>
+          </a:xfrm>
+          <a:prstGeom prst="rect">
+            <a:avLst/>
+          </a:prstGeom>
+          <a:noFill/>
+          <a:ln>
+            <a:noFill/>
+          </a:ln>
+          <a:extLst>
+            <a:ext uri="{FAA26D3D-D897-4be2-8F04-BA451C77F1D7}">
+              <ma14:placeholderFlag xmlns:ma14="http://schemas.microsoft.com/office/mac/drawingml/2011/main" xmlns="" val="1"/>
+            </a:ext>
+            <a:ext uri="{909E8E84-426E-40dd-AFC4-6F175D3DCCD1}">
+              <a14:hiddenFill xmlns="" xmlns:a14="http://schemas.microsoft.com/office/drawing/2010/main">
+                <a:solidFill>
+                  <a:schemeClr val="accent1"/>
+                </a:solidFill>
+              </a14:hiddenFill>
+            </a:ext>
+            <a:ext uri="{91240B29-F687-4f45-9708-019B960494DF}">
+              <a14:hiddenLine xmlns="" xmlns:a14="http://schemas.microsoft.com/office/drawing/2010/main" w="9525">
+                <a:solidFill>
+                  <a:schemeClr val="tx1"/>
+                </a:solidFill>
+                <a:miter lim="800000"/>
+                <a:headEnd/>
+                <a:tailEnd/>
+              </a14:hiddenLine>
+            </a:ext>
+          </a:extLst>
+        </p:spPr>
+        <p:txBody>
+          <a:bodyPr vert="horz" wrap="square" lIns="0" tIns="0" rIns="0" bIns="0" numCol="1" anchor="t" anchorCtr="0" compatLnSpc="1">
+            <a:prstTxWarp prst="textNoShape">
+              <a:avLst/>
+            </a:prstTxWarp>
+            <a:spAutoFit/>
+          </a:bodyPr>
+          <a:lstStyle>
+            <a:lvl1pPr algn="l" rtl="0" eaLnBrk="1" fontAlgn="base" hangingPunct="1">
+              <a:spcBef>
+                <a:spcPct val="0"/>
+              </a:spcBef>
+              <a:spcAft>
+                <a:spcPct val="0"/>
+              </a:spcAft>
+              <a:defRPr sz="2000" b="1">
+                <a:solidFill>
+                  <a:schemeClr val="accent1"/>
+                </a:solidFill>
+                <a:latin typeface="Malgun Gothic" panose="020B0503020000020004" pitchFamily="34" charset="-127"/>
+                <a:ea typeface="Malgun Gothic" panose="020B0503020000020004" pitchFamily="34" charset="-127"/>
+                <a:cs typeface="+mj-cs"/>
+              </a:defRPr>
+            </a:lvl1pPr>
+            <a:lvl2pPr algn="l" rtl="0" eaLnBrk="1" fontAlgn="base" hangingPunct="1">
+              <a:spcBef>
+                <a:spcPct val="0"/>
+              </a:spcBef>
+              <a:spcAft>
+                <a:spcPct val="0"/>
+              </a:spcAft>
+              <a:defRPr sz="2000" b="1">
+                <a:solidFill>
+                  <a:srgbClr val="9F0812"/>
+                </a:solidFill>
+                <a:latin typeface="Arial" charset="0"/>
+                <a:ea typeface="ヒラギノ角ゴ Pro W3" charset="0"/>
+                <a:cs typeface="ＭＳ Ｐゴシック" charset="0"/>
+              </a:defRPr>
+            </a:lvl2pPr>
+            <a:lvl3pPr algn="l" rtl="0" eaLnBrk="1" fontAlgn="base" hangingPunct="1">
+              <a:spcBef>
+                <a:spcPct val="0"/>
+              </a:spcBef>
+              <a:spcAft>
+                <a:spcPct val="0"/>
+              </a:spcAft>
+              <a:defRPr sz="2000" b="1">
+                <a:solidFill>
+                  <a:srgbClr val="9F0812"/>
+                </a:solidFill>
+                <a:latin typeface="Arial" charset="0"/>
+                <a:ea typeface="ヒラギノ角ゴ Pro W3" charset="0"/>
+                <a:cs typeface="ＭＳ Ｐゴシック" charset="0"/>
+              </a:defRPr>
+            </a:lvl3pPr>
+            <a:lvl4pPr algn="l" rtl="0" eaLnBrk="1" fontAlgn="base" hangingPunct="1">
+              <a:spcBef>
+                <a:spcPct val="0"/>
+              </a:spcBef>
+              <a:spcAft>
+                <a:spcPct val="0"/>
+              </a:spcAft>
+              <a:defRPr sz="2000" b="1">
+                <a:solidFill>
+                  <a:srgbClr val="9F0812"/>
+                </a:solidFill>
+                <a:latin typeface="Arial" charset="0"/>
+                <a:ea typeface="ヒラギノ角ゴ Pro W3" charset="0"/>
+                <a:cs typeface="ＭＳ Ｐゴシック" charset="0"/>
+              </a:defRPr>
+            </a:lvl4pPr>
+            <a:lvl5pPr algn="l" rtl="0" eaLnBrk="1" fontAlgn="base" hangingPunct="1">
+              <a:spcBef>
+                <a:spcPct val="0"/>
+              </a:spcBef>
+              <a:spcAft>
+                <a:spcPct val="0"/>
+              </a:spcAft>
+              <a:defRPr sz="2000" b="1">
+                <a:solidFill>
+                  <a:srgbClr val="9F0812"/>
+                </a:solidFill>
+                <a:latin typeface="Arial" charset="0"/>
+                <a:ea typeface="ヒラギノ角ゴ Pro W3" charset="0"/>
+                <a:cs typeface="ＭＳ Ｐゴシック" charset="0"/>
+              </a:defRPr>
+            </a:lvl5pPr>
+            <a:lvl6pPr marL="457200" algn="l" rtl="0" eaLnBrk="1" fontAlgn="base" hangingPunct="1">
+              <a:spcBef>
+                <a:spcPct val="0"/>
+              </a:spcBef>
+              <a:spcAft>
+                <a:spcPct val="0"/>
+              </a:spcAft>
+              <a:defRPr sz="2800" b="1">
+                <a:solidFill>
+                  <a:schemeClr val="tx2"/>
+                </a:solidFill>
+                <a:latin typeface="Arial" charset="0"/>
+                <a:ea typeface="ＭＳ Ｐゴシック" charset="0"/>
+                <a:cs typeface="ＭＳ Ｐゴシック" charset="0"/>
+              </a:defRPr>
+            </a:lvl6pPr>
+            <a:lvl7pPr marL="914400" algn="l" rtl="0" eaLnBrk="1" fontAlgn="base" hangingPunct="1">
+              <a:spcBef>
+                <a:spcPct val="0"/>
+              </a:spcBef>
+              <a:spcAft>
+                <a:spcPct val="0"/>
+              </a:spcAft>
+              <a:defRPr sz="2800" b="1">
+                <a:solidFill>
+                  <a:schemeClr val="tx2"/>
+                </a:solidFill>
+                <a:latin typeface="Arial" charset="0"/>
+                <a:ea typeface="ＭＳ Ｐゴシック" charset="0"/>
+                <a:cs typeface="ＭＳ Ｐゴシック" charset="0"/>
+              </a:defRPr>
+            </a:lvl7pPr>
+            <a:lvl8pPr marL="1371600" algn="l" rtl="0" eaLnBrk="1" fontAlgn="base" hangingPunct="1">
+              <a:spcBef>
+                <a:spcPct val="0"/>
+              </a:spcBef>
+              <a:spcAft>
+                <a:spcPct val="0"/>
+              </a:spcAft>
+              <a:defRPr sz="2800" b="1">
+                <a:solidFill>
+                  <a:schemeClr val="tx2"/>
+                </a:solidFill>
+                <a:latin typeface="Arial" charset="0"/>
+                <a:ea typeface="ＭＳ Ｐゴシック" charset="0"/>
+                <a:cs typeface="ＭＳ Ｐゴシック" charset="0"/>
+              </a:defRPr>
+            </a:lvl8pPr>
+            <a:lvl9pPr marL="1828800" algn="l" rtl="0" eaLnBrk="1" fontAlgn="base" hangingPunct="1">
+              <a:spcBef>
+                <a:spcPct val="0"/>
+              </a:spcBef>
+              <a:spcAft>
+                <a:spcPct val="0"/>
+              </a:spcAft>
+              <a:defRPr sz="2800" b="1">
+                <a:solidFill>
+                  <a:schemeClr val="tx2"/>
+                </a:solidFill>
+                <a:latin typeface="Arial" charset="0"/>
+                <a:ea typeface="ＭＳ Ｐゴシック" charset="0"/>
+                <a:cs typeface="ＭＳ Ｐゴシック" charset="0"/>
+              </a:defRPr>
+            </a:lvl9pPr>
+          </a:lstStyle>
+          <a:p>
+            <a:r>
+              <a:rPr lang="en-US" dirty="0" smtClean="0"/>
+              <a:t>Analysis </a:t>
+            </a:r>
+            <a:r>
+              <a:rPr lang="en-US" dirty="0"/>
+              <a:t>R</a:t>
+            </a:r>
+            <a:r>
+              <a:rPr lang="en-US" dirty="0" smtClean="0"/>
+              <a:t>esults, Conclusion </a:t>
+            </a:r>
+            <a:r>
+              <a:rPr lang="en-US" dirty="0"/>
+              <a:t>and </a:t>
+            </a:r>
+            <a:r>
+              <a:rPr lang="en-US" dirty="0" smtClean="0"/>
+              <a:t>Discussions</a:t>
+            </a:r>
+            <a:endParaRPr lang="en-US" dirty="0"/>
+          </a:p>
+          <a:p>
+            <a:r>
+              <a:rPr lang="en-US" sz="1200" dirty="0" smtClean="0">
+                <a:solidFill>
+                  <a:schemeClr val="tx1"/>
+                </a:solidFill>
+              </a:rPr>
+              <a:t>What was learned and what are next steps</a:t>
+            </a:r>
+            <a:endParaRPr lang="en-US" sz="1200" kern="0" dirty="0"/>
+          </a:p>
+        </p:txBody>
+      </p:sp>
+      <p:sp>
+        <p:nvSpPr>
+          <p:cNvPr id="6" name="TextBox 5"/>
+          <p:cNvSpPr txBox="1"/>
+          <p:nvPr/>
+        </p:nvSpPr>
+        <p:spPr>
+          <a:xfrm>
+            <a:off x="310515" y="1408385"/>
+            <a:ext cx="8987468" cy="584775"/>
+          </a:xfrm>
+          <a:prstGeom prst="rect">
+            <a:avLst/>
+          </a:prstGeom>
+          <a:noFill/>
+        </p:spPr>
+        <p:txBody>
+          <a:bodyPr wrap="square" rtlCol="0">
+            <a:spAutoFit/>
+          </a:bodyPr>
+          <a:lstStyle/>
+          <a:p>
+            <a:endParaRPr lang="en-US" sz="1600" dirty="0"/>
+          </a:p>
+          <a:p>
+            <a:pPr marL="742950" lvl="1" indent="-285750">
+              <a:buFont typeface="Arial" panose="020B0604020202020204" pitchFamily="34" charset="0"/>
+              <a:buChar char="•"/>
+            </a:pPr>
+            <a:endParaRPr lang="en-US" sz="1600" dirty="0" smtClean="0"/>
+          </a:p>
+        </p:txBody>
+      </p:sp>
+      <p:graphicFrame>
+        <p:nvGraphicFramePr>
+          <p:cNvPr id="2" name="Table 1"/>
+          <p:cNvGraphicFramePr>
+            <a:graphicFrameLocks noGrp="1"/>
+          </p:cNvGraphicFramePr>
+          <p:nvPr>
+            <p:extLst>
+              <p:ext uri="{D42A27DB-BD31-4B8C-83A1-F6EECF244321}">
+                <p14:modId xmlns:p14="http://schemas.microsoft.com/office/powerpoint/2010/main" val="2058724984"/>
+              </p:ext>
+            </p:extLst>
+          </p:nvPr>
+        </p:nvGraphicFramePr>
+        <p:xfrm>
+          <a:off x="310515" y="939339"/>
+          <a:ext cx="9772823" cy="3328475"/>
+        </p:xfrm>
+        <a:graphic>
+          <a:graphicData uri="http://schemas.openxmlformats.org/drawingml/2006/table">
+            <a:tbl>
+              <a:tblPr firstRow="1" bandRow="1">
+                <a:tableStyleId>{5C22544A-7EE6-4342-B048-85BDC9FD1C3A}</a:tableStyleId>
+              </a:tblPr>
+              <a:tblGrid>
+                <a:gridCol w="3305762">
+                  <a:extLst>
+                    <a:ext uri="{9D8B030D-6E8A-4147-A177-3AD203B41FA5}">
+                      <a16:colId xmlns:a16="http://schemas.microsoft.com/office/drawing/2014/main" val="3661752174"/>
+                    </a:ext>
+                  </a:extLst>
+                </a:gridCol>
+                <a:gridCol w="6467061">
+                  <a:extLst>
+                    <a:ext uri="{9D8B030D-6E8A-4147-A177-3AD203B41FA5}">
+                      <a16:colId xmlns:a16="http://schemas.microsoft.com/office/drawing/2014/main" val="331254453"/>
+                    </a:ext>
+                  </a:extLst>
+                </a:gridCol>
+              </a:tblGrid>
+              <a:tr h="441298">
+                <a:tc>
+                  <a:txBody>
+                    <a:bodyPr/>
+                    <a:lstStyle/>
+                    <a:p>
+                      <a:r>
+                        <a:rPr lang="en-US" dirty="0" smtClean="0"/>
+                        <a:t>Input</a:t>
+                      </a:r>
+                      <a:endParaRPr lang="en-US" dirty="0"/>
+                    </a:p>
+                  </a:txBody>
+                  <a:tcPr/>
+                </a:tc>
+                <a:tc>
+                  <a:txBody>
+                    <a:bodyPr/>
+                    <a:lstStyle/>
+                    <a:p>
+                      <a:r>
+                        <a:rPr lang="en-US" dirty="0" smtClean="0"/>
+                        <a:t>Findings</a:t>
+                      </a:r>
+                      <a:endParaRPr lang="en-US" dirty="0"/>
+                    </a:p>
+                  </a:txBody>
+                  <a:tcPr/>
+                </a:tc>
+                <a:extLst>
+                  <a:ext uri="{0D108BD9-81ED-4DB2-BD59-A6C34878D82A}">
+                    <a16:rowId xmlns:a16="http://schemas.microsoft.com/office/drawing/2014/main" val="2876201889"/>
+                  </a:ext>
+                </a:extLst>
+              </a:tr>
+              <a:tr h="1067420">
+                <a:tc>
+                  <a:txBody>
+                    <a:bodyPr/>
+                    <a:lstStyle/>
+                    <a:p>
+                      <a:r>
+                        <a:rPr lang="en-US" sz="1400" dirty="0" smtClean="0"/>
+                        <a:t>Analysis results</a:t>
+                      </a:r>
+                    </a:p>
+                    <a:p>
+                      <a:endParaRPr lang="en-US" sz="1400" dirty="0"/>
+                    </a:p>
+                  </a:txBody>
+                  <a:tcPr/>
+                </a:tc>
+                <a:tc>
+                  <a:txBody>
+                    <a:bodyPr/>
+                    <a:lstStyle/>
+                    <a:p>
+                      <a:pPr marL="285750" indent="-285750">
+                        <a:buFont typeface="Arial" panose="020B0604020202020204" pitchFamily="34" charset="0"/>
+                        <a:buChar char="•"/>
+                      </a:pPr>
+                      <a:r>
+                        <a:rPr lang="en-US" sz="1400" dirty="0" smtClean="0"/>
+                        <a:t>Words</a:t>
+                      </a:r>
+                      <a:r>
+                        <a:rPr lang="en-US" sz="1400" baseline="0" dirty="0" smtClean="0"/>
+                        <a:t> in tasters descriptions appear to correlate to wine score in many cases</a:t>
+                      </a:r>
+                    </a:p>
+                    <a:p>
+                      <a:pPr marL="285750" indent="-285750">
+                        <a:buFont typeface="Arial" panose="020B0604020202020204" pitchFamily="34" charset="0"/>
+                        <a:buChar char="•"/>
+                      </a:pPr>
+                      <a:r>
+                        <a:rPr lang="en-US" sz="1400" baseline="0" dirty="0" smtClean="0"/>
+                        <a:t>Descriptions can be used to predict scores, more model research/tuning needed</a:t>
+                      </a:r>
+                    </a:p>
+                    <a:p>
+                      <a:pPr marL="285750" indent="-285750">
+                        <a:buFont typeface="Arial" panose="020B0604020202020204" pitchFamily="34" charset="0"/>
+                        <a:buChar char="•"/>
+                      </a:pPr>
+                      <a:r>
+                        <a:rPr lang="en-US" sz="1400" baseline="0" dirty="0" smtClean="0"/>
+                        <a:t>Exploratory Data Analysis with Tableau and Python were both effective in understanding  and visualizing the wine data </a:t>
+                      </a:r>
+                      <a:endParaRPr lang="en-US" sz="1400" dirty="0"/>
+                    </a:p>
+                  </a:txBody>
+                  <a:tcPr/>
+                </a:tc>
+                <a:extLst>
+                  <a:ext uri="{0D108BD9-81ED-4DB2-BD59-A6C34878D82A}">
+                    <a16:rowId xmlns:a16="http://schemas.microsoft.com/office/drawing/2014/main" val="3211480399"/>
+                  </a:ext>
+                </a:extLst>
+              </a:tr>
+              <a:tr h="874877">
+                <a:tc>
+                  <a:txBody>
+                    <a:bodyPr/>
+                    <a:lstStyle/>
+                    <a:p>
+                      <a:pPr marL="0" marR="0" lvl="0" indent="0" algn="l" defTabSz="914400" rtl="0" eaLnBrk="1" fontAlgn="auto" latinLnBrk="0" hangingPunct="1">
+                        <a:lnSpc>
+                          <a:spcPct val="100000"/>
+                        </a:lnSpc>
+                        <a:spcBef>
+                          <a:spcPts val="0"/>
+                        </a:spcBef>
+                        <a:spcAft>
+                          <a:spcPts val="0"/>
+                        </a:spcAft>
+                        <a:buClrTx/>
+                        <a:buSzTx/>
+                        <a:buFontTx/>
+                        <a:buNone/>
+                        <a:tabLst/>
+                        <a:defRPr/>
+                      </a:pPr>
+                      <a:r>
+                        <a:rPr lang="en-US" sz="1400" dirty="0" smtClean="0"/>
+                        <a:t>Next steps </a:t>
+                      </a:r>
+                    </a:p>
+                    <a:p>
+                      <a:endParaRPr lang="en-US" sz="1400" dirty="0" smtClean="0"/>
+                    </a:p>
+                  </a:txBody>
+                  <a:tcPr/>
+                </a:tc>
+                <a:tc>
+                  <a:txBody>
+                    <a:bodyPr/>
+                    <a:lstStyle/>
+                    <a:p>
+                      <a:pPr marL="285750" indent="-285750">
+                        <a:buFont typeface="Arial" panose="020B0604020202020204" pitchFamily="34" charset="0"/>
+                        <a:buChar char="•"/>
+                      </a:pPr>
+                      <a:r>
+                        <a:rPr lang="en-US" sz="1400" dirty="0" smtClean="0"/>
+                        <a:t>More exploring</a:t>
+                      </a:r>
+                      <a:r>
+                        <a:rPr lang="en-US" sz="1400" baseline="0" dirty="0" smtClean="0"/>
+                        <a:t> with modeling, modeling optimization and scoring. </a:t>
+                      </a:r>
+                    </a:p>
+                    <a:p>
+                      <a:pPr marL="285750" indent="-285750">
+                        <a:buFont typeface="Arial" panose="020B0604020202020204" pitchFamily="34" charset="0"/>
+                        <a:buChar char="•"/>
+                      </a:pPr>
+                      <a:r>
+                        <a:rPr lang="en-US" sz="1400" baseline="0" dirty="0" smtClean="0"/>
+                        <a:t>Huge leap forward for me as my Python skills increased from none to beginner </a:t>
+                      </a:r>
+                    </a:p>
+                    <a:p>
+                      <a:pPr marL="285750" indent="-285750">
+                        <a:buFont typeface="Arial" panose="020B0604020202020204" pitchFamily="34" charset="0"/>
+                        <a:buChar char="•"/>
+                      </a:pPr>
+                      <a:r>
+                        <a:rPr lang="en-US" sz="1400" baseline="0" dirty="0" smtClean="0"/>
+                        <a:t>Experiment more with model variables, scenarios and results.</a:t>
+                      </a:r>
+                      <a:endParaRPr lang="en-US" sz="1400" dirty="0" smtClean="0"/>
+                    </a:p>
+                  </a:txBody>
+                  <a:tcPr/>
+                </a:tc>
+                <a:extLst>
+                  <a:ext uri="{0D108BD9-81ED-4DB2-BD59-A6C34878D82A}">
+                    <a16:rowId xmlns:a16="http://schemas.microsoft.com/office/drawing/2014/main" val="941631010"/>
+                  </a:ext>
+                </a:extLst>
+              </a:tr>
+              <a:tr h="874877">
+                <a:tc>
+                  <a:txBody>
+                    <a:bodyPr/>
+                    <a:lstStyle/>
+                    <a:p>
+                      <a:pPr marL="0" marR="0" lvl="0" indent="0" algn="l" defTabSz="914400" rtl="0" eaLnBrk="1" fontAlgn="auto" latinLnBrk="0" hangingPunct="1">
+                        <a:lnSpc>
+                          <a:spcPct val="100000"/>
+                        </a:lnSpc>
+                        <a:spcBef>
+                          <a:spcPts val="0"/>
+                        </a:spcBef>
+                        <a:spcAft>
+                          <a:spcPts val="0"/>
+                        </a:spcAft>
+                        <a:buClrTx/>
+                        <a:buSzTx/>
+                        <a:buFontTx/>
+                        <a:buNone/>
+                        <a:tabLst/>
+                        <a:defRPr/>
+                      </a:pPr>
+                      <a:r>
+                        <a:rPr lang="en-US" sz="1400" dirty="0" smtClean="0"/>
+                        <a:t>My Learning of Python</a:t>
+                      </a:r>
+                      <a:r>
+                        <a:rPr lang="en-US" sz="1400" baseline="0" dirty="0" smtClean="0"/>
+                        <a:t> Machine learning and Modeling</a:t>
+                      </a:r>
+                      <a:endParaRPr lang="en-US" sz="1400" dirty="0" smtClean="0"/>
+                    </a:p>
+                    <a:p>
+                      <a:endParaRPr lang="en-US" sz="1400" dirty="0"/>
+                    </a:p>
+                  </a:txBody>
+                  <a:tcPr/>
+                </a:tc>
+                <a:tc>
+                  <a:txBody>
+                    <a:bodyPr/>
+                    <a:lstStyle/>
+                    <a:p>
+                      <a:pPr marL="285750" indent="-285750">
+                        <a:buFont typeface="Arial" panose="020B0604020202020204" pitchFamily="34" charset="0"/>
+                        <a:buChar char="•"/>
+                      </a:pPr>
+                      <a:r>
+                        <a:rPr lang="en-US" sz="1400" dirty="0" smtClean="0"/>
+                        <a:t>F</a:t>
+                      </a:r>
+                      <a:r>
+                        <a:rPr lang="en-US" sz="1400" baseline="0" dirty="0" smtClean="0"/>
+                        <a:t>irst experience with Python outside of a Regis class that had lab examples</a:t>
+                      </a:r>
+                    </a:p>
+                    <a:p>
+                      <a:pPr marL="285750" indent="-285750">
+                        <a:buFont typeface="Arial" panose="020B0604020202020204" pitchFamily="34" charset="0"/>
+                        <a:buChar char="•"/>
+                      </a:pPr>
+                      <a:r>
+                        <a:rPr lang="en-US" sz="1400" baseline="0" dirty="0" smtClean="0"/>
+                        <a:t>Learned through practice and was stuck many times </a:t>
+                      </a:r>
+                    </a:p>
+                    <a:p>
+                      <a:pPr marL="285750" indent="-285750">
+                        <a:buFont typeface="Arial" panose="020B0604020202020204" pitchFamily="34" charset="0"/>
+                        <a:buChar char="•"/>
+                      </a:pPr>
+                      <a:r>
+                        <a:rPr lang="en-US" sz="1400" baseline="0" dirty="0" smtClean="0"/>
+                        <a:t>Converting </a:t>
+                      </a:r>
+                      <a:r>
+                        <a:rPr lang="en-US" sz="1400" baseline="0" dirty="0" err="1" smtClean="0"/>
+                        <a:t>numpy</a:t>
+                      </a:r>
+                      <a:r>
+                        <a:rPr lang="en-US" sz="1400" baseline="0" dirty="0" smtClean="0"/>
+                        <a:t> series and arrays to a data frame to analyze models output.</a:t>
+                      </a:r>
+                      <a:endParaRPr lang="en-US" sz="1400" dirty="0" smtClean="0"/>
+                    </a:p>
+                    <a:p>
+                      <a:pPr marL="285750" indent="-285750">
+                        <a:buFont typeface="Arial" panose="020B0604020202020204" pitchFamily="34" charset="0"/>
+                        <a:buChar char="•"/>
+                      </a:pPr>
+                      <a:endParaRPr lang="en-US" sz="1400" dirty="0"/>
+                    </a:p>
+                  </a:txBody>
+                  <a:tcPr/>
+                </a:tc>
+                <a:extLst>
+                  <a:ext uri="{0D108BD9-81ED-4DB2-BD59-A6C34878D82A}">
+                    <a16:rowId xmlns:a16="http://schemas.microsoft.com/office/drawing/2014/main" val="3709778870"/>
+                  </a:ext>
+                </a:extLst>
+              </a:tr>
+            </a:tbl>
+          </a:graphicData>
+        </a:graphic>
+      </p:graphicFrame>
+    </p:spTree>
+    <p:extLst>
+      <p:ext uri="{BB962C8B-B14F-4D97-AF65-F5344CB8AC3E}">
+        <p14:creationId xmlns:p14="http://schemas.microsoft.com/office/powerpoint/2010/main" val="442746647"/>
+      </p:ext>
+    </p:extLst>
+  </p:cSld>
+  <p:clrMapOvr>
+    <a:masterClrMapping/>
+  </p:clrMapOvr>
+  <p:timing>
+    <p:tnLst>
+      <p:par>
+        <p:cTn id="1" dur="indefinite" restart="never" nodeType="tmRoot"/>
+      </p:par>
+    </p:tnLst>
+  </p:timing>
+</p:sld>
+</file>
+
+<file path=ppt/slides/slide21.xml><?xml version="1.0" encoding="utf-8"?>
 <p:sld xmlns:a="http://schemas.openxmlformats.org/drawingml/2006/main" xmlns:r="http://schemas.openxmlformats.org/officeDocument/2006/relationships" xmlns:p="http://schemas.openxmlformats.org/presentationml/2006/main">
   <p:cSld>
     <p:spTree>
@@ -8741,17 +10037,17 @@
           </a:ln>
           <a:extLst>
             <a:ext uri="{FAA26D3D-D897-4be2-8F04-BA451C77F1D7}">
-              <ma14:placeholderFlag xmlns="" xmlns:ma14="http://schemas.microsoft.com/office/mac/drawingml/2011/main" val="1"/>
+              <ma14:placeholderFlag xmlns:ma14="http://schemas.microsoft.com/office/mac/drawingml/2011/main" xmlns="" val="1"/>
             </a:ext>
             <a:ext uri="{909E8E84-426E-40dd-AFC4-6F175D3DCCD1}">
-              <a14:hiddenFill xmlns:a14="http://schemas.microsoft.com/office/drawing/2010/main" xmlns="">
+              <a14:hiddenFill xmlns="" xmlns:a14="http://schemas.microsoft.com/office/drawing/2010/main">
                 <a:solidFill>
                   <a:schemeClr val="accent1"/>
                 </a:solidFill>
               </a14:hiddenFill>
             </a:ext>
             <a:ext uri="{91240B29-F687-4f45-9708-019B960494DF}">
-              <a14:hiddenLine xmlns:a14="http://schemas.microsoft.com/office/drawing/2010/main" xmlns="" w="9525">
+              <a14:hiddenLine xmlns="" xmlns:a14="http://schemas.microsoft.com/office/drawing/2010/main" w="9525">
                 <a:solidFill>
                   <a:schemeClr val="tx1"/>
                 </a:solidFill>
@@ -8948,14 +10244,14 @@
           <p:nvPr>
             <p:extLst>
               <p:ext uri="{D42A27DB-BD31-4B8C-83A1-F6EECF244321}">
-                <p14:modId xmlns:p14="http://schemas.microsoft.com/office/powerpoint/2010/main" val="2460925137"/>
+                <p14:modId xmlns:p14="http://schemas.microsoft.com/office/powerpoint/2010/main" val="1567541349"/>
               </p:ext>
             </p:extLst>
           </p:nvPr>
         </p:nvGraphicFramePr>
         <p:xfrm>
-          <a:off x="310515" y="1384661"/>
-          <a:ext cx="10429966" cy="4618740"/>
+          <a:off x="310515" y="960712"/>
+          <a:ext cx="10429966" cy="3493416"/>
         </p:xfrm>
         <a:graphic>
           <a:graphicData uri="http://schemas.openxmlformats.org/drawingml/2006/table">
@@ -8985,6 +10281,10 @@
                     <a:bodyPr/>
                     <a:lstStyle/>
                     <a:p>
+                      <a:r>
+                        <a:rPr lang="en-US" dirty="0" smtClean="0"/>
+                        <a:t>Description</a:t>
+                      </a:r>
                       <a:endParaRPr lang="en-US" dirty="0"/>
                     </a:p>
                   </a:txBody>
@@ -8995,7 +10295,11 @@
                     <a:bodyPr/>
                     <a:lstStyle/>
                     <a:p>
-                      <a:endParaRPr lang="en-US"/>
+                      <a:r>
+                        <a:rPr lang="en-US" dirty="0" smtClean="0"/>
+                        <a:t>Link</a:t>
+                      </a:r>
+                      <a:endParaRPr lang="en-US" dirty="0"/>
                     </a:p>
                   </a:txBody>
                   <a:tcPr/>
@@ -9312,87 +10616,6 @@
                   </a:ext>
                 </a:extLst>
               </a:tr>
-              <a:tr h="375108">
-                <a:tc>
-                  <a:txBody>
-                    <a:bodyPr/>
-                    <a:lstStyle/>
-                    <a:p>
-                      <a:endParaRPr lang="en-US"/>
-                    </a:p>
-                  </a:txBody>
-                  <a:tcPr/>
-                </a:tc>
-                <a:tc>
-                  <a:txBody>
-                    <a:bodyPr/>
-                    <a:lstStyle/>
-                    <a:p>
-                      <a:endParaRPr lang="en-US"/>
-                    </a:p>
-                  </a:txBody>
-                  <a:tcPr/>
-                </a:tc>
-                <a:extLst>
-                  <a:ext uri="{0D108BD9-81ED-4DB2-BD59-A6C34878D82A}">
-                    <a16:rowId xmlns:a16="http://schemas.microsoft.com/office/drawing/2014/main" val="2080654508"/>
-                  </a:ext>
-                </a:extLst>
-              </a:tr>
-              <a:tr h="375108">
-                <a:tc>
-                  <a:txBody>
-                    <a:bodyPr/>
-                    <a:lstStyle/>
-                    <a:p>
-                      <a:endParaRPr lang="en-US"/>
-                    </a:p>
-                  </a:txBody>
-                  <a:tcPr/>
-                </a:tc>
-                <a:tc>
-                  <a:txBody>
-                    <a:bodyPr/>
-                    <a:lstStyle/>
-                    <a:p>
-                      <a:endParaRPr lang="en-US"/>
-                    </a:p>
-                  </a:txBody>
-                  <a:tcPr/>
-                </a:tc>
-                <a:extLst>
-                  <a:ext uri="{0D108BD9-81ED-4DB2-BD59-A6C34878D82A}">
-                    <a16:rowId xmlns:a16="http://schemas.microsoft.com/office/drawing/2014/main" val="1471010346"/>
-                  </a:ext>
-                </a:extLst>
-              </a:tr>
-              <a:tr h="375108">
-                <a:tc>
-                  <a:txBody>
-                    <a:bodyPr/>
-                    <a:lstStyle/>
-                    <a:p>
-                      <a:endParaRPr lang="en-US"/>
-                    </a:p>
-                  </a:txBody>
-                  <a:tcPr/>
-                </a:tc>
-                <a:tc>
-                  <a:txBody>
-                    <a:bodyPr/>
-                    <a:lstStyle/>
-                    <a:p>
-                      <a:endParaRPr lang="en-US" dirty="0"/>
-                    </a:p>
-                  </a:txBody>
-                  <a:tcPr/>
-                </a:tc>
-                <a:extLst>
-                  <a:ext uri="{0D108BD9-81ED-4DB2-BD59-A6C34878D82A}">
-                    <a16:rowId xmlns:a16="http://schemas.microsoft.com/office/drawing/2014/main" val="3576540088"/>
-                  </a:ext>
-                </a:extLst>
-              </a:tr>
             </a:tbl>
           </a:graphicData>
         </a:graphic>
@@ -9410,7 +10633,7 @@
 </p:sld>
 </file>
 
-<file path=ppt/slides/slide2.xml><?xml version="1.0" encoding="utf-8"?>
+<file path=ppt/slides/slide22.xml><?xml version="1.0" encoding="utf-8"?>
 <p:sld xmlns:a="http://schemas.openxmlformats.org/drawingml/2006/main" xmlns:r="http://schemas.openxmlformats.org/officeDocument/2006/relationships" xmlns:p="http://schemas.openxmlformats.org/presentationml/2006/main">
   <p:cSld>
     <p:spTree>
@@ -9427,345 +10650,5431 @@
           <a:chExt cx="0" cy="0"/>
         </a:xfrm>
       </p:grpSpPr>
-      <p:sp>
-        <p:nvSpPr>
-          <p:cNvPr id="3" name="Content Placeholder 2"/>
-          <p:cNvSpPr>
-            <a:spLocks noGrp="1"/>
-          </p:cNvSpPr>
+      <p:graphicFrame>
+        <p:nvGraphicFramePr>
+          <p:cNvPr id="4" name="Table 3"/>
+          <p:cNvGraphicFramePr>
+            <a:graphicFrameLocks noGrp="1"/>
+          </p:cNvGraphicFramePr>
           <p:nvPr>
-            <p:ph idx="1"/>
+            <p:extLst>
+              <p:ext uri="{D42A27DB-BD31-4B8C-83A1-F6EECF244321}">
+                <p14:modId xmlns:p14="http://schemas.microsoft.com/office/powerpoint/2010/main" val="3318594114"/>
+              </p:ext>
+            </p:extLst>
           </p:nvPr>
-        </p:nvSpPr>
-        <p:spPr>
-          <a:xfrm>
-            <a:off x="310515" y="1008993"/>
-            <a:ext cx="11043285" cy="5167970"/>
-          </a:xfrm>
-        </p:spPr>
-        <p:txBody>
-          <a:bodyPr/>
-          <a:lstStyle/>
-          <a:p>
-            <a:r>
-              <a:rPr lang="en-US" dirty="0" smtClean="0"/>
-              <a:t>Introduction, My Background</a:t>
-            </a:r>
-          </a:p>
-          <a:p>
-            <a:pPr lvl="1"/>
-            <a:r>
-              <a:rPr lang="en-US" dirty="0" smtClean="0"/>
-              <a:t>Database Technology student and Data Manager.</a:t>
-            </a:r>
-          </a:p>
-          <a:p>
-            <a:r>
-              <a:rPr lang="en-US" dirty="0" smtClean="0"/>
-              <a:t>Exploratory data analysis</a:t>
-            </a:r>
-          </a:p>
-          <a:p>
-            <a:pPr lvl="1"/>
-            <a:r>
-              <a:rPr lang="en-US" dirty="0" smtClean="0"/>
-              <a:t>Learning and developing reports in Tableau</a:t>
-            </a:r>
-          </a:p>
-          <a:p>
-            <a:pPr lvl="1"/>
-            <a:r>
-              <a:rPr lang="en-US" dirty="0" smtClean="0"/>
-              <a:t>Learning and developing word cloud in R</a:t>
-            </a:r>
-          </a:p>
-          <a:p>
-            <a:r>
-              <a:rPr lang="en-US" dirty="0" smtClean="0"/>
-              <a:t>Deeper understanding the wine reviews</a:t>
-            </a:r>
-          </a:p>
-          <a:p>
-            <a:pPr lvl="1"/>
-            <a:r>
-              <a:rPr lang="en-US" dirty="0" smtClean="0"/>
-              <a:t>Do low/high scores have correlations to certain </a:t>
-            </a:r>
-            <a:r>
-              <a:rPr lang="en-US" dirty="0" smtClean="0"/>
-              <a:t>words in tasters description?</a:t>
-            </a:r>
-            <a:endParaRPr lang="en-US" dirty="0" smtClean="0"/>
-          </a:p>
-          <a:p>
-            <a:pPr lvl="1"/>
-            <a:r>
-              <a:rPr lang="en-US" dirty="0" smtClean="0"/>
-              <a:t>Can that be quantified using a Naïve Bayes feature classification model in Python that lists most informative features?</a:t>
-            </a:r>
-          </a:p>
-          <a:p>
-            <a:r>
-              <a:rPr lang="en-US" dirty="0" smtClean="0"/>
-              <a:t>Understanding relationship </a:t>
-            </a:r>
-            <a:r>
-              <a:rPr lang="en-US" dirty="0" smtClean="0"/>
-              <a:t>of wine taster description and points</a:t>
-            </a:r>
-            <a:endParaRPr lang="en-US" dirty="0" smtClean="0"/>
-          </a:p>
-          <a:p>
-            <a:pPr lvl="1"/>
-            <a:r>
-              <a:rPr lang="en-US" dirty="0" smtClean="0"/>
-              <a:t>Python </a:t>
-            </a:r>
-            <a:r>
-              <a:rPr lang="en-US" dirty="0" smtClean="0"/>
-              <a:t>Machine Learning</a:t>
-            </a:r>
-            <a:endParaRPr lang="en-US" dirty="0"/>
-          </a:p>
-        </p:txBody>
-      </p:sp>
-      <p:sp>
-        <p:nvSpPr>
-          <p:cNvPr id="5" name="Title 14"/>
-          <p:cNvSpPr txBox="1">
-            <a:spLocks/>
-          </p:cNvSpPr>
-          <p:nvPr/>
-        </p:nvSpPr>
-        <p:spPr bwMode="auto">
-          <a:xfrm>
-            <a:off x="310515" y="202783"/>
-            <a:ext cx="8229601" cy="492443"/>
-          </a:xfrm>
-          <a:prstGeom prst="rect">
-            <a:avLst/>
-          </a:prstGeom>
-          <a:noFill/>
-          <a:ln>
-            <a:noFill/>
-          </a:ln>
-          <a:extLst>
-            <a:ext uri="{FAA26D3D-D897-4be2-8F04-BA451C77F1D7}">
-              <ma14:placeholderFlag xmlns="" xmlns:ma14="http://schemas.microsoft.com/office/mac/drawingml/2011/main" val="1"/>
-            </a:ext>
-            <a:ext uri="{909E8E84-426E-40dd-AFC4-6F175D3DCCD1}">
-              <a14:hiddenFill xmlns:a14="http://schemas.microsoft.com/office/drawing/2010/main" xmlns="">
-                <a:solidFill>
-                  <a:schemeClr val="accent1"/>
-                </a:solidFill>
-              </a14:hiddenFill>
-            </a:ext>
-            <a:ext uri="{91240B29-F687-4f45-9708-019B960494DF}">
-              <a14:hiddenLine xmlns:a14="http://schemas.microsoft.com/office/drawing/2010/main" xmlns="" w="9525">
-                <a:solidFill>
-                  <a:schemeClr val="tx1"/>
-                </a:solidFill>
-                <a:miter lim="800000"/>
-                <a:headEnd/>
-                <a:tailEnd/>
-              </a14:hiddenLine>
-            </a:ext>
-          </a:extLst>
-        </p:spPr>
-        <p:txBody>
-          <a:bodyPr vert="horz" wrap="square" lIns="0" tIns="0" rIns="0" bIns="0" numCol="1" anchor="t" anchorCtr="0" compatLnSpc="1">
-            <a:prstTxWarp prst="textNoShape">
-              <a:avLst/>
-            </a:prstTxWarp>
-            <a:spAutoFit/>
-          </a:bodyPr>
-          <a:lstStyle>
-            <a:lvl1pPr algn="l" rtl="0" eaLnBrk="1" fontAlgn="base" hangingPunct="1">
-              <a:spcBef>
-                <a:spcPct val="0"/>
-              </a:spcBef>
-              <a:spcAft>
-                <a:spcPct val="0"/>
-              </a:spcAft>
-              <a:defRPr sz="2000" b="1">
-                <a:solidFill>
-                  <a:schemeClr val="accent1"/>
-                </a:solidFill>
-                <a:latin typeface="Malgun Gothic" panose="020B0503020000020004" pitchFamily="34" charset="-127"/>
-                <a:ea typeface="Malgun Gothic" panose="020B0503020000020004" pitchFamily="34" charset="-127"/>
-                <a:cs typeface="+mj-cs"/>
-              </a:defRPr>
-            </a:lvl1pPr>
-            <a:lvl2pPr algn="l" rtl="0" eaLnBrk="1" fontAlgn="base" hangingPunct="1">
-              <a:spcBef>
-                <a:spcPct val="0"/>
-              </a:spcBef>
-              <a:spcAft>
-                <a:spcPct val="0"/>
-              </a:spcAft>
-              <a:defRPr sz="2000" b="1">
-                <a:solidFill>
-                  <a:srgbClr val="9F0812"/>
-                </a:solidFill>
-                <a:latin typeface="Arial" charset="0"/>
-                <a:ea typeface="ヒラギノ角ゴ Pro W3" charset="0"/>
-                <a:cs typeface="ＭＳ Ｐゴシック" charset="0"/>
-              </a:defRPr>
-            </a:lvl2pPr>
-            <a:lvl3pPr algn="l" rtl="0" eaLnBrk="1" fontAlgn="base" hangingPunct="1">
-              <a:spcBef>
-                <a:spcPct val="0"/>
-              </a:spcBef>
-              <a:spcAft>
-                <a:spcPct val="0"/>
-              </a:spcAft>
-              <a:defRPr sz="2000" b="1">
-                <a:solidFill>
-                  <a:srgbClr val="9F0812"/>
-                </a:solidFill>
-                <a:latin typeface="Arial" charset="0"/>
-                <a:ea typeface="ヒラギノ角ゴ Pro W3" charset="0"/>
-                <a:cs typeface="ＭＳ Ｐゴシック" charset="0"/>
-              </a:defRPr>
-            </a:lvl3pPr>
-            <a:lvl4pPr algn="l" rtl="0" eaLnBrk="1" fontAlgn="base" hangingPunct="1">
-              <a:spcBef>
-                <a:spcPct val="0"/>
-              </a:spcBef>
-              <a:spcAft>
-                <a:spcPct val="0"/>
-              </a:spcAft>
-              <a:defRPr sz="2000" b="1">
-                <a:solidFill>
-                  <a:srgbClr val="9F0812"/>
-                </a:solidFill>
-                <a:latin typeface="Arial" charset="0"/>
-                <a:ea typeface="ヒラギノ角ゴ Pro W3" charset="0"/>
-                <a:cs typeface="ＭＳ Ｐゴシック" charset="0"/>
-              </a:defRPr>
-            </a:lvl4pPr>
-            <a:lvl5pPr algn="l" rtl="0" eaLnBrk="1" fontAlgn="base" hangingPunct="1">
-              <a:spcBef>
-                <a:spcPct val="0"/>
-              </a:spcBef>
-              <a:spcAft>
-                <a:spcPct val="0"/>
-              </a:spcAft>
-              <a:defRPr sz="2000" b="1">
-                <a:solidFill>
-                  <a:srgbClr val="9F0812"/>
-                </a:solidFill>
-                <a:latin typeface="Arial" charset="0"/>
-                <a:ea typeface="ヒラギノ角ゴ Pro W3" charset="0"/>
-                <a:cs typeface="ＭＳ Ｐゴシック" charset="0"/>
-              </a:defRPr>
-            </a:lvl5pPr>
-            <a:lvl6pPr marL="457200" algn="l" rtl="0" eaLnBrk="1" fontAlgn="base" hangingPunct="1">
-              <a:spcBef>
-                <a:spcPct val="0"/>
-              </a:spcBef>
-              <a:spcAft>
-                <a:spcPct val="0"/>
-              </a:spcAft>
-              <a:defRPr sz="2800" b="1">
-                <a:solidFill>
-                  <a:schemeClr val="tx2"/>
-                </a:solidFill>
-                <a:latin typeface="Arial" charset="0"/>
-                <a:ea typeface="ＭＳ Ｐゴシック" charset="0"/>
-                <a:cs typeface="ＭＳ Ｐゴシック" charset="0"/>
-              </a:defRPr>
-            </a:lvl6pPr>
-            <a:lvl7pPr marL="914400" algn="l" rtl="0" eaLnBrk="1" fontAlgn="base" hangingPunct="1">
-              <a:spcBef>
-                <a:spcPct val="0"/>
-              </a:spcBef>
-              <a:spcAft>
-                <a:spcPct val="0"/>
-              </a:spcAft>
-              <a:defRPr sz="2800" b="1">
-                <a:solidFill>
-                  <a:schemeClr val="tx2"/>
-                </a:solidFill>
-                <a:latin typeface="Arial" charset="0"/>
-                <a:ea typeface="ＭＳ Ｐゴシック" charset="0"/>
-                <a:cs typeface="ＭＳ Ｐゴシック" charset="0"/>
-              </a:defRPr>
-            </a:lvl7pPr>
-            <a:lvl8pPr marL="1371600" algn="l" rtl="0" eaLnBrk="1" fontAlgn="base" hangingPunct="1">
-              <a:spcBef>
-                <a:spcPct val="0"/>
-              </a:spcBef>
-              <a:spcAft>
-                <a:spcPct val="0"/>
-              </a:spcAft>
-              <a:defRPr sz="2800" b="1">
-                <a:solidFill>
-                  <a:schemeClr val="tx2"/>
-                </a:solidFill>
-                <a:latin typeface="Arial" charset="0"/>
-                <a:ea typeface="ＭＳ Ｐゴシック" charset="0"/>
-                <a:cs typeface="ＭＳ Ｐゴシック" charset="0"/>
-              </a:defRPr>
-            </a:lvl8pPr>
-            <a:lvl9pPr marL="1828800" algn="l" rtl="0" eaLnBrk="1" fontAlgn="base" hangingPunct="1">
-              <a:spcBef>
-                <a:spcPct val="0"/>
-              </a:spcBef>
-              <a:spcAft>
-                <a:spcPct val="0"/>
-              </a:spcAft>
-              <a:defRPr sz="2800" b="1">
-                <a:solidFill>
-                  <a:schemeClr val="tx2"/>
-                </a:solidFill>
-                <a:latin typeface="Arial" charset="0"/>
-                <a:ea typeface="ＭＳ Ｐゴシック" charset="0"/>
-                <a:cs typeface="ＭＳ Ｐゴシック" charset="0"/>
-              </a:defRPr>
-            </a:lvl9pPr>
-          </a:lstStyle>
-          <a:p>
-            <a:r>
-              <a:rPr lang="en-US" dirty="0" smtClean="0"/>
-              <a:t>Objective</a:t>
-            </a:r>
-            <a:r>
-              <a:rPr lang="en-US" dirty="0"/>
-              <a:t/>
-            </a:r>
-            <a:br>
-              <a:rPr lang="en-US" dirty="0"/>
-            </a:br>
-            <a:r>
-              <a:rPr lang="en-US" sz="1200" dirty="0" smtClean="0">
-                <a:solidFill>
-                  <a:schemeClr val="tx1"/>
-                </a:solidFill>
-              </a:rPr>
-              <a:t>What was analysis of the wine data hoping to find</a:t>
-            </a:r>
-            <a:endParaRPr lang="en-US" sz="1200" kern="0" dirty="0"/>
-          </a:p>
-        </p:txBody>
-      </p:sp>
+        </p:nvGraphicFramePr>
+        <p:xfrm>
+          <a:off x="349137" y="633976"/>
+          <a:ext cx="4139736" cy="1923168"/>
+        </p:xfrm>
+        <a:graphic>
+          <a:graphicData uri="http://schemas.openxmlformats.org/drawingml/2006/table">
+            <a:tbl>
+              <a:tblPr/>
+              <a:tblGrid>
+                <a:gridCol w="437944">
+                  <a:extLst>
+                    <a:ext uri="{9D8B030D-6E8A-4147-A177-3AD203B41FA5}">
+                      <a16:colId xmlns:a16="http://schemas.microsoft.com/office/drawing/2014/main" val="2512605256"/>
+                    </a:ext>
+                  </a:extLst>
+                </a:gridCol>
+                <a:gridCol w="663833">
+                  <a:extLst>
+                    <a:ext uri="{9D8B030D-6E8A-4147-A177-3AD203B41FA5}">
+                      <a16:colId xmlns:a16="http://schemas.microsoft.com/office/drawing/2014/main" val="855407618"/>
+                    </a:ext>
+                  </a:extLst>
+                </a:gridCol>
+                <a:gridCol w="3037959">
+                  <a:extLst>
+                    <a:ext uri="{9D8B030D-6E8A-4147-A177-3AD203B41FA5}">
+                      <a16:colId xmlns:a16="http://schemas.microsoft.com/office/drawing/2014/main" val="3735278290"/>
+                    </a:ext>
+                  </a:extLst>
+                </a:gridCol>
+              </a:tblGrid>
+              <a:tr h="229669">
+                <a:tc>
+                  <a:txBody>
+                    <a:bodyPr/>
+                    <a:lstStyle/>
+                    <a:p>
+                      <a:r>
+                        <a:rPr lang="en-US" sz="1100" b="1">
+                          <a:effectLst/>
+                        </a:rPr>
+                        <a:t>category</a:t>
+                      </a:r>
+                    </a:p>
+                  </a:txBody>
+                  <a:tcPr marL="74824" marR="74824" marT="34534" marB="34534" anchor="ctr">
+                    <a:lnL w="9525" cap="flat" cmpd="sng" algn="ctr">
+                      <a:solidFill>
+                        <a:srgbClr val="DDDDDD"/>
+                      </a:solidFill>
+                      <a:prstDash val="solid"/>
+                      <a:round/>
+                      <a:headEnd type="none" w="med" len="med"/>
+                      <a:tailEnd type="none" w="med" len="med"/>
+                    </a:lnL>
+                    <a:lnR w="9525" cap="flat" cmpd="sng" algn="ctr">
+                      <a:solidFill>
+                        <a:srgbClr val="DDDDDD"/>
+                      </a:solidFill>
+                      <a:prstDash val="solid"/>
+                      <a:round/>
+                      <a:headEnd type="none" w="med" len="med"/>
+                      <a:tailEnd type="none" w="med" len="med"/>
+                    </a:lnR>
+                    <a:lnT w="9525" cap="flat" cmpd="sng" algn="ctr">
+                      <a:solidFill>
+                        <a:srgbClr val="DDDDDD"/>
+                      </a:solidFill>
+                      <a:prstDash val="solid"/>
+                      <a:round/>
+                      <a:headEnd type="none" w="med" len="med"/>
+                      <a:tailEnd type="none" w="med" len="med"/>
+                    </a:lnT>
+                    <a:lnB w="9525" cap="flat" cmpd="sng" algn="ctr">
+                      <a:solidFill>
+                        <a:srgbClr val="DDDDDD"/>
+                      </a:solidFill>
+                      <a:prstDash val="solid"/>
+                      <a:round/>
+                      <a:headEnd type="none" w="med" len="med"/>
+                      <a:tailEnd type="none" w="med" len="med"/>
+                    </a:lnB>
+                    <a:solidFill>
+                      <a:srgbClr val="FFFFFF"/>
+                    </a:solidFill>
+                  </a:tcPr>
+                </a:tc>
+                <a:tc>
+                  <a:txBody>
+                    <a:bodyPr/>
+                    <a:lstStyle/>
+                    <a:p>
+                      <a:r>
+                        <a:rPr lang="en-US" sz="1100" b="1">
+                          <a:effectLst/>
+                        </a:rPr>
+                        <a:t>description</a:t>
+                      </a:r>
+                    </a:p>
+                  </a:txBody>
+                  <a:tcPr marL="74824" marR="74824" marT="34534" marB="34534" anchor="ctr">
+                    <a:lnL w="9525" cap="flat" cmpd="sng" algn="ctr">
+                      <a:solidFill>
+                        <a:srgbClr val="DDDDDD"/>
+                      </a:solidFill>
+                      <a:prstDash val="solid"/>
+                      <a:round/>
+                      <a:headEnd type="none" w="med" len="med"/>
+                      <a:tailEnd type="none" w="med" len="med"/>
+                    </a:lnL>
+                    <a:lnR w="9525" cap="flat" cmpd="sng" algn="ctr">
+                      <a:solidFill>
+                        <a:srgbClr val="DDDDDD"/>
+                      </a:solidFill>
+                      <a:prstDash val="solid"/>
+                      <a:round/>
+                      <a:headEnd type="none" w="med" len="med"/>
+                      <a:tailEnd type="none" w="med" len="med"/>
+                    </a:lnR>
+                    <a:lnT w="9525" cap="flat" cmpd="sng" algn="ctr">
+                      <a:solidFill>
+                        <a:srgbClr val="DDDDDD"/>
+                      </a:solidFill>
+                      <a:prstDash val="solid"/>
+                      <a:round/>
+                      <a:headEnd type="none" w="med" len="med"/>
+                      <a:tailEnd type="none" w="med" len="med"/>
+                    </a:lnT>
+                    <a:lnB w="9525" cap="flat" cmpd="sng" algn="ctr">
+                      <a:solidFill>
+                        <a:srgbClr val="DDDDDD"/>
+                      </a:solidFill>
+                      <a:prstDash val="solid"/>
+                      <a:round/>
+                      <a:headEnd type="none" w="med" len="med"/>
+                      <a:tailEnd type="none" w="med" len="med"/>
+                    </a:lnB>
+                    <a:solidFill>
+                      <a:srgbClr val="FFFFFF"/>
+                    </a:solidFill>
+                  </a:tcPr>
+                </a:tc>
+                <a:tc>
+                  <a:txBody>
+                    <a:bodyPr/>
+                    <a:lstStyle/>
+                    <a:p>
+                      <a:r>
+                        <a:rPr lang="en-US" sz="1100" b="1">
+                          <a:effectLst/>
+                        </a:rPr>
+                        <a:t>max pt</a:t>
+                      </a:r>
+                    </a:p>
+                  </a:txBody>
+                  <a:tcPr marL="74824" marR="74824" marT="34534" marB="34534" anchor="ctr">
+                    <a:lnL w="9525" cap="flat" cmpd="sng" algn="ctr">
+                      <a:solidFill>
+                        <a:srgbClr val="DDDDDD"/>
+                      </a:solidFill>
+                      <a:prstDash val="solid"/>
+                      <a:round/>
+                      <a:headEnd type="none" w="med" len="med"/>
+                      <a:tailEnd type="none" w="med" len="med"/>
+                    </a:lnL>
+                    <a:lnR w="9525" cap="flat" cmpd="sng" algn="ctr">
+                      <a:solidFill>
+                        <a:srgbClr val="DDDDDD"/>
+                      </a:solidFill>
+                      <a:prstDash val="solid"/>
+                      <a:round/>
+                      <a:headEnd type="none" w="med" len="med"/>
+                      <a:tailEnd type="none" w="med" len="med"/>
+                    </a:lnR>
+                    <a:lnT w="9525" cap="flat" cmpd="sng" algn="ctr">
+                      <a:solidFill>
+                        <a:srgbClr val="DDDDDD"/>
+                      </a:solidFill>
+                      <a:prstDash val="solid"/>
+                      <a:round/>
+                      <a:headEnd type="none" w="med" len="med"/>
+                      <a:tailEnd type="none" w="med" len="med"/>
+                    </a:lnT>
+                    <a:lnB w="9525" cap="flat" cmpd="sng" algn="ctr">
+                      <a:solidFill>
+                        <a:srgbClr val="DDDDDD"/>
+                      </a:solidFill>
+                      <a:prstDash val="solid"/>
+                      <a:round/>
+                      <a:headEnd type="none" w="med" len="med"/>
+                      <a:tailEnd type="none" w="med" len="med"/>
+                    </a:lnB>
+                    <a:solidFill>
+                      <a:srgbClr val="FFFFFF"/>
+                    </a:solidFill>
+                  </a:tcPr>
+                </a:tc>
+                <a:extLst>
+                  <a:ext uri="{0D108BD9-81ED-4DB2-BD59-A6C34878D82A}">
+                    <a16:rowId xmlns:a16="http://schemas.microsoft.com/office/drawing/2014/main" val="2726924430"/>
+                  </a:ext>
+                </a:extLst>
+              </a:tr>
+              <a:tr h="229669">
+                <a:tc>
+                  <a:txBody>
+                    <a:bodyPr/>
+                    <a:lstStyle/>
+                    <a:p>
+                      <a:r>
+                        <a:rPr lang="en-US" sz="1100">
+                          <a:effectLst/>
+                        </a:rPr>
+                        <a:t>Q</a:t>
+                      </a:r>
+                    </a:p>
+                  </a:txBody>
+                  <a:tcPr marL="74824" marR="74824" marT="34534" marB="34534" anchor="ctr">
+                    <a:lnL w="9525" cap="flat" cmpd="sng" algn="ctr">
+                      <a:solidFill>
+                        <a:srgbClr val="DDDDDD"/>
+                      </a:solidFill>
+                      <a:prstDash val="solid"/>
+                      <a:round/>
+                      <a:headEnd type="none" w="med" len="med"/>
+                      <a:tailEnd type="none" w="med" len="med"/>
+                    </a:lnL>
+                    <a:lnR w="9525" cap="flat" cmpd="sng" algn="ctr">
+                      <a:solidFill>
+                        <a:srgbClr val="DDDDDD"/>
+                      </a:solidFill>
+                      <a:prstDash val="solid"/>
+                      <a:round/>
+                      <a:headEnd type="none" w="med" len="med"/>
+                      <a:tailEnd type="none" w="med" len="med"/>
+                    </a:lnR>
+                    <a:lnT w="9525" cap="flat" cmpd="sng" algn="ctr">
+                      <a:solidFill>
+                        <a:srgbClr val="DDDDDD"/>
+                      </a:solidFill>
+                      <a:prstDash val="solid"/>
+                      <a:round/>
+                      <a:headEnd type="none" w="med" len="med"/>
+                      <a:tailEnd type="none" w="med" len="med"/>
+                    </a:lnT>
+                    <a:lnB w="9525" cap="flat" cmpd="sng" algn="ctr">
+                      <a:solidFill>
+                        <a:srgbClr val="DDDDDD"/>
+                      </a:solidFill>
+                      <a:prstDash val="solid"/>
+                      <a:round/>
+                      <a:headEnd type="none" w="med" len="med"/>
+                      <a:tailEnd type="none" w="med" len="med"/>
+                    </a:lnB>
+                    <a:solidFill>
+                      <a:srgbClr val="FFFFFF"/>
+                    </a:solidFill>
+                  </a:tcPr>
+                </a:tc>
+                <a:tc>
+                  <a:txBody>
+                    <a:bodyPr/>
+                    <a:lstStyle/>
+                    <a:p>
+                      <a:r>
+                        <a:rPr lang="en-US" sz="1100">
+                          <a:effectLst/>
+                        </a:rPr>
+                        <a:t>Project quality</a:t>
+                      </a:r>
+                    </a:p>
+                  </a:txBody>
+                  <a:tcPr marL="74824" marR="74824" marT="34534" marB="34534" anchor="ctr">
+                    <a:lnL w="9525" cap="flat" cmpd="sng" algn="ctr">
+                      <a:solidFill>
+                        <a:srgbClr val="DDDDDD"/>
+                      </a:solidFill>
+                      <a:prstDash val="solid"/>
+                      <a:round/>
+                      <a:headEnd type="none" w="med" len="med"/>
+                      <a:tailEnd type="none" w="med" len="med"/>
+                    </a:lnL>
+                    <a:lnR w="9525" cap="flat" cmpd="sng" algn="ctr">
+                      <a:solidFill>
+                        <a:srgbClr val="DDDDDD"/>
+                      </a:solidFill>
+                      <a:prstDash val="solid"/>
+                      <a:round/>
+                      <a:headEnd type="none" w="med" len="med"/>
+                      <a:tailEnd type="none" w="med" len="med"/>
+                    </a:lnR>
+                    <a:lnT w="9525" cap="flat" cmpd="sng" algn="ctr">
+                      <a:solidFill>
+                        <a:srgbClr val="DDDDDD"/>
+                      </a:solidFill>
+                      <a:prstDash val="solid"/>
+                      <a:round/>
+                      <a:headEnd type="none" w="med" len="med"/>
+                      <a:tailEnd type="none" w="med" len="med"/>
+                    </a:lnT>
+                    <a:lnB w="9525" cap="flat" cmpd="sng" algn="ctr">
+                      <a:solidFill>
+                        <a:srgbClr val="DDDDDD"/>
+                      </a:solidFill>
+                      <a:prstDash val="solid"/>
+                      <a:round/>
+                      <a:headEnd type="none" w="med" len="med"/>
+                      <a:tailEnd type="none" w="med" len="med"/>
+                    </a:lnB>
+                    <a:solidFill>
+                      <a:srgbClr val="FFFFFF"/>
+                    </a:solidFill>
+                  </a:tcPr>
+                </a:tc>
+                <a:tc>
+                  <a:txBody>
+                    <a:bodyPr/>
+                    <a:lstStyle/>
+                    <a:p>
+                      <a:r>
+                        <a:rPr lang="en-US" sz="1100">
+                          <a:effectLst/>
+                        </a:rPr>
+                        <a:t>80</a:t>
+                      </a:r>
+                    </a:p>
+                  </a:txBody>
+                  <a:tcPr marL="74824" marR="74824" marT="34534" marB="34534" anchor="ctr">
+                    <a:lnL w="9525" cap="flat" cmpd="sng" algn="ctr">
+                      <a:solidFill>
+                        <a:srgbClr val="DDDDDD"/>
+                      </a:solidFill>
+                      <a:prstDash val="solid"/>
+                      <a:round/>
+                      <a:headEnd type="none" w="med" len="med"/>
+                      <a:tailEnd type="none" w="med" len="med"/>
+                    </a:lnL>
+                    <a:lnR w="9525" cap="flat" cmpd="sng" algn="ctr">
+                      <a:solidFill>
+                        <a:srgbClr val="DDDDDD"/>
+                      </a:solidFill>
+                      <a:prstDash val="solid"/>
+                      <a:round/>
+                      <a:headEnd type="none" w="med" len="med"/>
+                      <a:tailEnd type="none" w="med" len="med"/>
+                    </a:lnR>
+                    <a:lnT w="9525" cap="flat" cmpd="sng" algn="ctr">
+                      <a:solidFill>
+                        <a:srgbClr val="DDDDDD"/>
+                      </a:solidFill>
+                      <a:prstDash val="solid"/>
+                      <a:round/>
+                      <a:headEnd type="none" w="med" len="med"/>
+                      <a:tailEnd type="none" w="med" len="med"/>
+                    </a:lnT>
+                    <a:lnB w="9525" cap="flat" cmpd="sng" algn="ctr">
+                      <a:solidFill>
+                        <a:srgbClr val="DDDDDD"/>
+                      </a:solidFill>
+                      <a:prstDash val="solid"/>
+                      <a:round/>
+                      <a:headEnd type="none" w="med" len="med"/>
+                      <a:tailEnd type="none" w="med" len="med"/>
+                    </a:lnB>
+                    <a:solidFill>
+                      <a:srgbClr val="FFFFFF"/>
+                    </a:solidFill>
+                  </a:tcPr>
+                </a:tc>
+                <a:extLst>
+                  <a:ext uri="{0D108BD9-81ED-4DB2-BD59-A6C34878D82A}">
+                    <a16:rowId xmlns:a16="http://schemas.microsoft.com/office/drawing/2014/main" val="174308726"/>
+                  </a:ext>
+                </a:extLst>
+              </a:tr>
+              <a:tr h="229669">
+                <a:tc>
+                  <a:txBody>
+                    <a:bodyPr/>
+                    <a:lstStyle/>
+                    <a:p>
+                      <a:r>
+                        <a:rPr lang="en-US" sz="1100" dirty="0">
+                          <a:effectLst/>
+                        </a:rPr>
+                        <a:t>P</a:t>
+                      </a:r>
+                    </a:p>
+                  </a:txBody>
+                  <a:tcPr marL="74824" marR="74824" marT="34534" marB="34534" anchor="ctr">
+                    <a:lnL w="9525" cap="flat" cmpd="sng" algn="ctr">
+                      <a:solidFill>
+                        <a:srgbClr val="DDDDDD"/>
+                      </a:solidFill>
+                      <a:prstDash val="solid"/>
+                      <a:round/>
+                      <a:headEnd type="none" w="med" len="med"/>
+                      <a:tailEnd type="none" w="med" len="med"/>
+                    </a:lnL>
+                    <a:lnR w="9525" cap="flat" cmpd="sng" algn="ctr">
+                      <a:solidFill>
+                        <a:srgbClr val="DDDDDD"/>
+                      </a:solidFill>
+                      <a:prstDash val="solid"/>
+                      <a:round/>
+                      <a:headEnd type="none" w="med" len="med"/>
+                      <a:tailEnd type="none" w="med" len="med"/>
+                    </a:lnR>
+                    <a:lnT w="9525" cap="flat" cmpd="sng" algn="ctr">
+                      <a:solidFill>
+                        <a:srgbClr val="DDDDDD"/>
+                      </a:solidFill>
+                      <a:prstDash val="solid"/>
+                      <a:round/>
+                      <a:headEnd type="none" w="med" len="med"/>
+                      <a:tailEnd type="none" w="med" len="med"/>
+                    </a:lnT>
+                    <a:lnB w="9525" cap="flat" cmpd="sng" algn="ctr">
+                      <a:solidFill>
+                        <a:srgbClr val="DDDDDD"/>
+                      </a:solidFill>
+                      <a:prstDash val="solid"/>
+                      <a:round/>
+                      <a:headEnd type="none" w="med" len="med"/>
+                      <a:tailEnd type="none" w="med" len="med"/>
+                    </a:lnB>
+                    <a:solidFill>
+                      <a:srgbClr val="F8F8F8"/>
+                    </a:solidFill>
+                  </a:tcPr>
+                </a:tc>
+                <a:tc>
+                  <a:txBody>
+                    <a:bodyPr/>
+                    <a:lstStyle/>
+                    <a:p>
+                      <a:r>
+                        <a:rPr lang="en-US" sz="1100">
+                          <a:effectLst/>
+                        </a:rPr>
+                        <a:t>Presentation</a:t>
+                      </a:r>
+                    </a:p>
+                  </a:txBody>
+                  <a:tcPr marL="74824" marR="74824" marT="34534" marB="34534" anchor="ctr">
+                    <a:lnL w="9525" cap="flat" cmpd="sng" algn="ctr">
+                      <a:solidFill>
+                        <a:srgbClr val="DDDDDD"/>
+                      </a:solidFill>
+                      <a:prstDash val="solid"/>
+                      <a:round/>
+                      <a:headEnd type="none" w="med" len="med"/>
+                      <a:tailEnd type="none" w="med" len="med"/>
+                    </a:lnL>
+                    <a:lnR w="9525" cap="flat" cmpd="sng" algn="ctr">
+                      <a:solidFill>
+                        <a:srgbClr val="DDDDDD"/>
+                      </a:solidFill>
+                      <a:prstDash val="solid"/>
+                      <a:round/>
+                      <a:headEnd type="none" w="med" len="med"/>
+                      <a:tailEnd type="none" w="med" len="med"/>
+                    </a:lnR>
+                    <a:lnT w="9525" cap="flat" cmpd="sng" algn="ctr">
+                      <a:solidFill>
+                        <a:srgbClr val="DDDDDD"/>
+                      </a:solidFill>
+                      <a:prstDash val="solid"/>
+                      <a:round/>
+                      <a:headEnd type="none" w="med" len="med"/>
+                      <a:tailEnd type="none" w="med" len="med"/>
+                    </a:lnT>
+                    <a:lnB w="9525" cap="flat" cmpd="sng" algn="ctr">
+                      <a:solidFill>
+                        <a:srgbClr val="DDDDDD"/>
+                      </a:solidFill>
+                      <a:prstDash val="solid"/>
+                      <a:round/>
+                      <a:headEnd type="none" w="med" len="med"/>
+                      <a:tailEnd type="none" w="med" len="med"/>
+                    </a:lnB>
+                    <a:solidFill>
+                      <a:srgbClr val="F8F8F8"/>
+                    </a:solidFill>
+                  </a:tcPr>
+                </a:tc>
+                <a:tc>
+                  <a:txBody>
+                    <a:bodyPr/>
+                    <a:lstStyle/>
+                    <a:p>
+                      <a:r>
+                        <a:rPr lang="en-US" sz="1100">
+                          <a:effectLst/>
+                        </a:rPr>
+                        <a:t>25</a:t>
+                      </a:r>
+                    </a:p>
+                  </a:txBody>
+                  <a:tcPr marL="74824" marR="74824" marT="34534" marB="34534" anchor="ctr">
+                    <a:lnL w="9525" cap="flat" cmpd="sng" algn="ctr">
+                      <a:solidFill>
+                        <a:srgbClr val="DDDDDD"/>
+                      </a:solidFill>
+                      <a:prstDash val="solid"/>
+                      <a:round/>
+                      <a:headEnd type="none" w="med" len="med"/>
+                      <a:tailEnd type="none" w="med" len="med"/>
+                    </a:lnL>
+                    <a:lnR w="9525" cap="flat" cmpd="sng" algn="ctr">
+                      <a:solidFill>
+                        <a:srgbClr val="DDDDDD"/>
+                      </a:solidFill>
+                      <a:prstDash val="solid"/>
+                      <a:round/>
+                      <a:headEnd type="none" w="med" len="med"/>
+                      <a:tailEnd type="none" w="med" len="med"/>
+                    </a:lnR>
+                    <a:lnT w="9525" cap="flat" cmpd="sng" algn="ctr">
+                      <a:solidFill>
+                        <a:srgbClr val="DDDDDD"/>
+                      </a:solidFill>
+                      <a:prstDash val="solid"/>
+                      <a:round/>
+                      <a:headEnd type="none" w="med" len="med"/>
+                      <a:tailEnd type="none" w="med" len="med"/>
+                    </a:lnT>
+                    <a:lnB w="9525" cap="flat" cmpd="sng" algn="ctr">
+                      <a:solidFill>
+                        <a:srgbClr val="DDDDDD"/>
+                      </a:solidFill>
+                      <a:prstDash val="solid"/>
+                      <a:round/>
+                      <a:headEnd type="none" w="med" len="med"/>
+                      <a:tailEnd type="none" w="med" len="med"/>
+                    </a:lnB>
+                    <a:solidFill>
+                      <a:srgbClr val="F8F8F8"/>
+                    </a:solidFill>
+                  </a:tcPr>
+                </a:tc>
+                <a:extLst>
+                  <a:ext uri="{0D108BD9-81ED-4DB2-BD59-A6C34878D82A}">
+                    <a16:rowId xmlns:a16="http://schemas.microsoft.com/office/drawing/2014/main" val="73643851"/>
+                  </a:ext>
+                </a:extLst>
+              </a:tr>
+              <a:tr h="229669">
+                <a:tc>
+                  <a:txBody>
+                    <a:bodyPr/>
+                    <a:lstStyle/>
+                    <a:p>
+                      <a:r>
+                        <a:rPr lang="en-US" sz="1100">
+                          <a:effectLst/>
+                        </a:rPr>
+                        <a:t>G</a:t>
+                      </a:r>
+                    </a:p>
+                  </a:txBody>
+                  <a:tcPr marL="74824" marR="74824" marT="34534" marB="34534" anchor="ctr">
+                    <a:lnL w="9525" cap="flat" cmpd="sng" algn="ctr">
+                      <a:solidFill>
+                        <a:srgbClr val="DDDDDD"/>
+                      </a:solidFill>
+                      <a:prstDash val="solid"/>
+                      <a:round/>
+                      <a:headEnd type="none" w="med" len="med"/>
+                      <a:tailEnd type="none" w="med" len="med"/>
+                    </a:lnL>
+                    <a:lnR w="9525" cap="flat" cmpd="sng" algn="ctr">
+                      <a:solidFill>
+                        <a:srgbClr val="DDDDDD"/>
+                      </a:solidFill>
+                      <a:prstDash val="solid"/>
+                      <a:round/>
+                      <a:headEnd type="none" w="med" len="med"/>
+                      <a:tailEnd type="none" w="med" len="med"/>
+                    </a:lnR>
+                    <a:lnT w="9525" cap="flat" cmpd="sng" algn="ctr">
+                      <a:solidFill>
+                        <a:srgbClr val="DDDDDD"/>
+                      </a:solidFill>
+                      <a:prstDash val="solid"/>
+                      <a:round/>
+                      <a:headEnd type="none" w="med" len="med"/>
+                      <a:tailEnd type="none" w="med" len="med"/>
+                    </a:lnT>
+                    <a:lnB w="9525" cap="flat" cmpd="sng" algn="ctr">
+                      <a:solidFill>
+                        <a:srgbClr val="DDDDDD"/>
+                      </a:solidFill>
+                      <a:prstDash val="solid"/>
+                      <a:round/>
+                      <a:headEnd type="none" w="med" len="med"/>
+                      <a:tailEnd type="none" w="med" len="med"/>
+                    </a:lnB>
+                    <a:solidFill>
+                      <a:srgbClr val="FFFFFF"/>
+                    </a:solidFill>
+                  </a:tcPr>
+                </a:tc>
+                <a:tc>
+                  <a:txBody>
+                    <a:bodyPr/>
+                    <a:lstStyle/>
+                    <a:p>
+                      <a:r>
+                        <a:rPr lang="en-US" sz="1100">
+                          <a:effectLst/>
+                        </a:rPr>
+                        <a:t>Git/Blog</a:t>
+                      </a:r>
+                    </a:p>
+                  </a:txBody>
+                  <a:tcPr marL="74824" marR="74824" marT="34534" marB="34534" anchor="ctr">
+                    <a:lnL w="9525" cap="flat" cmpd="sng" algn="ctr">
+                      <a:solidFill>
+                        <a:srgbClr val="DDDDDD"/>
+                      </a:solidFill>
+                      <a:prstDash val="solid"/>
+                      <a:round/>
+                      <a:headEnd type="none" w="med" len="med"/>
+                      <a:tailEnd type="none" w="med" len="med"/>
+                    </a:lnL>
+                    <a:lnR w="9525" cap="flat" cmpd="sng" algn="ctr">
+                      <a:solidFill>
+                        <a:srgbClr val="DDDDDD"/>
+                      </a:solidFill>
+                      <a:prstDash val="solid"/>
+                      <a:round/>
+                      <a:headEnd type="none" w="med" len="med"/>
+                      <a:tailEnd type="none" w="med" len="med"/>
+                    </a:lnR>
+                    <a:lnT w="9525" cap="flat" cmpd="sng" algn="ctr">
+                      <a:solidFill>
+                        <a:srgbClr val="DDDDDD"/>
+                      </a:solidFill>
+                      <a:prstDash val="solid"/>
+                      <a:round/>
+                      <a:headEnd type="none" w="med" len="med"/>
+                      <a:tailEnd type="none" w="med" len="med"/>
+                    </a:lnT>
+                    <a:lnB w="9525" cap="flat" cmpd="sng" algn="ctr">
+                      <a:solidFill>
+                        <a:srgbClr val="DDDDDD"/>
+                      </a:solidFill>
+                      <a:prstDash val="solid"/>
+                      <a:round/>
+                      <a:headEnd type="none" w="med" len="med"/>
+                      <a:tailEnd type="none" w="med" len="med"/>
+                    </a:lnB>
+                    <a:solidFill>
+                      <a:srgbClr val="FFFFFF"/>
+                    </a:solidFill>
+                  </a:tcPr>
+                </a:tc>
+                <a:tc>
+                  <a:txBody>
+                    <a:bodyPr/>
+                    <a:lstStyle/>
+                    <a:p>
+                      <a:r>
+                        <a:rPr lang="en-US" sz="1100" dirty="0">
+                          <a:effectLst/>
+                        </a:rPr>
+                        <a:t>15</a:t>
+                      </a:r>
+                    </a:p>
+                  </a:txBody>
+                  <a:tcPr marL="74824" marR="74824" marT="34534" marB="34534" anchor="ctr">
+                    <a:lnL w="9525" cap="flat" cmpd="sng" algn="ctr">
+                      <a:solidFill>
+                        <a:srgbClr val="DDDDDD"/>
+                      </a:solidFill>
+                      <a:prstDash val="solid"/>
+                      <a:round/>
+                      <a:headEnd type="none" w="med" len="med"/>
+                      <a:tailEnd type="none" w="med" len="med"/>
+                    </a:lnL>
+                    <a:lnR w="9525" cap="flat" cmpd="sng" algn="ctr">
+                      <a:solidFill>
+                        <a:srgbClr val="DDDDDD"/>
+                      </a:solidFill>
+                      <a:prstDash val="solid"/>
+                      <a:round/>
+                      <a:headEnd type="none" w="med" len="med"/>
+                      <a:tailEnd type="none" w="med" len="med"/>
+                    </a:lnR>
+                    <a:lnT w="9525" cap="flat" cmpd="sng" algn="ctr">
+                      <a:solidFill>
+                        <a:srgbClr val="DDDDDD"/>
+                      </a:solidFill>
+                      <a:prstDash val="solid"/>
+                      <a:round/>
+                      <a:headEnd type="none" w="med" len="med"/>
+                      <a:tailEnd type="none" w="med" len="med"/>
+                    </a:lnT>
+                    <a:lnB w="9525" cap="flat" cmpd="sng" algn="ctr">
+                      <a:solidFill>
+                        <a:srgbClr val="DDDDDD"/>
+                      </a:solidFill>
+                      <a:prstDash val="solid"/>
+                      <a:round/>
+                      <a:headEnd type="none" w="med" len="med"/>
+                      <a:tailEnd type="none" w="med" len="med"/>
+                    </a:lnB>
+                    <a:solidFill>
+                      <a:srgbClr val="FFFFFF"/>
+                    </a:solidFill>
+                  </a:tcPr>
+                </a:tc>
+                <a:extLst>
+                  <a:ext uri="{0D108BD9-81ED-4DB2-BD59-A6C34878D82A}">
+                    <a16:rowId xmlns:a16="http://schemas.microsoft.com/office/drawing/2014/main" val="1091866966"/>
+                  </a:ext>
+                </a:extLst>
+              </a:tr>
+              <a:tr h="229669">
+                <a:tc>
+                  <a:txBody>
+                    <a:bodyPr/>
+                    <a:lstStyle/>
+                    <a:p>
+                      <a:r>
+                        <a:rPr lang="en-US" sz="1100">
+                          <a:effectLst/>
+                        </a:rPr>
+                        <a:t>B</a:t>
+                      </a:r>
+                    </a:p>
+                  </a:txBody>
+                  <a:tcPr marL="74824" marR="74824" marT="34534" marB="34534" anchor="ctr">
+                    <a:lnL w="9525" cap="flat" cmpd="sng" algn="ctr">
+                      <a:solidFill>
+                        <a:srgbClr val="DDDDDD"/>
+                      </a:solidFill>
+                      <a:prstDash val="solid"/>
+                      <a:round/>
+                      <a:headEnd type="none" w="med" len="med"/>
+                      <a:tailEnd type="none" w="med" len="med"/>
+                    </a:lnL>
+                    <a:lnR w="9525" cap="flat" cmpd="sng" algn="ctr">
+                      <a:solidFill>
+                        <a:srgbClr val="DDDDDD"/>
+                      </a:solidFill>
+                      <a:prstDash val="solid"/>
+                      <a:round/>
+                      <a:headEnd type="none" w="med" len="med"/>
+                      <a:tailEnd type="none" w="med" len="med"/>
+                    </a:lnR>
+                    <a:lnT w="9525" cap="flat" cmpd="sng" algn="ctr">
+                      <a:solidFill>
+                        <a:srgbClr val="DDDDDD"/>
+                      </a:solidFill>
+                      <a:prstDash val="solid"/>
+                      <a:round/>
+                      <a:headEnd type="none" w="med" len="med"/>
+                      <a:tailEnd type="none" w="med" len="med"/>
+                    </a:lnT>
+                    <a:lnB w="9525" cap="flat" cmpd="sng" algn="ctr">
+                      <a:solidFill>
+                        <a:srgbClr val="DDDDDD"/>
+                      </a:solidFill>
+                      <a:prstDash val="solid"/>
+                      <a:round/>
+                      <a:headEnd type="none" w="med" len="med"/>
+                      <a:tailEnd type="none" w="med" len="med"/>
+                    </a:lnB>
+                    <a:solidFill>
+                      <a:srgbClr val="F8F8F8"/>
+                    </a:solidFill>
+                  </a:tcPr>
+                </a:tc>
+                <a:tc>
+                  <a:txBody>
+                    <a:bodyPr/>
+                    <a:lstStyle/>
+                    <a:p>
+                      <a:r>
+                        <a:rPr lang="en-US" sz="1100">
+                          <a:effectLst/>
+                        </a:rPr>
+                        <a:t>Bonus</a:t>
+                      </a:r>
+                    </a:p>
+                  </a:txBody>
+                  <a:tcPr marL="74824" marR="74824" marT="34534" marB="34534" anchor="ctr">
+                    <a:lnL w="9525" cap="flat" cmpd="sng" algn="ctr">
+                      <a:solidFill>
+                        <a:srgbClr val="DDDDDD"/>
+                      </a:solidFill>
+                      <a:prstDash val="solid"/>
+                      <a:round/>
+                      <a:headEnd type="none" w="med" len="med"/>
+                      <a:tailEnd type="none" w="med" len="med"/>
+                    </a:lnL>
+                    <a:lnR w="9525" cap="flat" cmpd="sng" algn="ctr">
+                      <a:solidFill>
+                        <a:srgbClr val="DDDDDD"/>
+                      </a:solidFill>
+                      <a:prstDash val="solid"/>
+                      <a:round/>
+                      <a:headEnd type="none" w="med" len="med"/>
+                      <a:tailEnd type="none" w="med" len="med"/>
+                    </a:lnR>
+                    <a:lnT w="9525" cap="flat" cmpd="sng" algn="ctr">
+                      <a:solidFill>
+                        <a:srgbClr val="DDDDDD"/>
+                      </a:solidFill>
+                      <a:prstDash val="solid"/>
+                      <a:round/>
+                      <a:headEnd type="none" w="med" len="med"/>
+                      <a:tailEnd type="none" w="med" len="med"/>
+                    </a:lnT>
+                    <a:lnB w="9525" cap="flat" cmpd="sng" algn="ctr">
+                      <a:solidFill>
+                        <a:srgbClr val="DDDDDD"/>
+                      </a:solidFill>
+                      <a:prstDash val="solid"/>
+                      <a:round/>
+                      <a:headEnd type="none" w="med" len="med"/>
+                      <a:tailEnd type="none" w="med" len="med"/>
+                    </a:lnB>
+                    <a:solidFill>
+                      <a:srgbClr val="F8F8F8"/>
+                    </a:solidFill>
+                  </a:tcPr>
+                </a:tc>
+                <a:tc>
+                  <a:txBody>
+                    <a:bodyPr/>
+                    <a:lstStyle/>
+                    <a:p>
+                      <a:r>
+                        <a:rPr lang="en-US" sz="1100">
+                          <a:effectLst/>
+                        </a:rPr>
+                        <a:t>10</a:t>
+                      </a:r>
+                    </a:p>
+                  </a:txBody>
+                  <a:tcPr marL="74824" marR="74824" marT="34534" marB="34534" anchor="ctr">
+                    <a:lnL w="9525" cap="flat" cmpd="sng" algn="ctr">
+                      <a:solidFill>
+                        <a:srgbClr val="DDDDDD"/>
+                      </a:solidFill>
+                      <a:prstDash val="solid"/>
+                      <a:round/>
+                      <a:headEnd type="none" w="med" len="med"/>
+                      <a:tailEnd type="none" w="med" len="med"/>
+                    </a:lnL>
+                    <a:lnR w="9525" cap="flat" cmpd="sng" algn="ctr">
+                      <a:solidFill>
+                        <a:srgbClr val="DDDDDD"/>
+                      </a:solidFill>
+                      <a:prstDash val="solid"/>
+                      <a:round/>
+                      <a:headEnd type="none" w="med" len="med"/>
+                      <a:tailEnd type="none" w="med" len="med"/>
+                    </a:lnR>
+                    <a:lnT w="9525" cap="flat" cmpd="sng" algn="ctr">
+                      <a:solidFill>
+                        <a:srgbClr val="DDDDDD"/>
+                      </a:solidFill>
+                      <a:prstDash val="solid"/>
+                      <a:round/>
+                      <a:headEnd type="none" w="med" len="med"/>
+                      <a:tailEnd type="none" w="med" len="med"/>
+                    </a:lnT>
+                    <a:lnB w="9525" cap="flat" cmpd="sng" algn="ctr">
+                      <a:solidFill>
+                        <a:srgbClr val="DDDDDD"/>
+                      </a:solidFill>
+                      <a:prstDash val="solid"/>
+                      <a:round/>
+                      <a:headEnd type="none" w="med" len="med"/>
+                      <a:tailEnd type="none" w="med" len="med"/>
+                    </a:lnB>
+                    <a:solidFill>
+                      <a:srgbClr val="F8F8F8"/>
+                    </a:solidFill>
+                  </a:tcPr>
+                </a:tc>
+                <a:extLst>
+                  <a:ext uri="{0D108BD9-81ED-4DB2-BD59-A6C34878D82A}">
+                    <a16:rowId xmlns:a16="http://schemas.microsoft.com/office/drawing/2014/main" val="893677232"/>
+                  </a:ext>
+                </a:extLst>
+              </a:tr>
+              <a:tr h="229669">
+                <a:tc>
+                  <a:txBody>
+                    <a:bodyPr/>
+                    <a:lstStyle/>
+                    <a:p>
+                      <a:endParaRPr lang="en-US" sz="1100">
+                        <a:effectLst/>
+                      </a:endParaRPr>
+                    </a:p>
+                  </a:txBody>
+                  <a:tcPr marL="74824" marR="74824" marT="34534" marB="34534" anchor="ctr">
+                    <a:lnL w="9525" cap="flat" cmpd="sng" algn="ctr">
+                      <a:solidFill>
+                        <a:srgbClr val="DDDDDD"/>
+                      </a:solidFill>
+                      <a:prstDash val="solid"/>
+                      <a:round/>
+                      <a:headEnd type="none" w="med" len="med"/>
+                      <a:tailEnd type="none" w="med" len="med"/>
+                    </a:lnL>
+                    <a:lnR w="9525" cap="flat" cmpd="sng" algn="ctr">
+                      <a:solidFill>
+                        <a:srgbClr val="DDDDDD"/>
+                      </a:solidFill>
+                      <a:prstDash val="solid"/>
+                      <a:round/>
+                      <a:headEnd type="none" w="med" len="med"/>
+                      <a:tailEnd type="none" w="med" len="med"/>
+                    </a:lnR>
+                    <a:lnT w="9525" cap="flat" cmpd="sng" algn="ctr">
+                      <a:solidFill>
+                        <a:srgbClr val="DDDDDD"/>
+                      </a:solidFill>
+                      <a:prstDash val="solid"/>
+                      <a:round/>
+                      <a:headEnd type="none" w="med" len="med"/>
+                      <a:tailEnd type="none" w="med" len="med"/>
+                    </a:lnT>
+                    <a:lnB w="9525" cap="flat" cmpd="sng" algn="ctr">
+                      <a:solidFill>
+                        <a:srgbClr val="DDDDDD"/>
+                      </a:solidFill>
+                      <a:prstDash val="solid"/>
+                      <a:round/>
+                      <a:headEnd type="none" w="med" len="med"/>
+                      <a:tailEnd type="none" w="med" len="med"/>
+                    </a:lnB>
+                    <a:solidFill>
+                      <a:srgbClr val="FFFFFF"/>
+                    </a:solidFill>
+                  </a:tcPr>
+                </a:tc>
+                <a:tc>
+                  <a:txBody>
+                    <a:bodyPr/>
+                    <a:lstStyle/>
+                    <a:p>
+                      <a:r>
+                        <a:rPr lang="en-US" sz="1100">
+                          <a:effectLst/>
+                        </a:rPr>
+                        <a:t>Total</a:t>
+                      </a:r>
+                    </a:p>
+                  </a:txBody>
+                  <a:tcPr marL="74824" marR="74824" marT="34534" marB="34534" anchor="ctr">
+                    <a:lnL w="9525" cap="flat" cmpd="sng" algn="ctr">
+                      <a:solidFill>
+                        <a:srgbClr val="DDDDDD"/>
+                      </a:solidFill>
+                      <a:prstDash val="solid"/>
+                      <a:round/>
+                      <a:headEnd type="none" w="med" len="med"/>
+                      <a:tailEnd type="none" w="med" len="med"/>
+                    </a:lnL>
+                    <a:lnR w="9525" cap="flat" cmpd="sng" algn="ctr">
+                      <a:solidFill>
+                        <a:srgbClr val="DDDDDD"/>
+                      </a:solidFill>
+                      <a:prstDash val="solid"/>
+                      <a:round/>
+                      <a:headEnd type="none" w="med" len="med"/>
+                      <a:tailEnd type="none" w="med" len="med"/>
+                    </a:lnR>
+                    <a:lnT w="9525" cap="flat" cmpd="sng" algn="ctr">
+                      <a:solidFill>
+                        <a:srgbClr val="DDDDDD"/>
+                      </a:solidFill>
+                      <a:prstDash val="solid"/>
+                      <a:round/>
+                      <a:headEnd type="none" w="med" len="med"/>
+                      <a:tailEnd type="none" w="med" len="med"/>
+                    </a:lnT>
+                    <a:lnB w="9525" cap="flat" cmpd="sng" algn="ctr">
+                      <a:solidFill>
+                        <a:srgbClr val="DDDDDD"/>
+                      </a:solidFill>
+                      <a:prstDash val="solid"/>
+                      <a:round/>
+                      <a:headEnd type="none" w="med" len="med"/>
+                      <a:tailEnd type="none" w="med" len="med"/>
+                    </a:lnB>
+                    <a:solidFill>
+                      <a:srgbClr val="FFFFFF"/>
+                    </a:solidFill>
+                  </a:tcPr>
+                </a:tc>
+                <a:tc>
+                  <a:txBody>
+                    <a:bodyPr/>
+                    <a:lstStyle/>
+                    <a:p>
+                      <a:r>
+                        <a:rPr lang="en-US" sz="1100" dirty="0">
+                          <a:effectLst/>
+                        </a:rPr>
+                        <a:t>130</a:t>
+                      </a:r>
+                    </a:p>
+                  </a:txBody>
+                  <a:tcPr marL="74824" marR="74824" marT="34534" marB="34534" anchor="ctr">
+                    <a:lnL w="9525" cap="flat" cmpd="sng" algn="ctr">
+                      <a:solidFill>
+                        <a:srgbClr val="DDDDDD"/>
+                      </a:solidFill>
+                      <a:prstDash val="solid"/>
+                      <a:round/>
+                      <a:headEnd type="none" w="med" len="med"/>
+                      <a:tailEnd type="none" w="med" len="med"/>
+                    </a:lnL>
+                    <a:lnR w="9525" cap="flat" cmpd="sng" algn="ctr">
+                      <a:solidFill>
+                        <a:srgbClr val="DDDDDD"/>
+                      </a:solidFill>
+                      <a:prstDash val="solid"/>
+                      <a:round/>
+                      <a:headEnd type="none" w="med" len="med"/>
+                      <a:tailEnd type="none" w="med" len="med"/>
+                    </a:lnR>
+                    <a:lnT w="9525" cap="flat" cmpd="sng" algn="ctr">
+                      <a:solidFill>
+                        <a:srgbClr val="DDDDDD"/>
+                      </a:solidFill>
+                      <a:prstDash val="solid"/>
+                      <a:round/>
+                      <a:headEnd type="none" w="med" len="med"/>
+                      <a:tailEnd type="none" w="med" len="med"/>
+                    </a:lnT>
+                    <a:lnB w="9525" cap="flat" cmpd="sng" algn="ctr">
+                      <a:solidFill>
+                        <a:srgbClr val="DDDDDD"/>
+                      </a:solidFill>
+                      <a:prstDash val="solid"/>
+                      <a:round/>
+                      <a:headEnd type="none" w="med" len="med"/>
+                      <a:tailEnd type="none" w="med" len="med"/>
+                    </a:lnB>
+                    <a:solidFill>
+                      <a:srgbClr val="FFFFFF"/>
+                    </a:solidFill>
+                  </a:tcPr>
+                </a:tc>
+                <a:extLst>
+                  <a:ext uri="{0D108BD9-81ED-4DB2-BD59-A6C34878D82A}">
+                    <a16:rowId xmlns:a16="http://schemas.microsoft.com/office/drawing/2014/main" val="2401591075"/>
+                  </a:ext>
+                </a:extLst>
+              </a:tr>
+            </a:tbl>
+          </a:graphicData>
+        </a:graphic>
+      </p:graphicFrame>
+      <p:graphicFrame>
+        <p:nvGraphicFramePr>
+          <p:cNvPr id="5" name="Table 4"/>
+          <p:cNvGraphicFramePr>
+            <a:graphicFrameLocks noGrp="1"/>
+          </p:cNvGraphicFramePr>
+          <p:nvPr>
+            <p:extLst>
+              <p:ext uri="{D42A27DB-BD31-4B8C-83A1-F6EECF244321}">
+                <p14:modId xmlns:p14="http://schemas.microsoft.com/office/powerpoint/2010/main" val="3122075958"/>
+              </p:ext>
+            </p:extLst>
+          </p:nvPr>
+        </p:nvGraphicFramePr>
+        <p:xfrm>
+          <a:off x="2863358" y="66501"/>
+          <a:ext cx="7959813" cy="6582336"/>
+        </p:xfrm>
+        <a:graphic>
+          <a:graphicData uri="http://schemas.openxmlformats.org/drawingml/2006/table">
+            <a:tbl>
+              <a:tblPr/>
+              <a:tblGrid>
+                <a:gridCol w="305822">
+                  <a:extLst>
+                    <a:ext uri="{9D8B030D-6E8A-4147-A177-3AD203B41FA5}">
+                      <a16:colId xmlns:a16="http://schemas.microsoft.com/office/drawing/2014/main" val="1180354344"/>
+                    </a:ext>
+                  </a:extLst>
+                </a:gridCol>
+                <a:gridCol w="7013911">
+                  <a:extLst>
+                    <a:ext uri="{9D8B030D-6E8A-4147-A177-3AD203B41FA5}">
+                      <a16:colId xmlns:a16="http://schemas.microsoft.com/office/drawing/2014/main" val="2813880437"/>
+                    </a:ext>
+                  </a:extLst>
+                </a:gridCol>
+                <a:gridCol w="640080">
+                  <a:extLst>
+                    <a:ext uri="{9D8B030D-6E8A-4147-A177-3AD203B41FA5}">
+                      <a16:colId xmlns:a16="http://schemas.microsoft.com/office/drawing/2014/main" val="3772473587"/>
+                    </a:ext>
+                  </a:extLst>
+                </a:gridCol>
+              </a:tblGrid>
+              <a:tr h="111142">
+                <a:tc>
+                  <a:txBody>
+                    <a:bodyPr/>
+                    <a:lstStyle/>
+                    <a:p>
+                      <a:r>
+                        <a:rPr lang="en-US" sz="500" b="1">
+                          <a:effectLst/>
+                        </a:rPr>
+                        <a:t>category</a:t>
+                      </a:r>
+                    </a:p>
+                  </a:txBody>
+                  <a:tcPr marL="35712" marR="35712" marT="16482" marB="16482" anchor="ctr">
+                    <a:lnL w="9525" cap="flat" cmpd="sng" algn="ctr">
+                      <a:solidFill>
+                        <a:srgbClr val="DDDDDD"/>
+                      </a:solidFill>
+                      <a:prstDash val="solid"/>
+                      <a:round/>
+                      <a:headEnd type="none" w="med" len="med"/>
+                      <a:tailEnd type="none" w="med" len="med"/>
+                    </a:lnL>
+                    <a:lnR w="9525" cap="flat" cmpd="sng" algn="ctr">
+                      <a:solidFill>
+                        <a:srgbClr val="DDDDDD"/>
+                      </a:solidFill>
+                      <a:prstDash val="solid"/>
+                      <a:round/>
+                      <a:headEnd type="none" w="med" len="med"/>
+                      <a:tailEnd type="none" w="med" len="med"/>
+                    </a:lnR>
+                    <a:lnT w="9525" cap="flat" cmpd="sng" algn="ctr">
+                      <a:solidFill>
+                        <a:srgbClr val="DDDDDD"/>
+                      </a:solidFill>
+                      <a:prstDash val="solid"/>
+                      <a:round/>
+                      <a:headEnd type="none" w="med" len="med"/>
+                      <a:tailEnd type="none" w="med" len="med"/>
+                    </a:lnT>
+                    <a:lnB w="9525" cap="flat" cmpd="sng" algn="ctr">
+                      <a:solidFill>
+                        <a:srgbClr val="DDDDDD"/>
+                      </a:solidFill>
+                      <a:prstDash val="solid"/>
+                      <a:round/>
+                      <a:headEnd type="none" w="med" len="med"/>
+                      <a:tailEnd type="none" w="med" len="med"/>
+                    </a:lnB>
+                    <a:solidFill>
+                      <a:srgbClr val="FFFFFF"/>
+                    </a:solidFill>
+                  </a:tcPr>
+                </a:tc>
+                <a:tc>
+                  <a:txBody>
+                    <a:bodyPr/>
+                    <a:lstStyle/>
+                    <a:p>
+                      <a:r>
+                        <a:rPr lang="en-US" sz="1000" b="1">
+                          <a:effectLst/>
+                        </a:rPr>
+                        <a:t>criteria</a:t>
+                      </a:r>
+                    </a:p>
+                  </a:txBody>
+                  <a:tcPr marL="35712" marR="35712" marT="16482" marB="16482" anchor="ctr">
+                    <a:lnL w="9525" cap="flat" cmpd="sng" algn="ctr">
+                      <a:solidFill>
+                        <a:srgbClr val="DDDDDD"/>
+                      </a:solidFill>
+                      <a:prstDash val="solid"/>
+                      <a:round/>
+                      <a:headEnd type="none" w="med" len="med"/>
+                      <a:tailEnd type="none" w="med" len="med"/>
+                    </a:lnL>
+                    <a:lnR w="9525" cap="flat" cmpd="sng" algn="ctr">
+                      <a:solidFill>
+                        <a:srgbClr val="DDDDDD"/>
+                      </a:solidFill>
+                      <a:prstDash val="solid"/>
+                      <a:round/>
+                      <a:headEnd type="none" w="med" len="med"/>
+                      <a:tailEnd type="none" w="med" len="med"/>
+                    </a:lnR>
+                    <a:lnT w="9525" cap="flat" cmpd="sng" algn="ctr">
+                      <a:solidFill>
+                        <a:srgbClr val="DDDDDD"/>
+                      </a:solidFill>
+                      <a:prstDash val="solid"/>
+                      <a:round/>
+                      <a:headEnd type="none" w="med" len="med"/>
+                      <a:tailEnd type="none" w="med" len="med"/>
+                    </a:lnT>
+                    <a:lnB w="9525" cap="flat" cmpd="sng" algn="ctr">
+                      <a:solidFill>
+                        <a:srgbClr val="DDDDDD"/>
+                      </a:solidFill>
+                      <a:prstDash val="solid"/>
+                      <a:round/>
+                      <a:headEnd type="none" w="med" len="med"/>
+                      <a:tailEnd type="none" w="med" len="med"/>
+                    </a:lnB>
+                    <a:solidFill>
+                      <a:srgbClr val="FFFFFF"/>
+                    </a:solidFill>
+                  </a:tcPr>
+                </a:tc>
+                <a:tc>
+                  <a:txBody>
+                    <a:bodyPr/>
+                    <a:lstStyle/>
+                    <a:p>
+                      <a:r>
+                        <a:rPr lang="en-US" sz="500" b="1">
+                          <a:effectLst/>
+                        </a:rPr>
+                        <a:t>max pt</a:t>
+                      </a:r>
+                    </a:p>
+                  </a:txBody>
+                  <a:tcPr marL="35712" marR="35712" marT="16482" marB="16482" anchor="ctr">
+                    <a:lnL w="9525" cap="flat" cmpd="sng" algn="ctr">
+                      <a:solidFill>
+                        <a:srgbClr val="DDDDDD"/>
+                      </a:solidFill>
+                      <a:prstDash val="solid"/>
+                      <a:round/>
+                      <a:headEnd type="none" w="med" len="med"/>
+                      <a:tailEnd type="none" w="med" len="med"/>
+                    </a:lnL>
+                    <a:lnR w="9525" cap="flat" cmpd="sng" algn="ctr">
+                      <a:solidFill>
+                        <a:srgbClr val="DDDDDD"/>
+                      </a:solidFill>
+                      <a:prstDash val="solid"/>
+                      <a:round/>
+                      <a:headEnd type="none" w="med" len="med"/>
+                      <a:tailEnd type="none" w="med" len="med"/>
+                    </a:lnR>
+                    <a:lnT w="9525" cap="flat" cmpd="sng" algn="ctr">
+                      <a:solidFill>
+                        <a:srgbClr val="DDDDDD"/>
+                      </a:solidFill>
+                      <a:prstDash val="solid"/>
+                      <a:round/>
+                      <a:headEnd type="none" w="med" len="med"/>
+                      <a:tailEnd type="none" w="med" len="med"/>
+                    </a:lnT>
+                    <a:lnB w="9525" cap="flat" cmpd="sng" algn="ctr">
+                      <a:solidFill>
+                        <a:srgbClr val="DDDDDD"/>
+                      </a:solidFill>
+                      <a:prstDash val="solid"/>
+                      <a:round/>
+                      <a:headEnd type="none" w="med" len="med"/>
+                      <a:tailEnd type="none" w="med" len="med"/>
+                    </a:lnB>
+                    <a:solidFill>
+                      <a:srgbClr val="FFFFFF"/>
+                    </a:solidFill>
+                  </a:tcPr>
+                </a:tc>
+                <a:extLst>
+                  <a:ext uri="{0D108BD9-81ED-4DB2-BD59-A6C34878D82A}">
+                    <a16:rowId xmlns:a16="http://schemas.microsoft.com/office/drawing/2014/main" val="3117172562"/>
+                  </a:ext>
+                </a:extLst>
+              </a:tr>
+              <a:tr h="424953">
+                <a:tc>
+                  <a:txBody>
+                    <a:bodyPr/>
+                    <a:lstStyle/>
+                    <a:p>
+                      <a:r>
+                        <a:rPr lang="en-US" sz="500">
+                          <a:effectLst/>
+                        </a:rPr>
+                        <a:t>Q</a:t>
+                      </a:r>
+                    </a:p>
+                  </a:txBody>
+                  <a:tcPr marL="35712" marR="35712" marT="16482" marB="16482" anchor="ctr">
+                    <a:lnL w="9525" cap="flat" cmpd="sng" algn="ctr">
+                      <a:solidFill>
+                        <a:srgbClr val="DDDDDD"/>
+                      </a:solidFill>
+                      <a:prstDash val="solid"/>
+                      <a:round/>
+                      <a:headEnd type="none" w="med" len="med"/>
+                      <a:tailEnd type="none" w="med" len="med"/>
+                    </a:lnL>
+                    <a:lnR w="9525" cap="flat" cmpd="sng" algn="ctr">
+                      <a:solidFill>
+                        <a:srgbClr val="DDDDDD"/>
+                      </a:solidFill>
+                      <a:prstDash val="solid"/>
+                      <a:round/>
+                      <a:headEnd type="none" w="med" len="med"/>
+                      <a:tailEnd type="none" w="med" len="med"/>
+                    </a:lnR>
+                    <a:lnT w="9525" cap="flat" cmpd="sng" algn="ctr">
+                      <a:solidFill>
+                        <a:srgbClr val="DDDDDD"/>
+                      </a:solidFill>
+                      <a:prstDash val="solid"/>
+                      <a:round/>
+                      <a:headEnd type="none" w="med" len="med"/>
+                      <a:tailEnd type="none" w="med" len="med"/>
+                    </a:lnT>
+                    <a:lnB w="9525" cap="flat" cmpd="sng" algn="ctr">
+                      <a:solidFill>
+                        <a:srgbClr val="DDDDDD"/>
+                      </a:solidFill>
+                      <a:prstDash val="solid"/>
+                      <a:round/>
+                      <a:headEnd type="none" w="med" len="med"/>
+                      <a:tailEnd type="none" w="med" len="med"/>
+                    </a:lnB>
+                    <a:solidFill>
+                      <a:srgbClr val="FFFFFF"/>
+                    </a:solidFill>
+                  </a:tcPr>
+                </a:tc>
+                <a:tc>
+                  <a:txBody>
+                    <a:bodyPr/>
+                    <a:lstStyle/>
+                    <a:p>
+                      <a:r>
+                        <a:rPr lang="en-US" sz="1000" dirty="0">
+                          <a:effectLst/>
+                        </a:rPr>
+                        <a:t>Problem Source (higher points if it requires more effort to get data and define problems)</a:t>
+                      </a:r>
+                      <a:br>
+                        <a:rPr lang="en-US" sz="1000" dirty="0">
+                          <a:effectLst/>
+                        </a:rPr>
+                      </a:br>
+                      <a:r>
+                        <a:rPr lang="en-US" sz="1000" dirty="0">
+                          <a:effectLst/>
+                        </a:rPr>
+                        <a:t>- create own problem and data, from company/work, from </a:t>
+                      </a:r>
+                      <a:r>
+                        <a:rPr lang="en-US" sz="1000" dirty="0" err="1">
+                          <a:effectLst/>
+                        </a:rPr>
+                        <a:t>Kaggle</a:t>
+                      </a:r>
+                      <a:r>
+                        <a:rPr lang="en-US" sz="1000" dirty="0">
+                          <a:effectLst/>
+                        </a:rPr>
+                        <a:t> or similar</a:t>
+                      </a:r>
+                      <a:br>
+                        <a:rPr lang="en-US" sz="1000" dirty="0">
+                          <a:effectLst/>
+                        </a:rPr>
+                      </a:br>
+                      <a:endParaRPr lang="en-US" sz="1000" dirty="0">
+                        <a:effectLst/>
+                      </a:endParaRPr>
+                    </a:p>
+                  </a:txBody>
+                  <a:tcPr marL="35712" marR="35712" marT="16482" marB="16482" anchor="ctr">
+                    <a:lnL w="9525" cap="flat" cmpd="sng" algn="ctr">
+                      <a:solidFill>
+                        <a:srgbClr val="DDDDDD"/>
+                      </a:solidFill>
+                      <a:prstDash val="solid"/>
+                      <a:round/>
+                      <a:headEnd type="none" w="med" len="med"/>
+                      <a:tailEnd type="none" w="med" len="med"/>
+                    </a:lnL>
+                    <a:lnR w="9525" cap="flat" cmpd="sng" algn="ctr">
+                      <a:solidFill>
+                        <a:srgbClr val="DDDDDD"/>
+                      </a:solidFill>
+                      <a:prstDash val="solid"/>
+                      <a:round/>
+                      <a:headEnd type="none" w="med" len="med"/>
+                      <a:tailEnd type="none" w="med" len="med"/>
+                    </a:lnR>
+                    <a:lnT w="9525" cap="flat" cmpd="sng" algn="ctr">
+                      <a:solidFill>
+                        <a:srgbClr val="DDDDDD"/>
+                      </a:solidFill>
+                      <a:prstDash val="solid"/>
+                      <a:round/>
+                      <a:headEnd type="none" w="med" len="med"/>
+                      <a:tailEnd type="none" w="med" len="med"/>
+                    </a:lnT>
+                    <a:lnB w="9525" cap="flat" cmpd="sng" algn="ctr">
+                      <a:solidFill>
+                        <a:srgbClr val="DDDDDD"/>
+                      </a:solidFill>
+                      <a:prstDash val="solid"/>
+                      <a:round/>
+                      <a:headEnd type="none" w="med" len="med"/>
+                      <a:tailEnd type="none" w="med" len="med"/>
+                    </a:lnB>
+                    <a:solidFill>
+                      <a:srgbClr val="FFFFFF"/>
+                    </a:solidFill>
+                  </a:tcPr>
+                </a:tc>
+                <a:tc>
+                  <a:txBody>
+                    <a:bodyPr/>
+                    <a:lstStyle/>
+                    <a:p>
+                      <a:r>
+                        <a:rPr lang="en-US" sz="500">
+                          <a:effectLst/>
+                        </a:rPr>
+                        <a:t>5</a:t>
+                      </a:r>
+                    </a:p>
+                  </a:txBody>
+                  <a:tcPr marL="35712" marR="35712" marT="16482" marB="16482" anchor="ctr">
+                    <a:lnL w="9525" cap="flat" cmpd="sng" algn="ctr">
+                      <a:solidFill>
+                        <a:srgbClr val="DDDDDD"/>
+                      </a:solidFill>
+                      <a:prstDash val="solid"/>
+                      <a:round/>
+                      <a:headEnd type="none" w="med" len="med"/>
+                      <a:tailEnd type="none" w="med" len="med"/>
+                    </a:lnL>
+                    <a:lnR w="9525" cap="flat" cmpd="sng" algn="ctr">
+                      <a:solidFill>
+                        <a:srgbClr val="DDDDDD"/>
+                      </a:solidFill>
+                      <a:prstDash val="solid"/>
+                      <a:round/>
+                      <a:headEnd type="none" w="med" len="med"/>
+                      <a:tailEnd type="none" w="med" len="med"/>
+                    </a:lnR>
+                    <a:lnT w="9525" cap="flat" cmpd="sng" algn="ctr">
+                      <a:solidFill>
+                        <a:srgbClr val="DDDDDD"/>
+                      </a:solidFill>
+                      <a:prstDash val="solid"/>
+                      <a:round/>
+                      <a:headEnd type="none" w="med" len="med"/>
+                      <a:tailEnd type="none" w="med" len="med"/>
+                    </a:lnT>
+                    <a:lnB w="9525" cap="flat" cmpd="sng" algn="ctr">
+                      <a:solidFill>
+                        <a:srgbClr val="DDDDDD"/>
+                      </a:solidFill>
+                      <a:prstDash val="solid"/>
+                      <a:round/>
+                      <a:headEnd type="none" w="med" len="med"/>
+                      <a:tailEnd type="none" w="med" len="med"/>
+                    </a:lnB>
+                    <a:solidFill>
+                      <a:srgbClr val="FFFFFF"/>
+                    </a:solidFill>
+                  </a:tcPr>
+                </a:tc>
+                <a:extLst>
+                  <a:ext uri="{0D108BD9-81ED-4DB2-BD59-A6C34878D82A}">
+                    <a16:rowId xmlns:a16="http://schemas.microsoft.com/office/drawing/2014/main" val="3398681096"/>
+                  </a:ext>
+                </a:extLst>
+              </a:tr>
+              <a:tr h="346501">
+                <a:tc>
+                  <a:txBody>
+                    <a:bodyPr/>
+                    <a:lstStyle/>
+                    <a:p>
+                      <a:r>
+                        <a:rPr lang="en-US" sz="500">
+                          <a:effectLst/>
+                        </a:rPr>
+                        <a:t>Q</a:t>
+                      </a:r>
+                    </a:p>
+                  </a:txBody>
+                  <a:tcPr marL="35712" marR="35712" marT="16482" marB="16482" anchor="ctr">
+                    <a:lnL w="9525" cap="flat" cmpd="sng" algn="ctr">
+                      <a:solidFill>
+                        <a:srgbClr val="DDDDDD"/>
+                      </a:solidFill>
+                      <a:prstDash val="solid"/>
+                      <a:round/>
+                      <a:headEnd type="none" w="med" len="med"/>
+                      <a:tailEnd type="none" w="med" len="med"/>
+                    </a:lnL>
+                    <a:lnR w="9525" cap="flat" cmpd="sng" algn="ctr">
+                      <a:solidFill>
+                        <a:srgbClr val="DDDDDD"/>
+                      </a:solidFill>
+                      <a:prstDash val="solid"/>
+                      <a:round/>
+                      <a:headEnd type="none" w="med" len="med"/>
+                      <a:tailEnd type="none" w="med" len="med"/>
+                    </a:lnR>
+                    <a:lnT w="9525" cap="flat" cmpd="sng" algn="ctr">
+                      <a:solidFill>
+                        <a:srgbClr val="DDDDDD"/>
+                      </a:solidFill>
+                      <a:prstDash val="solid"/>
+                      <a:round/>
+                      <a:headEnd type="none" w="med" len="med"/>
+                      <a:tailEnd type="none" w="med" len="med"/>
+                    </a:lnT>
+                    <a:lnB w="9525" cap="flat" cmpd="sng" algn="ctr">
+                      <a:solidFill>
+                        <a:srgbClr val="DDDDDD"/>
+                      </a:solidFill>
+                      <a:prstDash val="solid"/>
+                      <a:round/>
+                      <a:headEnd type="none" w="med" len="med"/>
+                      <a:tailEnd type="none" w="med" len="med"/>
+                    </a:lnB>
+                    <a:solidFill>
+                      <a:srgbClr val="F8F8F8"/>
+                    </a:solidFill>
+                  </a:tcPr>
+                </a:tc>
+                <a:tc>
+                  <a:txBody>
+                    <a:bodyPr/>
+                    <a:lstStyle/>
+                    <a:p>
+                      <a:r>
+                        <a:rPr lang="en-US" sz="1000" dirty="0">
+                          <a:effectLst/>
+                        </a:rPr>
+                        <a:t>Defining Problems effort </a:t>
+                      </a:r>
+                      <a:br>
+                        <a:rPr lang="en-US" sz="1000" dirty="0">
+                          <a:effectLst/>
+                        </a:rPr>
+                      </a:br>
+                      <a:r>
+                        <a:rPr lang="en-US" sz="1000" dirty="0">
+                          <a:effectLst/>
+                        </a:rPr>
+                        <a:t>- extra effort defining problems and analysis milestones (+1) </a:t>
+                      </a:r>
+                      <a:br>
+                        <a:rPr lang="en-US" sz="1000" dirty="0">
+                          <a:effectLst/>
+                        </a:rPr>
+                      </a:br>
+                      <a:endParaRPr lang="en-US" sz="1000" dirty="0">
+                        <a:effectLst/>
+                      </a:endParaRPr>
+                    </a:p>
+                  </a:txBody>
+                  <a:tcPr marL="35712" marR="35712" marT="16482" marB="16482" anchor="ctr">
+                    <a:lnL w="9525" cap="flat" cmpd="sng" algn="ctr">
+                      <a:solidFill>
+                        <a:srgbClr val="DDDDDD"/>
+                      </a:solidFill>
+                      <a:prstDash val="solid"/>
+                      <a:round/>
+                      <a:headEnd type="none" w="med" len="med"/>
+                      <a:tailEnd type="none" w="med" len="med"/>
+                    </a:lnL>
+                    <a:lnR w="9525" cap="flat" cmpd="sng" algn="ctr">
+                      <a:solidFill>
+                        <a:srgbClr val="DDDDDD"/>
+                      </a:solidFill>
+                      <a:prstDash val="solid"/>
+                      <a:round/>
+                      <a:headEnd type="none" w="med" len="med"/>
+                      <a:tailEnd type="none" w="med" len="med"/>
+                    </a:lnR>
+                    <a:lnT w="9525" cap="flat" cmpd="sng" algn="ctr">
+                      <a:solidFill>
+                        <a:srgbClr val="DDDDDD"/>
+                      </a:solidFill>
+                      <a:prstDash val="solid"/>
+                      <a:round/>
+                      <a:headEnd type="none" w="med" len="med"/>
+                      <a:tailEnd type="none" w="med" len="med"/>
+                    </a:lnT>
+                    <a:lnB w="9525" cap="flat" cmpd="sng" algn="ctr">
+                      <a:solidFill>
+                        <a:srgbClr val="DDDDDD"/>
+                      </a:solidFill>
+                      <a:prstDash val="solid"/>
+                      <a:round/>
+                      <a:headEnd type="none" w="med" len="med"/>
+                      <a:tailEnd type="none" w="med" len="med"/>
+                    </a:lnB>
+                    <a:solidFill>
+                      <a:srgbClr val="F8F8F8"/>
+                    </a:solidFill>
+                  </a:tcPr>
+                </a:tc>
+                <a:tc>
+                  <a:txBody>
+                    <a:bodyPr/>
+                    <a:lstStyle/>
+                    <a:p>
+                      <a:r>
+                        <a:rPr lang="en-US" sz="500">
+                          <a:effectLst/>
+                        </a:rPr>
+                        <a:t>5</a:t>
+                      </a:r>
+                    </a:p>
+                  </a:txBody>
+                  <a:tcPr marL="35712" marR="35712" marT="16482" marB="16482" anchor="ctr">
+                    <a:lnL w="9525" cap="flat" cmpd="sng" algn="ctr">
+                      <a:solidFill>
+                        <a:srgbClr val="DDDDDD"/>
+                      </a:solidFill>
+                      <a:prstDash val="solid"/>
+                      <a:round/>
+                      <a:headEnd type="none" w="med" len="med"/>
+                      <a:tailEnd type="none" w="med" len="med"/>
+                    </a:lnL>
+                    <a:lnR w="9525" cap="flat" cmpd="sng" algn="ctr">
+                      <a:solidFill>
+                        <a:srgbClr val="DDDDDD"/>
+                      </a:solidFill>
+                      <a:prstDash val="solid"/>
+                      <a:round/>
+                      <a:headEnd type="none" w="med" len="med"/>
+                      <a:tailEnd type="none" w="med" len="med"/>
+                    </a:lnR>
+                    <a:lnT w="9525" cap="flat" cmpd="sng" algn="ctr">
+                      <a:solidFill>
+                        <a:srgbClr val="DDDDDD"/>
+                      </a:solidFill>
+                      <a:prstDash val="solid"/>
+                      <a:round/>
+                      <a:headEnd type="none" w="med" len="med"/>
+                      <a:tailEnd type="none" w="med" len="med"/>
+                    </a:lnT>
+                    <a:lnB w="9525" cap="flat" cmpd="sng" algn="ctr">
+                      <a:solidFill>
+                        <a:srgbClr val="DDDDDD"/>
+                      </a:solidFill>
+                      <a:prstDash val="solid"/>
+                      <a:round/>
+                      <a:headEnd type="none" w="med" len="med"/>
+                      <a:tailEnd type="none" w="med" len="med"/>
+                    </a:lnB>
+                    <a:solidFill>
+                      <a:srgbClr val="F8F8F8"/>
+                    </a:solidFill>
+                  </a:tcPr>
+                </a:tc>
+                <a:extLst>
+                  <a:ext uri="{0D108BD9-81ED-4DB2-BD59-A6C34878D82A}">
+                    <a16:rowId xmlns:a16="http://schemas.microsoft.com/office/drawing/2014/main" val="1538579913"/>
+                  </a:ext>
+                </a:extLst>
+              </a:tr>
+              <a:tr h="111142">
+                <a:tc>
+                  <a:txBody>
+                    <a:bodyPr/>
+                    <a:lstStyle/>
+                    <a:p>
+                      <a:r>
+                        <a:rPr lang="en-US" sz="500">
+                          <a:effectLst/>
+                        </a:rPr>
+                        <a:t>Q</a:t>
+                      </a:r>
+                    </a:p>
+                  </a:txBody>
+                  <a:tcPr marL="35712" marR="35712" marT="16482" marB="16482" anchor="ctr">
+                    <a:lnL w="9525" cap="flat" cmpd="sng" algn="ctr">
+                      <a:solidFill>
+                        <a:srgbClr val="DDDDDD"/>
+                      </a:solidFill>
+                      <a:prstDash val="solid"/>
+                      <a:round/>
+                      <a:headEnd type="none" w="med" len="med"/>
+                      <a:tailEnd type="none" w="med" len="med"/>
+                    </a:lnL>
+                    <a:lnR w="9525" cap="flat" cmpd="sng" algn="ctr">
+                      <a:solidFill>
+                        <a:srgbClr val="DDDDDD"/>
+                      </a:solidFill>
+                      <a:prstDash val="solid"/>
+                      <a:round/>
+                      <a:headEnd type="none" w="med" len="med"/>
+                      <a:tailEnd type="none" w="med" len="med"/>
+                    </a:lnR>
+                    <a:lnT w="9525" cap="flat" cmpd="sng" algn="ctr">
+                      <a:solidFill>
+                        <a:srgbClr val="DDDDDD"/>
+                      </a:solidFill>
+                      <a:prstDash val="solid"/>
+                      <a:round/>
+                      <a:headEnd type="none" w="med" len="med"/>
+                      <a:tailEnd type="none" w="med" len="med"/>
+                    </a:lnT>
+                    <a:lnB w="9525" cap="flat" cmpd="sng" algn="ctr">
+                      <a:solidFill>
+                        <a:srgbClr val="DDDDDD"/>
+                      </a:solidFill>
+                      <a:prstDash val="solid"/>
+                      <a:round/>
+                      <a:headEnd type="none" w="med" len="med"/>
+                      <a:tailEnd type="none" w="med" len="med"/>
+                    </a:lnB>
+                    <a:solidFill>
+                      <a:srgbClr val="FFFFFF"/>
+                    </a:solidFill>
+                  </a:tcPr>
+                </a:tc>
+                <a:tc>
+                  <a:txBody>
+                    <a:bodyPr/>
+                    <a:lstStyle/>
+                    <a:p>
+                      <a:r>
+                        <a:rPr lang="en-US" sz="1000" dirty="0">
+                          <a:effectLst/>
+                        </a:rPr>
+                        <a:t>Problem difficulty level</a:t>
+                      </a:r>
+                    </a:p>
+                  </a:txBody>
+                  <a:tcPr marL="35712" marR="35712" marT="16482" marB="16482" anchor="ctr">
+                    <a:lnL w="9525" cap="flat" cmpd="sng" algn="ctr">
+                      <a:solidFill>
+                        <a:srgbClr val="DDDDDD"/>
+                      </a:solidFill>
+                      <a:prstDash val="solid"/>
+                      <a:round/>
+                      <a:headEnd type="none" w="med" len="med"/>
+                      <a:tailEnd type="none" w="med" len="med"/>
+                    </a:lnL>
+                    <a:lnR w="9525" cap="flat" cmpd="sng" algn="ctr">
+                      <a:solidFill>
+                        <a:srgbClr val="DDDDDD"/>
+                      </a:solidFill>
+                      <a:prstDash val="solid"/>
+                      <a:round/>
+                      <a:headEnd type="none" w="med" len="med"/>
+                      <a:tailEnd type="none" w="med" len="med"/>
+                    </a:lnR>
+                    <a:lnT w="9525" cap="flat" cmpd="sng" algn="ctr">
+                      <a:solidFill>
+                        <a:srgbClr val="DDDDDD"/>
+                      </a:solidFill>
+                      <a:prstDash val="solid"/>
+                      <a:round/>
+                      <a:headEnd type="none" w="med" len="med"/>
+                      <a:tailEnd type="none" w="med" len="med"/>
+                    </a:lnT>
+                    <a:lnB w="9525" cap="flat" cmpd="sng" algn="ctr">
+                      <a:solidFill>
+                        <a:srgbClr val="DDDDDD"/>
+                      </a:solidFill>
+                      <a:prstDash val="solid"/>
+                      <a:round/>
+                      <a:headEnd type="none" w="med" len="med"/>
+                      <a:tailEnd type="none" w="med" len="med"/>
+                    </a:lnB>
+                    <a:solidFill>
+                      <a:srgbClr val="FFFFFF"/>
+                    </a:solidFill>
+                  </a:tcPr>
+                </a:tc>
+                <a:tc>
+                  <a:txBody>
+                    <a:bodyPr/>
+                    <a:lstStyle/>
+                    <a:p>
+                      <a:r>
+                        <a:rPr lang="en-US" sz="500">
+                          <a:effectLst/>
+                        </a:rPr>
+                        <a:t>5</a:t>
+                      </a:r>
+                    </a:p>
+                  </a:txBody>
+                  <a:tcPr marL="35712" marR="35712" marT="16482" marB="16482" anchor="ctr">
+                    <a:lnL w="9525" cap="flat" cmpd="sng" algn="ctr">
+                      <a:solidFill>
+                        <a:srgbClr val="DDDDDD"/>
+                      </a:solidFill>
+                      <a:prstDash val="solid"/>
+                      <a:round/>
+                      <a:headEnd type="none" w="med" len="med"/>
+                      <a:tailEnd type="none" w="med" len="med"/>
+                    </a:lnL>
+                    <a:lnR w="9525" cap="flat" cmpd="sng" algn="ctr">
+                      <a:solidFill>
+                        <a:srgbClr val="DDDDDD"/>
+                      </a:solidFill>
+                      <a:prstDash val="solid"/>
+                      <a:round/>
+                      <a:headEnd type="none" w="med" len="med"/>
+                      <a:tailEnd type="none" w="med" len="med"/>
+                    </a:lnR>
+                    <a:lnT w="9525" cap="flat" cmpd="sng" algn="ctr">
+                      <a:solidFill>
+                        <a:srgbClr val="DDDDDD"/>
+                      </a:solidFill>
+                      <a:prstDash val="solid"/>
+                      <a:round/>
+                      <a:headEnd type="none" w="med" len="med"/>
+                      <a:tailEnd type="none" w="med" len="med"/>
+                    </a:lnT>
+                    <a:lnB w="9525" cap="flat" cmpd="sng" algn="ctr">
+                      <a:solidFill>
+                        <a:srgbClr val="DDDDDD"/>
+                      </a:solidFill>
+                      <a:prstDash val="solid"/>
+                      <a:round/>
+                      <a:headEnd type="none" w="med" len="med"/>
+                      <a:tailEnd type="none" w="med" len="med"/>
+                    </a:lnB>
+                    <a:solidFill>
+                      <a:srgbClr val="FFFFFF"/>
+                    </a:solidFill>
+                  </a:tcPr>
+                </a:tc>
+                <a:extLst>
+                  <a:ext uri="{0D108BD9-81ED-4DB2-BD59-A6C34878D82A}">
+                    <a16:rowId xmlns:a16="http://schemas.microsoft.com/office/drawing/2014/main" val="2644985680"/>
+                  </a:ext>
+                </a:extLst>
+              </a:tr>
+              <a:tr h="268047">
+                <a:tc>
+                  <a:txBody>
+                    <a:bodyPr/>
+                    <a:lstStyle/>
+                    <a:p>
+                      <a:r>
+                        <a:rPr lang="en-US" sz="500">
+                          <a:effectLst/>
+                        </a:rPr>
+                        <a:t>Q</a:t>
+                      </a:r>
+                    </a:p>
+                  </a:txBody>
+                  <a:tcPr marL="35712" marR="35712" marT="16482" marB="16482" anchor="ctr">
+                    <a:lnL w="9525" cap="flat" cmpd="sng" algn="ctr">
+                      <a:solidFill>
+                        <a:srgbClr val="DDDDDD"/>
+                      </a:solidFill>
+                      <a:prstDash val="solid"/>
+                      <a:round/>
+                      <a:headEnd type="none" w="med" len="med"/>
+                      <a:tailEnd type="none" w="med" len="med"/>
+                    </a:lnL>
+                    <a:lnR w="9525" cap="flat" cmpd="sng" algn="ctr">
+                      <a:solidFill>
+                        <a:srgbClr val="DDDDDD"/>
+                      </a:solidFill>
+                      <a:prstDash val="solid"/>
+                      <a:round/>
+                      <a:headEnd type="none" w="med" len="med"/>
+                      <a:tailEnd type="none" w="med" len="med"/>
+                    </a:lnR>
+                    <a:lnT w="9525" cap="flat" cmpd="sng" algn="ctr">
+                      <a:solidFill>
+                        <a:srgbClr val="DDDDDD"/>
+                      </a:solidFill>
+                      <a:prstDash val="solid"/>
+                      <a:round/>
+                      <a:headEnd type="none" w="med" len="med"/>
+                      <a:tailEnd type="none" w="med" len="med"/>
+                    </a:lnT>
+                    <a:lnB w="9525" cap="flat" cmpd="sng" algn="ctr">
+                      <a:solidFill>
+                        <a:srgbClr val="DDDDDD"/>
+                      </a:solidFill>
+                      <a:prstDash val="solid"/>
+                      <a:round/>
+                      <a:headEnd type="none" w="med" len="med"/>
+                      <a:tailEnd type="none" w="med" len="med"/>
+                    </a:lnB>
+                    <a:solidFill>
+                      <a:srgbClr val="F8F8F8"/>
+                    </a:solidFill>
+                  </a:tcPr>
+                </a:tc>
+                <a:tc>
+                  <a:txBody>
+                    <a:bodyPr/>
+                    <a:lstStyle/>
+                    <a:p>
+                      <a:r>
+                        <a:rPr lang="en-US" sz="1000" dirty="0">
+                          <a:effectLst/>
+                        </a:rPr>
+                        <a:t>Data collection effort </a:t>
+                      </a:r>
+                      <a:br>
+                        <a:rPr lang="en-US" sz="1000" dirty="0">
+                          <a:effectLst/>
+                        </a:rPr>
+                      </a:br>
+                      <a:r>
+                        <a:rPr lang="en-US" sz="1000" dirty="0">
+                          <a:effectLst/>
+                        </a:rPr>
+                        <a:t>- special tools, multiple source, scraping </a:t>
+                      </a:r>
+                      <a:br>
+                        <a:rPr lang="en-US" sz="1000" dirty="0">
+                          <a:effectLst/>
+                        </a:rPr>
+                      </a:br>
+                      <a:endParaRPr lang="en-US" sz="1000" dirty="0">
+                        <a:effectLst/>
+                      </a:endParaRPr>
+                    </a:p>
+                  </a:txBody>
+                  <a:tcPr marL="35712" marR="35712" marT="16482" marB="16482" anchor="ctr">
+                    <a:lnL w="9525" cap="flat" cmpd="sng" algn="ctr">
+                      <a:solidFill>
+                        <a:srgbClr val="DDDDDD"/>
+                      </a:solidFill>
+                      <a:prstDash val="solid"/>
+                      <a:round/>
+                      <a:headEnd type="none" w="med" len="med"/>
+                      <a:tailEnd type="none" w="med" len="med"/>
+                    </a:lnL>
+                    <a:lnR w="9525" cap="flat" cmpd="sng" algn="ctr">
+                      <a:solidFill>
+                        <a:srgbClr val="DDDDDD"/>
+                      </a:solidFill>
+                      <a:prstDash val="solid"/>
+                      <a:round/>
+                      <a:headEnd type="none" w="med" len="med"/>
+                      <a:tailEnd type="none" w="med" len="med"/>
+                    </a:lnR>
+                    <a:lnT w="9525" cap="flat" cmpd="sng" algn="ctr">
+                      <a:solidFill>
+                        <a:srgbClr val="DDDDDD"/>
+                      </a:solidFill>
+                      <a:prstDash val="solid"/>
+                      <a:round/>
+                      <a:headEnd type="none" w="med" len="med"/>
+                      <a:tailEnd type="none" w="med" len="med"/>
+                    </a:lnT>
+                    <a:lnB w="9525" cap="flat" cmpd="sng" algn="ctr">
+                      <a:solidFill>
+                        <a:srgbClr val="DDDDDD"/>
+                      </a:solidFill>
+                      <a:prstDash val="solid"/>
+                      <a:round/>
+                      <a:headEnd type="none" w="med" len="med"/>
+                      <a:tailEnd type="none" w="med" len="med"/>
+                    </a:lnB>
+                    <a:solidFill>
+                      <a:srgbClr val="F8F8F8"/>
+                    </a:solidFill>
+                  </a:tcPr>
+                </a:tc>
+                <a:tc>
+                  <a:txBody>
+                    <a:bodyPr/>
+                    <a:lstStyle/>
+                    <a:p>
+                      <a:r>
+                        <a:rPr lang="en-US" sz="500">
+                          <a:effectLst/>
+                        </a:rPr>
+                        <a:t>5</a:t>
+                      </a:r>
+                    </a:p>
+                  </a:txBody>
+                  <a:tcPr marL="35712" marR="35712" marT="16482" marB="16482" anchor="ctr">
+                    <a:lnL w="9525" cap="flat" cmpd="sng" algn="ctr">
+                      <a:solidFill>
+                        <a:srgbClr val="DDDDDD"/>
+                      </a:solidFill>
+                      <a:prstDash val="solid"/>
+                      <a:round/>
+                      <a:headEnd type="none" w="med" len="med"/>
+                      <a:tailEnd type="none" w="med" len="med"/>
+                    </a:lnL>
+                    <a:lnR w="9525" cap="flat" cmpd="sng" algn="ctr">
+                      <a:solidFill>
+                        <a:srgbClr val="DDDDDD"/>
+                      </a:solidFill>
+                      <a:prstDash val="solid"/>
+                      <a:round/>
+                      <a:headEnd type="none" w="med" len="med"/>
+                      <a:tailEnd type="none" w="med" len="med"/>
+                    </a:lnR>
+                    <a:lnT w="9525" cap="flat" cmpd="sng" algn="ctr">
+                      <a:solidFill>
+                        <a:srgbClr val="DDDDDD"/>
+                      </a:solidFill>
+                      <a:prstDash val="solid"/>
+                      <a:round/>
+                      <a:headEnd type="none" w="med" len="med"/>
+                      <a:tailEnd type="none" w="med" len="med"/>
+                    </a:lnT>
+                    <a:lnB w="9525" cap="flat" cmpd="sng" algn="ctr">
+                      <a:solidFill>
+                        <a:srgbClr val="DDDDDD"/>
+                      </a:solidFill>
+                      <a:prstDash val="solid"/>
+                      <a:round/>
+                      <a:headEnd type="none" w="med" len="med"/>
+                      <a:tailEnd type="none" w="med" len="med"/>
+                    </a:lnB>
+                    <a:solidFill>
+                      <a:srgbClr val="F8F8F8"/>
+                    </a:solidFill>
+                  </a:tcPr>
+                </a:tc>
+                <a:extLst>
+                  <a:ext uri="{0D108BD9-81ED-4DB2-BD59-A6C34878D82A}">
+                    <a16:rowId xmlns:a16="http://schemas.microsoft.com/office/drawing/2014/main" val="2239449648"/>
+                  </a:ext>
+                </a:extLst>
+              </a:tr>
+              <a:tr h="268047">
+                <a:tc>
+                  <a:txBody>
+                    <a:bodyPr/>
+                    <a:lstStyle/>
+                    <a:p>
+                      <a:r>
+                        <a:rPr lang="en-US" sz="500" dirty="0">
+                          <a:effectLst/>
+                        </a:rPr>
+                        <a:t>Q</a:t>
+                      </a:r>
+                    </a:p>
+                  </a:txBody>
+                  <a:tcPr marL="35712" marR="35712" marT="16482" marB="16482" anchor="ctr">
+                    <a:lnL w="9525" cap="flat" cmpd="sng" algn="ctr">
+                      <a:solidFill>
+                        <a:srgbClr val="DDDDDD"/>
+                      </a:solidFill>
+                      <a:prstDash val="solid"/>
+                      <a:round/>
+                      <a:headEnd type="none" w="med" len="med"/>
+                      <a:tailEnd type="none" w="med" len="med"/>
+                    </a:lnL>
+                    <a:lnR w="9525" cap="flat" cmpd="sng" algn="ctr">
+                      <a:solidFill>
+                        <a:srgbClr val="DDDDDD"/>
+                      </a:solidFill>
+                      <a:prstDash val="solid"/>
+                      <a:round/>
+                      <a:headEnd type="none" w="med" len="med"/>
+                      <a:tailEnd type="none" w="med" len="med"/>
+                    </a:lnR>
+                    <a:lnT w="9525" cap="flat" cmpd="sng" algn="ctr">
+                      <a:solidFill>
+                        <a:srgbClr val="DDDDDD"/>
+                      </a:solidFill>
+                      <a:prstDash val="solid"/>
+                      <a:round/>
+                      <a:headEnd type="none" w="med" len="med"/>
+                      <a:tailEnd type="none" w="med" len="med"/>
+                    </a:lnT>
+                    <a:lnB w="9525" cap="flat" cmpd="sng" algn="ctr">
+                      <a:solidFill>
+                        <a:srgbClr val="DDDDDD"/>
+                      </a:solidFill>
+                      <a:prstDash val="solid"/>
+                      <a:round/>
+                      <a:headEnd type="none" w="med" len="med"/>
+                      <a:tailEnd type="none" w="med" len="med"/>
+                    </a:lnB>
+                    <a:solidFill>
+                      <a:srgbClr val="FFFFFF"/>
+                    </a:solidFill>
+                  </a:tcPr>
+                </a:tc>
+                <a:tc>
+                  <a:txBody>
+                    <a:bodyPr/>
+                    <a:lstStyle/>
+                    <a:p>
+                      <a:r>
+                        <a:rPr lang="en-US" sz="1000" dirty="0">
+                          <a:effectLst/>
+                        </a:rPr>
+                        <a:t>Data difficulty level </a:t>
+                      </a:r>
+                      <a:br>
+                        <a:rPr lang="en-US" sz="1000" dirty="0">
+                          <a:effectLst/>
+                        </a:rPr>
+                      </a:br>
+                      <a:r>
+                        <a:rPr lang="en-US" sz="1000" dirty="0">
+                          <a:effectLst/>
+                        </a:rPr>
+                        <a:t>- multi-</a:t>
+                      </a:r>
+                      <a:r>
+                        <a:rPr lang="en-US" sz="1000" dirty="0" err="1">
+                          <a:effectLst/>
+                        </a:rPr>
+                        <a:t>dtype</a:t>
+                      </a:r>
+                      <a:r>
+                        <a:rPr lang="en-US" sz="1000" dirty="0">
+                          <a:effectLst/>
+                        </a:rPr>
+                        <a:t>, manual table join, missing data, wrong labels, messy data</a:t>
+                      </a:r>
+                    </a:p>
+                  </a:txBody>
+                  <a:tcPr marL="35712" marR="35712" marT="16482" marB="16482" anchor="ctr">
+                    <a:lnL w="9525" cap="flat" cmpd="sng" algn="ctr">
+                      <a:solidFill>
+                        <a:srgbClr val="DDDDDD"/>
+                      </a:solidFill>
+                      <a:prstDash val="solid"/>
+                      <a:round/>
+                      <a:headEnd type="none" w="med" len="med"/>
+                      <a:tailEnd type="none" w="med" len="med"/>
+                    </a:lnL>
+                    <a:lnR w="9525" cap="flat" cmpd="sng" algn="ctr">
+                      <a:solidFill>
+                        <a:srgbClr val="DDDDDD"/>
+                      </a:solidFill>
+                      <a:prstDash val="solid"/>
+                      <a:round/>
+                      <a:headEnd type="none" w="med" len="med"/>
+                      <a:tailEnd type="none" w="med" len="med"/>
+                    </a:lnR>
+                    <a:lnT w="9525" cap="flat" cmpd="sng" algn="ctr">
+                      <a:solidFill>
+                        <a:srgbClr val="DDDDDD"/>
+                      </a:solidFill>
+                      <a:prstDash val="solid"/>
+                      <a:round/>
+                      <a:headEnd type="none" w="med" len="med"/>
+                      <a:tailEnd type="none" w="med" len="med"/>
+                    </a:lnT>
+                    <a:lnB w="9525" cap="flat" cmpd="sng" algn="ctr">
+                      <a:solidFill>
+                        <a:srgbClr val="DDDDDD"/>
+                      </a:solidFill>
+                      <a:prstDash val="solid"/>
+                      <a:round/>
+                      <a:headEnd type="none" w="med" len="med"/>
+                      <a:tailEnd type="none" w="med" len="med"/>
+                    </a:lnB>
+                    <a:solidFill>
+                      <a:srgbClr val="FFFFFF"/>
+                    </a:solidFill>
+                  </a:tcPr>
+                </a:tc>
+                <a:tc>
+                  <a:txBody>
+                    <a:bodyPr/>
+                    <a:lstStyle/>
+                    <a:p>
+                      <a:r>
+                        <a:rPr lang="en-US" sz="500">
+                          <a:effectLst/>
+                        </a:rPr>
+                        <a:t>5</a:t>
+                      </a:r>
+                    </a:p>
+                  </a:txBody>
+                  <a:tcPr marL="35712" marR="35712" marT="16482" marB="16482" anchor="ctr">
+                    <a:lnL w="9525" cap="flat" cmpd="sng" algn="ctr">
+                      <a:solidFill>
+                        <a:srgbClr val="DDDDDD"/>
+                      </a:solidFill>
+                      <a:prstDash val="solid"/>
+                      <a:round/>
+                      <a:headEnd type="none" w="med" len="med"/>
+                      <a:tailEnd type="none" w="med" len="med"/>
+                    </a:lnL>
+                    <a:lnR w="9525" cap="flat" cmpd="sng" algn="ctr">
+                      <a:solidFill>
+                        <a:srgbClr val="DDDDDD"/>
+                      </a:solidFill>
+                      <a:prstDash val="solid"/>
+                      <a:round/>
+                      <a:headEnd type="none" w="med" len="med"/>
+                      <a:tailEnd type="none" w="med" len="med"/>
+                    </a:lnR>
+                    <a:lnT w="9525" cap="flat" cmpd="sng" algn="ctr">
+                      <a:solidFill>
+                        <a:srgbClr val="DDDDDD"/>
+                      </a:solidFill>
+                      <a:prstDash val="solid"/>
+                      <a:round/>
+                      <a:headEnd type="none" w="med" len="med"/>
+                      <a:tailEnd type="none" w="med" len="med"/>
+                    </a:lnT>
+                    <a:lnB w="9525" cap="flat" cmpd="sng" algn="ctr">
+                      <a:solidFill>
+                        <a:srgbClr val="DDDDDD"/>
+                      </a:solidFill>
+                      <a:prstDash val="solid"/>
+                      <a:round/>
+                      <a:headEnd type="none" w="med" len="med"/>
+                      <a:tailEnd type="none" w="med" len="med"/>
+                    </a:lnB>
+                    <a:solidFill>
+                      <a:srgbClr val="FFFFFF"/>
+                    </a:solidFill>
+                  </a:tcPr>
+                </a:tc>
+                <a:extLst>
+                  <a:ext uri="{0D108BD9-81ED-4DB2-BD59-A6C34878D82A}">
+                    <a16:rowId xmlns:a16="http://schemas.microsoft.com/office/drawing/2014/main" val="484582842"/>
+                  </a:ext>
+                </a:extLst>
+              </a:tr>
+              <a:tr h="111142">
+                <a:tc>
+                  <a:txBody>
+                    <a:bodyPr/>
+                    <a:lstStyle/>
+                    <a:p>
+                      <a:r>
+                        <a:rPr lang="en-US" sz="500">
+                          <a:effectLst/>
+                        </a:rPr>
+                        <a:t>Q</a:t>
+                      </a:r>
+                    </a:p>
+                  </a:txBody>
+                  <a:tcPr marL="35712" marR="35712" marT="16482" marB="16482" anchor="ctr">
+                    <a:lnL w="9525" cap="flat" cmpd="sng" algn="ctr">
+                      <a:solidFill>
+                        <a:srgbClr val="DDDDDD"/>
+                      </a:solidFill>
+                      <a:prstDash val="solid"/>
+                      <a:round/>
+                      <a:headEnd type="none" w="med" len="med"/>
+                      <a:tailEnd type="none" w="med" len="med"/>
+                    </a:lnL>
+                    <a:lnR w="9525" cap="flat" cmpd="sng" algn="ctr">
+                      <a:solidFill>
+                        <a:srgbClr val="DDDDDD"/>
+                      </a:solidFill>
+                      <a:prstDash val="solid"/>
+                      <a:round/>
+                      <a:headEnd type="none" w="med" len="med"/>
+                      <a:tailEnd type="none" w="med" len="med"/>
+                    </a:lnR>
+                    <a:lnT w="9525" cap="flat" cmpd="sng" algn="ctr">
+                      <a:solidFill>
+                        <a:srgbClr val="DDDDDD"/>
+                      </a:solidFill>
+                      <a:prstDash val="solid"/>
+                      <a:round/>
+                      <a:headEnd type="none" w="med" len="med"/>
+                      <a:tailEnd type="none" w="med" len="med"/>
+                    </a:lnT>
+                    <a:lnB w="9525" cap="flat" cmpd="sng" algn="ctr">
+                      <a:solidFill>
+                        <a:srgbClr val="DDDDDD"/>
+                      </a:solidFill>
+                      <a:prstDash val="solid"/>
+                      <a:round/>
+                      <a:headEnd type="none" w="med" len="med"/>
+                      <a:tailEnd type="none" w="med" len="med"/>
+                    </a:lnB>
+                    <a:solidFill>
+                      <a:srgbClr val="F8F8F8"/>
+                    </a:solidFill>
+                  </a:tcPr>
+                </a:tc>
+                <a:tc>
+                  <a:txBody>
+                    <a:bodyPr/>
+                    <a:lstStyle/>
+                    <a:p>
+                      <a:r>
+                        <a:rPr lang="en-US" sz="1000" dirty="0">
+                          <a:effectLst/>
+                        </a:rPr>
+                        <a:t>Data cleaning effort</a:t>
+                      </a:r>
+                    </a:p>
+                  </a:txBody>
+                  <a:tcPr marL="35712" marR="35712" marT="16482" marB="16482" anchor="ctr">
+                    <a:lnL w="9525" cap="flat" cmpd="sng" algn="ctr">
+                      <a:solidFill>
+                        <a:srgbClr val="DDDDDD"/>
+                      </a:solidFill>
+                      <a:prstDash val="solid"/>
+                      <a:round/>
+                      <a:headEnd type="none" w="med" len="med"/>
+                      <a:tailEnd type="none" w="med" len="med"/>
+                    </a:lnL>
+                    <a:lnR w="9525" cap="flat" cmpd="sng" algn="ctr">
+                      <a:solidFill>
+                        <a:srgbClr val="DDDDDD"/>
+                      </a:solidFill>
+                      <a:prstDash val="solid"/>
+                      <a:round/>
+                      <a:headEnd type="none" w="med" len="med"/>
+                      <a:tailEnd type="none" w="med" len="med"/>
+                    </a:lnR>
+                    <a:lnT w="9525" cap="flat" cmpd="sng" algn="ctr">
+                      <a:solidFill>
+                        <a:srgbClr val="DDDDDD"/>
+                      </a:solidFill>
+                      <a:prstDash val="solid"/>
+                      <a:round/>
+                      <a:headEnd type="none" w="med" len="med"/>
+                      <a:tailEnd type="none" w="med" len="med"/>
+                    </a:lnT>
+                    <a:lnB w="9525" cap="flat" cmpd="sng" algn="ctr">
+                      <a:solidFill>
+                        <a:srgbClr val="DDDDDD"/>
+                      </a:solidFill>
+                      <a:prstDash val="solid"/>
+                      <a:round/>
+                      <a:headEnd type="none" w="med" len="med"/>
+                      <a:tailEnd type="none" w="med" len="med"/>
+                    </a:lnB>
+                    <a:solidFill>
+                      <a:srgbClr val="F8F8F8"/>
+                    </a:solidFill>
+                  </a:tcPr>
+                </a:tc>
+                <a:tc>
+                  <a:txBody>
+                    <a:bodyPr/>
+                    <a:lstStyle/>
+                    <a:p>
+                      <a:r>
+                        <a:rPr lang="en-US" sz="500">
+                          <a:effectLst/>
+                        </a:rPr>
+                        <a:t>5</a:t>
+                      </a:r>
+                    </a:p>
+                  </a:txBody>
+                  <a:tcPr marL="35712" marR="35712" marT="16482" marB="16482" anchor="ctr">
+                    <a:lnL w="9525" cap="flat" cmpd="sng" algn="ctr">
+                      <a:solidFill>
+                        <a:srgbClr val="DDDDDD"/>
+                      </a:solidFill>
+                      <a:prstDash val="solid"/>
+                      <a:round/>
+                      <a:headEnd type="none" w="med" len="med"/>
+                      <a:tailEnd type="none" w="med" len="med"/>
+                    </a:lnL>
+                    <a:lnR w="9525" cap="flat" cmpd="sng" algn="ctr">
+                      <a:solidFill>
+                        <a:srgbClr val="DDDDDD"/>
+                      </a:solidFill>
+                      <a:prstDash val="solid"/>
+                      <a:round/>
+                      <a:headEnd type="none" w="med" len="med"/>
+                      <a:tailEnd type="none" w="med" len="med"/>
+                    </a:lnR>
+                    <a:lnT w="9525" cap="flat" cmpd="sng" algn="ctr">
+                      <a:solidFill>
+                        <a:srgbClr val="DDDDDD"/>
+                      </a:solidFill>
+                      <a:prstDash val="solid"/>
+                      <a:round/>
+                      <a:headEnd type="none" w="med" len="med"/>
+                      <a:tailEnd type="none" w="med" len="med"/>
+                    </a:lnT>
+                    <a:lnB w="9525" cap="flat" cmpd="sng" algn="ctr">
+                      <a:solidFill>
+                        <a:srgbClr val="DDDDDD"/>
+                      </a:solidFill>
+                      <a:prstDash val="solid"/>
+                      <a:round/>
+                      <a:headEnd type="none" w="med" len="med"/>
+                      <a:tailEnd type="none" w="med" len="med"/>
+                    </a:lnB>
+                    <a:solidFill>
+                      <a:srgbClr val="F8F8F8"/>
+                    </a:solidFill>
+                  </a:tcPr>
+                </a:tc>
+                <a:extLst>
+                  <a:ext uri="{0D108BD9-81ED-4DB2-BD59-A6C34878D82A}">
+                    <a16:rowId xmlns:a16="http://schemas.microsoft.com/office/drawing/2014/main" val="1296643616"/>
+                  </a:ext>
+                </a:extLst>
+              </a:tr>
+              <a:tr h="111142">
+                <a:tc>
+                  <a:txBody>
+                    <a:bodyPr/>
+                    <a:lstStyle/>
+                    <a:p>
+                      <a:r>
+                        <a:rPr lang="en-US" sz="500">
+                          <a:effectLst/>
+                        </a:rPr>
+                        <a:t>Q</a:t>
+                      </a:r>
+                    </a:p>
+                  </a:txBody>
+                  <a:tcPr marL="35712" marR="35712" marT="16482" marB="16482" anchor="ctr">
+                    <a:lnL w="9525" cap="flat" cmpd="sng" algn="ctr">
+                      <a:solidFill>
+                        <a:srgbClr val="DDDDDD"/>
+                      </a:solidFill>
+                      <a:prstDash val="solid"/>
+                      <a:round/>
+                      <a:headEnd type="none" w="med" len="med"/>
+                      <a:tailEnd type="none" w="med" len="med"/>
+                    </a:lnL>
+                    <a:lnR w="9525" cap="flat" cmpd="sng" algn="ctr">
+                      <a:solidFill>
+                        <a:srgbClr val="DDDDDD"/>
+                      </a:solidFill>
+                      <a:prstDash val="solid"/>
+                      <a:round/>
+                      <a:headEnd type="none" w="med" len="med"/>
+                      <a:tailEnd type="none" w="med" len="med"/>
+                    </a:lnR>
+                    <a:lnT w="9525" cap="flat" cmpd="sng" algn="ctr">
+                      <a:solidFill>
+                        <a:srgbClr val="DDDDDD"/>
+                      </a:solidFill>
+                      <a:prstDash val="solid"/>
+                      <a:round/>
+                      <a:headEnd type="none" w="med" len="med"/>
+                      <a:tailEnd type="none" w="med" len="med"/>
+                    </a:lnT>
+                    <a:lnB w="9525" cap="flat" cmpd="sng" algn="ctr">
+                      <a:solidFill>
+                        <a:srgbClr val="DDDDDD"/>
+                      </a:solidFill>
+                      <a:prstDash val="solid"/>
+                      <a:round/>
+                      <a:headEnd type="none" w="med" len="med"/>
+                      <a:tailEnd type="none" w="med" len="med"/>
+                    </a:lnB>
+                    <a:solidFill>
+                      <a:srgbClr val="FFFFFF"/>
+                    </a:solidFill>
+                  </a:tcPr>
+                </a:tc>
+                <a:tc>
+                  <a:txBody>
+                    <a:bodyPr/>
+                    <a:lstStyle/>
+                    <a:p>
+                      <a:r>
+                        <a:rPr lang="en-US" sz="1000">
+                          <a:effectLst/>
+                        </a:rPr>
+                        <a:t>Data inspection effort (initial analysis)</a:t>
+                      </a:r>
+                    </a:p>
+                  </a:txBody>
+                  <a:tcPr marL="35712" marR="35712" marT="16482" marB="16482" anchor="ctr">
+                    <a:lnL w="9525" cap="flat" cmpd="sng" algn="ctr">
+                      <a:solidFill>
+                        <a:srgbClr val="DDDDDD"/>
+                      </a:solidFill>
+                      <a:prstDash val="solid"/>
+                      <a:round/>
+                      <a:headEnd type="none" w="med" len="med"/>
+                      <a:tailEnd type="none" w="med" len="med"/>
+                    </a:lnL>
+                    <a:lnR w="9525" cap="flat" cmpd="sng" algn="ctr">
+                      <a:solidFill>
+                        <a:srgbClr val="DDDDDD"/>
+                      </a:solidFill>
+                      <a:prstDash val="solid"/>
+                      <a:round/>
+                      <a:headEnd type="none" w="med" len="med"/>
+                      <a:tailEnd type="none" w="med" len="med"/>
+                    </a:lnR>
+                    <a:lnT w="9525" cap="flat" cmpd="sng" algn="ctr">
+                      <a:solidFill>
+                        <a:srgbClr val="DDDDDD"/>
+                      </a:solidFill>
+                      <a:prstDash val="solid"/>
+                      <a:round/>
+                      <a:headEnd type="none" w="med" len="med"/>
+                      <a:tailEnd type="none" w="med" len="med"/>
+                    </a:lnT>
+                    <a:lnB w="9525" cap="flat" cmpd="sng" algn="ctr">
+                      <a:solidFill>
+                        <a:srgbClr val="DDDDDD"/>
+                      </a:solidFill>
+                      <a:prstDash val="solid"/>
+                      <a:round/>
+                      <a:headEnd type="none" w="med" len="med"/>
+                      <a:tailEnd type="none" w="med" len="med"/>
+                    </a:lnB>
+                    <a:solidFill>
+                      <a:srgbClr val="FFFFFF"/>
+                    </a:solidFill>
+                  </a:tcPr>
+                </a:tc>
+                <a:tc>
+                  <a:txBody>
+                    <a:bodyPr/>
+                    <a:lstStyle/>
+                    <a:p>
+                      <a:r>
+                        <a:rPr lang="en-US" sz="500">
+                          <a:effectLst/>
+                        </a:rPr>
+                        <a:t>5</a:t>
+                      </a:r>
+                    </a:p>
+                  </a:txBody>
+                  <a:tcPr marL="35712" marR="35712" marT="16482" marB="16482" anchor="ctr">
+                    <a:lnL w="9525" cap="flat" cmpd="sng" algn="ctr">
+                      <a:solidFill>
+                        <a:srgbClr val="DDDDDD"/>
+                      </a:solidFill>
+                      <a:prstDash val="solid"/>
+                      <a:round/>
+                      <a:headEnd type="none" w="med" len="med"/>
+                      <a:tailEnd type="none" w="med" len="med"/>
+                    </a:lnL>
+                    <a:lnR w="9525" cap="flat" cmpd="sng" algn="ctr">
+                      <a:solidFill>
+                        <a:srgbClr val="DDDDDD"/>
+                      </a:solidFill>
+                      <a:prstDash val="solid"/>
+                      <a:round/>
+                      <a:headEnd type="none" w="med" len="med"/>
+                      <a:tailEnd type="none" w="med" len="med"/>
+                    </a:lnR>
+                    <a:lnT w="9525" cap="flat" cmpd="sng" algn="ctr">
+                      <a:solidFill>
+                        <a:srgbClr val="DDDDDD"/>
+                      </a:solidFill>
+                      <a:prstDash val="solid"/>
+                      <a:round/>
+                      <a:headEnd type="none" w="med" len="med"/>
+                      <a:tailEnd type="none" w="med" len="med"/>
+                    </a:lnT>
+                    <a:lnB w="9525" cap="flat" cmpd="sng" algn="ctr">
+                      <a:solidFill>
+                        <a:srgbClr val="DDDDDD"/>
+                      </a:solidFill>
+                      <a:prstDash val="solid"/>
+                      <a:round/>
+                      <a:headEnd type="none" w="med" len="med"/>
+                      <a:tailEnd type="none" w="med" len="med"/>
+                    </a:lnB>
+                    <a:solidFill>
+                      <a:srgbClr val="FFFFFF"/>
+                    </a:solidFill>
+                  </a:tcPr>
+                </a:tc>
+                <a:extLst>
+                  <a:ext uri="{0D108BD9-81ED-4DB2-BD59-A6C34878D82A}">
+                    <a16:rowId xmlns:a16="http://schemas.microsoft.com/office/drawing/2014/main" val="3924105554"/>
+                  </a:ext>
+                </a:extLst>
+              </a:tr>
+              <a:tr h="424953">
+                <a:tc>
+                  <a:txBody>
+                    <a:bodyPr/>
+                    <a:lstStyle/>
+                    <a:p>
+                      <a:r>
+                        <a:rPr lang="en-US" sz="500">
+                          <a:effectLst/>
+                        </a:rPr>
+                        <a:t>Q</a:t>
+                      </a:r>
+                    </a:p>
+                  </a:txBody>
+                  <a:tcPr marL="35712" marR="35712" marT="16482" marB="16482" anchor="ctr">
+                    <a:lnL w="9525" cap="flat" cmpd="sng" algn="ctr">
+                      <a:solidFill>
+                        <a:srgbClr val="DDDDDD"/>
+                      </a:solidFill>
+                      <a:prstDash val="solid"/>
+                      <a:round/>
+                      <a:headEnd type="none" w="med" len="med"/>
+                      <a:tailEnd type="none" w="med" len="med"/>
+                    </a:lnL>
+                    <a:lnR w="9525" cap="flat" cmpd="sng" algn="ctr">
+                      <a:solidFill>
+                        <a:srgbClr val="DDDDDD"/>
+                      </a:solidFill>
+                      <a:prstDash val="solid"/>
+                      <a:round/>
+                      <a:headEnd type="none" w="med" len="med"/>
+                      <a:tailEnd type="none" w="med" len="med"/>
+                    </a:lnR>
+                    <a:lnT w="9525" cap="flat" cmpd="sng" algn="ctr">
+                      <a:solidFill>
+                        <a:srgbClr val="DDDDDD"/>
+                      </a:solidFill>
+                      <a:prstDash val="solid"/>
+                      <a:round/>
+                      <a:headEnd type="none" w="med" len="med"/>
+                      <a:tailEnd type="none" w="med" len="med"/>
+                    </a:lnT>
+                    <a:lnB w="9525" cap="flat" cmpd="sng" algn="ctr">
+                      <a:solidFill>
+                        <a:srgbClr val="DDDDDD"/>
+                      </a:solidFill>
+                      <a:prstDash val="solid"/>
+                      <a:round/>
+                      <a:headEnd type="none" w="med" len="med"/>
+                      <a:tailEnd type="none" w="med" len="med"/>
+                    </a:lnB>
+                    <a:solidFill>
+                      <a:srgbClr val="F8F8F8"/>
+                    </a:solidFill>
+                  </a:tcPr>
+                </a:tc>
+                <a:tc>
+                  <a:txBody>
+                    <a:bodyPr/>
+                    <a:lstStyle/>
+                    <a:p>
+                      <a:r>
+                        <a:rPr lang="en-US" sz="1000" dirty="0">
+                          <a:effectLst/>
+                        </a:rPr>
+                        <a:t>Feature selection/ feature engineering </a:t>
+                      </a:r>
+                      <a:br>
+                        <a:rPr lang="en-US" sz="1000" dirty="0">
+                          <a:effectLst/>
+                        </a:rPr>
+                      </a:br>
+                      <a:r>
+                        <a:rPr lang="en-US" sz="1000" dirty="0">
+                          <a:effectLst/>
+                        </a:rPr>
+                        <a:t>- no-feature selection mentioned (ok), feature selection by intuition (more), feature selection by machine learning (most) </a:t>
+                      </a:r>
+                      <a:br>
+                        <a:rPr lang="en-US" sz="1000" dirty="0">
+                          <a:effectLst/>
+                        </a:rPr>
+                      </a:br>
+                      <a:endParaRPr lang="en-US" sz="1000" dirty="0">
+                        <a:effectLst/>
+                      </a:endParaRPr>
+                    </a:p>
+                  </a:txBody>
+                  <a:tcPr marL="35712" marR="35712" marT="16482" marB="16482" anchor="ctr">
+                    <a:lnL w="9525" cap="flat" cmpd="sng" algn="ctr">
+                      <a:solidFill>
+                        <a:srgbClr val="DDDDDD"/>
+                      </a:solidFill>
+                      <a:prstDash val="solid"/>
+                      <a:round/>
+                      <a:headEnd type="none" w="med" len="med"/>
+                      <a:tailEnd type="none" w="med" len="med"/>
+                    </a:lnL>
+                    <a:lnR w="9525" cap="flat" cmpd="sng" algn="ctr">
+                      <a:solidFill>
+                        <a:srgbClr val="DDDDDD"/>
+                      </a:solidFill>
+                      <a:prstDash val="solid"/>
+                      <a:round/>
+                      <a:headEnd type="none" w="med" len="med"/>
+                      <a:tailEnd type="none" w="med" len="med"/>
+                    </a:lnR>
+                    <a:lnT w="9525" cap="flat" cmpd="sng" algn="ctr">
+                      <a:solidFill>
+                        <a:srgbClr val="DDDDDD"/>
+                      </a:solidFill>
+                      <a:prstDash val="solid"/>
+                      <a:round/>
+                      <a:headEnd type="none" w="med" len="med"/>
+                      <a:tailEnd type="none" w="med" len="med"/>
+                    </a:lnT>
+                    <a:lnB w="9525" cap="flat" cmpd="sng" algn="ctr">
+                      <a:solidFill>
+                        <a:srgbClr val="DDDDDD"/>
+                      </a:solidFill>
+                      <a:prstDash val="solid"/>
+                      <a:round/>
+                      <a:headEnd type="none" w="med" len="med"/>
+                      <a:tailEnd type="none" w="med" len="med"/>
+                    </a:lnB>
+                    <a:solidFill>
+                      <a:srgbClr val="F8F8F8"/>
+                    </a:solidFill>
+                  </a:tcPr>
+                </a:tc>
+                <a:tc>
+                  <a:txBody>
+                    <a:bodyPr/>
+                    <a:lstStyle/>
+                    <a:p>
+                      <a:r>
+                        <a:rPr lang="en-US" sz="500">
+                          <a:effectLst/>
+                        </a:rPr>
+                        <a:t>5</a:t>
+                      </a:r>
+                    </a:p>
+                  </a:txBody>
+                  <a:tcPr marL="35712" marR="35712" marT="16482" marB="16482" anchor="ctr">
+                    <a:lnL w="9525" cap="flat" cmpd="sng" algn="ctr">
+                      <a:solidFill>
+                        <a:srgbClr val="DDDDDD"/>
+                      </a:solidFill>
+                      <a:prstDash val="solid"/>
+                      <a:round/>
+                      <a:headEnd type="none" w="med" len="med"/>
+                      <a:tailEnd type="none" w="med" len="med"/>
+                    </a:lnL>
+                    <a:lnR w="9525" cap="flat" cmpd="sng" algn="ctr">
+                      <a:solidFill>
+                        <a:srgbClr val="DDDDDD"/>
+                      </a:solidFill>
+                      <a:prstDash val="solid"/>
+                      <a:round/>
+                      <a:headEnd type="none" w="med" len="med"/>
+                      <a:tailEnd type="none" w="med" len="med"/>
+                    </a:lnR>
+                    <a:lnT w="9525" cap="flat" cmpd="sng" algn="ctr">
+                      <a:solidFill>
+                        <a:srgbClr val="DDDDDD"/>
+                      </a:solidFill>
+                      <a:prstDash val="solid"/>
+                      <a:round/>
+                      <a:headEnd type="none" w="med" len="med"/>
+                      <a:tailEnd type="none" w="med" len="med"/>
+                    </a:lnT>
+                    <a:lnB w="9525" cap="flat" cmpd="sng" algn="ctr">
+                      <a:solidFill>
+                        <a:srgbClr val="DDDDDD"/>
+                      </a:solidFill>
+                      <a:prstDash val="solid"/>
+                      <a:round/>
+                      <a:headEnd type="none" w="med" len="med"/>
+                      <a:tailEnd type="none" w="med" len="med"/>
+                    </a:lnB>
+                    <a:solidFill>
+                      <a:srgbClr val="F8F8F8"/>
+                    </a:solidFill>
+                  </a:tcPr>
+                </a:tc>
+                <a:extLst>
+                  <a:ext uri="{0D108BD9-81ED-4DB2-BD59-A6C34878D82A}">
+                    <a16:rowId xmlns:a16="http://schemas.microsoft.com/office/drawing/2014/main" val="2384285551"/>
+                  </a:ext>
+                </a:extLst>
+              </a:tr>
+              <a:tr h="414856">
+                <a:tc>
+                  <a:txBody>
+                    <a:bodyPr/>
+                    <a:lstStyle/>
+                    <a:p>
+                      <a:r>
+                        <a:rPr lang="en-US" sz="500">
+                          <a:effectLst/>
+                        </a:rPr>
+                        <a:t>Q</a:t>
+                      </a:r>
+                    </a:p>
+                  </a:txBody>
+                  <a:tcPr marL="35712" marR="35712" marT="16482" marB="16482" anchor="ctr">
+                    <a:lnL w="9525" cap="flat" cmpd="sng" algn="ctr">
+                      <a:solidFill>
+                        <a:srgbClr val="DDDDDD"/>
+                      </a:solidFill>
+                      <a:prstDash val="solid"/>
+                      <a:round/>
+                      <a:headEnd type="none" w="med" len="med"/>
+                      <a:tailEnd type="none" w="med" len="med"/>
+                    </a:lnL>
+                    <a:lnR w="9525" cap="flat" cmpd="sng" algn="ctr">
+                      <a:solidFill>
+                        <a:srgbClr val="DDDDDD"/>
+                      </a:solidFill>
+                      <a:prstDash val="solid"/>
+                      <a:round/>
+                      <a:headEnd type="none" w="med" len="med"/>
+                      <a:tailEnd type="none" w="med" len="med"/>
+                    </a:lnR>
+                    <a:lnT w="9525" cap="flat" cmpd="sng" algn="ctr">
+                      <a:solidFill>
+                        <a:srgbClr val="DDDDDD"/>
+                      </a:solidFill>
+                      <a:prstDash val="solid"/>
+                      <a:round/>
+                      <a:headEnd type="none" w="med" len="med"/>
+                      <a:tailEnd type="none" w="med" len="med"/>
+                    </a:lnT>
+                    <a:lnB w="9525" cap="flat" cmpd="sng" algn="ctr">
+                      <a:solidFill>
+                        <a:srgbClr val="DDDDDD"/>
+                      </a:solidFill>
+                      <a:prstDash val="solid"/>
+                      <a:round/>
+                      <a:headEnd type="none" w="med" len="med"/>
+                      <a:tailEnd type="none" w="med" len="med"/>
+                    </a:lnB>
+                    <a:solidFill>
+                      <a:srgbClr val="FFFFFF"/>
+                    </a:solidFill>
+                  </a:tcPr>
+                </a:tc>
+                <a:tc>
+                  <a:txBody>
+                    <a:bodyPr/>
+                    <a:lstStyle/>
+                    <a:p>
+                      <a:r>
+                        <a:rPr lang="en-US" sz="1000" dirty="0">
+                          <a:effectLst/>
+                        </a:rPr>
+                        <a:t>Major tools used </a:t>
+                      </a:r>
+                      <a:br>
+                        <a:rPr lang="en-US" sz="1000" dirty="0">
+                          <a:effectLst/>
+                        </a:rPr>
+                      </a:br>
+                      <a:r>
+                        <a:rPr lang="en-US" sz="1000" dirty="0">
+                          <a:effectLst/>
+                        </a:rPr>
+                        <a:t>- (more) for tools requiring coding effort such as Python and R, (ok) for GUI-based tools such as Tableau </a:t>
+                      </a:r>
+                      <a:br>
+                        <a:rPr lang="en-US" sz="1000" dirty="0">
+                          <a:effectLst/>
+                        </a:rPr>
+                      </a:br>
+                      <a:endParaRPr lang="en-US" sz="1000" dirty="0">
+                        <a:effectLst/>
+                      </a:endParaRPr>
+                    </a:p>
+                  </a:txBody>
+                  <a:tcPr marL="35712" marR="35712" marT="16482" marB="16482" anchor="ctr">
+                    <a:lnL w="9525" cap="flat" cmpd="sng" algn="ctr">
+                      <a:solidFill>
+                        <a:srgbClr val="DDDDDD"/>
+                      </a:solidFill>
+                      <a:prstDash val="solid"/>
+                      <a:round/>
+                      <a:headEnd type="none" w="med" len="med"/>
+                      <a:tailEnd type="none" w="med" len="med"/>
+                    </a:lnL>
+                    <a:lnR w="9525" cap="flat" cmpd="sng" algn="ctr">
+                      <a:solidFill>
+                        <a:srgbClr val="DDDDDD"/>
+                      </a:solidFill>
+                      <a:prstDash val="solid"/>
+                      <a:round/>
+                      <a:headEnd type="none" w="med" len="med"/>
+                      <a:tailEnd type="none" w="med" len="med"/>
+                    </a:lnR>
+                    <a:lnT w="9525" cap="flat" cmpd="sng" algn="ctr">
+                      <a:solidFill>
+                        <a:srgbClr val="DDDDDD"/>
+                      </a:solidFill>
+                      <a:prstDash val="solid"/>
+                      <a:round/>
+                      <a:headEnd type="none" w="med" len="med"/>
+                      <a:tailEnd type="none" w="med" len="med"/>
+                    </a:lnT>
+                    <a:lnB w="9525" cap="flat" cmpd="sng" algn="ctr">
+                      <a:solidFill>
+                        <a:srgbClr val="DDDDDD"/>
+                      </a:solidFill>
+                      <a:prstDash val="solid"/>
+                      <a:round/>
+                      <a:headEnd type="none" w="med" len="med"/>
+                      <a:tailEnd type="none" w="med" len="med"/>
+                    </a:lnB>
+                    <a:solidFill>
+                      <a:srgbClr val="FFFFFF"/>
+                    </a:solidFill>
+                  </a:tcPr>
+                </a:tc>
+                <a:tc>
+                  <a:txBody>
+                    <a:bodyPr/>
+                    <a:lstStyle/>
+                    <a:p>
+                      <a:r>
+                        <a:rPr lang="en-US" sz="500">
+                          <a:effectLst/>
+                        </a:rPr>
+                        <a:t>5</a:t>
+                      </a:r>
+                    </a:p>
+                  </a:txBody>
+                  <a:tcPr marL="35712" marR="35712" marT="16482" marB="16482" anchor="ctr">
+                    <a:lnL w="9525" cap="flat" cmpd="sng" algn="ctr">
+                      <a:solidFill>
+                        <a:srgbClr val="DDDDDD"/>
+                      </a:solidFill>
+                      <a:prstDash val="solid"/>
+                      <a:round/>
+                      <a:headEnd type="none" w="med" len="med"/>
+                      <a:tailEnd type="none" w="med" len="med"/>
+                    </a:lnL>
+                    <a:lnR w="9525" cap="flat" cmpd="sng" algn="ctr">
+                      <a:solidFill>
+                        <a:srgbClr val="DDDDDD"/>
+                      </a:solidFill>
+                      <a:prstDash val="solid"/>
+                      <a:round/>
+                      <a:headEnd type="none" w="med" len="med"/>
+                      <a:tailEnd type="none" w="med" len="med"/>
+                    </a:lnR>
+                    <a:lnT w="9525" cap="flat" cmpd="sng" algn="ctr">
+                      <a:solidFill>
+                        <a:srgbClr val="DDDDDD"/>
+                      </a:solidFill>
+                      <a:prstDash val="solid"/>
+                      <a:round/>
+                      <a:headEnd type="none" w="med" len="med"/>
+                      <a:tailEnd type="none" w="med" len="med"/>
+                    </a:lnT>
+                    <a:lnB w="9525" cap="flat" cmpd="sng" algn="ctr">
+                      <a:solidFill>
+                        <a:srgbClr val="DDDDDD"/>
+                      </a:solidFill>
+                      <a:prstDash val="solid"/>
+                      <a:round/>
+                      <a:headEnd type="none" w="med" len="med"/>
+                      <a:tailEnd type="none" w="med" len="med"/>
+                    </a:lnB>
+                    <a:solidFill>
+                      <a:srgbClr val="FFFFFF"/>
+                    </a:solidFill>
+                  </a:tcPr>
+                </a:tc>
+                <a:extLst>
+                  <a:ext uri="{0D108BD9-81ED-4DB2-BD59-A6C34878D82A}">
+                    <a16:rowId xmlns:a16="http://schemas.microsoft.com/office/drawing/2014/main" val="3641858549"/>
+                  </a:ext>
+                </a:extLst>
+              </a:tr>
+              <a:tr h="111142">
+                <a:tc>
+                  <a:txBody>
+                    <a:bodyPr/>
+                    <a:lstStyle/>
+                    <a:p>
+                      <a:r>
+                        <a:rPr lang="en-US" sz="500">
+                          <a:effectLst/>
+                        </a:rPr>
+                        <a:t>Q</a:t>
+                      </a:r>
+                    </a:p>
+                  </a:txBody>
+                  <a:tcPr marL="35712" marR="35712" marT="16482" marB="16482" anchor="ctr">
+                    <a:lnL w="9525" cap="flat" cmpd="sng" algn="ctr">
+                      <a:solidFill>
+                        <a:srgbClr val="DDDDDD"/>
+                      </a:solidFill>
+                      <a:prstDash val="solid"/>
+                      <a:round/>
+                      <a:headEnd type="none" w="med" len="med"/>
+                      <a:tailEnd type="none" w="med" len="med"/>
+                    </a:lnL>
+                    <a:lnR w="9525" cap="flat" cmpd="sng" algn="ctr">
+                      <a:solidFill>
+                        <a:srgbClr val="DDDDDD"/>
+                      </a:solidFill>
+                      <a:prstDash val="solid"/>
+                      <a:round/>
+                      <a:headEnd type="none" w="med" len="med"/>
+                      <a:tailEnd type="none" w="med" len="med"/>
+                    </a:lnR>
+                    <a:lnT w="9525" cap="flat" cmpd="sng" algn="ctr">
+                      <a:solidFill>
+                        <a:srgbClr val="DDDDDD"/>
+                      </a:solidFill>
+                      <a:prstDash val="solid"/>
+                      <a:round/>
+                      <a:headEnd type="none" w="med" len="med"/>
+                      <a:tailEnd type="none" w="med" len="med"/>
+                    </a:lnT>
+                    <a:lnB w="9525" cap="flat" cmpd="sng" algn="ctr">
+                      <a:solidFill>
+                        <a:srgbClr val="DDDDDD"/>
+                      </a:solidFill>
+                      <a:prstDash val="solid"/>
+                      <a:round/>
+                      <a:headEnd type="none" w="med" len="med"/>
+                      <a:tailEnd type="none" w="med" len="med"/>
+                    </a:lnB>
+                    <a:solidFill>
+                      <a:srgbClr val="F8F8F8"/>
+                    </a:solidFill>
+                  </a:tcPr>
+                </a:tc>
+                <a:tc>
+                  <a:txBody>
+                    <a:bodyPr/>
+                    <a:lstStyle/>
+                    <a:p>
+                      <a:r>
+                        <a:rPr lang="en-US" sz="1000" dirty="0">
+                          <a:effectLst/>
+                        </a:rPr>
+                        <a:t>Use of packages/libraries</a:t>
+                      </a:r>
+                    </a:p>
+                  </a:txBody>
+                  <a:tcPr marL="35712" marR="35712" marT="16482" marB="16482" anchor="ctr">
+                    <a:lnL w="9525" cap="flat" cmpd="sng" algn="ctr">
+                      <a:solidFill>
+                        <a:srgbClr val="DDDDDD"/>
+                      </a:solidFill>
+                      <a:prstDash val="solid"/>
+                      <a:round/>
+                      <a:headEnd type="none" w="med" len="med"/>
+                      <a:tailEnd type="none" w="med" len="med"/>
+                    </a:lnL>
+                    <a:lnR w="9525" cap="flat" cmpd="sng" algn="ctr">
+                      <a:solidFill>
+                        <a:srgbClr val="DDDDDD"/>
+                      </a:solidFill>
+                      <a:prstDash val="solid"/>
+                      <a:round/>
+                      <a:headEnd type="none" w="med" len="med"/>
+                      <a:tailEnd type="none" w="med" len="med"/>
+                    </a:lnR>
+                    <a:lnT w="9525" cap="flat" cmpd="sng" algn="ctr">
+                      <a:solidFill>
+                        <a:srgbClr val="DDDDDD"/>
+                      </a:solidFill>
+                      <a:prstDash val="solid"/>
+                      <a:round/>
+                      <a:headEnd type="none" w="med" len="med"/>
+                      <a:tailEnd type="none" w="med" len="med"/>
+                    </a:lnT>
+                    <a:lnB w="9525" cap="flat" cmpd="sng" algn="ctr">
+                      <a:solidFill>
+                        <a:srgbClr val="DDDDDD"/>
+                      </a:solidFill>
+                      <a:prstDash val="solid"/>
+                      <a:round/>
+                      <a:headEnd type="none" w="med" len="med"/>
+                      <a:tailEnd type="none" w="med" len="med"/>
+                    </a:lnB>
+                    <a:solidFill>
+                      <a:srgbClr val="F8F8F8"/>
+                    </a:solidFill>
+                  </a:tcPr>
+                </a:tc>
+                <a:tc>
+                  <a:txBody>
+                    <a:bodyPr/>
+                    <a:lstStyle/>
+                    <a:p>
+                      <a:r>
+                        <a:rPr lang="en-US" sz="500">
+                          <a:effectLst/>
+                        </a:rPr>
+                        <a:t>5</a:t>
+                      </a:r>
+                    </a:p>
+                  </a:txBody>
+                  <a:tcPr marL="35712" marR="35712" marT="16482" marB="16482" anchor="ctr">
+                    <a:lnL w="9525" cap="flat" cmpd="sng" algn="ctr">
+                      <a:solidFill>
+                        <a:srgbClr val="DDDDDD"/>
+                      </a:solidFill>
+                      <a:prstDash val="solid"/>
+                      <a:round/>
+                      <a:headEnd type="none" w="med" len="med"/>
+                      <a:tailEnd type="none" w="med" len="med"/>
+                    </a:lnL>
+                    <a:lnR w="9525" cap="flat" cmpd="sng" algn="ctr">
+                      <a:solidFill>
+                        <a:srgbClr val="DDDDDD"/>
+                      </a:solidFill>
+                      <a:prstDash val="solid"/>
+                      <a:round/>
+                      <a:headEnd type="none" w="med" len="med"/>
+                      <a:tailEnd type="none" w="med" len="med"/>
+                    </a:lnR>
+                    <a:lnT w="9525" cap="flat" cmpd="sng" algn="ctr">
+                      <a:solidFill>
+                        <a:srgbClr val="DDDDDD"/>
+                      </a:solidFill>
+                      <a:prstDash val="solid"/>
+                      <a:round/>
+                      <a:headEnd type="none" w="med" len="med"/>
+                      <a:tailEnd type="none" w="med" len="med"/>
+                    </a:lnT>
+                    <a:lnB w="9525" cap="flat" cmpd="sng" algn="ctr">
+                      <a:solidFill>
+                        <a:srgbClr val="DDDDDD"/>
+                      </a:solidFill>
+                      <a:prstDash val="solid"/>
+                      <a:round/>
+                      <a:headEnd type="none" w="med" len="med"/>
+                      <a:tailEnd type="none" w="med" len="med"/>
+                    </a:lnB>
+                    <a:solidFill>
+                      <a:srgbClr val="F8F8F8"/>
+                    </a:solidFill>
+                  </a:tcPr>
+                </a:tc>
+                <a:extLst>
+                  <a:ext uri="{0D108BD9-81ED-4DB2-BD59-A6C34878D82A}">
+                    <a16:rowId xmlns:a16="http://schemas.microsoft.com/office/drawing/2014/main" val="86292963"/>
+                  </a:ext>
+                </a:extLst>
+              </a:tr>
+              <a:tr h="111142">
+                <a:tc>
+                  <a:txBody>
+                    <a:bodyPr/>
+                    <a:lstStyle/>
+                    <a:p>
+                      <a:r>
+                        <a:rPr lang="en-US" sz="500">
+                          <a:effectLst/>
+                        </a:rPr>
+                        <a:t>Q</a:t>
+                      </a:r>
+                    </a:p>
+                  </a:txBody>
+                  <a:tcPr marL="35712" marR="35712" marT="16482" marB="16482" anchor="ctr">
+                    <a:lnL w="9525" cap="flat" cmpd="sng" algn="ctr">
+                      <a:solidFill>
+                        <a:srgbClr val="DDDDDD"/>
+                      </a:solidFill>
+                      <a:prstDash val="solid"/>
+                      <a:round/>
+                      <a:headEnd type="none" w="med" len="med"/>
+                      <a:tailEnd type="none" w="med" len="med"/>
+                    </a:lnL>
+                    <a:lnR w="9525" cap="flat" cmpd="sng" algn="ctr">
+                      <a:solidFill>
+                        <a:srgbClr val="DDDDDD"/>
+                      </a:solidFill>
+                      <a:prstDash val="solid"/>
+                      <a:round/>
+                      <a:headEnd type="none" w="med" len="med"/>
+                      <a:tailEnd type="none" w="med" len="med"/>
+                    </a:lnR>
+                    <a:lnT w="9525" cap="flat" cmpd="sng" algn="ctr">
+                      <a:solidFill>
+                        <a:srgbClr val="DDDDDD"/>
+                      </a:solidFill>
+                      <a:prstDash val="solid"/>
+                      <a:round/>
+                      <a:headEnd type="none" w="med" len="med"/>
+                      <a:tailEnd type="none" w="med" len="med"/>
+                    </a:lnT>
+                    <a:lnB w="9525" cap="flat" cmpd="sng" algn="ctr">
+                      <a:solidFill>
+                        <a:srgbClr val="DDDDDD"/>
+                      </a:solidFill>
+                      <a:prstDash val="solid"/>
+                      <a:round/>
+                      <a:headEnd type="none" w="med" len="med"/>
+                      <a:tailEnd type="none" w="med" len="med"/>
+                    </a:lnB>
+                    <a:solidFill>
+                      <a:srgbClr val="FFFFFF"/>
+                    </a:solidFill>
+                  </a:tcPr>
+                </a:tc>
+                <a:tc>
+                  <a:txBody>
+                    <a:bodyPr/>
+                    <a:lstStyle/>
+                    <a:p>
+                      <a:r>
+                        <a:rPr lang="en-US" sz="1000" dirty="0">
+                          <a:effectLst/>
+                        </a:rPr>
+                        <a:t>Use of Machine Learning methods</a:t>
+                      </a:r>
+                    </a:p>
+                  </a:txBody>
+                  <a:tcPr marL="35712" marR="35712" marT="16482" marB="16482" anchor="ctr">
+                    <a:lnL w="9525" cap="flat" cmpd="sng" algn="ctr">
+                      <a:solidFill>
+                        <a:srgbClr val="DDDDDD"/>
+                      </a:solidFill>
+                      <a:prstDash val="solid"/>
+                      <a:round/>
+                      <a:headEnd type="none" w="med" len="med"/>
+                      <a:tailEnd type="none" w="med" len="med"/>
+                    </a:lnL>
+                    <a:lnR w="9525" cap="flat" cmpd="sng" algn="ctr">
+                      <a:solidFill>
+                        <a:srgbClr val="DDDDDD"/>
+                      </a:solidFill>
+                      <a:prstDash val="solid"/>
+                      <a:round/>
+                      <a:headEnd type="none" w="med" len="med"/>
+                      <a:tailEnd type="none" w="med" len="med"/>
+                    </a:lnR>
+                    <a:lnT w="9525" cap="flat" cmpd="sng" algn="ctr">
+                      <a:solidFill>
+                        <a:srgbClr val="DDDDDD"/>
+                      </a:solidFill>
+                      <a:prstDash val="solid"/>
+                      <a:round/>
+                      <a:headEnd type="none" w="med" len="med"/>
+                      <a:tailEnd type="none" w="med" len="med"/>
+                    </a:lnT>
+                    <a:lnB w="9525" cap="flat" cmpd="sng" algn="ctr">
+                      <a:solidFill>
+                        <a:srgbClr val="DDDDDD"/>
+                      </a:solidFill>
+                      <a:prstDash val="solid"/>
+                      <a:round/>
+                      <a:headEnd type="none" w="med" len="med"/>
+                      <a:tailEnd type="none" w="med" len="med"/>
+                    </a:lnB>
+                    <a:solidFill>
+                      <a:srgbClr val="FFFFFF"/>
+                    </a:solidFill>
+                  </a:tcPr>
+                </a:tc>
+                <a:tc>
+                  <a:txBody>
+                    <a:bodyPr/>
+                    <a:lstStyle/>
+                    <a:p>
+                      <a:r>
+                        <a:rPr lang="en-US" sz="500">
+                          <a:effectLst/>
+                        </a:rPr>
+                        <a:t>5</a:t>
+                      </a:r>
+                    </a:p>
+                  </a:txBody>
+                  <a:tcPr marL="35712" marR="35712" marT="16482" marB="16482" anchor="ctr">
+                    <a:lnL w="9525" cap="flat" cmpd="sng" algn="ctr">
+                      <a:solidFill>
+                        <a:srgbClr val="DDDDDD"/>
+                      </a:solidFill>
+                      <a:prstDash val="solid"/>
+                      <a:round/>
+                      <a:headEnd type="none" w="med" len="med"/>
+                      <a:tailEnd type="none" w="med" len="med"/>
+                    </a:lnL>
+                    <a:lnR w="9525" cap="flat" cmpd="sng" algn="ctr">
+                      <a:solidFill>
+                        <a:srgbClr val="DDDDDD"/>
+                      </a:solidFill>
+                      <a:prstDash val="solid"/>
+                      <a:round/>
+                      <a:headEnd type="none" w="med" len="med"/>
+                      <a:tailEnd type="none" w="med" len="med"/>
+                    </a:lnR>
+                    <a:lnT w="9525" cap="flat" cmpd="sng" algn="ctr">
+                      <a:solidFill>
+                        <a:srgbClr val="DDDDDD"/>
+                      </a:solidFill>
+                      <a:prstDash val="solid"/>
+                      <a:round/>
+                      <a:headEnd type="none" w="med" len="med"/>
+                      <a:tailEnd type="none" w="med" len="med"/>
+                    </a:lnT>
+                    <a:lnB w="9525" cap="flat" cmpd="sng" algn="ctr">
+                      <a:solidFill>
+                        <a:srgbClr val="DDDDDD"/>
+                      </a:solidFill>
+                      <a:prstDash val="solid"/>
+                      <a:round/>
+                      <a:headEnd type="none" w="med" len="med"/>
+                      <a:tailEnd type="none" w="med" len="med"/>
+                    </a:lnB>
+                    <a:solidFill>
+                      <a:srgbClr val="FFFFFF"/>
+                    </a:solidFill>
+                  </a:tcPr>
+                </a:tc>
+                <a:extLst>
+                  <a:ext uri="{0D108BD9-81ED-4DB2-BD59-A6C34878D82A}">
+                    <a16:rowId xmlns:a16="http://schemas.microsoft.com/office/drawing/2014/main" val="2633625645"/>
+                  </a:ext>
+                </a:extLst>
+              </a:tr>
+              <a:tr h="111142">
+                <a:tc>
+                  <a:txBody>
+                    <a:bodyPr/>
+                    <a:lstStyle/>
+                    <a:p>
+                      <a:r>
+                        <a:rPr lang="en-US" sz="500">
+                          <a:effectLst/>
+                        </a:rPr>
+                        <a:t>Q</a:t>
+                      </a:r>
+                    </a:p>
+                  </a:txBody>
+                  <a:tcPr marL="35712" marR="35712" marT="16482" marB="16482" anchor="ctr">
+                    <a:lnL w="9525" cap="flat" cmpd="sng" algn="ctr">
+                      <a:solidFill>
+                        <a:srgbClr val="DDDDDD"/>
+                      </a:solidFill>
+                      <a:prstDash val="solid"/>
+                      <a:round/>
+                      <a:headEnd type="none" w="med" len="med"/>
+                      <a:tailEnd type="none" w="med" len="med"/>
+                    </a:lnL>
+                    <a:lnR w="9525" cap="flat" cmpd="sng" algn="ctr">
+                      <a:solidFill>
+                        <a:srgbClr val="DDDDDD"/>
+                      </a:solidFill>
+                      <a:prstDash val="solid"/>
+                      <a:round/>
+                      <a:headEnd type="none" w="med" len="med"/>
+                      <a:tailEnd type="none" w="med" len="med"/>
+                    </a:lnR>
+                    <a:lnT w="9525" cap="flat" cmpd="sng" algn="ctr">
+                      <a:solidFill>
+                        <a:srgbClr val="DDDDDD"/>
+                      </a:solidFill>
+                      <a:prstDash val="solid"/>
+                      <a:round/>
+                      <a:headEnd type="none" w="med" len="med"/>
+                      <a:tailEnd type="none" w="med" len="med"/>
+                    </a:lnT>
+                    <a:lnB w="9525" cap="flat" cmpd="sng" algn="ctr">
+                      <a:solidFill>
+                        <a:srgbClr val="DDDDDD"/>
+                      </a:solidFill>
+                      <a:prstDash val="solid"/>
+                      <a:round/>
+                      <a:headEnd type="none" w="med" len="med"/>
+                      <a:tailEnd type="none" w="med" len="med"/>
+                    </a:lnB>
+                    <a:solidFill>
+                      <a:srgbClr val="F8F8F8"/>
+                    </a:solidFill>
+                  </a:tcPr>
+                </a:tc>
+                <a:tc>
+                  <a:txBody>
+                    <a:bodyPr/>
+                    <a:lstStyle/>
+                    <a:p>
+                      <a:r>
+                        <a:rPr lang="en-US" sz="1000" dirty="0">
+                          <a:effectLst/>
+                        </a:rPr>
+                        <a:t>Effort using analysis methods (how deeply optimize)</a:t>
+                      </a:r>
+                    </a:p>
+                  </a:txBody>
+                  <a:tcPr marL="35712" marR="35712" marT="16482" marB="16482" anchor="ctr">
+                    <a:lnL w="9525" cap="flat" cmpd="sng" algn="ctr">
+                      <a:solidFill>
+                        <a:srgbClr val="DDDDDD"/>
+                      </a:solidFill>
+                      <a:prstDash val="solid"/>
+                      <a:round/>
+                      <a:headEnd type="none" w="med" len="med"/>
+                      <a:tailEnd type="none" w="med" len="med"/>
+                    </a:lnL>
+                    <a:lnR w="9525" cap="flat" cmpd="sng" algn="ctr">
+                      <a:solidFill>
+                        <a:srgbClr val="DDDDDD"/>
+                      </a:solidFill>
+                      <a:prstDash val="solid"/>
+                      <a:round/>
+                      <a:headEnd type="none" w="med" len="med"/>
+                      <a:tailEnd type="none" w="med" len="med"/>
+                    </a:lnR>
+                    <a:lnT w="9525" cap="flat" cmpd="sng" algn="ctr">
+                      <a:solidFill>
+                        <a:srgbClr val="DDDDDD"/>
+                      </a:solidFill>
+                      <a:prstDash val="solid"/>
+                      <a:round/>
+                      <a:headEnd type="none" w="med" len="med"/>
+                      <a:tailEnd type="none" w="med" len="med"/>
+                    </a:lnT>
+                    <a:lnB w="9525" cap="flat" cmpd="sng" algn="ctr">
+                      <a:solidFill>
+                        <a:srgbClr val="DDDDDD"/>
+                      </a:solidFill>
+                      <a:prstDash val="solid"/>
+                      <a:round/>
+                      <a:headEnd type="none" w="med" len="med"/>
+                      <a:tailEnd type="none" w="med" len="med"/>
+                    </a:lnB>
+                    <a:solidFill>
+                      <a:srgbClr val="F8F8F8"/>
+                    </a:solidFill>
+                  </a:tcPr>
+                </a:tc>
+                <a:tc>
+                  <a:txBody>
+                    <a:bodyPr/>
+                    <a:lstStyle/>
+                    <a:p>
+                      <a:r>
+                        <a:rPr lang="en-US" sz="500">
+                          <a:effectLst/>
+                        </a:rPr>
+                        <a:t>5</a:t>
+                      </a:r>
+                    </a:p>
+                  </a:txBody>
+                  <a:tcPr marL="35712" marR="35712" marT="16482" marB="16482" anchor="ctr">
+                    <a:lnL w="9525" cap="flat" cmpd="sng" algn="ctr">
+                      <a:solidFill>
+                        <a:srgbClr val="DDDDDD"/>
+                      </a:solidFill>
+                      <a:prstDash val="solid"/>
+                      <a:round/>
+                      <a:headEnd type="none" w="med" len="med"/>
+                      <a:tailEnd type="none" w="med" len="med"/>
+                    </a:lnL>
+                    <a:lnR w="9525" cap="flat" cmpd="sng" algn="ctr">
+                      <a:solidFill>
+                        <a:srgbClr val="DDDDDD"/>
+                      </a:solidFill>
+                      <a:prstDash val="solid"/>
+                      <a:round/>
+                      <a:headEnd type="none" w="med" len="med"/>
+                      <a:tailEnd type="none" w="med" len="med"/>
+                    </a:lnR>
+                    <a:lnT w="9525" cap="flat" cmpd="sng" algn="ctr">
+                      <a:solidFill>
+                        <a:srgbClr val="DDDDDD"/>
+                      </a:solidFill>
+                      <a:prstDash val="solid"/>
+                      <a:round/>
+                      <a:headEnd type="none" w="med" len="med"/>
+                      <a:tailEnd type="none" w="med" len="med"/>
+                    </a:lnT>
+                    <a:lnB w="9525" cap="flat" cmpd="sng" algn="ctr">
+                      <a:solidFill>
+                        <a:srgbClr val="DDDDDD"/>
+                      </a:solidFill>
+                      <a:prstDash val="solid"/>
+                      <a:round/>
+                      <a:headEnd type="none" w="med" len="med"/>
+                      <a:tailEnd type="none" w="med" len="med"/>
+                    </a:lnB>
+                    <a:solidFill>
+                      <a:srgbClr val="F8F8F8"/>
+                    </a:solidFill>
+                  </a:tcPr>
+                </a:tc>
+                <a:extLst>
+                  <a:ext uri="{0D108BD9-81ED-4DB2-BD59-A6C34878D82A}">
+                    <a16:rowId xmlns:a16="http://schemas.microsoft.com/office/drawing/2014/main" val="1200172557"/>
+                  </a:ext>
+                </a:extLst>
+              </a:tr>
+              <a:tr h="111142">
+                <a:tc>
+                  <a:txBody>
+                    <a:bodyPr/>
+                    <a:lstStyle/>
+                    <a:p>
+                      <a:r>
+                        <a:rPr lang="en-US" sz="500">
+                          <a:effectLst/>
+                        </a:rPr>
+                        <a:t>Q</a:t>
+                      </a:r>
+                    </a:p>
+                  </a:txBody>
+                  <a:tcPr marL="35712" marR="35712" marT="16482" marB="16482" anchor="ctr">
+                    <a:lnL w="9525" cap="flat" cmpd="sng" algn="ctr">
+                      <a:solidFill>
+                        <a:srgbClr val="DDDDDD"/>
+                      </a:solidFill>
+                      <a:prstDash val="solid"/>
+                      <a:round/>
+                      <a:headEnd type="none" w="med" len="med"/>
+                      <a:tailEnd type="none" w="med" len="med"/>
+                    </a:lnL>
+                    <a:lnR w="9525" cap="flat" cmpd="sng" algn="ctr">
+                      <a:solidFill>
+                        <a:srgbClr val="DDDDDD"/>
+                      </a:solidFill>
+                      <a:prstDash val="solid"/>
+                      <a:round/>
+                      <a:headEnd type="none" w="med" len="med"/>
+                      <a:tailEnd type="none" w="med" len="med"/>
+                    </a:lnR>
+                    <a:lnT w="9525" cap="flat" cmpd="sng" algn="ctr">
+                      <a:solidFill>
+                        <a:srgbClr val="DDDDDD"/>
+                      </a:solidFill>
+                      <a:prstDash val="solid"/>
+                      <a:round/>
+                      <a:headEnd type="none" w="med" len="med"/>
+                      <a:tailEnd type="none" w="med" len="med"/>
+                    </a:lnT>
+                    <a:lnB w="9525" cap="flat" cmpd="sng" algn="ctr">
+                      <a:solidFill>
+                        <a:srgbClr val="DDDDDD"/>
+                      </a:solidFill>
+                      <a:prstDash val="solid"/>
+                      <a:round/>
+                      <a:headEnd type="none" w="med" len="med"/>
+                      <a:tailEnd type="none" w="med" len="med"/>
+                    </a:lnB>
+                    <a:solidFill>
+                      <a:srgbClr val="FFFFFF"/>
+                    </a:solidFill>
+                  </a:tcPr>
+                </a:tc>
+                <a:tc>
+                  <a:txBody>
+                    <a:bodyPr/>
+                    <a:lstStyle/>
+                    <a:p>
+                      <a:r>
+                        <a:rPr lang="en-US" sz="1000" dirty="0">
+                          <a:effectLst/>
+                        </a:rPr>
+                        <a:t>Scientific questions and select analysis methods</a:t>
+                      </a:r>
+                    </a:p>
+                  </a:txBody>
+                  <a:tcPr marL="35712" marR="35712" marT="16482" marB="16482" anchor="ctr">
+                    <a:lnL w="9525" cap="flat" cmpd="sng" algn="ctr">
+                      <a:solidFill>
+                        <a:srgbClr val="DDDDDD"/>
+                      </a:solidFill>
+                      <a:prstDash val="solid"/>
+                      <a:round/>
+                      <a:headEnd type="none" w="med" len="med"/>
+                      <a:tailEnd type="none" w="med" len="med"/>
+                    </a:lnL>
+                    <a:lnR w="9525" cap="flat" cmpd="sng" algn="ctr">
+                      <a:solidFill>
+                        <a:srgbClr val="DDDDDD"/>
+                      </a:solidFill>
+                      <a:prstDash val="solid"/>
+                      <a:round/>
+                      <a:headEnd type="none" w="med" len="med"/>
+                      <a:tailEnd type="none" w="med" len="med"/>
+                    </a:lnR>
+                    <a:lnT w="9525" cap="flat" cmpd="sng" algn="ctr">
+                      <a:solidFill>
+                        <a:srgbClr val="DDDDDD"/>
+                      </a:solidFill>
+                      <a:prstDash val="solid"/>
+                      <a:round/>
+                      <a:headEnd type="none" w="med" len="med"/>
+                      <a:tailEnd type="none" w="med" len="med"/>
+                    </a:lnT>
+                    <a:lnB w="9525" cap="flat" cmpd="sng" algn="ctr">
+                      <a:solidFill>
+                        <a:srgbClr val="DDDDDD"/>
+                      </a:solidFill>
+                      <a:prstDash val="solid"/>
+                      <a:round/>
+                      <a:headEnd type="none" w="med" len="med"/>
+                      <a:tailEnd type="none" w="med" len="med"/>
+                    </a:lnB>
+                    <a:solidFill>
+                      <a:srgbClr val="FFFFFF"/>
+                    </a:solidFill>
+                  </a:tcPr>
+                </a:tc>
+                <a:tc>
+                  <a:txBody>
+                    <a:bodyPr/>
+                    <a:lstStyle/>
+                    <a:p>
+                      <a:r>
+                        <a:rPr lang="en-US" sz="500">
+                          <a:effectLst/>
+                        </a:rPr>
+                        <a:t>5</a:t>
+                      </a:r>
+                    </a:p>
+                  </a:txBody>
+                  <a:tcPr marL="35712" marR="35712" marT="16482" marB="16482" anchor="ctr">
+                    <a:lnL w="9525" cap="flat" cmpd="sng" algn="ctr">
+                      <a:solidFill>
+                        <a:srgbClr val="DDDDDD"/>
+                      </a:solidFill>
+                      <a:prstDash val="solid"/>
+                      <a:round/>
+                      <a:headEnd type="none" w="med" len="med"/>
+                      <a:tailEnd type="none" w="med" len="med"/>
+                    </a:lnL>
+                    <a:lnR w="9525" cap="flat" cmpd="sng" algn="ctr">
+                      <a:solidFill>
+                        <a:srgbClr val="DDDDDD"/>
+                      </a:solidFill>
+                      <a:prstDash val="solid"/>
+                      <a:round/>
+                      <a:headEnd type="none" w="med" len="med"/>
+                      <a:tailEnd type="none" w="med" len="med"/>
+                    </a:lnR>
+                    <a:lnT w="9525" cap="flat" cmpd="sng" algn="ctr">
+                      <a:solidFill>
+                        <a:srgbClr val="DDDDDD"/>
+                      </a:solidFill>
+                      <a:prstDash val="solid"/>
+                      <a:round/>
+                      <a:headEnd type="none" w="med" len="med"/>
+                      <a:tailEnd type="none" w="med" len="med"/>
+                    </a:lnT>
+                    <a:lnB w="9525" cap="flat" cmpd="sng" algn="ctr">
+                      <a:solidFill>
+                        <a:srgbClr val="DDDDDD"/>
+                      </a:solidFill>
+                      <a:prstDash val="solid"/>
+                      <a:round/>
+                      <a:headEnd type="none" w="med" len="med"/>
+                      <a:tailEnd type="none" w="med" len="med"/>
+                    </a:lnB>
+                    <a:solidFill>
+                      <a:srgbClr val="FFFFFF"/>
+                    </a:solidFill>
+                  </a:tcPr>
+                </a:tc>
+                <a:extLst>
+                  <a:ext uri="{0D108BD9-81ED-4DB2-BD59-A6C34878D82A}">
+                    <a16:rowId xmlns:a16="http://schemas.microsoft.com/office/drawing/2014/main" val="756284872"/>
+                  </a:ext>
+                </a:extLst>
+              </a:tr>
+              <a:tr h="111142">
+                <a:tc>
+                  <a:txBody>
+                    <a:bodyPr/>
+                    <a:lstStyle/>
+                    <a:p>
+                      <a:r>
+                        <a:rPr lang="en-US" sz="500">
+                          <a:effectLst/>
+                        </a:rPr>
+                        <a:t>Q</a:t>
+                      </a:r>
+                    </a:p>
+                  </a:txBody>
+                  <a:tcPr marL="35712" marR="35712" marT="16482" marB="16482" anchor="ctr">
+                    <a:lnL w="9525" cap="flat" cmpd="sng" algn="ctr">
+                      <a:solidFill>
+                        <a:srgbClr val="DDDDDD"/>
+                      </a:solidFill>
+                      <a:prstDash val="solid"/>
+                      <a:round/>
+                      <a:headEnd type="none" w="med" len="med"/>
+                      <a:tailEnd type="none" w="med" len="med"/>
+                    </a:lnL>
+                    <a:lnR w="9525" cap="flat" cmpd="sng" algn="ctr">
+                      <a:solidFill>
+                        <a:srgbClr val="DDDDDD"/>
+                      </a:solidFill>
+                      <a:prstDash val="solid"/>
+                      <a:round/>
+                      <a:headEnd type="none" w="med" len="med"/>
+                      <a:tailEnd type="none" w="med" len="med"/>
+                    </a:lnR>
+                    <a:lnT w="9525" cap="flat" cmpd="sng" algn="ctr">
+                      <a:solidFill>
+                        <a:srgbClr val="DDDDDD"/>
+                      </a:solidFill>
+                      <a:prstDash val="solid"/>
+                      <a:round/>
+                      <a:headEnd type="none" w="med" len="med"/>
+                      <a:tailEnd type="none" w="med" len="med"/>
+                    </a:lnT>
+                    <a:lnB w="9525" cap="flat" cmpd="sng" algn="ctr">
+                      <a:solidFill>
+                        <a:srgbClr val="DDDDDD"/>
+                      </a:solidFill>
+                      <a:prstDash val="solid"/>
+                      <a:round/>
+                      <a:headEnd type="none" w="med" len="med"/>
+                      <a:tailEnd type="none" w="med" len="med"/>
+                    </a:lnB>
+                    <a:solidFill>
+                      <a:srgbClr val="F8F8F8"/>
+                    </a:solidFill>
+                  </a:tcPr>
+                </a:tc>
+                <a:tc>
+                  <a:txBody>
+                    <a:bodyPr/>
+                    <a:lstStyle/>
+                    <a:p>
+                      <a:r>
+                        <a:rPr lang="en-US" sz="1000" dirty="0">
+                          <a:effectLst/>
+                        </a:rPr>
+                        <a:t>Data imbalance check and implementation, augmentation</a:t>
+                      </a:r>
+                    </a:p>
+                  </a:txBody>
+                  <a:tcPr marL="35712" marR="35712" marT="16482" marB="16482" anchor="ctr">
+                    <a:lnL w="9525" cap="flat" cmpd="sng" algn="ctr">
+                      <a:solidFill>
+                        <a:srgbClr val="DDDDDD"/>
+                      </a:solidFill>
+                      <a:prstDash val="solid"/>
+                      <a:round/>
+                      <a:headEnd type="none" w="med" len="med"/>
+                      <a:tailEnd type="none" w="med" len="med"/>
+                    </a:lnL>
+                    <a:lnR w="9525" cap="flat" cmpd="sng" algn="ctr">
+                      <a:solidFill>
+                        <a:srgbClr val="DDDDDD"/>
+                      </a:solidFill>
+                      <a:prstDash val="solid"/>
+                      <a:round/>
+                      <a:headEnd type="none" w="med" len="med"/>
+                      <a:tailEnd type="none" w="med" len="med"/>
+                    </a:lnR>
+                    <a:lnT w="9525" cap="flat" cmpd="sng" algn="ctr">
+                      <a:solidFill>
+                        <a:srgbClr val="DDDDDD"/>
+                      </a:solidFill>
+                      <a:prstDash val="solid"/>
+                      <a:round/>
+                      <a:headEnd type="none" w="med" len="med"/>
+                      <a:tailEnd type="none" w="med" len="med"/>
+                    </a:lnT>
+                    <a:lnB w="9525" cap="flat" cmpd="sng" algn="ctr">
+                      <a:solidFill>
+                        <a:srgbClr val="DDDDDD"/>
+                      </a:solidFill>
+                      <a:prstDash val="solid"/>
+                      <a:round/>
+                      <a:headEnd type="none" w="med" len="med"/>
+                      <a:tailEnd type="none" w="med" len="med"/>
+                    </a:lnB>
+                    <a:solidFill>
+                      <a:srgbClr val="F8F8F8"/>
+                    </a:solidFill>
+                  </a:tcPr>
+                </a:tc>
+                <a:tc>
+                  <a:txBody>
+                    <a:bodyPr/>
+                    <a:lstStyle/>
+                    <a:p>
+                      <a:r>
+                        <a:rPr lang="en-US" sz="500">
+                          <a:effectLst/>
+                        </a:rPr>
+                        <a:t>5</a:t>
+                      </a:r>
+                    </a:p>
+                  </a:txBody>
+                  <a:tcPr marL="35712" marR="35712" marT="16482" marB="16482" anchor="ctr">
+                    <a:lnL w="9525" cap="flat" cmpd="sng" algn="ctr">
+                      <a:solidFill>
+                        <a:srgbClr val="DDDDDD"/>
+                      </a:solidFill>
+                      <a:prstDash val="solid"/>
+                      <a:round/>
+                      <a:headEnd type="none" w="med" len="med"/>
+                      <a:tailEnd type="none" w="med" len="med"/>
+                    </a:lnL>
+                    <a:lnR w="9525" cap="flat" cmpd="sng" algn="ctr">
+                      <a:solidFill>
+                        <a:srgbClr val="DDDDDD"/>
+                      </a:solidFill>
+                      <a:prstDash val="solid"/>
+                      <a:round/>
+                      <a:headEnd type="none" w="med" len="med"/>
+                      <a:tailEnd type="none" w="med" len="med"/>
+                    </a:lnR>
+                    <a:lnT w="9525" cap="flat" cmpd="sng" algn="ctr">
+                      <a:solidFill>
+                        <a:srgbClr val="DDDDDD"/>
+                      </a:solidFill>
+                      <a:prstDash val="solid"/>
+                      <a:round/>
+                      <a:headEnd type="none" w="med" len="med"/>
+                      <a:tailEnd type="none" w="med" len="med"/>
+                    </a:lnT>
+                    <a:lnB w="9525" cap="flat" cmpd="sng" algn="ctr">
+                      <a:solidFill>
+                        <a:srgbClr val="DDDDDD"/>
+                      </a:solidFill>
+                      <a:prstDash val="solid"/>
+                      <a:round/>
+                      <a:headEnd type="none" w="med" len="med"/>
+                      <a:tailEnd type="none" w="med" len="med"/>
+                    </a:lnB>
+                    <a:solidFill>
+                      <a:srgbClr val="F8F8F8"/>
+                    </a:solidFill>
+                  </a:tcPr>
+                </a:tc>
+                <a:extLst>
+                  <a:ext uri="{0D108BD9-81ED-4DB2-BD59-A6C34878D82A}">
+                    <a16:rowId xmlns:a16="http://schemas.microsoft.com/office/drawing/2014/main" val="528867488"/>
+                  </a:ext>
+                </a:extLst>
+              </a:tr>
+              <a:tr h="111142">
+                <a:tc>
+                  <a:txBody>
+                    <a:bodyPr/>
+                    <a:lstStyle/>
+                    <a:p>
+                      <a:r>
+                        <a:rPr lang="en-US" sz="500">
+                          <a:effectLst/>
+                        </a:rPr>
+                        <a:t>Q</a:t>
+                      </a:r>
+                    </a:p>
+                  </a:txBody>
+                  <a:tcPr marL="35712" marR="35712" marT="16482" marB="16482" anchor="ctr">
+                    <a:lnL w="9525" cap="flat" cmpd="sng" algn="ctr">
+                      <a:solidFill>
+                        <a:srgbClr val="DDDDDD"/>
+                      </a:solidFill>
+                      <a:prstDash val="solid"/>
+                      <a:round/>
+                      <a:headEnd type="none" w="med" len="med"/>
+                      <a:tailEnd type="none" w="med" len="med"/>
+                    </a:lnL>
+                    <a:lnR w="9525" cap="flat" cmpd="sng" algn="ctr">
+                      <a:solidFill>
+                        <a:srgbClr val="DDDDDD"/>
+                      </a:solidFill>
+                      <a:prstDash val="solid"/>
+                      <a:round/>
+                      <a:headEnd type="none" w="med" len="med"/>
+                      <a:tailEnd type="none" w="med" len="med"/>
+                    </a:lnR>
+                    <a:lnT w="9525" cap="flat" cmpd="sng" algn="ctr">
+                      <a:solidFill>
+                        <a:srgbClr val="DDDDDD"/>
+                      </a:solidFill>
+                      <a:prstDash val="solid"/>
+                      <a:round/>
+                      <a:headEnd type="none" w="med" len="med"/>
+                      <a:tailEnd type="none" w="med" len="med"/>
+                    </a:lnT>
+                    <a:lnB w="9525" cap="flat" cmpd="sng" algn="ctr">
+                      <a:solidFill>
+                        <a:srgbClr val="DDDDDD"/>
+                      </a:solidFill>
+                      <a:prstDash val="solid"/>
+                      <a:round/>
+                      <a:headEnd type="none" w="med" len="med"/>
+                      <a:tailEnd type="none" w="med" len="med"/>
+                    </a:lnB>
+                    <a:solidFill>
+                      <a:srgbClr val="FFFFFF"/>
+                    </a:solidFill>
+                  </a:tcPr>
+                </a:tc>
+                <a:tc>
+                  <a:txBody>
+                    <a:bodyPr/>
+                    <a:lstStyle/>
+                    <a:p>
+                      <a:r>
+                        <a:rPr lang="en-US" sz="1000" dirty="0">
+                          <a:effectLst/>
+                        </a:rPr>
+                        <a:t>Problem solving &amp; Learning new things on their own</a:t>
+                      </a:r>
+                    </a:p>
+                  </a:txBody>
+                  <a:tcPr marL="35712" marR="35712" marT="16482" marB="16482" anchor="ctr">
+                    <a:lnL w="9525" cap="flat" cmpd="sng" algn="ctr">
+                      <a:solidFill>
+                        <a:srgbClr val="DDDDDD"/>
+                      </a:solidFill>
+                      <a:prstDash val="solid"/>
+                      <a:round/>
+                      <a:headEnd type="none" w="med" len="med"/>
+                      <a:tailEnd type="none" w="med" len="med"/>
+                    </a:lnL>
+                    <a:lnR w="9525" cap="flat" cmpd="sng" algn="ctr">
+                      <a:solidFill>
+                        <a:srgbClr val="DDDDDD"/>
+                      </a:solidFill>
+                      <a:prstDash val="solid"/>
+                      <a:round/>
+                      <a:headEnd type="none" w="med" len="med"/>
+                      <a:tailEnd type="none" w="med" len="med"/>
+                    </a:lnR>
+                    <a:lnT w="9525" cap="flat" cmpd="sng" algn="ctr">
+                      <a:solidFill>
+                        <a:srgbClr val="DDDDDD"/>
+                      </a:solidFill>
+                      <a:prstDash val="solid"/>
+                      <a:round/>
+                      <a:headEnd type="none" w="med" len="med"/>
+                      <a:tailEnd type="none" w="med" len="med"/>
+                    </a:lnT>
+                    <a:lnB w="9525" cap="flat" cmpd="sng" algn="ctr">
+                      <a:solidFill>
+                        <a:srgbClr val="DDDDDD"/>
+                      </a:solidFill>
+                      <a:prstDash val="solid"/>
+                      <a:round/>
+                      <a:headEnd type="none" w="med" len="med"/>
+                      <a:tailEnd type="none" w="med" len="med"/>
+                    </a:lnB>
+                    <a:solidFill>
+                      <a:srgbClr val="FFFFFF"/>
+                    </a:solidFill>
+                  </a:tcPr>
+                </a:tc>
+                <a:tc>
+                  <a:txBody>
+                    <a:bodyPr/>
+                    <a:lstStyle/>
+                    <a:p>
+                      <a:r>
+                        <a:rPr lang="en-US" sz="500">
+                          <a:effectLst/>
+                        </a:rPr>
+                        <a:t>5</a:t>
+                      </a:r>
+                    </a:p>
+                  </a:txBody>
+                  <a:tcPr marL="35712" marR="35712" marT="16482" marB="16482" anchor="ctr">
+                    <a:lnL w="9525" cap="flat" cmpd="sng" algn="ctr">
+                      <a:solidFill>
+                        <a:srgbClr val="DDDDDD"/>
+                      </a:solidFill>
+                      <a:prstDash val="solid"/>
+                      <a:round/>
+                      <a:headEnd type="none" w="med" len="med"/>
+                      <a:tailEnd type="none" w="med" len="med"/>
+                    </a:lnL>
+                    <a:lnR w="9525" cap="flat" cmpd="sng" algn="ctr">
+                      <a:solidFill>
+                        <a:srgbClr val="DDDDDD"/>
+                      </a:solidFill>
+                      <a:prstDash val="solid"/>
+                      <a:round/>
+                      <a:headEnd type="none" w="med" len="med"/>
+                      <a:tailEnd type="none" w="med" len="med"/>
+                    </a:lnR>
+                    <a:lnT w="9525" cap="flat" cmpd="sng" algn="ctr">
+                      <a:solidFill>
+                        <a:srgbClr val="DDDDDD"/>
+                      </a:solidFill>
+                      <a:prstDash val="solid"/>
+                      <a:round/>
+                      <a:headEnd type="none" w="med" len="med"/>
+                      <a:tailEnd type="none" w="med" len="med"/>
+                    </a:lnT>
+                    <a:lnB w="9525" cap="flat" cmpd="sng" algn="ctr">
+                      <a:solidFill>
+                        <a:srgbClr val="DDDDDD"/>
+                      </a:solidFill>
+                      <a:prstDash val="solid"/>
+                      <a:round/>
+                      <a:headEnd type="none" w="med" len="med"/>
+                      <a:tailEnd type="none" w="med" len="med"/>
+                    </a:lnB>
+                    <a:solidFill>
+                      <a:srgbClr val="FFFFFF"/>
+                    </a:solidFill>
+                  </a:tcPr>
+                </a:tc>
+                <a:extLst>
+                  <a:ext uri="{0D108BD9-81ED-4DB2-BD59-A6C34878D82A}">
+                    <a16:rowId xmlns:a16="http://schemas.microsoft.com/office/drawing/2014/main" val="3891230620"/>
+                  </a:ext>
+                </a:extLst>
+              </a:tr>
+              <a:tr h="111142">
+                <a:tc>
+                  <a:txBody>
+                    <a:bodyPr/>
+                    <a:lstStyle/>
+                    <a:p>
+                      <a:r>
+                        <a:rPr lang="en-US" sz="500">
+                          <a:effectLst/>
+                        </a:rPr>
+                        <a:t>Q</a:t>
+                      </a:r>
+                    </a:p>
+                  </a:txBody>
+                  <a:tcPr marL="35712" marR="35712" marT="16482" marB="16482" anchor="ctr">
+                    <a:lnL w="9525" cap="flat" cmpd="sng" algn="ctr">
+                      <a:solidFill>
+                        <a:srgbClr val="DDDDDD"/>
+                      </a:solidFill>
+                      <a:prstDash val="solid"/>
+                      <a:round/>
+                      <a:headEnd type="none" w="med" len="med"/>
+                      <a:tailEnd type="none" w="med" len="med"/>
+                    </a:lnL>
+                    <a:lnR w="9525" cap="flat" cmpd="sng" algn="ctr">
+                      <a:solidFill>
+                        <a:srgbClr val="DDDDDD"/>
+                      </a:solidFill>
+                      <a:prstDash val="solid"/>
+                      <a:round/>
+                      <a:headEnd type="none" w="med" len="med"/>
+                      <a:tailEnd type="none" w="med" len="med"/>
+                    </a:lnR>
+                    <a:lnT w="9525" cap="flat" cmpd="sng" algn="ctr">
+                      <a:solidFill>
+                        <a:srgbClr val="DDDDDD"/>
+                      </a:solidFill>
+                      <a:prstDash val="solid"/>
+                      <a:round/>
+                      <a:headEnd type="none" w="med" len="med"/>
+                      <a:tailEnd type="none" w="med" len="med"/>
+                    </a:lnT>
+                    <a:lnB w="9525" cap="flat" cmpd="sng" algn="ctr">
+                      <a:solidFill>
+                        <a:srgbClr val="DDDDDD"/>
+                      </a:solidFill>
+                      <a:prstDash val="solid"/>
+                      <a:round/>
+                      <a:headEnd type="none" w="med" len="med"/>
+                      <a:tailEnd type="none" w="med" len="med"/>
+                    </a:lnB>
+                    <a:solidFill>
+                      <a:srgbClr val="F8F8F8"/>
+                    </a:solidFill>
+                  </a:tcPr>
+                </a:tc>
+                <a:tc>
+                  <a:txBody>
+                    <a:bodyPr/>
+                    <a:lstStyle/>
+                    <a:p>
+                      <a:r>
+                        <a:rPr lang="en-US" sz="1000" dirty="0">
+                          <a:effectLst/>
+                        </a:rPr>
+                        <a:t>Project Time management</a:t>
+                      </a:r>
+                    </a:p>
+                  </a:txBody>
+                  <a:tcPr marL="35712" marR="35712" marT="16482" marB="16482" anchor="ctr">
+                    <a:lnL w="9525" cap="flat" cmpd="sng" algn="ctr">
+                      <a:solidFill>
+                        <a:srgbClr val="DDDDDD"/>
+                      </a:solidFill>
+                      <a:prstDash val="solid"/>
+                      <a:round/>
+                      <a:headEnd type="none" w="med" len="med"/>
+                      <a:tailEnd type="none" w="med" len="med"/>
+                    </a:lnL>
+                    <a:lnR w="9525" cap="flat" cmpd="sng" algn="ctr">
+                      <a:solidFill>
+                        <a:srgbClr val="DDDDDD"/>
+                      </a:solidFill>
+                      <a:prstDash val="solid"/>
+                      <a:round/>
+                      <a:headEnd type="none" w="med" len="med"/>
+                      <a:tailEnd type="none" w="med" len="med"/>
+                    </a:lnR>
+                    <a:lnT w="9525" cap="flat" cmpd="sng" algn="ctr">
+                      <a:solidFill>
+                        <a:srgbClr val="DDDDDD"/>
+                      </a:solidFill>
+                      <a:prstDash val="solid"/>
+                      <a:round/>
+                      <a:headEnd type="none" w="med" len="med"/>
+                      <a:tailEnd type="none" w="med" len="med"/>
+                    </a:lnT>
+                    <a:lnB w="9525" cap="flat" cmpd="sng" algn="ctr">
+                      <a:solidFill>
+                        <a:srgbClr val="DDDDDD"/>
+                      </a:solidFill>
+                      <a:prstDash val="solid"/>
+                      <a:round/>
+                      <a:headEnd type="none" w="med" len="med"/>
+                      <a:tailEnd type="none" w="med" len="med"/>
+                    </a:lnB>
+                    <a:solidFill>
+                      <a:srgbClr val="F8F8F8"/>
+                    </a:solidFill>
+                  </a:tcPr>
+                </a:tc>
+                <a:tc>
+                  <a:txBody>
+                    <a:bodyPr/>
+                    <a:lstStyle/>
+                    <a:p>
+                      <a:r>
+                        <a:rPr lang="en-US" sz="500">
+                          <a:effectLst/>
+                        </a:rPr>
+                        <a:t>5</a:t>
+                      </a:r>
+                    </a:p>
+                  </a:txBody>
+                  <a:tcPr marL="35712" marR="35712" marT="16482" marB="16482" anchor="ctr">
+                    <a:lnL w="9525" cap="flat" cmpd="sng" algn="ctr">
+                      <a:solidFill>
+                        <a:srgbClr val="DDDDDD"/>
+                      </a:solidFill>
+                      <a:prstDash val="solid"/>
+                      <a:round/>
+                      <a:headEnd type="none" w="med" len="med"/>
+                      <a:tailEnd type="none" w="med" len="med"/>
+                    </a:lnL>
+                    <a:lnR w="9525" cap="flat" cmpd="sng" algn="ctr">
+                      <a:solidFill>
+                        <a:srgbClr val="DDDDDD"/>
+                      </a:solidFill>
+                      <a:prstDash val="solid"/>
+                      <a:round/>
+                      <a:headEnd type="none" w="med" len="med"/>
+                      <a:tailEnd type="none" w="med" len="med"/>
+                    </a:lnR>
+                    <a:lnT w="9525" cap="flat" cmpd="sng" algn="ctr">
+                      <a:solidFill>
+                        <a:srgbClr val="DDDDDD"/>
+                      </a:solidFill>
+                      <a:prstDash val="solid"/>
+                      <a:round/>
+                      <a:headEnd type="none" w="med" len="med"/>
+                      <a:tailEnd type="none" w="med" len="med"/>
+                    </a:lnT>
+                    <a:lnB w="9525" cap="flat" cmpd="sng" algn="ctr">
+                      <a:solidFill>
+                        <a:srgbClr val="DDDDDD"/>
+                      </a:solidFill>
+                      <a:prstDash val="solid"/>
+                      <a:round/>
+                      <a:headEnd type="none" w="med" len="med"/>
+                      <a:tailEnd type="none" w="med" len="med"/>
+                    </a:lnB>
+                    <a:solidFill>
+                      <a:srgbClr val="F8F8F8"/>
+                    </a:solidFill>
+                  </a:tcPr>
+                </a:tc>
+                <a:extLst>
+                  <a:ext uri="{0D108BD9-81ED-4DB2-BD59-A6C34878D82A}">
+                    <a16:rowId xmlns:a16="http://schemas.microsoft.com/office/drawing/2014/main" val="4131497539"/>
+                  </a:ext>
+                </a:extLst>
+              </a:tr>
+              <a:tr h="111142">
+                <a:tc>
+                  <a:txBody>
+                    <a:bodyPr/>
+                    <a:lstStyle/>
+                    <a:p>
+                      <a:r>
+                        <a:rPr lang="en-US" sz="500">
+                          <a:effectLst/>
+                        </a:rPr>
+                        <a:t>P</a:t>
+                      </a:r>
+                    </a:p>
+                  </a:txBody>
+                  <a:tcPr marL="35712" marR="35712" marT="16482" marB="16482" anchor="ctr">
+                    <a:lnL w="9525" cap="flat" cmpd="sng" algn="ctr">
+                      <a:solidFill>
+                        <a:srgbClr val="DDDDDD"/>
+                      </a:solidFill>
+                      <a:prstDash val="solid"/>
+                      <a:round/>
+                      <a:headEnd type="none" w="med" len="med"/>
+                      <a:tailEnd type="none" w="med" len="med"/>
+                    </a:lnL>
+                    <a:lnR w="9525" cap="flat" cmpd="sng" algn="ctr">
+                      <a:solidFill>
+                        <a:srgbClr val="DDDDDD"/>
+                      </a:solidFill>
+                      <a:prstDash val="solid"/>
+                      <a:round/>
+                      <a:headEnd type="none" w="med" len="med"/>
+                      <a:tailEnd type="none" w="med" len="med"/>
+                    </a:lnR>
+                    <a:lnT w="9525" cap="flat" cmpd="sng" algn="ctr">
+                      <a:solidFill>
+                        <a:srgbClr val="DDDDDD"/>
+                      </a:solidFill>
+                      <a:prstDash val="solid"/>
+                      <a:round/>
+                      <a:headEnd type="none" w="med" len="med"/>
+                      <a:tailEnd type="none" w="med" len="med"/>
+                    </a:lnT>
+                    <a:lnB w="9525" cap="flat" cmpd="sng" algn="ctr">
+                      <a:solidFill>
+                        <a:srgbClr val="DDDDDD"/>
+                      </a:solidFill>
+                      <a:prstDash val="solid"/>
+                      <a:round/>
+                      <a:headEnd type="none" w="med" len="med"/>
+                      <a:tailEnd type="none" w="med" len="med"/>
+                    </a:lnB>
+                    <a:solidFill>
+                      <a:srgbClr val="FFFFFF"/>
+                    </a:solidFill>
+                  </a:tcPr>
+                </a:tc>
+                <a:tc>
+                  <a:txBody>
+                    <a:bodyPr/>
+                    <a:lstStyle/>
+                    <a:p>
+                      <a:r>
+                        <a:rPr lang="en-US" sz="1000" dirty="0">
+                          <a:effectLst/>
+                        </a:rPr>
+                        <a:t>Presentation overall quality (Clear explanation &amp; organized)</a:t>
+                      </a:r>
+                    </a:p>
+                  </a:txBody>
+                  <a:tcPr marL="35712" marR="35712" marT="16482" marB="16482" anchor="ctr">
+                    <a:lnL w="9525" cap="flat" cmpd="sng" algn="ctr">
+                      <a:solidFill>
+                        <a:srgbClr val="DDDDDD"/>
+                      </a:solidFill>
+                      <a:prstDash val="solid"/>
+                      <a:round/>
+                      <a:headEnd type="none" w="med" len="med"/>
+                      <a:tailEnd type="none" w="med" len="med"/>
+                    </a:lnL>
+                    <a:lnR w="9525" cap="flat" cmpd="sng" algn="ctr">
+                      <a:solidFill>
+                        <a:srgbClr val="DDDDDD"/>
+                      </a:solidFill>
+                      <a:prstDash val="solid"/>
+                      <a:round/>
+                      <a:headEnd type="none" w="med" len="med"/>
+                      <a:tailEnd type="none" w="med" len="med"/>
+                    </a:lnR>
+                    <a:lnT w="9525" cap="flat" cmpd="sng" algn="ctr">
+                      <a:solidFill>
+                        <a:srgbClr val="DDDDDD"/>
+                      </a:solidFill>
+                      <a:prstDash val="solid"/>
+                      <a:round/>
+                      <a:headEnd type="none" w="med" len="med"/>
+                      <a:tailEnd type="none" w="med" len="med"/>
+                    </a:lnT>
+                    <a:lnB w="9525" cap="flat" cmpd="sng" algn="ctr">
+                      <a:solidFill>
+                        <a:srgbClr val="DDDDDD"/>
+                      </a:solidFill>
+                      <a:prstDash val="solid"/>
+                      <a:round/>
+                      <a:headEnd type="none" w="med" len="med"/>
+                      <a:tailEnd type="none" w="med" len="med"/>
+                    </a:lnB>
+                    <a:solidFill>
+                      <a:srgbClr val="FFFFFF"/>
+                    </a:solidFill>
+                  </a:tcPr>
+                </a:tc>
+                <a:tc>
+                  <a:txBody>
+                    <a:bodyPr/>
+                    <a:lstStyle/>
+                    <a:p>
+                      <a:r>
+                        <a:rPr lang="en-US" sz="500">
+                          <a:effectLst/>
+                        </a:rPr>
+                        <a:t>10</a:t>
+                      </a:r>
+                    </a:p>
+                  </a:txBody>
+                  <a:tcPr marL="35712" marR="35712" marT="16482" marB="16482" anchor="ctr">
+                    <a:lnL w="9525" cap="flat" cmpd="sng" algn="ctr">
+                      <a:solidFill>
+                        <a:srgbClr val="DDDDDD"/>
+                      </a:solidFill>
+                      <a:prstDash val="solid"/>
+                      <a:round/>
+                      <a:headEnd type="none" w="med" len="med"/>
+                      <a:tailEnd type="none" w="med" len="med"/>
+                    </a:lnL>
+                    <a:lnR w="9525" cap="flat" cmpd="sng" algn="ctr">
+                      <a:solidFill>
+                        <a:srgbClr val="DDDDDD"/>
+                      </a:solidFill>
+                      <a:prstDash val="solid"/>
+                      <a:round/>
+                      <a:headEnd type="none" w="med" len="med"/>
+                      <a:tailEnd type="none" w="med" len="med"/>
+                    </a:lnR>
+                    <a:lnT w="9525" cap="flat" cmpd="sng" algn="ctr">
+                      <a:solidFill>
+                        <a:srgbClr val="DDDDDD"/>
+                      </a:solidFill>
+                      <a:prstDash val="solid"/>
+                      <a:round/>
+                      <a:headEnd type="none" w="med" len="med"/>
+                      <a:tailEnd type="none" w="med" len="med"/>
+                    </a:lnT>
+                    <a:lnB w="9525" cap="flat" cmpd="sng" algn="ctr">
+                      <a:solidFill>
+                        <a:srgbClr val="DDDDDD"/>
+                      </a:solidFill>
+                      <a:prstDash val="solid"/>
+                      <a:round/>
+                      <a:headEnd type="none" w="med" len="med"/>
+                      <a:tailEnd type="none" w="med" len="med"/>
+                    </a:lnB>
+                    <a:solidFill>
+                      <a:srgbClr val="FFFFFF"/>
+                    </a:solidFill>
+                  </a:tcPr>
+                </a:tc>
+                <a:extLst>
+                  <a:ext uri="{0D108BD9-81ED-4DB2-BD59-A6C34878D82A}">
+                    <a16:rowId xmlns:a16="http://schemas.microsoft.com/office/drawing/2014/main" val="3544640723"/>
+                  </a:ext>
+                </a:extLst>
+              </a:tr>
+              <a:tr h="111142">
+                <a:tc>
+                  <a:txBody>
+                    <a:bodyPr/>
+                    <a:lstStyle/>
+                    <a:p>
+                      <a:r>
+                        <a:rPr lang="en-US" sz="500">
+                          <a:effectLst/>
+                        </a:rPr>
+                        <a:t>P</a:t>
+                      </a:r>
+                    </a:p>
+                  </a:txBody>
+                  <a:tcPr marL="35712" marR="35712" marT="16482" marB="16482" anchor="ctr">
+                    <a:lnL w="9525" cap="flat" cmpd="sng" algn="ctr">
+                      <a:solidFill>
+                        <a:srgbClr val="DDDDDD"/>
+                      </a:solidFill>
+                      <a:prstDash val="solid"/>
+                      <a:round/>
+                      <a:headEnd type="none" w="med" len="med"/>
+                      <a:tailEnd type="none" w="med" len="med"/>
+                    </a:lnL>
+                    <a:lnR w="9525" cap="flat" cmpd="sng" algn="ctr">
+                      <a:solidFill>
+                        <a:srgbClr val="DDDDDD"/>
+                      </a:solidFill>
+                      <a:prstDash val="solid"/>
+                      <a:round/>
+                      <a:headEnd type="none" w="med" len="med"/>
+                      <a:tailEnd type="none" w="med" len="med"/>
+                    </a:lnR>
+                    <a:lnT w="9525" cap="flat" cmpd="sng" algn="ctr">
+                      <a:solidFill>
+                        <a:srgbClr val="DDDDDD"/>
+                      </a:solidFill>
+                      <a:prstDash val="solid"/>
+                      <a:round/>
+                      <a:headEnd type="none" w="med" len="med"/>
+                      <a:tailEnd type="none" w="med" len="med"/>
+                    </a:lnT>
+                    <a:lnB w="9525" cap="flat" cmpd="sng" algn="ctr">
+                      <a:solidFill>
+                        <a:srgbClr val="DDDDDD"/>
+                      </a:solidFill>
+                      <a:prstDash val="solid"/>
+                      <a:round/>
+                      <a:headEnd type="none" w="med" len="med"/>
+                      <a:tailEnd type="none" w="med" len="med"/>
+                    </a:lnB>
+                    <a:solidFill>
+                      <a:srgbClr val="F8F8F8"/>
+                    </a:solidFill>
+                  </a:tcPr>
+                </a:tc>
+                <a:tc>
+                  <a:txBody>
+                    <a:bodyPr/>
+                    <a:lstStyle/>
+                    <a:p>
+                      <a:r>
+                        <a:rPr lang="en-US" sz="1000" dirty="0">
+                          <a:effectLst/>
+                        </a:rPr>
+                        <a:t>Use visualization and Explain meaning of visualization</a:t>
+                      </a:r>
+                    </a:p>
+                  </a:txBody>
+                  <a:tcPr marL="35712" marR="35712" marT="16482" marB="16482" anchor="ctr">
+                    <a:lnL w="9525" cap="flat" cmpd="sng" algn="ctr">
+                      <a:solidFill>
+                        <a:srgbClr val="DDDDDD"/>
+                      </a:solidFill>
+                      <a:prstDash val="solid"/>
+                      <a:round/>
+                      <a:headEnd type="none" w="med" len="med"/>
+                      <a:tailEnd type="none" w="med" len="med"/>
+                    </a:lnL>
+                    <a:lnR w="9525" cap="flat" cmpd="sng" algn="ctr">
+                      <a:solidFill>
+                        <a:srgbClr val="DDDDDD"/>
+                      </a:solidFill>
+                      <a:prstDash val="solid"/>
+                      <a:round/>
+                      <a:headEnd type="none" w="med" len="med"/>
+                      <a:tailEnd type="none" w="med" len="med"/>
+                    </a:lnR>
+                    <a:lnT w="9525" cap="flat" cmpd="sng" algn="ctr">
+                      <a:solidFill>
+                        <a:srgbClr val="DDDDDD"/>
+                      </a:solidFill>
+                      <a:prstDash val="solid"/>
+                      <a:round/>
+                      <a:headEnd type="none" w="med" len="med"/>
+                      <a:tailEnd type="none" w="med" len="med"/>
+                    </a:lnT>
+                    <a:lnB w="9525" cap="flat" cmpd="sng" algn="ctr">
+                      <a:solidFill>
+                        <a:srgbClr val="DDDDDD"/>
+                      </a:solidFill>
+                      <a:prstDash val="solid"/>
+                      <a:round/>
+                      <a:headEnd type="none" w="med" len="med"/>
+                      <a:tailEnd type="none" w="med" len="med"/>
+                    </a:lnB>
+                    <a:solidFill>
+                      <a:srgbClr val="F8F8F8"/>
+                    </a:solidFill>
+                  </a:tcPr>
+                </a:tc>
+                <a:tc>
+                  <a:txBody>
+                    <a:bodyPr/>
+                    <a:lstStyle/>
+                    <a:p>
+                      <a:r>
+                        <a:rPr lang="en-US" sz="500">
+                          <a:effectLst/>
+                        </a:rPr>
+                        <a:t>5</a:t>
+                      </a:r>
+                    </a:p>
+                  </a:txBody>
+                  <a:tcPr marL="35712" marR="35712" marT="16482" marB="16482" anchor="ctr">
+                    <a:lnL w="9525" cap="flat" cmpd="sng" algn="ctr">
+                      <a:solidFill>
+                        <a:srgbClr val="DDDDDD"/>
+                      </a:solidFill>
+                      <a:prstDash val="solid"/>
+                      <a:round/>
+                      <a:headEnd type="none" w="med" len="med"/>
+                      <a:tailEnd type="none" w="med" len="med"/>
+                    </a:lnL>
+                    <a:lnR w="9525" cap="flat" cmpd="sng" algn="ctr">
+                      <a:solidFill>
+                        <a:srgbClr val="DDDDDD"/>
+                      </a:solidFill>
+                      <a:prstDash val="solid"/>
+                      <a:round/>
+                      <a:headEnd type="none" w="med" len="med"/>
+                      <a:tailEnd type="none" w="med" len="med"/>
+                    </a:lnR>
+                    <a:lnT w="9525" cap="flat" cmpd="sng" algn="ctr">
+                      <a:solidFill>
+                        <a:srgbClr val="DDDDDD"/>
+                      </a:solidFill>
+                      <a:prstDash val="solid"/>
+                      <a:round/>
+                      <a:headEnd type="none" w="med" len="med"/>
+                      <a:tailEnd type="none" w="med" len="med"/>
+                    </a:lnT>
+                    <a:lnB w="9525" cap="flat" cmpd="sng" algn="ctr">
+                      <a:solidFill>
+                        <a:srgbClr val="DDDDDD"/>
+                      </a:solidFill>
+                      <a:prstDash val="solid"/>
+                      <a:round/>
+                      <a:headEnd type="none" w="med" len="med"/>
+                      <a:tailEnd type="none" w="med" len="med"/>
+                    </a:lnB>
+                    <a:solidFill>
+                      <a:srgbClr val="F8F8F8"/>
+                    </a:solidFill>
+                  </a:tcPr>
+                </a:tc>
+                <a:extLst>
+                  <a:ext uri="{0D108BD9-81ED-4DB2-BD59-A6C34878D82A}">
+                    <a16:rowId xmlns:a16="http://schemas.microsoft.com/office/drawing/2014/main" val="305082471"/>
+                  </a:ext>
+                </a:extLst>
+              </a:tr>
+              <a:tr h="111142">
+                <a:tc>
+                  <a:txBody>
+                    <a:bodyPr/>
+                    <a:lstStyle/>
+                    <a:p>
+                      <a:r>
+                        <a:rPr lang="en-US" sz="500">
+                          <a:effectLst/>
+                        </a:rPr>
+                        <a:t>P</a:t>
+                      </a:r>
+                    </a:p>
+                  </a:txBody>
+                  <a:tcPr marL="35712" marR="35712" marT="16482" marB="16482" anchor="ctr">
+                    <a:lnL w="9525" cap="flat" cmpd="sng" algn="ctr">
+                      <a:solidFill>
+                        <a:srgbClr val="DDDDDD"/>
+                      </a:solidFill>
+                      <a:prstDash val="solid"/>
+                      <a:round/>
+                      <a:headEnd type="none" w="med" len="med"/>
+                      <a:tailEnd type="none" w="med" len="med"/>
+                    </a:lnL>
+                    <a:lnR w="9525" cap="flat" cmpd="sng" algn="ctr">
+                      <a:solidFill>
+                        <a:srgbClr val="DDDDDD"/>
+                      </a:solidFill>
+                      <a:prstDash val="solid"/>
+                      <a:round/>
+                      <a:headEnd type="none" w="med" len="med"/>
+                      <a:tailEnd type="none" w="med" len="med"/>
+                    </a:lnR>
+                    <a:lnT w="9525" cap="flat" cmpd="sng" algn="ctr">
+                      <a:solidFill>
+                        <a:srgbClr val="DDDDDD"/>
+                      </a:solidFill>
+                      <a:prstDash val="solid"/>
+                      <a:round/>
+                      <a:headEnd type="none" w="med" len="med"/>
+                      <a:tailEnd type="none" w="med" len="med"/>
+                    </a:lnT>
+                    <a:lnB w="9525" cap="flat" cmpd="sng" algn="ctr">
+                      <a:solidFill>
+                        <a:srgbClr val="DDDDDD"/>
+                      </a:solidFill>
+                      <a:prstDash val="solid"/>
+                      <a:round/>
+                      <a:headEnd type="none" w="med" len="med"/>
+                      <a:tailEnd type="none" w="med" len="med"/>
+                    </a:lnB>
+                    <a:solidFill>
+                      <a:srgbClr val="FFFFFF"/>
+                    </a:solidFill>
+                  </a:tcPr>
+                </a:tc>
+                <a:tc>
+                  <a:txBody>
+                    <a:bodyPr/>
+                    <a:lstStyle/>
+                    <a:p>
+                      <a:r>
+                        <a:rPr lang="en-US" sz="1000" dirty="0">
+                          <a:effectLst/>
+                        </a:rPr>
+                        <a:t>Explain concepts of methods</a:t>
+                      </a:r>
+                    </a:p>
+                  </a:txBody>
+                  <a:tcPr marL="35712" marR="35712" marT="16482" marB="16482" anchor="ctr">
+                    <a:lnL w="9525" cap="flat" cmpd="sng" algn="ctr">
+                      <a:solidFill>
+                        <a:srgbClr val="DDDDDD"/>
+                      </a:solidFill>
+                      <a:prstDash val="solid"/>
+                      <a:round/>
+                      <a:headEnd type="none" w="med" len="med"/>
+                      <a:tailEnd type="none" w="med" len="med"/>
+                    </a:lnL>
+                    <a:lnR w="9525" cap="flat" cmpd="sng" algn="ctr">
+                      <a:solidFill>
+                        <a:srgbClr val="DDDDDD"/>
+                      </a:solidFill>
+                      <a:prstDash val="solid"/>
+                      <a:round/>
+                      <a:headEnd type="none" w="med" len="med"/>
+                      <a:tailEnd type="none" w="med" len="med"/>
+                    </a:lnR>
+                    <a:lnT w="9525" cap="flat" cmpd="sng" algn="ctr">
+                      <a:solidFill>
+                        <a:srgbClr val="DDDDDD"/>
+                      </a:solidFill>
+                      <a:prstDash val="solid"/>
+                      <a:round/>
+                      <a:headEnd type="none" w="med" len="med"/>
+                      <a:tailEnd type="none" w="med" len="med"/>
+                    </a:lnT>
+                    <a:lnB w="9525" cap="flat" cmpd="sng" algn="ctr">
+                      <a:solidFill>
+                        <a:srgbClr val="DDDDDD"/>
+                      </a:solidFill>
+                      <a:prstDash val="solid"/>
+                      <a:round/>
+                      <a:headEnd type="none" w="med" len="med"/>
+                      <a:tailEnd type="none" w="med" len="med"/>
+                    </a:lnB>
+                    <a:solidFill>
+                      <a:srgbClr val="FFFFFF"/>
+                    </a:solidFill>
+                  </a:tcPr>
+                </a:tc>
+                <a:tc>
+                  <a:txBody>
+                    <a:bodyPr/>
+                    <a:lstStyle/>
+                    <a:p>
+                      <a:r>
+                        <a:rPr lang="en-US" sz="500">
+                          <a:effectLst/>
+                        </a:rPr>
+                        <a:t>5</a:t>
+                      </a:r>
+                    </a:p>
+                  </a:txBody>
+                  <a:tcPr marL="35712" marR="35712" marT="16482" marB="16482" anchor="ctr">
+                    <a:lnL w="9525" cap="flat" cmpd="sng" algn="ctr">
+                      <a:solidFill>
+                        <a:srgbClr val="DDDDDD"/>
+                      </a:solidFill>
+                      <a:prstDash val="solid"/>
+                      <a:round/>
+                      <a:headEnd type="none" w="med" len="med"/>
+                      <a:tailEnd type="none" w="med" len="med"/>
+                    </a:lnL>
+                    <a:lnR w="9525" cap="flat" cmpd="sng" algn="ctr">
+                      <a:solidFill>
+                        <a:srgbClr val="DDDDDD"/>
+                      </a:solidFill>
+                      <a:prstDash val="solid"/>
+                      <a:round/>
+                      <a:headEnd type="none" w="med" len="med"/>
+                      <a:tailEnd type="none" w="med" len="med"/>
+                    </a:lnR>
+                    <a:lnT w="9525" cap="flat" cmpd="sng" algn="ctr">
+                      <a:solidFill>
+                        <a:srgbClr val="DDDDDD"/>
+                      </a:solidFill>
+                      <a:prstDash val="solid"/>
+                      <a:round/>
+                      <a:headEnd type="none" w="med" len="med"/>
+                      <a:tailEnd type="none" w="med" len="med"/>
+                    </a:lnT>
+                    <a:lnB w="9525" cap="flat" cmpd="sng" algn="ctr">
+                      <a:solidFill>
+                        <a:srgbClr val="DDDDDD"/>
+                      </a:solidFill>
+                      <a:prstDash val="solid"/>
+                      <a:round/>
+                      <a:headEnd type="none" w="med" len="med"/>
+                      <a:tailEnd type="none" w="med" len="med"/>
+                    </a:lnB>
+                    <a:solidFill>
+                      <a:srgbClr val="FFFFFF"/>
+                    </a:solidFill>
+                  </a:tcPr>
+                </a:tc>
+                <a:extLst>
+                  <a:ext uri="{0D108BD9-81ED-4DB2-BD59-A6C34878D82A}">
+                    <a16:rowId xmlns:a16="http://schemas.microsoft.com/office/drawing/2014/main" val="2156016492"/>
+                  </a:ext>
+                </a:extLst>
+              </a:tr>
+              <a:tr h="111142">
+                <a:tc>
+                  <a:txBody>
+                    <a:bodyPr/>
+                    <a:lstStyle/>
+                    <a:p>
+                      <a:r>
+                        <a:rPr lang="en-US" sz="500">
+                          <a:effectLst/>
+                        </a:rPr>
+                        <a:t>P</a:t>
+                      </a:r>
+                    </a:p>
+                  </a:txBody>
+                  <a:tcPr marL="35712" marR="35712" marT="16482" marB="16482" anchor="ctr">
+                    <a:lnL w="9525" cap="flat" cmpd="sng" algn="ctr">
+                      <a:solidFill>
+                        <a:srgbClr val="DDDDDD"/>
+                      </a:solidFill>
+                      <a:prstDash val="solid"/>
+                      <a:round/>
+                      <a:headEnd type="none" w="med" len="med"/>
+                      <a:tailEnd type="none" w="med" len="med"/>
+                    </a:lnL>
+                    <a:lnR w="9525" cap="flat" cmpd="sng" algn="ctr">
+                      <a:solidFill>
+                        <a:srgbClr val="DDDDDD"/>
+                      </a:solidFill>
+                      <a:prstDash val="solid"/>
+                      <a:round/>
+                      <a:headEnd type="none" w="med" len="med"/>
+                      <a:tailEnd type="none" w="med" len="med"/>
+                    </a:lnR>
+                    <a:lnT w="9525" cap="flat" cmpd="sng" algn="ctr">
+                      <a:solidFill>
+                        <a:srgbClr val="DDDDDD"/>
+                      </a:solidFill>
+                      <a:prstDash val="solid"/>
+                      <a:round/>
+                      <a:headEnd type="none" w="med" len="med"/>
+                      <a:tailEnd type="none" w="med" len="med"/>
+                    </a:lnT>
+                    <a:lnB w="9525" cap="flat" cmpd="sng" algn="ctr">
+                      <a:solidFill>
+                        <a:srgbClr val="DDDDDD"/>
+                      </a:solidFill>
+                      <a:prstDash val="solid"/>
+                      <a:round/>
+                      <a:headEnd type="none" w="med" len="med"/>
+                      <a:tailEnd type="none" w="med" len="med"/>
+                    </a:lnB>
+                    <a:solidFill>
+                      <a:srgbClr val="F8F8F8"/>
+                    </a:solidFill>
+                  </a:tcPr>
+                </a:tc>
+                <a:tc>
+                  <a:txBody>
+                    <a:bodyPr/>
+                    <a:lstStyle/>
+                    <a:p>
+                      <a:r>
+                        <a:rPr lang="en-US" sz="1000" dirty="0">
+                          <a:effectLst/>
+                        </a:rPr>
+                        <a:t>Presentation time management</a:t>
+                      </a:r>
+                    </a:p>
+                  </a:txBody>
+                  <a:tcPr marL="35712" marR="35712" marT="16482" marB="16482" anchor="ctr">
+                    <a:lnL w="9525" cap="flat" cmpd="sng" algn="ctr">
+                      <a:solidFill>
+                        <a:srgbClr val="DDDDDD"/>
+                      </a:solidFill>
+                      <a:prstDash val="solid"/>
+                      <a:round/>
+                      <a:headEnd type="none" w="med" len="med"/>
+                      <a:tailEnd type="none" w="med" len="med"/>
+                    </a:lnL>
+                    <a:lnR w="9525" cap="flat" cmpd="sng" algn="ctr">
+                      <a:solidFill>
+                        <a:srgbClr val="DDDDDD"/>
+                      </a:solidFill>
+                      <a:prstDash val="solid"/>
+                      <a:round/>
+                      <a:headEnd type="none" w="med" len="med"/>
+                      <a:tailEnd type="none" w="med" len="med"/>
+                    </a:lnR>
+                    <a:lnT w="9525" cap="flat" cmpd="sng" algn="ctr">
+                      <a:solidFill>
+                        <a:srgbClr val="DDDDDD"/>
+                      </a:solidFill>
+                      <a:prstDash val="solid"/>
+                      <a:round/>
+                      <a:headEnd type="none" w="med" len="med"/>
+                      <a:tailEnd type="none" w="med" len="med"/>
+                    </a:lnT>
+                    <a:lnB w="9525" cap="flat" cmpd="sng" algn="ctr">
+                      <a:solidFill>
+                        <a:srgbClr val="DDDDDD"/>
+                      </a:solidFill>
+                      <a:prstDash val="solid"/>
+                      <a:round/>
+                      <a:headEnd type="none" w="med" len="med"/>
+                      <a:tailEnd type="none" w="med" len="med"/>
+                    </a:lnB>
+                    <a:solidFill>
+                      <a:srgbClr val="F8F8F8"/>
+                    </a:solidFill>
+                  </a:tcPr>
+                </a:tc>
+                <a:tc>
+                  <a:txBody>
+                    <a:bodyPr/>
+                    <a:lstStyle/>
+                    <a:p>
+                      <a:r>
+                        <a:rPr lang="en-US" sz="500">
+                          <a:effectLst/>
+                        </a:rPr>
+                        <a:t>5</a:t>
+                      </a:r>
+                    </a:p>
+                  </a:txBody>
+                  <a:tcPr marL="35712" marR="35712" marT="16482" marB="16482" anchor="ctr">
+                    <a:lnL w="9525" cap="flat" cmpd="sng" algn="ctr">
+                      <a:solidFill>
+                        <a:srgbClr val="DDDDDD"/>
+                      </a:solidFill>
+                      <a:prstDash val="solid"/>
+                      <a:round/>
+                      <a:headEnd type="none" w="med" len="med"/>
+                      <a:tailEnd type="none" w="med" len="med"/>
+                    </a:lnL>
+                    <a:lnR w="9525" cap="flat" cmpd="sng" algn="ctr">
+                      <a:solidFill>
+                        <a:srgbClr val="DDDDDD"/>
+                      </a:solidFill>
+                      <a:prstDash val="solid"/>
+                      <a:round/>
+                      <a:headEnd type="none" w="med" len="med"/>
+                      <a:tailEnd type="none" w="med" len="med"/>
+                    </a:lnR>
+                    <a:lnT w="9525" cap="flat" cmpd="sng" algn="ctr">
+                      <a:solidFill>
+                        <a:srgbClr val="DDDDDD"/>
+                      </a:solidFill>
+                      <a:prstDash val="solid"/>
+                      <a:round/>
+                      <a:headEnd type="none" w="med" len="med"/>
+                      <a:tailEnd type="none" w="med" len="med"/>
+                    </a:lnT>
+                    <a:lnB w="9525" cap="flat" cmpd="sng" algn="ctr">
+                      <a:solidFill>
+                        <a:srgbClr val="DDDDDD"/>
+                      </a:solidFill>
+                      <a:prstDash val="solid"/>
+                      <a:round/>
+                      <a:headEnd type="none" w="med" len="med"/>
+                      <a:tailEnd type="none" w="med" len="med"/>
+                    </a:lnB>
+                    <a:solidFill>
+                      <a:srgbClr val="F8F8F8"/>
+                    </a:solidFill>
+                  </a:tcPr>
+                </a:tc>
+                <a:extLst>
+                  <a:ext uri="{0D108BD9-81ED-4DB2-BD59-A6C34878D82A}">
+                    <a16:rowId xmlns:a16="http://schemas.microsoft.com/office/drawing/2014/main" val="4173586929"/>
+                  </a:ext>
+                </a:extLst>
+              </a:tr>
+              <a:tr h="111142">
+                <a:tc>
+                  <a:txBody>
+                    <a:bodyPr/>
+                    <a:lstStyle/>
+                    <a:p>
+                      <a:r>
+                        <a:rPr lang="en-US" sz="500">
+                          <a:effectLst/>
+                        </a:rPr>
+                        <a:t>G</a:t>
+                      </a:r>
+                    </a:p>
+                  </a:txBody>
+                  <a:tcPr marL="35712" marR="35712" marT="16482" marB="16482" anchor="ctr">
+                    <a:lnL w="9525" cap="flat" cmpd="sng" algn="ctr">
+                      <a:solidFill>
+                        <a:srgbClr val="DDDDDD"/>
+                      </a:solidFill>
+                      <a:prstDash val="solid"/>
+                      <a:round/>
+                      <a:headEnd type="none" w="med" len="med"/>
+                      <a:tailEnd type="none" w="med" len="med"/>
+                    </a:lnL>
+                    <a:lnR w="9525" cap="flat" cmpd="sng" algn="ctr">
+                      <a:solidFill>
+                        <a:srgbClr val="DDDDDD"/>
+                      </a:solidFill>
+                      <a:prstDash val="solid"/>
+                      <a:round/>
+                      <a:headEnd type="none" w="med" len="med"/>
+                      <a:tailEnd type="none" w="med" len="med"/>
+                    </a:lnR>
+                    <a:lnT w="9525" cap="flat" cmpd="sng" algn="ctr">
+                      <a:solidFill>
+                        <a:srgbClr val="DDDDDD"/>
+                      </a:solidFill>
+                      <a:prstDash val="solid"/>
+                      <a:round/>
+                      <a:headEnd type="none" w="med" len="med"/>
+                      <a:tailEnd type="none" w="med" len="med"/>
+                    </a:lnT>
+                    <a:lnB w="9525" cap="flat" cmpd="sng" algn="ctr">
+                      <a:solidFill>
+                        <a:srgbClr val="DDDDDD"/>
+                      </a:solidFill>
+                      <a:prstDash val="solid"/>
+                      <a:round/>
+                      <a:headEnd type="none" w="med" len="med"/>
+                      <a:tailEnd type="none" w="med" len="med"/>
+                    </a:lnB>
+                    <a:solidFill>
+                      <a:srgbClr val="FFFFFF"/>
+                    </a:solidFill>
+                  </a:tcPr>
+                </a:tc>
+                <a:tc>
+                  <a:txBody>
+                    <a:bodyPr/>
+                    <a:lstStyle/>
+                    <a:p>
+                      <a:r>
+                        <a:rPr lang="en-US" sz="1000" dirty="0">
+                          <a:effectLst/>
+                        </a:rPr>
+                        <a:t>Overall tidiness, Code organized and commented</a:t>
+                      </a:r>
+                    </a:p>
+                  </a:txBody>
+                  <a:tcPr marL="35712" marR="35712" marT="16482" marB="16482" anchor="ctr">
+                    <a:lnL w="9525" cap="flat" cmpd="sng" algn="ctr">
+                      <a:solidFill>
+                        <a:srgbClr val="DDDDDD"/>
+                      </a:solidFill>
+                      <a:prstDash val="solid"/>
+                      <a:round/>
+                      <a:headEnd type="none" w="med" len="med"/>
+                      <a:tailEnd type="none" w="med" len="med"/>
+                    </a:lnL>
+                    <a:lnR w="9525" cap="flat" cmpd="sng" algn="ctr">
+                      <a:solidFill>
+                        <a:srgbClr val="DDDDDD"/>
+                      </a:solidFill>
+                      <a:prstDash val="solid"/>
+                      <a:round/>
+                      <a:headEnd type="none" w="med" len="med"/>
+                      <a:tailEnd type="none" w="med" len="med"/>
+                    </a:lnR>
+                    <a:lnT w="9525" cap="flat" cmpd="sng" algn="ctr">
+                      <a:solidFill>
+                        <a:srgbClr val="DDDDDD"/>
+                      </a:solidFill>
+                      <a:prstDash val="solid"/>
+                      <a:round/>
+                      <a:headEnd type="none" w="med" len="med"/>
+                      <a:tailEnd type="none" w="med" len="med"/>
+                    </a:lnT>
+                    <a:lnB w="9525" cap="flat" cmpd="sng" algn="ctr">
+                      <a:solidFill>
+                        <a:srgbClr val="DDDDDD"/>
+                      </a:solidFill>
+                      <a:prstDash val="solid"/>
+                      <a:round/>
+                      <a:headEnd type="none" w="med" len="med"/>
+                      <a:tailEnd type="none" w="med" len="med"/>
+                    </a:lnB>
+                    <a:solidFill>
+                      <a:srgbClr val="FFFFFF"/>
+                    </a:solidFill>
+                  </a:tcPr>
+                </a:tc>
+                <a:tc>
+                  <a:txBody>
+                    <a:bodyPr/>
+                    <a:lstStyle/>
+                    <a:p>
+                      <a:r>
+                        <a:rPr lang="en-US" sz="500">
+                          <a:effectLst/>
+                        </a:rPr>
+                        <a:t>5</a:t>
+                      </a:r>
+                    </a:p>
+                  </a:txBody>
+                  <a:tcPr marL="35712" marR="35712" marT="16482" marB="16482" anchor="ctr">
+                    <a:lnL w="9525" cap="flat" cmpd="sng" algn="ctr">
+                      <a:solidFill>
+                        <a:srgbClr val="DDDDDD"/>
+                      </a:solidFill>
+                      <a:prstDash val="solid"/>
+                      <a:round/>
+                      <a:headEnd type="none" w="med" len="med"/>
+                      <a:tailEnd type="none" w="med" len="med"/>
+                    </a:lnL>
+                    <a:lnR w="9525" cap="flat" cmpd="sng" algn="ctr">
+                      <a:solidFill>
+                        <a:srgbClr val="DDDDDD"/>
+                      </a:solidFill>
+                      <a:prstDash val="solid"/>
+                      <a:round/>
+                      <a:headEnd type="none" w="med" len="med"/>
+                      <a:tailEnd type="none" w="med" len="med"/>
+                    </a:lnR>
+                    <a:lnT w="9525" cap="flat" cmpd="sng" algn="ctr">
+                      <a:solidFill>
+                        <a:srgbClr val="DDDDDD"/>
+                      </a:solidFill>
+                      <a:prstDash val="solid"/>
+                      <a:round/>
+                      <a:headEnd type="none" w="med" len="med"/>
+                      <a:tailEnd type="none" w="med" len="med"/>
+                    </a:lnT>
+                    <a:lnB w="9525" cap="flat" cmpd="sng" algn="ctr">
+                      <a:solidFill>
+                        <a:srgbClr val="DDDDDD"/>
+                      </a:solidFill>
+                      <a:prstDash val="solid"/>
+                      <a:round/>
+                      <a:headEnd type="none" w="med" len="med"/>
+                      <a:tailEnd type="none" w="med" len="med"/>
+                    </a:lnB>
+                    <a:solidFill>
+                      <a:srgbClr val="FFFFFF"/>
+                    </a:solidFill>
+                  </a:tcPr>
+                </a:tc>
+                <a:extLst>
+                  <a:ext uri="{0D108BD9-81ED-4DB2-BD59-A6C34878D82A}">
+                    <a16:rowId xmlns:a16="http://schemas.microsoft.com/office/drawing/2014/main" val="2494432695"/>
+                  </a:ext>
+                </a:extLst>
+              </a:tr>
+              <a:tr h="346501">
+                <a:tc>
+                  <a:txBody>
+                    <a:bodyPr/>
+                    <a:lstStyle/>
+                    <a:p>
+                      <a:r>
+                        <a:rPr lang="en-US" sz="500">
+                          <a:effectLst/>
+                        </a:rPr>
+                        <a:t>G</a:t>
+                      </a:r>
+                    </a:p>
+                  </a:txBody>
+                  <a:tcPr marL="35712" marR="35712" marT="16482" marB="16482" anchor="ctr">
+                    <a:lnL w="9525" cap="flat" cmpd="sng" algn="ctr">
+                      <a:solidFill>
+                        <a:srgbClr val="DDDDDD"/>
+                      </a:solidFill>
+                      <a:prstDash val="solid"/>
+                      <a:round/>
+                      <a:headEnd type="none" w="med" len="med"/>
+                      <a:tailEnd type="none" w="med" len="med"/>
+                    </a:lnL>
+                    <a:lnR w="9525" cap="flat" cmpd="sng" algn="ctr">
+                      <a:solidFill>
+                        <a:srgbClr val="DDDDDD"/>
+                      </a:solidFill>
+                      <a:prstDash val="solid"/>
+                      <a:round/>
+                      <a:headEnd type="none" w="med" len="med"/>
+                      <a:tailEnd type="none" w="med" len="med"/>
+                    </a:lnR>
+                    <a:lnT w="9525" cap="flat" cmpd="sng" algn="ctr">
+                      <a:solidFill>
+                        <a:srgbClr val="DDDDDD"/>
+                      </a:solidFill>
+                      <a:prstDash val="solid"/>
+                      <a:round/>
+                      <a:headEnd type="none" w="med" len="med"/>
+                      <a:tailEnd type="none" w="med" len="med"/>
+                    </a:lnT>
+                    <a:lnB w="9525" cap="flat" cmpd="sng" algn="ctr">
+                      <a:solidFill>
+                        <a:srgbClr val="DDDDDD"/>
+                      </a:solidFill>
+                      <a:prstDash val="solid"/>
+                      <a:round/>
+                      <a:headEnd type="none" w="med" len="med"/>
+                      <a:tailEnd type="none" w="med" len="med"/>
+                    </a:lnB>
+                    <a:solidFill>
+                      <a:srgbClr val="F8F8F8"/>
+                    </a:solidFill>
+                  </a:tcPr>
+                </a:tc>
+                <a:tc>
+                  <a:txBody>
+                    <a:bodyPr/>
+                    <a:lstStyle/>
+                    <a:p>
+                      <a:r>
+                        <a:rPr lang="en-US" sz="1000" dirty="0">
+                          <a:effectLst/>
+                        </a:rPr>
+                        <a:t>Project summary </a:t>
+                      </a:r>
+                      <a:br>
+                        <a:rPr lang="en-US" sz="1000" dirty="0">
+                          <a:effectLst/>
+                        </a:rPr>
+                      </a:br>
+                      <a:r>
+                        <a:rPr lang="en-US" sz="1000" dirty="0">
+                          <a:effectLst/>
+                        </a:rPr>
+                        <a:t>- better if summary is on landing page or easy to find. </a:t>
+                      </a:r>
+                      <a:br>
+                        <a:rPr lang="en-US" sz="1000" dirty="0">
+                          <a:effectLst/>
+                        </a:rPr>
+                      </a:br>
+                      <a:r>
+                        <a:rPr lang="en-US" sz="1000" dirty="0">
+                          <a:effectLst/>
+                        </a:rPr>
+                        <a:t>- include visualization visible on the page</a:t>
+                      </a:r>
+                      <a:br>
+                        <a:rPr lang="en-US" sz="1000" dirty="0">
+                          <a:effectLst/>
+                        </a:rPr>
+                      </a:br>
+                      <a:endParaRPr lang="en-US" sz="1000" dirty="0">
+                        <a:effectLst/>
+                      </a:endParaRPr>
+                    </a:p>
+                  </a:txBody>
+                  <a:tcPr marL="35712" marR="35712" marT="16482" marB="16482" anchor="ctr">
+                    <a:lnL w="9525" cap="flat" cmpd="sng" algn="ctr">
+                      <a:solidFill>
+                        <a:srgbClr val="DDDDDD"/>
+                      </a:solidFill>
+                      <a:prstDash val="solid"/>
+                      <a:round/>
+                      <a:headEnd type="none" w="med" len="med"/>
+                      <a:tailEnd type="none" w="med" len="med"/>
+                    </a:lnL>
+                    <a:lnR w="9525" cap="flat" cmpd="sng" algn="ctr">
+                      <a:solidFill>
+                        <a:srgbClr val="DDDDDD"/>
+                      </a:solidFill>
+                      <a:prstDash val="solid"/>
+                      <a:round/>
+                      <a:headEnd type="none" w="med" len="med"/>
+                      <a:tailEnd type="none" w="med" len="med"/>
+                    </a:lnR>
+                    <a:lnT w="9525" cap="flat" cmpd="sng" algn="ctr">
+                      <a:solidFill>
+                        <a:srgbClr val="DDDDDD"/>
+                      </a:solidFill>
+                      <a:prstDash val="solid"/>
+                      <a:round/>
+                      <a:headEnd type="none" w="med" len="med"/>
+                      <a:tailEnd type="none" w="med" len="med"/>
+                    </a:lnT>
+                    <a:lnB w="9525" cap="flat" cmpd="sng" algn="ctr">
+                      <a:solidFill>
+                        <a:srgbClr val="DDDDDD"/>
+                      </a:solidFill>
+                      <a:prstDash val="solid"/>
+                      <a:round/>
+                      <a:headEnd type="none" w="med" len="med"/>
+                      <a:tailEnd type="none" w="med" len="med"/>
+                    </a:lnB>
+                    <a:solidFill>
+                      <a:srgbClr val="F8F8F8"/>
+                    </a:solidFill>
+                  </a:tcPr>
+                </a:tc>
+                <a:tc>
+                  <a:txBody>
+                    <a:bodyPr/>
+                    <a:lstStyle/>
+                    <a:p>
+                      <a:r>
+                        <a:rPr lang="en-US" sz="500">
+                          <a:effectLst/>
+                        </a:rPr>
+                        <a:t>10</a:t>
+                      </a:r>
+                    </a:p>
+                  </a:txBody>
+                  <a:tcPr marL="35712" marR="35712" marT="16482" marB="16482" anchor="ctr">
+                    <a:lnL w="9525" cap="flat" cmpd="sng" algn="ctr">
+                      <a:solidFill>
+                        <a:srgbClr val="DDDDDD"/>
+                      </a:solidFill>
+                      <a:prstDash val="solid"/>
+                      <a:round/>
+                      <a:headEnd type="none" w="med" len="med"/>
+                      <a:tailEnd type="none" w="med" len="med"/>
+                    </a:lnL>
+                    <a:lnR w="9525" cap="flat" cmpd="sng" algn="ctr">
+                      <a:solidFill>
+                        <a:srgbClr val="DDDDDD"/>
+                      </a:solidFill>
+                      <a:prstDash val="solid"/>
+                      <a:round/>
+                      <a:headEnd type="none" w="med" len="med"/>
+                      <a:tailEnd type="none" w="med" len="med"/>
+                    </a:lnR>
+                    <a:lnT w="9525" cap="flat" cmpd="sng" algn="ctr">
+                      <a:solidFill>
+                        <a:srgbClr val="DDDDDD"/>
+                      </a:solidFill>
+                      <a:prstDash val="solid"/>
+                      <a:round/>
+                      <a:headEnd type="none" w="med" len="med"/>
+                      <a:tailEnd type="none" w="med" len="med"/>
+                    </a:lnT>
+                    <a:lnB w="9525" cap="flat" cmpd="sng" algn="ctr">
+                      <a:solidFill>
+                        <a:srgbClr val="DDDDDD"/>
+                      </a:solidFill>
+                      <a:prstDash val="solid"/>
+                      <a:round/>
+                      <a:headEnd type="none" w="med" len="med"/>
+                      <a:tailEnd type="none" w="med" len="med"/>
+                    </a:lnB>
+                    <a:solidFill>
+                      <a:srgbClr val="F8F8F8"/>
+                    </a:solidFill>
+                  </a:tcPr>
+                </a:tc>
+                <a:extLst>
+                  <a:ext uri="{0D108BD9-81ED-4DB2-BD59-A6C34878D82A}">
+                    <a16:rowId xmlns:a16="http://schemas.microsoft.com/office/drawing/2014/main" val="114803668"/>
+                  </a:ext>
+                </a:extLst>
+              </a:tr>
+              <a:tr h="111142">
+                <a:tc>
+                  <a:txBody>
+                    <a:bodyPr/>
+                    <a:lstStyle/>
+                    <a:p>
+                      <a:r>
+                        <a:rPr lang="en-US" sz="500">
+                          <a:effectLst/>
+                        </a:rPr>
+                        <a:t>B</a:t>
+                      </a:r>
+                    </a:p>
+                  </a:txBody>
+                  <a:tcPr marL="35712" marR="35712" marT="16482" marB="16482" anchor="ctr">
+                    <a:lnL w="9525" cap="flat" cmpd="sng" algn="ctr">
+                      <a:solidFill>
+                        <a:srgbClr val="DDDDDD"/>
+                      </a:solidFill>
+                      <a:prstDash val="solid"/>
+                      <a:round/>
+                      <a:headEnd type="none" w="med" len="med"/>
+                      <a:tailEnd type="none" w="med" len="med"/>
+                    </a:lnL>
+                    <a:lnR w="9525" cap="flat" cmpd="sng" algn="ctr">
+                      <a:solidFill>
+                        <a:srgbClr val="DDDDDD"/>
+                      </a:solidFill>
+                      <a:prstDash val="solid"/>
+                      <a:round/>
+                      <a:headEnd type="none" w="med" len="med"/>
+                      <a:tailEnd type="none" w="med" len="med"/>
+                    </a:lnR>
+                    <a:lnT w="9525" cap="flat" cmpd="sng" algn="ctr">
+                      <a:solidFill>
+                        <a:srgbClr val="DDDDDD"/>
+                      </a:solidFill>
+                      <a:prstDash val="solid"/>
+                      <a:round/>
+                      <a:headEnd type="none" w="med" len="med"/>
+                      <a:tailEnd type="none" w="med" len="med"/>
+                    </a:lnT>
+                    <a:lnB w="9525" cap="flat" cmpd="sng" algn="ctr">
+                      <a:solidFill>
+                        <a:srgbClr val="DDDDDD"/>
+                      </a:solidFill>
+                      <a:prstDash val="solid"/>
+                      <a:round/>
+                      <a:headEnd type="none" w="med" len="med"/>
+                      <a:tailEnd type="none" w="med" len="med"/>
+                    </a:lnB>
+                    <a:solidFill>
+                      <a:srgbClr val="FFFFFF"/>
+                    </a:solidFill>
+                  </a:tcPr>
+                </a:tc>
+                <a:tc>
+                  <a:txBody>
+                    <a:bodyPr/>
+                    <a:lstStyle/>
+                    <a:p>
+                      <a:r>
+                        <a:rPr lang="en-US" sz="1000" dirty="0">
+                          <a:effectLst/>
+                        </a:rPr>
+                        <a:t>Communication, progress report</a:t>
+                      </a:r>
+                    </a:p>
+                  </a:txBody>
+                  <a:tcPr marL="35712" marR="35712" marT="16482" marB="16482" anchor="ctr">
+                    <a:lnL w="9525" cap="flat" cmpd="sng" algn="ctr">
+                      <a:solidFill>
+                        <a:srgbClr val="DDDDDD"/>
+                      </a:solidFill>
+                      <a:prstDash val="solid"/>
+                      <a:round/>
+                      <a:headEnd type="none" w="med" len="med"/>
+                      <a:tailEnd type="none" w="med" len="med"/>
+                    </a:lnL>
+                    <a:lnR w="9525" cap="flat" cmpd="sng" algn="ctr">
+                      <a:solidFill>
+                        <a:srgbClr val="DDDDDD"/>
+                      </a:solidFill>
+                      <a:prstDash val="solid"/>
+                      <a:round/>
+                      <a:headEnd type="none" w="med" len="med"/>
+                      <a:tailEnd type="none" w="med" len="med"/>
+                    </a:lnR>
+                    <a:lnT w="9525" cap="flat" cmpd="sng" algn="ctr">
+                      <a:solidFill>
+                        <a:srgbClr val="DDDDDD"/>
+                      </a:solidFill>
+                      <a:prstDash val="solid"/>
+                      <a:round/>
+                      <a:headEnd type="none" w="med" len="med"/>
+                      <a:tailEnd type="none" w="med" len="med"/>
+                    </a:lnT>
+                    <a:lnB w="9525" cap="flat" cmpd="sng" algn="ctr">
+                      <a:solidFill>
+                        <a:srgbClr val="DDDDDD"/>
+                      </a:solidFill>
+                      <a:prstDash val="solid"/>
+                      <a:round/>
+                      <a:headEnd type="none" w="med" len="med"/>
+                      <a:tailEnd type="none" w="med" len="med"/>
+                    </a:lnB>
+                    <a:solidFill>
+                      <a:srgbClr val="FFFFFF"/>
+                    </a:solidFill>
+                  </a:tcPr>
+                </a:tc>
+                <a:tc>
+                  <a:txBody>
+                    <a:bodyPr/>
+                    <a:lstStyle/>
+                    <a:p>
+                      <a:r>
+                        <a:rPr lang="en-US" sz="500" dirty="0">
+                          <a:effectLst/>
+                        </a:rPr>
+                        <a:t>10</a:t>
+                      </a:r>
+                    </a:p>
+                  </a:txBody>
+                  <a:tcPr marL="35712" marR="35712" marT="16482" marB="16482" anchor="ctr">
+                    <a:lnL w="9525" cap="flat" cmpd="sng" algn="ctr">
+                      <a:solidFill>
+                        <a:srgbClr val="DDDDDD"/>
+                      </a:solidFill>
+                      <a:prstDash val="solid"/>
+                      <a:round/>
+                      <a:headEnd type="none" w="med" len="med"/>
+                      <a:tailEnd type="none" w="med" len="med"/>
+                    </a:lnL>
+                    <a:lnR w="9525" cap="flat" cmpd="sng" algn="ctr">
+                      <a:solidFill>
+                        <a:srgbClr val="DDDDDD"/>
+                      </a:solidFill>
+                      <a:prstDash val="solid"/>
+                      <a:round/>
+                      <a:headEnd type="none" w="med" len="med"/>
+                      <a:tailEnd type="none" w="med" len="med"/>
+                    </a:lnR>
+                    <a:lnT w="9525" cap="flat" cmpd="sng" algn="ctr">
+                      <a:solidFill>
+                        <a:srgbClr val="DDDDDD"/>
+                      </a:solidFill>
+                      <a:prstDash val="solid"/>
+                      <a:round/>
+                      <a:headEnd type="none" w="med" len="med"/>
+                      <a:tailEnd type="none" w="med" len="med"/>
+                    </a:lnT>
+                    <a:lnB w="9525" cap="flat" cmpd="sng" algn="ctr">
+                      <a:solidFill>
+                        <a:srgbClr val="DDDDDD"/>
+                      </a:solidFill>
+                      <a:prstDash val="solid"/>
+                      <a:round/>
+                      <a:headEnd type="none" w="med" len="med"/>
+                      <a:tailEnd type="none" w="med" len="med"/>
+                    </a:lnB>
+                    <a:solidFill>
+                      <a:srgbClr val="FFFFFF"/>
+                    </a:solidFill>
+                  </a:tcPr>
+                </a:tc>
+                <a:extLst>
+                  <a:ext uri="{0D108BD9-81ED-4DB2-BD59-A6C34878D82A}">
+                    <a16:rowId xmlns:a16="http://schemas.microsoft.com/office/drawing/2014/main" val="2675293672"/>
+                  </a:ext>
+                </a:extLst>
+              </a:tr>
+            </a:tbl>
+          </a:graphicData>
+        </a:graphic>
+      </p:graphicFrame>
     </p:spTree>
     <p:extLst>
       <p:ext uri="{BB962C8B-B14F-4D97-AF65-F5344CB8AC3E}">
-        <p14:creationId xmlns:p14="http://schemas.microsoft.com/office/powerpoint/2010/main" val="1639802680"/>
+        <p14:creationId xmlns:p14="http://schemas.microsoft.com/office/powerpoint/2010/main" val="822304502"/>
       </p:ext>
     </p:extLst>
   </p:cSld>
   <p:clrMapOvr>
     <a:masterClrMapping/>
   </p:clrMapOvr>
-  <p:timing>
-    <p:tnLst>
-      <p:par>
-        <p:cTn id="1" dur="indefinite" restart="never" nodeType="tmRoot"/>
-      </p:par>
-    </p:tnLst>
-  </p:timing>
 </p:sld>
 </file>
 
@@ -9807,102 +16116,89 @@
           <a:lstStyle/>
           <a:p>
             <a:r>
-              <a:rPr lang="en-US" dirty="0" smtClean="0"/>
+              <a:rPr lang="en-US" sz="2200" dirty="0" smtClean="0"/>
               <a:t>Exploratory data analysis tools used</a:t>
             </a:r>
           </a:p>
           <a:p>
             <a:pPr lvl="1"/>
             <a:r>
-              <a:rPr lang="en-US" dirty="0" smtClean="0"/>
+              <a:rPr lang="en-US" sz="2200" dirty="0" smtClean="0"/>
               <a:t>Excel</a:t>
             </a:r>
           </a:p>
           <a:p>
             <a:pPr lvl="1"/>
             <a:r>
-              <a:rPr lang="en-US" dirty="0" smtClean="0"/>
+              <a:rPr lang="en-US" sz="2200" dirty="0" smtClean="0"/>
               <a:t>Tableau </a:t>
             </a:r>
           </a:p>
           <a:p>
             <a:pPr lvl="1"/>
             <a:r>
-              <a:rPr lang="en-US" dirty="0" smtClean="0"/>
+              <a:rPr lang="en-US" sz="2200" dirty="0" smtClean="0"/>
               <a:t>R – Word Clouds</a:t>
             </a:r>
           </a:p>
           <a:p>
             <a:pPr lvl="1"/>
             <a:r>
-              <a:rPr lang="en-US" dirty="0" smtClean="0"/>
+              <a:rPr lang="en-US" sz="2200" dirty="0" smtClean="0"/>
               <a:t>Python plots</a:t>
             </a:r>
           </a:p>
           <a:p>
             <a:pPr lvl="1"/>
-            <a:endParaRPr lang="en-US" dirty="0"/>
-          </a:p>
-          <a:p>
-            <a:r>
-              <a:rPr lang="en-US" dirty="0" smtClean="0"/>
+            <a:endParaRPr lang="en-US" sz="2200" dirty="0"/>
+          </a:p>
+          <a:p>
+            <a:r>
+              <a:rPr lang="en-US" sz="2200" dirty="0" smtClean="0"/>
               <a:t>Modeling and Machine Learning - Python</a:t>
             </a:r>
-            <a:endParaRPr lang="en-US" dirty="0" smtClean="0"/>
           </a:p>
           <a:p>
             <a:pPr lvl="1"/>
             <a:r>
-              <a:rPr lang="en-US" dirty="0" smtClean="0"/>
+              <a:rPr lang="en-US" sz="2200" dirty="0" smtClean="0"/>
+              <a:t>Naïve Bayes feature classification model</a:t>
+            </a:r>
+          </a:p>
+          <a:p>
+            <a:pPr lvl="1"/>
+            <a:r>
+              <a:rPr lang="en-US" sz="2200" dirty="0" smtClean="0"/>
+              <a:t>Logistic Regression prediction</a:t>
+            </a:r>
+          </a:p>
+          <a:p>
+            <a:pPr lvl="1"/>
+            <a:r>
+              <a:rPr lang="en-US" sz="2200" dirty="0" smtClean="0"/>
               <a:t>Naïve </a:t>
             </a:r>
             <a:r>
-              <a:rPr lang="en-US" dirty="0" smtClean="0"/>
-              <a:t>Bayes feature classification model</a:t>
+              <a:rPr lang="en-US" sz="2200" dirty="0"/>
+              <a:t>Bayes </a:t>
+            </a:r>
+            <a:r>
+              <a:rPr lang="en-US" sz="2200" dirty="0" err="1" smtClean="0"/>
+              <a:t>BernoulliNB</a:t>
+            </a:r>
+            <a:r>
+              <a:rPr lang="en-US" sz="2200" dirty="0" smtClean="0"/>
+              <a:t> prediction</a:t>
             </a:r>
           </a:p>
           <a:p>
             <a:pPr lvl="1"/>
             <a:r>
-              <a:rPr lang="en-US" dirty="0" smtClean="0"/>
-              <a:t>Logistic </a:t>
-            </a:r>
-            <a:r>
-              <a:rPr lang="en-US" dirty="0" smtClean="0"/>
-              <a:t>Regression </a:t>
-            </a:r>
-            <a:r>
-              <a:rPr lang="en-US" dirty="0" smtClean="0"/>
-              <a:t>prediction</a:t>
-            </a:r>
-          </a:p>
-          <a:p>
-            <a:pPr lvl="1"/>
-            <a:r>
-              <a:rPr lang="en-US" dirty="0" smtClean="0"/>
-              <a:t>Naïve </a:t>
-            </a:r>
-            <a:r>
-              <a:rPr lang="en-US" dirty="0"/>
-              <a:t>Bayes </a:t>
-            </a:r>
-            <a:r>
-              <a:rPr lang="en-US" dirty="0" err="1" smtClean="0"/>
-              <a:t>BernoulliNB</a:t>
-            </a:r>
-            <a:r>
-              <a:rPr lang="en-US" dirty="0" smtClean="0"/>
-              <a:t> prediction</a:t>
-            </a:r>
-          </a:p>
-          <a:p>
-            <a:pPr lvl="1"/>
-            <a:r>
-              <a:rPr lang="en-US" dirty="0" smtClean="0"/>
+              <a:rPr lang="en-US" sz="2200" dirty="0" smtClean="0"/>
               <a:t>Plotting </a:t>
             </a:r>
             <a:r>
-              <a:rPr lang="en-US" dirty="0"/>
+              <a:rPr lang="en-US" sz="2200" dirty="0"/>
               <a:t>Cross-Validated Predictions</a:t>
             </a:r>
           </a:p>
@@ -9910,7 +16206,7 @@
             <a:pPr marL="457200" lvl="1" indent="0">
               <a:buNone/>
             </a:pPr>
-            <a:endParaRPr lang="en-US" dirty="0" smtClean="0"/>
+            <a:endParaRPr lang="en-US" sz="2200" dirty="0" smtClean="0"/>
           </a:p>
           <a:p>
             <a:pPr lvl="1"/>
@@ -9948,17 +16244,17 @@
           </a:ln>
           <a:extLst>
             <a:ext uri="{FAA26D3D-D897-4be2-8F04-BA451C77F1D7}">
-              <ma14:placeholderFlag xmlns="" xmlns:ma14="http://schemas.microsoft.com/office/mac/drawingml/2011/main" val="1"/>
+              <ma14:placeholderFlag xmlns:ma14="http://schemas.microsoft.com/office/mac/drawingml/2011/main" xmlns="" val="1"/>
             </a:ext>
             <a:ext uri="{909E8E84-426E-40dd-AFC4-6F175D3DCCD1}">
-              <a14:hiddenFill xmlns:a14="http://schemas.microsoft.com/office/drawing/2010/main" xmlns="">
+              <a14:hiddenFill xmlns="" xmlns:a14="http://schemas.microsoft.com/office/drawing/2010/main">
                 <a:solidFill>
                   <a:schemeClr val="accent1"/>
                 </a:solidFill>
               </a14:hiddenFill>
             </a:ext>
             <a:ext uri="{91240B29-F687-4f45-9708-019B960494DF}">
-              <a14:hiddenLine xmlns:a14="http://schemas.microsoft.com/office/drawing/2010/main" xmlns="" w="9525">
+              <a14:hiddenLine xmlns="" xmlns:a14="http://schemas.microsoft.com/office/drawing/2010/main" w="9525">
                 <a:solidFill>
                   <a:schemeClr val="tx1"/>
                 </a:solidFill>
@@ -10140,7 +16436,15 @@
                   <a:schemeClr val="tx1"/>
                 </a:solidFill>
               </a:rPr>
-              <a:t>What tools were used for Exploratory Data Analysis and Machine Learning/Modeling?</a:t>
+              <a:t>What tools were used </a:t>
+            </a:r>
+            <a:r>
+              <a:rPr lang="en-US" sz="1200" dirty="0" smtClean="0">
+                <a:solidFill>
+                  <a:schemeClr val="tx1"/>
+                </a:solidFill>
+              </a:rPr>
+              <a:t>for analyzing the wine data?</a:t>
             </a:r>
             <a:endParaRPr lang="en-US" sz="1200" kern="0" dirty="0"/>
           </a:p>
@@ -10526,17 +16830,17 @@
           </a:ln>
           <a:extLst>
             <a:ext uri="{FAA26D3D-D897-4be2-8F04-BA451C77F1D7}">
-              <ma14:placeholderFlag xmlns="" xmlns:ma14="http://schemas.microsoft.com/office/mac/drawingml/2011/main" val="1"/>
+              <ma14:placeholderFlag xmlns:ma14="http://schemas.microsoft.com/office/mac/drawingml/2011/main" xmlns="" val="1"/>
             </a:ext>
             <a:ext uri="{909E8E84-426E-40dd-AFC4-6F175D3DCCD1}">
-              <a14:hiddenFill xmlns:a14="http://schemas.microsoft.com/office/drawing/2010/main" xmlns="">
+              <a14:hiddenFill xmlns="" xmlns:a14="http://schemas.microsoft.com/office/drawing/2010/main">
                 <a:solidFill>
                   <a:schemeClr val="accent1"/>
                 </a:solidFill>
               </a14:hiddenFill>
             </a:ext>
             <a:ext uri="{91240B29-F687-4f45-9708-019B960494DF}">
-              <a14:hiddenLine xmlns:a14="http://schemas.microsoft.com/office/drawing/2010/main" xmlns="" w="9525">
+              <a14:hiddenLine xmlns="" xmlns:a14="http://schemas.microsoft.com/office/drawing/2010/main" w="9525">
                 <a:solidFill>
                   <a:schemeClr val="tx1"/>
                 </a:solidFill>
@@ -10789,6 +17093,729 @@
 </file>
 
 <file path=ppt/slides/slide5.xml><?xml version="1.0" encoding="utf-8"?>
+<p:sld xmlns:a="http://schemas.openxmlformats.org/drawingml/2006/main" xmlns:r="http://schemas.openxmlformats.org/officeDocument/2006/relationships" xmlns:p="http://schemas.openxmlformats.org/presentationml/2006/main">
+  <p:cSld>
+    <p:spTree>
+      <p:nvGrpSpPr>
+        <p:cNvPr id="1" name=""/>
+        <p:cNvGrpSpPr/>
+        <p:nvPr/>
+      </p:nvGrpSpPr>
+      <p:grpSpPr>
+        <a:xfrm>
+          <a:off x="0" y="0"/>
+          <a:ext cx="0" cy="0"/>
+          <a:chOff x="0" y="0"/>
+          <a:chExt cx="0" cy="0"/>
+        </a:xfrm>
+      </p:grpSpPr>
+      <p:sp>
+        <p:nvSpPr>
+          <p:cNvPr id="5" name="Title 14"/>
+          <p:cNvSpPr txBox="1">
+            <a:spLocks/>
+          </p:cNvSpPr>
+          <p:nvPr/>
+        </p:nvSpPr>
+        <p:spPr bwMode="auto">
+          <a:xfrm>
+            <a:off x="310515" y="202783"/>
+            <a:ext cx="8229601" cy="492443"/>
+          </a:xfrm>
+          <a:prstGeom prst="rect">
+            <a:avLst/>
+          </a:prstGeom>
+          <a:noFill/>
+          <a:ln>
+            <a:noFill/>
+          </a:ln>
+          <a:extLst>
+            <a:ext uri="{FAA26D3D-D897-4be2-8F04-BA451C77F1D7}">
+              <ma14:placeholderFlag xmlns:ma14="http://schemas.microsoft.com/office/mac/drawingml/2011/main" xmlns="" val="1"/>
+            </a:ext>
+            <a:ext uri="{909E8E84-426E-40dd-AFC4-6F175D3DCCD1}">
+              <a14:hiddenFill xmlns="" xmlns:a14="http://schemas.microsoft.com/office/drawing/2010/main">
+                <a:solidFill>
+                  <a:schemeClr val="accent1"/>
+                </a:solidFill>
+              </a14:hiddenFill>
+            </a:ext>
+            <a:ext uri="{91240B29-F687-4f45-9708-019B960494DF}">
+              <a14:hiddenLine xmlns="" xmlns:a14="http://schemas.microsoft.com/office/drawing/2010/main" w="9525">
+                <a:solidFill>
+                  <a:schemeClr val="tx1"/>
+                </a:solidFill>
+                <a:miter lim="800000"/>
+                <a:headEnd/>
+                <a:tailEnd/>
+              </a14:hiddenLine>
+            </a:ext>
+          </a:extLst>
+        </p:spPr>
+        <p:txBody>
+          <a:bodyPr vert="horz" wrap="square" lIns="0" tIns="0" rIns="0" bIns="0" numCol="1" anchor="t" anchorCtr="0" compatLnSpc="1">
+            <a:prstTxWarp prst="textNoShape">
+              <a:avLst/>
+            </a:prstTxWarp>
+            <a:spAutoFit/>
+          </a:bodyPr>
+          <a:lstStyle>
+            <a:lvl1pPr algn="l" rtl="0" eaLnBrk="1" fontAlgn="base" hangingPunct="1">
+              <a:spcBef>
+                <a:spcPct val="0"/>
+              </a:spcBef>
+              <a:spcAft>
+                <a:spcPct val="0"/>
+              </a:spcAft>
+              <a:defRPr sz="2000" b="1">
+                <a:solidFill>
+                  <a:schemeClr val="accent1"/>
+                </a:solidFill>
+                <a:latin typeface="Malgun Gothic" panose="020B0503020000020004" pitchFamily="34" charset="-127"/>
+                <a:ea typeface="Malgun Gothic" panose="020B0503020000020004" pitchFamily="34" charset="-127"/>
+                <a:cs typeface="+mj-cs"/>
+              </a:defRPr>
+            </a:lvl1pPr>
+            <a:lvl2pPr algn="l" rtl="0" eaLnBrk="1" fontAlgn="base" hangingPunct="1">
+              <a:spcBef>
+                <a:spcPct val="0"/>
+              </a:spcBef>
+              <a:spcAft>
+                <a:spcPct val="0"/>
+              </a:spcAft>
+              <a:defRPr sz="2000" b="1">
+                <a:solidFill>
+                  <a:srgbClr val="9F0812"/>
+                </a:solidFill>
+                <a:latin typeface="Arial" charset="0"/>
+                <a:ea typeface="ヒラギノ角ゴ Pro W3" charset="0"/>
+                <a:cs typeface="ＭＳ Ｐゴシック" charset="0"/>
+              </a:defRPr>
+            </a:lvl2pPr>
+            <a:lvl3pPr algn="l" rtl="0" eaLnBrk="1" fontAlgn="base" hangingPunct="1">
+              <a:spcBef>
+                <a:spcPct val="0"/>
+              </a:spcBef>
+              <a:spcAft>
+                <a:spcPct val="0"/>
+              </a:spcAft>
+              <a:defRPr sz="2000" b="1">
+                <a:solidFill>
+                  <a:srgbClr val="9F0812"/>
+                </a:solidFill>
+                <a:latin typeface="Arial" charset="0"/>
+                <a:ea typeface="ヒラギノ角ゴ Pro W3" charset="0"/>
+                <a:cs typeface="ＭＳ Ｐゴシック" charset="0"/>
+              </a:defRPr>
+            </a:lvl3pPr>
+            <a:lvl4pPr algn="l" rtl="0" eaLnBrk="1" fontAlgn="base" hangingPunct="1">
+              <a:spcBef>
+                <a:spcPct val="0"/>
+              </a:spcBef>
+              <a:spcAft>
+                <a:spcPct val="0"/>
+              </a:spcAft>
+              <a:defRPr sz="2000" b="1">
+                <a:solidFill>
+                  <a:srgbClr val="9F0812"/>
+                </a:solidFill>
+                <a:latin typeface="Arial" charset="0"/>
+                <a:ea typeface="ヒラギノ角ゴ Pro W3" charset="0"/>
+                <a:cs typeface="ＭＳ Ｐゴシック" charset="0"/>
+              </a:defRPr>
+            </a:lvl4pPr>
+            <a:lvl5pPr algn="l" rtl="0" eaLnBrk="1" fontAlgn="base" hangingPunct="1">
+              <a:spcBef>
+                <a:spcPct val="0"/>
+              </a:spcBef>
+              <a:spcAft>
+                <a:spcPct val="0"/>
+              </a:spcAft>
+              <a:defRPr sz="2000" b="1">
+                <a:solidFill>
+                  <a:srgbClr val="9F0812"/>
+                </a:solidFill>
+                <a:latin typeface="Arial" charset="0"/>
+                <a:ea typeface="ヒラギノ角ゴ Pro W3" charset="0"/>
+                <a:cs typeface="ＭＳ Ｐゴシック" charset="0"/>
+              </a:defRPr>
+            </a:lvl5pPr>
+            <a:lvl6pPr marL="457200" algn="l" rtl="0" eaLnBrk="1" fontAlgn="base" hangingPunct="1">
+              <a:spcBef>
+                <a:spcPct val="0"/>
+              </a:spcBef>
+              <a:spcAft>
+                <a:spcPct val="0"/>
+              </a:spcAft>
+              <a:defRPr sz="2800" b="1">
+                <a:solidFill>
+                  <a:schemeClr val="tx2"/>
+                </a:solidFill>
+                <a:latin typeface="Arial" charset="0"/>
+                <a:ea typeface="ＭＳ Ｐゴシック" charset="0"/>
+                <a:cs typeface="ＭＳ Ｐゴシック" charset="0"/>
+              </a:defRPr>
+            </a:lvl6pPr>
+            <a:lvl7pPr marL="914400" algn="l" rtl="0" eaLnBrk="1" fontAlgn="base" hangingPunct="1">
+              <a:spcBef>
+                <a:spcPct val="0"/>
+              </a:spcBef>
+              <a:spcAft>
+                <a:spcPct val="0"/>
+              </a:spcAft>
+              <a:defRPr sz="2800" b="1">
+                <a:solidFill>
+                  <a:schemeClr val="tx2"/>
+                </a:solidFill>
+                <a:latin typeface="Arial" charset="0"/>
+                <a:ea typeface="ＭＳ Ｐゴシック" charset="0"/>
+                <a:cs typeface="ＭＳ Ｐゴシック" charset="0"/>
+              </a:defRPr>
+            </a:lvl7pPr>
+            <a:lvl8pPr marL="1371600" algn="l" rtl="0" eaLnBrk="1" fontAlgn="base" hangingPunct="1">
+              <a:spcBef>
+                <a:spcPct val="0"/>
+              </a:spcBef>
+              <a:spcAft>
+                <a:spcPct val="0"/>
+              </a:spcAft>
+              <a:defRPr sz="2800" b="1">
+                <a:solidFill>
+                  <a:schemeClr val="tx2"/>
+                </a:solidFill>
+                <a:latin typeface="Arial" charset="0"/>
+                <a:ea typeface="ＭＳ Ｐゴシック" charset="0"/>
+                <a:cs typeface="ＭＳ Ｐゴシック" charset="0"/>
+              </a:defRPr>
+            </a:lvl8pPr>
+            <a:lvl9pPr marL="1828800" algn="l" rtl="0" eaLnBrk="1" fontAlgn="base" hangingPunct="1">
+              <a:spcBef>
+                <a:spcPct val="0"/>
+              </a:spcBef>
+              <a:spcAft>
+                <a:spcPct val="0"/>
+              </a:spcAft>
+              <a:defRPr sz="2800" b="1">
+                <a:solidFill>
+                  <a:schemeClr val="tx2"/>
+                </a:solidFill>
+                <a:latin typeface="Arial" charset="0"/>
+                <a:ea typeface="ＭＳ Ｐゴシック" charset="0"/>
+                <a:cs typeface="ＭＳ Ｐゴシック" charset="0"/>
+              </a:defRPr>
+            </a:lvl9pPr>
+          </a:lstStyle>
+          <a:p>
+            <a:r>
+              <a:rPr lang="en-US" dirty="0" smtClean="0"/>
+              <a:t>Data, Data cleaning and EDA Conclusion</a:t>
+            </a:r>
+            <a:endParaRPr lang="en-US" dirty="0"/>
+          </a:p>
+          <a:p>
+            <a:r>
+              <a:rPr lang="en-US" sz="1200" dirty="0" smtClean="0">
+                <a:solidFill>
+                  <a:schemeClr val="tx1"/>
+                </a:solidFill>
+              </a:rPr>
+              <a:t>Examples data issues, analysis and mitigations</a:t>
+            </a:r>
+            <a:endParaRPr lang="en-US" sz="1200" kern="0" dirty="0"/>
+          </a:p>
+        </p:txBody>
+      </p:sp>
+      <p:sp>
+        <p:nvSpPr>
+          <p:cNvPr id="6" name="TextBox 5"/>
+          <p:cNvSpPr txBox="1"/>
+          <p:nvPr/>
+        </p:nvSpPr>
+        <p:spPr>
+          <a:xfrm>
+            <a:off x="310515" y="1408385"/>
+            <a:ext cx="8987468" cy="584775"/>
+          </a:xfrm>
+          <a:prstGeom prst="rect">
+            <a:avLst/>
+          </a:prstGeom>
+          <a:noFill/>
+        </p:spPr>
+        <p:txBody>
+          <a:bodyPr wrap="square" rtlCol="0">
+            <a:spAutoFit/>
+          </a:bodyPr>
+          <a:lstStyle/>
+          <a:p>
+            <a:endParaRPr lang="en-US" sz="1600" dirty="0"/>
+          </a:p>
+          <a:p>
+            <a:pPr marL="742950" lvl="1" indent="-285750">
+              <a:buFont typeface="Arial" panose="020B0604020202020204" pitchFamily="34" charset="0"/>
+              <a:buChar char="•"/>
+            </a:pPr>
+            <a:endParaRPr lang="en-US" sz="1600" dirty="0" smtClean="0"/>
+          </a:p>
+        </p:txBody>
+      </p:sp>
+      <p:graphicFrame>
+        <p:nvGraphicFramePr>
+          <p:cNvPr id="2" name="Table 1"/>
+          <p:cNvGraphicFramePr>
+            <a:graphicFrameLocks noGrp="1"/>
+          </p:cNvGraphicFramePr>
+          <p:nvPr>
+            <p:extLst>
+              <p:ext uri="{D42A27DB-BD31-4B8C-83A1-F6EECF244321}">
+                <p14:modId xmlns:p14="http://schemas.microsoft.com/office/powerpoint/2010/main" val="2729342390"/>
+              </p:ext>
+            </p:extLst>
+          </p:nvPr>
+        </p:nvGraphicFramePr>
+        <p:xfrm>
+          <a:off x="460895" y="1313411"/>
+          <a:ext cx="9622443" cy="3438637"/>
+        </p:xfrm>
+        <a:graphic>
+          <a:graphicData uri="http://schemas.openxmlformats.org/drawingml/2006/table">
+            <a:tbl>
+              <a:tblPr firstRow="1" bandRow="1">
+                <a:tableStyleId>{5C22544A-7EE6-4342-B048-85BDC9FD1C3A}</a:tableStyleId>
+              </a:tblPr>
+              <a:tblGrid>
+                <a:gridCol w="4077045">
+                  <a:extLst>
+                    <a:ext uri="{9D8B030D-6E8A-4147-A177-3AD203B41FA5}">
+                      <a16:colId xmlns:a16="http://schemas.microsoft.com/office/drawing/2014/main" val="3661752174"/>
+                    </a:ext>
+                  </a:extLst>
+                </a:gridCol>
+                <a:gridCol w="5545398">
+                  <a:extLst>
+                    <a:ext uri="{9D8B030D-6E8A-4147-A177-3AD203B41FA5}">
+                      <a16:colId xmlns:a16="http://schemas.microsoft.com/office/drawing/2014/main" val="331254453"/>
+                    </a:ext>
+                  </a:extLst>
+                </a:gridCol>
+              </a:tblGrid>
+              <a:tr h="390637">
+                <a:tc>
+                  <a:txBody>
+                    <a:bodyPr/>
+                    <a:lstStyle/>
+                    <a:p>
+                      <a:r>
+                        <a:rPr lang="en-US" dirty="0" smtClean="0"/>
+                        <a:t>Input</a:t>
+                      </a:r>
+                      <a:endParaRPr lang="en-US" dirty="0"/>
+                    </a:p>
+                  </a:txBody>
+                  <a:tcPr/>
+                </a:tc>
+                <a:tc>
+                  <a:txBody>
+                    <a:bodyPr/>
+                    <a:lstStyle/>
+                    <a:p>
+                      <a:r>
+                        <a:rPr lang="en-US" dirty="0" smtClean="0"/>
+                        <a:t>Notes</a:t>
+                      </a:r>
+                      <a:endParaRPr lang="en-US" dirty="0"/>
+                    </a:p>
+                  </a:txBody>
+                  <a:tcPr/>
+                </a:tc>
+                <a:extLst>
+                  <a:ext uri="{0D108BD9-81ED-4DB2-BD59-A6C34878D82A}">
+                    <a16:rowId xmlns:a16="http://schemas.microsoft.com/office/drawing/2014/main" val="2876201889"/>
+                  </a:ext>
+                </a:extLst>
+              </a:tr>
+              <a:tr h="739894">
+                <a:tc>
+                  <a:txBody>
+                    <a:bodyPr/>
+                    <a:lstStyle/>
+                    <a:p>
+                      <a:r>
+                        <a:rPr lang="en-US" sz="1400" dirty="0" smtClean="0"/>
+                        <a:t>Data Cleansing, Data and Analysis issues</a:t>
+                      </a:r>
+                      <a:br>
+                        <a:rPr lang="en-US" sz="1400" dirty="0" smtClean="0"/>
+                      </a:br>
+                      <a:r>
+                        <a:rPr lang="en-US" sz="1400" dirty="0" smtClean="0"/>
+                        <a:t>State of data and cleanup </a:t>
+                      </a:r>
+                      <a:r>
+                        <a:rPr lang="en-US" sz="1400" dirty="0" smtClean="0"/>
+                        <a:t>activity</a:t>
+                      </a:r>
+                      <a:endParaRPr lang="en-US" sz="1400" dirty="0"/>
+                    </a:p>
+                  </a:txBody>
+                  <a:tcPr/>
+                </a:tc>
+                <a:tc>
+                  <a:txBody>
+                    <a:bodyPr/>
+                    <a:lstStyle/>
+                    <a:p>
+                      <a:pPr marL="0" marR="0" lvl="0" indent="0" algn="l" defTabSz="914400" rtl="0" eaLnBrk="1" fontAlgn="auto" latinLnBrk="0" hangingPunct="1">
+                        <a:lnSpc>
+                          <a:spcPct val="100000"/>
+                        </a:lnSpc>
+                        <a:spcBef>
+                          <a:spcPts val="0"/>
+                        </a:spcBef>
+                        <a:spcAft>
+                          <a:spcPts val="0"/>
+                        </a:spcAft>
+                        <a:buClrTx/>
+                        <a:buSzTx/>
+                        <a:buFontTx/>
+                        <a:buNone/>
+                        <a:tabLst/>
+                        <a:defRPr/>
+                      </a:pPr>
+                      <a:r>
+                        <a:rPr lang="en-US" sz="1400" dirty="0" smtClean="0"/>
+                        <a:t>EDA</a:t>
+                      </a:r>
+                      <a:r>
+                        <a:rPr lang="en-US" sz="1400" baseline="0" dirty="0" smtClean="0"/>
+                        <a:t> </a:t>
+                      </a:r>
+                      <a:r>
+                        <a:rPr lang="en-US" sz="1400" baseline="0" dirty="0" err="1" smtClean="0"/>
+                        <a:t>idenfied</a:t>
+                      </a:r>
+                      <a:r>
+                        <a:rPr lang="en-US" sz="1400" baseline="0" dirty="0" smtClean="0"/>
+                        <a:t> that </a:t>
+                      </a:r>
+                      <a:r>
+                        <a:rPr lang="en-US" sz="1400" dirty="0" smtClean="0"/>
+                        <a:t>Roger Voss and Michael </a:t>
+                      </a:r>
+                      <a:r>
+                        <a:rPr lang="en-US" sz="1400" dirty="0" err="1" smtClean="0"/>
+                        <a:t>Schachner</a:t>
+                      </a:r>
+                      <a:r>
+                        <a:rPr lang="en-US" sz="1400" dirty="0" smtClean="0"/>
+                        <a:t> tastings combined are over 40% of the tastings and could bias the results of the analysis. </a:t>
+                      </a:r>
+                    </a:p>
+                    <a:p>
+                      <a:pPr marL="0" marR="0" lvl="0" indent="0" algn="l" defTabSz="914400" rtl="0" eaLnBrk="1" fontAlgn="auto" latinLnBrk="0" hangingPunct="1">
+                        <a:lnSpc>
+                          <a:spcPct val="100000"/>
+                        </a:lnSpc>
+                        <a:spcBef>
+                          <a:spcPts val="0"/>
+                        </a:spcBef>
+                        <a:spcAft>
+                          <a:spcPts val="0"/>
+                        </a:spcAft>
+                        <a:buClrTx/>
+                        <a:buSzTx/>
+                        <a:buFontTx/>
+                        <a:buNone/>
+                        <a:tabLst/>
+                        <a:defRPr/>
+                      </a:pPr>
+                      <a:endParaRPr lang="en-US" sz="1400" dirty="0" smtClean="0"/>
+                    </a:p>
+                    <a:p>
+                      <a:pPr marL="0" marR="0" lvl="0" indent="0" algn="l" defTabSz="914400" rtl="0" eaLnBrk="1" fontAlgn="auto" latinLnBrk="0" hangingPunct="1">
+                        <a:lnSpc>
+                          <a:spcPct val="100000"/>
+                        </a:lnSpc>
+                        <a:spcBef>
+                          <a:spcPts val="0"/>
+                        </a:spcBef>
+                        <a:spcAft>
+                          <a:spcPts val="0"/>
+                        </a:spcAft>
+                        <a:buClrTx/>
+                        <a:buSzTx/>
+                        <a:buFontTx/>
+                        <a:buNone/>
+                        <a:tabLst/>
+                        <a:defRPr/>
+                      </a:pPr>
+                      <a:r>
+                        <a:rPr lang="en-US" sz="1400" dirty="0" err="1" smtClean="0"/>
+                        <a:t>df</a:t>
+                      </a:r>
+                      <a:r>
+                        <a:rPr lang="en-US" sz="1400" dirty="0" smtClean="0"/>
+                        <a:t> = </a:t>
+                      </a:r>
+                      <a:r>
+                        <a:rPr lang="en-US" sz="1400" dirty="0" err="1" smtClean="0"/>
+                        <a:t>df.dropna</a:t>
+                      </a:r>
+                      <a:r>
+                        <a:rPr lang="en-US" sz="1400" dirty="0" smtClean="0"/>
+                        <a:t>(subset=['description']) # code</a:t>
+                      </a:r>
+                      <a:r>
+                        <a:rPr lang="en-US" sz="1400" baseline="0" dirty="0" smtClean="0"/>
+                        <a:t> used to drop wine tastings that had no scores associated.</a:t>
+                      </a:r>
+                      <a:endParaRPr lang="en-US" sz="1400" dirty="0"/>
+                    </a:p>
+                  </a:txBody>
+                  <a:tcPr/>
+                </a:tc>
+                <a:extLst>
+                  <a:ext uri="{0D108BD9-81ED-4DB2-BD59-A6C34878D82A}">
+                    <a16:rowId xmlns:a16="http://schemas.microsoft.com/office/drawing/2014/main" val="3709778870"/>
+                  </a:ext>
+                </a:extLst>
+              </a:tr>
+              <a:tr h="774441">
+                <a:tc>
+                  <a:txBody>
+                    <a:bodyPr/>
+                    <a:lstStyle/>
+                    <a:p>
+                      <a:r>
+                        <a:rPr lang="en-US" sz="1400" dirty="0" smtClean="0"/>
+                        <a:t>Data imbalance check and implementation, augmentation</a:t>
+                      </a:r>
+                      <a:endParaRPr lang="en-US" sz="1400" dirty="0"/>
+                    </a:p>
+                  </a:txBody>
+                  <a:tcPr/>
+                </a:tc>
+                <a:tc>
+                  <a:txBody>
+                    <a:bodyPr/>
+                    <a:lstStyle/>
+                    <a:p>
+                      <a:pPr marL="0" marR="0" lvl="0" indent="0" algn="l" defTabSz="914400" rtl="0" eaLnBrk="1" fontAlgn="auto" latinLnBrk="0" hangingPunct="1">
+                        <a:lnSpc>
+                          <a:spcPct val="100000"/>
+                        </a:lnSpc>
+                        <a:spcBef>
+                          <a:spcPts val="0"/>
+                        </a:spcBef>
+                        <a:spcAft>
+                          <a:spcPts val="0"/>
+                        </a:spcAft>
+                        <a:buClrTx/>
+                        <a:buSzTx/>
+                        <a:buFontTx/>
+                        <a:buNone/>
+                        <a:tabLst/>
+                        <a:defRPr/>
+                      </a:pPr>
+                      <a:r>
+                        <a:rPr lang="en-US" sz="1400" dirty="0" smtClean="0"/>
+                        <a:t>Data had</a:t>
+                      </a:r>
+                      <a:r>
+                        <a:rPr lang="en-US" sz="1400" baseline="0" dirty="0" smtClean="0"/>
+                        <a:t> many special characters that had to be handled with data cleansing.</a:t>
+                      </a:r>
+                    </a:p>
+                    <a:p>
+                      <a:pPr marL="0" marR="0" lvl="0" indent="0" algn="l" defTabSz="914400" rtl="0" eaLnBrk="1" fontAlgn="auto" latinLnBrk="0" hangingPunct="1">
+                        <a:lnSpc>
+                          <a:spcPct val="100000"/>
+                        </a:lnSpc>
+                        <a:spcBef>
+                          <a:spcPts val="0"/>
+                        </a:spcBef>
+                        <a:spcAft>
+                          <a:spcPts val="0"/>
+                        </a:spcAft>
+                        <a:buClrTx/>
+                        <a:buSzTx/>
+                        <a:buFontTx/>
+                        <a:buNone/>
+                        <a:tabLst/>
+                        <a:defRPr/>
+                      </a:pPr>
+                      <a:endParaRPr lang="en-US" sz="1400" baseline="0" dirty="0" smtClean="0"/>
+                    </a:p>
+                    <a:p>
+                      <a:pPr marL="0" marR="0" lvl="0" indent="0" algn="l" defTabSz="914400" rtl="0" eaLnBrk="1" fontAlgn="auto" latinLnBrk="0" hangingPunct="1">
+                        <a:lnSpc>
+                          <a:spcPct val="100000"/>
+                        </a:lnSpc>
+                        <a:spcBef>
+                          <a:spcPts val="0"/>
+                        </a:spcBef>
+                        <a:spcAft>
+                          <a:spcPts val="0"/>
+                        </a:spcAft>
+                        <a:buClrTx/>
+                        <a:buSzTx/>
+                        <a:buFontTx/>
+                        <a:buNone/>
+                        <a:tabLst/>
+                        <a:defRPr/>
+                      </a:pPr>
+                      <a:r>
+                        <a:rPr lang="en-US" sz="1400" baseline="0" dirty="0" smtClean="0"/>
+                        <a:t>Examples like: Bodega Carmen </a:t>
+                      </a:r>
+                      <a:r>
+                        <a:rPr lang="en-US" sz="1400" baseline="0" dirty="0" err="1" smtClean="0"/>
+                        <a:t>RodrÃ­guez</a:t>
+                      </a:r>
+                      <a:r>
+                        <a:rPr lang="en-US" sz="1400" baseline="0" dirty="0" smtClean="0"/>
+                        <a:t> and </a:t>
+                      </a:r>
+                      <a:r>
+                        <a:rPr lang="en-US" sz="1400" baseline="0" dirty="0" err="1" smtClean="0"/>
+                        <a:t>BergstrÃ¶m</a:t>
+                      </a:r>
+                      <a:endParaRPr lang="en-US" sz="1400" dirty="0"/>
+                    </a:p>
+                  </a:txBody>
+                  <a:tcPr/>
+                </a:tc>
+                <a:extLst>
+                  <a:ext uri="{0D108BD9-81ED-4DB2-BD59-A6C34878D82A}">
+                    <a16:rowId xmlns:a16="http://schemas.microsoft.com/office/drawing/2014/main" val="974591561"/>
+                  </a:ext>
+                </a:extLst>
+              </a:tr>
+              <a:tr h="774441">
+                <a:tc>
+                  <a:txBody>
+                    <a:bodyPr/>
+                    <a:lstStyle/>
+                    <a:p>
+                      <a:r>
+                        <a:rPr lang="en-US" sz="1400" dirty="0" smtClean="0"/>
+                        <a:t>Duplicates</a:t>
+                      </a:r>
+                      <a:r>
+                        <a:rPr lang="en-US" sz="1400" baseline="0" dirty="0" smtClean="0"/>
+                        <a:t> removed</a:t>
+                      </a:r>
+                      <a:endParaRPr lang="en-US" sz="1400" dirty="0"/>
+                    </a:p>
+                  </a:txBody>
+                  <a:tcPr/>
+                </a:tc>
+                <a:tc>
+                  <a:txBody>
+                    <a:bodyPr/>
+                    <a:lstStyle/>
+                    <a:p>
+                      <a:pPr marL="0" marR="0" lvl="0" indent="0" algn="l" defTabSz="914400" rtl="0" eaLnBrk="1" fontAlgn="auto" latinLnBrk="0" hangingPunct="1">
+                        <a:lnSpc>
+                          <a:spcPct val="100000"/>
+                        </a:lnSpc>
+                        <a:spcBef>
+                          <a:spcPts val="0"/>
+                        </a:spcBef>
+                        <a:spcAft>
+                          <a:spcPts val="0"/>
+                        </a:spcAft>
+                        <a:buClrTx/>
+                        <a:buSzTx/>
+                        <a:buFontTx/>
+                        <a:buNone/>
+                        <a:tabLst/>
+                        <a:defRPr/>
+                      </a:pPr>
+                      <a:r>
+                        <a:rPr lang="en-US" sz="1400" baseline="0" dirty="0" smtClean="0"/>
+                        <a:t>Data had duplications that had to be filtered out</a:t>
+                      </a:r>
+                    </a:p>
+                    <a:p>
+                      <a:pPr marL="0" marR="0" lvl="0" indent="0" algn="l" defTabSz="914400" rtl="0" eaLnBrk="1" fontAlgn="auto" latinLnBrk="0" hangingPunct="1">
+                        <a:lnSpc>
+                          <a:spcPct val="100000"/>
+                        </a:lnSpc>
+                        <a:spcBef>
+                          <a:spcPts val="0"/>
+                        </a:spcBef>
+                        <a:spcAft>
+                          <a:spcPts val="0"/>
+                        </a:spcAft>
+                        <a:buClrTx/>
+                        <a:buSzTx/>
+                        <a:buFontTx/>
+                        <a:buNone/>
+                        <a:tabLst/>
+                        <a:defRPr/>
+                      </a:pPr>
+                      <a:endParaRPr lang="en-US" sz="1400" baseline="0" dirty="0" smtClean="0"/>
+                    </a:p>
+                    <a:p>
+                      <a:pPr marL="0" marR="0" lvl="0" indent="0" algn="l" defTabSz="914400" rtl="0" eaLnBrk="1" fontAlgn="auto" latinLnBrk="0" hangingPunct="1">
+                        <a:lnSpc>
+                          <a:spcPct val="100000"/>
+                        </a:lnSpc>
+                        <a:spcBef>
+                          <a:spcPts val="0"/>
+                        </a:spcBef>
+                        <a:spcAft>
+                          <a:spcPts val="0"/>
+                        </a:spcAft>
+                        <a:buClrTx/>
+                        <a:buSzTx/>
+                        <a:buFontTx/>
+                        <a:buNone/>
+                        <a:tabLst/>
+                        <a:defRPr/>
+                      </a:pPr>
+                      <a:r>
+                        <a:rPr lang="en-US" sz="1400" baseline="0" dirty="0" smtClean="0"/>
+                        <a:t>Original input file was 150k, reduced to 130k records.</a:t>
+                      </a:r>
+                    </a:p>
+                    <a:p>
+                      <a:endParaRPr lang="en-US" sz="1400" dirty="0"/>
+                    </a:p>
+                  </a:txBody>
+                  <a:tcPr/>
+                </a:tc>
+                <a:extLst>
+                  <a:ext uri="{0D108BD9-81ED-4DB2-BD59-A6C34878D82A}">
+                    <a16:rowId xmlns:a16="http://schemas.microsoft.com/office/drawing/2014/main" val="51959955"/>
+                  </a:ext>
+                </a:extLst>
+              </a:tr>
+            </a:tbl>
+          </a:graphicData>
+        </a:graphic>
+      </p:graphicFrame>
+    </p:spTree>
+    <p:extLst>
+      <p:ext uri="{BB962C8B-B14F-4D97-AF65-F5344CB8AC3E}">
+        <p14:creationId xmlns:p14="http://schemas.microsoft.com/office/powerpoint/2010/main" val="2038475537"/>
+      </p:ext>
+    </p:extLst>
+  </p:cSld>
+  <p:clrMapOvr>
+    <a:masterClrMapping/>
+  </p:clrMapOvr>
+  <p:timing>
+    <p:tnLst>
+      <p:par>
+        <p:cTn id="1" dur="indefinite" restart="never" nodeType="tmRoot"/>
+      </p:par>
+    </p:tnLst>
+  </p:timing>
+</p:sld>
+</file>
+
+<file path=ppt/slides/slide6.xml><?xml version="1.0" encoding="utf-8"?>
 <p:sld xmlns:a="http://schemas.openxmlformats.org/drawingml/2006/main" xmlns:r="http://schemas.openxmlformats.org/officeDocument/2006/relationships" xmlns:p="http://schemas.openxmlformats.org/presentationml/2006/main">
   <p:cSld>
     <p:spTree>
@@ -10878,17 +17905,17 @@
           </a:ln>
           <a:extLst>
             <a:ext uri="{FAA26D3D-D897-4be2-8F04-BA451C77F1D7}">
-              <ma14:placeholderFlag xmlns="" xmlns:ma14="http://schemas.microsoft.com/office/mac/drawingml/2011/main" val="1"/>
+              <ma14:placeholderFlag xmlns:ma14="http://schemas.microsoft.com/office/mac/drawingml/2011/main" xmlns="" val="1"/>
             </a:ext>
             <a:ext uri="{909E8E84-426E-40dd-AFC4-6F175D3DCCD1}">
-              <a14:hiddenFill xmlns:a14="http://schemas.microsoft.com/office/drawing/2010/main" xmlns="">
+              <a14:hiddenFill xmlns="" xmlns:a14="http://schemas.microsoft.com/office/drawing/2010/main">
                 <a:solidFill>
                   <a:schemeClr val="accent1"/>
                 </a:solidFill>
               </a14:hiddenFill>
             </a:ext>
             <a:ext uri="{91240B29-F687-4f45-9708-019B960494DF}">
-              <a14:hiddenLine xmlns:a14="http://schemas.microsoft.com/office/drawing/2010/main" xmlns="" w="9525">
+              <a14:hiddenLine xmlns="" xmlns:a14="http://schemas.microsoft.com/office/drawing/2010/main" w="9525">
                 <a:solidFill>
                   <a:schemeClr val="tx1"/>
                 </a:solidFill>
@@ -11133,7 +18160,7 @@
 </p:sld>
 </file>
 
-<file path=ppt/slides/slide6.xml><?xml version="1.0" encoding="utf-8"?>
+<file path=ppt/slides/slide7.xml><?xml version="1.0" encoding="utf-8"?>
 <p:sld xmlns:a="http://schemas.openxmlformats.org/drawingml/2006/main" xmlns:r="http://schemas.openxmlformats.org/officeDocument/2006/relationships" xmlns:p="http://schemas.openxmlformats.org/presentationml/2006/main">
   <p:cSld>
     <p:spTree>
@@ -11198,17 +18225,17 @@
           </a:ln>
           <a:extLst>
             <a:ext uri="{FAA26D3D-D897-4be2-8F04-BA451C77F1D7}">
-              <ma14:placeholderFlag xmlns="" xmlns:ma14="http://schemas.microsoft.com/office/mac/drawingml/2011/main" val="1"/>
+              <ma14:placeholderFlag xmlns:ma14="http://schemas.microsoft.com/office/mac/drawingml/2011/main" xmlns="" val="1"/>
             </a:ext>
             <a:ext uri="{909E8E84-426E-40dd-AFC4-6F175D3DCCD1}">
-              <a14:hiddenFill xmlns:a14="http://schemas.microsoft.com/office/drawing/2010/main" xmlns="">
+              <a14:hiddenFill xmlns="" xmlns:a14="http://schemas.microsoft.com/office/drawing/2010/main">
                 <a:solidFill>
                   <a:schemeClr val="accent1"/>
                 </a:solidFill>
               </a14:hiddenFill>
             </a:ext>
             <a:ext uri="{91240B29-F687-4f45-9708-019B960494DF}">
-              <a14:hiddenLine xmlns:a14="http://schemas.microsoft.com/office/drawing/2010/main" xmlns="" w="9525">
+              <a14:hiddenLine xmlns="" xmlns:a14="http://schemas.microsoft.com/office/drawing/2010/main" w="9525">
                 <a:solidFill>
                   <a:schemeClr val="tx1"/>
                 </a:solidFill>
@@ -11469,7 +18496,7 @@
 </p:sld>
 </file>
 
-<file path=ppt/slides/slide7.xml><?xml version="1.0" encoding="utf-8"?>
+<file path=ppt/slides/slide8.xml><?xml version="1.0" encoding="utf-8"?>
 <p:sld xmlns:a="http://schemas.openxmlformats.org/drawingml/2006/main" xmlns:r="http://schemas.openxmlformats.org/officeDocument/2006/relationships" xmlns:p="http://schemas.openxmlformats.org/presentationml/2006/main">
   <p:cSld>
     <p:spTree>
@@ -11554,17 +18581,17 @@
           </a:ln>
           <a:extLst>
             <a:ext uri="{FAA26D3D-D897-4be2-8F04-BA451C77F1D7}">
-              <ma14:placeholderFlag xmlns="" xmlns:ma14="http://schemas.microsoft.com/office/mac/drawingml/2011/main" val="1"/>
+              <ma14:placeholderFlag xmlns:ma14="http://schemas.microsoft.com/office/mac/drawingml/2011/main" xmlns="" val="1"/>
             </a:ext>
             <a:ext uri="{909E8E84-426E-40dd-AFC4-6F175D3DCCD1}">
-              <a14:hiddenFill xmlns:a14="http://schemas.microsoft.com/office/drawing/2010/main" xmlns="">
+              <a14:hiddenFill xmlns="" xmlns:a14="http://schemas.microsoft.com/office/drawing/2010/main">
                 <a:solidFill>
                   <a:schemeClr val="accent1"/>
                 </a:solidFill>
               </a14:hiddenFill>
             </a:ext>
             <a:ext uri="{91240B29-F687-4f45-9708-019B960494DF}">
-              <a14:hiddenLine xmlns:a14="http://schemas.microsoft.com/office/drawing/2010/main" xmlns="" w="9525">
+              <a14:hiddenLine xmlns="" xmlns:a14="http://schemas.microsoft.com/office/drawing/2010/main" w="9525">
                 <a:solidFill>
                   <a:schemeClr val="tx1"/>
                 </a:solidFill>
@@ -11776,28 +18803,15 @@
           <a:p>
             <a:r>
               <a:rPr lang="en-US" sz="1600" dirty="0" smtClean="0"/>
-              <a:t>Points</a:t>
-            </a:r>
+              <a:t>Points are from 80 to 100 but fall mostly into 10 scores. </a:t>
+            </a:r>
+            <a:endParaRPr lang="en-US" sz="1600" dirty="0"/>
+          </a:p>
+          <a:p>
             <a:r>
               <a:rPr lang="en-US" sz="1600" dirty="0" smtClean="0"/>
-              <a:t> </a:t>
-            </a:r>
-            <a:r>
-              <a:rPr lang="en-US" sz="1600" dirty="0" smtClean="0"/>
-              <a:t>are from 80 to 100 but fall mostly into 10 scores. </a:t>
-            </a:r>
-            <a:endParaRPr lang="en-US" sz="1600" dirty="0"/>
-          </a:p>
-          <a:p>
-            <a:r>
-              <a:rPr lang="en-US" sz="1600" dirty="0" smtClean="0"/>
-              <a:t>Prices vary much more than wine </a:t>
-            </a:r>
-            <a:r>
-              <a:rPr lang="en-US" sz="1600" dirty="0" smtClean="0"/>
-              <a:t>points</a:t>
-            </a:r>
-            <a:endParaRPr lang="en-US" sz="1600" dirty="0" smtClean="0"/>
+              <a:t>Prices vary much more than wine points</a:t>
+            </a:r>
           </a:p>
           <a:p>
             <a:pPr marL="742950" lvl="1" indent="-285750">
@@ -11821,7 +18835,7 @@
 </p:sld>
 </file>
 
-<file path=ppt/slides/slide8.xml><?xml version="1.0" encoding="utf-8"?>
+<file path=ppt/slides/slide9.xml><?xml version="1.0" encoding="utf-8"?>
 <p:sld xmlns:a="http://schemas.openxmlformats.org/drawingml/2006/main" xmlns:r="http://schemas.openxmlformats.org/officeDocument/2006/relationships" xmlns:p="http://schemas.openxmlformats.org/presentationml/2006/main">
   <p:cSld>
     <p:spTree>
@@ -11854,8 +18868,8 @@
         </p:blipFill>
         <p:spPr>
           <a:xfrm>
-            <a:off x="402313" y="825596"/>
-            <a:ext cx="10481204" cy="5490499"/>
+            <a:off x="307604" y="695226"/>
+            <a:ext cx="9320572" cy="4882511"/>
           </a:xfrm>
           <a:prstGeom prst="rect">
             <a:avLst/>
@@ -11884,17 +18898,17 @@
           </a:ln>
           <a:extLst>
             <a:ext uri="{FAA26D3D-D897-4be2-8F04-BA451C77F1D7}">
-              <ma14:placeholderFlag xmlns="" xmlns:ma14="http://schemas.microsoft.com/office/mac/drawingml/2011/main" val="1"/>
+              <ma14:placeholderFlag xmlns:ma14="http://schemas.microsoft.com/office/mac/drawingml/2011/main" xmlns="" val="1"/>
             </a:ext>
             <a:ext uri="{909E8E84-426E-40dd-AFC4-6F175D3DCCD1}">
-              <a14:hiddenFill xmlns:a14="http://schemas.microsoft.com/office/drawing/2010/main" xmlns="">
+              <a14:hiddenFill xmlns="" xmlns:a14="http://schemas.microsoft.com/office/drawing/2010/main">
                 <a:solidFill>
                   <a:schemeClr val="accent1"/>
                 </a:solidFill>
               </a14:hiddenFill>
             </a:ext>
             <a:ext uri="{91240B29-F687-4f45-9708-019B960494DF}">
-              <a14:hiddenLine xmlns:a14="http://schemas.microsoft.com/office/drawing/2010/main" xmlns="" w="9525">
+              <a14:hiddenLine xmlns="" xmlns:a14="http://schemas.microsoft.com/office/drawing/2010/main" w="9525">
                 <a:solidFill>
                   <a:schemeClr val="tx1"/>
                 </a:solidFill>
@@ -12091,7 +19105,7 @@
         <p:spPr>
           <a:xfrm>
             <a:off x="553715" y="5577737"/>
-            <a:ext cx="8828351" cy="830997"/>
+            <a:ext cx="9413245" cy="1492716"/>
           </a:xfrm>
           <a:prstGeom prst="rect">
             <a:avLst/>
@@ -12105,9 +19119,31 @@
           <a:lstStyle/>
           <a:p>
             <a:r>
-              <a:rPr lang="en-US" sz="1600" dirty="0" smtClean="0"/>
-              <a:t>This report was developed as part of the exploratory data analysis phase, but also to learn more about Tableau. Filters added to right so more analysis can be done on tasters.</a:t>
-            </a:r>
+              <a:rPr lang="en-US" sz="1500" dirty="0" smtClean="0"/>
+              <a:t>This report was developed as part of the exploratory data analysis phase, but also to learn more about Tableau. Filters added to right so more analysis can be done on tasters</a:t>
+            </a:r>
+            <a:r>
+              <a:rPr lang="en-US" sz="1500" dirty="0" smtClean="0"/>
+              <a:t>.</a:t>
+            </a:r>
+          </a:p>
+          <a:p>
+            <a:endParaRPr lang="en-US" sz="1500" dirty="0"/>
+          </a:p>
+          <a:p>
+            <a:r>
+              <a:rPr lang="en-US" sz="1500" dirty="0" smtClean="0"/>
+              <a:t>Roger Voss and Michael </a:t>
+            </a:r>
+            <a:r>
+              <a:rPr lang="en-US" sz="1500" dirty="0" err="1" smtClean="0"/>
+              <a:t>Schachner</a:t>
+            </a:r>
+            <a:r>
+              <a:rPr lang="en-US" sz="1500" dirty="0" smtClean="0"/>
+              <a:t> tastings combined are over 40% of the tastings and could bias the results of the analysis</a:t>
+            </a:r>
+            <a:endParaRPr lang="en-US" sz="1500" dirty="0" smtClean="0"/>
           </a:p>
           <a:p>
             <a:pPr marL="742950" lvl="1" indent="-285750">
@@ -12122,317 +19158,6 @@
     <p:extLst>
       <p:ext uri="{BB962C8B-B14F-4D97-AF65-F5344CB8AC3E}">
         <p14:creationId xmlns:p14="http://schemas.microsoft.com/office/powerpoint/2010/main" val="3753877334"/>
-      </p:ext>
-    </p:extLst>
-  </p:cSld>
-  <p:clrMapOvr>
-    <a:masterClrMapping/>
-  </p:clrMapOvr>
-</p:sld>
-</file>
-
-<file path=ppt/slides/slide9.xml><?xml version="1.0" encoding="utf-8"?>
-<p:sld xmlns:a="http://schemas.openxmlformats.org/drawingml/2006/main" xmlns:r="http://schemas.openxmlformats.org/officeDocument/2006/relationships" xmlns:p="http://schemas.openxmlformats.org/presentationml/2006/main">
-  <p:cSld>
-    <p:spTree>
-      <p:nvGrpSpPr>
-        <p:cNvPr id="1" name=""/>
-        <p:cNvGrpSpPr/>
-        <p:nvPr/>
-      </p:nvGrpSpPr>
-      <p:grpSpPr>
-        <a:xfrm>
-          <a:off x="0" y="0"/>
-          <a:ext cx="0" cy="0"/>
-          <a:chOff x="0" y="0"/>
-          <a:chExt cx="0" cy="0"/>
-        </a:xfrm>
-      </p:grpSpPr>
-      <p:pic>
-        <p:nvPicPr>
-          <p:cNvPr id="4" name="Picture 3"/>
-          <p:cNvPicPr>
-            <a:picLocks noChangeAspect="1"/>
-          </p:cNvPicPr>
-          <p:nvPr/>
-        </p:nvPicPr>
-        <p:blipFill>
-          <a:blip r:embed="rId2"/>
-          <a:stretch>
-            <a:fillRect/>
-          </a:stretch>
-        </p:blipFill>
-        <p:spPr>
-          <a:xfrm>
-            <a:off x="386689" y="1198179"/>
-            <a:ext cx="8305623" cy="4718741"/>
-          </a:xfrm>
-          <a:prstGeom prst="rect">
-            <a:avLst/>
-          </a:prstGeom>
-        </p:spPr>
-      </p:pic>
-      <p:sp>
-        <p:nvSpPr>
-          <p:cNvPr id="5" name="Title 14"/>
-          <p:cNvSpPr txBox="1">
-            <a:spLocks/>
-          </p:cNvSpPr>
-          <p:nvPr/>
-        </p:nvSpPr>
-        <p:spPr bwMode="auto">
-          <a:xfrm>
-            <a:off x="310515" y="202783"/>
-            <a:ext cx="8229601" cy="492443"/>
-          </a:xfrm>
-          <a:prstGeom prst="rect">
-            <a:avLst/>
-          </a:prstGeom>
-          <a:noFill/>
-          <a:ln>
-            <a:noFill/>
-          </a:ln>
-          <a:extLst>
-            <a:ext uri="{FAA26D3D-D897-4be2-8F04-BA451C77F1D7}">
-              <ma14:placeholderFlag xmlns="" xmlns:ma14="http://schemas.microsoft.com/office/mac/drawingml/2011/main" val="1"/>
-            </a:ext>
-            <a:ext uri="{909E8E84-426E-40dd-AFC4-6F175D3DCCD1}">
-              <a14:hiddenFill xmlns:a14="http://schemas.microsoft.com/office/drawing/2010/main" xmlns="">
-                <a:solidFill>
-                  <a:schemeClr val="accent1"/>
-                </a:solidFill>
-              </a14:hiddenFill>
-            </a:ext>
-            <a:ext uri="{91240B29-F687-4f45-9708-019B960494DF}">
-              <a14:hiddenLine xmlns:a14="http://schemas.microsoft.com/office/drawing/2010/main" xmlns="" w="9525">
-                <a:solidFill>
-                  <a:schemeClr val="tx1"/>
-                </a:solidFill>
-                <a:miter lim="800000"/>
-                <a:headEnd/>
-                <a:tailEnd/>
-              </a14:hiddenLine>
-            </a:ext>
-          </a:extLst>
-        </p:spPr>
-        <p:txBody>
-          <a:bodyPr vert="horz" wrap="square" lIns="0" tIns="0" rIns="0" bIns="0" numCol="1" anchor="t" anchorCtr="0" compatLnSpc="1">
-            <a:prstTxWarp prst="textNoShape">
-              <a:avLst/>
-            </a:prstTxWarp>
-            <a:spAutoFit/>
-          </a:bodyPr>
-          <a:lstStyle>
-            <a:lvl1pPr algn="l" rtl="0" eaLnBrk="1" fontAlgn="base" hangingPunct="1">
-              <a:spcBef>
-                <a:spcPct val="0"/>
-              </a:spcBef>
-              <a:spcAft>
-                <a:spcPct val="0"/>
-              </a:spcAft>
-              <a:defRPr sz="2000" b="1">
-                <a:solidFill>
-                  <a:schemeClr val="accent1"/>
-                </a:solidFill>
-                <a:latin typeface="Malgun Gothic" panose="020B0503020000020004" pitchFamily="34" charset="-127"/>
-                <a:ea typeface="Malgun Gothic" panose="020B0503020000020004" pitchFamily="34" charset="-127"/>
-                <a:cs typeface="+mj-cs"/>
-              </a:defRPr>
-            </a:lvl1pPr>
-            <a:lvl2pPr algn="l" rtl="0" eaLnBrk="1" fontAlgn="base" hangingPunct="1">
-              <a:spcBef>
-                <a:spcPct val="0"/>
-              </a:spcBef>
-              <a:spcAft>
-                <a:spcPct val="0"/>
-              </a:spcAft>
-              <a:defRPr sz="2000" b="1">
-                <a:solidFill>
-                  <a:srgbClr val="9F0812"/>
-                </a:solidFill>
-                <a:latin typeface="Arial" charset="0"/>
-                <a:ea typeface="ヒラギノ角ゴ Pro W3" charset="0"/>
-                <a:cs typeface="ＭＳ Ｐゴシック" charset="0"/>
-              </a:defRPr>
-            </a:lvl2pPr>
-            <a:lvl3pPr algn="l" rtl="0" eaLnBrk="1" fontAlgn="base" hangingPunct="1">
-              <a:spcBef>
-                <a:spcPct val="0"/>
-              </a:spcBef>
-              <a:spcAft>
-                <a:spcPct val="0"/>
-              </a:spcAft>
-              <a:defRPr sz="2000" b="1">
-                <a:solidFill>
-                  <a:srgbClr val="9F0812"/>
-                </a:solidFill>
-                <a:latin typeface="Arial" charset="0"/>
-                <a:ea typeface="ヒラギノ角ゴ Pro W3" charset="0"/>
-                <a:cs typeface="ＭＳ Ｐゴシック" charset="0"/>
-              </a:defRPr>
-            </a:lvl3pPr>
-            <a:lvl4pPr algn="l" rtl="0" eaLnBrk="1" fontAlgn="base" hangingPunct="1">
-              <a:spcBef>
-                <a:spcPct val="0"/>
-              </a:spcBef>
-              <a:spcAft>
-                <a:spcPct val="0"/>
-              </a:spcAft>
-              <a:defRPr sz="2000" b="1">
-                <a:solidFill>
-                  <a:srgbClr val="9F0812"/>
-                </a:solidFill>
-                <a:latin typeface="Arial" charset="0"/>
-                <a:ea typeface="ヒラギノ角ゴ Pro W3" charset="0"/>
-                <a:cs typeface="ＭＳ Ｐゴシック" charset="0"/>
-              </a:defRPr>
-            </a:lvl4pPr>
-            <a:lvl5pPr algn="l" rtl="0" eaLnBrk="1" fontAlgn="base" hangingPunct="1">
-              <a:spcBef>
-                <a:spcPct val="0"/>
-              </a:spcBef>
-              <a:spcAft>
-                <a:spcPct val="0"/>
-              </a:spcAft>
-              <a:defRPr sz="2000" b="1">
-                <a:solidFill>
-                  <a:srgbClr val="9F0812"/>
-                </a:solidFill>
-                <a:latin typeface="Arial" charset="0"/>
-                <a:ea typeface="ヒラギノ角ゴ Pro W3" charset="0"/>
-                <a:cs typeface="ＭＳ Ｐゴシック" charset="0"/>
-              </a:defRPr>
-            </a:lvl5pPr>
-            <a:lvl6pPr marL="457200" algn="l" rtl="0" eaLnBrk="1" fontAlgn="base" hangingPunct="1">
-              <a:spcBef>
-                <a:spcPct val="0"/>
-              </a:spcBef>
-              <a:spcAft>
-                <a:spcPct val="0"/>
-              </a:spcAft>
-              <a:defRPr sz="2800" b="1">
-                <a:solidFill>
-                  <a:schemeClr val="tx2"/>
-                </a:solidFill>
-                <a:latin typeface="Arial" charset="0"/>
-                <a:ea typeface="ＭＳ Ｐゴシック" charset="0"/>
-                <a:cs typeface="ＭＳ Ｐゴシック" charset="0"/>
-              </a:defRPr>
-            </a:lvl6pPr>
-            <a:lvl7pPr marL="914400" algn="l" rtl="0" eaLnBrk="1" fontAlgn="base" hangingPunct="1">
-              <a:spcBef>
-                <a:spcPct val="0"/>
-              </a:spcBef>
-              <a:spcAft>
-                <a:spcPct val="0"/>
-              </a:spcAft>
-              <a:defRPr sz="2800" b="1">
-                <a:solidFill>
-                  <a:schemeClr val="tx2"/>
-                </a:solidFill>
-                <a:latin typeface="Arial" charset="0"/>
-                <a:ea typeface="ＭＳ Ｐゴシック" charset="0"/>
-                <a:cs typeface="ＭＳ Ｐゴシック" charset="0"/>
-              </a:defRPr>
-            </a:lvl7pPr>
-            <a:lvl8pPr marL="1371600" algn="l" rtl="0" eaLnBrk="1" fontAlgn="base" hangingPunct="1">
-              <a:spcBef>
-                <a:spcPct val="0"/>
-              </a:spcBef>
-              <a:spcAft>
-                <a:spcPct val="0"/>
-              </a:spcAft>
-              <a:defRPr sz="2800" b="1">
-                <a:solidFill>
-                  <a:schemeClr val="tx2"/>
-                </a:solidFill>
-                <a:latin typeface="Arial" charset="0"/>
-                <a:ea typeface="ＭＳ Ｐゴシック" charset="0"/>
-                <a:cs typeface="ＭＳ Ｐゴシック" charset="0"/>
-              </a:defRPr>
-            </a:lvl8pPr>
-            <a:lvl9pPr marL="1828800" algn="l" rtl="0" eaLnBrk="1" fontAlgn="base" hangingPunct="1">
-              <a:spcBef>
-                <a:spcPct val="0"/>
-              </a:spcBef>
-              <a:spcAft>
-                <a:spcPct val="0"/>
-              </a:spcAft>
-              <a:defRPr sz="2800" b="1">
-                <a:solidFill>
-                  <a:schemeClr val="tx2"/>
-                </a:solidFill>
-                <a:latin typeface="Arial" charset="0"/>
-                <a:ea typeface="ＭＳ Ｐゴシック" charset="0"/>
-                <a:cs typeface="ＭＳ Ｐゴシック" charset="0"/>
-              </a:defRPr>
-            </a:lvl9pPr>
-          </a:lstStyle>
-          <a:p>
-            <a:r>
-              <a:rPr lang="en-US" dirty="0" smtClean="0"/>
-              <a:t>Tableau Wine Tasted by Country</a:t>
-            </a:r>
-          </a:p>
-          <a:p>
-            <a:r>
-              <a:rPr lang="en-US" sz="1200" dirty="0" smtClean="0">
-                <a:solidFill>
-                  <a:schemeClr val="tx1"/>
-                </a:solidFill>
-              </a:rPr>
-              <a:t>Which countries produced the wines tasted?</a:t>
-            </a:r>
-            <a:endParaRPr lang="en-US" sz="1200" kern="0" dirty="0"/>
-          </a:p>
-        </p:txBody>
-      </p:sp>
-      <p:sp>
-        <p:nvSpPr>
-          <p:cNvPr id="6" name="TextBox 5"/>
-          <p:cNvSpPr txBox="1"/>
-          <p:nvPr/>
-        </p:nvSpPr>
-        <p:spPr>
-          <a:xfrm>
-            <a:off x="501164" y="6004374"/>
-            <a:ext cx="8828351" cy="830997"/>
-          </a:xfrm>
-          <a:prstGeom prst="rect">
-            <a:avLst/>
-          </a:prstGeom>
-          <a:noFill/>
-        </p:spPr>
-        <p:txBody>
-          <a:bodyPr wrap="square" rtlCol="0">
-            <a:spAutoFit/>
-          </a:bodyPr>
-          <a:lstStyle/>
-          <a:p>
-            <a:r>
-              <a:rPr lang="en-US" sz="1600" dirty="0" smtClean="0"/>
-              <a:t>Map is using longitude and latitude provided in the data.</a:t>
-            </a:r>
-          </a:p>
-          <a:p>
-            <a:r>
-              <a:rPr lang="en-US" sz="1600" dirty="0" smtClean="0"/>
-              <a:t>The USA has the most wines produced for this set of wine data.</a:t>
-            </a:r>
-          </a:p>
-          <a:p>
-            <a:pPr marL="742950" lvl="1" indent="-285750">
-              <a:buFont typeface="Arial" panose="020B0604020202020204" pitchFamily="34" charset="0"/>
-              <a:buChar char="•"/>
-            </a:pPr>
-            <a:endParaRPr lang="en-US" sz="1600" dirty="0" smtClean="0"/>
-          </a:p>
-        </p:txBody>
-      </p:sp>
-    </p:spTree>
-    <p:extLst>
-      <p:ext uri="{BB962C8B-B14F-4D97-AF65-F5344CB8AC3E}">
-        <p14:creationId xmlns:p14="http://schemas.microsoft.com/office/powerpoint/2010/main" val="50600015"/>
       </p:ext>
     </p:extLst>
   </p:cSld>

--- a/winereviews/Wine Reviews Analysis and Visualization.pptx
+++ b/winereviews/Wine Reviews Analysis and Visualization.pptx
@@ -10,23 +10,21 @@
     <p:sldId id="282" r:id="rId4"/>
     <p:sldId id="270" r:id="rId5"/>
     <p:sldId id="294" r:id="rId6"/>
-    <p:sldId id="257" r:id="rId7"/>
-    <p:sldId id="262" r:id="rId8"/>
-    <p:sldId id="267" r:id="rId9"/>
-    <p:sldId id="268" r:id="rId10"/>
-    <p:sldId id="269" r:id="rId11"/>
-    <p:sldId id="261" r:id="rId12"/>
-    <p:sldId id="260" r:id="rId13"/>
-    <p:sldId id="265" r:id="rId14"/>
-    <p:sldId id="280" r:id="rId15"/>
-    <p:sldId id="281" r:id="rId16"/>
-    <p:sldId id="284" r:id="rId17"/>
-    <p:sldId id="288" r:id="rId18"/>
-    <p:sldId id="289" r:id="rId19"/>
-    <p:sldId id="286" r:id="rId20"/>
-    <p:sldId id="295" r:id="rId21"/>
-    <p:sldId id="278" r:id="rId22"/>
-    <p:sldId id="292" r:id="rId23"/>
+    <p:sldId id="262" r:id="rId7"/>
+    <p:sldId id="267" r:id="rId8"/>
+    <p:sldId id="268" r:id="rId9"/>
+    <p:sldId id="269" r:id="rId10"/>
+    <p:sldId id="261" r:id="rId11"/>
+    <p:sldId id="260" r:id="rId12"/>
+    <p:sldId id="265" r:id="rId13"/>
+    <p:sldId id="280" r:id="rId14"/>
+    <p:sldId id="281" r:id="rId15"/>
+    <p:sldId id="284" r:id="rId16"/>
+    <p:sldId id="288" r:id="rId17"/>
+    <p:sldId id="289" r:id="rId18"/>
+    <p:sldId id="286" r:id="rId19"/>
+    <p:sldId id="295" r:id="rId20"/>
+    <p:sldId id="278" r:id="rId21"/>
   </p:sldIdLst>
   <p:sldSz cx="12192000" cy="6858000"/>
   <p:notesSz cx="6858000" cy="9144000"/>
@@ -3036,7 +3034,7 @@
           </a:ln>
           <a:extLst>
             <a:ext uri="{909E8E84-426E-40dd-AFC4-6F175D3DCCD1}">
-              <a14:hiddenFill xmlns:a14="http://schemas.microsoft.com/office/drawing/2010/main" xmlns="">
+              <a14:hiddenFill xmlns="" xmlns:a14="http://schemas.microsoft.com/office/drawing/2010/main">
                 <a:solidFill>
                   <a:schemeClr val="tx2">
                     <a:alpha val="0"/>
@@ -3271,7 +3269,7 @@
           </a:ln>
           <a:extLst>
             <a:ext uri="{909E8E84-426E-40dd-AFC4-6F175D3DCCD1}">
-              <a14:hiddenFill xmlns:a14="http://schemas.microsoft.com/office/drawing/2010/main" xmlns="">
+              <a14:hiddenFill xmlns="" xmlns:a14="http://schemas.microsoft.com/office/drawing/2010/main">
                 <a:solidFill>
                   <a:schemeClr val="tx2">
                     <a:alpha val="0"/>
@@ -3594,317 +3592,6 @@
 </file>
 
 <file path=ppt/slides/slide10.xml><?xml version="1.0" encoding="utf-8"?>
-<p:sld xmlns:a="http://schemas.openxmlformats.org/drawingml/2006/main" xmlns:r="http://schemas.openxmlformats.org/officeDocument/2006/relationships" xmlns:p="http://schemas.openxmlformats.org/presentationml/2006/main">
-  <p:cSld>
-    <p:spTree>
-      <p:nvGrpSpPr>
-        <p:cNvPr id="1" name=""/>
-        <p:cNvGrpSpPr/>
-        <p:nvPr/>
-      </p:nvGrpSpPr>
-      <p:grpSpPr>
-        <a:xfrm>
-          <a:off x="0" y="0"/>
-          <a:ext cx="0" cy="0"/>
-          <a:chOff x="0" y="0"/>
-          <a:chExt cx="0" cy="0"/>
-        </a:xfrm>
-      </p:grpSpPr>
-      <p:pic>
-        <p:nvPicPr>
-          <p:cNvPr id="4" name="Picture 3"/>
-          <p:cNvPicPr>
-            <a:picLocks noChangeAspect="1"/>
-          </p:cNvPicPr>
-          <p:nvPr/>
-        </p:nvPicPr>
-        <p:blipFill>
-          <a:blip r:embed="rId2"/>
-          <a:stretch>
-            <a:fillRect/>
-          </a:stretch>
-        </p:blipFill>
-        <p:spPr>
-          <a:xfrm>
-            <a:off x="386689" y="1198179"/>
-            <a:ext cx="8305623" cy="4718741"/>
-          </a:xfrm>
-          <a:prstGeom prst="rect">
-            <a:avLst/>
-          </a:prstGeom>
-        </p:spPr>
-      </p:pic>
-      <p:sp>
-        <p:nvSpPr>
-          <p:cNvPr id="5" name="Title 14"/>
-          <p:cNvSpPr txBox="1">
-            <a:spLocks/>
-          </p:cNvSpPr>
-          <p:nvPr/>
-        </p:nvSpPr>
-        <p:spPr bwMode="auto">
-          <a:xfrm>
-            <a:off x="310515" y="202783"/>
-            <a:ext cx="8229601" cy="492443"/>
-          </a:xfrm>
-          <a:prstGeom prst="rect">
-            <a:avLst/>
-          </a:prstGeom>
-          <a:noFill/>
-          <a:ln>
-            <a:noFill/>
-          </a:ln>
-          <a:extLst>
-            <a:ext uri="{FAA26D3D-D897-4be2-8F04-BA451C77F1D7}">
-              <ma14:placeholderFlag xmlns:ma14="http://schemas.microsoft.com/office/mac/drawingml/2011/main" xmlns="" val="1"/>
-            </a:ext>
-            <a:ext uri="{909E8E84-426E-40dd-AFC4-6F175D3DCCD1}">
-              <a14:hiddenFill xmlns="" xmlns:a14="http://schemas.microsoft.com/office/drawing/2010/main">
-                <a:solidFill>
-                  <a:schemeClr val="accent1"/>
-                </a:solidFill>
-              </a14:hiddenFill>
-            </a:ext>
-            <a:ext uri="{91240B29-F687-4f45-9708-019B960494DF}">
-              <a14:hiddenLine xmlns="" xmlns:a14="http://schemas.microsoft.com/office/drawing/2010/main" w="9525">
-                <a:solidFill>
-                  <a:schemeClr val="tx1"/>
-                </a:solidFill>
-                <a:miter lim="800000"/>
-                <a:headEnd/>
-                <a:tailEnd/>
-              </a14:hiddenLine>
-            </a:ext>
-          </a:extLst>
-        </p:spPr>
-        <p:txBody>
-          <a:bodyPr vert="horz" wrap="square" lIns="0" tIns="0" rIns="0" bIns="0" numCol="1" anchor="t" anchorCtr="0" compatLnSpc="1">
-            <a:prstTxWarp prst="textNoShape">
-              <a:avLst/>
-            </a:prstTxWarp>
-            <a:spAutoFit/>
-          </a:bodyPr>
-          <a:lstStyle>
-            <a:lvl1pPr algn="l" rtl="0" eaLnBrk="1" fontAlgn="base" hangingPunct="1">
-              <a:spcBef>
-                <a:spcPct val="0"/>
-              </a:spcBef>
-              <a:spcAft>
-                <a:spcPct val="0"/>
-              </a:spcAft>
-              <a:defRPr sz="2000" b="1">
-                <a:solidFill>
-                  <a:schemeClr val="accent1"/>
-                </a:solidFill>
-                <a:latin typeface="Malgun Gothic" panose="020B0503020000020004" pitchFamily="34" charset="-127"/>
-                <a:ea typeface="Malgun Gothic" panose="020B0503020000020004" pitchFamily="34" charset="-127"/>
-                <a:cs typeface="+mj-cs"/>
-              </a:defRPr>
-            </a:lvl1pPr>
-            <a:lvl2pPr algn="l" rtl="0" eaLnBrk="1" fontAlgn="base" hangingPunct="1">
-              <a:spcBef>
-                <a:spcPct val="0"/>
-              </a:spcBef>
-              <a:spcAft>
-                <a:spcPct val="0"/>
-              </a:spcAft>
-              <a:defRPr sz="2000" b="1">
-                <a:solidFill>
-                  <a:srgbClr val="9F0812"/>
-                </a:solidFill>
-                <a:latin typeface="Arial" charset="0"/>
-                <a:ea typeface="ヒラギノ角ゴ Pro W3" charset="0"/>
-                <a:cs typeface="ＭＳ Ｐゴシック" charset="0"/>
-              </a:defRPr>
-            </a:lvl2pPr>
-            <a:lvl3pPr algn="l" rtl="0" eaLnBrk="1" fontAlgn="base" hangingPunct="1">
-              <a:spcBef>
-                <a:spcPct val="0"/>
-              </a:spcBef>
-              <a:spcAft>
-                <a:spcPct val="0"/>
-              </a:spcAft>
-              <a:defRPr sz="2000" b="1">
-                <a:solidFill>
-                  <a:srgbClr val="9F0812"/>
-                </a:solidFill>
-                <a:latin typeface="Arial" charset="0"/>
-                <a:ea typeface="ヒラギノ角ゴ Pro W3" charset="0"/>
-                <a:cs typeface="ＭＳ Ｐゴシック" charset="0"/>
-              </a:defRPr>
-            </a:lvl3pPr>
-            <a:lvl4pPr algn="l" rtl="0" eaLnBrk="1" fontAlgn="base" hangingPunct="1">
-              <a:spcBef>
-                <a:spcPct val="0"/>
-              </a:spcBef>
-              <a:spcAft>
-                <a:spcPct val="0"/>
-              </a:spcAft>
-              <a:defRPr sz="2000" b="1">
-                <a:solidFill>
-                  <a:srgbClr val="9F0812"/>
-                </a:solidFill>
-                <a:latin typeface="Arial" charset="0"/>
-                <a:ea typeface="ヒラギノ角ゴ Pro W3" charset="0"/>
-                <a:cs typeface="ＭＳ Ｐゴシック" charset="0"/>
-              </a:defRPr>
-            </a:lvl4pPr>
-            <a:lvl5pPr algn="l" rtl="0" eaLnBrk="1" fontAlgn="base" hangingPunct="1">
-              <a:spcBef>
-                <a:spcPct val="0"/>
-              </a:spcBef>
-              <a:spcAft>
-                <a:spcPct val="0"/>
-              </a:spcAft>
-              <a:defRPr sz="2000" b="1">
-                <a:solidFill>
-                  <a:srgbClr val="9F0812"/>
-                </a:solidFill>
-                <a:latin typeface="Arial" charset="0"/>
-                <a:ea typeface="ヒラギノ角ゴ Pro W3" charset="0"/>
-                <a:cs typeface="ＭＳ Ｐゴシック" charset="0"/>
-              </a:defRPr>
-            </a:lvl5pPr>
-            <a:lvl6pPr marL="457200" algn="l" rtl="0" eaLnBrk="1" fontAlgn="base" hangingPunct="1">
-              <a:spcBef>
-                <a:spcPct val="0"/>
-              </a:spcBef>
-              <a:spcAft>
-                <a:spcPct val="0"/>
-              </a:spcAft>
-              <a:defRPr sz="2800" b="1">
-                <a:solidFill>
-                  <a:schemeClr val="tx2"/>
-                </a:solidFill>
-                <a:latin typeface="Arial" charset="0"/>
-                <a:ea typeface="ＭＳ Ｐゴシック" charset="0"/>
-                <a:cs typeface="ＭＳ Ｐゴシック" charset="0"/>
-              </a:defRPr>
-            </a:lvl6pPr>
-            <a:lvl7pPr marL="914400" algn="l" rtl="0" eaLnBrk="1" fontAlgn="base" hangingPunct="1">
-              <a:spcBef>
-                <a:spcPct val="0"/>
-              </a:spcBef>
-              <a:spcAft>
-                <a:spcPct val="0"/>
-              </a:spcAft>
-              <a:defRPr sz="2800" b="1">
-                <a:solidFill>
-                  <a:schemeClr val="tx2"/>
-                </a:solidFill>
-                <a:latin typeface="Arial" charset="0"/>
-                <a:ea typeface="ＭＳ Ｐゴシック" charset="0"/>
-                <a:cs typeface="ＭＳ Ｐゴシック" charset="0"/>
-              </a:defRPr>
-            </a:lvl7pPr>
-            <a:lvl8pPr marL="1371600" algn="l" rtl="0" eaLnBrk="1" fontAlgn="base" hangingPunct="1">
-              <a:spcBef>
-                <a:spcPct val="0"/>
-              </a:spcBef>
-              <a:spcAft>
-                <a:spcPct val="0"/>
-              </a:spcAft>
-              <a:defRPr sz="2800" b="1">
-                <a:solidFill>
-                  <a:schemeClr val="tx2"/>
-                </a:solidFill>
-                <a:latin typeface="Arial" charset="0"/>
-                <a:ea typeface="ＭＳ Ｐゴシック" charset="0"/>
-                <a:cs typeface="ＭＳ Ｐゴシック" charset="0"/>
-              </a:defRPr>
-            </a:lvl8pPr>
-            <a:lvl9pPr marL="1828800" algn="l" rtl="0" eaLnBrk="1" fontAlgn="base" hangingPunct="1">
-              <a:spcBef>
-                <a:spcPct val="0"/>
-              </a:spcBef>
-              <a:spcAft>
-                <a:spcPct val="0"/>
-              </a:spcAft>
-              <a:defRPr sz="2800" b="1">
-                <a:solidFill>
-                  <a:schemeClr val="tx2"/>
-                </a:solidFill>
-                <a:latin typeface="Arial" charset="0"/>
-                <a:ea typeface="ＭＳ Ｐゴシック" charset="0"/>
-                <a:cs typeface="ＭＳ Ｐゴシック" charset="0"/>
-              </a:defRPr>
-            </a:lvl9pPr>
-          </a:lstStyle>
-          <a:p>
-            <a:r>
-              <a:rPr lang="en-US" dirty="0" smtClean="0"/>
-              <a:t>Tableau Wine Tasted by Country</a:t>
-            </a:r>
-          </a:p>
-          <a:p>
-            <a:r>
-              <a:rPr lang="en-US" sz="1200" dirty="0" smtClean="0">
-                <a:solidFill>
-                  <a:schemeClr val="tx1"/>
-                </a:solidFill>
-              </a:rPr>
-              <a:t>Which countries produced the wines tasted?</a:t>
-            </a:r>
-            <a:endParaRPr lang="en-US" sz="1200" kern="0" dirty="0"/>
-          </a:p>
-        </p:txBody>
-      </p:sp>
-      <p:sp>
-        <p:nvSpPr>
-          <p:cNvPr id="6" name="TextBox 5"/>
-          <p:cNvSpPr txBox="1"/>
-          <p:nvPr/>
-        </p:nvSpPr>
-        <p:spPr>
-          <a:xfrm>
-            <a:off x="501164" y="6004374"/>
-            <a:ext cx="8828351" cy="830997"/>
-          </a:xfrm>
-          <a:prstGeom prst="rect">
-            <a:avLst/>
-          </a:prstGeom>
-          <a:noFill/>
-        </p:spPr>
-        <p:txBody>
-          <a:bodyPr wrap="square" rtlCol="0">
-            <a:spAutoFit/>
-          </a:bodyPr>
-          <a:lstStyle/>
-          <a:p>
-            <a:r>
-              <a:rPr lang="en-US" sz="1600" dirty="0" smtClean="0"/>
-              <a:t>Map is using longitude and latitude provided in the data.</a:t>
-            </a:r>
-          </a:p>
-          <a:p>
-            <a:r>
-              <a:rPr lang="en-US" sz="1600" dirty="0" smtClean="0"/>
-              <a:t>The USA has the most wines produced for this set of wine data.</a:t>
-            </a:r>
-          </a:p>
-          <a:p>
-            <a:pPr marL="742950" lvl="1" indent="-285750">
-              <a:buFont typeface="Arial" panose="020B0604020202020204" pitchFamily="34" charset="0"/>
-              <a:buChar char="•"/>
-            </a:pPr>
-            <a:endParaRPr lang="en-US" sz="1600" dirty="0" smtClean="0"/>
-          </a:p>
-        </p:txBody>
-      </p:sp>
-    </p:spTree>
-    <p:extLst>
-      <p:ext uri="{BB962C8B-B14F-4D97-AF65-F5344CB8AC3E}">
-        <p14:creationId xmlns:p14="http://schemas.microsoft.com/office/powerpoint/2010/main" val="50600015"/>
-      </p:ext>
-    </p:extLst>
-  </p:cSld>
-  <p:clrMapOvr>
-    <a:masterClrMapping/>
-  </p:clrMapOvr>
-</p:sld>
-</file>
-
-<file path=ppt/slides/slide11.xml><?xml version="1.0" encoding="utf-8"?>
 <p:sld xmlns:a="http://schemas.openxmlformats.org/drawingml/2006/main" xmlns:r="http://schemas.openxmlformats.org/officeDocument/2006/relationships" xmlns:p="http://schemas.openxmlformats.org/presentationml/2006/main">
   <p:cSld>
     <p:spTree>
@@ -4119,17 +3806,17 @@
           </a:ln>
           <a:extLst>
             <a:ext uri="{FAA26D3D-D897-4be2-8F04-BA451C77F1D7}">
-              <ma14:placeholderFlag xmlns:ma14="http://schemas.microsoft.com/office/mac/drawingml/2011/main" xmlns="" val="1"/>
+              <ma14:placeholderFlag xmlns="" xmlns:ma14="http://schemas.microsoft.com/office/mac/drawingml/2011/main" val="1"/>
             </a:ext>
             <a:ext uri="{909E8E84-426E-40dd-AFC4-6F175D3DCCD1}">
-              <a14:hiddenFill xmlns="" xmlns:a14="http://schemas.microsoft.com/office/drawing/2010/main">
+              <a14:hiddenFill xmlns:a14="http://schemas.microsoft.com/office/drawing/2010/main" xmlns="">
                 <a:solidFill>
                   <a:schemeClr val="accent1"/>
                 </a:solidFill>
               </a14:hiddenFill>
             </a:ext>
             <a:ext uri="{91240B29-F687-4f45-9708-019B960494DF}">
-              <a14:hiddenLine xmlns="" xmlns:a14="http://schemas.microsoft.com/office/drawing/2010/main" w="9525">
+              <a14:hiddenLine xmlns:a14="http://schemas.microsoft.com/office/drawing/2010/main" xmlns="" w="9525">
                 <a:solidFill>
                   <a:schemeClr val="tx1"/>
                 </a:solidFill>
@@ -4422,7 +4109,7 @@
 </p:sld>
 </file>
 
-<file path=ppt/slides/slide12.xml><?xml version="1.0" encoding="utf-8"?>
+<file path=ppt/slides/slide11.xml><?xml version="1.0" encoding="utf-8"?>
 <p:sld xmlns:a="http://schemas.openxmlformats.org/drawingml/2006/main" xmlns:r="http://schemas.openxmlformats.org/officeDocument/2006/relationships" xmlns:p="http://schemas.openxmlformats.org/presentationml/2006/main">
   <p:cSld>
     <p:spTree>
@@ -4461,17 +4148,17 @@
           </a:ln>
           <a:extLst>
             <a:ext uri="{FAA26D3D-D897-4be2-8F04-BA451C77F1D7}">
-              <ma14:placeholderFlag xmlns:ma14="http://schemas.microsoft.com/office/mac/drawingml/2011/main" xmlns="" val="1"/>
+              <ma14:placeholderFlag xmlns="" xmlns:ma14="http://schemas.microsoft.com/office/mac/drawingml/2011/main" val="1"/>
             </a:ext>
             <a:ext uri="{909E8E84-426E-40dd-AFC4-6F175D3DCCD1}">
-              <a14:hiddenFill xmlns="" xmlns:a14="http://schemas.microsoft.com/office/drawing/2010/main">
+              <a14:hiddenFill xmlns:a14="http://schemas.microsoft.com/office/drawing/2010/main" xmlns="">
                 <a:solidFill>
                   <a:schemeClr val="accent1"/>
                 </a:solidFill>
               </a14:hiddenFill>
             </a:ext>
             <a:ext uri="{91240B29-F687-4f45-9708-019B960494DF}">
-              <a14:hiddenLine xmlns="" xmlns:a14="http://schemas.microsoft.com/office/drawing/2010/main" w="9525">
+              <a14:hiddenLine xmlns:a14="http://schemas.microsoft.com/office/drawing/2010/main" xmlns="" w="9525">
                 <a:solidFill>
                   <a:schemeClr val="tx1"/>
                 </a:solidFill>
@@ -4887,7 +4574,7 @@
         <p:spPr>
           <a:xfrm>
             <a:off x="7579746" y="5720881"/>
-            <a:ext cx="3365404" cy="1200329"/>
+            <a:ext cx="3365404" cy="1015663"/>
           </a:xfrm>
           <a:prstGeom prst="rect">
             <a:avLst/>
@@ -4906,7 +4593,31 @@
             </a:pPr>
             <a:r>
               <a:rPr lang="en-US" sz="1200" dirty="0" smtClean="0"/>
-              <a:t>Prepping data for classifier model we setup the best and worst wines according to wine point scores. 30% from lower scoring ‘Worst’ wines and 30% from higher scoring</a:t>
+              <a:t>Prepping data for classifier model </a:t>
+            </a:r>
+            <a:r>
+              <a:rPr lang="en-US" sz="1200" dirty="0" smtClean="0"/>
+              <a:t>setup </a:t>
+            </a:r>
+            <a:r>
+              <a:rPr lang="en-US" sz="1200" dirty="0" smtClean="0"/>
+              <a:t>the best and worst wines according to wine point scores. </a:t>
+            </a:r>
+            <a:r>
+              <a:rPr lang="en-US" sz="1200" dirty="0" smtClean="0"/>
+              <a:t>‘</a:t>
+            </a:r>
+            <a:r>
+              <a:rPr lang="en-US" sz="1200" dirty="0" smtClean="0"/>
+              <a:t>Worst’ wines and </a:t>
+            </a:r>
+            <a:r>
+              <a:rPr lang="en-US" sz="1200" dirty="0" smtClean="0"/>
+              <a:t>higher </a:t>
+            </a:r>
+            <a:r>
+              <a:rPr lang="en-US" sz="1200" dirty="0" smtClean="0"/>
+              <a:t>scoring</a:t>
             </a:r>
             <a:endParaRPr lang="en-US" sz="1200" dirty="0"/>
           </a:p>
@@ -5003,7 +4714,7 @@
 </p:sld>
 </file>
 
-<file path=ppt/slides/slide13.xml><?xml version="1.0" encoding="utf-8"?>
+<file path=ppt/slides/slide12.xml><?xml version="1.0" encoding="utf-8"?>
 <p:sld xmlns:a="http://schemas.openxmlformats.org/drawingml/2006/main" xmlns:r="http://schemas.openxmlformats.org/officeDocument/2006/relationships" xmlns:p="http://schemas.openxmlformats.org/presentationml/2006/main">
   <p:cSld>
     <p:spTree>
@@ -5042,17 +4753,17 @@
           </a:ln>
           <a:extLst>
             <a:ext uri="{FAA26D3D-D897-4be2-8F04-BA451C77F1D7}">
-              <ma14:placeholderFlag xmlns:ma14="http://schemas.microsoft.com/office/mac/drawingml/2011/main" xmlns="" val="1"/>
+              <ma14:placeholderFlag xmlns="" xmlns:ma14="http://schemas.microsoft.com/office/mac/drawingml/2011/main" val="1"/>
             </a:ext>
             <a:ext uri="{909E8E84-426E-40dd-AFC4-6F175D3DCCD1}">
-              <a14:hiddenFill xmlns="" xmlns:a14="http://schemas.microsoft.com/office/drawing/2010/main">
+              <a14:hiddenFill xmlns:a14="http://schemas.microsoft.com/office/drawing/2010/main" xmlns="">
                 <a:solidFill>
                   <a:schemeClr val="accent1"/>
                 </a:solidFill>
               </a14:hiddenFill>
             </a:ext>
             <a:ext uri="{91240B29-F687-4f45-9708-019B960494DF}">
-              <a14:hiddenLine xmlns="" xmlns:a14="http://schemas.microsoft.com/office/drawing/2010/main" w="9525">
+              <a14:hiddenLine xmlns:a14="http://schemas.microsoft.com/office/drawing/2010/main" xmlns="" w="9525">
                 <a:solidFill>
                   <a:schemeClr val="tx1"/>
                 </a:solidFill>
@@ -5543,7 +5254,7 @@
 </p:sld>
 </file>
 
-<file path=ppt/slides/slide14.xml><?xml version="1.0" encoding="utf-8"?>
+<file path=ppt/slides/slide13.xml><?xml version="1.0" encoding="utf-8"?>
 <p:sld xmlns:a="http://schemas.openxmlformats.org/drawingml/2006/main" xmlns:r="http://schemas.openxmlformats.org/officeDocument/2006/relationships" xmlns:p="http://schemas.openxmlformats.org/presentationml/2006/main">
   <p:cSld>
     <p:spTree>
@@ -5582,17 +5293,17 @@
           </a:ln>
           <a:extLst>
             <a:ext uri="{FAA26D3D-D897-4be2-8F04-BA451C77F1D7}">
-              <ma14:placeholderFlag xmlns:ma14="http://schemas.microsoft.com/office/mac/drawingml/2011/main" xmlns="" val="1"/>
+              <ma14:placeholderFlag xmlns="" xmlns:ma14="http://schemas.microsoft.com/office/mac/drawingml/2011/main" val="1"/>
             </a:ext>
             <a:ext uri="{909E8E84-426E-40dd-AFC4-6F175D3DCCD1}">
-              <a14:hiddenFill xmlns="" xmlns:a14="http://schemas.microsoft.com/office/drawing/2010/main">
+              <a14:hiddenFill xmlns:a14="http://schemas.microsoft.com/office/drawing/2010/main" xmlns="">
                 <a:solidFill>
                   <a:schemeClr val="accent1"/>
                 </a:solidFill>
               </a14:hiddenFill>
             </a:ext>
             <a:ext uri="{91240B29-F687-4f45-9708-019B960494DF}">
-              <a14:hiddenLine xmlns="" xmlns:a14="http://schemas.microsoft.com/office/drawing/2010/main" w="9525">
+              <a14:hiddenLine xmlns:a14="http://schemas.microsoft.com/office/drawing/2010/main" xmlns="" w="9525">
                 <a:solidFill>
                   <a:schemeClr val="tx1"/>
                 </a:solidFill>
@@ -6096,7 +5807,7 @@
 </p:sld>
 </file>
 
-<file path=ppt/slides/slide15.xml><?xml version="1.0" encoding="utf-8"?>
+<file path=ppt/slides/slide14.xml><?xml version="1.0" encoding="utf-8"?>
 <p:sld xmlns:a="http://schemas.openxmlformats.org/drawingml/2006/main" xmlns:r="http://schemas.openxmlformats.org/officeDocument/2006/relationships" xmlns:p="http://schemas.openxmlformats.org/presentationml/2006/main">
   <p:cSld>
     <p:spTree>
@@ -6135,17 +5846,17 @@
           </a:ln>
           <a:extLst>
             <a:ext uri="{FAA26D3D-D897-4be2-8F04-BA451C77F1D7}">
-              <ma14:placeholderFlag xmlns:ma14="http://schemas.microsoft.com/office/mac/drawingml/2011/main" xmlns="" val="1"/>
+              <ma14:placeholderFlag xmlns="" xmlns:ma14="http://schemas.microsoft.com/office/mac/drawingml/2011/main" val="1"/>
             </a:ext>
             <a:ext uri="{909E8E84-426E-40dd-AFC4-6F175D3DCCD1}">
-              <a14:hiddenFill xmlns="" xmlns:a14="http://schemas.microsoft.com/office/drawing/2010/main">
+              <a14:hiddenFill xmlns:a14="http://schemas.microsoft.com/office/drawing/2010/main" xmlns="">
                 <a:solidFill>
                   <a:schemeClr val="accent1"/>
                 </a:solidFill>
               </a14:hiddenFill>
             </a:ext>
             <a:ext uri="{91240B29-F687-4f45-9708-019B960494DF}">
-              <a14:hiddenLine xmlns="" xmlns:a14="http://schemas.microsoft.com/office/drawing/2010/main" w="9525">
+              <a14:hiddenLine xmlns:a14="http://schemas.microsoft.com/office/drawing/2010/main" xmlns="" w="9525">
                 <a:solidFill>
                   <a:schemeClr val="tx1"/>
                 </a:solidFill>
@@ -6559,7 +6270,7 @@
 </p:sld>
 </file>
 
-<file path=ppt/slides/slide16.xml><?xml version="1.0" encoding="utf-8"?>
+<file path=ppt/slides/slide15.xml><?xml version="1.0" encoding="utf-8"?>
 <p:sld xmlns:a="http://schemas.openxmlformats.org/drawingml/2006/main" xmlns:r="http://schemas.openxmlformats.org/officeDocument/2006/relationships" xmlns:p="http://schemas.openxmlformats.org/presentationml/2006/main">
   <p:cSld>
     <p:spTree>
@@ -6598,17 +6309,17 @@
           </a:ln>
           <a:extLst>
             <a:ext uri="{FAA26D3D-D897-4be2-8F04-BA451C77F1D7}">
-              <ma14:placeholderFlag xmlns:ma14="http://schemas.microsoft.com/office/mac/drawingml/2011/main" xmlns="" val="1"/>
+              <ma14:placeholderFlag xmlns="" xmlns:ma14="http://schemas.microsoft.com/office/mac/drawingml/2011/main" val="1"/>
             </a:ext>
             <a:ext uri="{909E8E84-426E-40dd-AFC4-6F175D3DCCD1}">
-              <a14:hiddenFill xmlns="" xmlns:a14="http://schemas.microsoft.com/office/drawing/2010/main">
+              <a14:hiddenFill xmlns:a14="http://schemas.microsoft.com/office/drawing/2010/main" xmlns="">
                 <a:solidFill>
                   <a:schemeClr val="accent1"/>
                 </a:solidFill>
               </a14:hiddenFill>
             </a:ext>
             <a:ext uri="{91240B29-F687-4f45-9708-019B960494DF}">
-              <a14:hiddenLine xmlns="" xmlns:a14="http://schemas.microsoft.com/office/drawing/2010/main" w="9525">
+              <a14:hiddenLine xmlns:a14="http://schemas.microsoft.com/office/drawing/2010/main" xmlns="" w="9525">
                 <a:solidFill>
                   <a:schemeClr val="tx1"/>
                 </a:solidFill>
@@ -7023,7 +6734,7 @@
 </p:sld>
 </file>
 
-<file path=ppt/slides/slide17.xml><?xml version="1.0" encoding="utf-8"?>
+<file path=ppt/slides/slide16.xml><?xml version="1.0" encoding="utf-8"?>
 <p:sld xmlns:a="http://schemas.openxmlformats.org/drawingml/2006/main" xmlns:r="http://schemas.openxmlformats.org/officeDocument/2006/relationships" xmlns:p="http://schemas.openxmlformats.org/presentationml/2006/main">
   <p:cSld>
     <p:spTree>
@@ -7062,17 +6773,17 @@
           </a:ln>
           <a:extLst>
             <a:ext uri="{FAA26D3D-D897-4be2-8F04-BA451C77F1D7}">
-              <ma14:placeholderFlag xmlns:ma14="http://schemas.microsoft.com/office/mac/drawingml/2011/main" xmlns="" val="1"/>
+              <ma14:placeholderFlag xmlns="" xmlns:ma14="http://schemas.microsoft.com/office/mac/drawingml/2011/main" val="1"/>
             </a:ext>
             <a:ext uri="{909E8E84-426E-40dd-AFC4-6F175D3DCCD1}">
-              <a14:hiddenFill xmlns="" xmlns:a14="http://schemas.microsoft.com/office/drawing/2010/main">
+              <a14:hiddenFill xmlns:a14="http://schemas.microsoft.com/office/drawing/2010/main" xmlns="">
                 <a:solidFill>
                   <a:schemeClr val="accent1"/>
                 </a:solidFill>
               </a14:hiddenFill>
             </a:ext>
             <a:ext uri="{91240B29-F687-4f45-9708-019B960494DF}">
-              <a14:hiddenLine xmlns="" xmlns:a14="http://schemas.microsoft.com/office/drawing/2010/main" w="9525">
+              <a14:hiddenLine xmlns:a14="http://schemas.microsoft.com/office/drawing/2010/main" xmlns="" w="9525">
                 <a:solidFill>
                   <a:schemeClr val="tx1"/>
                 </a:solidFill>
@@ -7624,7 +7335,7 @@
         <p:spPr>
           <a:xfrm>
             <a:off x="6443160" y="664702"/>
-            <a:ext cx="3224542" cy="276999"/>
+            <a:ext cx="4224840" cy="276999"/>
           </a:xfrm>
           <a:prstGeom prst="rect">
             <a:avLst/>
@@ -7639,7 +7350,11 @@
           <a:p>
             <a:r>
               <a:rPr lang="en-US" sz="1200" dirty="0" smtClean="0"/>
-              <a:t>Describing test results  prediction,  actual points</a:t>
+              <a:t>Describing test results  prediction,  actual </a:t>
+            </a:r>
+            <a:r>
+              <a:rPr lang="en-US" sz="1200" dirty="0" smtClean="0"/>
+              <a:t>points (testing data)</a:t>
             </a:r>
             <a:endParaRPr lang="en-US" sz="1200" dirty="0"/>
           </a:p>
@@ -7767,7 +7482,7 @@
 </p:sld>
 </file>
 
-<file path=ppt/slides/slide18.xml><?xml version="1.0" encoding="utf-8"?>
+<file path=ppt/slides/slide17.xml><?xml version="1.0" encoding="utf-8"?>
 <p:sld xmlns:a="http://schemas.openxmlformats.org/drawingml/2006/main" xmlns:r="http://schemas.openxmlformats.org/officeDocument/2006/relationships" xmlns:p="http://schemas.openxmlformats.org/presentationml/2006/main">
   <p:cSld>
     <p:spTree>
@@ -7806,17 +7521,17 @@
           </a:ln>
           <a:extLst>
             <a:ext uri="{FAA26D3D-D897-4be2-8F04-BA451C77F1D7}">
-              <ma14:placeholderFlag xmlns:ma14="http://schemas.microsoft.com/office/mac/drawingml/2011/main" xmlns="" val="1"/>
+              <ma14:placeholderFlag xmlns="" xmlns:ma14="http://schemas.microsoft.com/office/mac/drawingml/2011/main" val="1"/>
             </a:ext>
             <a:ext uri="{909E8E84-426E-40dd-AFC4-6F175D3DCCD1}">
-              <a14:hiddenFill xmlns="" xmlns:a14="http://schemas.microsoft.com/office/drawing/2010/main">
+              <a14:hiddenFill xmlns:a14="http://schemas.microsoft.com/office/drawing/2010/main" xmlns="">
                 <a:solidFill>
                   <a:schemeClr val="accent1"/>
                 </a:solidFill>
               </a14:hiddenFill>
             </a:ext>
             <a:ext uri="{91240B29-F687-4f45-9708-019B960494DF}">
-              <a14:hiddenLine xmlns="" xmlns:a14="http://schemas.microsoft.com/office/drawing/2010/main" w="9525">
+              <a14:hiddenLine xmlns:a14="http://schemas.microsoft.com/office/drawing/2010/main" xmlns="" w="9525">
                 <a:solidFill>
                   <a:schemeClr val="tx1"/>
                 </a:solidFill>
@@ -8344,8 +8059,8 @@
         </p:nvSpPr>
         <p:spPr>
           <a:xfrm>
-            <a:off x="6950025" y="711560"/>
-            <a:ext cx="3307880" cy="276999"/>
+            <a:off x="6950024" y="711560"/>
+            <a:ext cx="4085837" cy="276999"/>
           </a:xfrm>
           <a:prstGeom prst="rect">
             <a:avLst/>
@@ -8360,7 +8075,11 @@
           <a:p>
             <a:r>
               <a:rPr lang="en-US" sz="1200" dirty="0" smtClean="0"/>
-              <a:t>Describing test results  prediction, actual points</a:t>
+              <a:t>Describing test results  prediction, actual </a:t>
+            </a:r>
+            <a:r>
+              <a:rPr lang="en-US" sz="1200" dirty="0" smtClean="0"/>
+              <a:t>points testing data</a:t>
             </a:r>
             <a:endParaRPr lang="en-US" sz="1200" dirty="0"/>
           </a:p>
@@ -8464,7 +8183,7 @@
 </p:sld>
 </file>
 
-<file path=ppt/slides/slide19.xml><?xml version="1.0" encoding="utf-8"?>
+<file path=ppt/slides/slide18.xml><?xml version="1.0" encoding="utf-8"?>
 <p:sld xmlns:a="http://schemas.openxmlformats.org/drawingml/2006/main" xmlns:r="http://schemas.openxmlformats.org/officeDocument/2006/relationships" xmlns:p="http://schemas.openxmlformats.org/presentationml/2006/main">
   <p:cSld>
     <p:spTree>
@@ -8503,17 +8222,17 @@
           </a:ln>
           <a:extLst>
             <a:ext uri="{FAA26D3D-D897-4be2-8F04-BA451C77F1D7}">
-              <ma14:placeholderFlag xmlns:ma14="http://schemas.microsoft.com/office/mac/drawingml/2011/main" xmlns="" val="1"/>
+              <ma14:placeholderFlag xmlns="" xmlns:ma14="http://schemas.microsoft.com/office/mac/drawingml/2011/main" val="1"/>
             </a:ext>
             <a:ext uri="{909E8E84-426E-40dd-AFC4-6F175D3DCCD1}">
-              <a14:hiddenFill xmlns="" xmlns:a14="http://schemas.microsoft.com/office/drawing/2010/main">
+              <a14:hiddenFill xmlns:a14="http://schemas.microsoft.com/office/drawing/2010/main" xmlns="">
                 <a:solidFill>
                   <a:schemeClr val="accent1"/>
                 </a:solidFill>
               </a14:hiddenFill>
             </a:ext>
             <a:ext uri="{91240B29-F687-4f45-9708-019B960494DF}">
-              <a14:hiddenLine xmlns="" xmlns:a14="http://schemas.microsoft.com/office/drawing/2010/main" w="9525">
+              <a14:hiddenLine xmlns:a14="http://schemas.microsoft.com/office/drawing/2010/main" xmlns="" w="9525">
                 <a:solidFill>
                   <a:schemeClr val="tx1"/>
                 </a:solidFill>
@@ -8746,14 +8465,14 @@
           <p:nvPr>
             <p:extLst>
               <p:ext uri="{D42A27DB-BD31-4B8C-83A1-F6EECF244321}">
-                <p14:modId xmlns:p14="http://schemas.microsoft.com/office/powerpoint/2010/main" val="1673857586"/>
+                <p14:modId xmlns:p14="http://schemas.microsoft.com/office/powerpoint/2010/main" val="467335955"/>
               </p:ext>
             </p:extLst>
           </p:nvPr>
         </p:nvGraphicFramePr>
         <p:xfrm>
           <a:off x="460895" y="1313411"/>
-          <a:ext cx="9622443" cy="1165078"/>
+          <a:ext cx="9622443" cy="1548877"/>
         </p:xfrm>
         <a:graphic>
           <a:graphicData uri="http://schemas.openxmlformats.org/drawingml/2006/table">
@@ -8832,7 +8551,15 @@
                       </a:r>
                       <a:r>
                         <a:rPr lang="en-US" sz="1400" dirty="0" smtClean="0"/>
-                        <a:t> function.</a:t>
+                        <a:t> </a:t>
+                      </a:r>
+                      <a:r>
+                        <a:rPr lang="en-US" sz="1400" dirty="0" smtClean="0"/>
+                        <a:t>function</a:t>
+                      </a:r>
+                      <a:r>
+                        <a:rPr lang="en-US" sz="1400" baseline="0" dirty="0" smtClean="0"/>
+                        <a:t> and linear model</a:t>
                       </a:r>
                       <a:endParaRPr lang="en-US" sz="1400" dirty="0"/>
                     </a:p>
@@ -8878,7 +8605,40 @@
                           <a:ea typeface="+mn-ea"/>
                           <a:cs typeface="+mn-cs"/>
                         </a:rPr>
-                        <a:t> to visualize prediction errors.</a:t>
+                        <a:t> to visualize prediction errors</a:t>
+                      </a:r>
+                      <a:r>
+                        <a:rPr lang="en-US" sz="1400" b="0" i="0" kern="1200" dirty="0" smtClean="0">
+                          <a:solidFill>
+                            <a:schemeClr val="dk1"/>
+                          </a:solidFill>
+                          <a:effectLst/>
+                          <a:latin typeface="+mn-lt"/>
+                          <a:ea typeface="+mn-ea"/>
+                          <a:cs typeface="+mn-cs"/>
+                        </a:rPr>
+                        <a:t>.</a:t>
+                      </a:r>
+                    </a:p>
+                    <a:p>
+                      <a:endParaRPr lang="en-US" sz="1400" b="0" i="0" kern="1200" dirty="0" smtClean="0">
+                        <a:solidFill>
+                          <a:schemeClr val="dk1"/>
+                        </a:solidFill>
+                        <a:effectLst/>
+                        <a:latin typeface="+mn-lt"/>
+                        <a:ea typeface="+mn-ea"/>
+                        <a:cs typeface="+mn-cs"/>
+                      </a:endParaRPr>
+                    </a:p>
+                    <a:p>
+                      <a:r>
+                        <a:rPr lang="en-US" sz="1400" dirty="0" err="1" smtClean="0"/>
+                        <a:t>Cross_val_predict</a:t>
+                      </a:r>
+                      <a:r>
+                        <a:rPr lang="en-US" sz="1400" dirty="0" smtClean="0"/>
+                        <a:t> returns an array of the same size as `y` where each entry# is a prediction obtained by cross validation</a:t>
                       </a:r>
                       <a:endParaRPr lang="en-US" sz="1400" dirty="0"/>
                     </a:p>
@@ -8911,7 +8671,7 @@
         </p:blipFill>
         <p:spPr>
           <a:xfrm>
-            <a:off x="460895" y="2573463"/>
+            <a:off x="93033" y="2957262"/>
             <a:ext cx="6559866" cy="4131383"/>
           </a:xfrm>
           <a:prstGeom prst="rect">
@@ -8939,436 +8699,7 @@
 </p:sld>
 </file>
 
-<file path=ppt/slides/slide2.xml><?xml version="1.0" encoding="utf-8"?>
-<p:sld xmlns:a="http://schemas.openxmlformats.org/drawingml/2006/main" xmlns:r="http://schemas.openxmlformats.org/officeDocument/2006/relationships" xmlns:p="http://schemas.openxmlformats.org/presentationml/2006/main">
-  <p:cSld>
-    <p:spTree>
-      <p:nvGrpSpPr>
-        <p:cNvPr id="1" name=""/>
-        <p:cNvGrpSpPr/>
-        <p:nvPr/>
-      </p:nvGrpSpPr>
-      <p:grpSpPr>
-        <a:xfrm>
-          <a:off x="0" y="0"/>
-          <a:ext cx="0" cy="0"/>
-          <a:chOff x="0" y="0"/>
-          <a:chExt cx="0" cy="0"/>
-        </a:xfrm>
-      </p:grpSpPr>
-      <p:sp>
-        <p:nvSpPr>
-          <p:cNvPr id="3" name="Content Placeholder 2"/>
-          <p:cNvSpPr>
-            <a:spLocks noGrp="1"/>
-          </p:cNvSpPr>
-          <p:nvPr>
-            <p:ph idx="1"/>
-          </p:nvPr>
-        </p:nvSpPr>
-        <p:spPr>
-          <a:xfrm>
-            <a:off x="310515" y="1008992"/>
-            <a:ext cx="11043285" cy="5458309"/>
-          </a:xfrm>
-        </p:spPr>
-        <p:txBody>
-          <a:bodyPr>
-            <a:normAutofit fontScale="92500" lnSpcReduction="20000"/>
-          </a:bodyPr>
-          <a:lstStyle/>
-          <a:p>
-            <a:r>
-              <a:rPr lang="en-US" sz="2400" dirty="0" smtClean="0"/>
-              <a:t>Introduction</a:t>
-            </a:r>
-          </a:p>
-          <a:p>
-            <a:pPr lvl="1"/>
-            <a:r>
-              <a:rPr lang="en-US" dirty="0" smtClean="0"/>
-              <a:t>Project motivation was to develop text analytics to understand a wine tasters description of a wine and re-use that code for other text projects like surveys.</a:t>
-            </a:r>
-            <a:endParaRPr lang="en-US" dirty="0" smtClean="0"/>
-          </a:p>
-          <a:p>
-            <a:pPr lvl="1"/>
-            <a:r>
-              <a:rPr lang="en-US" dirty="0" smtClean="0"/>
-              <a:t>I am </a:t>
-            </a:r>
-            <a:r>
-              <a:rPr lang="en-US" dirty="0" smtClean="0"/>
-              <a:t>Database </a:t>
-            </a:r>
-            <a:r>
-              <a:rPr lang="en-US" dirty="0" smtClean="0"/>
-              <a:t>Technology </a:t>
-            </a:r>
-            <a:r>
-              <a:rPr lang="en-US" dirty="0" smtClean="0"/>
-              <a:t>student at Regis </a:t>
-            </a:r>
-            <a:r>
-              <a:rPr lang="en-US" dirty="0" smtClean="0"/>
-              <a:t>and </a:t>
-            </a:r>
-            <a:r>
-              <a:rPr lang="en-US" dirty="0" smtClean="0"/>
-              <a:t>an </a:t>
-            </a:r>
-            <a:r>
-              <a:rPr lang="en-US" dirty="0" smtClean="0"/>
-              <a:t>IT </a:t>
-            </a:r>
-            <a:r>
-              <a:rPr lang="en-US" dirty="0" smtClean="0"/>
-              <a:t>Manager by profession.</a:t>
-            </a:r>
-            <a:endParaRPr lang="en-US" dirty="0" smtClean="0"/>
-          </a:p>
-          <a:p>
-            <a:endParaRPr lang="en-US" sz="2400" dirty="0" smtClean="0"/>
-          </a:p>
-          <a:p>
-            <a:r>
-              <a:rPr lang="en-US" sz="2400" dirty="0" smtClean="0"/>
-              <a:t>Deeper </a:t>
-            </a:r>
-            <a:r>
-              <a:rPr lang="en-US" sz="2400" dirty="0"/>
-              <a:t>understanding the wine </a:t>
-            </a:r>
-            <a:r>
-              <a:rPr lang="en-US" sz="2400" dirty="0" smtClean="0"/>
-              <a:t>tasters description/review</a:t>
-            </a:r>
-            <a:endParaRPr lang="en-US" sz="2400" dirty="0"/>
-          </a:p>
-          <a:p>
-            <a:pPr lvl="1"/>
-            <a:r>
-              <a:rPr lang="en-US" dirty="0"/>
-              <a:t>Do low/high scores have correlations to certain words in tasters description?</a:t>
-            </a:r>
-          </a:p>
-          <a:p>
-            <a:pPr lvl="1"/>
-            <a:r>
-              <a:rPr lang="en-US" dirty="0"/>
-              <a:t>Can that be quantified using a Naïve Bayes feature classification model in Python that lists most informative features?</a:t>
-            </a:r>
-          </a:p>
-          <a:p>
-            <a:endParaRPr lang="en-US" sz="2400" dirty="0" smtClean="0"/>
-          </a:p>
-          <a:p>
-            <a:r>
-              <a:rPr lang="en-US" sz="2400" dirty="0" smtClean="0"/>
-              <a:t>Can we understanding </a:t>
-            </a:r>
-            <a:r>
-              <a:rPr lang="en-US" sz="2400" dirty="0"/>
-              <a:t>relationship of wine taster description and </a:t>
-            </a:r>
-            <a:r>
-              <a:rPr lang="en-US" sz="2400" dirty="0" smtClean="0"/>
-              <a:t>points?</a:t>
-            </a:r>
-            <a:endParaRPr lang="en-US" sz="2400" dirty="0"/>
-          </a:p>
-          <a:p>
-            <a:pPr lvl="1"/>
-            <a:r>
-              <a:rPr lang="en-US" dirty="0"/>
-              <a:t>Python Machine </a:t>
-            </a:r>
-            <a:r>
-              <a:rPr lang="en-US" dirty="0" smtClean="0"/>
-              <a:t>Learning wine score/point prediction</a:t>
-            </a:r>
-            <a:endParaRPr lang="en-US" dirty="0"/>
-          </a:p>
-          <a:p>
-            <a:endParaRPr lang="en-US" sz="2400" dirty="0" smtClean="0"/>
-          </a:p>
-          <a:p>
-            <a:r>
-              <a:rPr lang="en-US" sz="2400" dirty="0" smtClean="0"/>
-              <a:t>Exploratory </a:t>
-            </a:r>
-            <a:r>
-              <a:rPr lang="en-US" sz="2400" dirty="0" smtClean="0"/>
-              <a:t>data analysis</a:t>
-            </a:r>
-          </a:p>
-          <a:p>
-            <a:pPr lvl="1"/>
-            <a:r>
-              <a:rPr lang="en-US" dirty="0" smtClean="0"/>
-              <a:t>Learning and developing reports in </a:t>
-            </a:r>
-            <a:r>
-              <a:rPr lang="en-US" dirty="0" smtClean="0"/>
-              <a:t>Tableau to explore the wine data set</a:t>
-            </a:r>
-            <a:endParaRPr lang="en-US" dirty="0" smtClean="0"/>
-          </a:p>
-          <a:p>
-            <a:pPr lvl="1"/>
-            <a:r>
-              <a:rPr lang="en-US" dirty="0" smtClean="0"/>
-              <a:t>Learning and developing word cloud in </a:t>
-            </a:r>
-            <a:r>
-              <a:rPr lang="en-US" dirty="0" smtClean="0"/>
-              <a:t>R to understand descriptions</a:t>
-            </a:r>
-            <a:endParaRPr lang="en-US" dirty="0" smtClean="0"/>
-          </a:p>
-        </p:txBody>
-      </p:sp>
-      <p:sp>
-        <p:nvSpPr>
-          <p:cNvPr id="5" name="Title 14"/>
-          <p:cNvSpPr txBox="1">
-            <a:spLocks/>
-          </p:cNvSpPr>
-          <p:nvPr/>
-        </p:nvSpPr>
-        <p:spPr bwMode="auto">
-          <a:xfrm>
-            <a:off x="310515" y="202783"/>
-            <a:ext cx="8229601" cy="492443"/>
-          </a:xfrm>
-          <a:prstGeom prst="rect">
-            <a:avLst/>
-          </a:prstGeom>
-          <a:noFill/>
-          <a:ln>
-            <a:noFill/>
-          </a:ln>
-          <a:extLst>
-            <a:ext uri="{FAA26D3D-D897-4be2-8F04-BA451C77F1D7}">
-              <ma14:placeholderFlag xmlns:ma14="http://schemas.microsoft.com/office/mac/drawingml/2011/main" xmlns="" val="1"/>
-            </a:ext>
-            <a:ext uri="{909E8E84-426E-40dd-AFC4-6F175D3DCCD1}">
-              <a14:hiddenFill xmlns="" xmlns:a14="http://schemas.microsoft.com/office/drawing/2010/main">
-                <a:solidFill>
-                  <a:schemeClr val="accent1"/>
-                </a:solidFill>
-              </a14:hiddenFill>
-            </a:ext>
-            <a:ext uri="{91240B29-F687-4f45-9708-019B960494DF}">
-              <a14:hiddenLine xmlns="" xmlns:a14="http://schemas.microsoft.com/office/drawing/2010/main" w="9525">
-                <a:solidFill>
-                  <a:schemeClr val="tx1"/>
-                </a:solidFill>
-                <a:miter lim="800000"/>
-                <a:headEnd/>
-                <a:tailEnd/>
-              </a14:hiddenLine>
-            </a:ext>
-          </a:extLst>
-        </p:spPr>
-        <p:txBody>
-          <a:bodyPr vert="horz" wrap="square" lIns="0" tIns="0" rIns="0" bIns="0" numCol="1" anchor="t" anchorCtr="0" compatLnSpc="1">
-            <a:prstTxWarp prst="textNoShape">
-              <a:avLst/>
-            </a:prstTxWarp>
-            <a:spAutoFit/>
-          </a:bodyPr>
-          <a:lstStyle>
-            <a:lvl1pPr algn="l" rtl="0" eaLnBrk="1" fontAlgn="base" hangingPunct="1">
-              <a:spcBef>
-                <a:spcPct val="0"/>
-              </a:spcBef>
-              <a:spcAft>
-                <a:spcPct val="0"/>
-              </a:spcAft>
-              <a:defRPr sz="2000" b="1">
-                <a:solidFill>
-                  <a:schemeClr val="accent1"/>
-                </a:solidFill>
-                <a:latin typeface="Malgun Gothic" panose="020B0503020000020004" pitchFamily="34" charset="-127"/>
-                <a:ea typeface="Malgun Gothic" panose="020B0503020000020004" pitchFamily="34" charset="-127"/>
-                <a:cs typeface="+mj-cs"/>
-              </a:defRPr>
-            </a:lvl1pPr>
-            <a:lvl2pPr algn="l" rtl="0" eaLnBrk="1" fontAlgn="base" hangingPunct="1">
-              <a:spcBef>
-                <a:spcPct val="0"/>
-              </a:spcBef>
-              <a:spcAft>
-                <a:spcPct val="0"/>
-              </a:spcAft>
-              <a:defRPr sz="2000" b="1">
-                <a:solidFill>
-                  <a:srgbClr val="9F0812"/>
-                </a:solidFill>
-                <a:latin typeface="Arial" charset="0"/>
-                <a:ea typeface="ヒラギノ角ゴ Pro W3" charset="0"/>
-                <a:cs typeface="ＭＳ Ｐゴシック" charset="0"/>
-              </a:defRPr>
-            </a:lvl2pPr>
-            <a:lvl3pPr algn="l" rtl="0" eaLnBrk="1" fontAlgn="base" hangingPunct="1">
-              <a:spcBef>
-                <a:spcPct val="0"/>
-              </a:spcBef>
-              <a:spcAft>
-                <a:spcPct val="0"/>
-              </a:spcAft>
-              <a:defRPr sz="2000" b="1">
-                <a:solidFill>
-                  <a:srgbClr val="9F0812"/>
-                </a:solidFill>
-                <a:latin typeface="Arial" charset="0"/>
-                <a:ea typeface="ヒラギノ角ゴ Pro W3" charset="0"/>
-                <a:cs typeface="ＭＳ Ｐゴシック" charset="0"/>
-              </a:defRPr>
-            </a:lvl3pPr>
-            <a:lvl4pPr algn="l" rtl="0" eaLnBrk="1" fontAlgn="base" hangingPunct="1">
-              <a:spcBef>
-                <a:spcPct val="0"/>
-              </a:spcBef>
-              <a:spcAft>
-                <a:spcPct val="0"/>
-              </a:spcAft>
-              <a:defRPr sz="2000" b="1">
-                <a:solidFill>
-                  <a:srgbClr val="9F0812"/>
-                </a:solidFill>
-                <a:latin typeface="Arial" charset="0"/>
-                <a:ea typeface="ヒラギノ角ゴ Pro W3" charset="0"/>
-                <a:cs typeface="ＭＳ Ｐゴシック" charset="0"/>
-              </a:defRPr>
-            </a:lvl4pPr>
-            <a:lvl5pPr algn="l" rtl="0" eaLnBrk="1" fontAlgn="base" hangingPunct="1">
-              <a:spcBef>
-                <a:spcPct val="0"/>
-              </a:spcBef>
-              <a:spcAft>
-                <a:spcPct val="0"/>
-              </a:spcAft>
-              <a:defRPr sz="2000" b="1">
-                <a:solidFill>
-                  <a:srgbClr val="9F0812"/>
-                </a:solidFill>
-                <a:latin typeface="Arial" charset="0"/>
-                <a:ea typeface="ヒラギノ角ゴ Pro W3" charset="0"/>
-                <a:cs typeface="ＭＳ Ｐゴシック" charset="0"/>
-              </a:defRPr>
-            </a:lvl5pPr>
-            <a:lvl6pPr marL="457200" algn="l" rtl="0" eaLnBrk="1" fontAlgn="base" hangingPunct="1">
-              <a:spcBef>
-                <a:spcPct val="0"/>
-              </a:spcBef>
-              <a:spcAft>
-                <a:spcPct val="0"/>
-              </a:spcAft>
-              <a:defRPr sz="2800" b="1">
-                <a:solidFill>
-                  <a:schemeClr val="tx2"/>
-                </a:solidFill>
-                <a:latin typeface="Arial" charset="0"/>
-                <a:ea typeface="ＭＳ Ｐゴシック" charset="0"/>
-                <a:cs typeface="ＭＳ Ｐゴシック" charset="0"/>
-              </a:defRPr>
-            </a:lvl6pPr>
-            <a:lvl7pPr marL="914400" algn="l" rtl="0" eaLnBrk="1" fontAlgn="base" hangingPunct="1">
-              <a:spcBef>
-                <a:spcPct val="0"/>
-              </a:spcBef>
-              <a:spcAft>
-                <a:spcPct val="0"/>
-              </a:spcAft>
-              <a:defRPr sz="2800" b="1">
-                <a:solidFill>
-                  <a:schemeClr val="tx2"/>
-                </a:solidFill>
-                <a:latin typeface="Arial" charset="0"/>
-                <a:ea typeface="ＭＳ Ｐゴシック" charset="0"/>
-                <a:cs typeface="ＭＳ Ｐゴシック" charset="0"/>
-              </a:defRPr>
-            </a:lvl7pPr>
-            <a:lvl8pPr marL="1371600" algn="l" rtl="0" eaLnBrk="1" fontAlgn="base" hangingPunct="1">
-              <a:spcBef>
-                <a:spcPct val="0"/>
-              </a:spcBef>
-              <a:spcAft>
-                <a:spcPct val="0"/>
-              </a:spcAft>
-              <a:defRPr sz="2800" b="1">
-                <a:solidFill>
-                  <a:schemeClr val="tx2"/>
-                </a:solidFill>
-                <a:latin typeface="Arial" charset="0"/>
-                <a:ea typeface="ＭＳ Ｐゴシック" charset="0"/>
-                <a:cs typeface="ＭＳ Ｐゴシック" charset="0"/>
-              </a:defRPr>
-            </a:lvl8pPr>
-            <a:lvl9pPr marL="1828800" algn="l" rtl="0" eaLnBrk="1" fontAlgn="base" hangingPunct="1">
-              <a:spcBef>
-                <a:spcPct val="0"/>
-              </a:spcBef>
-              <a:spcAft>
-                <a:spcPct val="0"/>
-              </a:spcAft>
-              <a:defRPr sz="2800" b="1">
-                <a:solidFill>
-                  <a:schemeClr val="tx2"/>
-                </a:solidFill>
-                <a:latin typeface="Arial" charset="0"/>
-                <a:ea typeface="ＭＳ Ｐゴシック" charset="0"/>
-                <a:cs typeface="ＭＳ Ｐゴシック" charset="0"/>
-              </a:defRPr>
-            </a:lvl9pPr>
-          </a:lstStyle>
-          <a:p>
-            <a:r>
-              <a:rPr lang="en-US" dirty="0" smtClean="0"/>
-              <a:t>Objective</a:t>
-            </a:r>
-            <a:r>
-              <a:rPr lang="en-US" dirty="0"/>
-              <a:t/>
-            </a:r>
-            <a:br>
-              <a:rPr lang="en-US" dirty="0"/>
-            </a:br>
-            <a:r>
-              <a:rPr lang="en-US" sz="1200" dirty="0" smtClean="0">
-                <a:solidFill>
-                  <a:schemeClr val="tx1"/>
-                </a:solidFill>
-              </a:rPr>
-              <a:t>Analysis of wine tasting data</a:t>
-            </a:r>
-            <a:endParaRPr lang="en-US" sz="1200" kern="0" dirty="0"/>
-          </a:p>
-        </p:txBody>
-      </p:sp>
-    </p:spTree>
-    <p:extLst>
-      <p:ext uri="{BB962C8B-B14F-4D97-AF65-F5344CB8AC3E}">
-        <p14:creationId xmlns:p14="http://schemas.microsoft.com/office/powerpoint/2010/main" val="1639802680"/>
-      </p:ext>
-    </p:extLst>
-  </p:cSld>
-  <p:clrMapOvr>
-    <a:masterClrMapping/>
-  </p:clrMapOvr>
-  <p:timing>
-    <p:tnLst>
-      <p:par>
-        <p:cTn id="1" dur="indefinite" restart="never" nodeType="tmRoot"/>
-      </p:par>
-    </p:tnLst>
-  </p:timing>
-</p:sld>
-</file>
-
-<file path=ppt/slides/slide20.xml><?xml version="1.0" encoding="utf-8"?>
+<file path=ppt/slides/slide19.xml><?xml version="1.0" encoding="utf-8"?>
 <p:sld xmlns:a="http://schemas.openxmlformats.org/drawingml/2006/main" xmlns:r="http://schemas.openxmlformats.org/officeDocument/2006/relationships" xmlns:p="http://schemas.openxmlformats.org/presentationml/2006/main">
   <p:cSld>
     <p:spTree>
@@ -9407,17 +8738,17 @@
           </a:ln>
           <a:extLst>
             <a:ext uri="{FAA26D3D-D897-4be2-8F04-BA451C77F1D7}">
-              <ma14:placeholderFlag xmlns:ma14="http://schemas.microsoft.com/office/mac/drawingml/2011/main" xmlns="" val="1"/>
+              <ma14:placeholderFlag xmlns="" xmlns:ma14="http://schemas.microsoft.com/office/mac/drawingml/2011/main" val="1"/>
             </a:ext>
             <a:ext uri="{909E8E84-426E-40dd-AFC4-6F175D3DCCD1}">
-              <a14:hiddenFill xmlns="" xmlns:a14="http://schemas.microsoft.com/office/drawing/2010/main">
+              <a14:hiddenFill xmlns:a14="http://schemas.microsoft.com/office/drawing/2010/main" xmlns="">
                 <a:solidFill>
                   <a:schemeClr val="accent1"/>
                 </a:solidFill>
               </a14:hiddenFill>
             </a:ext>
             <a:ext uri="{91240B29-F687-4f45-9708-019B960494DF}">
-              <a14:hiddenLine xmlns="" xmlns:a14="http://schemas.microsoft.com/office/drawing/2010/main" w="9525">
+              <a14:hiddenLine xmlns:a14="http://schemas.microsoft.com/office/drawing/2010/main" xmlns="" w="9525">
                 <a:solidFill>
                   <a:schemeClr val="tx1"/>
                 </a:solidFill>
@@ -9659,14 +8990,14 @@
           <p:nvPr>
             <p:extLst>
               <p:ext uri="{D42A27DB-BD31-4B8C-83A1-F6EECF244321}">
-                <p14:modId xmlns:p14="http://schemas.microsoft.com/office/powerpoint/2010/main" val="2058724984"/>
+                <p14:modId xmlns:p14="http://schemas.microsoft.com/office/powerpoint/2010/main" val="2019650096"/>
               </p:ext>
             </p:extLst>
           </p:nvPr>
         </p:nvGraphicFramePr>
         <p:xfrm>
           <a:off x="310515" y="939339"/>
-          <a:ext cx="9772823" cy="3328475"/>
+          <a:ext cx="9772823" cy="3419295"/>
         </p:xfrm>
         <a:graphic>
           <a:graphicData uri="http://schemas.openxmlformats.org/drawingml/2006/table">
@@ -9767,8 +9098,13 @@
                       </a:pPr>
                       <a:r>
                         <a:rPr lang="en-US" sz="1400" baseline="0" dirty="0" smtClean="0"/>
-                        <a:t>Descriptions can be used to predict scores, more model research/tuning needed</a:t>
+                        <a:t>Descriptions can be used to predict scores, more model </a:t>
                       </a:r>
+                      <a:r>
+                        <a:rPr lang="en-US" sz="1400" baseline="0" dirty="0" smtClean="0"/>
+                        <a:t>research/tuning is needed and adding more variables may help predictions.</a:t>
+                      </a:r>
+                      <a:endParaRPr lang="en-US" sz="1400" baseline="0" dirty="0" smtClean="0"/>
                     </a:p>
                     <a:p>
                       <a:pPr marL="285750" indent="-285750">
@@ -9839,7 +9175,15 @@
                       </a:r>
                       <a:r>
                         <a:rPr lang="en-US" sz="1400" baseline="0" dirty="0" smtClean="0"/>
-                        <a:t> with modeling, modeling optimization and scoring. </a:t>
+                        <a:t> with modeling, modeling </a:t>
+                      </a:r>
+                      <a:r>
+                        <a:rPr lang="en-US" sz="1400" baseline="0" dirty="0" smtClean="0"/>
+                        <a:t>optimization, variables </a:t>
+                      </a:r>
+                      <a:r>
+                        <a:rPr lang="en-US" sz="1400" baseline="0" dirty="0" smtClean="0"/>
+                        <a:t>and scoring. </a:t>
                       </a:r>
                     </a:p>
                     <a:p>
@@ -9998,7 +9342,392 @@
 </p:sld>
 </file>
 
-<file path=ppt/slides/slide21.xml><?xml version="1.0" encoding="utf-8"?>
+<file path=ppt/slides/slide2.xml><?xml version="1.0" encoding="utf-8"?>
+<p:sld xmlns:a="http://schemas.openxmlformats.org/drawingml/2006/main" xmlns:r="http://schemas.openxmlformats.org/officeDocument/2006/relationships" xmlns:p="http://schemas.openxmlformats.org/presentationml/2006/main">
+  <p:cSld>
+    <p:spTree>
+      <p:nvGrpSpPr>
+        <p:cNvPr id="1" name=""/>
+        <p:cNvGrpSpPr/>
+        <p:nvPr/>
+      </p:nvGrpSpPr>
+      <p:grpSpPr>
+        <a:xfrm>
+          <a:off x="0" y="0"/>
+          <a:ext cx="0" cy="0"/>
+          <a:chOff x="0" y="0"/>
+          <a:chExt cx="0" cy="0"/>
+        </a:xfrm>
+      </p:grpSpPr>
+      <p:sp>
+        <p:nvSpPr>
+          <p:cNvPr id="3" name="Content Placeholder 2"/>
+          <p:cNvSpPr>
+            <a:spLocks noGrp="1"/>
+          </p:cNvSpPr>
+          <p:nvPr>
+            <p:ph idx="1"/>
+          </p:nvPr>
+        </p:nvSpPr>
+        <p:spPr>
+          <a:xfrm>
+            <a:off x="310515" y="1008992"/>
+            <a:ext cx="11043285" cy="5458309"/>
+          </a:xfrm>
+        </p:spPr>
+        <p:txBody>
+          <a:bodyPr>
+            <a:normAutofit fontScale="92500" lnSpcReduction="20000"/>
+          </a:bodyPr>
+          <a:lstStyle/>
+          <a:p>
+            <a:r>
+              <a:rPr lang="en-US" sz="2400" dirty="0" smtClean="0"/>
+              <a:t>Introduction</a:t>
+            </a:r>
+          </a:p>
+          <a:p>
+            <a:pPr lvl="1"/>
+            <a:r>
+              <a:rPr lang="en-US" dirty="0" smtClean="0"/>
+              <a:t>Project motivation was to develop text analytics to understand a wine tasters description of a wine and re-use that code for other text projects like surveys.</a:t>
+            </a:r>
+          </a:p>
+          <a:p>
+            <a:pPr lvl="1"/>
+            <a:r>
+              <a:rPr lang="en-US" dirty="0" smtClean="0"/>
+              <a:t>I am Database Technology student at Regis and an IT Manager by profession.</a:t>
+            </a:r>
+          </a:p>
+          <a:p>
+            <a:endParaRPr lang="en-US" sz="2400" dirty="0" smtClean="0"/>
+          </a:p>
+          <a:p>
+            <a:r>
+              <a:rPr lang="en-US" sz="2400" dirty="0" smtClean="0"/>
+              <a:t>Deeper </a:t>
+            </a:r>
+            <a:r>
+              <a:rPr lang="en-US" sz="2400" dirty="0"/>
+              <a:t>understanding the wine </a:t>
+            </a:r>
+            <a:r>
+              <a:rPr lang="en-US" sz="2400" dirty="0" smtClean="0"/>
+              <a:t>tasters description/review</a:t>
+            </a:r>
+            <a:endParaRPr lang="en-US" sz="2400" dirty="0"/>
+          </a:p>
+          <a:p>
+            <a:pPr lvl="1"/>
+            <a:r>
+              <a:rPr lang="en-US" dirty="0"/>
+              <a:t>Do low/high scores have correlations to certain words in tasters description?</a:t>
+            </a:r>
+          </a:p>
+          <a:p>
+            <a:pPr lvl="1"/>
+            <a:r>
+              <a:rPr lang="en-US" dirty="0"/>
+              <a:t>Can that be quantified using a Naïve Bayes feature classification model in Python that lists most informative features?</a:t>
+            </a:r>
+          </a:p>
+          <a:p>
+            <a:endParaRPr lang="en-US" sz="2400" dirty="0" smtClean="0"/>
+          </a:p>
+          <a:p>
+            <a:r>
+              <a:rPr lang="en-US" sz="2400" dirty="0" smtClean="0"/>
+              <a:t>Can we understanding </a:t>
+            </a:r>
+            <a:r>
+              <a:rPr lang="en-US" sz="2400" dirty="0"/>
+              <a:t>relationship of wine taster description and </a:t>
+            </a:r>
+            <a:r>
+              <a:rPr lang="en-US" sz="2400" dirty="0" smtClean="0"/>
+              <a:t>points?</a:t>
+            </a:r>
+            <a:endParaRPr lang="en-US" sz="2400" dirty="0"/>
+          </a:p>
+          <a:p>
+            <a:pPr lvl="1"/>
+            <a:r>
+              <a:rPr lang="en-US" dirty="0"/>
+              <a:t>Python Machine </a:t>
+            </a:r>
+            <a:r>
+              <a:rPr lang="en-US" dirty="0" smtClean="0"/>
+              <a:t>Learning wine score/point prediction</a:t>
+            </a:r>
+            <a:endParaRPr lang="en-US" dirty="0"/>
+          </a:p>
+          <a:p>
+            <a:endParaRPr lang="en-US" sz="2400" dirty="0" smtClean="0"/>
+          </a:p>
+          <a:p>
+            <a:r>
+              <a:rPr lang="en-US" sz="2400" dirty="0" smtClean="0"/>
+              <a:t>Exploratory data analysis</a:t>
+            </a:r>
+          </a:p>
+          <a:p>
+            <a:pPr lvl="1"/>
+            <a:r>
+              <a:rPr lang="en-US" dirty="0" smtClean="0"/>
+              <a:t>Learning and developing reports in Tableau to explore the wine data set</a:t>
+            </a:r>
+          </a:p>
+          <a:p>
+            <a:pPr lvl="1"/>
+            <a:r>
+              <a:rPr lang="en-US" dirty="0" smtClean="0"/>
+              <a:t>Learning and developing word cloud in R to understand descriptions</a:t>
+            </a:r>
+          </a:p>
+        </p:txBody>
+      </p:sp>
+      <p:sp>
+        <p:nvSpPr>
+          <p:cNvPr id="5" name="Title 14"/>
+          <p:cNvSpPr txBox="1">
+            <a:spLocks/>
+          </p:cNvSpPr>
+          <p:nvPr/>
+        </p:nvSpPr>
+        <p:spPr bwMode="auto">
+          <a:xfrm>
+            <a:off x="310515" y="202783"/>
+            <a:ext cx="8229601" cy="492443"/>
+          </a:xfrm>
+          <a:prstGeom prst="rect">
+            <a:avLst/>
+          </a:prstGeom>
+          <a:noFill/>
+          <a:ln>
+            <a:noFill/>
+          </a:ln>
+          <a:extLst>
+            <a:ext uri="{FAA26D3D-D897-4be2-8F04-BA451C77F1D7}">
+              <ma14:placeholderFlag xmlns="" xmlns:ma14="http://schemas.microsoft.com/office/mac/drawingml/2011/main" val="1"/>
+            </a:ext>
+            <a:ext uri="{909E8E84-426E-40dd-AFC4-6F175D3DCCD1}">
+              <a14:hiddenFill xmlns:a14="http://schemas.microsoft.com/office/drawing/2010/main" xmlns="">
+                <a:solidFill>
+                  <a:schemeClr val="accent1"/>
+                </a:solidFill>
+              </a14:hiddenFill>
+            </a:ext>
+            <a:ext uri="{91240B29-F687-4f45-9708-019B960494DF}">
+              <a14:hiddenLine xmlns:a14="http://schemas.microsoft.com/office/drawing/2010/main" xmlns="" w="9525">
+                <a:solidFill>
+                  <a:schemeClr val="tx1"/>
+                </a:solidFill>
+                <a:miter lim="800000"/>
+                <a:headEnd/>
+                <a:tailEnd/>
+              </a14:hiddenLine>
+            </a:ext>
+          </a:extLst>
+        </p:spPr>
+        <p:txBody>
+          <a:bodyPr vert="horz" wrap="square" lIns="0" tIns="0" rIns="0" bIns="0" numCol="1" anchor="t" anchorCtr="0" compatLnSpc="1">
+            <a:prstTxWarp prst="textNoShape">
+              <a:avLst/>
+            </a:prstTxWarp>
+            <a:spAutoFit/>
+          </a:bodyPr>
+          <a:lstStyle>
+            <a:lvl1pPr algn="l" rtl="0" eaLnBrk="1" fontAlgn="base" hangingPunct="1">
+              <a:spcBef>
+                <a:spcPct val="0"/>
+              </a:spcBef>
+              <a:spcAft>
+                <a:spcPct val="0"/>
+              </a:spcAft>
+              <a:defRPr sz="2000" b="1">
+                <a:solidFill>
+                  <a:schemeClr val="accent1"/>
+                </a:solidFill>
+                <a:latin typeface="Malgun Gothic" panose="020B0503020000020004" pitchFamily="34" charset="-127"/>
+                <a:ea typeface="Malgun Gothic" panose="020B0503020000020004" pitchFamily="34" charset="-127"/>
+                <a:cs typeface="+mj-cs"/>
+              </a:defRPr>
+            </a:lvl1pPr>
+            <a:lvl2pPr algn="l" rtl="0" eaLnBrk="1" fontAlgn="base" hangingPunct="1">
+              <a:spcBef>
+                <a:spcPct val="0"/>
+              </a:spcBef>
+              <a:spcAft>
+                <a:spcPct val="0"/>
+              </a:spcAft>
+              <a:defRPr sz="2000" b="1">
+                <a:solidFill>
+                  <a:srgbClr val="9F0812"/>
+                </a:solidFill>
+                <a:latin typeface="Arial" charset="0"/>
+                <a:ea typeface="ヒラギノ角ゴ Pro W3" charset="0"/>
+                <a:cs typeface="ＭＳ Ｐゴシック" charset="0"/>
+              </a:defRPr>
+            </a:lvl2pPr>
+            <a:lvl3pPr algn="l" rtl="0" eaLnBrk="1" fontAlgn="base" hangingPunct="1">
+              <a:spcBef>
+                <a:spcPct val="0"/>
+              </a:spcBef>
+              <a:spcAft>
+                <a:spcPct val="0"/>
+              </a:spcAft>
+              <a:defRPr sz="2000" b="1">
+                <a:solidFill>
+                  <a:srgbClr val="9F0812"/>
+                </a:solidFill>
+                <a:latin typeface="Arial" charset="0"/>
+                <a:ea typeface="ヒラギノ角ゴ Pro W3" charset="0"/>
+                <a:cs typeface="ＭＳ Ｐゴシック" charset="0"/>
+              </a:defRPr>
+            </a:lvl3pPr>
+            <a:lvl4pPr algn="l" rtl="0" eaLnBrk="1" fontAlgn="base" hangingPunct="1">
+              <a:spcBef>
+                <a:spcPct val="0"/>
+              </a:spcBef>
+              <a:spcAft>
+                <a:spcPct val="0"/>
+              </a:spcAft>
+              <a:defRPr sz="2000" b="1">
+                <a:solidFill>
+                  <a:srgbClr val="9F0812"/>
+                </a:solidFill>
+                <a:latin typeface="Arial" charset="0"/>
+                <a:ea typeface="ヒラギノ角ゴ Pro W3" charset="0"/>
+                <a:cs typeface="ＭＳ Ｐゴシック" charset="0"/>
+              </a:defRPr>
+            </a:lvl4pPr>
+            <a:lvl5pPr algn="l" rtl="0" eaLnBrk="1" fontAlgn="base" hangingPunct="1">
+              <a:spcBef>
+                <a:spcPct val="0"/>
+              </a:spcBef>
+              <a:spcAft>
+                <a:spcPct val="0"/>
+              </a:spcAft>
+              <a:defRPr sz="2000" b="1">
+                <a:solidFill>
+                  <a:srgbClr val="9F0812"/>
+                </a:solidFill>
+                <a:latin typeface="Arial" charset="0"/>
+                <a:ea typeface="ヒラギノ角ゴ Pro W3" charset="0"/>
+                <a:cs typeface="ＭＳ Ｐゴシック" charset="0"/>
+              </a:defRPr>
+            </a:lvl5pPr>
+            <a:lvl6pPr marL="457200" algn="l" rtl="0" eaLnBrk="1" fontAlgn="base" hangingPunct="1">
+              <a:spcBef>
+                <a:spcPct val="0"/>
+              </a:spcBef>
+              <a:spcAft>
+                <a:spcPct val="0"/>
+              </a:spcAft>
+              <a:defRPr sz="2800" b="1">
+                <a:solidFill>
+                  <a:schemeClr val="tx2"/>
+                </a:solidFill>
+                <a:latin typeface="Arial" charset="0"/>
+                <a:ea typeface="ＭＳ Ｐゴシック" charset="0"/>
+                <a:cs typeface="ＭＳ Ｐゴシック" charset="0"/>
+              </a:defRPr>
+            </a:lvl6pPr>
+            <a:lvl7pPr marL="914400" algn="l" rtl="0" eaLnBrk="1" fontAlgn="base" hangingPunct="1">
+              <a:spcBef>
+                <a:spcPct val="0"/>
+              </a:spcBef>
+              <a:spcAft>
+                <a:spcPct val="0"/>
+              </a:spcAft>
+              <a:defRPr sz="2800" b="1">
+                <a:solidFill>
+                  <a:schemeClr val="tx2"/>
+                </a:solidFill>
+                <a:latin typeface="Arial" charset="0"/>
+                <a:ea typeface="ＭＳ Ｐゴシック" charset="0"/>
+                <a:cs typeface="ＭＳ Ｐゴシック" charset="0"/>
+              </a:defRPr>
+            </a:lvl7pPr>
+            <a:lvl8pPr marL="1371600" algn="l" rtl="0" eaLnBrk="1" fontAlgn="base" hangingPunct="1">
+              <a:spcBef>
+                <a:spcPct val="0"/>
+              </a:spcBef>
+              <a:spcAft>
+                <a:spcPct val="0"/>
+              </a:spcAft>
+              <a:defRPr sz="2800" b="1">
+                <a:solidFill>
+                  <a:schemeClr val="tx2"/>
+                </a:solidFill>
+                <a:latin typeface="Arial" charset="0"/>
+                <a:ea typeface="ＭＳ Ｐゴシック" charset="0"/>
+                <a:cs typeface="ＭＳ Ｐゴシック" charset="0"/>
+              </a:defRPr>
+            </a:lvl8pPr>
+            <a:lvl9pPr marL="1828800" algn="l" rtl="0" eaLnBrk="1" fontAlgn="base" hangingPunct="1">
+              <a:spcBef>
+                <a:spcPct val="0"/>
+              </a:spcBef>
+              <a:spcAft>
+                <a:spcPct val="0"/>
+              </a:spcAft>
+              <a:defRPr sz="2800" b="1">
+                <a:solidFill>
+                  <a:schemeClr val="tx2"/>
+                </a:solidFill>
+                <a:latin typeface="Arial" charset="0"/>
+                <a:ea typeface="ＭＳ Ｐゴシック" charset="0"/>
+                <a:cs typeface="ＭＳ Ｐゴシック" charset="0"/>
+              </a:defRPr>
+            </a:lvl9pPr>
+          </a:lstStyle>
+          <a:p>
+            <a:r>
+              <a:rPr lang="en-US" dirty="0" smtClean="0"/>
+              <a:t>Objective</a:t>
+            </a:r>
+            <a:r>
+              <a:rPr lang="en-US" dirty="0"/>
+              <a:t/>
+            </a:r>
+            <a:br>
+              <a:rPr lang="en-US" dirty="0"/>
+            </a:br>
+            <a:r>
+              <a:rPr lang="en-US" sz="1200" dirty="0" smtClean="0">
+                <a:solidFill>
+                  <a:schemeClr val="tx1"/>
+                </a:solidFill>
+              </a:rPr>
+              <a:t>Analysis of wine tasting data</a:t>
+            </a:r>
+            <a:endParaRPr lang="en-US" sz="1200" kern="0" dirty="0"/>
+          </a:p>
+        </p:txBody>
+      </p:sp>
+    </p:spTree>
+    <p:extLst>
+      <p:ext uri="{BB962C8B-B14F-4D97-AF65-F5344CB8AC3E}">
+        <p14:creationId xmlns:p14="http://schemas.microsoft.com/office/powerpoint/2010/main" val="1639802680"/>
+      </p:ext>
+    </p:extLst>
+  </p:cSld>
+  <p:clrMapOvr>
+    <a:masterClrMapping/>
+  </p:clrMapOvr>
+  <p:timing>
+    <p:tnLst>
+      <p:par>
+        <p:cTn id="1" dur="indefinite" restart="never" nodeType="tmRoot"/>
+      </p:par>
+    </p:tnLst>
+  </p:timing>
+</p:sld>
+</file>
+
+<file path=ppt/slides/slide20.xml><?xml version="1.0" encoding="utf-8"?>
 <p:sld xmlns:a="http://schemas.openxmlformats.org/drawingml/2006/main" xmlns:r="http://schemas.openxmlformats.org/officeDocument/2006/relationships" xmlns:p="http://schemas.openxmlformats.org/presentationml/2006/main">
   <p:cSld>
     <p:spTree>
@@ -10037,17 +9766,17 @@
           </a:ln>
           <a:extLst>
             <a:ext uri="{FAA26D3D-D897-4be2-8F04-BA451C77F1D7}">
-              <ma14:placeholderFlag xmlns:ma14="http://schemas.microsoft.com/office/mac/drawingml/2011/main" xmlns="" val="1"/>
+              <ma14:placeholderFlag xmlns="" xmlns:ma14="http://schemas.microsoft.com/office/mac/drawingml/2011/main" val="1"/>
             </a:ext>
             <a:ext uri="{909E8E84-426E-40dd-AFC4-6F175D3DCCD1}">
-              <a14:hiddenFill xmlns="" xmlns:a14="http://schemas.microsoft.com/office/drawing/2010/main">
+              <a14:hiddenFill xmlns:a14="http://schemas.microsoft.com/office/drawing/2010/main" xmlns="">
                 <a:solidFill>
                   <a:schemeClr val="accent1"/>
                 </a:solidFill>
               </a14:hiddenFill>
             </a:ext>
             <a:ext uri="{91240B29-F687-4f45-9708-019B960494DF}">
-              <a14:hiddenLine xmlns="" xmlns:a14="http://schemas.microsoft.com/office/drawing/2010/main" w="9525">
+              <a14:hiddenLine xmlns:a14="http://schemas.microsoft.com/office/drawing/2010/main" xmlns="" w="9525">
                 <a:solidFill>
                   <a:schemeClr val="tx1"/>
                 </a:solidFill>
@@ -10630,5451 +10359,13 @@
   <p:clrMapOvr>
     <a:masterClrMapping/>
   </p:clrMapOvr>
-</p:sld>
-</file>
-
-<file path=ppt/slides/slide22.xml><?xml version="1.0" encoding="utf-8"?>
-<p:sld xmlns:a="http://schemas.openxmlformats.org/drawingml/2006/main" xmlns:r="http://schemas.openxmlformats.org/officeDocument/2006/relationships" xmlns:p="http://schemas.openxmlformats.org/presentationml/2006/main">
-  <p:cSld>
-    <p:spTree>
-      <p:nvGrpSpPr>
-        <p:cNvPr id="1" name=""/>
-        <p:cNvGrpSpPr/>
-        <p:nvPr/>
-      </p:nvGrpSpPr>
-      <p:grpSpPr>
-        <a:xfrm>
-          <a:off x="0" y="0"/>
-          <a:ext cx="0" cy="0"/>
-          <a:chOff x="0" y="0"/>
-          <a:chExt cx="0" cy="0"/>
-        </a:xfrm>
-      </p:grpSpPr>
-      <p:graphicFrame>
-        <p:nvGraphicFramePr>
-          <p:cNvPr id="4" name="Table 3"/>
-          <p:cNvGraphicFramePr>
-            <a:graphicFrameLocks noGrp="1"/>
-          </p:cNvGraphicFramePr>
-          <p:nvPr>
-            <p:extLst>
-              <p:ext uri="{D42A27DB-BD31-4B8C-83A1-F6EECF244321}">
-                <p14:modId xmlns:p14="http://schemas.microsoft.com/office/powerpoint/2010/main" val="3318594114"/>
-              </p:ext>
-            </p:extLst>
-          </p:nvPr>
-        </p:nvGraphicFramePr>
-        <p:xfrm>
-          <a:off x="349137" y="633976"/>
-          <a:ext cx="4139736" cy="1923168"/>
-        </p:xfrm>
-        <a:graphic>
-          <a:graphicData uri="http://schemas.openxmlformats.org/drawingml/2006/table">
-            <a:tbl>
-              <a:tblPr/>
-              <a:tblGrid>
-                <a:gridCol w="437944">
-                  <a:extLst>
-                    <a:ext uri="{9D8B030D-6E8A-4147-A177-3AD203B41FA5}">
-                      <a16:colId xmlns:a16="http://schemas.microsoft.com/office/drawing/2014/main" val="2512605256"/>
-                    </a:ext>
-                  </a:extLst>
-                </a:gridCol>
-                <a:gridCol w="663833">
-                  <a:extLst>
-                    <a:ext uri="{9D8B030D-6E8A-4147-A177-3AD203B41FA5}">
-                      <a16:colId xmlns:a16="http://schemas.microsoft.com/office/drawing/2014/main" val="855407618"/>
-                    </a:ext>
-                  </a:extLst>
-                </a:gridCol>
-                <a:gridCol w="3037959">
-                  <a:extLst>
-                    <a:ext uri="{9D8B030D-6E8A-4147-A177-3AD203B41FA5}">
-                      <a16:colId xmlns:a16="http://schemas.microsoft.com/office/drawing/2014/main" val="3735278290"/>
-                    </a:ext>
-                  </a:extLst>
-                </a:gridCol>
-              </a:tblGrid>
-              <a:tr h="229669">
-                <a:tc>
-                  <a:txBody>
-                    <a:bodyPr/>
-                    <a:lstStyle/>
-                    <a:p>
-                      <a:r>
-                        <a:rPr lang="en-US" sz="1100" b="1">
-                          <a:effectLst/>
-                        </a:rPr>
-                        <a:t>category</a:t>
-                      </a:r>
-                    </a:p>
-                  </a:txBody>
-                  <a:tcPr marL="74824" marR="74824" marT="34534" marB="34534" anchor="ctr">
-                    <a:lnL w="9525" cap="flat" cmpd="sng" algn="ctr">
-                      <a:solidFill>
-                        <a:srgbClr val="DDDDDD"/>
-                      </a:solidFill>
-                      <a:prstDash val="solid"/>
-                      <a:round/>
-                      <a:headEnd type="none" w="med" len="med"/>
-                      <a:tailEnd type="none" w="med" len="med"/>
-                    </a:lnL>
-                    <a:lnR w="9525" cap="flat" cmpd="sng" algn="ctr">
-                      <a:solidFill>
-                        <a:srgbClr val="DDDDDD"/>
-                      </a:solidFill>
-                      <a:prstDash val="solid"/>
-                      <a:round/>
-                      <a:headEnd type="none" w="med" len="med"/>
-                      <a:tailEnd type="none" w="med" len="med"/>
-                    </a:lnR>
-                    <a:lnT w="9525" cap="flat" cmpd="sng" algn="ctr">
-                      <a:solidFill>
-                        <a:srgbClr val="DDDDDD"/>
-                      </a:solidFill>
-                      <a:prstDash val="solid"/>
-                      <a:round/>
-                      <a:headEnd type="none" w="med" len="med"/>
-                      <a:tailEnd type="none" w="med" len="med"/>
-                    </a:lnT>
-                    <a:lnB w="9525" cap="flat" cmpd="sng" algn="ctr">
-                      <a:solidFill>
-                        <a:srgbClr val="DDDDDD"/>
-                      </a:solidFill>
-                      <a:prstDash val="solid"/>
-                      <a:round/>
-                      <a:headEnd type="none" w="med" len="med"/>
-                      <a:tailEnd type="none" w="med" len="med"/>
-                    </a:lnB>
-                    <a:solidFill>
-                      <a:srgbClr val="FFFFFF"/>
-                    </a:solidFill>
-                  </a:tcPr>
-                </a:tc>
-                <a:tc>
-                  <a:txBody>
-                    <a:bodyPr/>
-                    <a:lstStyle/>
-                    <a:p>
-                      <a:r>
-                        <a:rPr lang="en-US" sz="1100" b="1">
-                          <a:effectLst/>
-                        </a:rPr>
-                        <a:t>description</a:t>
-                      </a:r>
-                    </a:p>
-                  </a:txBody>
-                  <a:tcPr marL="74824" marR="74824" marT="34534" marB="34534" anchor="ctr">
-                    <a:lnL w="9525" cap="flat" cmpd="sng" algn="ctr">
-                      <a:solidFill>
-                        <a:srgbClr val="DDDDDD"/>
-                      </a:solidFill>
-                      <a:prstDash val="solid"/>
-                      <a:round/>
-                      <a:headEnd type="none" w="med" len="med"/>
-                      <a:tailEnd type="none" w="med" len="med"/>
-                    </a:lnL>
-                    <a:lnR w="9525" cap="flat" cmpd="sng" algn="ctr">
-                      <a:solidFill>
-                        <a:srgbClr val="DDDDDD"/>
-                      </a:solidFill>
-                      <a:prstDash val="solid"/>
-                      <a:round/>
-                      <a:headEnd type="none" w="med" len="med"/>
-                      <a:tailEnd type="none" w="med" len="med"/>
-                    </a:lnR>
-                    <a:lnT w="9525" cap="flat" cmpd="sng" algn="ctr">
-                      <a:solidFill>
-                        <a:srgbClr val="DDDDDD"/>
-                      </a:solidFill>
-                      <a:prstDash val="solid"/>
-                      <a:round/>
-                      <a:headEnd type="none" w="med" len="med"/>
-                      <a:tailEnd type="none" w="med" len="med"/>
-                    </a:lnT>
-                    <a:lnB w="9525" cap="flat" cmpd="sng" algn="ctr">
-                      <a:solidFill>
-                        <a:srgbClr val="DDDDDD"/>
-                      </a:solidFill>
-                      <a:prstDash val="solid"/>
-                      <a:round/>
-                      <a:headEnd type="none" w="med" len="med"/>
-                      <a:tailEnd type="none" w="med" len="med"/>
-                    </a:lnB>
-                    <a:solidFill>
-                      <a:srgbClr val="FFFFFF"/>
-                    </a:solidFill>
-                  </a:tcPr>
-                </a:tc>
-                <a:tc>
-                  <a:txBody>
-                    <a:bodyPr/>
-                    <a:lstStyle/>
-                    <a:p>
-                      <a:r>
-                        <a:rPr lang="en-US" sz="1100" b="1">
-                          <a:effectLst/>
-                        </a:rPr>
-                        <a:t>max pt</a:t>
-                      </a:r>
-                    </a:p>
-                  </a:txBody>
-                  <a:tcPr marL="74824" marR="74824" marT="34534" marB="34534" anchor="ctr">
-                    <a:lnL w="9525" cap="flat" cmpd="sng" algn="ctr">
-                      <a:solidFill>
-                        <a:srgbClr val="DDDDDD"/>
-                      </a:solidFill>
-                      <a:prstDash val="solid"/>
-                      <a:round/>
-                      <a:headEnd type="none" w="med" len="med"/>
-                      <a:tailEnd type="none" w="med" len="med"/>
-                    </a:lnL>
-                    <a:lnR w="9525" cap="flat" cmpd="sng" algn="ctr">
-                      <a:solidFill>
-                        <a:srgbClr val="DDDDDD"/>
-                      </a:solidFill>
-                      <a:prstDash val="solid"/>
-                      <a:round/>
-                      <a:headEnd type="none" w="med" len="med"/>
-                      <a:tailEnd type="none" w="med" len="med"/>
-                    </a:lnR>
-                    <a:lnT w="9525" cap="flat" cmpd="sng" algn="ctr">
-                      <a:solidFill>
-                        <a:srgbClr val="DDDDDD"/>
-                      </a:solidFill>
-                      <a:prstDash val="solid"/>
-                      <a:round/>
-                      <a:headEnd type="none" w="med" len="med"/>
-                      <a:tailEnd type="none" w="med" len="med"/>
-                    </a:lnT>
-                    <a:lnB w="9525" cap="flat" cmpd="sng" algn="ctr">
-                      <a:solidFill>
-                        <a:srgbClr val="DDDDDD"/>
-                      </a:solidFill>
-                      <a:prstDash val="solid"/>
-                      <a:round/>
-                      <a:headEnd type="none" w="med" len="med"/>
-                      <a:tailEnd type="none" w="med" len="med"/>
-                    </a:lnB>
-                    <a:solidFill>
-                      <a:srgbClr val="FFFFFF"/>
-                    </a:solidFill>
-                  </a:tcPr>
-                </a:tc>
-                <a:extLst>
-                  <a:ext uri="{0D108BD9-81ED-4DB2-BD59-A6C34878D82A}">
-                    <a16:rowId xmlns:a16="http://schemas.microsoft.com/office/drawing/2014/main" val="2726924430"/>
-                  </a:ext>
-                </a:extLst>
-              </a:tr>
-              <a:tr h="229669">
-                <a:tc>
-                  <a:txBody>
-                    <a:bodyPr/>
-                    <a:lstStyle/>
-                    <a:p>
-                      <a:r>
-                        <a:rPr lang="en-US" sz="1100">
-                          <a:effectLst/>
-                        </a:rPr>
-                        <a:t>Q</a:t>
-                      </a:r>
-                    </a:p>
-                  </a:txBody>
-                  <a:tcPr marL="74824" marR="74824" marT="34534" marB="34534" anchor="ctr">
-                    <a:lnL w="9525" cap="flat" cmpd="sng" algn="ctr">
-                      <a:solidFill>
-                        <a:srgbClr val="DDDDDD"/>
-                      </a:solidFill>
-                      <a:prstDash val="solid"/>
-                      <a:round/>
-                      <a:headEnd type="none" w="med" len="med"/>
-                      <a:tailEnd type="none" w="med" len="med"/>
-                    </a:lnL>
-                    <a:lnR w="9525" cap="flat" cmpd="sng" algn="ctr">
-                      <a:solidFill>
-                        <a:srgbClr val="DDDDDD"/>
-                      </a:solidFill>
-                      <a:prstDash val="solid"/>
-                      <a:round/>
-                      <a:headEnd type="none" w="med" len="med"/>
-                      <a:tailEnd type="none" w="med" len="med"/>
-                    </a:lnR>
-                    <a:lnT w="9525" cap="flat" cmpd="sng" algn="ctr">
-                      <a:solidFill>
-                        <a:srgbClr val="DDDDDD"/>
-                      </a:solidFill>
-                      <a:prstDash val="solid"/>
-                      <a:round/>
-                      <a:headEnd type="none" w="med" len="med"/>
-                      <a:tailEnd type="none" w="med" len="med"/>
-                    </a:lnT>
-                    <a:lnB w="9525" cap="flat" cmpd="sng" algn="ctr">
-                      <a:solidFill>
-                        <a:srgbClr val="DDDDDD"/>
-                      </a:solidFill>
-                      <a:prstDash val="solid"/>
-                      <a:round/>
-                      <a:headEnd type="none" w="med" len="med"/>
-                      <a:tailEnd type="none" w="med" len="med"/>
-                    </a:lnB>
-                    <a:solidFill>
-                      <a:srgbClr val="FFFFFF"/>
-                    </a:solidFill>
-                  </a:tcPr>
-                </a:tc>
-                <a:tc>
-                  <a:txBody>
-                    <a:bodyPr/>
-                    <a:lstStyle/>
-                    <a:p>
-                      <a:r>
-                        <a:rPr lang="en-US" sz="1100">
-                          <a:effectLst/>
-                        </a:rPr>
-                        <a:t>Project quality</a:t>
-                      </a:r>
-                    </a:p>
-                  </a:txBody>
-                  <a:tcPr marL="74824" marR="74824" marT="34534" marB="34534" anchor="ctr">
-                    <a:lnL w="9525" cap="flat" cmpd="sng" algn="ctr">
-                      <a:solidFill>
-                        <a:srgbClr val="DDDDDD"/>
-                      </a:solidFill>
-                      <a:prstDash val="solid"/>
-                      <a:round/>
-                      <a:headEnd type="none" w="med" len="med"/>
-                      <a:tailEnd type="none" w="med" len="med"/>
-                    </a:lnL>
-                    <a:lnR w="9525" cap="flat" cmpd="sng" algn="ctr">
-                      <a:solidFill>
-                        <a:srgbClr val="DDDDDD"/>
-                      </a:solidFill>
-                      <a:prstDash val="solid"/>
-                      <a:round/>
-                      <a:headEnd type="none" w="med" len="med"/>
-                      <a:tailEnd type="none" w="med" len="med"/>
-                    </a:lnR>
-                    <a:lnT w="9525" cap="flat" cmpd="sng" algn="ctr">
-                      <a:solidFill>
-                        <a:srgbClr val="DDDDDD"/>
-                      </a:solidFill>
-                      <a:prstDash val="solid"/>
-                      <a:round/>
-                      <a:headEnd type="none" w="med" len="med"/>
-                      <a:tailEnd type="none" w="med" len="med"/>
-                    </a:lnT>
-                    <a:lnB w="9525" cap="flat" cmpd="sng" algn="ctr">
-                      <a:solidFill>
-                        <a:srgbClr val="DDDDDD"/>
-                      </a:solidFill>
-                      <a:prstDash val="solid"/>
-                      <a:round/>
-                      <a:headEnd type="none" w="med" len="med"/>
-                      <a:tailEnd type="none" w="med" len="med"/>
-                    </a:lnB>
-                    <a:solidFill>
-                      <a:srgbClr val="FFFFFF"/>
-                    </a:solidFill>
-                  </a:tcPr>
-                </a:tc>
-                <a:tc>
-                  <a:txBody>
-                    <a:bodyPr/>
-                    <a:lstStyle/>
-                    <a:p>
-                      <a:r>
-                        <a:rPr lang="en-US" sz="1100">
-                          <a:effectLst/>
-                        </a:rPr>
-                        <a:t>80</a:t>
-                      </a:r>
-                    </a:p>
-                  </a:txBody>
-                  <a:tcPr marL="74824" marR="74824" marT="34534" marB="34534" anchor="ctr">
-                    <a:lnL w="9525" cap="flat" cmpd="sng" algn="ctr">
-                      <a:solidFill>
-                        <a:srgbClr val="DDDDDD"/>
-                      </a:solidFill>
-                      <a:prstDash val="solid"/>
-                      <a:round/>
-                      <a:headEnd type="none" w="med" len="med"/>
-                      <a:tailEnd type="none" w="med" len="med"/>
-                    </a:lnL>
-                    <a:lnR w="9525" cap="flat" cmpd="sng" algn="ctr">
-                      <a:solidFill>
-                        <a:srgbClr val="DDDDDD"/>
-                      </a:solidFill>
-                      <a:prstDash val="solid"/>
-                      <a:round/>
-                      <a:headEnd type="none" w="med" len="med"/>
-                      <a:tailEnd type="none" w="med" len="med"/>
-                    </a:lnR>
-                    <a:lnT w="9525" cap="flat" cmpd="sng" algn="ctr">
-                      <a:solidFill>
-                        <a:srgbClr val="DDDDDD"/>
-                      </a:solidFill>
-                      <a:prstDash val="solid"/>
-                      <a:round/>
-                      <a:headEnd type="none" w="med" len="med"/>
-                      <a:tailEnd type="none" w="med" len="med"/>
-                    </a:lnT>
-                    <a:lnB w="9525" cap="flat" cmpd="sng" algn="ctr">
-                      <a:solidFill>
-                        <a:srgbClr val="DDDDDD"/>
-                      </a:solidFill>
-                      <a:prstDash val="solid"/>
-                      <a:round/>
-                      <a:headEnd type="none" w="med" len="med"/>
-                      <a:tailEnd type="none" w="med" len="med"/>
-                    </a:lnB>
-                    <a:solidFill>
-                      <a:srgbClr val="FFFFFF"/>
-                    </a:solidFill>
-                  </a:tcPr>
-                </a:tc>
-                <a:extLst>
-                  <a:ext uri="{0D108BD9-81ED-4DB2-BD59-A6C34878D82A}">
-                    <a16:rowId xmlns:a16="http://schemas.microsoft.com/office/drawing/2014/main" val="174308726"/>
-                  </a:ext>
-                </a:extLst>
-              </a:tr>
-              <a:tr h="229669">
-                <a:tc>
-                  <a:txBody>
-                    <a:bodyPr/>
-                    <a:lstStyle/>
-                    <a:p>
-                      <a:r>
-                        <a:rPr lang="en-US" sz="1100" dirty="0">
-                          <a:effectLst/>
-                        </a:rPr>
-                        <a:t>P</a:t>
-                      </a:r>
-                    </a:p>
-                  </a:txBody>
-                  <a:tcPr marL="74824" marR="74824" marT="34534" marB="34534" anchor="ctr">
-                    <a:lnL w="9525" cap="flat" cmpd="sng" algn="ctr">
-                      <a:solidFill>
-                        <a:srgbClr val="DDDDDD"/>
-                      </a:solidFill>
-                      <a:prstDash val="solid"/>
-                      <a:round/>
-                      <a:headEnd type="none" w="med" len="med"/>
-                      <a:tailEnd type="none" w="med" len="med"/>
-                    </a:lnL>
-                    <a:lnR w="9525" cap="flat" cmpd="sng" algn="ctr">
-                      <a:solidFill>
-                        <a:srgbClr val="DDDDDD"/>
-                      </a:solidFill>
-                      <a:prstDash val="solid"/>
-                      <a:round/>
-                      <a:headEnd type="none" w="med" len="med"/>
-                      <a:tailEnd type="none" w="med" len="med"/>
-                    </a:lnR>
-                    <a:lnT w="9525" cap="flat" cmpd="sng" algn="ctr">
-                      <a:solidFill>
-                        <a:srgbClr val="DDDDDD"/>
-                      </a:solidFill>
-                      <a:prstDash val="solid"/>
-                      <a:round/>
-                      <a:headEnd type="none" w="med" len="med"/>
-                      <a:tailEnd type="none" w="med" len="med"/>
-                    </a:lnT>
-                    <a:lnB w="9525" cap="flat" cmpd="sng" algn="ctr">
-                      <a:solidFill>
-                        <a:srgbClr val="DDDDDD"/>
-                      </a:solidFill>
-                      <a:prstDash val="solid"/>
-                      <a:round/>
-                      <a:headEnd type="none" w="med" len="med"/>
-                      <a:tailEnd type="none" w="med" len="med"/>
-                    </a:lnB>
-                    <a:solidFill>
-                      <a:srgbClr val="F8F8F8"/>
-                    </a:solidFill>
-                  </a:tcPr>
-                </a:tc>
-                <a:tc>
-                  <a:txBody>
-                    <a:bodyPr/>
-                    <a:lstStyle/>
-                    <a:p>
-                      <a:r>
-                        <a:rPr lang="en-US" sz="1100">
-                          <a:effectLst/>
-                        </a:rPr>
-                        <a:t>Presentation</a:t>
-                      </a:r>
-                    </a:p>
-                  </a:txBody>
-                  <a:tcPr marL="74824" marR="74824" marT="34534" marB="34534" anchor="ctr">
-                    <a:lnL w="9525" cap="flat" cmpd="sng" algn="ctr">
-                      <a:solidFill>
-                        <a:srgbClr val="DDDDDD"/>
-                      </a:solidFill>
-                      <a:prstDash val="solid"/>
-                      <a:round/>
-                      <a:headEnd type="none" w="med" len="med"/>
-                      <a:tailEnd type="none" w="med" len="med"/>
-                    </a:lnL>
-                    <a:lnR w="9525" cap="flat" cmpd="sng" algn="ctr">
-                      <a:solidFill>
-                        <a:srgbClr val="DDDDDD"/>
-                      </a:solidFill>
-                      <a:prstDash val="solid"/>
-                      <a:round/>
-                      <a:headEnd type="none" w="med" len="med"/>
-                      <a:tailEnd type="none" w="med" len="med"/>
-                    </a:lnR>
-                    <a:lnT w="9525" cap="flat" cmpd="sng" algn="ctr">
-                      <a:solidFill>
-                        <a:srgbClr val="DDDDDD"/>
-                      </a:solidFill>
-                      <a:prstDash val="solid"/>
-                      <a:round/>
-                      <a:headEnd type="none" w="med" len="med"/>
-                      <a:tailEnd type="none" w="med" len="med"/>
-                    </a:lnT>
-                    <a:lnB w="9525" cap="flat" cmpd="sng" algn="ctr">
-                      <a:solidFill>
-                        <a:srgbClr val="DDDDDD"/>
-                      </a:solidFill>
-                      <a:prstDash val="solid"/>
-                      <a:round/>
-                      <a:headEnd type="none" w="med" len="med"/>
-                      <a:tailEnd type="none" w="med" len="med"/>
-                    </a:lnB>
-                    <a:solidFill>
-                      <a:srgbClr val="F8F8F8"/>
-                    </a:solidFill>
-                  </a:tcPr>
-                </a:tc>
-                <a:tc>
-                  <a:txBody>
-                    <a:bodyPr/>
-                    <a:lstStyle/>
-                    <a:p>
-                      <a:r>
-                        <a:rPr lang="en-US" sz="1100">
-                          <a:effectLst/>
-                        </a:rPr>
-                        <a:t>25</a:t>
-                      </a:r>
-                    </a:p>
-                  </a:txBody>
-                  <a:tcPr marL="74824" marR="74824" marT="34534" marB="34534" anchor="ctr">
-                    <a:lnL w="9525" cap="flat" cmpd="sng" algn="ctr">
-                      <a:solidFill>
-                        <a:srgbClr val="DDDDDD"/>
-                      </a:solidFill>
-                      <a:prstDash val="solid"/>
-                      <a:round/>
-                      <a:headEnd type="none" w="med" len="med"/>
-                      <a:tailEnd type="none" w="med" len="med"/>
-                    </a:lnL>
-                    <a:lnR w="9525" cap="flat" cmpd="sng" algn="ctr">
-                      <a:solidFill>
-                        <a:srgbClr val="DDDDDD"/>
-                      </a:solidFill>
-                      <a:prstDash val="solid"/>
-                      <a:round/>
-                      <a:headEnd type="none" w="med" len="med"/>
-                      <a:tailEnd type="none" w="med" len="med"/>
-                    </a:lnR>
-                    <a:lnT w="9525" cap="flat" cmpd="sng" algn="ctr">
-                      <a:solidFill>
-                        <a:srgbClr val="DDDDDD"/>
-                      </a:solidFill>
-                      <a:prstDash val="solid"/>
-                      <a:round/>
-                      <a:headEnd type="none" w="med" len="med"/>
-                      <a:tailEnd type="none" w="med" len="med"/>
-                    </a:lnT>
-                    <a:lnB w="9525" cap="flat" cmpd="sng" algn="ctr">
-                      <a:solidFill>
-                        <a:srgbClr val="DDDDDD"/>
-                      </a:solidFill>
-                      <a:prstDash val="solid"/>
-                      <a:round/>
-                      <a:headEnd type="none" w="med" len="med"/>
-                      <a:tailEnd type="none" w="med" len="med"/>
-                    </a:lnB>
-                    <a:solidFill>
-                      <a:srgbClr val="F8F8F8"/>
-                    </a:solidFill>
-                  </a:tcPr>
-                </a:tc>
-                <a:extLst>
-                  <a:ext uri="{0D108BD9-81ED-4DB2-BD59-A6C34878D82A}">
-                    <a16:rowId xmlns:a16="http://schemas.microsoft.com/office/drawing/2014/main" val="73643851"/>
-                  </a:ext>
-                </a:extLst>
-              </a:tr>
-              <a:tr h="229669">
-                <a:tc>
-                  <a:txBody>
-                    <a:bodyPr/>
-                    <a:lstStyle/>
-                    <a:p>
-                      <a:r>
-                        <a:rPr lang="en-US" sz="1100">
-                          <a:effectLst/>
-                        </a:rPr>
-                        <a:t>G</a:t>
-                      </a:r>
-                    </a:p>
-                  </a:txBody>
-                  <a:tcPr marL="74824" marR="74824" marT="34534" marB="34534" anchor="ctr">
-                    <a:lnL w="9525" cap="flat" cmpd="sng" algn="ctr">
-                      <a:solidFill>
-                        <a:srgbClr val="DDDDDD"/>
-                      </a:solidFill>
-                      <a:prstDash val="solid"/>
-                      <a:round/>
-                      <a:headEnd type="none" w="med" len="med"/>
-                      <a:tailEnd type="none" w="med" len="med"/>
-                    </a:lnL>
-                    <a:lnR w="9525" cap="flat" cmpd="sng" algn="ctr">
-                      <a:solidFill>
-                        <a:srgbClr val="DDDDDD"/>
-                      </a:solidFill>
-                      <a:prstDash val="solid"/>
-                      <a:round/>
-                      <a:headEnd type="none" w="med" len="med"/>
-                      <a:tailEnd type="none" w="med" len="med"/>
-                    </a:lnR>
-                    <a:lnT w="9525" cap="flat" cmpd="sng" algn="ctr">
-                      <a:solidFill>
-                        <a:srgbClr val="DDDDDD"/>
-                      </a:solidFill>
-                      <a:prstDash val="solid"/>
-                      <a:round/>
-                      <a:headEnd type="none" w="med" len="med"/>
-                      <a:tailEnd type="none" w="med" len="med"/>
-                    </a:lnT>
-                    <a:lnB w="9525" cap="flat" cmpd="sng" algn="ctr">
-                      <a:solidFill>
-                        <a:srgbClr val="DDDDDD"/>
-                      </a:solidFill>
-                      <a:prstDash val="solid"/>
-                      <a:round/>
-                      <a:headEnd type="none" w="med" len="med"/>
-                      <a:tailEnd type="none" w="med" len="med"/>
-                    </a:lnB>
-                    <a:solidFill>
-                      <a:srgbClr val="FFFFFF"/>
-                    </a:solidFill>
-                  </a:tcPr>
-                </a:tc>
-                <a:tc>
-                  <a:txBody>
-                    <a:bodyPr/>
-                    <a:lstStyle/>
-                    <a:p>
-                      <a:r>
-                        <a:rPr lang="en-US" sz="1100">
-                          <a:effectLst/>
-                        </a:rPr>
-                        <a:t>Git/Blog</a:t>
-                      </a:r>
-                    </a:p>
-                  </a:txBody>
-                  <a:tcPr marL="74824" marR="74824" marT="34534" marB="34534" anchor="ctr">
-                    <a:lnL w="9525" cap="flat" cmpd="sng" algn="ctr">
-                      <a:solidFill>
-                        <a:srgbClr val="DDDDDD"/>
-                      </a:solidFill>
-                      <a:prstDash val="solid"/>
-                      <a:round/>
-                      <a:headEnd type="none" w="med" len="med"/>
-                      <a:tailEnd type="none" w="med" len="med"/>
-                    </a:lnL>
-                    <a:lnR w="9525" cap="flat" cmpd="sng" algn="ctr">
-                      <a:solidFill>
-                        <a:srgbClr val="DDDDDD"/>
-                      </a:solidFill>
-                      <a:prstDash val="solid"/>
-                      <a:round/>
-                      <a:headEnd type="none" w="med" len="med"/>
-                      <a:tailEnd type="none" w="med" len="med"/>
-                    </a:lnR>
-                    <a:lnT w="9525" cap="flat" cmpd="sng" algn="ctr">
-                      <a:solidFill>
-                        <a:srgbClr val="DDDDDD"/>
-                      </a:solidFill>
-                      <a:prstDash val="solid"/>
-                      <a:round/>
-                      <a:headEnd type="none" w="med" len="med"/>
-                      <a:tailEnd type="none" w="med" len="med"/>
-                    </a:lnT>
-                    <a:lnB w="9525" cap="flat" cmpd="sng" algn="ctr">
-                      <a:solidFill>
-                        <a:srgbClr val="DDDDDD"/>
-                      </a:solidFill>
-                      <a:prstDash val="solid"/>
-                      <a:round/>
-                      <a:headEnd type="none" w="med" len="med"/>
-                      <a:tailEnd type="none" w="med" len="med"/>
-                    </a:lnB>
-                    <a:solidFill>
-                      <a:srgbClr val="FFFFFF"/>
-                    </a:solidFill>
-                  </a:tcPr>
-                </a:tc>
-                <a:tc>
-                  <a:txBody>
-                    <a:bodyPr/>
-                    <a:lstStyle/>
-                    <a:p>
-                      <a:r>
-                        <a:rPr lang="en-US" sz="1100" dirty="0">
-                          <a:effectLst/>
-                        </a:rPr>
-                        <a:t>15</a:t>
-                      </a:r>
-                    </a:p>
-                  </a:txBody>
-                  <a:tcPr marL="74824" marR="74824" marT="34534" marB="34534" anchor="ctr">
-                    <a:lnL w="9525" cap="flat" cmpd="sng" algn="ctr">
-                      <a:solidFill>
-                        <a:srgbClr val="DDDDDD"/>
-                      </a:solidFill>
-                      <a:prstDash val="solid"/>
-                      <a:round/>
-                      <a:headEnd type="none" w="med" len="med"/>
-                      <a:tailEnd type="none" w="med" len="med"/>
-                    </a:lnL>
-                    <a:lnR w="9525" cap="flat" cmpd="sng" algn="ctr">
-                      <a:solidFill>
-                        <a:srgbClr val="DDDDDD"/>
-                      </a:solidFill>
-                      <a:prstDash val="solid"/>
-                      <a:round/>
-                      <a:headEnd type="none" w="med" len="med"/>
-                      <a:tailEnd type="none" w="med" len="med"/>
-                    </a:lnR>
-                    <a:lnT w="9525" cap="flat" cmpd="sng" algn="ctr">
-                      <a:solidFill>
-                        <a:srgbClr val="DDDDDD"/>
-                      </a:solidFill>
-                      <a:prstDash val="solid"/>
-                      <a:round/>
-                      <a:headEnd type="none" w="med" len="med"/>
-                      <a:tailEnd type="none" w="med" len="med"/>
-                    </a:lnT>
-                    <a:lnB w="9525" cap="flat" cmpd="sng" algn="ctr">
-                      <a:solidFill>
-                        <a:srgbClr val="DDDDDD"/>
-                      </a:solidFill>
-                      <a:prstDash val="solid"/>
-                      <a:round/>
-                      <a:headEnd type="none" w="med" len="med"/>
-                      <a:tailEnd type="none" w="med" len="med"/>
-                    </a:lnB>
-                    <a:solidFill>
-                      <a:srgbClr val="FFFFFF"/>
-                    </a:solidFill>
-                  </a:tcPr>
-                </a:tc>
-                <a:extLst>
-                  <a:ext uri="{0D108BD9-81ED-4DB2-BD59-A6C34878D82A}">
-                    <a16:rowId xmlns:a16="http://schemas.microsoft.com/office/drawing/2014/main" val="1091866966"/>
-                  </a:ext>
-                </a:extLst>
-              </a:tr>
-              <a:tr h="229669">
-                <a:tc>
-                  <a:txBody>
-                    <a:bodyPr/>
-                    <a:lstStyle/>
-                    <a:p>
-                      <a:r>
-                        <a:rPr lang="en-US" sz="1100">
-                          <a:effectLst/>
-                        </a:rPr>
-                        <a:t>B</a:t>
-                      </a:r>
-                    </a:p>
-                  </a:txBody>
-                  <a:tcPr marL="74824" marR="74824" marT="34534" marB="34534" anchor="ctr">
-                    <a:lnL w="9525" cap="flat" cmpd="sng" algn="ctr">
-                      <a:solidFill>
-                        <a:srgbClr val="DDDDDD"/>
-                      </a:solidFill>
-                      <a:prstDash val="solid"/>
-                      <a:round/>
-                      <a:headEnd type="none" w="med" len="med"/>
-                      <a:tailEnd type="none" w="med" len="med"/>
-                    </a:lnL>
-                    <a:lnR w="9525" cap="flat" cmpd="sng" algn="ctr">
-                      <a:solidFill>
-                        <a:srgbClr val="DDDDDD"/>
-                      </a:solidFill>
-                      <a:prstDash val="solid"/>
-                      <a:round/>
-                      <a:headEnd type="none" w="med" len="med"/>
-                      <a:tailEnd type="none" w="med" len="med"/>
-                    </a:lnR>
-                    <a:lnT w="9525" cap="flat" cmpd="sng" algn="ctr">
-                      <a:solidFill>
-                        <a:srgbClr val="DDDDDD"/>
-                      </a:solidFill>
-                      <a:prstDash val="solid"/>
-                      <a:round/>
-                      <a:headEnd type="none" w="med" len="med"/>
-                      <a:tailEnd type="none" w="med" len="med"/>
-                    </a:lnT>
-                    <a:lnB w="9525" cap="flat" cmpd="sng" algn="ctr">
-                      <a:solidFill>
-                        <a:srgbClr val="DDDDDD"/>
-                      </a:solidFill>
-                      <a:prstDash val="solid"/>
-                      <a:round/>
-                      <a:headEnd type="none" w="med" len="med"/>
-                      <a:tailEnd type="none" w="med" len="med"/>
-                    </a:lnB>
-                    <a:solidFill>
-                      <a:srgbClr val="F8F8F8"/>
-                    </a:solidFill>
-                  </a:tcPr>
-                </a:tc>
-                <a:tc>
-                  <a:txBody>
-                    <a:bodyPr/>
-                    <a:lstStyle/>
-                    <a:p>
-                      <a:r>
-                        <a:rPr lang="en-US" sz="1100">
-                          <a:effectLst/>
-                        </a:rPr>
-                        <a:t>Bonus</a:t>
-                      </a:r>
-                    </a:p>
-                  </a:txBody>
-                  <a:tcPr marL="74824" marR="74824" marT="34534" marB="34534" anchor="ctr">
-                    <a:lnL w="9525" cap="flat" cmpd="sng" algn="ctr">
-                      <a:solidFill>
-                        <a:srgbClr val="DDDDDD"/>
-                      </a:solidFill>
-                      <a:prstDash val="solid"/>
-                      <a:round/>
-                      <a:headEnd type="none" w="med" len="med"/>
-                      <a:tailEnd type="none" w="med" len="med"/>
-                    </a:lnL>
-                    <a:lnR w="9525" cap="flat" cmpd="sng" algn="ctr">
-                      <a:solidFill>
-                        <a:srgbClr val="DDDDDD"/>
-                      </a:solidFill>
-                      <a:prstDash val="solid"/>
-                      <a:round/>
-                      <a:headEnd type="none" w="med" len="med"/>
-                      <a:tailEnd type="none" w="med" len="med"/>
-                    </a:lnR>
-                    <a:lnT w="9525" cap="flat" cmpd="sng" algn="ctr">
-                      <a:solidFill>
-                        <a:srgbClr val="DDDDDD"/>
-                      </a:solidFill>
-                      <a:prstDash val="solid"/>
-                      <a:round/>
-                      <a:headEnd type="none" w="med" len="med"/>
-                      <a:tailEnd type="none" w="med" len="med"/>
-                    </a:lnT>
-                    <a:lnB w="9525" cap="flat" cmpd="sng" algn="ctr">
-                      <a:solidFill>
-                        <a:srgbClr val="DDDDDD"/>
-                      </a:solidFill>
-                      <a:prstDash val="solid"/>
-                      <a:round/>
-                      <a:headEnd type="none" w="med" len="med"/>
-                      <a:tailEnd type="none" w="med" len="med"/>
-                    </a:lnB>
-                    <a:solidFill>
-                      <a:srgbClr val="F8F8F8"/>
-                    </a:solidFill>
-                  </a:tcPr>
-                </a:tc>
-                <a:tc>
-                  <a:txBody>
-                    <a:bodyPr/>
-                    <a:lstStyle/>
-                    <a:p>
-                      <a:r>
-                        <a:rPr lang="en-US" sz="1100">
-                          <a:effectLst/>
-                        </a:rPr>
-                        <a:t>10</a:t>
-                      </a:r>
-                    </a:p>
-                  </a:txBody>
-                  <a:tcPr marL="74824" marR="74824" marT="34534" marB="34534" anchor="ctr">
-                    <a:lnL w="9525" cap="flat" cmpd="sng" algn="ctr">
-                      <a:solidFill>
-                        <a:srgbClr val="DDDDDD"/>
-                      </a:solidFill>
-                      <a:prstDash val="solid"/>
-                      <a:round/>
-                      <a:headEnd type="none" w="med" len="med"/>
-                      <a:tailEnd type="none" w="med" len="med"/>
-                    </a:lnL>
-                    <a:lnR w="9525" cap="flat" cmpd="sng" algn="ctr">
-                      <a:solidFill>
-                        <a:srgbClr val="DDDDDD"/>
-                      </a:solidFill>
-                      <a:prstDash val="solid"/>
-                      <a:round/>
-                      <a:headEnd type="none" w="med" len="med"/>
-                      <a:tailEnd type="none" w="med" len="med"/>
-                    </a:lnR>
-                    <a:lnT w="9525" cap="flat" cmpd="sng" algn="ctr">
-                      <a:solidFill>
-                        <a:srgbClr val="DDDDDD"/>
-                      </a:solidFill>
-                      <a:prstDash val="solid"/>
-                      <a:round/>
-                      <a:headEnd type="none" w="med" len="med"/>
-                      <a:tailEnd type="none" w="med" len="med"/>
-                    </a:lnT>
-                    <a:lnB w="9525" cap="flat" cmpd="sng" algn="ctr">
-                      <a:solidFill>
-                        <a:srgbClr val="DDDDDD"/>
-                      </a:solidFill>
-                      <a:prstDash val="solid"/>
-                      <a:round/>
-                      <a:headEnd type="none" w="med" len="med"/>
-                      <a:tailEnd type="none" w="med" len="med"/>
-                    </a:lnB>
-                    <a:solidFill>
-                      <a:srgbClr val="F8F8F8"/>
-                    </a:solidFill>
-                  </a:tcPr>
-                </a:tc>
-                <a:extLst>
-                  <a:ext uri="{0D108BD9-81ED-4DB2-BD59-A6C34878D82A}">
-                    <a16:rowId xmlns:a16="http://schemas.microsoft.com/office/drawing/2014/main" val="893677232"/>
-                  </a:ext>
-                </a:extLst>
-              </a:tr>
-              <a:tr h="229669">
-                <a:tc>
-                  <a:txBody>
-                    <a:bodyPr/>
-                    <a:lstStyle/>
-                    <a:p>
-                      <a:endParaRPr lang="en-US" sz="1100">
-                        <a:effectLst/>
-                      </a:endParaRPr>
-                    </a:p>
-                  </a:txBody>
-                  <a:tcPr marL="74824" marR="74824" marT="34534" marB="34534" anchor="ctr">
-                    <a:lnL w="9525" cap="flat" cmpd="sng" algn="ctr">
-                      <a:solidFill>
-                        <a:srgbClr val="DDDDDD"/>
-                      </a:solidFill>
-                      <a:prstDash val="solid"/>
-                      <a:round/>
-                      <a:headEnd type="none" w="med" len="med"/>
-                      <a:tailEnd type="none" w="med" len="med"/>
-                    </a:lnL>
-                    <a:lnR w="9525" cap="flat" cmpd="sng" algn="ctr">
-                      <a:solidFill>
-                        <a:srgbClr val="DDDDDD"/>
-                      </a:solidFill>
-                      <a:prstDash val="solid"/>
-                      <a:round/>
-                      <a:headEnd type="none" w="med" len="med"/>
-                      <a:tailEnd type="none" w="med" len="med"/>
-                    </a:lnR>
-                    <a:lnT w="9525" cap="flat" cmpd="sng" algn="ctr">
-                      <a:solidFill>
-                        <a:srgbClr val="DDDDDD"/>
-                      </a:solidFill>
-                      <a:prstDash val="solid"/>
-                      <a:round/>
-                      <a:headEnd type="none" w="med" len="med"/>
-                      <a:tailEnd type="none" w="med" len="med"/>
-                    </a:lnT>
-                    <a:lnB w="9525" cap="flat" cmpd="sng" algn="ctr">
-                      <a:solidFill>
-                        <a:srgbClr val="DDDDDD"/>
-                      </a:solidFill>
-                      <a:prstDash val="solid"/>
-                      <a:round/>
-                      <a:headEnd type="none" w="med" len="med"/>
-                      <a:tailEnd type="none" w="med" len="med"/>
-                    </a:lnB>
-                    <a:solidFill>
-                      <a:srgbClr val="FFFFFF"/>
-                    </a:solidFill>
-                  </a:tcPr>
-                </a:tc>
-                <a:tc>
-                  <a:txBody>
-                    <a:bodyPr/>
-                    <a:lstStyle/>
-                    <a:p>
-                      <a:r>
-                        <a:rPr lang="en-US" sz="1100">
-                          <a:effectLst/>
-                        </a:rPr>
-                        <a:t>Total</a:t>
-                      </a:r>
-                    </a:p>
-                  </a:txBody>
-                  <a:tcPr marL="74824" marR="74824" marT="34534" marB="34534" anchor="ctr">
-                    <a:lnL w="9525" cap="flat" cmpd="sng" algn="ctr">
-                      <a:solidFill>
-                        <a:srgbClr val="DDDDDD"/>
-                      </a:solidFill>
-                      <a:prstDash val="solid"/>
-                      <a:round/>
-                      <a:headEnd type="none" w="med" len="med"/>
-                      <a:tailEnd type="none" w="med" len="med"/>
-                    </a:lnL>
-                    <a:lnR w="9525" cap="flat" cmpd="sng" algn="ctr">
-                      <a:solidFill>
-                        <a:srgbClr val="DDDDDD"/>
-                      </a:solidFill>
-                      <a:prstDash val="solid"/>
-                      <a:round/>
-                      <a:headEnd type="none" w="med" len="med"/>
-                      <a:tailEnd type="none" w="med" len="med"/>
-                    </a:lnR>
-                    <a:lnT w="9525" cap="flat" cmpd="sng" algn="ctr">
-                      <a:solidFill>
-                        <a:srgbClr val="DDDDDD"/>
-                      </a:solidFill>
-                      <a:prstDash val="solid"/>
-                      <a:round/>
-                      <a:headEnd type="none" w="med" len="med"/>
-                      <a:tailEnd type="none" w="med" len="med"/>
-                    </a:lnT>
-                    <a:lnB w="9525" cap="flat" cmpd="sng" algn="ctr">
-                      <a:solidFill>
-                        <a:srgbClr val="DDDDDD"/>
-                      </a:solidFill>
-                      <a:prstDash val="solid"/>
-                      <a:round/>
-                      <a:headEnd type="none" w="med" len="med"/>
-                      <a:tailEnd type="none" w="med" len="med"/>
-                    </a:lnB>
-                    <a:solidFill>
-                      <a:srgbClr val="FFFFFF"/>
-                    </a:solidFill>
-                  </a:tcPr>
-                </a:tc>
-                <a:tc>
-                  <a:txBody>
-                    <a:bodyPr/>
-                    <a:lstStyle/>
-                    <a:p>
-                      <a:r>
-                        <a:rPr lang="en-US" sz="1100" dirty="0">
-                          <a:effectLst/>
-                        </a:rPr>
-                        <a:t>130</a:t>
-                      </a:r>
-                    </a:p>
-                  </a:txBody>
-                  <a:tcPr marL="74824" marR="74824" marT="34534" marB="34534" anchor="ctr">
-                    <a:lnL w="9525" cap="flat" cmpd="sng" algn="ctr">
-                      <a:solidFill>
-                        <a:srgbClr val="DDDDDD"/>
-                      </a:solidFill>
-                      <a:prstDash val="solid"/>
-                      <a:round/>
-                      <a:headEnd type="none" w="med" len="med"/>
-                      <a:tailEnd type="none" w="med" len="med"/>
-                    </a:lnL>
-                    <a:lnR w="9525" cap="flat" cmpd="sng" algn="ctr">
-                      <a:solidFill>
-                        <a:srgbClr val="DDDDDD"/>
-                      </a:solidFill>
-                      <a:prstDash val="solid"/>
-                      <a:round/>
-                      <a:headEnd type="none" w="med" len="med"/>
-                      <a:tailEnd type="none" w="med" len="med"/>
-                    </a:lnR>
-                    <a:lnT w="9525" cap="flat" cmpd="sng" algn="ctr">
-                      <a:solidFill>
-                        <a:srgbClr val="DDDDDD"/>
-                      </a:solidFill>
-                      <a:prstDash val="solid"/>
-                      <a:round/>
-                      <a:headEnd type="none" w="med" len="med"/>
-                      <a:tailEnd type="none" w="med" len="med"/>
-                    </a:lnT>
-                    <a:lnB w="9525" cap="flat" cmpd="sng" algn="ctr">
-                      <a:solidFill>
-                        <a:srgbClr val="DDDDDD"/>
-                      </a:solidFill>
-                      <a:prstDash val="solid"/>
-                      <a:round/>
-                      <a:headEnd type="none" w="med" len="med"/>
-                      <a:tailEnd type="none" w="med" len="med"/>
-                    </a:lnB>
-                    <a:solidFill>
-                      <a:srgbClr val="FFFFFF"/>
-                    </a:solidFill>
-                  </a:tcPr>
-                </a:tc>
-                <a:extLst>
-                  <a:ext uri="{0D108BD9-81ED-4DB2-BD59-A6C34878D82A}">
-                    <a16:rowId xmlns:a16="http://schemas.microsoft.com/office/drawing/2014/main" val="2401591075"/>
-                  </a:ext>
-                </a:extLst>
-              </a:tr>
-            </a:tbl>
-          </a:graphicData>
-        </a:graphic>
-      </p:graphicFrame>
-      <p:graphicFrame>
-        <p:nvGraphicFramePr>
-          <p:cNvPr id="5" name="Table 4"/>
-          <p:cNvGraphicFramePr>
-            <a:graphicFrameLocks noGrp="1"/>
-          </p:cNvGraphicFramePr>
-          <p:nvPr>
-            <p:extLst>
-              <p:ext uri="{D42A27DB-BD31-4B8C-83A1-F6EECF244321}">
-                <p14:modId xmlns:p14="http://schemas.microsoft.com/office/powerpoint/2010/main" val="3122075958"/>
-              </p:ext>
-            </p:extLst>
-          </p:nvPr>
-        </p:nvGraphicFramePr>
-        <p:xfrm>
-          <a:off x="2863358" y="66501"/>
-          <a:ext cx="7959813" cy="6582336"/>
-        </p:xfrm>
-        <a:graphic>
-          <a:graphicData uri="http://schemas.openxmlformats.org/drawingml/2006/table">
-            <a:tbl>
-              <a:tblPr/>
-              <a:tblGrid>
-                <a:gridCol w="305822">
-                  <a:extLst>
-                    <a:ext uri="{9D8B030D-6E8A-4147-A177-3AD203B41FA5}">
-                      <a16:colId xmlns:a16="http://schemas.microsoft.com/office/drawing/2014/main" val="1180354344"/>
-                    </a:ext>
-                  </a:extLst>
-                </a:gridCol>
-                <a:gridCol w="7013911">
-                  <a:extLst>
-                    <a:ext uri="{9D8B030D-6E8A-4147-A177-3AD203B41FA5}">
-                      <a16:colId xmlns:a16="http://schemas.microsoft.com/office/drawing/2014/main" val="2813880437"/>
-                    </a:ext>
-                  </a:extLst>
-                </a:gridCol>
-                <a:gridCol w="640080">
-                  <a:extLst>
-                    <a:ext uri="{9D8B030D-6E8A-4147-A177-3AD203B41FA5}">
-                      <a16:colId xmlns:a16="http://schemas.microsoft.com/office/drawing/2014/main" val="3772473587"/>
-                    </a:ext>
-                  </a:extLst>
-                </a:gridCol>
-              </a:tblGrid>
-              <a:tr h="111142">
-                <a:tc>
-                  <a:txBody>
-                    <a:bodyPr/>
-                    <a:lstStyle/>
-                    <a:p>
-                      <a:r>
-                        <a:rPr lang="en-US" sz="500" b="1">
-                          <a:effectLst/>
-                        </a:rPr>
-                        <a:t>category</a:t>
-                      </a:r>
-                    </a:p>
-                  </a:txBody>
-                  <a:tcPr marL="35712" marR="35712" marT="16482" marB="16482" anchor="ctr">
-                    <a:lnL w="9525" cap="flat" cmpd="sng" algn="ctr">
-                      <a:solidFill>
-                        <a:srgbClr val="DDDDDD"/>
-                      </a:solidFill>
-                      <a:prstDash val="solid"/>
-                      <a:round/>
-                      <a:headEnd type="none" w="med" len="med"/>
-                      <a:tailEnd type="none" w="med" len="med"/>
-                    </a:lnL>
-                    <a:lnR w="9525" cap="flat" cmpd="sng" algn="ctr">
-                      <a:solidFill>
-                        <a:srgbClr val="DDDDDD"/>
-                      </a:solidFill>
-                      <a:prstDash val="solid"/>
-                      <a:round/>
-                      <a:headEnd type="none" w="med" len="med"/>
-                      <a:tailEnd type="none" w="med" len="med"/>
-                    </a:lnR>
-                    <a:lnT w="9525" cap="flat" cmpd="sng" algn="ctr">
-                      <a:solidFill>
-                        <a:srgbClr val="DDDDDD"/>
-                      </a:solidFill>
-                      <a:prstDash val="solid"/>
-                      <a:round/>
-                      <a:headEnd type="none" w="med" len="med"/>
-                      <a:tailEnd type="none" w="med" len="med"/>
-                    </a:lnT>
-                    <a:lnB w="9525" cap="flat" cmpd="sng" algn="ctr">
-                      <a:solidFill>
-                        <a:srgbClr val="DDDDDD"/>
-                      </a:solidFill>
-                      <a:prstDash val="solid"/>
-                      <a:round/>
-                      <a:headEnd type="none" w="med" len="med"/>
-                      <a:tailEnd type="none" w="med" len="med"/>
-                    </a:lnB>
-                    <a:solidFill>
-                      <a:srgbClr val="FFFFFF"/>
-                    </a:solidFill>
-                  </a:tcPr>
-                </a:tc>
-                <a:tc>
-                  <a:txBody>
-                    <a:bodyPr/>
-                    <a:lstStyle/>
-                    <a:p>
-                      <a:r>
-                        <a:rPr lang="en-US" sz="1000" b="1">
-                          <a:effectLst/>
-                        </a:rPr>
-                        <a:t>criteria</a:t>
-                      </a:r>
-                    </a:p>
-                  </a:txBody>
-                  <a:tcPr marL="35712" marR="35712" marT="16482" marB="16482" anchor="ctr">
-                    <a:lnL w="9525" cap="flat" cmpd="sng" algn="ctr">
-                      <a:solidFill>
-                        <a:srgbClr val="DDDDDD"/>
-                      </a:solidFill>
-                      <a:prstDash val="solid"/>
-                      <a:round/>
-                      <a:headEnd type="none" w="med" len="med"/>
-                      <a:tailEnd type="none" w="med" len="med"/>
-                    </a:lnL>
-                    <a:lnR w="9525" cap="flat" cmpd="sng" algn="ctr">
-                      <a:solidFill>
-                        <a:srgbClr val="DDDDDD"/>
-                      </a:solidFill>
-                      <a:prstDash val="solid"/>
-                      <a:round/>
-                      <a:headEnd type="none" w="med" len="med"/>
-                      <a:tailEnd type="none" w="med" len="med"/>
-                    </a:lnR>
-                    <a:lnT w="9525" cap="flat" cmpd="sng" algn="ctr">
-                      <a:solidFill>
-                        <a:srgbClr val="DDDDDD"/>
-                      </a:solidFill>
-                      <a:prstDash val="solid"/>
-                      <a:round/>
-                      <a:headEnd type="none" w="med" len="med"/>
-                      <a:tailEnd type="none" w="med" len="med"/>
-                    </a:lnT>
-                    <a:lnB w="9525" cap="flat" cmpd="sng" algn="ctr">
-                      <a:solidFill>
-                        <a:srgbClr val="DDDDDD"/>
-                      </a:solidFill>
-                      <a:prstDash val="solid"/>
-                      <a:round/>
-                      <a:headEnd type="none" w="med" len="med"/>
-                      <a:tailEnd type="none" w="med" len="med"/>
-                    </a:lnB>
-                    <a:solidFill>
-                      <a:srgbClr val="FFFFFF"/>
-                    </a:solidFill>
-                  </a:tcPr>
-                </a:tc>
-                <a:tc>
-                  <a:txBody>
-                    <a:bodyPr/>
-                    <a:lstStyle/>
-                    <a:p>
-                      <a:r>
-                        <a:rPr lang="en-US" sz="500" b="1">
-                          <a:effectLst/>
-                        </a:rPr>
-                        <a:t>max pt</a:t>
-                      </a:r>
-                    </a:p>
-                  </a:txBody>
-                  <a:tcPr marL="35712" marR="35712" marT="16482" marB="16482" anchor="ctr">
-                    <a:lnL w="9525" cap="flat" cmpd="sng" algn="ctr">
-                      <a:solidFill>
-                        <a:srgbClr val="DDDDDD"/>
-                      </a:solidFill>
-                      <a:prstDash val="solid"/>
-                      <a:round/>
-                      <a:headEnd type="none" w="med" len="med"/>
-                      <a:tailEnd type="none" w="med" len="med"/>
-                    </a:lnL>
-                    <a:lnR w="9525" cap="flat" cmpd="sng" algn="ctr">
-                      <a:solidFill>
-                        <a:srgbClr val="DDDDDD"/>
-                      </a:solidFill>
-                      <a:prstDash val="solid"/>
-                      <a:round/>
-                      <a:headEnd type="none" w="med" len="med"/>
-                      <a:tailEnd type="none" w="med" len="med"/>
-                    </a:lnR>
-                    <a:lnT w="9525" cap="flat" cmpd="sng" algn="ctr">
-                      <a:solidFill>
-                        <a:srgbClr val="DDDDDD"/>
-                      </a:solidFill>
-                      <a:prstDash val="solid"/>
-                      <a:round/>
-                      <a:headEnd type="none" w="med" len="med"/>
-                      <a:tailEnd type="none" w="med" len="med"/>
-                    </a:lnT>
-                    <a:lnB w="9525" cap="flat" cmpd="sng" algn="ctr">
-                      <a:solidFill>
-                        <a:srgbClr val="DDDDDD"/>
-                      </a:solidFill>
-                      <a:prstDash val="solid"/>
-                      <a:round/>
-                      <a:headEnd type="none" w="med" len="med"/>
-                      <a:tailEnd type="none" w="med" len="med"/>
-                    </a:lnB>
-                    <a:solidFill>
-                      <a:srgbClr val="FFFFFF"/>
-                    </a:solidFill>
-                  </a:tcPr>
-                </a:tc>
-                <a:extLst>
-                  <a:ext uri="{0D108BD9-81ED-4DB2-BD59-A6C34878D82A}">
-                    <a16:rowId xmlns:a16="http://schemas.microsoft.com/office/drawing/2014/main" val="3117172562"/>
-                  </a:ext>
-                </a:extLst>
-              </a:tr>
-              <a:tr h="424953">
-                <a:tc>
-                  <a:txBody>
-                    <a:bodyPr/>
-                    <a:lstStyle/>
-                    <a:p>
-                      <a:r>
-                        <a:rPr lang="en-US" sz="500">
-                          <a:effectLst/>
-                        </a:rPr>
-                        <a:t>Q</a:t>
-                      </a:r>
-                    </a:p>
-                  </a:txBody>
-                  <a:tcPr marL="35712" marR="35712" marT="16482" marB="16482" anchor="ctr">
-                    <a:lnL w="9525" cap="flat" cmpd="sng" algn="ctr">
-                      <a:solidFill>
-                        <a:srgbClr val="DDDDDD"/>
-                      </a:solidFill>
-                      <a:prstDash val="solid"/>
-                      <a:round/>
-                      <a:headEnd type="none" w="med" len="med"/>
-                      <a:tailEnd type="none" w="med" len="med"/>
-                    </a:lnL>
-                    <a:lnR w="9525" cap="flat" cmpd="sng" algn="ctr">
-                      <a:solidFill>
-                        <a:srgbClr val="DDDDDD"/>
-                      </a:solidFill>
-                      <a:prstDash val="solid"/>
-                      <a:round/>
-                      <a:headEnd type="none" w="med" len="med"/>
-                      <a:tailEnd type="none" w="med" len="med"/>
-                    </a:lnR>
-                    <a:lnT w="9525" cap="flat" cmpd="sng" algn="ctr">
-                      <a:solidFill>
-                        <a:srgbClr val="DDDDDD"/>
-                      </a:solidFill>
-                      <a:prstDash val="solid"/>
-                      <a:round/>
-                      <a:headEnd type="none" w="med" len="med"/>
-                      <a:tailEnd type="none" w="med" len="med"/>
-                    </a:lnT>
-                    <a:lnB w="9525" cap="flat" cmpd="sng" algn="ctr">
-                      <a:solidFill>
-                        <a:srgbClr val="DDDDDD"/>
-                      </a:solidFill>
-                      <a:prstDash val="solid"/>
-                      <a:round/>
-                      <a:headEnd type="none" w="med" len="med"/>
-                      <a:tailEnd type="none" w="med" len="med"/>
-                    </a:lnB>
-                    <a:solidFill>
-                      <a:srgbClr val="FFFFFF"/>
-                    </a:solidFill>
-                  </a:tcPr>
-                </a:tc>
-                <a:tc>
-                  <a:txBody>
-                    <a:bodyPr/>
-                    <a:lstStyle/>
-                    <a:p>
-                      <a:r>
-                        <a:rPr lang="en-US" sz="1000" dirty="0">
-                          <a:effectLst/>
-                        </a:rPr>
-                        <a:t>Problem Source (higher points if it requires more effort to get data and define problems)</a:t>
-                      </a:r>
-                      <a:br>
-                        <a:rPr lang="en-US" sz="1000" dirty="0">
-                          <a:effectLst/>
-                        </a:rPr>
-                      </a:br>
-                      <a:r>
-                        <a:rPr lang="en-US" sz="1000" dirty="0">
-                          <a:effectLst/>
-                        </a:rPr>
-                        <a:t>- create own problem and data, from company/work, from </a:t>
-                      </a:r>
-                      <a:r>
-                        <a:rPr lang="en-US" sz="1000" dirty="0" err="1">
-                          <a:effectLst/>
-                        </a:rPr>
-                        <a:t>Kaggle</a:t>
-                      </a:r>
-                      <a:r>
-                        <a:rPr lang="en-US" sz="1000" dirty="0">
-                          <a:effectLst/>
-                        </a:rPr>
-                        <a:t> or similar</a:t>
-                      </a:r>
-                      <a:br>
-                        <a:rPr lang="en-US" sz="1000" dirty="0">
-                          <a:effectLst/>
-                        </a:rPr>
-                      </a:br>
-                      <a:endParaRPr lang="en-US" sz="1000" dirty="0">
-                        <a:effectLst/>
-                      </a:endParaRPr>
-                    </a:p>
-                  </a:txBody>
-                  <a:tcPr marL="35712" marR="35712" marT="16482" marB="16482" anchor="ctr">
-                    <a:lnL w="9525" cap="flat" cmpd="sng" algn="ctr">
-                      <a:solidFill>
-                        <a:srgbClr val="DDDDDD"/>
-                      </a:solidFill>
-                      <a:prstDash val="solid"/>
-                      <a:round/>
-                      <a:headEnd type="none" w="med" len="med"/>
-                      <a:tailEnd type="none" w="med" len="med"/>
-                    </a:lnL>
-                    <a:lnR w="9525" cap="flat" cmpd="sng" algn="ctr">
-                      <a:solidFill>
-                        <a:srgbClr val="DDDDDD"/>
-                      </a:solidFill>
-                      <a:prstDash val="solid"/>
-                      <a:round/>
-                      <a:headEnd type="none" w="med" len="med"/>
-                      <a:tailEnd type="none" w="med" len="med"/>
-                    </a:lnR>
-                    <a:lnT w="9525" cap="flat" cmpd="sng" algn="ctr">
-                      <a:solidFill>
-                        <a:srgbClr val="DDDDDD"/>
-                      </a:solidFill>
-                      <a:prstDash val="solid"/>
-                      <a:round/>
-                      <a:headEnd type="none" w="med" len="med"/>
-                      <a:tailEnd type="none" w="med" len="med"/>
-                    </a:lnT>
-                    <a:lnB w="9525" cap="flat" cmpd="sng" algn="ctr">
-                      <a:solidFill>
-                        <a:srgbClr val="DDDDDD"/>
-                      </a:solidFill>
-                      <a:prstDash val="solid"/>
-                      <a:round/>
-                      <a:headEnd type="none" w="med" len="med"/>
-                      <a:tailEnd type="none" w="med" len="med"/>
-                    </a:lnB>
-                    <a:solidFill>
-                      <a:srgbClr val="FFFFFF"/>
-                    </a:solidFill>
-                  </a:tcPr>
-                </a:tc>
-                <a:tc>
-                  <a:txBody>
-                    <a:bodyPr/>
-                    <a:lstStyle/>
-                    <a:p>
-                      <a:r>
-                        <a:rPr lang="en-US" sz="500">
-                          <a:effectLst/>
-                        </a:rPr>
-                        <a:t>5</a:t>
-                      </a:r>
-                    </a:p>
-                  </a:txBody>
-                  <a:tcPr marL="35712" marR="35712" marT="16482" marB="16482" anchor="ctr">
-                    <a:lnL w="9525" cap="flat" cmpd="sng" algn="ctr">
-                      <a:solidFill>
-                        <a:srgbClr val="DDDDDD"/>
-                      </a:solidFill>
-                      <a:prstDash val="solid"/>
-                      <a:round/>
-                      <a:headEnd type="none" w="med" len="med"/>
-                      <a:tailEnd type="none" w="med" len="med"/>
-                    </a:lnL>
-                    <a:lnR w="9525" cap="flat" cmpd="sng" algn="ctr">
-                      <a:solidFill>
-                        <a:srgbClr val="DDDDDD"/>
-                      </a:solidFill>
-                      <a:prstDash val="solid"/>
-                      <a:round/>
-                      <a:headEnd type="none" w="med" len="med"/>
-                      <a:tailEnd type="none" w="med" len="med"/>
-                    </a:lnR>
-                    <a:lnT w="9525" cap="flat" cmpd="sng" algn="ctr">
-                      <a:solidFill>
-                        <a:srgbClr val="DDDDDD"/>
-                      </a:solidFill>
-                      <a:prstDash val="solid"/>
-                      <a:round/>
-                      <a:headEnd type="none" w="med" len="med"/>
-                      <a:tailEnd type="none" w="med" len="med"/>
-                    </a:lnT>
-                    <a:lnB w="9525" cap="flat" cmpd="sng" algn="ctr">
-                      <a:solidFill>
-                        <a:srgbClr val="DDDDDD"/>
-                      </a:solidFill>
-                      <a:prstDash val="solid"/>
-                      <a:round/>
-                      <a:headEnd type="none" w="med" len="med"/>
-                      <a:tailEnd type="none" w="med" len="med"/>
-                    </a:lnB>
-                    <a:solidFill>
-                      <a:srgbClr val="FFFFFF"/>
-                    </a:solidFill>
-                  </a:tcPr>
-                </a:tc>
-                <a:extLst>
-                  <a:ext uri="{0D108BD9-81ED-4DB2-BD59-A6C34878D82A}">
-                    <a16:rowId xmlns:a16="http://schemas.microsoft.com/office/drawing/2014/main" val="3398681096"/>
-                  </a:ext>
-                </a:extLst>
-              </a:tr>
-              <a:tr h="346501">
-                <a:tc>
-                  <a:txBody>
-                    <a:bodyPr/>
-                    <a:lstStyle/>
-                    <a:p>
-                      <a:r>
-                        <a:rPr lang="en-US" sz="500">
-                          <a:effectLst/>
-                        </a:rPr>
-                        <a:t>Q</a:t>
-                      </a:r>
-                    </a:p>
-                  </a:txBody>
-                  <a:tcPr marL="35712" marR="35712" marT="16482" marB="16482" anchor="ctr">
-                    <a:lnL w="9525" cap="flat" cmpd="sng" algn="ctr">
-                      <a:solidFill>
-                        <a:srgbClr val="DDDDDD"/>
-                      </a:solidFill>
-                      <a:prstDash val="solid"/>
-                      <a:round/>
-                      <a:headEnd type="none" w="med" len="med"/>
-                      <a:tailEnd type="none" w="med" len="med"/>
-                    </a:lnL>
-                    <a:lnR w="9525" cap="flat" cmpd="sng" algn="ctr">
-                      <a:solidFill>
-                        <a:srgbClr val="DDDDDD"/>
-                      </a:solidFill>
-                      <a:prstDash val="solid"/>
-                      <a:round/>
-                      <a:headEnd type="none" w="med" len="med"/>
-                      <a:tailEnd type="none" w="med" len="med"/>
-                    </a:lnR>
-                    <a:lnT w="9525" cap="flat" cmpd="sng" algn="ctr">
-                      <a:solidFill>
-                        <a:srgbClr val="DDDDDD"/>
-                      </a:solidFill>
-                      <a:prstDash val="solid"/>
-                      <a:round/>
-                      <a:headEnd type="none" w="med" len="med"/>
-                      <a:tailEnd type="none" w="med" len="med"/>
-                    </a:lnT>
-                    <a:lnB w="9525" cap="flat" cmpd="sng" algn="ctr">
-                      <a:solidFill>
-                        <a:srgbClr val="DDDDDD"/>
-                      </a:solidFill>
-                      <a:prstDash val="solid"/>
-                      <a:round/>
-                      <a:headEnd type="none" w="med" len="med"/>
-                      <a:tailEnd type="none" w="med" len="med"/>
-                    </a:lnB>
-                    <a:solidFill>
-                      <a:srgbClr val="F8F8F8"/>
-                    </a:solidFill>
-                  </a:tcPr>
-                </a:tc>
-                <a:tc>
-                  <a:txBody>
-                    <a:bodyPr/>
-                    <a:lstStyle/>
-                    <a:p>
-                      <a:r>
-                        <a:rPr lang="en-US" sz="1000" dirty="0">
-                          <a:effectLst/>
-                        </a:rPr>
-                        <a:t>Defining Problems effort </a:t>
-                      </a:r>
-                      <a:br>
-                        <a:rPr lang="en-US" sz="1000" dirty="0">
-                          <a:effectLst/>
-                        </a:rPr>
-                      </a:br>
-                      <a:r>
-                        <a:rPr lang="en-US" sz="1000" dirty="0">
-                          <a:effectLst/>
-                        </a:rPr>
-                        <a:t>- extra effort defining problems and analysis milestones (+1) </a:t>
-                      </a:r>
-                      <a:br>
-                        <a:rPr lang="en-US" sz="1000" dirty="0">
-                          <a:effectLst/>
-                        </a:rPr>
-                      </a:br>
-                      <a:endParaRPr lang="en-US" sz="1000" dirty="0">
-                        <a:effectLst/>
-                      </a:endParaRPr>
-                    </a:p>
-                  </a:txBody>
-                  <a:tcPr marL="35712" marR="35712" marT="16482" marB="16482" anchor="ctr">
-                    <a:lnL w="9525" cap="flat" cmpd="sng" algn="ctr">
-                      <a:solidFill>
-                        <a:srgbClr val="DDDDDD"/>
-                      </a:solidFill>
-                      <a:prstDash val="solid"/>
-                      <a:round/>
-                      <a:headEnd type="none" w="med" len="med"/>
-                      <a:tailEnd type="none" w="med" len="med"/>
-                    </a:lnL>
-                    <a:lnR w="9525" cap="flat" cmpd="sng" algn="ctr">
-                      <a:solidFill>
-                        <a:srgbClr val="DDDDDD"/>
-                      </a:solidFill>
-                      <a:prstDash val="solid"/>
-                      <a:round/>
-                      <a:headEnd type="none" w="med" len="med"/>
-                      <a:tailEnd type="none" w="med" len="med"/>
-                    </a:lnR>
-                    <a:lnT w="9525" cap="flat" cmpd="sng" algn="ctr">
-                      <a:solidFill>
-                        <a:srgbClr val="DDDDDD"/>
-                      </a:solidFill>
-                      <a:prstDash val="solid"/>
-                      <a:round/>
-                      <a:headEnd type="none" w="med" len="med"/>
-                      <a:tailEnd type="none" w="med" len="med"/>
-                    </a:lnT>
-                    <a:lnB w="9525" cap="flat" cmpd="sng" algn="ctr">
-                      <a:solidFill>
-                        <a:srgbClr val="DDDDDD"/>
-                      </a:solidFill>
-                      <a:prstDash val="solid"/>
-                      <a:round/>
-                      <a:headEnd type="none" w="med" len="med"/>
-                      <a:tailEnd type="none" w="med" len="med"/>
-                    </a:lnB>
-                    <a:solidFill>
-                      <a:srgbClr val="F8F8F8"/>
-                    </a:solidFill>
-                  </a:tcPr>
-                </a:tc>
-                <a:tc>
-                  <a:txBody>
-                    <a:bodyPr/>
-                    <a:lstStyle/>
-                    <a:p>
-                      <a:r>
-                        <a:rPr lang="en-US" sz="500">
-                          <a:effectLst/>
-                        </a:rPr>
-                        <a:t>5</a:t>
-                      </a:r>
-                    </a:p>
-                  </a:txBody>
-                  <a:tcPr marL="35712" marR="35712" marT="16482" marB="16482" anchor="ctr">
-                    <a:lnL w="9525" cap="flat" cmpd="sng" algn="ctr">
-                      <a:solidFill>
-                        <a:srgbClr val="DDDDDD"/>
-                      </a:solidFill>
-                      <a:prstDash val="solid"/>
-                      <a:round/>
-                      <a:headEnd type="none" w="med" len="med"/>
-                      <a:tailEnd type="none" w="med" len="med"/>
-                    </a:lnL>
-                    <a:lnR w="9525" cap="flat" cmpd="sng" algn="ctr">
-                      <a:solidFill>
-                        <a:srgbClr val="DDDDDD"/>
-                      </a:solidFill>
-                      <a:prstDash val="solid"/>
-                      <a:round/>
-                      <a:headEnd type="none" w="med" len="med"/>
-                      <a:tailEnd type="none" w="med" len="med"/>
-                    </a:lnR>
-                    <a:lnT w="9525" cap="flat" cmpd="sng" algn="ctr">
-                      <a:solidFill>
-                        <a:srgbClr val="DDDDDD"/>
-                      </a:solidFill>
-                      <a:prstDash val="solid"/>
-                      <a:round/>
-                      <a:headEnd type="none" w="med" len="med"/>
-                      <a:tailEnd type="none" w="med" len="med"/>
-                    </a:lnT>
-                    <a:lnB w="9525" cap="flat" cmpd="sng" algn="ctr">
-                      <a:solidFill>
-                        <a:srgbClr val="DDDDDD"/>
-                      </a:solidFill>
-                      <a:prstDash val="solid"/>
-                      <a:round/>
-                      <a:headEnd type="none" w="med" len="med"/>
-                      <a:tailEnd type="none" w="med" len="med"/>
-                    </a:lnB>
-                    <a:solidFill>
-                      <a:srgbClr val="F8F8F8"/>
-                    </a:solidFill>
-                  </a:tcPr>
-                </a:tc>
-                <a:extLst>
-                  <a:ext uri="{0D108BD9-81ED-4DB2-BD59-A6C34878D82A}">
-                    <a16:rowId xmlns:a16="http://schemas.microsoft.com/office/drawing/2014/main" val="1538579913"/>
-                  </a:ext>
-                </a:extLst>
-              </a:tr>
-              <a:tr h="111142">
-                <a:tc>
-                  <a:txBody>
-                    <a:bodyPr/>
-                    <a:lstStyle/>
-                    <a:p>
-                      <a:r>
-                        <a:rPr lang="en-US" sz="500">
-                          <a:effectLst/>
-                        </a:rPr>
-                        <a:t>Q</a:t>
-                      </a:r>
-                    </a:p>
-                  </a:txBody>
-                  <a:tcPr marL="35712" marR="35712" marT="16482" marB="16482" anchor="ctr">
-                    <a:lnL w="9525" cap="flat" cmpd="sng" algn="ctr">
-                      <a:solidFill>
-                        <a:srgbClr val="DDDDDD"/>
-                      </a:solidFill>
-                      <a:prstDash val="solid"/>
-                      <a:round/>
-                      <a:headEnd type="none" w="med" len="med"/>
-                      <a:tailEnd type="none" w="med" len="med"/>
-                    </a:lnL>
-                    <a:lnR w="9525" cap="flat" cmpd="sng" algn="ctr">
-                      <a:solidFill>
-                        <a:srgbClr val="DDDDDD"/>
-                      </a:solidFill>
-                      <a:prstDash val="solid"/>
-                      <a:round/>
-                      <a:headEnd type="none" w="med" len="med"/>
-                      <a:tailEnd type="none" w="med" len="med"/>
-                    </a:lnR>
-                    <a:lnT w="9525" cap="flat" cmpd="sng" algn="ctr">
-                      <a:solidFill>
-                        <a:srgbClr val="DDDDDD"/>
-                      </a:solidFill>
-                      <a:prstDash val="solid"/>
-                      <a:round/>
-                      <a:headEnd type="none" w="med" len="med"/>
-                      <a:tailEnd type="none" w="med" len="med"/>
-                    </a:lnT>
-                    <a:lnB w="9525" cap="flat" cmpd="sng" algn="ctr">
-                      <a:solidFill>
-                        <a:srgbClr val="DDDDDD"/>
-                      </a:solidFill>
-                      <a:prstDash val="solid"/>
-                      <a:round/>
-                      <a:headEnd type="none" w="med" len="med"/>
-                      <a:tailEnd type="none" w="med" len="med"/>
-                    </a:lnB>
-                    <a:solidFill>
-                      <a:srgbClr val="FFFFFF"/>
-                    </a:solidFill>
-                  </a:tcPr>
-                </a:tc>
-                <a:tc>
-                  <a:txBody>
-                    <a:bodyPr/>
-                    <a:lstStyle/>
-                    <a:p>
-                      <a:r>
-                        <a:rPr lang="en-US" sz="1000" dirty="0">
-                          <a:effectLst/>
-                        </a:rPr>
-                        <a:t>Problem difficulty level</a:t>
-                      </a:r>
-                    </a:p>
-                  </a:txBody>
-                  <a:tcPr marL="35712" marR="35712" marT="16482" marB="16482" anchor="ctr">
-                    <a:lnL w="9525" cap="flat" cmpd="sng" algn="ctr">
-                      <a:solidFill>
-                        <a:srgbClr val="DDDDDD"/>
-                      </a:solidFill>
-                      <a:prstDash val="solid"/>
-                      <a:round/>
-                      <a:headEnd type="none" w="med" len="med"/>
-                      <a:tailEnd type="none" w="med" len="med"/>
-                    </a:lnL>
-                    <a:lnR w="9525" cap="flat" cmpd="sng" algn="ctr">
-                      <a:solidFill>
-                        <a:srgbClr val="DDDDDD"/>
-                      </a:solidFill>
-                      <a:prstDash val="solid"/>
-                      <a:round/>
-                      <a:headEnd type="none" w="med" len="med"/>
-                      <a:tailEnd type="none" w="med" len="med"/>
-                    </a:lnR>
-                    <a:lnT w="9525" cap="flat" cmpd="sng" algn="ctr">
-                      <a:solidFill>
-                        <a:srgbClr val="DDDDDD"/>
-                      </a:solidFill>
-                      <a:prstDash val="solid"/>
-                      <a:round/>
-                      <a:headEnd type="none" w="med" len="med"/>
-                      <a:tailEnd type="none" w="med" len="med"/>
-                    </a:lnT>
-                    <a:lnB w="9525" cap="flat" cmpd="sng" algn="ctr">
-                      <a:solidFill>
-                        <a:srgbClr val="DDDDDD"/>
-                      </a:solidFill>
-                      <a:prstDash val="solid"/>
-                      <a:round/>
-                      <a:headEnd type="none" w="med" len="med"/>
-                      <a:tailEnd type="none" w="med" len="med"/>
-                    </a:lnB>
-                    <a:solidFill>
-                      <a:srgbClr val="FFFFFF"/>
-                    </a:solidFill>
-                  </a:tcPr>
-                </a:tc>
-                <a:tc>
-                  <a:txBody>
-                    <a:bodyPr/>
-                    <a:lstStyle/>
-                    <a:p>
-                      <a:r>
-                        <a:rPr lang="en-US" sz="500">
-                          <a:effectLst/>
-                        </a:rPr>
-                        <a:t>5</a:t>
-                      </a:r>
-                    </a:p>
-                  </a:txBody>
-                  <a:tcPr marL="35712" marR="35712" marT="16482" marB="16482" anchor="ctr">
-                    <a:lnL w="9525" cap="flat" cmpd="sng" algn="ctr">
-                      <a:solidFill>
-                        <a:srgbClr val="DDDDDD"/>
-                      </a:solidFill>
-                      <a:prstDash val="solid"/>
-                      <a:round/>
-                      <a:headEnd type="none" w="med" len="med"/>
-                      <a:tailEnd type="none" w="med" len="med"/>
-                    </a:lnL>
-                    <a:lnR w="9525" cap="flat" cmpd="sng" algn="ctr">
-                      <a:solidFill>
-                        <a:srgbClr val="DDDDDD"/>
-                      </a:solidFill>
-                      <a:prstDash val="solid"/>
-                      <a:round/>
-                      <a:headEnd type="none" w="med" len="med"/>
-                      <a:tailEnd type="none" w="med" len="med"/>
-                    </a:lnR>
-                    <a:lnT w="9525" cap="flat" cmpd="sng" algn="ctr">
-                      <a:solidFill>
-                        <a:srgbClr val="DDDDDD"/>
-                      </a:solidFill>
-                      <a:prstDash val="solid"/>
-                      <a:round/>
-                      <a:headEnd type="none" w="med" len="med"/>
-                      <a:tailEnd type="none" w="med" len="med"/>
-                    </a:lnT>
-                    <a:lnB w="9525" cap="flat" cmpd="sng" algn="ctr">
-                      <a:solidFill>
-                        <a:srgbClr val="DDDDDD"/>
-                      </a:solidFill>
-                      <a:prstDash val="solid"/>
-                      <a:round/>
-                      <a:headEnd type="none" w="med" len="med"/>
-                      <a:tailEnd type="none" w="med" len="med"/>
-                    </a:lnB>
-                    <a:solidFill>
-                      <a:srgbClr val="FFFFFF"/>
-                    </a:solidFill>
-                  </a:tcPr>
-                </a:tc>
-                <a:extLst>
-                  <a:ext uri="{0D108BD9-81ED-4DB2-BD59-A6C34878D82A}">
-                    <a16:rowId xmlns:a16="http://schemas.microsoft.com/office/drawing/2014/main" val="2644985680"/>
-                  </a:ext>
-                </a:extLst>
-              </a:tr>
-              <a:tr h="268047">
-                <a:tc>
-                  <a:txBody>
-                    <a:bodyPr/>
-                    <a:lstStyle/>
-                    <a:p>
-                      <a:r>
-                        <a:rPr lang="en-US" sz="500">
-                          <a:effectLst/>
-                        </a:rPr>
-                        <a:t>Q</a:t>
-                      </a:r>
-                    </a:p>
-                  </a:txBody>
-                  <a:tcPr marL="35712" marR="35712" marT="16482" marB="16482" anchor="ctr">
-                    <a:lnL w="9525" cap="flat" cmpd="sng" algn="ctr">
-                      <a:solidFill>
-                        <a:srgbClr val="DDDDDD"/>
-                      </a:solidFill>
-                      <a:prstDash val="solid"/>
-                      <a:round/>
-                      <a:headEnd type="none" w="med" len="med"/>
-                      <a:tailEnd type="none" w="med" len="med"/>
-                    </a:lnL>
-                    <a:lnR w="9525" cap="flat" cmpd="sng" algn="ctr">
-                      <a:solidFill>
-                        <a:srgbClr val="DDDDDD"/>
-                      </a:solidFill>
-                      <a:prstDash val="solid"/>
-                      <a:round/>
-                      <a:headEnd type="none" w="med" len="med"/>
-                      <a:tailEnd type="none" w="med" len="med"/>
-                    </a:lnR>
-                    <a:lnT w="9525" cap="flat" cmpd="sng" algn="ctr">
-                      <a:solidFill>
-                        <a:srgbClr val="DDDDDD"/>
-                      </a:solidFill>
-                      <a:prstDash val="solid"/>
-                      <a:round/>
-                      <a:headEnd type="none" w="med" len="med"/>
-                      <a:tailEnd type="none" w="med" len="med"/>
-                    </a:lnT>
-                    <a:lnB w="9525" cap="flat" cmpd="sng" algn="ctr">
-                      <a:solidFill>
-                        <a:srgbClr val="DDDDDD"/>
-                      </a:solidFill>
-                      <a:prstDash val="solid"/>
-                      <a:round/>
-                      <a:headEnd type="none" w="med" len="med"/>
-                      <a:tailEnd type="none" w="med" len="med"/>
-                    </a:lnB>
-                    <a:solidFill>
-                      <a:srgbClr val="F8F8F8"/>
-                    </a:solidFill>
-                  </a:tcPr>
-                </a:tc>
-                <a:tc>
-                  <a:txBody>
-                    <a:bodyPr/>
-                    <a:lstStyle/>
-                    <a:p>
-                      <a:r>
-                        <a:rPr lang="en-US" sz="1000" dirty="0">
-                          <a:effectLst/>
-                        </a:rPr>
-                        <a:t>Data collection effort </a:t>
-                      </a:r>
-                      <a:br>
-                        <a:rPr lang="en-US" sz="1000" dirty="0">
-                          <a:effectLst/>
-                        </a:rPr>
-                      </a:br>
-                      <a:r>
-                        <a:rPr lang="en-US" sz="1000" dirty="0">
-                          <a:effectLst/>
-                        </a:rPr>
-                        <a:t>- special tools, multiple source, scraping </a:t>
-                      </a:r>
-                      <a:br>
-                        <a:rPr lang="en-US" sz="1000" dirty="0">
-                          <a:effectLst/>
-                        </a:rPr>
-                      </a:br>
-                      <a:endParaRPr lang="en-US" sz="1000" dirty="0">
-                        <a:effectLst/>
-                      </a:endParaRPr>
-                    </a:p>
-                  </a:txBody>
-                  <a:tcPr marL="35712" marR="35712" marT="16482" marB="16482" anchor="ctr">
-                    <a:lnL w="9525" cap="flat" cmpd="sng" algn="ctr">
-                      <a:solidFill>
-                        <a:srgbClr val="DDDDDD"/>
-                      </a:solidFill>
-                      <a:prstDash val="solid"/>
-                      <a:round/>
-                      <a:headEnd type="none" w="med" len="med"/>
-                      <a:tailEnd type="none" w="med" len="med"/>
-                    </a:lnL>
-                    <a:lnR w="9525" cap="flat" cmpd="sng" algn="ctr">
-                      <a:solidFill>
-                        <a:srgbClr val="DDDDDD"/>
-                      </a:solidFill>
-                      <a:prstDash val="solid"/>
-                      <a:round/>
-                      <a:headEnd type="none" w="med" len="med"/>
-                      <a:tailEnd type="none" w="med" len="med"/>
-                    </a:lnR>
-                    <a:lnT w="9525" cap="flat" cmpd="sng" algn="ctr">
-                      <a:solidFill>
-                        <a:srgbClr val="DDDDDD"/>
-                      </a:solidFill>
-                      <a:prstDash val="solid"/>
-                      <a:round/>
-                      <a:headEnd type="none" w="med" len="med"/>
-                      <a:tailEnd type="none" w="med" len="med"/>
-                    </a:lnT>
-                    <a:lnB w="9525" cap="flat" cmpd="sng" algn="ctr">
-                      <a:solidFill>
-                        <a:srgbClr val="DDDDDD"/>
-                      </a:solidFill>
-                      <a:prstDash val="solid"/>
-                      <a:round/>
-                      <a:headEnd type="none" w="med" len="med"/>
-                      <a:tailEnd type="none" w="med" len="med"/>
-                    </a:lnB>
-                    <a:solidFill>
-                      <a:srgbClr val="F8F8F8"/>
-                    </a:solidFill>
-                  </a:tcPr>
-                </a:tc>
-                <a:tc>
-                  <a:txBody>
-                    <a:bodyPr/>
-                    <a:lstStyle/>
-                    <a:p>
-                      <a:r>
-                        <a:rPr lang="en-US" sz="500">
-                          <a:effectLst/>
-                        </a:rPr>
-                        <a:t>5</a:t>
-                      </a:r>
-                    </a:p>
-                  </a:txBody>
-                  <a:tcPr marL="35712" marR="35712" marT="16482" marB="16482" anchor="ctr">
-                    <a:lnL w="9525" cap="flat" cmpd="sng" algn="ctr">
-                      <a:solidFill>
-                        <a:srgbClr val="DDDDDD"/>
-                      </a:solidFill>
-                      <a:prstDash val="solid"/>
-                      <a:round/>
-                      <a:headEnd type="none" w="med" len="med"/>
-                      <a:tailEnd type="none" w="med" len="med"/>
-                    </a:lnL>
-                    <a:lnR w="9525" cap="flat" cmpd="sng" algn="ctr">
-                      <a:solidFill>
-                        <a:srgbClr val="DDDDDD"/>
-                      </a:solidFill>
-                      <a:prstDash val="solid"/>
-                      <a:round/>
-                      <a:headEnd type="none" w="med" len="med"/>
-                      <a:tailEnd type="none" w="med" len="med"/>
-                    </a:lnR>
-                    <a:lnT w="9525" cap="flat" cmpd="sng" algn="ctr">
-                      <a:solidFill>
-                        <a:srgbClr val="DDDDDD"/>
-                      </a:solidFill>
-                      <a:prstDash val="solid"/>
-                      <a:round/>
-                      <a:headEnd type="none" w="med" len="med"/>
-                      <a:tailEnd type="none" w="med" len="med"/>
-                    </a:lnT>
-                    <a:lnB w="9525" cap="flat" cmpd="sng" algn="ctr">
-                      <a:solidFill>
-                        <a:srgbClr val="DDDDDD"/>
-                      </a:solidFill>
-                      <a:prstDash val="solid"/>
-                      <a:round/>
-                      <a:headEnd type="none" w="med" len="med"/>
-                      <a:tailEnd type="none" w="med" len="med"/>
-                    </a:lnB>
-                    <a:solidFill>
-                      <a:srgbClr val="F8F8F8"/>
-                    </a:solidFill>
-                  </a:tcPr>
-                </a:tc>
-                <a:extLst>
-                  <a:ext uri="{0D108BD9-81ED-4DB2-BD59-A6C34878D82A}">
-                    <a16:rowId xmlns:a16="http://schemas.microsoft.com/office/drawing/2014/main" val="2239449648"/>
-                  </a:ext>
-                </a:extLst>
-              </a:tr>
-              <a:tr h="268047">
-                <a:tc>
-                  <a:txBody>
-                    <a:bodyPr/>
-                    <a:lstStyle/>
-                    <a:p>
-                      <a:r>
-                        <a:rPr lang="en-US" sz="500" dirty="0">
-                          <a:effectLst/>
-                        </a:rPr>
-                        <a:t>Q</a:t>
-                      </a:r>
-                    </a:p>
-                  </a:txBody>
-                  <a:tcPr marL="35712" marR="35712" marT="16482" marB="16482" anchor="ctr">
-                    <a:lnL w="9525" cap="flat" cmpd="sng" algn="ctr">
-                      <a:solidFill>
-                        <a:srgbClr val="DDDDDD"/>
-                      </a:solidFill>
-                      <a:prstDash val="solid"/>
-                      <a:round/>
-                      <a:headEnd type="none" w="med" len="med"/>
-                      <a:tailEnd type="none" w="med" len="med"/>
-                    </a:lnL>
-                    <a:lnR w="9525" cap="flat" cmpd="sng" algn="ctr">
-                      <a:solidFill>
-                        <a:srgbClr val="DDDDDD"/>
-                      </a:solidFill>
-                      <a:prstDash val="solid"/>
-                      <a:round/>
-                      <a:headEnd type="none" w="med" len="med"/>
-                      <a:tailEnd type="none" w="med" len="med"/>
-                    </a:lnR>
-                    <a:lnT w="9525" cap="flat" cmpd="sng" algn="ctr">
-                      <a:solidFill>
-                        <a:srgbClr val="DDDDDD"/>
-                      </a:solidFill>
-                      <a:prstDash val="solid"/>
-                      <a:round/>
-                      <a:headEnd type="none" w="med" len="med"/>
-                      <a:tailEnd type="none" w="med" len="med"/>
-                    </a:lnT>
-                    <a:lnB w="9525" cap="flat" cmpd="sng" algn="ctr">
-                      <a:solidFill>
-                        <a:srgbClr val="DDDDDD"/>
-                      </a:solidFill>
-                      <a:prstDash val="solid"/>
-                      <a:round/>
-                      <a:headEnd type="none" w="med" len="med"/>
-                      <a:tailEnd type="none" w="med" len="med"/>
-                    </a:lnB>
-                    <a:solidFill>
-                      <a:srgbClr val="FFFFFF"/>
-                    </a:solidFill>
-                  </a:tcPr>
-                </a:tc>
-                <a:tc>
-                  <a:txBody>
-                    <a:bodyPr/>
-                    <a:lstStyle/>
-                    <a:p>
-                      <a:r>
-                        <a:rPr lang="en-US" sz="1000" dirty="0">
-                          <a:effectLst/>
-                        </a:rPr>
-                        <a:t>Data difficulty level </a:t>
-                      </a:r>
-                      <a:br>
-                        <a:rPr lang="en-US" sz="1000" dirty="0">
-                          <a:effectLst/>
-                        </a:rPr>
-                      </a:br>
-                      <a:r>
-                        <a:rPr lang="en-US" sz="1000" dirty="0">
-                          <a:effectLst/>
-                        </a:rPr>
-                        <a:t>- multi-</a:t>
-                      </a:r>
-                      <a:r>
-                        <a:rPr lang="en-US" sz="1000" dirty="0" err="1">
-                          <a:effectLst/>
-                        </a:rPr>
-                        <a:t>dtype</a:t>
-                      </a:r>
-                      <a:r>
-                        <a:rPr lang="en-US" sz="1000" dirty="0">
-                          <a:effectLst/>
-                        </a:rPr>
-                        <a:t>, manual table join, missing data, wrong labels, messy data</a:t>
-                      </a:r>
-                    </a:p>
-                  </a:txBody>
-                  <a:tcPr marL="35712" marR="35712" marT="16482" marB="16482" anchor="ctr">
-                    <a:lnL w="9525" cap="flat" cmpd="sng" algn="ctr">
-                      <a:solidFill>
-                        <a:srgbClr val="DDDDDD"/>
-                      </a:solidFill>
-                      <a:prstDash val="solid"/>
-                      <a:round/>
-                      <a:headEnd type="none" w="med" len="med"/>
-                      <a:tailEnd type="none" w="med" len="med"/>
-                    </a:lnL>
-                    <a:lnR w="9525" cap="flat" cmpd="sng" algn="ctr">
-                      <a:solidFill>
-                        <a:srgbClr val="DDDDDD"/>
-                      </a:solidFill>
-                      <a:prstDash val="solid"/>
-                      <a:round/>
-                      <a:headEnd type="none" w="med" len="med"/>
-                      <a:tailEnd type="none" w="med" len="med"/>
-                    </a:lnR>
-                    <a:lnT w="9525" cap="flat" cmpd="sng" algn="ctr">
-                      <a:solidFill>
-                        <a:srgbClr val="DDDDDD"/>
-                      </a:solidFill>
-                      <a:prstDash val="solid"/>
-                      <a:round/>
-                      <a:headEnd type="none" w="med" len="med"/>
-                      <a:tailEnd type="none" w="med" len="med"/>
-                    </a:lnT>
-                    <a:lnB w="9525" cap="flat" cmpd="sng" algn="ctr">
-                      <a:solidFill>
-                        <a:srgbClr val="DDDDDD"/>
-                      </a:solidFill>
-                      <a:prstDash val="solid"/>
-                      <a:round/>
-                      <a:headEnd type="none" w="med" len="med"/>
-                      <a:tailEnd type="none" w="med" len="med"/>
-                    </a:lnB>
-                    <a:solidFill>
-                      <a:srgbClr val="FFFFFF"/>
-                    </a:solidFill>
-                  </a:tcPr>
-                </a:tc>
-                <a:tc>
-                  <a:txBody>
-                    <a:bodyPr/>
-                    <a:lstStyle/>
-                    <a:p>
-                      <a:r>
-                        <a:rPr lang="en-US" sz="500">
-                          <a:effectLst/>
-                        </a:rPr>
-                        <a:t>5</a:t>
-                      </a:r>
-                    </a:p>
-                  </a:txBody>
-                  <a:tcPr marL="35712" marR="35712" marT="16482" marB="16482" anchor="ctr">
-                    <a:lnL w="9525" cap="flat" cmpd="sng" algn="ctr">
-                      <a:solidFill>
-                        <a:srgbClr val="DDDDDD"/>
-                      </a:solidFill>
-                      <a:prstDash val="solid"/>
-                      <a:round/>
-                      <a:headEnd type="none" w="med" len="med"/>
-                      <a:tailEnd type="none" w="med" len="med"/>
-                    </a:lnL>
-                    <a:lnR w="9525" cap="flat" cmpd="sng" algn="ctr">
-                      <a:solidFill>
-                        <a:srgbClr val="DDDDDD"/>
-                      </a:solidFill>
-                      <a:prstDash val="solid"/>
-                      <a:round/>
-                      <a:headEnd type="none" w="med" len="med"/>
-                      <a:tailEnd type="none" w="med" len="med"/>
-                    </a:lnR>
-                    <a:lnT w="9525" cap="flat" cmpd="sng" algn="ctr">
-                      <a:solidFill>
-                        <a:srgbClr val="DDDDDD"/>
-                      </a:solidFill>
-                      <a:prstDash val="solid"/>
-                      <a:round/>
-                      <a:headEnd type="none" w="med" len="med"/>
-                      <a:tailEnd type="none" w="med" len="med"/>
-                    </a:lnT>
-                    <a:lnB w="9525" cap="flat" cmpd="sng" algn="ctr">
-                      <a:solidFill>
-                        <a:srgbClr val="DDDDDD"/>
-                      </a:solidFill>
-                      <a:prstDash val="solid"/>
-                      <a:round/>
-                      <a:headEnd type="none" w="med" len="med"/>
-                      <a:tailEnd type="none" w="med" len="med"/>
-                    </a:lnB>
-                    <a:solidFill>
-                      <a:srgbClr val="FFFFFF"/>
-                    </a:solidFill>
-                  </a:tcPr>
-                </a:tc>
-                <a:extLst>
-                  <a:ext uri="{0D108BD9-81ED-4DB2-BD59-A6C34878D82A}">
-                    <a16:rowId xmlns:a16="http://schemas.microsoft.com/office/drawing/2014/main" val="484582842"/>
-                  </a:ext>
-                </a:extLst>
-              </a:tr>
-              <a:tr h="111142">
-                <a:tc>
-                  <a:txBody>
-                    <a:bodyPr/>
-                    <a:lstStyle/>
-                    <a:p>
-                      <a:r>
-                        <a:rPr lang="en-US" sz="500">
-                          <a:effectLst/>
-                        </a:rPr>
-                        <a:t>Q</a:t>
-                      </a:r>
-                    </a:p>
-                  </a:txBody>
-                  <a:tcPr marL="35712" marR="35712" marT="16482" marB="16482" anchor="ctr">
-                    <a:lnL w="9525" cap="flat" cmpd="sng" algn="ctr">
-                      <a:solidFill>
-                        <a:srgbClr val="DDDDDD"/>
-                      </a:solidFill>
-                      <a:prstDash val="solid"/>
-                      <a:round/>
-                      <a:headEnd type="none" w="med" len="med"/>
-                      <a:tailEnd type="none" w="med" len="med"/>
-                    </a:lnL>
-                    <a:lnR w="9525" cap="flat" cmpd="sng" algn="ctr">
-                      <a:solidFill>
-                        <a:srgbClr val="DDDDDD"/>
-                      </a:solidFill>
-                      <a:prstDash val="solid"/>
-                      <a:round/>
-                      <a:headEnd type="none" w="med" len="med"/>
-                      <a:tailEnd type="none" w="med" len="med"/>
-                    </a:lnR>
-                    <a:lnT w="9525" cap="flat" cmpd="sng" algn="ctr">
-                      <a:solidFill>
-                        <a:srgbClr val="DDDDDD"/>
-                      </a:solidFill>
-                      <a:prstDash val="solid"/>
-                      <a:round/>
-                      <a:headEnd type="none" w="med" len="med"/>
-                      <a:tailEnd type="none" w="med" len="med"/>
-                    </a:lnT>
-                    <a:lnB w="9525" cap="flat" cmpd="sng" algn="ctr">
-                      <a:solidFill>
-                        <a:srgbClr val="DDDDDD"/>
-                      </a:solidFill>
-                      <a:prstDash val="solid"/>
-                      <a:round/>
-                      <a:headEnd type="none" w="med" len="med"/>
-                      <a:tailEnd type="none" w="med" len="med"/>
-                    </a:lnB>
-                    <a:solidFill>
-                      <a:srgbClr val="F8F8F8"/>
-                    </a:solidFill>
-                  </a:tcPr>
-                </a:tc>
-                <a:tc>
-                  <a:txBody>
-                    <a:bodyPr/>
-                    <a:lstStyle/>
-                    <a:p>
-                      <a:r>
-                        <a:rPr lang="en-US" sz="1000" dirty="0">
-                          <a:effectLst/>
-                        </a:rPr>
-                        <a:t>Data cleaning effort</a:t>
-                      </a:r>
-                    </a:p>
-                  </a:txBody>
-                  <a:tcPr marL="35712" marR="35712" marT="16482" marB="16482" anchor="ctr">
-                    <a:lnL w="9525" cap="flat" cmpd="sng" algn="ctr">
-                      <a:solidFill>
-                        <a:srgbClr val="DDDDDD"/>
-                      </a:solidFill>
-                      <a:prstDash val="solid"/>
-                      <a:round/>
-                      <a:headEnd type="none" w="med" len="med"/>
-                      <a:tailEnd type="none" w="med" len="med"/>
-                    </a:lnL>
-                    <a:lnR w="9525" cap="flat" cmpd="sng" algn="ctr">
-                      <a:solidFill>
-                        <a:srgbClr val="DDDDDD"/>
-                      </a:solidFill>
-                      <a:prstDash val="solid"/>
-                      <a:round/>
-                      <a:headEnd type="none" w="med" len="med"/>
-                      <a:tailEnd type="none" w="med" len="med"/>
-                    </a:lnR>
-                    <a:lnT w="9525" cap="flat" cmpd="sng" algn="ctr">
-                      <a:solidFill>
-                        <a:srgbClr val="DDDDDD"/>
-                      </a:solidFill>
-                      <a:prstDash val="solid"/>
-                      <a:round/>
-                      <a:headEnd type="none" w="med" len="med"/>
-                      <a:tailEnd type="none" w="med" len="med"/>
-                    </a:lnT>
-                    <a:lnB w="9525" cap="flat" cmpd="sng" algn="ctr">
-                      <a:solidFill>
-                        <a:srgbClr val="DDDDDD"/>
-                      </a:solidFill>
-                      <a:prstDash val="solid"/>
-                      <a:round/>
-                      <a:headEnd type="none" w="med" len="med"/>
-                      <a:tailEnd type="none" w="med" len="med"/>
-                    </a:lnB>
-                    <a:solidFill>
-                      <a:srgbClr val="F8F8F8"/>
-                    </a:solidFill>
-                  </a:tcPr>
-                </a:tc>
-                <a:tc>
-                  <a:txBody>
-                    <a:bodyPr/>
-                    <a:lstStyle/>
-                    <a:p>
-                      <a:r>
-                        <a:rPr lang="en-US" sz="500">
-                          <a:effectLst/>
-                        </a:rPr>
-                        <a:t>5</a:t>
-                      </a:r>
-                    </a:p>
-                  </a:txBody>
-                  <a:tcPr marL="35712" marR="35712" marT="16482" marB="16482" anchor="ctr">
-                    <a:lnL w="9525" cap="flat" cmpd="sng" algn="ctr">
-                      <a:solidFill>
-                        <a:srgbClr val="DDDDDD"/>
-                      </a:solidFill>
-                      <a:prstDash val="solid"/>
-                      <a:round/>
-                      <a:headEnd type="none" w="med" len="med"/>
-                      <a:tailEnd type="none" w="med" len="med"/>
-                    </a:lnL>
-                    <a:lnR w="9525" cap="flat" cmpd="sng" algn="ctr">
-                      <a:solidFill>
-                        <a:srgbClr val="DDDDDD"/>
-                      </a:solidFill>
-                      <a:prstDash val="solid"/>
-                      <a:round/>
-                      <a:headEnd type="none" w="med" len="med"/>
-                      <a:tailEnd type="none" w="med" len="med"/>
-                    </a:lnR>
-                    <a:lnT w="9525" cap="flat" cmpd="sng" algn="ctr">
-                      <a:solidFill>
-                        <a:srgbClr val="DDDDDD"/>
-                      </a:solidFill>
-                      <a:prstDash val="solid"/>
-                      <a:round/>
-                      <a:headEnd type="none" w="med" len="med"/>
-                      <a:tailEnd type="none" w="med" len="med"/>
-                    </a:lnT>
-                    <a:lnB w="9525" cap="flat" cmpd="sng" algn="ctr">
-                      <a:solidFill>
-                        <a:srgbClr val="DDDDDD"/>
-                      </a:solidFill>
-                      <a:prstDash val="solid"/>
-                      <a:round/>
-                      <a:headEnd type="none" w="med" len="med"/>
-                      <a:tailEnd type="none" w="med" len="med"/>
-                    </a:lnB>
-                    <a:solidFill>
-                      <a:srgbClr val="F8F8F8"/>
-                    </a:solidFill>
-                  </a:tcPr>
-                </a:tc>
-                <a:extLst>
-                  <a:ext uri="{0D108BD9-81ED-4DB2-BD59-A6C34878D82A}">
-                    <a16:rowId xmlns:a16="http://schemas.microsoft.com/office/drawing/2014/main" val="1296643616"/>
-                  </a:ext>
-                </a:extLst>
-              </a:tr>
-              <a:tr h="111142">
-                <a:tc>
-                  <a:txBody>
-                    <a:bodyPr/>
-                    <a:lstStyle/>
-                    <a:p>
-                      <a:r>
-                        <a:rPr lang="en-US" sz="500">
-                          <a:effectLst/>
-                        </a:rPr>
-                        <a:t>Q</a:t>
-                      </a:r>
-                    </a:p>
-                  </a:txBody>
-                  <a:tcPr marL="35712" marR="35712" marT="16482" marB="16482" anchor="ctr">
-                    <a:lnL w="9525" cap="flat" cmpd="sng" algn="ctr">
-                      <a:solidFill>
-                        <a:srgbClr val="DDDDDD"/>
-                      </a:solidFill>
-                      <a:prstDash val="solid"/>
-                      <a:round/>
-                      <a:headEnd type="none" w="med" len="med"/>
-                      <a:tailEnd type="none" w="med" len="med"/>
-                    </a:lnL>
-                    <a:lnR w="9525" cap="flat" cmpd="sng" algn="ctr">
-                      <a:solidFill>
-                        <a:srgbClr val="DDDDDD"/>
-                      </a:solidFill>
-                      <a:prstDash val="solid"/>
-                      <a:round/>
-                      <a:headEnd type="none" w="med" len="med"/>
-                      <a:tailEnd type="none" w="med" len="med"/>
-                    </a:lnR>
-                    <a:lnT w="9525" cap="flat" cmpd="sng" algn="ctr">
-                      <a:solidFill>
-                        <a:srgbClr val="DDDDDD"/>
-                      </a:solidFill>
-                      <a:prstDash val="solid"/>
-                      <a:round/>
-                      <a:headEnd type="none" w="med" len="med"/>
-                      <a:tailEnd type="none" w="med" len="med"/>
-                    </a:lnT>
-                    <a:lnB w="9525" cap="flat" cmpd="sng" algn="ctr">
-                      <a:solidFill>
-                        <a:srgbClr val="DDDDDD"/>
-                      </a:solidFill>
-                      <a:prstDash val="solid"/>
-                      <a:round/>
-                      <a:headEnd type="none" w="med" len="med"/>
-                      <a:tailEnd type="none" w="med" len="med"/>
-                    </a:lnB>
-                    <a:solidFill>
-                      <a:srgbClr val="FFFFFF"/>
-                    </a:solidFill>
-                  </a:tcPr>
-                </a:tc>
-                <a:tc>
-                  <a:txBody>
-                    <a:bodyPr/>
-                    <a:lstStyle/>
-                    <a:p>
-                      <a:r>
-                        <a:rPr lang="en-US" sz="1000">
-                          <a:effectLst/>
-                        </a:rPr>
-                        <a:t>Data inspection effort (initial analysis)</a:t>
-                      </a:r>
-                    </a:p>
-                  </a:txBody>
-                  <a:tcPr marL="35712" marR="35712" marT="16482" marB="16482" anchor="ctr">
-                    <a:lnL w="9525" cap="flat" cmpd="sng" algn="ctr">
-                      <a:solidFill>
-                        <a:srgbClr val="DDDDDD"/>
-                      </a:solidFill>
-                      <a:prstDash val="solid"/>
-                      <a:round/>
-                      <a:headEnd type="none" w="med" len="med"/>
-                      <a:tailEnd type="none" w="med" len="med"/>
-                    </a:lnL>
-                    <a:lnR w="9525" cap="flat" cmpd="sng" algn="ctr">
-                      <a:solidFill>
-                        <a:srgbClr val="DDDDDD"/>
-                      </a:solidFill>
-                      <a:prstDash val="solid"/>
-                      <a:round/>
-                      <a:headEnd type="none" w="med" len="med"/>
-                      <a:tailEnd type="none" w="med" len="med"/>
-                    </a:lnR>
-                    <a:lnT w="9525" cap="flat" cmpd="sng" algn="ctr">
-                      <a:solidFill>
-                        <a:srgbClr val="DDDDDD"/>
-                      </a:solidFill>
-                      <a:prstDash val="solid"/>
-                      <a:round/>
-                      <a:headEnd type="none" w="med" len="med"/>
-                      <a:tailEnd type="none" w="med" len="med"/>
-                    </a:lnT>
-                    <a:lnB w="9525" cap="flat" cmpd="sng" algn="ctr">
-                      <a:solidFill>
-                        <a:srgbClr val="DDDDDD"/>
-                      </a:solidFill>
-                      <a:prstDash val="solid"/>
-                      <a:round/>
-                      <a:headEnd type="none" w="med" len="med"/>
-                      <a:tailEnd type="none" w="med" len="med"/>
-                    </a:lnB>
-                    <a:solidFill>
-                      <a:srgbClr val="FFFFFF"/>
-                    </a:solidFill>
-                  </a:tcPr>
-                </a:tc>
-                <a:tc>
-                  <a:txBody>
-                    <a:bodyPr/>
-                    <a:lstStyle/>
-                    <a:p>
-                      <a:r>
-                        <a:rPr lang="en-US" sz="500">
-                          <a:effectLst/>
-                        </a:rPr>
-                        <a:t>5</a:t>
-                      </a:r>
-                    </a:p>
-                  </a:txBody>
-                  <a:tcPr marL="35712" marR="35712" marT="16482" marB="16482" anchor="ctr">
-                    <a:lnL w="9525" cap="flat" cmpd="sng" algn="ctr">
-                      <a:solidFill>
-                        <a:srgbClr val="DDDDDD"/>
-                      </a:solidFill>
-                      <a:prstDash val="solid"/>
-                      <a:round/>
-                      <a:headEnd type="none" w="med" len="med"/>
-                      <a:tailEnd type="none" w="med" len="med"/>
-                    </a:lnL>
-                    <a:lnR w="9525" cap="flat" cmpd="sng" algn="ctr">
-                      <a:solidFill>
-                        <a:srgbClr val="DDDDDD"/>
-                      </a:solidFill>
-                      <a:prstDash val="solid"/>
-                      <a:round/>
-                      <a:headEnd type="none" w="med" len="med"/>
-                      <a:tailEnd type="none" w="med" len="med"/>
-                    </a:lnR>
-                    <a:lnT w="9525" cap="flat" cmpd="sng" algn="ctr">
-                      <a:solidFill>
-                        <a:srgbClr val="DDDDDD"/>
-                      </a:solidFill>
-                      <a:prstDash val="solid"/>
-                      <a:round/>
-                      <a:headEnd type="none" w="med" len="med"/>
-                      <a:tailEnd type="none" w="med" len="med"/>
-                    </a:lnT>
-                    <a:lnB w="9525" cap="flat" cmpd="sng" algn="ctr">
-                      <a:solidFill>
-                        <a:srgbClr val="DDDDDD"/>
-                      </a:solidFill>
-                      <a:prstDash val="solid"/>
-                      <a:round/>
-                      <a:headEnd type="none" w="med" len="med"/>
-                      <a:tailEnd type="none" w="med" len="med"/>
-                    </a:lnB>
-                    <a:solidFill>
-                      <a:srgbClr val="FFFFFF"/>
-                    </a:solidFill>
-                  </a:tcPr>
-                </a:tc>
-                <a:extLst>
-                  <a:ext uri="{0D108BD9-81ED-4DB2-BD59-A6C34878D82A}">
-                    <a16:rowId xmlns:a16="http://schemas.microsoft.com/office/drawing/2014/main" val="3924105554"/>
-                  </a:ext>
-                </a:extLst>
-              </a:tr>
-              <a:tr h="424953">
-                <a:tc>
-                  <a:txBody>
-                    <a:bodyPr/>
-                    <a:lstStyle/>
-                    <a:p>
-                      <a:r>
-                        <a:rPr lang="en-US" sz="500">
-                          <a:effectLst/>
-                        </a:rPr>
-                        <a:t>Q</a:t>
-                      </a:r>
-                    </a:p>
-                  </a:txBody>
-                  <a:tcPr marL="35712" marR="35712" marT="16482" marB="16482" anchor="ctr">
-                    <a:lnL w="9525" cap="flat" cmpd="sng" algn="ctr">
-                      <a:solidFill>
-                        <a:srgbClr val="DDDDDD"/>
-                      </a:solidFill>
-                      <a:prstDash val="solid"/>
-                      <a:round/>
-                      <a:headEnd type="none" w="med" len="med"/>
-                      <a:tailEnd type="none" w="med" len="med"/>
-                    </a:lnL>
-                    <a:lnR w="9525" cap="flat" cmpd="sng" algn="ctr">
-                      <a:solidFill>
-                        <a:srgbClr val="DDDDDD"/>
-                      </a:solidFill>
-                      <a:prstDash val="solid"/>
-                      <a:round/>
-                      <a:headEnd type="none" w="med" len="med"/>
-                      <a:tailEnd type="none" w="med" len="med"/>
-                    </a:lnR>
-                    <a:lnT w="9525" cap="flat" cmpd="sng" algn="ctr">
-                      <a:solidFill>
-                        <a:srgbClr val="DDDDDD"/>
-                      </a:solidFill>
-                      <a:prstDash val="solid"/>
-                      <a:round/>
-                      <a:headEnd type="none" w="med" len="med"/>
-                      <a:tailEnd type="none" w="med" len="med"/>
-                    </a:lnT>
-                    <a:lnB w="9525" cap="flat" cmpd="sng" algn="ctr">
-                      <a:solidFill>
-                        <a:srgbClr val="DDDDDD"/>
-                      </a:solidFill>
-                      <a:prstDash val="solid"/>
-                      <a:round/>
-                      <a:headEnd type="none" w="med" len="med"/>
-                      <a:tailEnd type="none" w="med" len="med"/>
-                    </a:lnB>
-                    <a:solidFill>
-                      <a:srgbClr val="F8F8F8"/>
-                    </a:solidFill>
-                  </a:tcPr>
-                </a:tc>
-                <a:tc>
-                  <a:txBody>
-                    <a:bodyPr/>
-                    <a:lstStyle/>
-                    <a:p>
-                      <a:r>
-                        <a:rPr lang="en-US" sz="1000" dirty="0">
-                          <a:effectLst/>
-                        </a:rPr>
-                        <a:t>Feature selection/ feature engineering </a:t>
-                      </a:r>
-                      <a:br>
-                        <a:rPr lang="en-US" sz="1000" dirty="0">
-                          <a:effectLst/>
-                        </a:rPr>
-                      </a:br>
-                      <a:r>
-                        <a:rPr lang="en-US" sz="1000" dirty="0">
-                          <a:effectLst/>
-                        </a:rPr>
-                        <a:t>- no-feature selection mentioned (ok), feature selection by intuition (more), feature selection by machine learning (most) </a:t>
-                      </a:r>
-                      <a:br>
-                        <a:rPr lang="en-US" sz="1000" dirty="0">
-                          <a:effectLst/>
-                        </a:rPr>
-                      </a:br>
-                      <a:endParaRPr lang="en-US" sz="1000" dirty="0">
-                        <a:effectLst/>
-                      </a:endParaRPr>
-                    </a:p>
-                  </a:txBody>
-                  <a:tcPr marL="35712" marR="35712" marT="16482" marB="16482" anchor="ctr">
-                    <a:lnL w="9525" cap="flat" cmpd="sng" algn="ctr">
-                      <a:solidFill>
-                        <a:srgbClr val="DDDDDD"/>
-                      </a:solidFill>
-                      <a:prstDash val="solid"/>
-                      <a:round/>
-                      <a:headEnd type="none" w="med" len="med"/>
-                      <a:tailEnd type="none" w="med" len="med"/>
-                    </a:lnL>
-                    <a:lnR w="9525" cap="flat" cmpd="sng" algn="ctr">
-                      <a:solidFill>
-                        <a:srgbClr val="DDDDDD"/>
-                      </a:solidFill>
-                      <a:prstDash val="solid"/>
-                      <a:round/>
-                      <a:headEnd type="none" w="med" len="med"/>
-                      <a:tailEnd type="none" w="med" len="med"/>
-                    </a:lnR>
-                    <a:lnT w="9525" cap="flat" cmpd="sng" algn="ctr">
-                      <a:solidFill>
-                        <a:srgbClr val="DDDDDD"/>
-                      </a:solidFill>
-                      <a:prstDash val="solid"/>
-                      <a:round/>
-                      <a:headEnd type="none" w="med" len="med"/>
-                      <a:tailEnd type="none" w="med" len="med"/>
-                    </a:lnT>
-                    <a:lnB w="9525" cap="flat" cmpd="sng" algn="ctr">
-                      <a:solidFill>
-                        <a:srgbClr val="DDDDDD"/>
-                      </a:solidFill>
-                      <a:prstDash val="solid"/>
-                      <a:round/>
-                      <a:headEnd type="none" w="med" len="med"/>
-                      <a:tailEnd type="none" w="med" len="med"/>
-                    </a:lnB>
-                    <a:solidFill>
-                      <a:srgbClr val="F8F8F8"/>
-                    </a:solidFill>
-                  </a:tcPr>
-                </a:tc>
-                <a:tc>
-                  <a:txBody>
-                    <a:bodyPr/>
-                    <a:lstStyle/>
-                    <a:p>
-                      <a:r>
-                        <a:rPr lang="en-US" sz="500">
-                          <a:effectLst/>
-                        </a:rPr>
-                        <a:t>5</a:t>
-                      </a:r>
-                    </a:p>
-                  </a:txBody>
-                  <a:tcPr marL="35712" marR="35712" marT="16482" marB="16482" anchor="ctr">
-                    <a:lnL w="9525" cap="flat" cmpd="sng" algn="ctr">
-                      <a:solidFill>
-                        <a:srgbClr val="DDDDDD"/>
-                      </a:solidFill>
-                      <a:prstDash val="solid"/>
-                      <a:round/>
-                      <a:headEnd type="none" w="med" len="med"/>
-                      <a:tailEnd type="none" w="med" len="med"/>
-                    </a:lnL>
-                    <a:lnR w="9525" cap="flat" cmpd="sng" algn="ctr">
-                      <a:solidFill>
-                        <a:srgbClr val="DDDDDD"/>
-                      </a:solidFill>
-                      <a:prstDash val="solid"/>
-                      <a:round/>
-                      <a:headEnd type="none" w="med" len="med"/>
-                      <a:tailEnd type="none" w="med" len="med"/>
-                    </a:lnR>
-                    <a:lnT w="9525" cap="flat" cmpd="sng" algn="ctr">
-                      <a:solidFill>
-                        <a:srgbClr val="DDDDDD"/>
-                      </a:solidFill>
-                      <a:prstDash val="solid"/>
-                      <a:round/>
-                      <a:headEnd type="none" w="med" len="med"/>
-                      <a:tailEnd type="none" w="med" len="med"/>
-                    </a:lnT>
-                    <a:lnB w="9525" cap="flat" cmpd="sng" algn="ctr">
-                      <a:solidFill>
-                        <a:srgbClr val="DDDDDD"/>
-                      </a:solidFill>
-                      <a:prstDash val="solid"/>
-                      <a:round/>
-                      <a:headEnd type="none" w="med" len="med"/>
-                      <a:tailEnd type="none" w="med" len="med"/>
-                    </a:lnB>
-                    <a:solidFill>
-                      <a:srgbClr val="F8F8F8"/>
-                    </a:solidFill>
-                  </a:tcPr>
-                </a:tc>
-                <a:extLst>
-                  <a:ext uri="{0D108BD9-81ED-4DB2-BD59-A6C34878D82A}">
-                    <a16:rowId xmlns:a16="http://schemas.microsoft.com/office/drawing/2014/main" val="2384285551"/>
-                  </a:ext>
-                </a:extLst>
-              </a:tr>
-              <a:tr h="414856">
-                <a:tc>
-                  <a:txBody>
-                    <a:bodyPr/>
-                    <a:lstStyle/>
-                    <a:p>
-                      <a:r>
-                        <a:rPr lang="en-US" sz="500">
-                          <a:effectLst/>
-                        </a:rPr>
-                        <a:t>Q</a:t>
-                      </a:r>
-                    </a:p>
-                  </a:txBody>
-                  <a:tcPr marL="35712" marR="35712" marT="16482" marB="16482" anchor="ctr">
-                    <a:lnL w="9525" cap="flat" cmpd="sng" algn="ctr">
-                      <a:solidFill>
-                        <a:srgbClr val="DDDDDD"/>
-                      </a:solidFill>
-                      <a:prstDash val="solid"/>
-                      <a:round/>
-                      <a:headEnd type="none" w="med" len="med"/>
-                      <a:tailEnd type="none" w="med" len="med"/>
-                    </a:lnL>
-                    <a:lnR w="9525" cap="flat" cmpd="sng" algn="ctr">
-                      <a:solidFill>
-                        <a:srgbClr val="DDDDDD"/>
-                      </a:solidFill>
-                      <a:prstDash val="solid"/>
-                      <a:round/>
-                      <a:headEnd type="none" w="med" len="med"/>
-                      <a:tailEnd type="none" w="med" len="med"/>
-                    </a:lnR>
-                    <a:lnT w="9525" cap="flat" cmpd="sng" algn="ctr">
-                      <a:solidFill>
-                        <a:srgbClr val="DDDDDD"/>
-                      </a:solidFill>
-                      <a:prstDash val="solid"/>
-                      <a:round/>
-                      <a:headEnd type="none" w="med" len="med"/>
-                      <a:tailEnd type="none" w="med" len="med"/>
-                    </a:lnT>
-                    <a:lnB w="9525" cap="flat" cmpd="sng" algn="ctr">
-                      <a:solidFill>
-                        <a:srgbClr val="DDDDDD"/>
-                      </a:solidFill>
-                      <a:prstDash val="solid"/>
-                      <a:round/>
-                      <a:headEnd type="none" w="med" len="med"/>
-                      <a:tailEnd type="none" w="med" len="med"/>
-                    </a:lnB>
-                    <a:solidFill>
-                      <a:srgbClr val="FFFFFF"/>
-                    </a:solidFill>
-                  </a:tcPr>
-                </a:tc>
-                <a:tc>
-                  <a:txBody>
-                    <a:bodyPr/>
-                    <a:lstStyle/>
-                    <a:p>
-                      <a:r>
-                        <a:rPr lang="en-US" sz="1000" dirty="0">
-                          <a:effectLst/>
-                        </a:rPr>
-                        <a:t>Major tools used </a:t>
-                      </a:r>
-                      <a:br>
-                        <a:rPr lang="en-US" sz="1000" dirty="0">
-                          <a:effectLst/>
-                        </a:rPr>
-                      </a:br>
-                      <a:r>
-                        <a:rPr lang="en-US" sz="1000" dirty="0">
-                          <a:effectLst/>
-                        </a:rPr>
-                        <a:t>- (more) for tools requiring coding effort such as Python and R, (ok) for GUI-based tools such as Tableau </a:t>
-                      </a:r>
-                      <a:br>
-                        <a:rPr lang="en-US" sz="1000" dirty="0">
-                          <a:effectLst/>
-                        </a:rPr>
-                      </a:br>
-                      <a:endParaRPr lang="en-US" sz="1000" dirty="0">
-                        <a:effectLst/>
-                      </a:endParaRPr>
-                    </a:p>
-                  </a:txBody>
-                  <a:tcPr marL="35712" marR="35712" marT="16482" marB="16482" anchor="ctr">
-                    <a:lnL w="9525" cap="flat" cmpd="sng" algn="ctr">
-                      <a:solidFill>
-                        <a:srgbClr val="DDDDDD"/>
-                      </a:solidFill>
-                      <a:prstDash val="solid"/>
-                      <a:round/>
-                      <a:headEnd type="none" w="med" len="med"/>
-                      <a:tailEnd type="none" w="med" len="med"/>
-                    </a:lnL>
-                    <a:lnR w="9525" cap="flat" cmpd="sng" algn="ctr">
-                      <a:solidFill>
-                        <a:srgbClr val="DDDDDD"/>
-                      </a:solidFill>
-                      <a:prstDash val="solid"/>
-                      <a:round/>
-                      <a:headEnd type="none" w="med" len="med"/>
-                      <a:tailEnd type="none" w="med" len="med"/>
-                    </a:lnR>
-                    <a:lnT w="9525" cap="flat" cmpd="sng" algn="ctr">
-                      <a:solidFill>
-                        <a:srgbClr val="DDDDDD"/>
-                      </a:solidFill>
-                      <a:prstDash val="solid"/>
-                      <a:round/>
-                      <a:headEnd type="none" w="med" len="med"/>
-                      <a:tailEnd type="none" w="med" len="med"/>
-                    </a:lnT>
-                    <a:lnB w="9525" cap="flat" cmpd="sng" algn="ctr">
-                      <a:solidFill>
-                        <a:srgbClr val="DDDDDD"/>
-                      </a:solidFill>
-                      <a:prstDash val="solid"/>
-                      <a:round/>
-                      <a:headEnd type="none" w="med" len="med"/>
-                      <a:tailEnd type="none" w="med" len="med"/>
-                    </a:lnB>
-                    <a:solidFill>
-                      <a:srgbClr val="FFFFFF"/>
-                    </a:solidFill>
-                  </a:tcPr>
-                </a:tc>
-                <a:tc>
-                  <a:txBody>
-                    <a:bodyPr/>
-                    <a:lstStyle/>
-                    <a:p>
-                      <a:r>
-                        <a:rPr lang="en-US" sz="500">
-                          <a:effectLst/>
-                        </a:rPr>
-                        <a:t>5</a:t>
-                      </a:r>
-                    </a:p>
-                  </a:txBody>
-                  <a:tcPr marL="35712" marR="35712" marT="16482" marB="16482" anchor="ctr">
-                    <a:lnL w="9525" cap="flat" cmpd="sng" algn="ctr">
-                      <a:solidFill>
-                        <a:srgbClr val="DDDDDD"/>
-                      </a:solidFill>
-                      <a:prstDash val="solid"/>
-                      <a:round/>
-                      <a:headEnd type="none" w="med" len="med"/>
-                      <a:tailEnd type="none" w="med" len="med"/>
-                    </a:lnL>
-                    <a:lnR w="9525" cap="flat" cmpd="sng" algn="ctr">
-                      <a:solidFill>
-                        <a:srgbClr val="DDDDDD"/>
-                      </a:solidFill>
-                      <a:prstDash val="solid"/>
-                      <a:round/>
-                      <a:headEnd type="none" w="med" len="med"/>
-                      <a:tailEnd type="none" w="med" len="med"/>
-                    </a:lnR>
-                    <a:lnT w="9525" cap="flat" cmpd="sng" algn="ctr">
-                      <a:solidFill>
-                        <a:srgbClr val="DDDDDD"/>
-                      </a:solidFill>
-                      <a:prstDash val="solid"/>
-                      <a:round/>
-                      <a:headEnd type="none" w="med" len="med"/>
-                      <a:tailEnd type="none" w="med" len="med"/>
-                    </a:lnT>
-                    <a:lnB w="9525" cap="flat" cmpd="sng" algn="ctr">
-                      <a:solidFill>
-                        <a:srgbClr val="DDDDDD"/>
-                      </a:solidFill>
-                      <a:prstDash val="solid"/>
-                      <a:round/>
-                      <a:headEnd type="none" w="med" len="med"/>
-                      <a:tailEnd type="none" w="med" len="med"/>
-                    </a:lnB>
-                    <a:solidFill>
-                      <a:srgbClr val="FFFFFF"/>
-                    </a:solidFill>
-                  </a:tcPr>
-                </a:tc>
-                <a:extLst>
-                  <a:ext uri="{0D108BD9-81ED-4DB2-BD59-A6C34878D82A}">
-                    <a16:rowId xmlns:a16="http://schemas.microsoft.com/office/drawing/2014/main" val="3641858549"/>
-                  </a:ext>
-                </a:extLst>
-              </a:tr>
-              <a:tr h="111142">
-                <a:tc>
-                  <a:txBody>
-                    <a:bodyPr/>
-                    <a:lstStyle/>
-                    <a:p>
-                      <a:r>
-                        <a:rPr lang="en-US" sz="500">
-                          <a:effectLst/>
-                        </a:rPr>
-                        <a:t>Q</a:t>
-                      </a:r>
-                    </a:p>
-                  </a:txBody>
-                  <a:tcPr marL="35712" marR="35712" marT="16482" marB="16482" anchor="ctr">
-                    <a:lnL w="9525" cap="flat" cmpd="sng" algn="ctr">
-                      <a:solidFill>
-                        <a:srgbClr val="DDDDDD"/>
-                      </a:solidFill>
-                      <a:prstDash val="solid"/>
-                      <a:round/>
-                      <a:headEnd type="none" w="med" len="med"/>
-                      <a:tailEnd type="none" w="med" len="med"/>
-                    </a:lnL>
-                    <a:lnR w="9525" cap="flat" cmpd="sng" algn="ctr">
-                      <a:solidFill>
-                        <a:srgbClr val="DDDDDD"/>
-                      </a:solidFill>
-                      <a:prstDash val="solid"/>
-                      <a:round/>
-                      <a:headEnd type="none" w="med" len="med"/>
-                      <a:tailEnd type="none" w="med" len="med"/>
-                    </a:lnR>
-                    <a:lnT w="9525" cap="flat" cmpd="sng" algn="ctr">
-                      <a:solidFill>
-                        <a:srgbClr val="DDDDDD"/>
-                      </a:solidFill>
-                      <a:prstDash val="solid"/>
-                      <a:round/>
-                      <a:headEnd type="none" w="med" len="med"/>
-                      <a:tailEnd type="none" w="med" len="med"/>
-                    </a:lnT>
-                    <a:lnB w="9525" cap="flat" cmpd="sng" algn="ctr">
-                      <a:solidFill>
-                        <a:srgbClr val="DDDDDD"/>
-                      </a:solidFill>
-                      <a:prstDash val="solid"/>
-                      <a:round/>
-                      <a:headEnd type="none" w="med" len="med"/>
-                      <a:tailEnd type="none" w="med" len="med"/>
-                    </a:lnB>
-                    <a:solidFill>
-                      <a:srgbClr val="F8F8F8"/>
-                    </a:solidFill>
-                  </a:tcPr>
-                </a:tc>
-                <a:tc>
-                  <a:txBody>
-                    <a:bodyPr/>
-                    <a:lstStyle/>
-                    <a:p>
-                      <a:r>
-                        <a:rPr lang="en-US" sz="1000" dirty="0">
-                          <a:effectLst/>
-                        </a:rPr>
-                        <a:t>Use of packages/libraries</a:t>
-                      </a:r>
-                    </a:p>
-                  </a:txBody>
-                  <a:tcPr marL="35712" marR="35712" marT="16482" marB="16482" anchor="ctr">
-                    <a:lnL w="9525" cap="flat" cmpd="sng" algn="ctr">
-                      <a:solidFill>
-                        <a:srgbClr val="DDDDDD"/>
-                      </a:solidFill>
-                      <a:prstDash val="solid"/>
-                      <a:round/>
-                      <a:headEnd type="none" w="med" len="med"/>
-                      <a:tailEnd type="none" w="med" len="med"/>
-                    </a:lnL>
-                    <a:lnR w="9525" cap="flat" cmpd="sng" algn="ctr">
-                      <a:solidFill>
-                        <a:srgbClr val="DDDDDD"/>
-                      </a:solidFill>
-                      <a:prstDash val="solid"/>
-                      <a:round/>
-                      <a:headEnd type="none" w="med" len="med"/>
-                      <a:tailEnd type="none" w="med" len="med"/>
-                    </a:lnR>
-                    <a:lnT w="9525" cap="flat" cmpd="sng" algn="ctr">
-                      <a:solidFill>
-                        <a:srgbClr val="DDDDDD"/>
-                      </a:solidFill>
-                      <a:prstDash val="solid"/>
-                      <a:round/>
-                      <a:headEnd type="none" w="med" len="med"/>
-                      <a:tailEnd type="none" w="med" len="med"/>
-                    </a:lnT>
-                    <a:lnB w="9525" cap="flat" cmpd="sng" algn="ctr">
-                      <a:solidFill>
-                        <a:srgbClr val="DDDDDD"/>
-                      </a:solidFill>
-                      <a:prstDash val="solid"/>
-                      <a:round/>
-                      <a:headEnd type="none" w="med" len="med"/>
-                      <a:tailEnd type="none" w="med" len="med"/>
-                    </a:lnB>
-                    <a:solidFill>
-                      <a:srgbClr val="F8F8F8"/>
-                    </a:solidFill>
-                  </a:tcPr>
-                </a:tc>
-                <a:tc>
-                  <a:txBody>
-                    <a:bodyPr/>
-                    <a:lstStyle/>
-                    <a:p>
-                      <a:r>
-                        <a:rPr lang="en-US" sz="500">
-                          <a:effectLst/>
-                        </a:rPr>
-                        <a:t>5</a:t>
-                      </a:r>
-                    </a:p>
-                  </a:txBody>
-                  <a:tcPr marL="35712" marR="35712" marT="16482" marB="16482" anchor="ctr">
-                    <a:lnL w="9525" cap="flat" cmpd="sng" algn="ctr">
-                      <a:solidFill>
-                        <a:srgbClr val="DDDDDD"/>
-                      </a:solidFill>
-                      <a:prstDash val="solid"/>
-                      <a:round/>
-                      <a:headEnd type="none" w="med" len="med"/>
-                      <a:tailEnd type="none" w="med" len="med"/>
-                    </a:lnL>
-                    <a:lnR w="9525" cap="flat" cmpd="sng" algn="ctr">
-                      <a:solidFill>
-                        <a:srgbClr val="DDDDDD"/>
-                      </a:solidFill>
-                      <a:prstDash val="solid"/>
-                      <a:round/>
-                      <a:headEnd type="none" w="med" len="med"/>
-                      <a:tailEnd type="none" w="med" len="med"/>
-                    </a:lnR>
-                    <a:lnT w="9525" cap="flat" cmpd="sng" algn="ctr">
-                      <a:solidFill>
-                        <a:srgbClr val="DDDDDD"/>
-                      </a:solidFill>
-                      <a:prstDash val="solid"/>
-                      <a:round/>
-                      <a:headEnd type="none" w="med" len="med"/>
-                      <a:tailEnd type="none" w="med" len="med"/>
-                    </a:lnT>
-                    <a:lnB w="9525" cap="flat" cmpd="sng" algn="ctr">
-                      <a:solidFill>
-                        <a:srgbClr val="DDDDDD"/>
-                      </a:solidFill>
-                      <a:prstDash val="solid"/>
-                      <a:round/>
-                      <a:headEnd type="none" w="med" len="med"/>
-                      <a:tailEnd type="none" w="med" len="med"/>
-                    </a:lnB>
-                    <a:solidFill>
-                      <a:srgbClr val="F8F8F8"/>
-                    </a:solidFill>
-                  </a:tcPr>
-                </a:tc>
-                <a:extLst>
-                  <a:ext uri="{0D108BD9-81ED-4DB2-BD59-A6C34878D82A}">
-                    <a16:rowId xmlns:a16="http://schemas.microsoft.com/office/drawing/2014/main" val="86292963"/>
-                  </a:ext>
-                </a:extLst>
-              </a:tr>
-              <a:tr h="111142">
-                <a:tc>
-                  <a:txBody>
-                    <a:bodyPr/>
-                    <a:lstStyle/>
-                    <a:p>
-                      <a:r>
-                        <a:rPr lang="en-US" sz="500">
-                          <a:effectLst/>
-                        </a:rPr>
-                        <a:t>Q</a:t>
-                      </a:r>
-                    </a:p>
-                  </a:txBody>
-                  <a:tcPr marL="35712" marR="35712" marT="16482" marB="16482" anchor="ctr">
-                    <a:lnL w="9525" cap="flat" cmpd="sng" algn="ctr">
-                      <a:solidFill>
-                        <a:srgbClr val="DDDDDD"/>
-                      </a:solidFill>
-                      <a:prstDash val="solid"/>
-                      <a:round/>
-                      <a:headEnd type="none" w="med" len="med"/>
-                      <a:tailEnd type="none" w="med" len="med"/>
-                    </a:lnL>
-                    <a:lnR w="9525" cap="flat" cmpd="sng" algn="ctr">
-                      <a:solidFill>
-                        <a:srgbClr val="DDDDDD"/>
-                      </a:solidFill>
-                      <a:prstDash val="solid"/>
-                      <a:round/>
-                      <a:headEnd type="none" w="med" len="med"/>
-                      <a:tailEnd type="none" w="med" len="med"/>
-                    </a:lnR>
-                    <a:lnT w="9525" cap="flat" cmpd="sng" algn="ctr">
-                      <a:solidFill>
-                        <a:srgbClr val="DDDDDD"/>
-                      </a:solidFill>
-                      <a:prstDash val="solid"/>
-                      <a:round/>
-                      <a:headEnd type="none" w="med" len="med"/>
-                      <a:tailEnd type="none" w="med" len="med"/>
-                    </a:lnT>
-                    <a:lnB w="9525" cap="flat" cmpd="sng" algn="ctr">
-                      <a:solidFill>
-                        <a:srgbClr val="DDDDDD"/>
-                      </a:solidFill>
-                      <a:prstDash val="solid"/>
-                      <a:round/>
-                      <a:headEnd type="none" w="med" len="med"/>
-                      <a:tailEnd type="none" w="med" len="med"/>
-                    </a:lnB>
-                    <a:solidFill>
-                      <a:srgbClr val="FFFFFF"/>
-                    </a:solidFill>
-                  </a:tcPr>
-                </a:tc>
-                <a:tc>
-                  <a:txBody>
-                    <a:bodyPr/>
-                    <a:lstStyle/>
-                    <a:p>
-                      <a:r>
-                        <a:rPr lang="en-US" sz="1000" dirty="0">
-                          <a:effectLst/>
-                        </a:rPr>
-                        <a:t>Use of Machine Learning methods</a:t>
-                      </a:r>
-                    </a:p>
-                  </a:txBody>
-                  <a:tcPr marL="35712" marR="35712" marT="16482" marB="16482" anchor="ctr">
-                    <a:lnL w="9525" cap="flat" cmpd="sng" algn="ctr">
-                      <a:solidFill>
-                        <a:srgbClr val="DDDDDD"/>
-                      </a:solidFill>
-                      <a:prstDash val="solid"/>
-                      <a:round/>
-                      <a:headEnd type="none" w="med" len="med"/>
-                      <a:tailEnd type="none" w="med" len="med"/>
-                    </a:lnL>
-                    <a:lnR w="9525" cap="flat" cmpd="sng" algn="ctr">
-                      <a:solidFill>
-                        <a:srgbClr val="DDDDDD"/>
-                      </a:solidFill>
-                      <a:prstDash val="solid"/>
-                      <a:round/>
-                      <a:headEnd type="none" w="med" len="med"/>
-                      <a:tailEnd type="none" w="med" len="med"/>
-                    </a:lnR>
-                    <a:lnT w="9525" cap="flat" cmpd="sng" algn="ctr">
-                      <a:solidFill>
-                        <a:srgbClr val="DDDDDD"/>
-                      </a:solidFill>
-                      <a:prstDash val="solid"/>
-                      <a:round/>
-                      <a:headEnd type="none" w="med" len="med"/>
-                      <a:tailEnd type="none" w="med" len="med"/>
-                    </a:lnT>
-                    <a:lnB w="9525" cap="flat" cmpd="sng" algn="ctr">
-                      <a:solidFill>
-                        <a:srgbClr val="DDDDDD"/>
-                      </a:solidFill>
-                      <a:prstDash val="solid"/>
-                      <a:round/>
-                      <a:headEnd type="none" w="med" len="med"/>
-                      <a:tailEnd type="none" w="med" len="med"/>
-                    </a:lnB>
-                    <a:solidFill>
-                      <a:srgbClr val="FFFFFF"/>
-                    </a:solidFill>
-                  </a:tcPr>
-                </a:tc>
-                <a:tc>
-                  <a:txBody>
-                    <a:bodyPr/>
-                    <a:lstStyle/>
-                    <a:p>
-                      <a:r>
-                        <a:rPr lang="en-US" sz="500">
-                          <a:effectLst/>
-                        </a:rPr>
-                        <a:t>5</a:t>
-                      </a:r>
-                    </a:p>
-                  </a:txBody>
-                  <a:tcPr marL="35712" marR="35712" marT="16482" marB="16482" anchor="ctr">
-                    <a:lnL w="9525" cap="flat" cmpd="sng" algn="ctr">
-                      <a:solidFill>
-                        <a:srgbClr val="DDDDDD"/>
-                      </a:solidFill>
-                      <a:prstDash val="solid"/>
-                      <a:round/>
-                      <a:headEnd type="none" w="med" len="med"/>
-                      <a:tailEnd type="none" w="med" len="med"/>
-                    </a:lnL>
-                    <a:lnR w="9525" cap="flat" cmpd="sng" algn="ctr">
-                      <a:solidFill>
-                        <a:srgbClr val="DDDDDD"/>
-                      </a:solidFill>
-                      <a:prstDash val="solid"/>
-                      <a:round/>
-                      <a:headEnd type="none" w="med" len="med"/>
-                      <a:tailEnd type="none" w="med" len="med"/>
-                    </a:lnR>
-                    <a:lnT w="9525" cap="flat" cmpd="sng" algn="ctr">
-                      <a:solidFill>
-                        <a:srgbClr val="DDDDDD"/>
-                      </a:solidFill>
-                      <a:prstDash val="solid"/>
-                      <a:round/>
-                      <a:headEnd type="none" w="med" len="med"/>
-                      <a:tailEnd type="none" w="med" len="med"/>
-                    </a:lnT>
-                    <a:lnB w="9525" cap="flat" cmpd="sng" algn="ctr">
-                      <a:solidFill>
-                        <a:srgbClr val="DDDDDD"/>
-                      </a:solidFill>
-                      <a:prstDash val="solid"/>
-                      <a:round/>
-                      <a:headEnd type="none" w="med" len="med"/>
-                      <a:tailEnd type="none" w="med" len="med"/>
-                    </a:lnB>
-                    <a:solidFill>
-                      <a:srgbClr val="FFFFFF"/>
-                    </a:solidFill>
-                  </a:tcPr>
-                </a:tc>
-                <a:extLst>
-                  <a:ext uri="{0D108BD9-81ED-4DB2-BD59-A6C34878D82A}">
-                    <a16:rowId xmlns:a16="http://schemas.microsoft.com/office/drawing/2014/main" val="2633625645"/>
-                  </a:ext>
-                </a:extLst>
-              </a:tr>
-              <a:tr h="111142">
-                <a:tc>
-                  <a:txBody>
-                    <a:bodyPr/>
-                    <a:lstStyle/>
-                    <a:p>
-                      <a:r>
-                        <a:rPr lang="en-US" sz="500">
-                          <a:effectLst/>
-                        </a:rPr>
-                        <a:t>Q</a:t>
-                      </a:r>
-                    </a:p>
-                  </a:txBody>
-                  <a:tcPr marL="35712" marR="35712" marT="16482" marB="16482" anchor="ctr">
-                    <a:lnL w="9525" cap="flat" cmpd="sng" algn="ctr">
-                      <a:solidFill>
-                        <a:srgbClr val="DDDDDD"/>
-                      </a:solidFill>
-                      <a:prstDash val="solid"/>
-                      <a:round/>
-                      <a:headEnd type="none" w="med" len="med"/>
-                      <a:tailEnd type="none" w="med" len="med"/>
-                    </a:lnL>
-                    <a:lnR w="9525" cap="flat" cmpd="sng" algn="ctr">
-                      <a:solidFill>
-                        <a:srgbClr val="DDDDDD"/>
-                      </a:solidFill>
-                      <a:prstDash val="solid"/>
-                      <a:round/>
-                      <a:headEnd type="none" w="med" len="med"/>
-                      <a:tailEnd type="none" w="med" len="med"/>
-                    </a:lnR>
-                    <a:lnT w="9525" cap="flat" cmpd="sng" algn="ctr">
-                      <a:solidFill>
-                        <a:srgbClr val="DDDDDD"/>
-                      </a:solidFill>
-                      <a:prstDash val="solid"/>
-                      <a:round/>
-                      <a:headEnd type="none" w="med" len="med"/>
-                      <a:tailEnd type="none" w="med" len="med"/>
-                    </a:lnT>
-                    <a:lnB w="9525" cap="flat" cmpd="sng" algn="ctr">
-                      <a:solidFill>
-                        <a:srgbClr val="DDDDDD"/>
-                      </a:solidFill>
-                      <a:prstDash val="solid"/>
-                      <a:round/>
-                      <a:headEnd type="none" w="med" len="med"/>
-                      <a:tailEnd type="none" w="med" len="med"/>
-                    </a:lnB>
-                    <a:solidFill>
-                      <a:srgbClr val="F8F8F8"/>
-                    </a:solidFill>
-                  </a:tcPr>
-                </a:tc>
-                <a:tc>
-                  <a:txBody>
-                    <a:bodyPr/>
-                    <a:lstStyle/>
-                    <a:p>
-                      <a:r>
-                        <a:rPr lang="en-US" sz="1000" dirty="0">
-                          <a:effectLst/>
-                        </a:rPr>
-                        <a:t>Effort using analysis methods (how deeply optimize)</a:t>
-                      </a:r>
-                    </a:p>
-                  </a:txBody>
-                  <a:tcPr marL="35712" marR="35712" marT="16482" marB="16482" anchor="ctr">
-                    <a:lnL w="9525" cap="flat" cmpd="sng" algn="ctr">
-                      <a:solidFill>
-                        <a:srgbClr val="DDDDDD"/>
-                      </a:solidFill>
-                      <a:prstDash val="solid"/>
-                      <a:round/>
-                      <a:headEnd type="none" w="med" len="med"/>
-                      <a:tailEnd type="none" w="med" len="med"/>
-                    </a:lnL>
-                    <a:lnR w="9525" cap="flat" cmpd="sng" algn="ctr">
-                      <a:solidFill>
-                        <a:srgbClr val="DDDDDD"/>
-                      </a:solidFill>
-                      <a:prstDash val="solid"/>
-                      <a:round/>
-                      <a:headEnd type="none" w="med" len="med"/>
-                      <a:tailEnd type="none" w="med" len="med"/>
-                    </a:lnR>
-                    <a:lnT w="9525" cap="flat" cmpd="sng" algn="ctr">
-                      <a:solidFill>
-                        <a:srgbClr val="DDDDDD"/>
-                      </a:solidFill>
-                      <a:prstDash val="solid"/>
-                      <a:round/>
-                      <a:headEnd type="none" w="med" len="med"/>
-                      <a:tailEnd type="none" w="med" len="med"/>
-                    </a:lnT>
-                    <a:lnB w="9525" cap="flat" cmpd="sng" algn="ctr">
-                      <a:solidFill>
-                        <a:srgbClr val="DDDDDD"/>
-                      </a:solidFill>
-                      <a:prstDash val="solid"/>
-                      <a:round/>
-                      <a:headEnd type="none" w="med" len="med"/>
-                      <a:tailEnd type="none" w="med" len="med"/>
-                    </a:lnB>
-                    <a:solidFill>
-                      <a:srgbClr val="F8F8F8"/>
-                    </a:solidFill>
-                  </a:tcPr>
-                </a:tc>
-                <a:tc>
-                  <a:txBody>
-                    <a:bodyPr/>
-                    <a:lstStyle/>
-                    <a:p>
-                      <a:r>
-                        <a:rPr lang="en-US" sz="500">
-                          <a:effectLst/>
-                        </a:rPr>
-                        <a:t>5</a:t>
-                      </a:r>
-                    </a:p>
-                  </a:txBody>
-                  <a:tcPr marL="35712" marR="35712" marT="16482" marB="16482" anchor="ctr">
-                    <a:lnL w="9525" cap="flat" cmpd="sng" algn="ctr">
-                      <a:solidFill>
-                        <a:srgbClr val="DDDDDD"/>
-                      </a:solidFill>
-                      <a:prstDash val="solid"/>
-                      <a:round/>
-                      <a:headEnd type="none" w="med" len="med"/>
-                      <a:tailEnd type="none" w="med" len="med"/>
-                    </a:lnL>
-                    <a:lnR w="9525" cap="flat" cmpd="sng" algn="ctr">
-                      <a:solidFill>
-                        <a:srgbClr val="DDDDDD"/>
-                      </a:solidFill>
-                      <a:prstDash val="solid"/>
-                      <a:round/>
-                      <a:headEnd type="none" w="med" len="med"/>
-                      <a:tailEnd type="none" w="med" len="med"/>
-                    </a:lnR>
-                    <a:lnT w="9525" cap="flat" cmpd="sng" algn="ctr">
-                      <a:solidFill>
-                        <a:srgbClr val="DDDDDD"/>
-                      </a:solidFill>
-                      <a:prstDash val="solid"/>
-                      <a:round/>
-                      <a:headEnd type="none" w="med" len="med"/>
-                      <a:tailEnd type="none" w="med" len="med"/>
-                    </a:lnT>
-                    <a:lnB w="9525" cap="flat" cmpd="sng" algn="ctr">
-                      <a:solidFill>
-                        <a:srgbClr val="DDDDDD"/>
-                      </a:solidFill>
-                      <a:prstDash val="solid"/>
-                      <a:round/>
-                      <a:headEnd type="none" w="med" len="med"/>
-                      <a:tailEnd type="none" w="med" len="med"/>
-                    </a:lnB>
-                    <a:solidFill>
-                      <a:srgbClr val="F8F8F8"/>
-                    </a:solidFill>
-                  </a:tcPr>
-                </a:tc>
-                <a:extLst>
-                  <a:ext uri="{0D108BD9-81ED-4DB2-BD59-A6C34878D82A}">
-                    <a16:rowId xmlns:a16="http://schemas.microsoft.com/office/drawing/2014/main" val="1200172557"/>
-                  </a:ext>
-                </a:extLst>
-              </a:tr>
-              <a:tr h="111142">
-                <a:tc>
-                  <a:txBody>
-                    <a:bodyPr/>
-                    <a:lstStyle/>
-                    <a:p>
-                      <a:r>
-                        <a:rPr lang="en-US" sz="500">
-                          <a:effectLst/>
-                        </a:rPr>
-                        <a:t>Q</a:t>
-                      </a:r>
-                    </a:p>
-                  </a:txBody>
-                  <a:tcPr marL="35712" marR="35712" marT="16482" marB="16482" anchor="ctr">
-                    <a:lnL w="9525" cap="flat" cmpd="sng" algn="ctr">
-                      <a:solidFill>
-                        <a:srgbClr val="DDDDDD"/>
-                      </a:solidFill>
-                      <a:prstDash val="solid"/>
-                      <a:round/>
-                      <a:headEnd type="none" w="med" len="med"/>
-                      <a:tailEnd type="none" w="med" len="med"/>
-                    </a:lnL>
-                    <a:lnR w="9525" cap="flat" cmpd="sng" algn="ctr">
-                      <a:solidFill>
-                        <a:srgbClr val="DDDDDD"/>
-                      </a:solidFill>
-                      <a:prstDash val="solid"/>
-                      <a:round/>
-                      <a:headEnd type="none" w="med" len="med"/>
-                      <a:tailEnd type="none" w="med" len="med"/>
-                    </a:lnR>
-                    <a:lnT w="9525" cap="flat" cmpd="sng" algn="ctr">
-                      <a:solidFill>
-                        <a:srgbClr val="DDDDDD"/>
-                      </a:solidFill>
-                      <a:prstDash val="solid"/>
-                      <a:round/>
-                      <a:headEnd type="none" w="med" len="med"/>
-                      <a:tailEnd type="none" w="med" len="med"/>
-                    </a:lnT>
-                    <a:lnB w="9525" cap="flat" cmpd="sng" algn="ctr">
-                      <a:solidFill>
-                        <a:srgbClr val="DDDDDD"/>
-                      </a:solidFill>
-                      <a:prstDash val="solid"/>
-                      <a:round/>
-                      <a:headEnd type="none" w="med" len="med"/>
-                      <a:tailEnd type="none" w="med" len="med"/>
-                    </a:lnB>
-                    <a:solidFill>
-                      <a:srgbClr val="FFFFFF"/>
-                    </a:solidFill>
-                  </a:tcPr>
-                </a:tc>
-                <a:tc>
-                  <a:txBody>
-                    <a:bodyPr/>
-                    <a:lstStyle/>
-                    <a:p>
-                      <a:r>
-                        <a:rPr lang="en-US" sz="1000" dirty="0">
-                          <a:effectLst/>
-                        </a:rPr>
-                        <a:t>Scientific questions and select analysis methods</a:t>
-                      </a:r>
-                    </a:p>
-                  </a:txBody>
-                  <a:tcPr marL="35712" marR="35712" marT="16482" marB="16482" anchor="ctr">
-                    <a:lnL w="9525" cap="flat" cmpd="sng" algn="ctr">
-                      <a:solidFill>
-                        <a:srgbClr val="DDDDDD"/>
-                      </a:solidFill>
-                      <a:prstDash val="solid"/>
-                      <a:round/>
-                      <a:headEnd type="none" w="med" len="med"/>
-                      <a:tailEnd type="none" w="med" len="med"/>
-                    </a:lnL>
-                    <a:lnR w="9525" cap="flat" cmpd="sng" algn="ctr">
-                      <a:solidFill>
-                        <a:srgbClr val="DDDDDD"/>
-                      </a:solidFill>
-                      <a:prstDash val="solid"/>
-                      <a:round/>
-                      <a:headEnd type="none" w="med" len="med"/>
-                      <a:tailEnd type="none" w="med" len="med"/>
-                    </a:lnR>
-                    <a:lnT w="9525" cap="flat" cmpd="sng" algn="ctr">
-                      <a:solidFill>
-                        <a:srgbClr val="DDDDDD"/>
-                      </a:solidFill>
-                      <a:prstDash val="solid"/>
-                      <a:round/>
-                      <a:headEnd type="none" w="med" len="med"/>
-                      <a:tailEnd type="none" w="med" len="med"/>
-                    </a:lnT>
-                    <a:lnB w="9525" cap="flat" cmpd="sng" algn="ctr">
-                      <a:solidFill>
-                        <a:srgbClr val="DDDDDD"/>
-                      </a:solidFill>
-                      <a:prstDash val="solid"/>
-                      <a:round/>
-                      <a:headEnd type="none" w="med" len="med"/>
-                      <a:tailEnd type="none" w="med" len="med"/>
-                    </a:lnB>
-                    <a:solidFill>
-                      <a:srgbClr val="FFFFFF"/>
-                    </a:solidFill>
-                  </a:tcPr>
-                </a:tc>
-                <a:tc>
-                  <a:txBody>
-                    <a:bodyPr/>
-                    <a:lstStyle/>
-                    <a:p>
-                      <a:r>
-                        <a:rPr lang="en-US" sz="500">
-                          <a:effectLst/>
-                        </a:rPr>
-                        <a:t>5</a:t>
-                      </a:r>
-                    </a:p>
-                  </a:txBody>
-                  <a:tcPr marL="35712" marR="35712" marT="16482" marB="16482" anchor="ctr">
-                    <a:lnL w="9525" cap="flat" cmpd="sng" algn="ctr">
-                      <a:solidFill>
-                        <a:srgbClr val="DDDDDD"/>
-                      </a:solidFill>
-                      <a:prstDash val="solid"/>
-                      <a:round/>
-                      <a:headEnd type="none" w="med" len="med"/>
-                      <a:tailEnd type="none" w="med" len="med"/>
-                    </a:lnL>
-                    <a:lnR w="9525" cap="flat" cmpd="sng" algn="ctr">
-                      <a:solidFill>
-                        <a:srgbClr val="DDDDDD"/>
-                      </a:solidFill>
-                      <a:prstDash val="solid"/>
-                      <a:round/>
-                      <a:headEnd type="none" w="med" len="med"/>
-                      <a:tailEnd type="none" w="med" len="med"/>
-                    </a:lnR>
-                    <a:lnT w="9525" cap="flat" cmpd="sng" algn="ctr">
-                      <a:solidFill>
-                        <a:srgbClr val="DDDDDD"/>
-                      </a:solidFill>
-                      <a:prstDash val="solid"/>
-                      <a:round/>
-                      <a:headEnd type="none" w="med" len="med"/>
-                      <a:tailEnd type="none" w="med" len="med"/>
-                    </a:lnT>
-                    <a:lnB w="9525" cap="flat" cmpd="sng" algn="ctr">
-                      <a:solidFill>
-                        <a:srgbClr val="DDDDDD"/>
-                      </a:solidFill>
-                      <a:prstDash val="solid"/>
-                      <a:round/>
-                      <a:headEnd type="none" w="med" len="med"/>
-                      <a:tailEnd type="none" w="med" len="med"/>
-                    </a:lnB>
-                    <a:solidFill>
-                      <a:srgbClr val="FFFFFF"/>
-                    </a:solidFill>
-                  </a:tcPr>
-                </a:tc>
-                <a:extLst>
-                  <a:ext uri="{0D108BD9-81ED-4DB2-BD59-A6C34878D82A}">
-                    <a16:rowId xmlns:a16="http://schemas.microsoft.com/office/drawing/2014/main" val="756284872"/>
-                  </a:ext>
-                </a:extLst>
-              </a:tr>
-              <a:tr h="111142">
-                <a:tc>
-                  <a:txBody>
-                    <a:bodyPr/>
-                    <a:lstStyle/>
-                    <a:p>
-                      <a:r>
-                        <a:rPr lang="en-US" sz="500">
-                          <a:effectLst/>
-                        </a:rPr>
-                        <a:t>Q</a:t>
-                      </a:r>
-                    </a:p>
-                  </a:txBody>
-                  <a:tcPr marL="35712" marR="35712" marT="16482" marB="16482" anchor="ctr">
-                    <a:lnL w="9525" cap="flat" cmpd="sng" algn="ctr">
-                      <a:solidFill>
-                        <a:srgbClr val="DDDDDD"/>
-                      </a:solidFill>
-                      <a:prstDash val="solid"/>
-                      <a:round/>
-                      <a:headEnd type="none" w="med" len="med"/>
-                      <a:tailEnd type="none" w="med" len="med"/>
-                    </a:lnL>
-                    <a:lnR w="9525" cap="flat" cmpd="sng" algn="ctr">
-                      <a:solidFill>
-                        <a:srgbClr val="DDDDDD"/>
-                      </a:solidFill>
-                      <a:prstDash val="solid"/>
-                      <a:round/>
-                      <a:headEnd type="none" w="med" len="med"/>
-                      <a:tailEnd type="none" w="med" len="med"/>
-                    </a:lnR>
-                    <a:lnT w="9525" cap="flat" cmpd="sng" algn="ctr">
-                      <a:solidFill>
-                        <a:srgbClr val="DDDDDD"/>
-                      </a:solidFill>
-                      <a:prstDash val="solid"/>
-                      <a:round/>
-                      <a:headEnd type="none" w="med" len="med"/>
-                      <a:tailEnd type="none" w="med" len="med"/>
-                    </a:lnT>
-                    <a:lnB w="9525" cap="flat" cmpd="sng" algn="ctr">
-                      <a:solidFill>
-                        <a:srgbClr val="DDDDDD"/>
-                      </a:solidFill>
-                      <a:prstDash val="solid"/>
-                      <a:round/>
-                      <a:headEnd type="none" w="med" len="med"/>
-                      <a:tailEnd type="none" w="med" len="med"/>
-                    </a:lnB>
-                    <a:solidFill>
-                      <a:srgbClr val="F8F8F8"/>
-                    </a:solidFill>
-                  </a:tcPr>
-                </a:tc>
-                <a:tc>
-                  <a:txBody>
-                    <a:bodyPr/>
-                    <a:lstStyle/>
-                    <a:p>
-                      <a:r>
-                        <a:rPr lang="en-US" sz="1000" dirty="0">
-                          <a:effectLst/>
-                        </a:rPr>
-                        <a:t>Data imbalance check and implementation, augmentation</a:t>
-                      </a:r>
-                    </a:p>
-                  </a:txBody>
-                  <a:tcPr marL="35712" marR="35712" marT="16482" marB="16482" anchor="ctr">
-                    <a:lnL w="9525" cap="flat" cmpd="sng" algn="ctr">
-                      <a:solidFill>
-                        <a:srgbClr val="DDDDDD"/>
-                      </a:solidFill>
-                      <a:prstDash val="solid"/>
-                      <a:round/>
-                      <a:headEnd type="none" w="med" len="med"/>
-                      <a:tailEnd type="none" w="med" len="med"/>
-                    </a:lnL>
-                    <a:lnR w="9525" cap="flat" cmpd="sng" algn="ctr">
-                      <a:solidFill>
-                        <a:srgbClr val="DDDDDD"/>
-                      </a:solidFill>
-                      <a:prstDash val="solid"/>
-                      <a:round/>
-                      <a:headEnd type="none" w="med" len="med"/>
-                      <a:tailEnd type="none" w="med" len="med"/>
-                    </a:lnR>
-                    <a:lnT w="9525" cap="flat" cmpd="sng" algn="ctr">
-                      <a:solidFill>
-                        <a:srgbClr val="DDDDDD"/>
-                      </a:solidFill>
-                      <a:prstDash val="solid"/>
-                      <a:round/>
-                      <a:headEnd type="none" w="med" len="med"/>
-                      <a:tailEnd type="none" w="med" len="med"/>
-                    </a:lnT>
-                    <a:lnB w="9525" cap="flat" cmpd="sng" algn="ctr">
-                      <a:solidFill>
-                        <a:srgbClr val="DDDDDD"/>
-                      </a:solidFill>
-                      <a:prstDash val="solid"/>
-                      <a:round/>
-                      <a:headEnd type="none" w="med" len="med"/>
-                      <a:tailEnd type="none" w="med" len="med"/>
-                    </a:lnB>
-                    <a:solidFill>
-                      <a:srgbClr val="F8F8F8"/>
-                    </a:solidFill>
-                  </a:tcPr>
-                </a:tc>
-                <a:tc>
-                  <a:txBody>
-                    <a:bodyPr/>
-                    <a:lstStyle/>
-                    <a:p>
-                      <a:r>
-                        <a:rPr lang="en-US" sz="500">
-                          <a:effectLst/>
-                        </a:rPr>
-                        <a:t>5</a:t>
-                      </a:r>
-                    </a:p>
-                  </a:txBody>
-                  <a:tcPr marL="35712" marR="35712" marT="16482" marB="16482" anchor="ctr">
-                    <a:lnL w="9525" cap="flat" cmpd="sng" algn="ctr">
-                      <a:solidFill>
-                        <a:srgbClr val="DDDDDD"/>
-                      </a:solidFill>
-                      <a:prstDash val="solid"/>
-                      <a:round/>
-                      <a:headEnd type="none" w="med" len="med"/>
-                      <a:tailEnd type="none" w="med" len="med"/>
-                    </a:lnL>
-                    <a:lnR w="9525" cap="flat" cmpd="sng" algn="ctr">
-                      <a:solidFill>
-                        <a:srgbClr val="DDDDDD"/>
-                      </a:solidFill>
-                      <a:prstDash val="solid"/>
-                      <a:round/>
-                      <a:headEnd type="none" w="med" len="med"/>
-                      <a:tailEnd type="none" w="med" len="med"/>
-                    </a:lnR>
-                    <a:lnT w="9525" cap="flat" cmpd="sng" algn="ctr">
-                      <a:solidFill>
-                        <a:srgbClr val="DDDDDD"/>
-                      </a:solidFill>
-                      <a:prstDash val="solid"/>
-                      <a:round/>
-                      <a:headEnd type="none" w="med" len="med"/>
-                      <a:tailEnd type="none" w="med" len="med"/>
-                    </a:lnT>
-                    <a:lnB w="9525" cap="flat" cmpd="sng" algn="ctr">
-                      <a:solidFill>
-                        <a:srgbClr val="DDDDDD"/>
-                      </a:solidFill>
-                      <a:prstDash val="solid"/>
-                      <a:round/>
-                      <a:headEnd type="none" w="med" len="med"/>
-                      <a:tailEnd type="none" w="med" len="med"/>
-                    </a:lnB>
-                    <a:solidFill>
-                      <a:srgbClr val="F8F8F8"/>
-                    </a:solidFill>
-                  </a:tcPr>
-                </a:tc>
-                <a:extLst>
-                  <a:ext uri="{0D108BD9-81ED-4DB2-BD59-A6C34878D82A}">
-                    <a16:rowId xmlns:a16="http://schemas.microsoft.com/office/drawing/2014/main" val="528867488"/>
-                  </a:ext>
-                </a:extLst>
-              </a:tr>
-              <a:tr h="111142">
-                <a:tc>
-                  <a:txBody>
-                    <a:bodyPr/>
-                    <a:lstStyle/>
-                    <a:p>
-                      <a:r>
-                        <a:rPr lang="en-US" sz="500">
-                          <a:effectLst/>
-                        </a:rPr>
-                        <a:t>Q</a:t>
-                      </a:r>
-                    </a:p>
-                  </a:txBody>
-                  <a:tcPr marL="35712" marR="35712" marT="16482" marB="16482" anchor="ctr">
-                    <a:lnL w="9525" cap="flat" cmpd="sng" algn="ctr">
-                      <a:solidFill>
-                        <a:srgbClr val="DDDDDD"/>
-                      </a:solidFill>
-                      <a:prstDash val="solid"/>
-                      <a:round/>
-                      <a:headEnd type="none" w="med" len="med"/>
-                      <a:tailEnd type="none" w="med" len="med"/>
-                    </a:lnL>
-                    <a:lnR w="9525" cap="flat" cmpd="sng" algn="ctr">
-                      <a:solidFill>
-                        <a:srgbClr val="DDDDDD"/>
-                      </a:solidFill>
-                      <a:prstDash val="solid"/>
-                      <a:round/>
-                      <a:headEnd type="none" w="med" len="med"/>
-                      <a:tailEnd type="none" w="med" len="med"/>
-                    </a:lnR>
-                    <a:lnT w="9525" cap="flat" cmpd="sng" algn="ctr">
-                      <a:solidFill>
-                        <a:srgbClr val="DDDDDD"/>
-                      </a:solidFill>
-                      <a:prstDash val="solid"/>
-                      <a:round/>
-                      <a:headEnd type="none" w="med" len="med"/>
-                      <a:tailEnd type="none" w="med" len="med"/>
-                    </a:lnT>
-                    <a:lnB w="9525" cap="flat" cmpd="sng" algn="ctr">
-                      <a:solidFill>
-                        <a:srgbClr val="DDDDDD"/>
-                      </a:solidFill>
-                      <a:prstDash val="solid"/>
-                      <a:round/>
-                      <a:headEnd type="none" w="med" len="med"/>
-                      <a:tailEnd type="none" w="med" len="med"/>
-                    </a:lnB>
-                    <a:solidFill>
-                      <a:srgbClr val="FFFFFF"/>
-                    </a:solidFill>
-                  </a:tcPr>
-                </a:tc>
-                <a:tc>
-                  <a:txBody>
-                    <a:bodyPr/>
-                    <a:lstStyle/>
-                    <a:p>
-                      <a:r>
-                        <a:rPr lang="en-US" sz="1000" dirty="0">
-                          <a:effectLst/>
-                        </a:rPr>
-                        <a:t>Problem solving &amp; Learning new things on their own</a:t>
-                      </a:r>
-                    </a:p>
-                  </a:txBody>
-                  <a:tcPr marL="35712" marR="35712" marT="16482" marB="16482" anchor="ctr">
-                    <a:lnL w="9525" cap="flat" cmpd="sng" algn="ctr">
-                      <a:solidFill>
-                        <a:srgbClr val="DDDDDD"/>
-                      </a:solidFill>
-                      <a:prstDash val="solid"/>
-                      <a:round/>
-                      <a:headEnd type="none" w="med" len="med"/>
-                      <a:tailEnd type="none" w="med" len="med"/>
-                    </a:lnL>
-                    <a:lnR w="9525" cap="flat" cmpd="sng" algn="ctr">
-                      <a:solidFill>
-                        <a:srgbClr val="DDDDDD"/>
-                      </a:solidFill>
-                      <a:prstDash val="solid"/>
-                      <a:round/>
-                      <a:headEnd type="none" w="med" len="med"/>
-                      <a:tailEnd type="none" w="med" len="med"/>
-                    </a:lnR>
-                    <a:lnT w="9525" cap="flat" cmpd="sng" algn="ctr">
-                      <a:solidFill>
-                        <a:srgbClr val="DDDDDD"/>
-                      </a:solidFill>
-                      <a:prstDash val="solid"/>
-                      <a:round/>
-                      <a:headEnd type="none" w="med" len="med"/>
-                      <a:tailEnd type="none" w="med" len="med"/>
-                    </a:lnT>
-                    <a:lnB w="9525" cap="flat" cmpd="sng" algn="ctr">
-                      <a:solidFill>
-                        <a:srgbClr val="DDDDDD"/>
-                      </a:solidFill>
-                      <a:prstDash val="solid"/>
-                      <a:round/>
-                      <a:headEnd type="none" w="med" len="med"/>
-                      <a:tailEnd type="none" w="med" len="med"/>
-                    </a:lnB>
-                    <a:solidFill>
-                      <a:srgbClr val="FFFFFF"/>
-                    </a:solidFill>
-                  </a:tcPr>
-                </a:tc>
-                <a:tc>
-                  <a:txBody>
-                    <a:bodyPr/>
-                    <a:lstStyle/>
-                    <a:p>
-                      <a:r>
-                        <a:rPr lang="en-US" sz="500">
-                          <a:effectLst/>
-                        </a:rPr>
-                        <a:t>5</a:t>
-                      </a:r>
-                    </a:p>
-                  </a:txBody>
-                  <a:tcPr marL="35712" marR="35712" marT="16482" marB="16482" anchor="ctr">
-                    <a:lnL w="9525" cap="flat" cmpd="sng" algn="ctr">
-                      <a:solidFill>
-                        <a:srgbClr val="DDDDDD"/>
-                      </a:solidFill>
-                      <a:prstDash val="solid"/>
-                      <a:round/>
-                      <a:headEnd type="none" w="med" len="med"/>
-                      <a:tailEnd type="none" w="med" len="med"/>
-                    </a:lnL>
-                    <a:lnR w="9525" cap="flat" cmpd="sng" algn="ctr">
-                      <a:solidFill>
-                        <a:srgbClr val="DDDDDD"/>
-                      </a:solidFill>
-                      <a:prstDash val="solid"/>
-                      <a:round/>
-                      <a:headEnd type="none" w="med" len="med"/>
-                      <a:tailEnd type="none" w="med" len="med"/>
-                    </a:lnR>
-                    <a:lnT w="9525" cap="flat" cmpd="sng" algn="ctr">
-                      <a:solidFill>
-                        <a:srgbClr val="DDDDDD"/>
-                      </a:solidFill>
-                      <a:prstDash val="solid"/>
-                      <a:round/>
-                      <a:headEnd type="none" w="med" len="med"/>
-                      <a:tailEnd type="none" w="med" len="med"/>
-                    </a:lnT>
-                    <a:lnB w="9525" cap="flat" cmpd="sng" algn="ctr">
-                      <a:solidFill>
-                        <a:srgbClr val="DDDDDD"/>
-                      </a:solidFill>
-                      <a:prstDash val="solid"/>
-                      <a:round/>
-                      <a:headEnd type="none" w="med" len="med"/>
-                      <a:tailEnd type="none" w="med" len="med"/>
-                    </a:lnB>
-                    <a:solidFill>
-                      <a:srgbClr val="FFFFFF"/>
-                    </a:solidFill>
-                  </a:tcPr>
-                </a:tc>
-                <a:extLst>
-                  <a:ext uri="{0D108BD9-81ED-4DB2-BD59-A6C34878D82A}">
-                    <a16:rowId xmlns:a16="http://schemas.microsoft.com/office/drawing/2014/main" val="3891230620"/>
-                  </a:ext>
-                </a:extLst>
-              </a:tr>
-              <a:tr h="111142">
-                <a:tc>
-                  <a:txBody>
-                    <a:bodyPr/>
-                    <a:lstStyle/>
-                    <a:p>
-                      <a:r>
-                        <a:rPr lang="en-US" sz="500">
-                          <a:effectLst/>
-                        </a:rPr>
-                        <a:t>Q</a:t>
-                      </a:r>
-                    </a:p>
-                  </a:txBody>
-                  <a:tcPr marL="35712" marR="35712" marT="16482" marB="16482" anchor="ctr">
-                    <a:lnL w="9525" cap="flat" cmpd="sng" algn="ctr">
-                      <a:solidFill>
-                        <a:srgbClr val="DDDDDD"/>
-                      </a:solidFill>
-                      <a:prstDash val="solid"/>
-                      <a:round/>
-                      <a:headEnd type="none" w="med" len="med"/>
-                      <a:tailEnd type="none" w="med" len="med"/>
-                    </a:lnL>
-                    <a:lnR w="9525" cap="flat" cmpd="sng" algn="ctr">
-                      <a:solidFill>
-                        <a:srgbClr val="DDDDDD"/>
-                      </a:solidFill>
-                      <a:prstDash val="solid"/>
-                      <a:round/>
-                      <a:headEnd type="none" w="med" len="med"/>
-                      <a:tailEnd type="none" w="med" len="med"/>
-                    </a:lnR>
-                    <a:lnT w="9525" cap="flat" cmpd="sng" algn="ctr">
-                      <a:solidFill>
-                        <a:srgbClr val="DDDDDD"/>
-                      </a:solidFill>
-                      <a:prstDash val="solid"/>
-                      <a:round/>
-                      <a:headEnd type="none" w="med" len="med"/>
-                      <a:tailEnd type="none" w="med" len="med"/>
-                    </a:lnT>
-                    <a:lnB w="9525" cap="flat" cmpd="sng" algn="ctr">
-                      <a:solidFill>
-                        <a:srgbClr val="DDDDDD"/>
-                      </a:solidFill>
-                      <a:prstDash val="solid"/>
-                      <a:round/>
-                      <a:headEnd type="none" w="med" len="med"/>
-                      <a:tailEnd type="none" w="med" len="med"/>
-                    </a:lnB>
-                    <a:solidFill>
-                      <a:srgbClr val="F8F8F8"/>
-                    </a:solidFill>
-                  </a:tcPr>
-                </a:tc>
-                <a:tc>
-                  <a:txBody>
-                    <a:bodyPr/>
-                    <a:lstStyle/>
-                    <a:p>
-                      <a:r>
-                        <a:rPr lang="en-US" sz="1000" dirty="0">
-                          <a:effectLst/>
-                        </a:rPr>
-                        <a:t>Project Time management</a:t>
-                      </a:r>
-                    </a:p>
-                  </a:txBody>
-                  <a:tcPr marL="35712" marR="35712" marT="16482" marB="16482" anchor="ctr">
-                    <a:lnL w="9525" cap="flat" cmpd="sng" algn="ctr">
-                      <a:solidFill>
-                        <a:srgbClr val="DDDDDD"/>
-                      </a:solidFill>
-                      <a:prstDash val="solid"/>
-                      <a:round/>
-                      <a:headEnd type="none" w="med" len="med"/>
-                      <a:tailEnd type="none" w="med" len="med"/>
-                    </a:lnL>
-                    <a:lnR w="9525" cap="flat" cmpd="sng" algn="ctr">
-                      <a:solidFill>
-                        <a:srgbClr val="DDDDDD"/>
-                      </a:solidFill>
-                      <a:prstDash val="solid"/>
-                      <a:round/>
-                      <a:headEnd type="none" w="med" len="med"/>
-                      <a:tailEnd type="none" w="med" len="med"/>
-                    </a:lnR>
-                    <a:lnT w="9525" cap="flat" cmpd="sng" algn="ctr">
-                      <a:solidFill>
-                        <a:srgbClr val="DDDDDD"/>
-                      </a:solidFill>
-                      <a:prstDash val="solid"/>
-                      <a:round/>
-                      <a:headEnd type="none" w="med" len="med"/>
-                      <a:tailEnd type="none" w="med" len="med"/>
-                    </a:lnT>
-                    <a:lnB w="9525" cap="flat" cmpd="sng" algn="ctr">
-                      <a:solidFill>
-                        <a:srgbClr val="DDDDDD"/>
-                      </a:solidFill>
-                      <a:prstDash val="solid"/>
-                      <a:round/>
-                      <a:headEnd type="none" w="med" len="med"/>
-                      <a:tailEnd type="none" w="med" len="med"/>
-                    </a:lnB>
-                    <a:solidFill>
-                      <a:srgbClr val="F8F8F8"/>
-                    </a:solidFill>
-                  </a:tcPr>
-                </a:tc>
-                <a:tc>
-                  <a:txBody>
-                    <a:bodyPr/>
-                    <a:lstStyle/>
-                    <a:p>
-                      <a:r>
-                        <a:rPr lang="en-US" sz="500">
-                          <a:effectLst/>
-                        </a:rPr>
-                        <a:t>5</a:t>
-                      </a:r>
-                    </a:p>
-                  </a:txBody>
-                  <a:tcPr marL="35712" marR="35712" marT="16482" marB="16482" anchor="ctr">
-                    <a:lnL w="9525" cap="flat" cmpd="sng" algn="ctr">
-                      <a:solidFill>
-                        <a:srgbClr val="DDDDDD"/>
-                      </a:solidFill>
-                      <a:prstDash val="solid"/>
-                      <a:round/>
-                      <a:headEnd type="none" w="med" len="med"/>
-                      <a:tailEnd type="none" w="med" len="med"/>
-                    </a:lnL>
-                    <a:lnR w="9525" cap="flat" cmpd="sng" algn="ctr">
-                      <a:solidFill>
-                        <a:srgbClr val="DDDDDD"/>
-                      </a:solidFill>
-                      <a:prstDash val="solid"/>
-                      <a:round/>
-                      <a:headEnd type="none" w="med" len="med"/>
-                      <a:tailEnd type="none" w="med" len="med"/>
-                    </a:lnR>
-                    <a:lnT w="9525" cap="flat" cmpd="sng" algn="ctr">
-                      <a:solidFill>
-                        <a:srgbClr val="DDDDDD"/>
-                      </a:solidFill>
-                      <a:prstDash val="solid"/>
-                      <a:round/>
-                      <a:headEnd type="none" w="med" len="med"/>
-                      <a:tailEnd type="none" w="med" len="med"/>
-                    </a:lnT>
-                    <a:lnB w="9525" cap="flat" cmpd="sng" algn="ctr">
-                      <a:solidFill>
-                        <a:srgbClr val="DDDDDD"/>
-                      </a:solidFill>
-                      <a:prstDash val="solid"/>
-                      <a:round/>
-                      <a:headEnd type="none" w="med" len="med"/>
-                      <a:tailEnd type="none" w="med" len="med"/>
-                    </a:lnB>
-                    <a:solidFill>
-                      <a:srgbClr val="F8F8F8"/>
-                    </a:solidFill>
-                  </a:tcPr>
-                </a:tc>
-                <a:extLst>
-                  <a:ext uri="{0D108BD9-81ED-4DB2-BD59-A6C34878D82A}">
-                    <a16:rowId xmlns:a16="http://schemas.microsoft.com/office/drawing/2014/main" val="4131497539"/>
-                  </a:ext>
-                </a:extLst>
-              </a:tr>
-              <a:tr h="111142">
-                <a:tc>
-                  <a:txBody>
-                    <a:bodyPr/>
-                    <a:lstStyle/>
-                    <a:p>
-                      <a:r>
-                        <a:rPr lang="en-US" sz="500">
-                          <a:effectLst/>
-                        </a:rPr>
-                        <a:t>P</a:t>
-                      </a:r>
-                    </a:p>
-                  </a:txBody>
-                  <a:tcPr marL="35712" marR="35712" marT="16482" marB="16482" anchor="ctr">
-                    <a:lnL w="9525" cap="flat" cmpd="sng" algn="ctr">
-                      <a:solidFill>
-                        <a:srgbClr val="DDDDDD"/>
-                      </a:solidFill>
-                      <a:prstDash val="solid"/>
-                      <a:round/>
-                      <a:headEnd type="none" w="med" len="med"/>
-                      <a:tailEnd type="none" w="med" len="med"/>
-                    </a:lnL>
-                    <a:lnR w="9525" cap="flat" cmpd="sng" algn="ctr">
-                      <a:solidFill>
-                        <a:srgbClr val="DDDDDD"/>
-                      </a:solidFill>
-                      <a:prstDash val="solid"/>
-                      <a:round/>
-                      <a:headEnd type="none" w="med" len="med"/>
-                      <a:tailEnd type="none" w="med" len="med"/>
-                    </a:lnR>
-                    <a:lnT w="9525" cap="flat" cmpd="sng" algn="ctr">
-                      <a:solidFill>
-                        <a:srgbClr val="DDDDDD"/>
-                      </a:solidFill>
-                      <a:prstDash val="solid"/>
-                      <a:round/>
-                      <a:headEnd type="none" w="med" len="med"/>
-                      <a:tailEnd type="none" w="med" len="med"/>
-                    </a:lnT>
-                    <a:lnB w="9525" cap="flat" cmpd="sng" algn="ctr">
-                      <a:solidFill>
-                        <a:srgbClr val="DDDDDD"/>
-                      </a:solidFill>
-                      <a:prstDash val="solid"/>
-                      <a:round/>
-                      <a:headEnd type="none" w="med" len="med"/>
-                      <a:tailEnd type="none" w="med" len="med"/>
-                    </a:lnB>
-                    <a:solidFill>
-                      <a:srgbClr val="FFFFFF"/>
-                    </a:solidFill>
-                  </a:tcPr>
-                </a:tc>
-                <a:tc>
-                  <a:txBody>
-                    <a:bodyPr/>
-                    <a:lstStyle/>
-                    <a:p>
-                      <a:r>
-                        <a:rPr lang="en-US" sz="1000" dirty="0">
-                          <a:effectLst/>
-                        </a:rPr>
-                        <a:t>Presentation overall quality (Clear explanation &amp; organized)</a:t>
-                      </a:r>
-                    </a:p>
-                  </a:txBody>
-                  <a:tcPr marL="35712" marR="35712" marT="16482" marB="16482" anchor="ctr">
-                    <a:lnL w="9525" cap="flat" cmpd="sng" algn="ctr">
-                      <a:solidFill>
-                        <a:srgbClr val="DDDDDD"/>
-                      </a:solidFill>
-                      <a:prstDash val="solid"/>
-                      <a:round/>
-                      <a:headEnd type="none" w="med" len="med"/>
-                      <a:tailEnd type="none" w="med" len="med"/>
-                    </a:lnL>
-                    <a:lnR w="9525" cap="flat" cmpd="sng" algn="ctr">
-                      <a:solidFill>
-                        <a:srgbClr val="DDDDDD"/>
-                      </a:solidFill>
-                      <a:prstDash val="solid"/>
-                      <a:round/>
-                      <a:headEnd type="none" w="med" len="med"/>
-                      <a:tailEnd type="none" w="med" len="med"/>
-                    </a:lnR>
-                    <a:lnT w="9525" cap="flat" cmpd="sng" algn="ctr">
-                      <a:solidFill>
-                        <a:srgbClr val="DDDDDD"/>
-                      </a:solidFill>
-                      <a:prstDash val="solid"/>
-                      <a:round/>
-                      <a:headEnd type="none" w="med" len="med"/>
-                      <a:tailEnd type="none" w="med" len="med"/>
-                    </a:lnT>
-                    <a:lnB w="9525" cap="flat" cmpd="sng" algn="ctr">
-                      <a:solidFill>
-                        <a:srgbClr val="DDDDDD"/>
-                      </a:solidFill>
-                      <a:prstDash val="solid"/>
-                      <a:round/>
-                      <a:headEnd type="none" w="med" len="med"/>
-                      <a:tailEnd type="none" w="med" len="med"/>
-                    </a:lnB>
-                    <a:solidFill>
-                      <a:srgbClr val="FFFFFF"/>
-                    </a:solidFill>
-                  </a:tcPr>
-                </a:tc>
-                <a:tc>
-                  <a:txBody>
-                    <a:bodyPr/>
-                    <a:lstStyle/>
-                    <a:p>
-                      <a:r>
-                        <a:rPr lang="en-US" sz="500">
-                          <a:effectLst/>
-                        </a:rPr>
-                        <a:t>10</a:t>
-                      </a:r>
-                    </a:p>
-                  </a:txBody>
-                  <a:tcPr marL="35712" marR="35712" marT="16482" marB="16482" anchor="ctr">
-                    <a:lnL w="9525" cap="flat" cmpd="sng" algn="ctr">
-                      <a:solidFill>
-                        <a:srgbClr val="DDDDDD"/>
-                      </a:solidFill>
-                      <a:prstDash val="solid"/>
-                      <a:round/>
-                      <a:headEnd type="none" w="med" len="med"/>
-                      <a:tailEnd type="none" w="med" len="med"/>
-                    </a:lnL>
-                    <a:lnR w="9525" cap="flat" cmpd="sng" algn="ctr">
-                      <a:solidFill>
-                        <a:srgbClr val="DDDDDD"/>
-                      </a:solidFill>
-                      <a:prstDash val="solid"/>
-                      <a:round/>
-                      <a:headEnd type="none" w="med" len="med"/>
-                      <a:tailEnd type="none" w="med" len="med"/>
-                    </a:lnR>
-                    <a:lnT w="9525" cap="flat" cmpd="sng" algn="ctr">
-                      <a:solidFill>
-                        <a:srgbClr val="DDDDDD"/>
-                      </a:solidFill>
-                      <a:prstDash val="solid"/>
-                      <a:round/>
-                      <a:headEnd type="none" w="med" len="med"/>
-                      <a:tailEnd type="none" w="med" len="med"/>
-                    </a:lnT>
-                    <a:lnB w="9525" cap="flat" cmpd="sng" algn="ctr">
-                      <a:solidFill>
-                        <a:srgbClr val="DDDDDD"/>
-                      </a:solidFill>
-                      <a:prstDash val="solid"/>
-                      <a:round/>
-                      <a:headEnd type="none" w="med" len="med"/>
-                      <a:tailEnd type="none" w="med" len="med"/>
-                    </a:lnB>
-                    <a:solidFill>
-                      <a:srgbClr val="FFFFFF"/>
-                    </a:solidFill>
-                  </a:tcPr>
-                </a:tc>
-                <a:extLst>
-                  <a:ext uri="{0D108BD9-81ED-4DB2-BD59-A6C34878D82A}">
-                    <a16:rowId xmlns:a16="http://schemas.microsoft.com/office/drawing/2014/main" val="3544640723"/>
-                  </a:ext>
-                </a:extLst>
-              </a:tr>
-              <a:tr h="111142">
-                <a:tc>
-                  <a:txBody>
-                    <a:bodyPr/>
-                    <a:lstStyle/>
-                    <a:p>
-                      <a:r>
-                        <a:rPr lang="en-US" sz="500">
-                          <a:effectLst/>
-                        </a:rPr>
-                        <a:t>P</a:t>
-                      </a:r>
-                    </a:p>
-                  </a:txBody>
-                  <a:tcPr marL="35712" marR="35712" marT="16482" marB="16482" anchor="ctr">
-                    <a:lnL w="9525" cap="flat" cmpd="sng" algn="ctr">
-                      <a:solidFill>
-                        <a:srgbClr val="DDDDDD"/>
-                      </a:solidFill>
-                      <a:prstDash val="solid"/>
-                      <a:round/>
-                      <a:headEnd type="none" w="med" len="med"/>
-                      <a:tailEnd type="none" w="med" len="med"/>
-                    </a:lnL>
-                    <a:lnR w="9525" cap="flat" cmpd="sng" algn="ctr">
-                      <a:solidFill>
-                        <a:srgbClr val="DDDDDD"/>
-                      </a:solidFill>
-                      <a:prstDash val="solid"/>
-                      <a:round/>
-                      <a:headEnd type="none" w="med" len="med"/>
-                      <a:tailEnd type="none" w="med" len="med"/>
-                    </a:lnR>
-                    <a:lnT w="9525" cap="flat" cmpd="sng" algn="ctr">
-                      <a:solidFill>
-                        <a:srgbClr val="DDDDDD"/>
-                      </a:solidFill>
-                      <a:prstDash val="solid"/>
-                      <a:round/>
-                      <a:headEnd type="none" w="med" len="med"/>
-                      <a:tailEnd type="none" w="med" len="med"/>
-                    </a:lnT>
-                    <a:lnB w="9525" cap="flat" cmpd="sng" algn="ctr">
-                      <a:solidFill>
-                        <a:srgbClr val="DDDDDD"/>
-                      </a:solidFill>
-                      <a:prstDash val="solid"/>
-                      <a:round/>
-                      <a:headEnd type="none" w="med" len="med"/>
-                      <a:tailEnd type="none" w="med" len="med"/>
-                    </a:lnB>
-                    <a:solidFill>
-                      <a:srgbClr val="F8F8F8"/>
-                    </a:solidFill>
-                  </a:tcPr>
-                </a:tc>
-                <a:tc>
-                  <a:txBody>
-                    <a:bodyPr/>
-                    <a:lstStyle/>
-                    <a:p>
-                      <a:r>
-                        <a:rPr lang="en-US" sz="1000" dirty="0">
-                          <a:effectLst/>
-                        </a:rPr>
-                        <a:t>Use visualization and Explain meaning of visualization</a:t>
-                      </a:r>
-                    </a:p>
-                  </a:txBody>
-                  <a:tcPr marL="35712" marR="35712" marT="16482" marB="16482" anchor="ctr">
-                    <a:lnL w="9525" cap="flat" cmpd="sng" algn="ctr">
-                      <a:solidFill>
-                        <a:srgbClr val="DDDDDD"/>
-                      </a:solidFill>
-                      <a:prstDash val="solid"/>
-                      <a:round/>
-                      <a:headEnd type="none" w="med" len="med"/>
-                      <a:tailEnd type="none" w="med" len="med"/>
-                    </a:lnL>
-                    <a:lnR w="9525" cap="flat" cmpd="sng" algn="ctr">
-                      <a:solidFill>
-                        <a:srgbClr val="DDDDDD"/>
-                      </a:solidFill>
-                      <a:prstDash val="solid"/>
-                      <a:round/>
-                      <a:headEnd type="none" w="med" len="med"/>
-                      <a:tailEnd type="none" w="med" len="med"/>
-                    </a:lnR>
-                    <a:lnT w="9525" cap="flat" cmpd="sng" algn="ctr">
-                      <a:solidFill>
-                        <a:srgbClr val="DDDDDD"/>
-                      </a:solidFill>
-                      <a:prstDash val="solid"/>
-                      <a:round/>
-                      <a:headEnd type="none" w="med" len="med"/>
-                      <a:tailEnd type="none" w="med" len="med"/>
-                    </a:lnT>
-                    <a:lnB w="9525" cap="flat" cmpd="sng" algn="ctr">
-                      <a:solidFill>
-                        <a:srgbClr val="DDDDDD"/>
-                      </a:solidFill>
-                      <a:prstDash val="solid"/>
-                      <a:round/>
-                      <a:headEnd type="none" w="med" len="med"/>
-                      <a:tailEnd type="none" w="med" len="med"/>
-                    </a:lnB>
-                    <a:solidFill>
-                      <a:srgbClr val="F8F8F8"/>
-                    </a:solidFill>
-                  </a:tcPr>
-                </a:tc>
-                <a:tc>
-                  <a:txBody>
-                    <a:bodyPr/>
-                    <a:lstStyle/>
-                    <a:p>
-                      <a:r>
-                        <a:rPr lang="en-US" sz="500">
-                          <a:effectLst/>
-                        </a:rPr>
-                        <a:t>5</a:t>
-                      </a:r>
-                    </a:p>
-                  </a:txBody>
-                  <a:tcPr marL="35712" marR="35712" marT="16482" marB="16482" anchor="ctr">
-                    <a:lnL w="9525" cap="flat" cmpd="sng" algn="ctr">
-                      <a:solidFill>
-                        <a:srgbClr val="DDDDDD"/>
-                      </a:solidFill>
-                      <a:prstDash val="solid"/>
-                      <a:round/>
-                      <a:headEnd type="none" w="med" len="med"/>
-                      <a:tailEnd type="none" w="med" len="med"/>
-                    </a:lnL>
-                    <a:lnR w="9525" cap="flat" cmpd="sng" algn="ctr">
-                      <a:solidFill>
-                        <a:srgbClr val="DDDDDD"/>
-                      </a:solidFill>
-                      <a:prstDash val="solid"/>
-                      <a:round/>
-                      <a:headEnd type="none" w="med" len="med"/>
-                      <a:tailEnd type="none" w="med" len="med"/>
-                    </a:lnR>
-                    <a:lnT w="9525" cap="flat" cmpd="sng" algn="ctr">
-                      <a:solidFill>
-                        <a:srgbClr val="DDDDDD"/>
-                      </a:solidFill>
-                      <a:prstDash val="solid"/>
-                      <a:round/>
-                      <a:headEnd type="none" w="med" len="med"/>
-                      <a:tailEnd type="none" w="med" len="med"/>
-                    </a:lnT>
-                    <a:lnB w="9525" cap="flat" cmpd="sng" algn="ctr">
-                      <a:solidFill>
-                        <a:srgbClr val="DDDDDD"/>
-                      </a:solidFill>
-                      <a:prstDash val="solid"/>
-                      <a:round/>
-                      <a:headEnd type="none" w="med" len="med"/>
-                      <a:tailEnd type="none" w="med" len="med"/>
-                    </a:lnB>
-                    <a:solidFill>
-                      <a:srgbClr val="F8F8F8"/>
-                    </a:solidFill>
-                  </a:tcPr>
-                </a:tc>
-                <a:extLst>
-                  <a:ext uri="{0D108BD9-81ED-4DB2-BD59-A6C34878D82A}">
-                    <a16:rowId xmlns:a16="http://schemas.microsoft.com/office/drawing/2014/main" val="305082471"/>
-                  </a:ext>
-                </a:extLst>
-              </a:tr>
-              <a:tr h="111142">
-                <a:tc>
-                  <a:txBody>
-                    <a:bodyPr/>
-                    <a:lstStyle/>
-                    <a:p>
-                      <a:r>
-                        <a:rPr lang="en-US" sz="500">
-                          <a:effectLst/>
-                        </a:rPr>
-                        <a:t>P</a:t>
-                      </a:r>
-                    </a:p>
-                  </a:txBody>
-                  <a:tcPr marL="35712" marR="35712" marT="16482" marB="16482" anchor="ctr">
-                    <a:lnL w="9525" cap="flat" cmpd="sng" algn="ctr">
-                      <a:solidFill>
-                        <a:srgbClr val="DDDDDD"/>
-                      </a:solidFill>
-                      <a:prstDash val="solid"/>
-                      <a:round/>
-                      <a:headEnd type="none" w="med" len="med"/>
-                      <a:tailEnd type="none" w="med" len="med"/>
-                    </a:lnL>
-                    <a:lnR w="9525" cap="flat" cmpd="sng" algn="ctr">
-                      <a:solidFill>
-                        <a:srgbClr val="DDDDDD"/>
-                      </a:solidFill>
-                      <a:prstDash val="solid"/>
-                      <a:round/>
-                      <a:headEnd type="none" w="med" len="med"/>
-                      <a:tailEnd type="none" w="med" len="med"/>
-                    </a:lnR>
-                    <a:lnT w="9525" cap="flat" cmpd="sng" algn="ctr">
-                      <a:solidFill>
-                        <a:srgbClr val="DDDDDD"/>
-                      </a:solidFill>
-                      <a:prstDash val="solid"/>
-                      <a:round/>
-                      <a:headEnd type="none" w="med" len="med"/>
-                      <a:tailEnd type="none" w="med" len="med"/>
-                    </a:lnT>
-                    <a:lnB w="9525" cap="flat" cmpd="sng" algn="ctr">
-                      <a:solidFill>
-                        <a:srgbClr val="DDDDDD"/>
-                      </a:solidFill>
-                      <a:prstDash val="solid"/>
-                      <a:round/>
-                      <a:headEnd type="none" w="med" len="med"/>
-                      <a:tailEnd type="none" w="med" len="med"/>
-                    </a:lnB>
-                    <a:solidFill>
-                      <a:srgbClr val="FFFFFF"/>
-                    </a:solidFill>
-                  </a:tcPr>
-                </a:tc>
-                <a:tc>
-                  <a:txBody>
-                    <a:bodyPr/>
-                    <a:lstStyle/>
-                    <a:p>
-                      <a:r>
-                        <a:rPr lang="en-US" sz="1000" dirty="0">
-                          <a:effectLst/>
-                        </a:rPr>
-                        <a:t>Explain concepts of methods</a:t>
-                      </a:r>
-                    </a:p>
-                  </a:txBody>
-                  <a:tcPr marL="35712" marR="35712" marT="16482" marB="16482" anchor="ctr">
-                    <a:lnL w="9525" cap="flat" cmpd="sng" algn="ctr">
-                      <a:solidFill>
-                        <a:srgbClr val="DDDDDD"/>
-                      </a:solidFill>
-                      <a:prstDash val="solid"/>
-                      <a:round/>
-                      <a:headEnd type="none" w="med" len="med"/>
-                      <a:tailEnd type="none" w="med" len="med"/>
-                    </a:lnL>
-                    <a:lnR w="9525" cap="flat" cmpd="sng" algn="ctr">
-                      <a:solidFill>
-                        <a:srgbClr val="DDDDDD"/>
-                      </a:solidFill>
-                      <a:prstDash val="solid"/>
-                      <a:round/>
-                      <a:headEnd type="none" w="med" len="med"/>
-                      <a:tailEnd type="none" w="med" len="med"/>
-                    </a:lnR>
-                    <a:lnT w="9525" cap="flat" cmpd="sng" algn="ctr">
-                      <a:solidFill>
-                        <a:srgbClr val="DDDDDD"/>
-                      </a:solidFill>
-                      <a:prstDash val="solid"/>
-                      <a:round/>
-                      <a:headEnd type="none" w="med" len="med"/>
-                      <a:tailEnd type="none" w="med" len="med"/>
-                    </a:lnT>
-                    <a:lnB w="9525" cap="flat" cmpd="sng" algn="ctr">
-                      <a:solidFill>
-                        <a:srgbClr val="DDDDDD"/>
-                      </a:solidFill>
-                      <a:prstDash val="solid"/>
-                      <a:round/>
-                      <a:headEnd type="none" w="med" len="med"/>
-                      <a:tailEnd type="none" w="med" len="med"/>
-                    </a:lnB>
-                    <a:solidFill>
-                      <a:srgbClr val="FFFFFF"/>
-                    </a:solidFill>
-                  </a:tcPr>
-                </a:tc>
-                <a:tc>
-                  <a:txBody>
-                    <a:bodyPr/>
-                    <a:lstStyle/>
-                    <a:p>
-                      <a:r>
-                        <a:rPr lang="en-US" sz="500">
-                          <a:effectLst/>
-                        </a:rPr>
-                        <a:t>5</a:t>
-                      </a:r>
-                    </a:p>
-                  </a:txBody>
-                  <a:tcPr marL="35712" marR="35712" marT="16482" marB="16482" anchor="ctr">
-                    <a:lnL w="9525" cap="flat" cmpd="sng" algn="ctr">
-                      <a:solidFill>
-                        <a:srgbClr val="DDDDDD"/>
-                      </a:solidFill>
-                      <a:prstDash val="solid"/>
-                      <a:round/>
-                      <a:headEnd type="none" w="med" len="med"/>
-                      <a:tailEnd type="none" w="med" len="med"/>
-                    </a:lnL>
-                    <a:lnR w="9525" cap="flat" cmpd="sng" algn="ctr">
-                      <a:solidFill>
-                        <a:srgbClr val="DDDDDD"/>
-                      </a:solidFill>
-                      <a:prstDash val="solid"/>
-                      <a:round/>
-                      <a:headEnd type="none" w="med" len="med"/>
-                      <a:tailEnd type="none" w="med" len="med"/>
-                    </a:lnR>
-                    <a:lnT w="9525" cap="flat" cmpd="sng" algn="ctr">
-                      <a:solidFill>
-                        <a:srgbClr val="DDDDDD"/>
-                      </a:solidFill>
-                      <a:prstDash val="solid"/>
-                      <a:round/>
-                      <a:headEnd type="none" w="med" len="med"/>
-                      <a:tailEnd type="none" w="med" len="med"/>
-                    </a:lnT>
-                    <a:lnB w="9525" cap="flat" cmpd="sng" algn="ctr">
-                      <a:solidFill>
-                        <a:srgbClr val="DDDDDD"/>
-                      </a:solidFill>
-                      <a:prstDash val="solid"/>
-                      <a:round/>
-                      <a:headEnd type="none" w="med" len="med"/>
-                      <a:tailEnd type="none" w="med" len="med"/>
-                    </a:lnB>
-                    <a:solidFill>
-                      <a:srgbClr val="FFFFFF"/>
-                    </a:solidFill>
-                  </a:tcPr>
-                </a:tc>
-                <a:extLst>
-                  <a:ext uri="{0D108BD9-81ED-4DB2-BD59-A6C34878D82A}">
-                    <a16:rowId xmlns:a16="http://schemas.microsoft.com/office/drawing/2014/main" val="2156016492"/>
-                  </a:ext>
-                </a:extLst>
-              </a:tr>
-              <a:tr h="111142">
-                <a:tc>
-                  <a:txBody>
-                    <a:bodyPr/>
-                    <a:lstStyle/>
-                    <a:p>
-                      <a:r>
-                        <a:rPr lang="en-US" sz="500">
-                          <a:effectLst/>
-                        </a:rPr>
-                        <a:t>P</a:t>
-                      </a:r>
-                    </a:p>
-                  </a:txBody>
-                  <a:tcPr marL="35712" marR="35712" marT="16482" marB="16482" anchor="ctr">
-                    <a:lnL w="9525" cap="flat" cmpd="sng" algn="ctr">
-                      <a:solidFill>
-                        <a:srgbClr val="DDDDDD"/>
-                      </a:solidFill>
-                      <a:prstDash val="solid"/>
-                      <a:round/>
-                      <a:headEnd type="none" w="med" len="med"/>
-                      <a:tailEnd type="none" w="med" len="med"/>
-                    </a:lnL>
-                    <a:lnR w="9525" cap="flat" cmpd="sng" algn="ctr">
-                      <a:solidFill>
-                        <a:srgbClr val="DDDDDD"/>
-                      </a:solidFill>
-                      <a:prstDash val="solid"/>
-                      <a:round/>
-                      <a:headEnd type="none" w="med" len="med"/>
-                      <a:tailEnd type="none" w="med" len="med"/>
-                    </a:lnR>
-                    <a:lnT w="9525" cap="flat" cmpd="sng" algn="ctr">
-                      <a:solidFill>
-                        <a:srgbClr val="DDDDDD"/>
-                      </a:solidFill>
-                      <a:prstDash val="solid"/>
-                      <a:round/>
-                      <a:headEnd type="none" w="med" len="med"/>
-                      <a:tailEnd type="none" w="med" len="med"/>
-                    </a:lnT>
-                    <a:lnB w="9525" cap="flat" cmpd="sng" algn="ctr">
-                      <a:solidFill>
-                        <a:srgbClr val="DDDDDD"/>
-                      </a:solidFill>
-                      <a:prstDash val="solid"/>
-                      <a:round/>
-                      <a:headEnd type="none" w="med" len="med"/>
-                      <a:tailEnd type="none" w="med" len="med"/>
-                    </a:lnB>
-                    <a:solidFill>
-                      <a:srgbClr val="F8F8F8"/>
-                    </a:solidFill>
-                  </a:tcPr>
-                </a:tc>
-                <a:tc>
-                  <a:txBody>
-                    <a:bodyPr/>
-                    <a:lstStyle/>
-                    <a:p>
-                      <a:r>
-                        <a:rPr lang="en-US" sz="1000" dirty="0">
-                          <a:effectLst/>
-                        </a:rPr>
-                        <a:t>Presentation time management</a:t>
-                      </a:r>
-                    </a:p>
-                  </a:txBody>
-                  <a:tcPr marL="35712" marR="35712" marT="16482" marB="16482" anchor="ctr">
-                    <a:lnL w="9525" cap="flat" cmpd="sng" algn="ctr">
-                      <a:solidFill>
-                        <a:srgbClr val="DDDDDD"/>
-                      </a:solidFill>
-                      <a:prstDash val="solid"/>
-                      <a:round/>
-                      <a:headEnd type="none" w="med" len="med"/>
-                      <a:tailEnd type="none" w="med" len="med"/>
-                    </a:lnL>
-                    <a:lnR w="9525" cap="flat" cmpd="sng" algn="ctr">
-                      <a:solidFill>
-                        <a:srgbClr val="DDDDDD"/>
-                      </a:solidFill>
-                      <a:prstDash val="solid"/>
-                      <a:round/>
-                      <a:headEnd type="none" w="med" len="med"/>
-                      <a:tailEnd type="none" w="med" len="med"/>
-                    </a:lnR>
-                    <a:lnT w="9525" cap="flat" cmpd="sng" algn="ctr">
-                      <a:solidFill>
-                        <a:srgbClr val="DDDDDD"/>
-                      </a:solidFill>
-                      <a:prstDash val="solid"/>
-                      <a:round/>
-                      <a:headEnd type="none" w="med" len="med"/>
-                      <a:tailEnd type="none" w="med" len="med"/>
-                    </a:lnT>
-                    <a:lnB w="9525" cap="flat" cmpd="sng" algn="ctr">
-                      <a:solidFill>
-                        <a:srgbClr val="DDDDDD"/>
-                      </a:solidFill>
-                      <a:prstDash val="solid"/>
-                      <a:round/>
-                      <a:headEnd type="none" w="med" len="med"/>
-                      <a:tailEnd type="none" w="med" len="med"/>
-                    </a:lnB>
-                    <a:solidFill>
-                      <a:srgbClr val="F8F8F8"/>
-                    </a:solidFill>
-                  </a:tcPr>
-                </a:tc>
-                <a:tc>
-                  <a:txBody>
-                    <a:bodyPr/>
-                    <a:lstStyle/>
-                    <a:p>
-                      <a:r>
-                        <a:rPr lang="en-US" sz="500">
-                          <a:effectLst/>
-                        </a:rPr>
-                        <a:t>5</a:t>
-                      </a:r>
-                    </a:p>
-                  </a:txBody>
-                  <a:tcPr marL="35712" marR="35712" marT="16482" marB="16482" anchor="ctr">
-                    <a:lnL w="9525" cap="flat" cmpd="sng" algn="ctr">
-                      <a:solidFill>
-                        <a:srgbClr val="DDDDDD"/>
-                      </a:solidFill>
-                      <a:prstDash val="solid"/>
-                      <a:round/>
-                      <a:headEnd type="none" w="med" len="med"/>
-                      <a:tailEnd type="none" w="med" len="med"/>
-                    </a:lnL>
-                    <a:lnR w="9525" cap="flat" cmpd="sng" algn="ctr">
-                      <a:solidFill>
-                        <a:srgbClr val="DDDDDD"/>
-                      </a:solidFill>
-                      <a:prstDash val="solid"/>
-                      <a:round/>
-                      <a:headEnd type="none" w="med" len="med"/>
-                      <a:tailEnd type="none" w="med" len="med"/>
-                    </a:lnR>
-                    <a:lnT w="9525" cap="flat" cmpd="sng" algn="ctr">
-                      <a:solidFill>
-                        <a:srgbClr val="DDDDDD"/>
-                      </a:solidFill>
-                      <a:prstDash val="solid"/>
-                      <a:round/>
-                      <a:headEnd type="none" w="med" len="med"/>
-                      <a:tailEnd type="none" w="med" len="med"/>
-                    </a:lnT>
-                    <a:lnB w="9525" cap="flat" cmpd="sng" algn="ctr">
-                      <a:solidFill>
-                        <a:srgbClr val="DDDDDD"/>
-                      </a:solidFill>
-                      <a:prstDash val="solid"/>
-                      <a:round/>
-                      <a:headEnd type="none" w="med" len="med"/>
-                      <a:tailEnd type="none" w="med" len="med"/>
-                    </a:lnB>
-                    <a:solidFill>
-                      <a:srgbClr val="F8F8F8"/>
-                    </a:solidFill>
-                  </a:tcPr>
-                </a:tc>
-                <a:extLst>
-                  <a:ext uri="{0D108BD9-81ED-4DB2-BD59-A6C34878D82A}">
-                    <a16:rowId xmlns:a16="http://schemas.microsoft.com/office/drawing/2014/main" val="4173586929"/>
-                  </a:ext>
-                </a:extLst>
-              </a:tr>
-              <a:tr h="111142">
-                <a:tc>
-                  <a:txBody>
-                    <a:bodyPr/>
-                    <a:lstStyle/>
-                    <a:p>
-                      <a:r>
-                        <a:rPr lang="en-US" sz="500">
-                          <a:effectLst/>
-                        </a:rPr>
-                        <a:t>G</a:t>
-                      </a:r>
-                    </a:p>
-                  </a:txBody>
-                  <a:tcPr marL="35712" marR="35712" marT="16482" marB="16482" anchor="ctr">
-                    <a:lnL w="9525" cap="flat" cmpd="sng" algn="ctr">
-                      <a:solidFill>
-                        <a:srgbClr val="DDDDDD"/>
-                      </a:solidFill>
-                      <a:prstDash val="solid"/>
-                      <a:round/>
-                      <a:headEnd type="none" w="med" len="med"/>
-                      <a:tailEnd type="none" w="med" len="med"/>
-                    </a:lnL>
-                    <a:lnR w="9525" cap="flat" cmpd="sng" algn="ctr">
-                      <a:solidFill>
-                        <a:srgbClr val="DDDDDD"/>
-                      </a:solidFill>
-                      <a:prstDash val="solid"/>
-                      <a:round/>
-                      <a:headEnd type="none" w="med" len="med"/>
-                      <a:tailEnd type="none" w="med" len="med"/>
-                    </a:lnR>
-                    <a:lnT w="9525" cap="flat" cmpd="sng" algn="ctr">
-                      <a:solidFill>
-                        <a:srgbClr val="DDDDDD"/>
-                      </a:solidFill>
-                      <a:prstDash val="solid"/>
-                      <a:round/>
-                      <a:headEnd type="none" w="med" len="med"/>
-                      <a:tailEnd type="none" w="med" len="med"/>
-                    </a:lnT>
-                    <a:lnB w="9525" cap="flat" cmpd="sng" algn="ctr">
-                      <a:solidFill>
-                        <a:srgbClr val="DDDDDD"/>
-                      </a:solidFill>
-                      <a:prstDash val="solid"/>
-                      <a:round/>
-                      <a:headEnd type="none" w="med" len="med"/>
-                      <a:tailEnd type="none" w="med" len="med"/>
-                    </a:lnB>
-                    <a:solidFill>
-                      <a:srgbClr val="FFFFFF"/>
-                    </a:solidFill>
-                  </a:tcPr>
-                </a:tc>
-                <a:tc>
-                  <a:txBody>
-                    <a:bodyPr/>
-                    <a:lstStyle/>
-                    <a:p>
-                      <a:r>
-                        <a:rPr lang="en-US" sz="1000" dirty="0">
-                          <a:effectLst/>
-                        </a:rPr>
-                        <a:t>Overall tidiness, Code organized and commented</a:t>
-                      </a:r>
-                    </a:p>
-                  </a:txBody>
-                  <a:tcPr marL="35712" marR="35712" marT="16482" marB="16482" anchor="ctr">
-                    <a:lnL w="9525" cap="flat" cmpd="sng" algn="ctr">
-                      <a:solidFill>
-                        <a:srgbClr val="DDDDDD"/>
-                      </a:solidFill>
-                      <a:prstDash val="solid"/>
-                      <a:round/>
-                      <a:headEnd type="none" w="med" len="med"/>
-                      <a:tailEnd type="none" w="med" len="med"/>
-                    </a:lnL>
-                    <a:lnR w="9525" cap="flat" cmpd="sng" algn="ctr">
-                      <a:solidFill>
-                        <a:srgbClr val="DDDDDD"/>
-                      </a:solidFill>
-                      <a:prstDash val="solid"/>
-                      <a:round/>
-                      <a:headEnd type="none" w="med" len="med"/>
-                      <a:tailEnd type="none" w="med" len="med"/>
-                    </a:lnR>
-                    <a:lnT w="9525" cap="flat" cmpd="sng" algn="ctr">
-                      <a:solidFill>
-                        <a:srgbClr val="DDDDDD"/>
-                      </a:solidFill>
-                      <a:prstDash val="solid"/>
-                      <a:round/>
-                      <a:headEnd type="none" w="med" len="med"/>
-                      <a:tailEnd type="none" w="med" len="med"/>
-                    </a:lnT>
-                    <a:lnB w="9525" cap="flat" cmpd="sng" algn="ctr">
-                      <a:solidFill>
-                        <a:srgbClr val="DDDDDD"/>
-                      </a:solidFill>
-                      <a:prstDash val="solid"/>
-                      <a:round/>
-                      <a:headEnd type="none" w="med" len="med"/>
-                      <a:tailEnd type="none" w="med" len="med"/>
-                    </a:lnB>
-                    <a:solidFill>
-                      <a:srgbClr val="FFFFFF"/>
-                    </a:solidFill>
-                  </a:tcPr>
-                </a:tc>
-                <a:tc>
-                  <a:txBody>
-                    <a:bodyPr/>
-                    <a:lstStyle/>
-                    <a:p>
-                      <a:r>
-                        <a:rPr lang="en-US" sz="500">
-                          <a:effectLst/>
-                        </a:rPr>
-                        <a:t>5</a:t>
-                      </a:r>
-                    </a:p>
-                  </a:txBody>
-                  <a:tcPr marL="35712" marR="35712" marT="16482" marB="16482" anchor="ctr">
-                    <a:lnL w="9525" cap="flat" cmpd="sng" algn="ctr">
-                      <a:solidFill>
-                        <a:srgbClr val="DDDDDD"/>
-                      </a:solidFill>
-                      <a:prstDash val="solid"/>
-                      <a:round/>
-                      <a:headEnd type="none" w="med" len="med"/>
-                      <a:tailEnd type="none" w="med" len="med"/>
-                    </a:lnL>
-                    <a:lnR w="9525" cap="flat" cmpd="sng" algn="ctr">
-                      <a:solidFill>
-                        <a:srgbClr val="DDDDDD"/>
-                      </a:solidFill>
-                      <a:prstDash val="solid"/>
-                      <a:round/>
-                      <a:headEnd type="none" w="med" len="med"/>
-                      <a:tailEnd type="none" w="med" len="med"/>
-                    </a:lnR>
-                    <a:lnT w="9525" cap="flat" cmpd="sng" algn="ctr">
-                      <a:solidFill>
-                        <a:srgbClr val="DDDDDD"/>
-                      </a:solidFill>
-                      <a:prstDash val="solid"/>
-                      <a:round/>
-                      <a:headEnd type="none" w="med" len="med"/>
-                      <a:tailEnd type="none" w="med" len="med"/>
-                    </a:lnT>
-                    <a:lnB w="9525" cap="flat" cmpd="sng" algn="ctr">
-                      <a:solidFill>
-                        <a:srgbClr val="DDDDDD"/>
-                      </a:solidFill>
-                      <a:prstDash val="solid"/>
-                      <a:round/>
-                      <a:headEnd type="none" w="med" len="med"/>
-                      <a:tailEnd type="none" w="med" len="med"/>
-                    </a:lnB>
-                    <a:solidFill>
-                      <a:srgbClr val="FFFFFF"/>
-                    </a:solidFill>
-                  </a:tcPr>
-                </a:tc>
-                <a:extLst>
-                  <a:ext uri="{0D108BD9-81ED-4DB2-BD59-A6C34878D82A}">
-                    <a16:rowId xmlns:a16="http://schemas.microsoft.com/office/drawing/2014/main" val="2494432695"/>
-                  </a:ext>
-                </a:extLst>
-              </a:tr>
-              <a:tr h="346501">
-                <a:tc>
-                  <a:txBody>
-                    <a:bodyPr/>
-                    <a:lstStyle/>
-                    <a:p>
-                      <a:r>
-                        <a:rPr lang="en-US" sz="500">
-                          <a:effectLst/>
-                        </a:rPr>
-                        <a:t>G</a:t>
-                      </a:r>
-                    </a:p>
-                  </a:txBody>
-                  <a:tcPr marL="35712" marR="35712" marT="16482" marB="16482" anchor="ctr">
-                    <a:lnL w="9525" cap="flat" cmpd="sng" algn="ctr">
-                      <a:solidFill>
-                        <a:srgbClr val="DDDDDD"/>
-                      </a:solidFill>
-                      <a:prstDash val="solid"/>
-                      <a:round/>
-                      <a:headEnd type="none" w="med" len="med"/>
-                      <a:tailEnd type="none" w="med" len="med"/>
-                    </a:lnL>
-                    <a:lnR w="9525" cap="flat" cmpd="sng" algn="ctr">
-                      <a:solidFill>
-                        <a:srgbClr val="DDDDDD"/>
-                      </a:solidFill>
-                      <a:prstDash val="solid"/>
-                      <a:round/>
-                      <a:headEnd type="none" w="med" len="med"/>
-                      <a:tailEnd type="none" w="med" len="med"/>
-                    </a:lnR>
-                    <a:lnT w="9525" cap="flat" cmpd="sng" algn="ctr">
-                      <a:solidFill>
-                        <a:srgbClr val="DDDDDD"/>
-                      </a:solidFill>
-                      <a:prstDash val="solid"/>
-                      <a:round/>
-                      <a:headEnd type="none" w="med" len="med"/>
-                      <a:tailEnd type="none" w="med" len="med"/>
-                    </a:lnT>
-                    <a:lnB w="9525" cap="flat" cmpd="sng" algn="ctr">
-                      <a:solidFill>
-                        <a:srgbClr val="DDDDDD"/>
-                      </a:solidFill>
-                      <a:prstDash val="solid"/>
-                      <a:round/>
-                      <a:headEnd type="none" w="med" len="med"/>
-                      <a:tailEnd type="none" w="med" len="med"/>
-                    </a:lnB>
-                    <a:solidFill>
-                      <a:srgbClr val="F8F8F8"/>
-                    </a:solidFill>
-                  </a:tcPr>
-                </a:tc>
-                <a:tc>
-                  <a:txBody>
-                    <a:bodyPr/>
-                    <a:lstStyle/>
-                    <a:p>
-                      <a:r>
-                        <a:rPr lang="en-US" sz="1000" dirty="0">
-                          <a:effectLst/>
-                        </a:rPr>
-                        <a:t>Project summary </a:t>
-                      </a:r>
-                      <a:br>
-                        <a:rPr lang="en-US" sz="1000" dirty="0">
-                          <a:effectLst/>
-                        </a:rPr>
-                      </a:br>
-                      <a:r>
-                        <a:rPr lang="en-US" sz="1000" dirty="0">
-                          <a:effectLst/>
-                        </a:rPr>
-                        <a:t>- better if summary is on landing page or easy to find. </a:t>
-                      </a:r>
-                      <a:br>
-                        <a:rPr lang="en-US" sz="1000" dirty="0">
-                          <a:effectLst/>
-                        </a:rPr>
-                      </a:br>
-                      <a:r>
-                        <a:rPr lang="en-US" sz="1000" dirty="0">
-                          <a:effectLst/>
-                        </a:rPr>
-                        <a:t>- include visualization visible on the page</a:t>
-                      </a:r>
-                      <a:br>
-                        <a:rPr lang="en-US" sz="1000" dirty="0">
-                          <a:effectLst/>
-                        </a:rPr>
-                      </a:br>
-                      <a:endParaRPr lang="en-US" sz="1000" dirty="0">
-                        <a:effectLst/>
-                      </a:endParaRPr>
-                    </a:p>
-                  </a:txBody>
-                  <a:tcPr marL="35712" marR="35712" marT="16482" marB="16482" anchor="ctr">
-                    <a:lnL w="9525" cap="flat" cmpd="sng" algn="ctr">
-                      <a:solidFill>
-                        <a:srgbClr val="DDDDDD"/>
-                      </a:solidFill>
-                      <a:prstDash val="solid"/>
-                      <a:round/>
-                      <a:headEnd type="none" w="med" len="med"/>
-                      <a:tailEnd type="none" w="med" len="med"/>
-                    </a:lnL>
-                    <a:lnR w="9525" cap="flat" cmpd="sng" algn="ctr">
-                      <a:solidFill>
-                        <a:srgbClr val="DDDDDD"/>
-                      </a:solidFill>
-                      <a:prstDash val="solid"/>
-                      <a:round/>
-                      <a:headEnd type="none" w="med" len="med"/>
-                      <a:tailEnd type="none" w="med" len="med"/>
-                    </a:lnR>
-                    <a:lnT w="9525" cap="flat" cmpd="sng" algn="ctr">
-                      <a:solidFill>
-                        <a:srgbClr val="DDDDDD"/>
-                      </a:solidFill>
-                      <a:prstDash val="solid"/>
-                      <a:round/>
-                      <a:headEnd type="none" w="med" len="med"/>
-                      <a:tailEnd type="none" w="med" len="med"/>
-                    </a:lnT>
-                    <a:lnB w="9525" cap="flat" cmpd="sng" algn="ctr">
-                      <a:solidFill>
-                        <a:srgbClr val="DDDDDD"/>
-                      </a:solidFill>
-                      <a:prstDash val="solid"/>
-                      <a:round/>
-                      <a:headEnd type="none" w="med" len="med"/>
-                      <a:tailEnd type="none" w="med" len="med"/>
-                    </a:lnB>
-                    <a:solidFill>
-                      <a:srgbClr val="F8F8F8"/>
-                    </a:solidFill>
-                  </a:tcPr>
-                </a:tc>
-                <a:tc>
-                  <a:txBody>
-                    <a:bodyPr/>
-                    <a:lstStyle/>
-                    <a:p>
-                      <a:r>
-                        <a:rPr lang="en-US" sz="500">
-                          <a:effectLst/>
-                        </a:rPr>
-                        <a:t>10</a:t>
-                      </a:r>
-                    </a:p>
-                  </a:txBody>
-                  <a:tcPr marL="35712" marR="35712" marT="16482" marB="16482" anchor="ctr">
-                    <a:lnL w="9525" cap="flat" cmpd="sng" algn="ctr">
-                      <a:solidFill>
-                        <a:srgbClr val="DDDDDD"/>
-                      </a:solidFill>
-                      <a:prstDash val="solid"/>
-                      <a:round/>
-                      <a:headEnd type="none" w="med" len="med"/>
-                      <a:tailEnd type="none" w="med" len="med"/>
-                    </a:lnL>
-                    <a:lnR w="9525" cap="flat" cmpd="sng" algn="ctr">
-                      <a:solidFill>
-                        <a:srgbClr val="DDDDDD"/>
-                      </a:solidFill>
-                      <a:prstDash val="solid"/>
-                      <a:round/>
-                      <a:headEnd type="none" w="med" len="med"/>
-                      <a:tailEnd type="none" w="med" len="med"/>
-                    </a:lnR>
-                    <a:lnT w="9525" cap="flat" cmpd="sng" algn="ctr">
-                      <a:solidFill>
-                        <a:srgbClr val="DDDDDD"/>
-                      </a:solidFill>
-                      <a:prstDash val="solid"/>
-                      <a:round/>
-                      <a:headEnd type="none" w="med" len="med"/>
-                      <a:tailEnd type="none" w="med" len="med"/>
-                    </a:lnT>
-                    <a:lnB w="9525" cap="flat" cmpd="sng" algn="ctr">
-                      <a:solidFill>
-                        <a:srgbClr val="DDDDDD"/>
-                      </a:solidFill>
-                      <a:prstDash val="solid"/>
-                      <a:round/>
-                      <a:headEnd type="none" w="med" len="med"/>
-                      <a:tailEnd type="none" w="med" len="med"/>
-                    </a:lnB>
-                    <a:solidFill>
-                      <a:srgbClr val="F8F8F8"/>
-                    </a:solidFill>
-                  </a:tcPr>
-                </a:tc>
-                <a:extLst>
-                  <a:ext uri="{0D108BD9-81ED-4DB2-BD59-A6C34878D82A}">
-                    <a16:rowId xmlns:a16="http://schemas.microsoft.com/office/drawing/2014/main" val="114803668"/>
-                  </a:ext>
-                </a:extLst>
-              </a:tr>
-              <a:tr h="111142">
-                <a:tc>
-                  <a:txBody>
-                    <a:bodyPr/>
-                    <a:lstStyle/>
-                    <a:p>
-                      <a:r>
-                        <a:rPr lang="en-US" sz="500">
-                          <a:effectLst/>
-                        </a:rPr>
-                        <a:t>B</a:t>
-                      </a:r>
-                    </a:p>
-                  </a:txBody>
-                  <a:tcPr marL="35712" marR="35712" marT="16482" marB="16482" anchor="ctr">
-                    <a:lnL w="9525" cap="flat" cmpd="sng" algn="ctr">
-                      <a:solidFill>
-                        <a:srgbClr val="DDDDDD"/>
-                      </a:solidFill>
-                      <a:prstDash val="solid"/>
-                      <a:round/>
-                      <a:headEnd type="none" w="med" len="med"/>
-                      <a:tailEnd type="none" w="med" len="med"/>
-                    </a:lnL>
-                    <a:lnR w="9525" cap="flat" cmpd="sng" algn="ctr">
-                      <a:solidFill>
-                        <a:srgbClr val="DDDDDD"/>
-                      </a:solidFill>
-                      <a:prstDash val="solid"/>
-                      <a:round/>
-                      <a:headEnd type="none" w="med" len="med"/>
-                      <a:tailEnd type="none" w="med" len="med"/>
-                    </a:lnR>
-                    <a:lnT w="9525" cap="flat" cmpd="sng" algn="ctr">
-                      <a:solidFill>
-                        <a:srgbClr val="DDDDDD"/>
-                      </a:solidFill>
-                      <a:prstDash val="solid"/>
-                      <a:round/>
-                      <a:headEnd type="none" w="med" len="med"/>
-                      <a:tailEnd type="none" w="med" len="med"/>
-                    </a:lnT>
-                    <a:lnB w="9525" cap="flat" cmpd="sng" algn="ctr">
-                      <a:solidFill>
-                        <a:srgbClr val="DDDDDD"/>
-                      </a:solidFill>
-                      <a:prstDash val="solid"/>
-                      <a:round/>
-                      <a:headEnd type="none" w="med" len="med"/>
-                      <a:tailEnd type="none" w="med" len="med"/>
-                    </a:lnB>
-                    <a:solidFill>
-                      <a:srgbClr val="FFFFFF"/>
-                    </a:solidFill>
-                  </a:tcPr>
-                </a:tc>
-                <a:tc>
-                  <a:txBody>
-                    <a:bodyPr/>
-                    <a:lstStyle/>
-                    <a:p>
-                      <a:r>
-                        <a:rPr lang="en-US" sz="1000" dirty="0">
-                          <a:effectLst/>
-                        </a:rPr>
-                        <a:t>Communication, progress report</a:t>
-                      </a:r>
-                    </a:p>
-                  </a:txBody>
-                  <a:tcPr marL="35712" marR="35712" marT="16482" marB="16482" anchor="ctr">
-                    <a:lnL w="9525" cap="flat" cmpd="sng" algn="ctr">
-                      <a:solidFill>
-                        <a:srgbClr val="DDDDDD"/>
-                      </a:solidFill>
-                      <a:prstDash val="solid"/>
-                      <a:round/>
-                      <a:headEnd type="none" w="med" len="med"/>
-                      <a:tailEnd type="none" w="med" len="med"/>
-                    </a:lnL>
-                    <a:lnR w="9525" cap="flat" cmpd="sng" algn="ctr">
-                      <a:solidFill>
-                        <a:srgbClr val="DDDDDD"/>
-                      </a:solidFill>
-                      <a:prstDash val="solid"/>
-                      <a:round/>
-                      <a:headEnd type="none" w="med" len="med"/>
-                      <a:tailEnd type="none" w="med" len="med"/>
-                    </a:lnR>
-                    <a:lnT w="9525" cap="flat" cmpd="sng" algn="ctr">
-                      <a:solidFill>
-                        <a:srgbClr val="DDDDDD"/>
-                      </a:solidFill>
-                      <a:prstDash val="solid"/>
-                      <a:round/>
-                      <a:headEnd type="none" w="med" len="med"/>
-                      <a:tailEnd type="none" w="med" len="med"/>
-                    </a:lnT>
-                    <a:lnB w="9525" cap="flat" cmpd="sng" algn="ctr">
-                      <a:solidFill>
-                        <a:srgbClr val="DDDDDD"/>
-                      </a:solidFill>
-                      <a:prstDash val="solid"/>
-                      <a:round/>
-                      <a:headEnd type="none" w="med" len="med"/>
-                      <a:tailEnd type="none" w="med" len="med"/>
-                    </a:lnB>
-                    <a:solidFill>
-                      <a:srgbClr val="FFFFFF"/>
-                    </a:solidFill>
-                  </a:tcPr>
-                </a:tc>
-                <a:tc>
-                  <a:txBody>
-                    <a:bodyPr/>
-                    <a:lstStyle/>
-                    <a:p>
-                      <a:r>
-                        <a:rPr lang="en-US" sz="500" dirty="0">
-                          <a:effectLst/>
-                        </a:rPr>
-                        <a:t>10</a:t>
-                      </a:r>
-                    </a:p>
-                  </a:txBody>
-                  <a:tcPr marL="35712" marR="35712" marT="16482" marB="16482" anchor="ctr">
-                    <a:lnL w="9525" cap="flat" cmpd="sng" algn="ctr">
-                      <a:solidFill>
-                        <a:srgbClr val="DDDDDD"/>
-                      </a:solidFill>
-                      <a:prstDash val="solid"/>
-                      <a:round/>
-                      <a:headEnd type="none" w="med" len="med"/>
-                      <a:tailEnd type="none" w="med" len="med"/>
-                    </a:lnL>
-                    <a:lnR w="9525" cap="flat" cmpd="sng" algn="ctr">
-                      <a:solidFill>
-                        <a:srgbClr val="DDDDDD"/>
-                      </a:solidFill>
-                      <a:prstDash val="solid"/>
-                      <a:round/>
-                      <a:headEnd type="none" w="med" len="med"/>
-                      <a:tailEnd type="none" w="med" len="med"/>
-                    </a:lnR>
-                    <a:lnT w="9525" cap="flat" cmpd="sng" algn="ctr">
-                      <a:solidFill>
-                        <a:srgbClr val="DDDDDD"/>
-                      </a:solidFill>
-                      <a:prstDash val="solid"/>
-                      <a:round/>
-                      <a:headEnd type="none" w="med" len="med"/>
-                      <a:tailEnd type="none" w="med" len="med"/>
-                    </a:lnT>
-                    <a:lnB w="9525" cap="flat" cmpd="sng" algn="ctr">
-                      <a:solidFill>
-                        <a:srgbClr val="DDDDDD"/>
-                      </a:solidFill>
-                      <a:prstDash val="solid"/>
-                      <a:round/>
-                      <a:headEnd type="none" w="med" len="med"/>
-                      <a:tailEnd type="none" w="med" len="med"/>
-                    </a:lnB>
-                    <a:solidFill>
-                      <a:srgbClr val="FFFFFF"/>
-                    </a:solidFill>
-                  </a:tcPr>
-                </a:tc>
-                <a:extLst>
-                  <a:ext uri="{0D108BD9-81ED-4DB2-BD59-A6C34878D82A}">
-                    <a16:rowId xmlns:a16="http://schemas.microsoft.com/office/drawing/2014/main" val="2675293672"/>
-                  </a:ext>
-                </a:extLst>
-              </a:tr>
-            </a:tbl>
-          </a:graphicData>
-        </a:graphic>
-      </p:graphicFrame>
-    </p:spTree>
-    <p:extLst>
-      <p:ext uri="{BB962C8B-B14F-4D97-AF65-F5344CB8AC3E}">
-        <p14:creationId xmlns:p14="http://schemas.microsoft.com/office/powerpoint/2010/main" val="822304502"/>
-      </p:ext>
-    </p:extLst>
-  </p:cSld>
-  <p:clrMapOvr>
-    <a:masterClrMapping/>
-  </p:clrMapOvr>
+  <p:timing>
+    <p:tnLst>
+      <p:par>
+        <p:cTn id="1" dur="indefinite" restart="never" nodeType="tmRoot"/>
+      </p:par>
+    </p:tnLst>
+  </p:timing>
 </p:sld>
 </file>
 
@@ -16169,7 +10460,15 @@
             <a:pPr lvl="1"/>
             <a:r>
               <a:rPr lang="en-US" sz="2200" dirty="0" smtClean="0"/>
-              <a:t>Logistic Regression prediction</a:t>
+              <a:t>Linear</a:t>
+            </a:r>
+            <a:r>
+              <a:rPr lang="en-US" sz="2200" dirty="0" smtClean="0"/>
+              <a:t> </a:t>
+            </a:r>
+            <a:r>
+              <a:rPr lang="en-US" sz="2200" dirty="0" smtClean="0"/>
+              <a:t>Regression prediction</a:t>
             </a:r>
           </a:p>
           <a:p>
@@ -16244,17 +10543,17 @@
           </a:ln>
           <a:extLst>
             <a:ext uri="{FAA26D3D-D897-4be2-8F04-BA451C77F1D7}">
-              <ma14:placeholderFlag xmlns:ma14="http://schemas.microsoft.com/office/mac/drawingml/2011/main" xmlns="" val="1"/>
+              <ma14:placeholderFlag xmlns="" xmlns:ma14="http://schemas.microsoft.com/office/mac/drawingml/2011/main" val="1"/>
             </a:ext>
             <a:ext uri="{909E8E84-426E-40dd-AFC4-6F175D3DCCD1}">
-              <a14:hiddenFill xmlns="" xmlns:a14="http://schemas.microsoft.com/office/drawing/2010/main">
+              <a14:hiddenFill xmlns:a14="http://schemas.microsoft.com/office/drawing/2010/main" xmlns="">
                 <a:solidFill>
                   <a:schemeClr val="accent1"/>
                 </a:solidFill>
               </a14:hiddenFill>
             </a:ext>
             <a:ext uri="{91240B29-F687-4f45-9708-019B960494DF}">
-              <a14:hiddenLine xmlns="" xmlns:a14="http://schemas.microsoft.com/office/drawing/2010/main" w="9525">
+              <a14:hiddenLine xmlns:a14="http://schemas.microsoft.com/office/drawing/2010/main" xmlns="" w="9525">
                 <a:solidFill>
                   <a:schemeClr val="tx1"/>
                 </a:solidFill>
@@ -16421,7 +10720,7 @@
           <a:p>
             <a:r>
               <a:rPr lang="en-US" dirty="0" smtClean="0"/>
-              <a:t>Approach</a:t>
+              <a:t>Tools</a:t>
             </a:r>
             <a:r>
               <a:rPr lang="en-US" dirty="0"/>
@@ -16436,15 +10735,7 @@
                   <a:schemeClr val="tx1"/>
                 </a:solidFill>
               </a:rPr>
-              <a:t>What tools were used </a:t>
-            </a:r>
-            <a:r>
-              <a:rPr lang="en-US" sz="1200" dirty="0" smtClean="0">
-                <a:solidFill>
-                  <a:schemeClr val="tx1"/>
-                </a:solidFill>
-              </a:rPr>
-              <a:t>for analyzing the wine data?</a:t>
+              <a:t>What tools were used for analyzing the wine data?</a:t>
             </a:r>
             <a:endParaRPr lang="en-US" sz="1200" kern="0" dirty="0"/>
           </a:p>
@@ -16830,17 +11121,17 @@
           </a:ln>
           <a:extLst>
             <a:ext uri="{FAA26D3D-D897-4be2-8F04-BA451C77F1D7}">
-              <ma14:placeholderFlag xmlns:ma14="http://schemas.microsoft.com/office/mac/drawingml/2011/main" xmlns="" val="1"/>
+              <ma14:placeholderFlag xmlns="" xmlns:ma14="http://schemas.microsoft.com/office/mac/drawingml/2011/main" val="1"/>
             </a:ext>
             <a:ext uri="{909E8E84-426E-40dd-AFC4-6F175D3DCCD1}">
-              <a14:hiddenFill xmlns="" xmlns:a14="http://schemas.microsoft.com/office/drawing/2010/main">
+              <a14:hiddenFill xmlns:a14="http://schemas.microsoft.com/office/drawing/2010/main" xmlns="">
                 <a:solidFill>
                   <a:schemeClr val="accent1"/>
                 </a:solidFill>
               </a14:hiddenFill>
             </a:ext>
             <a:ext uri="{91240B29-F687-4f45-9708-019B960494DF}">
-              <a14:hiddenLine xmlns="" xmlns:a14="http://schemas.microsoft.com/office/drawing/2010/main" w="9525">
+              <a14:hiddenLine xmlns:a14="http://schemas.microsoft.com/office/drawing/2010/main" xmlns="" w="9525">
                 <a:solidFill>
                   <a:schemeClr val="tx1"/>
                 </a:solidFill>
@@ -17131,17 +11422,17 @@
           </a:ln>
           <a:extLst>
             <a:ext uri="{FAA26D3D-D897-4be2-8F04-BA451C77F1D7}">
-              <ma14:placeholderFlag xmlns:ma14="http://schemas.microsoft.com/office/mac/drawingml/2011/main" xmlns="" val="1"/>
+              <ma14:placeholderFlag xmlns="" xmlns:ma14="http://schemas.microsoft.com/office/mac/drawingml/2011/main" val="1"/>
             </a:ext>
             <a:ext uri="{909E8E84-426E-40dd-AFC4-6F175D3DCCD1}">
-              <a14:hiddenFill xmlns="" xmlns:a14="http://schemas.microsoft.com/office/drawing/2010/main">
+              <a14:hiddenFill xmlns:a14="http://schemas.microsoft.com/office/drawing/2010/main" xmlns="">
                 <a:solidFill>
                   <a:schemeClr val="accent1"/>
                 </a:solidFill>
               </a14:hiddenFill>
             </a:ext>
             <a:ext uri="{91240B29-F687-4f45-9708-019B960494DF}">
-              <a14:hiddenLine xmlns="" xmlns:a14="http://schemas.microsoft.com/office/drawing/2010/main" w="9525">
+              <a14:hiddenLine xmlns:a14="http://schemas.microsoft.com/office/drawing/2010/main" xmlns="" w="9525">
                 <a:solidFill>
                   <a:schemeClr val="tx1"/>
                 </a:solidFill>
@@ -17367,7 +11658,7 @@
           <p:nvPr>
             <p:extLst>
               <p:ext uri="{D42A27DB-BD31-4B8C-83A1-F6EECF244321}">
-                <p14:modId xmlns:p14="http://schemas.microsoft.com/office/powerpoint/2010/main" val="2729342390"/>
+                <p14:modId xmlns:p14="http://schemas.microsoft.com/office/powerpoint/2010/main" val="2557825842"/>
               </p:ext>
             </p:extLst>
           </p:nvPr>
@@ -17448,11 +11739,7 @@
                       </a:br>
                       <a:r>
                         <a:rPr lang="en-US" sz="1400" dirty="0" smtClean="0"/>
-                        <a:t>State of data and cleanup </a:t>
-                      </a:r>
-                      <a:r>
-                        <a:rPr lang="en-US" sz="1400" dirty="0" smtClean="0"/>
-                        <a:t>activity</a:t>
+                        <a:t>State of data and cleanup activity</a:t>
                       </a:r>
                       <a:endParaRPr lang="en-US" sz="1400" dirty="0"/>
                     </a:p>
@@ -17464,23 +11751,6 @@
                     <a:bodyPr/>
                     <a:lstStyle/>
                     <a:p>
-                      <a:pPr marL="0" marR="0" lvl="0" indent="0" algn="l" defTabSz="914400" rtl="0" eaLnBrk="1" fontAlgn="auto" latinLnBrk="0" hangingPunct="1">
-                        <a:lnSpc>
-                          <a:spcPct val="100000"/>
-                        </a:lnSpc>
-                        <a:spcBef>
-                          <a:spcPts val="0"/>
-                        </a:spcBef>
-                        <a:spcAft>
-                          <a:spcPts val="0"/>
-                        </a:spcAft>
-                        <a:buClrTx/>
-                        <a:buSzTx/>
-                        <a:buFontTx/>
-                        <a:buNone/>
-                        <a:tabLst/>
-                        <a:defRPr/>
-                      </a:pPr>
                       <a:r>
                         <a:rPr lang="en-US" sz="1400" dirty="0" smtClean="0"/>
                         <a:t>EDA</a:t>
@@ -17490,24 +11760,16 @@
                         <a:t> </a:t>
                       </a:r>
                       <a:r>
-                        <a:rPr lang="en-US" sz="1400" baseline="0" dirty="0" err="1" smtClean="0"/>
-                        <a:t>idenfied</a:t>
+                        <a:rPr lang="en-US" sz="1400" baseline="0" dirty="0" smtClean="0"/>
+                        <a:t>identified </a:t>
                       </a:r>
                       <a:r>
                         <a:rPr lang="en-US" sz="1400" baseline="0" dirty="0" smtClean="0"/>
-                        <a:t> that </a:t>
+                        <a:t>that </a:t>
                       </a:r>
                       <a:r>
                         <a:rPr lang="en-US" sz="1400" dirty="0" smtClean="0"/>
-                        <a:t>Roger Voss and Michael </a:t>
-                      </a:r>
-                      <a:r>
-                        <a:rPr lang="en-US" sz="1400" dirty="0" err="1" smtClean="0"/>
-                        <a:t>Schachner</a:t>
-                      </a:r>
-                      <a:r>
-                        <a:rPr lang="en-US" sz="1400" dirty="0" smtClean="0"/>
-                        <a:t> tastings combined are over 40% of the tastings and could bias the results of the analysis. </a:t>
+                        <a:t>Roger Voss had 25K tastings and may cause bias in the underlying data</a:t>
                       </a:r>
                     </a:p>
                     <a:p>
@@ -17566,7 +11828,19 @@
                       </a:r>
                       <a:r>
                         <a:rPr lang="en-US" sz="1400" baseline="0" dirty="0" smtClean="0"/>
-                        <a:t> used to drop wine tastings that had no scores associated.</a:t>
+                        <a:t> used to drop wine tastings that had no scores associated</a:t>
+                      </a:r>
+                      <a:r>
+                        <a:rPr lang="en-US" sz="1400" baseline="0" dirty="0" smtClean="0"/>
+                        <a:t>. </a:t>
+                      </a:r>
+                      <a:r>
+                        <a:rPr lang="en-US" sz="1400" baseline="0" dirty="0" err="1" smtClean="0"/>
+                        <a:t>NaN</a:t>
+                      </a:r>
+                      <a:r>
+                        <a:rPr lang="en-US" sz="1400" baseline="0" dirty="0" smtClean="0"/>
+                        <a:t> or not a number.</a:t>
                       </a:r>
                       <a:endParaRPr lang="en-US" sz="1400" dirty="0"/>
                     </a:p>
@@ -17776,7 +12050,15 @@
                       </a:pPr>
                       <a:r>
                         <a:rPr lang="en-US" sz="1400" baseline="0" dirty="0" smtClean="0"/>
-                        <a:t>Original input file was 150k, reduced to 130k records.</a:t>
+                        <a:t>Original input file was </a:t>
+                      </a:r>
+                      <a:r>
+                        <a:rPr lang="en-US" sz="1400" baseline="0" dirty="0" smtClean="0"/>
+                        <a:t>150k records, </a:t>
+                      </a:r>
+                      <a:r>
+                        <a:rPr lang="en-US" sz="1400" baseline="0" dirty="0" smtClean="0"/>
+                        <a:t>reduced to 130k records.</a:t>
                       </a:r>
                     </a:p>
                     <a:p>
@@ -17816,351 +12098,6 @@
 </file>
 
 <file path=ppt/slides/slide6.xml><?xml version="1.0" encoding="utf-8"?>
-<p:sld xmlns:a="http://schemas.openxmlformats.org/drawingml/2006/main" xmlns:r="http://schemas.openxmlformats.org/officeDocument/2006/relationships" xmlns:p="http://schemas.openxmlformats.org/presentationml/2006/main">
-  <p:cSld>
-    <p:spTree>
-      <p:nvGrpSpPr>
-        <p:cNvPr id="1" name=""/>
-        <p:cNvGrpSpPr/>
-        <p:nvPr/>
-      </p:nvGrpSpPr>
-      <p:grpSpPr>
-        <a:xfrm>
-          <a:off x="0" y="0"/>
-          <a:ext cx="0" cy="0"/>
-          <a:chOff x="0" y="0"/>
-          <a:chExt cx="0" cy="0"/>
-        </a:xfrm>
-      </p:grpSpPr>
-      <p:sp>
-        <p:nvSpPr>
-          <p:cNvPr id="3" name="Content Placeholder 2"/>
-          <p:cNvSpPr>
-            <a:spLocks noGrp="1"/>
-          </p:cNvSpPr>
-          <p:nvPr>
-            <p:ph idx="1"/>
-          </p:nvPr>
-        </p:nvSpPr>
-        <p:spPr>
-          <a:xfrm>
-            <a:off x="693683" y="932245"/>
-            <a:ext cx="10132432" cy="539203"/>
-          </a:xfrm>
-        </p:spPr>
-        <p:txBody>
-          <a:bodyPr/>
-          <a:lstStyle/>
-          <a:p>
-            <a:endParaRPr lang="en-US" dirty="0"/>
-          </a:p>
-          <a:p>
-            <a:endParaRPr lang="en-US" dirty="0"/>
-          </a:p>
-        </p:txBody>
-      </p:sp>
-      <p:pic>
-        <p:nvPicPr>
-          <p:cNvPr id="4" name="Picture 3"/>
-          <p:cNvPicPr>
-            <a:picLocks noChangeAspect="1"/>
-          </p:cNvPicPr>
-          <p:nvPr/>
-        </p:nvPicPr>
-        <p:blipFill>
-          <a:blip r:embed="rId2"/>
-          <a:stretch>
-            <a:fillRect/>
-          </a:stretch>
-        </p:blipFill>
-        <p:spPr>
-          <a:xfrm>
-            <a:off x="310515" y="1471448"/>
-            <a:ext cx="10640921" cy="3489722"/>
-          </a:xfrm>
-          <a:prstGeom prst="rect">
-            <a:avLst/>
-          </a:prstGeom>
-        </p:spPr>
-      </p:pic>
-      <p:sp>
-        <p:nvSpPr>
-          <p:cNvPr id="6" name="Title 14"/>
-          <p:cNvSpPr txBox="1">
-            <a:spLocks/>
-          </p:cNvSpPr>
-          <p:nvPr/>
-        </p:nvSpPr>
-        <p:spPr bwMode="auto">
-          <a:xfrm>
-            <a:off x="310515" y="202783"/>
-            <a:ext cx="8229601" cy="492443"/>
-          </a:xfrm>
-          <a:prstGeom prst="rect">
-            <a:avLst/>
-          </a:prstGeom>
-          <a:noFill/>
-          <a:ln>
-            <a:noFill/>
-          </a:ln>
-          <a:extLst>
-            <a:ext uri="{FAA26D3D-D897-4be2-8F04-BA451C77F1D7}">
-              <ma14:placeholderFlag xmlns:ma14="http://schemas.microsoft.com/office/mac/drawingml/2011/main" xmlns="" val="1"/>
-            </a:ext>
-            <a:ext uri="{909E8E84-426E-40dd-AFC4-6F175D3DCCD1}">
-              <a14:hiddenFill xmlns="" xmlns:a14="http://schemas.microsoft.com/office/drawing/2010/main">
-                <a:solidFill>
-                  <a:schemeClr val="accent1"/>
-                </a:solidFill>
-              </a14:hiddenFill>
-            </a:ext>
-            <a:ext uri="{91240B29-F687-4f45-9708-019B960494DF}">
-              <a14:hiddenLine xmlns="" xmlns:a14="http://schemas.microsoft.com/office/drawing/2010/main" w="9525">
-                <a:solidFill>
-                  <a:schemeClr val="tx1"/>
-                </a:solidFill>
-                <a:miter lim="800000"/>
-                <a:headEnd/>
-                <a:tailEnd/>
-              </a14:hiddenLine>
-            </a:ext>
-          </a:extLst>
-        </p:spPr>
-        <p:txBody>
-          <a:bodyPr vert="horz" wrap="square" lIns="0" tIns="0" rIns="0" bIns="0" numCol="1" anchor="t" anchorCtr="0" compatLnSpc="1">
-            <a:prstTxWarp prst="textNoShape">
-              <a:avLst/>
-            </a:prstTxWarp>
-            <a:spAutoFit/>
-          </a:bodyPr>
-          <a:lstStyle>
-            <a:lvl1pPr algn="l" rtl="0" eaLnBrk="1" fontAlgn="base" hangingPunct="1">
-              <a:spcBef>
-                <a:spcPct val="0"/>
-              </a:spcBef>
-              <a:spcAft>
-                <a:spcPct val="0"/>
-              </a:spcAft>
-              <a:defRPr sz="2000" b="1">
-                <a:solidFill>
-                  <a:schemeClr val="accent1"/>
-                </a:solidFill>
-                <a:latin typeface="Malgun Gothic" panose="020B0503020000020004" pitchFamily="34" charset="-127"/>
-                <a:ea typeface="Malgun Gothic" panose="020B0503020000020004" pitchFamily="34" charset="-127"/>
-                <a:cs typeface="+mj-cs"/>
-              </a:defRPr>
-            </a:lvl1pPr>
-            <a:lvl2pPr algn="l" rtl="0" eaLnBrk="1" fontAlgn="base" hangingPunct="1">
-              <a:spcBef>
-                <a:spcPct val="0"/>
-              </a:spcBef>
-              <a:spcAft>
-                <a:spcPct val="0"/>
-              </a:spcAft>
-              <a:defRPr sz="2000" b="1">
-                <a:solidFill>
-                  <a:srgbClr val="9F0812"/>
-                </a:solidFill>
-                <a:latin typeface="Arial" charset="0"/>
-                <a:ea typeface="ヒラギノ角ゴ Pro W3" charset="0"/>
-                <a:cs typeface="ＭＳ Ｐゴシック" charset="0"/>
-              </a:defRPr>
-            </a:lvl2pPr>
-            <a:lvl3pPr algn="l" rtl="0" eaLnBrk="1" fontAlgn="base" hangingPunct="1">
-              <a:spcBef>
-                <a:spcPct val="0"/>
-              </a:spcBef>
-              <a:spcAft>
-                <a:spcPct val="0"/>
-              </a:spcAft>
-              <a:defRPr sz="2000" b="1">
-                <a:solidFill>
-                  <a:srgbClr val="9F0812"/>
-                </a:solidFill>
-                <a:latin typeface="Arial" charset="0"/>
-                <a:ea typeface="ヒラギノ角ゴ Pro W3" charset="0"/>
-                <a:cs typeface="ＭＳ Ｐゴシック" charset="0"/>
-              </a:defRPr>
-            </a:lvl3pPr>
-            <a:lvl4pPr algn="l" rtl="0" eaLnBrk="1" fontAlgn="base" hangingPunct="1">
-              <a:spcBef>
-                <a:spcPct val="0"/>
-              </a:spcBef>
-              <a:spcAft>
-                <a:spcPct val="0"/>
-              </a:spcAft>
-              <a:defRPr sz="2000" b="1">
-                <a:solidFill>
-                  <a:srgbClr val="9F0812"/>
-                </a:solidFill>
-                <a:latin typeface="Arial" charset="0"/>
-                <a:ea typeface="ヒラギノ角ゴ Pro W3" charset="0"/>
-                <a:cs typeface="ＭＳ Ｐゴシック" charset="0"/>
-              </a:defRPr>
-            </a:lvl4pPr>
-            <a:lvl5pPr algn="l" rtl="0" eaLnBrk="1" fontAlgn="base" hangingPunct="1">
-              <a:spcBef>
-                <a:spcPct val="0"/>
-              </a:spcBef>
-              <a:spcAft>
-                <a:spcPct val="0"/>
-              </a:spcAft>
-              <a:defRPr sz="2000" b="1">
-                <a:solidFill>
-                  <a:srgbClr val="9F0812"/>
-                </a:solidFill>
-                <a:latin typeface="Arial" charset="0"/>
-                <a:ea typeface="ヒラギノ角ゴ Pro W3" charset="0"/>
-                <a:cs typeface="ＭＳ Ｐゴシック" charset="0"/>
-              </a:defRPr>
-            </a:lvl5pPr>
-            <a:lvl6pPr marL="457200" algn="l" rtl="0" eaLnBrk="1" fontAlgn="base" hangingPunct="1">
-              <a:spcBef>
-                <a:spcPct val="0"/>
-              </a:spcBef>
-              <a:spcAft>
-                <a:spcPct val="0"/>
-              </a:spcAft>
-              <a:defRPr sz="2800" b="1">
-                <a:solidFill>
-                  <a:schemeClr val="tx2"/>
-                </a:solidFill>
-                <a:latin typeface="Arial" charset="0"/>
-                <a:ea typeface="ＭＳ Ｐゴシック" charset="0"/>
-                <a:cs typeface="ＭＳ Ｐゴシック" charset="0"/>
-              </a:defRPr>
-            </a:lvl6pPr>
-            <a:lvl7pPr marL="914400" algn="l" rtl="0" eaLnBrk="1" fontAlgn="base" hangingPunct="1">
-              <a:spcBef>
-                <a:spcPct val="0"/>
-              </a:spcBef>
-              <a:spcAft>
-                <a:spcPct val="0"/>
-              </a:spcAft>
-              <a:defRPr sz="2800" b="1">
-                <a:solidFill>
-                  <a:schemeClr val="tx2"/>
-                </a:solidFill>
-                <a:latin typeface="Arial" charset="0"/>
-                <a:ea typeface="ＭＳ Ｐゴシック" charset="0"/>
-                <a:cs typeface="ＭＳ Ｐゴシック" charset="0"/>
-              </a:defRPr>
-            </a:lvl7pPr>
-            <a:lvl8pPr marL="1371600" algn="l" rtl="0" eaLnBrk="1" fontAlgn="base" hangingPunct="1">
-              <a:spcBef>
-                <a:spcPct val="0"/>
-              </a:spcBef>
-              <a:spcAft>
-                <a:spcPct val="0"/>
-              </a:spcAft>
-              <a:defRPr sz="2800" b="1">
-                <a:solidFill>
-                  <a:schemeClr val="tx2"/>
-                </a:solidFill>
-                <a:latin typeface="Arial" charset="0"/>
-                <a:ea typeface="ＭＳ Ｐゴシック" charset="0"/>
-                <a:cs typeface="ＭＳ Ｐゴシック" charset="0"/>
-              </a:defRPr>
-            </a:lvl8pPr>
-            <a:lvl9pPr marL="1828800" algn="l" rtl="0" eaLnBrk="1" fontAlgn="base" hangingPunct="1">
-              <a:spcBef>
-                <a:spcPct val="0"/>
-              </a:spcBef>
-              <a:spcAft>
-                <a:spcPct val="0"/>
-              </a:spcAft>
-              <a:defRPr sz="2800" b="1">
-                <a:solidFill>
-                  <a:schemeClr val="tx2"/>
-                </a:solidFill>
-                <a:latin typeface="Arial" charset="0"/>
-                <a:ea typeface="ＭＳ Ｐゴシック" charset="0"/>
-                <a:cs typeface="ＭＳ Ｐゴシック" charset="0"/>
-              </a:defRPr>
-            </a:lvl9pPr>
-          </a:lstStyle>
-          <a:p>
-            <a:r>
-              <a:rPr lang="en-US" dirty="0" smtClean="0"/>
-              <a:t>Tableau data retrieval</a:t>
-            </a:r>
-            <a:r>
-              <a:rPr lang="en-US" dirty="0"/>
-              <a:t/>
-            </a:r>
-            <a:br>
-              <a:rPr lang="en-US" dirty="0"/>
-            </a:br>
-            <a:r>
-              <a:rPr lang="en-US" sz="1200" dirty="0" smtClean="0">
-                <a:solidFill>
-                  <a:schemeClr val="tx1"/>
-                </a:solidFill>
-              </a:rPr>
-              <a:t>What was technique used to get data into Tableau?</a:t>
-            </a:r>
-            <a:endParaRPr lang="en-US" sz="1200" kern="0" dirty="0"/>
-          </a:p>
-        </p:txBody>
-      </p:sp>
-      <p:sp>
-        <p:nvSpPr>
-          <p:cNvPr id="7" name="TextBox 6"/>
-          <p:cNvSpPr txBox="1"/>
-          <p:nvPr/>
-        </p:nvSpPr>
-        <p:spPr>
-          <a:xfrm>
-            <a:off x="385550" y="5588248"/>
-            <a:ext cx="8828351" cy="615553"/>
-          </a:xfrm>
-          <a:prstGeom prst="rect">
-            <a:avLst/>
-          </a:prstGeom>
-          <a:noFill/>
-        </p:spPr>
-        <p:txBody>
-          <a:bodyPr wrap="square" rtlCol="0">
-            <a:spAutoFit/>
-          </a:bodyPr>
-          <a:lstStyle/>
-          <a:p>
-            <a:r>
-              <a:rPr lang="en-US" dirty="0"/>
-              <a:t>JSON </a:t>
-            </a:r>
-            <a:r>
-              <a:rPr lang="en-US" sz="1600" dirty="0"/>
-              <a:t>source was available and easily imported into Tableau.</a:t>
-            </a:r>
-          </a:p>
-          <a:p>
-            <a:pPr lvl="1"/>
-            <a:endParaRPr lang="en-US" sz="1600" dirty="0" smtClean="0"/>
-          </a:p>
-        </p:txBody>
-      </p:sp>
-    </p:spTree>
-    <p:extLst>
-      <p:ext uri="{BB962C8B-B14F-4D97-AF65-F5344CB8AC3E}">
-        <p14:creationId xmlns:p14="http://schemas.microsoft.com/office/powerpoint/2010/main" val="977956606"/>
-      </p:ext>
-    </p:extLst>
-  </p:cSld>
-  <p:clrMapOvr>
-    <a:masterClrMapping/>
-  </p:clrMapOvr>
-  <p:timing>
-    <p:tnLst>
-      <p:par>
-        <p:cTn id="1" dur="indefinite" restart="never" nodeType="tmRoot"/>
-      </p:par>
-    </p:tnLst>
-  </p:timing>
-</p:sld>
-</file>
-
-<file path=ppt/slides/slide7.xml><?xml version="1.0" encoding="utf-8"?>
 <p:sld xmlns:a="http://schemas.openxmlformats.org/drawingml/2006/main" xmlns:r="http://schemas.openxmlformats.org/officeDocument/2006/relationships" xmlns:p="http://schemas.openxmlformats.org/presentationml/2006/main">
   <p:cSld>
     <p:spTree>
@@ -18225,17 +12162,17 @@
           </a:ln>
           <a:extLst>
             <a:ext uri="{FAA26D3D-D897-4be2-8F04-BA451C77F1D7}">
-              <ma14:placeholderFlag xmlns:ma14="http://schemas.microsoft.com/office/mac/drawingml/2011/main" xmlns="" val="1"/>
+              <ma14:placeholderFlag xmlns="" xmlns:ma14="http://schemas.microsoft.com/office/mac/drawingml/2011/main" val="1"/>
             </a:ext>
             <a:ext uri="{909E8E84-426E-40dd-AFC4-6F175D3DCCD1}">
-              <a14:hiddenFill xmlns="" xmlns:a14="http://schemas.microsoft.com/office/drawing/2010/main">
+              <a14:hiddenFill xmlns:a14="http://schemas.microsoft.com/office/drawing/2010/main" xmlns="">
                 <a:solidFill>
                   <a:schemeClr val="accent1"/>
                 </a:solidFill>
               </a14:hiddenFill>
             </a:ext>
             <a:ext uri="{91240B29-F687-4f45-9708-019B960494DF}">
-              <a14:hiddenLine xmlns="" xmlns:a14="http://schemas.microsoft.com/office/drawing/2010/main" w="9525">
+              <a14:hiddenLine xmlns:a14="http://schemas.microsoft.com/office/drawing/2010/main" xmlns="" w="9525">
                 <a:solidFill>
                   <a:schemeClr val="tx1"/>
                 </a:solidFill>
@@ -18493,10 +12430,17 @@
   <p:clrMapOvr>
     <a:masterClrMapping/>
   </p:clrMapOvr>
+  <p:timing>
+    <p:tnLst>
+      <p:par>
+        <p:cTn id="1" dur="indefinite" restart="never" nodeType="tmRoot"/>
+      </p:par>
+    </p:tnLst>
+  </p:timing>
 </p:sld>
 </file>
 
-<file path=ppt/slides/slide8.xml><?xml version="1.0" encoding="utf-8"?>
+<file path=ppt/slides/slide7.xml><?xml version="1.0" encoding="utf-8"?>
 <p:sld xmlns:a="http://schemas.openxmlformats.org/drawingml/2006/main" xmlns:r="http://schemas.openxmlformats.org/officeDocument/2006/relationships" xmlns:p="http://schemas.openxmlformats.org/presentationml/2006/main">
   <p:cSld>
     <p:spTree>
@@ -18581,17 +12525,17 @@
           </a:ln>
           <a:extLst>
             <a:ext uri="{FAA26D3D-D897-4be2-8F04-BA451C77F1D7}">
-              <ma14:placeholderFlag xmlns:ma14="http://schemas.microsoft.com/office/mac/drawingml/2011/main" xmlns="" val="1"/>
+              <ma14:placeholderFlag xmlns="" xmlns:ma14="http://schemas.microsoft.com/office/mac/drawingml/2011/main" val="1"/>
             </a:ext>
             <a:ext uri="{909E8E84-426E-40dd-AFC4-6F175D3DCCD1}">
-              <a14:hiddenFill xmlns="" xmlns:a14="http://schemas.microsoft.com/office/drawing/2010/main">
+              <a14:hiddenFill xmlns:a14="http://schemas.microsoft.com/office/drawing/2010/main" xmlns="">
                 <a:solidFill>
                   <a:schemeClr val="accent1"/>
                 </a:solidFill>
               </a14:hiddenFill>
             </a:ext>
             <a:ext uri="{91240B29-F687-4f45-9708-019B960494DF}">
-              <a14:hiddenLine xmlns="" xmlns:a14="http://schemas.microsoft.com/office/drawing/2010/main" w="9525">
+              <a14:hiddenLine xmlns:a14="http://schemas.microsoft.com/office/drawing/2010/main" xmlns="" w="9525">
                 <a:solidFill>
                   <a:schemeClr val="tx1"/>
                 </a:solidFill>
@@ -18832,10 +12776,17 @@
   <p:clrMapOvr>
     <a:masterClrMapping/>
   </p:clrMapOvr>
+  <p:timing>
+    <p:tnLst>
+      <p:par>
+        <p:cTn id="1" dur="indefinite" restart="never" nodeType="tmRoot"/>
+      </p:par>
+    </p:tnLst>
+  </p:timing>
 </p:sld>
 </file>
 
-<file path=ppt/slides/slide9.xml><?xml version="1.0" encoding="utf-8"?>
+<file path=ppt/slides/slide8.xml><?xml version="1.0" encoding="utf-8"?>
 <p:sld xmlns:a="http://schemas.openxmlformats.org/drawingml/2006/main" xmlns:r="http://schemas.openxmlformats.org/officeDocument/2006/relationships" xmlns:p="http://schemas.openxmlformats.org/presentationml/2006/main">
   <p:cSld>
     <p:spTree>
@@ -18898,17 +12849,17 @@
           </a:ln>
           <a:extLst>
             <a:ext uri="{FAA26D3D-D897-4be2-8F04-BA451C77F1D7}">
-              <ma14:placeholderFlag xmlns:ma14="http://schemas.microsoft.com/office/mac/drawingml/2011/main" xmlns="" val="1"/>
+              <ma14:placeholderFlag xmlns="" xmlns:ma14="http://schemas.microsoft.com/office/mac/drawingml/2011/main" val="1"/>
             </a:ext>
             <a:ext uri="{909E8E84-426E-40dd-AFC4-6F175D3DCCD1}">
-              <a14:hiddenFill xmlns="" xmlns:a14="http://schemas.microsoft.com/office/drawing/2010/main">
+              <a14:hiddenFill xmlns:a14="http://schemas.microsoft.com/office/drawing/2010/main" xmlns="">
                 <a:solidFill>
                   <a:schemeClr val="accent1"/>
                 </a:solidFill>
               </a14:hiddenFill>
             </a:ext>
             <a:ext uri="{91240B29-F687-4f45-9708-019B960494DF}">
-              <a14:hiddenLine xmlns="" xmlns:a14="http://schemas.microsoft.com/office/drawing/2010/main" w="9525">
+              <a14:hiddenLine xmlns:a14="http://schemas.microsoft.com/office/drawing/2010/main" xmlns="" w="9525">
                 <a:solidFill>
                   <a:schemeClr val="tx1"/>
                 </a:solidFill>
@@ -19105,7 +13056,7 @@
         <p:spPr>
           <a:xfrm>
             <a:off x="553715" y="5577737"/>
-            <a:ext cx="9413245" cy="1492716"/>
+            <a:ext cx="9413245" cy="1261884"/>
           </a:xfrm>
           <a:prstGeom prst="rect">
             <a:avLst/>
@@ -19120,28 +13071,20 @@
           <a:p>
             <a:r>
               <a:rPr lang="en-US" sz="1500" dirty="0" smtClean="0"/>
-              <a:t>This report was developed as part of the exploratory data analysis phase, but also to learn more about Tableau. Filters added to right so more analysis can be done on tasters</a:t>
-            </a:r>
+              <a:t>This report was developed as part of the exploratory data analysis phase, but also to learn more about Tableau. Filters added to right so more analysis can be done on tasters.</a:t>
+            </a:r>
+          </a:p>
+          <a:p>
+            <a:endParaRPr lang="en-US" sz="1500" dirty="0"/>
+          </a:p>
+          <a:p>
             <a:r>
               <a:rPr lang="en-US" sz="1500" dirty="0" smtClean="0"/>
-              <a:t>.</a:t>
-            </a:r>
-          </a:p>
-          <a:p>
-            <a:endParaRPr lang="en-US" sz="1500" dirty="0"/>
-          </a:p>
-          <a:p>
+              <a:t>Roger Voss </a:t>
+            </a:r>
             <a:r>
               <a:rPr lang="en-US" sz="1500" dirty="0" smtClean="0"/>
-              <a:t>Roger Voss and Michael </a:t>
-            </a:r>
-            <a:r>
-              <a:rPr lang="en-US" sz="1500" dirty="0" err="1" smtClean="0"/>
-              <a:t>Schachner</a:t>
-            </a:r>
-            <a:r>
-              <a:rPr lang="en-US" sz="1500" dirty="0" smtClean="0"/>
-              <a:t> tastings combined are over 40% of the tastings and could bias the results of the analysis</a:t>
+              <a:t>had 25K tastings and may cause bias in the underlying data</a:t>
             </a:r>
             <a:endParaRPr lang="en-US" sz="1500" dirty="0" smtClean="0"/>
           </a:p>
@@ -19164,6 +13107,331 @@
   <p:clrMapOvr>
     <a:masterClrMapping/>
   </p:clrMapOvr>
+  <p:timing>
+    <p:tnLst>
+      <p:par>
+        <p:cTn id="1" dur="indefinite" restart="never" nodeType="tmRoot"/>
+      </p:par>
+    </p:tnLst>
+  </p:timing>
+</p:sld>
+</file>
+
+<file path=ppt/slides/slide9.xml><?xml version="1.0" encoding="utf-8"?>
+<p:sld xmlns:a="http://schemas.openxmlformats.org/drawingml/2006/main" xmlns:r="http://schemas.openxmlformats.org/officeDocument/2006/relationships" xmlns:p="http://schemas.openxmlformats.org/presentationml/2006/main">
+  <p:cSld>
+    <p:spTree>
+      <p:nvGrpSpPr>
+        <p:cNvPr id="1" name=""/>
+        <p:cNvGrpSpPr/>
+        <p:nvPr/>
+      </p:nvGrpSpPr>
+      <p:grpSpPr>
+        <a:xfrm>
+          <a:off x="0" y="0"/>
+          <a:ext cx="0" cy="0"/>
+          <a:chOff x="0" y="0"/>
+          <a:chExt cx="0" cy="0"/>
+        </a:xfrm>
+      </p:grpSpPr>
+      <p:pic>
+        <p:nvPicPr>
+          <p:cNvPr id="4" name="Picture 3"/>
+          <p:cNvPicPr>
+            <a:picLocks noChangeAspect="1"/>
+          </p:cNvPicPr>
+          <p:nvPr/>
+        </p:nvPicPr>
+        <p:blipFill>
+          <a:blip r:embed="rId2"/>
+          <a:stretch>
+            <a:fillRect/>
+          </a:stretch>
+        </p:blipFill>
+        <p:spPr>
+          <a:xfrm>
+            <a:off x="386689" y="1198179"/>
+            <a:ext cx="8305623" cy="4718741"/>
+          </a:xfrm>
+          <a:prstGeom prst="rect">
+            <a:avLst/>
+          </a:prstGeom>
+        </p:spPr>
+      </p:pic>
+      <p:sp>
+        <p:nvSpPr>
+          <p:cNvPr id="5" name="Title 14"/>
+          <p:cNvSpPr txBox="1">
+            <a:spLocks/>
+          </p:cNvSpPr>
+          <p:nvPr/>
+        </p:nvSpPr>
+        <p:spPr bwMode="auto">
+          <a:xfrm>
+            <a:off x="310515" y="202783"/>
+            <a:ext cx="8229601" cy="492443"/>
+          </a:xfrm>
+          <a:prstGeom prst="rect">
+            <a:avLst/>
+          </a:prstGeom>
+          <a:noFill/>
+          <a:ln>
+            <a:noFill/>
+          </a:ln>
+          <a:extLst>
+            <a:ext uri="{FAA26D3D-D897-4be2-8F04-BA451C77F1D7}">
+              <ma14:placeholderFlag xmlns="" xmlns:ma14="http://schemas.microsoft.com/office/mac/drawingml/2011/main" val="1"/>
+            </a:ext>
+            <a:ext uri="{909E8E84-426E-40dd-AFC4-6F175D3DCCD1}">
+              <a14:hiddenFill xmlns:a14="http://schemas.microsoft.com/office/drawing/2010/main" xmlns="">
+                <a:solidFill>
+                  <a:schemeClr val="accent1"/>
+                </a:solidFill>
+              </a14:hiddenFill>
+            </a:ext>
+            <a:ext uri="{91240B29-F687-4f45-9708-019B960494DF}">
+              <a14:hiddenLine xmlns:a14="http://schemas.microsoft.com/office/drawing/2010/main" xmlns="" w="9525">
+                <a:solidFill>
+                  <a:schemeClr val="tx1"/>
+                </a:solidFill>
+                <a:miter lim="800000"/>
+                <a:headEnd/>
+                <a:tailEnd/>
+              </a14:hiddenLine>
+            </a:ext>
+          </a:extLst>
+        </p:spPr>
+        <p:txBody>
+          <a:bodyPr vert="horz" wrap="square" lIns="0" tIns="0" rIns="0" bIns="0" numCol="1" anchor="t" anchorCtr="0" compatLnSpc="1">
+            <a:prstTxWarp prst="textNoShape">
+              <a:avLst/>
+            </a:prstTxWarp>
+            <a:spAutoFit/>
+          </a:bodyPr>
+          <a:lstStyle>
+            <a:lvl1pPr algn="l" rtl="0" eaLnBrk="1" fontAlgn="base" hangingPunct="1">
+              <a:spcBef>
+                <a:spcPct val="0"/>
+              </a:spcBef>
+              <a:spcAft>
+                <a:spcPct val="0"/>
+              </a:spcAft>
+              <a:defRPr sz="2000" b="1">
+                <a:solidFill>
+                  <a:schemeClr val="accent1"/>
+                </a:solidFill>
+                <a:latin typeface="Malgun Gothic" panose="020B0503020000020004" pitchFamily="34" charset="-127"/>
+                <a:ea typeface="Malgun Gothic" panose="020B0503020000020004" pitchFamily="34" charset="-127"/>
+                <a:cs typeface="+mj-cs"/>
+              </a:defRPr>
+            </a:lvl1pPr>
+            <a:lvl2pPr algn="l" rtl="0" eaLnBrk="1" fontAlgn="base" hangingPunct="1">
+              <a:spcBef>
+                <a:spcPct val="0"/>
+              </a:spcBef>
+              <a:spcAft>
+                <a:spcPct val="0"/>
+              </a:spcAft>
+              <a:defRPr sz="2000" b="1">
+                <a:solidFill>
+                  <a:srgbClr val="9F0812"/>
+                </a:solidFill>
+                <a:latin typeface="Arial" charset="0"/>
+                <a:ea typeface="ヒラギノ角ゴ Pro W3" charset="0"/>
+                <a:cs typeface="ＭＳ Ｐゴシック" charset="0"/>
+              </a:defRPr>
+            </a:lvl2pPr>
+            <a:lvl3pPr algn="l" rtl="0" eaLnBrk="1" fontAlgn="base" hangingPunct="1">
+              <a:spcBef>
+                <a:spcPct val="0"/>
+              </a:spcBef>
+              <a:spcAft>
+                <a:spcPct val="0"/>
+              </a:spcAft>
+              <a:defRPr sz="2000" b="1">
+                <a:solidFill>
+                  <a:srgbClr val="9F0812"/>
+                </a:solidFill>
+                <a:latin typeface="Arial" charset="0"/>
+                <a:ea typeface="ヒラギノ角ゴ Pro W3" charset="0"/>
+                <a:cs typeface="ＭＳ Ｐゴシック" charset="0"/>
+              </a:defRPr>
+            </a:lvl3pPr>
+            <a:lvl4pPr algn="l" rtl="0" eaLnBrk="1" fontAlgn="base" hangingPunct="1">
+              <a:spcBef>
+                <a:spcPct val="0"/>
+              </a:spcBef>
+              <a:spcAft>
+                <a:spcPct val="0"/>
+              </a:spcAft>
+              <a:defRPr sz="2000" b="1">
+                <a:solidFill>
+                  <a:srgbClr val="9F0812"/>
+                </a:solidFill>
+                <a:latin typeface="Arial" charset="0"/>
+                <a:ea typeface="ヒラギノ角ゴ Pro W3" charset="0"/>
+                <a:cs typeface="ＭＳ Ｐゴシック" charset="0"/>
+              </a:defRPr>
+            </a:lvl4pPr>
+            <a:lvl5pPr algn="l" rtl="0" eaLnBrk="1" fontAlgn="base" hangingPunct="1">
+              <a:spcBef>
+                <a:spcPct val="0"/>
+              </a:spcBef>
+              <a:spcAft>
+                <a:spcPct val="0"/>
+              </a:spcAft>
+              <a:defRPr sz="2000" b="1">
+                <a:solidFill>
+                  <a:srgbClr val="9F0812"/>
+                </a:solidFill>
+                <a:latin typeface="Arial" charset="0"/>
+                <a:ea typeface="ヒラギノ角ゴ Pro W3" charset="0"/>
+                <a:cs typeface="ＭＳ Ｐゴシック" charset="0"/>
+              </a:defRPr>
+            </a:lvl5pPr>
+            <a:lvl6pPr marL="457200" algn="l" rtl="0" eaLnBrk="1" fontAlgn="base" hangingPunct="1">
+              <a:spcBef>
+                <a:spcPct val="0"/>
+              </a:spcBef>
+              <a:spcAft>
+                <a:spcPct val="0"/>
+              </a:spcAft>
+              <a:defRPr sz="2800" b="1">
+                <a:solidFill>
+                  <a:schemeClr val="tx2"/>
+                </a:solidFill>
+                <a:latin typeface="Arial" charset="0"/>
+                <a:ea typeface="ＭＳ Ｐゴシック" charset="0"/>
+                <a:cs typeface="ＭＳ Ｐゴシック" charset="0"/>
+              </a:defRPr>
+            </a:lvl6pPr>
+            <a:lvl7pPr marL="914400" algn="l" rtl="0" eaLnBrk="1" fontAlgn="base" hangingPunct="1">
+              <a:spcBef>
+                <a:spcPct val="0"/>
+              </a:spcBef>
+              <a:spcAft>
+                <a:spcPct val="0"/>
+              </a:spcAft>
+              <a:defRPr sz="2800" b="1">
+                <a:solidFill>
+                  <a:schemeClr val="tx2"/>
+                </a:solidFill>
+                <a:latin typeface="Arial" charset="0"/>
+                <a:ea typeface="ＭＳ Ｐゴシック" charset="0"/>
+                <a:cs typeface="ＭＳ Ｐゴシック" charset="0"/>
+              </a:defRPr>
+            </a:lvl7pPr>
+            <a:lvl8pPr marL="1371600" algn="l" rtl="0" eaLnBrk="1" fontAlgn="base" hangingPunct="1">
+              <a:spcBef>
+                <a:spcPct val="0"/>
+              </a:spcBef>
+              <a:spcAft>
+                <a:spcPct val="0"/>
+              </a:spcAft>
+              <a:defRPr sz="2800" b="1">
+                <a:solidFill>
+                  <a:schemeClr val="tx2"/>
+                </a:solidFill>
+                <a:latin typeface="Arial" charset="0"/>
+                <a:ea typeface="ＭＳ Ｐゴシック" charset="0"/>
+                <a:cs typeface="ＭＳ Ｐゴシック" charset="0"/>
+              </a:defRPr>
+            </a:lvl8pPr>
+            <a:lvl9pPr marL="1828800" algn="l" rtl="0" eaLnBrk="1" fontAlgn="base" hangingPunct="1">
+              <a:spcBef>
+                <a:spcPct val="0"/>
+              </a:spcBef>
+              <a:spcAft>
+                <a:spcPct val="0"/>
+              </a:spcAft>
+              <a:defRPr sz="2800" b="1">
+                <a:solidFill>
+                  <a:schemeClr val="tx2"/>
+                </a:solidFill>
+                <a:latin typeface="Arial" charset="0"/>
+                <a:ea typeface="ＭＳ Ｐゴシック" charset="0"/>
+                <a:cs typeface="ＭＳ Ｐゴシック" charset="0"/>
+              </a:defRPr>
+            </a:lvl9pPr>
+          </a:lstStyle>
+          <a:p>
+            <a:r>
+              <a:rPr lang="en-US" dirty="0" smtClean="0"/>
+              <a:t>Tableau Wine Tasted by Country</a:t>
+            </a:r>
+          </a:p>
+          <a:p>
+            <a:r>
+              <a:rPr lang="en-US" sz="1200" dirty="0" smtClean="0">
+                <a:solidFill>
+                  <a:schemeClr val="tx1"/>
+                </a:solidFill>
+              </a:rPr>
+              <a:t>Which countries produced the wines tasted?</a:t>
+            </a:r>
+            <a:endParaRPr lang="en-US" sz="1200" kern="0" dirty="0"/>
+          </a:p>
+        </p:txBody>
+      </p:sp>
+      <p:sp>
+        <p:nvSpPr>
+          <p:cNvPr id="6" name="TextBox 5"/>
+          <p:cNvSpPr txBox="1"/>
+          <p:nvPr/>
+        </p:nvSpPr>
+        <p:spPr>
+          <a:xfrm>
+            <a:off x="501164" y="6004374"/>
+            <a:ext cx="8828351" cy="830997"/>
+          </a:xfrm>
+          <a:prstGeom prst="rect">
+            <a:avLst/>
+          </a:prstGeom>
+          <a:noFill/>
+        </p:spPr>
+        <p:txBody>
+          <a:bodyPr wrap="square" rtlCol="0">
+            <a:spAutoFit/>
+          </a:bodyPr>
+          <a:lstStyle/>
+          <a:p>
+            <a:r>
+              <a:rPr lang="en-US" sz="1600" dirty="0" smtClean="0"/>
+              <a:t>Map is using longitude and latitude provided in the data.</a:t>
+            </a:r>
+          </a:p>
+          <a:p>
+            <a:r>
+              <a:rPr lang="en-US" sz="1600" dirty="0" smtClean="0"/>
+              <a:t>The USA has the most wines produced for this set of wine data.</a:t>
+            </a:r>
+          </a:p>
+          <a:p>
+            <a:pPr marL="742950" lvl="1" indent="-285750">
+              <a:buFont typeface="Arial" panose="020B0604020202020204" pitchFamily="34" charset="0"/>
+              <a:buChar char="•"/>
+            </a:pPr>
+            <a:endParaRPr lang="en-US" sz="1600" dirty="0" smtClean="0"/>
+          </a:p>
+        </p:txBody>
+      </p:sp>
+    </p:spTree>
+    <p:extLst>
+      <p:ext uri="{BB962C8B-B14F-4D97-AF65-F5344CB8AC3E}">
+        <p14:creationId xmlns:p14="http://schemas.microsoft.com/office/powerpoint/2010/main" val="50600015"/>
+      </p:ext>
+    </p:extLst>
+  </p:cSld>
+  <p:clrMapOvr>
+    <a:masterClrMapping/>
+  </p:clrMapOvr>
+  <p:timing>
+    <p:tnLst>
+      <p:par>
+        <p:cTn id="1" dur="indefinite" restart="never" nodeType="tmRoot"/>
+      </p:par>
+    </p:tnLst>
+  </p:timing>
 </p:sld>
 </file>
 

--- a/winereviews/Wine Reviews Analysis and Visualization.pptx
+++ b/winereviews/Wine Reviews Analysis and Visualization.pptx
@@ -262,7 +262,7 @@
           <a:p>
             <a:fld id="{F58EE7AA-45E9-465C-A3EF-992C7B969ACD}" type="datetimeFigureOut">
               <a:rPr lang="en-US" smtClean="0"/>
-              <a:t>3/7/2018</a:t>
+              <a:t>3/8/2018</a:t>
             </a:fld>
             <a:endParaRPr lang="en-US"/>
           </a:p>
@@ -432,7 +432,7 @@
           <a:p>
             <a:fld id="{F58EE7AA-45E9-465C-A3EF-992C7B969ACD}" type="datetimeFigureOut">
               <a:rPr lang="en-US" smtClean="0"/>
-              <a:t>3/7/2018</a:t>
+              <a:t>3/8/2018</a:t>
             </a:fld>
             <a:endParaRPr lang="en-US"/>
           </a:p>
@@ -612,7 +612,7 @@
           <a:p>
             <a:fld id="{F58EE7AA-45E9-465C-A3EF-992C7B969ACD}" type="datetimeFigureOut">
               <a:rPr lang="en-US" smtClean="0"/>
-              <a:t>3/7/2018</a:t>
+              <a:t>3/8/2018</a:t>
             </a:fld>
             <a:endParaRPr lang="en-US"/>
           </a:p>
@@ -782,7 +782,7 @@
           <a:p>
             <a:fld id="{F58EE7AA-45E9-465C-A3EF-992C7B969ACD}" type="datetimeFigureOut">
               <a:rPr lang="en-US" smtClean="0"/>
-              <a:t>3/7/2018</a:t>
+              <a:t>3/8/2018</a:t>
             </a:fld>
             <a:endParaRPr lang="en-US"/>
           </a:p>
@@ -1028,7 +1028,7 @@
           <a:p>
             <a:fld id="{F58EE7AA-45E9-465C-A3EF-992C7B969ACD}" type="datetimeFigureOut">
               <a:rPr lang="en-US" smtClean="0"/>
-              <a:t>3/7/2018</a:t>
+              <a:t>3/8/2018</a:t>
             </a:fld>
             <a:endParaRPr lang="en-US"/>
           </a:p>
@@ -1260,7 +1260,7 @@
           <a:p>
             <a:fld id="{F58EE7AA-45E9-465C-A3EF-992C7B969ACD}" type="datetimeFigureOut">
               <a:rPr lang="en-US" smtClean="0"/>
-              <a:t>3/7/2018</a:t>
+              <a:t>3/8/2018</a:t>
             </a:fld>
             <a:endParaRPr lang="en-US"/>
           </a:p>
@@ -1627,7 +1627,7 @@
           <a:p>
             <a:fld id="{F58EE7AA-45E9-465C-A3EF-992C7B969ACD}" type="datetimeFigureOut">
               <a:rPr lang="en-US" smtClean="0"/>
-              <a:t>3/7/2018</a:t>
+              <a:t>3/8/2018</a:t>
             </a:fld>
             <a:endParaRPr lang="en-US"/>
           </a:p>
@@ -1745,7 +1745,7 @@
           <a:p>
             <a:fld id="{F58EE7AA-45E9-465C-A3EF-992C7B969ACD}" type="datetimeFigureOut">
               <a:rPr lang="en-US" smtClean="0"/>
-              <a:t>3/7/2018</a:t>
+              <a:t>3/8/2018</a:t>
             </a:fld>
             <a:endParaRPr lang="en-US"/>
           </a:p>
@@ -1840,7 +1840,7 @@
           <a:p>
             <a:fld id="{F58EE7AA-45E9-465C-A3EF-992C7B969ACD}" type="datetimeFigureOut">
               <a:rPr lang="en-US" smtClean="0"/>
-              <a:t>3/7/2018</a:t>
+              <a:t>3/8/2018</a:t>
             </a:fld>
             <a:endParaRPr lang="en-US"/>
           </a:p>
@@ -2117,7 +2117,7 @@
           <a:p>
             <a:fld id="{F58EE7AA-45E9-465C-A3EF-992C7B969ACD}" type="datetimeFigureOut">
               <a:rPr lang="en-US" smtClean="0"/>
-              <a:t>3/7/2018</a:t>
+              <a:t>3/8/2018</a:t>
             </a:fld>
             <a:endParaRPr lang="en-US"/>
           </a:p>
@@ -2370,7 +2370,7 @@
           <a:p>
             <a:fld id="{F58EE7AA-45E9-465C-A3EF-992C7B969ACD}" type="datetimeFigureOut">
               <a:rPr lang="en-US" smtClean="0"/>
-              <a:t>3/7/2018</a:t>
+              <a:t>3/8/2018</a:t>
             </a:fld>
             <a:endParaRPr lang="en-US"/>
           </a:p>
@@ -2583,7 +2583,7 @@
           <a:p>
             <a:fld id="{F58EE7AA-45E9-465C-A3EF-992C7B969ACD}" type="datetimeFigureOut">
               <a:rPr lang="en-US" smtClean="0"/>
-              <a:t>3/7/2018</a:t>
+              <a:t>3/8/2018</a:t>
             </a:fld>
             <a:endParaRPr lang="en-US"/>
           </a:p>
@@ -3034,7 +3034,7 @@
           </a:ln>
           <a:extLst>
             <a:ext uri="{909E8E84-426E-40dd-AFC4-6F175D3DCCD1}">
-              <a14:hiddenFill xmlns="" xmlns:a14="http://schemas.microsoft.com/office/drawing/2010/main">
+              <a14:hiddenFill xmlns:a14="http://schemas.microsoft.com/office/drawing/2010/main" xmlns="">
                 <a:solidFill>
                   <a:schemeClr val="tx2">
                     <a:alpha val="0"/>
@@ -3229,7 +3229,23 @@
                 <a:latin typeface="Malgun Gothic" panose="020B0503020000020004" pitchFamily="34" charset="-127"/>
                 <a:ea typeface="Malgun Gothic" panose="020B0503020000020004" pitchFamily="34" charset="-127"/>
               </a:rPr>
-              <a:t>Wine Reviews Analysis and Visualization </a:t>
+              <a:t>Wine Reviews Analysis and </a:t>
+            </a:r>
+            <a:r>
+              <a:rPr kumimoji="0" lang="en-US" sz="2400" b="1" i="0" u="none" strike="noStrike" kern="0" cap="none" spc="0" normalizeH="0" baseline="0" noProof="0" dirty="0" smtClean="0">
+                <a:ln>
+                  <a:noFill/>
+                </a:ln>
+                <a:solidFill>
+                  <a:srgbClr val="2C80AA"/>
+                </a:solidFill>
+                <a:effectLst/>
+                <a:uLnTx/>
+                <a:uFillTx/>
+                <a:latin typeface="Malgun Gothic" panose="020B0503020000020004" pitchFamily="34" charset="-127"/>
+                <a:ea typeface="Malgun Gothic" panose="020B0503020000020004" pitchFamily="34" charset="-127"/>
+              </a:rPr>
+              <a:t>Visualizations </a:t>
             </a:r>
             <a:endParaRPr kumimoji="0" lang="en-US" sz="2400" b="1" i="0" u="none" strike="noStrike" kern="0" cap="none" spc="0" normalizeH="0" baseline="0" noProof="0" dirty="0">
               <a:ln>
@@ -3269,7 +3285,7 @@
           </a:ln>
           <a:extLst>
             <a:ext uri="{909E8E84-426E-40dd-AFC4-6F175D3DCCD1}">
-              <a14:hiddenFill xmlns="" xmlns:a14="http://schemas.microsoft.com/office/drawing/2010/main">
+              <a14:hiddenFill xmlns:a14="http://schemas.microsoft.com/office/drawing/2010/main" xmlns="">
                 <a:solidFill>
                   <a:schemeClr val="tx2">
                     <a:alpha val="0"/>
@@ -3806,17 +3822,17 @@
           </a:ln>
           <a:extLst>
             <a:ext uri="{FAA26D3D-D897-4be2-8F04-BA451C77F1D7}">
-              <ma14:placeholderFlag xmlns="" xmlns:ma14="http://schemas.microsoft.com/office/mac/drawingml/2011/main" val="1"/>
+              <ma14:placeholderFlag xmlns:ma14="http://schemas.microsoft.com/office/mac/drawingml/2011/main" xmlns="" val="1"/>
             </a:ext>
             <a:ext uri="{909E8E84-426E-40dd-AFC4-6F175D3DCCD1}">
-              <a14:hiddenFill xmlns:a14="http://schemas.microsoft.com/office/drawing/2010/main" xmlns="">
+              <a14:hiddenFill xmlns="" xmlns:a14="http://schemas.microsoft.com/office/drawing/2010/main">
                 <a:solidFill>
                   <a:schemeClr val="accent1"/>
                 </a:solidFill>
               </a14:hiddenFill>
             </a:ext>
             <a:ext uri="{91240B29-F687-4f45-9708-019B960494DF}">
-              <a14:hiddenLine xmlns:a14="http://schemas.microsoft.com/office/drawing/2010/main" xmlns="" w="9525">
+              <a14:hiddenLine xmlns="" xmlns:a14="http://schemas.microsoft.com/office/drawing/2010/main" w="9525">
                 <a:solidFill>
                   <a:schemeClr val="tx1"/>
                 </a:solidFill>
@@ -4148,17 +4164,17 @@
           </a:ln>
           <a:extLst>
             <a:ext uri="{FAA26D3D-D897-4be2-8F04-BA451C77F1D7}">
-              <ma14:placeholderFlag xmlns="" xmlns:ma14="http://schemas.microsoft.com/office/mac/drawingml/2011/main" val="1"/>
+              <ma14:placeholderFlag xmlns:ma14="http://schemas.microsoft.com/office/mac/drawingml/2011/main" xmlns="" val="1"/>
             </a:ext>
             <a:ext uri="{909E8E84-426E-40dd-AFC4-6F175D3DCCD1}">
-              <a14:hiddenFill xmlns:a14="http://schemas.microsoft.com/office/drawing/2010/main" xmlns="">
+              <a14:hiddenFill xmlns="" xmlns:a14="http://schemas.microsoft.com/office/drawing/2010/main">
                 <a:solidFill>
                   <a:schemeClr val="accent1"/>
                 </a:solidFill>
               </a14:hiddenFill>
             </a:ext>
             <a:ext uri="{91240B29-F687-4f45-9708-019B960494DF}">
-              <a14:hiddenLine xmlns:a14="http://schemas.microsoft.com/office/drawing/2010/main" xmlns="" w="9525">
+              <a14:hiddenLine xmlns="" xmlns:a14="http://schemas.microsoft.com/office/drawing/2010/main" w="9525">
                 <a:solidFill>
                   <a:schemeClr val="tx1"/>
                 </a:solidFill>
@@ -4593,31 +4609,7 @@
             </a:pPr>
             <a:r>
               <a:rPr lang="en-US" sz="1200" dirty="0" smtClean="0"/>
-              <a:t>Prepping data for classifier model </a:t>
-            </a:r>
-            <a:r>
-              <a:rPr lang="en-US" sz="1200" dirty="0" smtClean="0"/>
-              <a:t>setup </a:t>
-            </a:r>
-            <a:r>
-              <a:rPr lang="en-US" sz="1200" dirty="0" smtClean="0"/>
-              <a:t>the best and worst wines according to wine point scores. </a:t>
-            </a:r>
-            <a:r>
-              <a:rPr lang="en-US" sz="1200" dirty="0" smtClean="0"/>
-              <a:t>‘</a:t>
-            </a:r>
-            <a:r>
-              <a:rPr lang="en-US" sz="1200" dirty="0" smtClean="0"/>
-              <a:t>Worst’ wines and </a:t>
-            </a:r>
-            <a:r>
-              <a:rPr lang="en-US" sz="1200" dirty="0" smtClean="0"/>
-              <a:t>higher </a:t>
-            </a:r>
-            <a:r>
-              <a:rPr lang="en-US" sz="1200" dirty="0" smtClean="0"/>
-              <a:t>scoring</a:t>
+              <a:t>Prepping data for classifier model setup the best and worst wines according to wine point scores. ‘Worst’ wines and higher scoring</a:t>
             </a:r>
             <a:endParaRPr lang="en-US" sz="1200" dirty="0"/>
           </a:p>
@@ -4753,17 +4745,17 @@
           </a:ln>
           <a:extLst>
             <a:ext uri="{FAA26D3D-D897-4be2-8F04-BA451C77F1D7}">
-              <ma14:placeholderFlag xmlns="" xmlns:ma14="http://schemas.microsoft.com/office/mac/drawingml/2011/main" val="1"/>
+              <ma14:placeholderFlag xmlns:ma14="http://schemas.microsoft.com/office/mac/drawingml/2011/main" xmlns="" val="1"/>
             </a:ext>
             <a:ext uri="{909E8E84-426E-40dd-AFC4-6F175D3DCCD1}">
-              <a14:hiddenFill xmlns:a14="http://schemas.microsoft.com/office/drawing/2010/main" xmlns="">
+              <a14:hiddenFill xmlns="" xmlns:a14="http://schemas.microsoft.com/office/drawing/2010/main">
                 <a:solidFill>
                   <a:schemeClr val="accent1"/>
                 </a:solidFill>
               </a14:hiddenFill>
             </a:ext>
             <a:ext uri="{91240B29-F687-4f45-9708-019B960494DF}">
-              <a14:hiddenLine xmlns:a14="http://schemas.microsoft.com/office/drawing/2010/main" xmlns="" w="9525">
+              <a14:hiddenLine xmlns="" xmlns:a14="http://schemas.microsoft.com/office/drawing/2010/main" w="9525">
                 <a:solidFill>
                   <a:schemeClr val="tx1"/>
                 </a:solidFill>
@@ -5293,17 +5285,17 @@
           </a:ln>
           <a:extLst>
             <a:ext uri="{FAA26D3D-D897-4be2-8F04-BA451C77F1D7}">
-              <ma14:placeholderFlag xmlns="" xmlns:ma14="http://schemas.microsoft.com/office/mac/drawingml/2011/main" val="1"/>
+              <ma14:placeholderFlag xmlns:ma14="http://schemas.microsoft.com/office/mac/drawingml/2011/main" xmlns="" val="1"/>
             </a:ext>
             <a:ext uri="{909E8E84-426E-40dd-AFC4-6F175D3DCCD1}">
-              <a14:hiddenFill xmlns:a14="http://schemas.microsoft.com/office/drawing/2010/main" xmlns="">
+              <a14:hiddenFill xmlns="" xmlns:a14="http://schemas.microsoft.com/office/drawing/2010/main">
                 <a:solidFill>
                   <a:schemeClr val="accent1"/>
                 </a:solidFill>
               </a14:hiddenFill>
             </a:ext>
             <a:ext uri="{91240B29-F687-4f45-9708-019B960494DF}">
-              <a14:hiddenLine xmlns:a14="http://schemas.microsoft.com/office/drawing/2010/main" xmlns="" w="9525">
+              <a14:hiddenLine xmlns="" xmlns:a14="http://schemas.microsoft.com/office/drawing/2010/main" w="9525">
                 <a:solidFill>
                   <a:schemeClr val="tx1"/>
                 </a:solidFill>
@@ -5846,17 +5838,17 @@
           </a:ln>
           <a:extLst>
             <a:ext uri="{FAA26D3D-D897-4be2-8F04-BA451C77F1D7}">
-              <ma14:placeholderFlag xmlns="" xmlns:ma14="http://schemas.microsoft.com/office/mac/drawingml/2011/main" val="1"/>
+              <ma14:placeholderFlag xmlns:ma14="http://schemas.microsoft.com/office/mac/drawingml/2011/main" xmlns="" val="1"/>
             </a:ext>
             <a:ext uri="{909E8E84-426E-40dd-AFC4-6F175D3DCCD1}">
-              <a14:hiddenFill xmlns:a14="http://schemas.microsoft.com/office/drawing/2010/main" xmlns="">
+              <a14:hiddenFill xmlns="" xmlns:a14="http://schemas.microsoft.com/office/drawing/2010/main">
                 <a:solidFill>
                   <a:schemeClr val="accent1"/>
                 </a:solidFill>
               </a14:hiddenFill>
             </a:ext>
             <a:ext uri="{91240B29-F687-4f45-9708-019B960494DF}">
-              <a14:hiddenLine xmlns:a14="http://schemas.microsoft.com/office/drawing/2010/main" xmlns="" w="9525">
+              <a14:hiddenLine xmlns="" xmlns:a14="http://schemas.microsoft.com/office/drawing/2010/main" w="9525">
                 <a:solidFill>
                   <a:schemeClr val="tx1"/>
                 </a:solidFill>
@@ -6309,17 +6301,17 @@
           </a:ln>
           <a:extLst>
             <a:ext uri="{FAA26D3D-D897-4be2-8F04-BA451C77F1D7}">
-              <ma14:placeholderFlag xmlns="" xmlns:ma14="http://schemas.microsoft.com/office/mac/drawingml/2011/main" val="1"/>
+              <ma14:placeholderFlag xmlns:ma14="http://schemas.microsoft.com/office/mac/drawingml/2011/main" xmlns="" val="1"/>
             </a:ext>
             <a:ext uri="{909E8E84-426E-40dd-AFC4-6F175D3DCCD1}">
-              <a14:hiddenFill xmlns:a14="http://schemas.microsoft.com/office/drawing/2010/main" xmlns="">
+              <a14:hiddenFill xmlns="" xmlns:a14="http://schemas.microsoft.com/office/drawing/2010/main">
                 <a:solidFill>
                   <a:schemeClr val="accent1"/>
                 </a:solidFill>
               </a14:hiddenFill>
             </a:ext>
             <a:ext uri="{91240B29-F687-4f45-9708-019B960494DF}">
-              <a14:hiddenLine xmlns:a14="http://schemas.microsoft.com/office/drawing/2010/main" xmlns="" w="9525">
+              <a14:hiddenLine xmlns="" xmlns:a14="http://schemas.microsoft.com/office/drawing/2010/main" w="9525">
                 <a:solidFill>
                   <a:schemeClr val="tx1"/>
                 </a:solidFill>
@@ -6773,17 +6765,17 @@
           </a:ln>
           <a:extLst>
             <a:ext uri="{FAA26D3D-D897-4be2-8F04-BA451C77F1D7}">
-              <ma14:placeholderFlag xmlns="" xmlns:ma14="http://schemas.microsoft.com/office/mac/drawingml/2011/main" val="1"/>
+              <ma14:placeholderFlag xmlns:ma14="http://schemas.microsoft.com/office/mac/drawingml/2011/main" xmlns="" val="1"/>
             </a:ext>
             <a:ext uri="{909E8E84-426E-40dd-AFC4-6F175D3DCCD1}">
-              <a14:hiddenFill xmlns:a14="http://schemas.microsoft.com/office/drawing/2010/main" xmlns="">
+              <a14:hiddenFill xmlns="" xmlns:a14="http://schemas.microsoft.com/office/drawing/2010/main">
                 <a:solidFill>
                   <a:schemeClr val="accent1"/>
                 </a:solidFill>
               </a14:hiddenFill>
             </a:ext>
             <a:ext uri="{91240B29-F687-4f45-9708-019B960494DF}">
-              <a14:hiddenLine xmlns:a14="http://schemas.microsoft.com/office/drawing/2010/main" xmlns="" w="9525">
+              <a14:hiddenLine xmlns="" xmlns:a14="http://schemas.microsoft.com/office/drawing/2010/main" w="9525">
                 <a:solidFill>
                   <a:schemeClr val="tx1"/>
                 </a:solidFill>
@@ -7350,11 +7342,7 @@
           <a:p>
             <a:r>
               <a:rPr lang="en-US" sz="1200" dirty="0" smtClean="0"/>
-              <a:t>Describing test results  prediction,  actual </a:t>
-            </a:r>
-            <a:r>
-              <a:rPr lang="en-US" sz="1200" dirty="0" smtClean="0"/>
-              <a:t>points (testing data)</a:t>
+              <a:t>Describing test results  prediction,  actual points (testing data)</a:t>
             </a:r>
             <a:endParaRPr lang="en-US" sz="1200" dirty="0"/>
           </a:p>
@@ -7521,17 +7509,17 @@
           </a:ln>
           <a:extLst>
             <a:ext uri="{FAA26D3D-D897-4be2-8F04-BA451C77F1D7}">
-              <ma14:placeholderFlag xmlns="" xmlns:ma14="http://schemas.microsoft.com/office/mac/drawingml/2011/main" val="1"/>
+              <ma14:placeholderFlag xmlns:ma14="http://schemas.microsoft.com/office/mac/drawingml/2011/main" xmlns="" val="1"/>
             </a:ext>
             <a:ext uri="{909E8E84-426E-40dd-AFC4-6F175D3DCCD1}">
-              <a14:hiddenFill xmlns:a14="http://schemas.microsoft.com/office/drawing/2010/main" xmlns="">
+              <a14:hiddenFill xmlns="" xmlns:a14="http://schemas.microsoft.com/office/drawing/2010/main">
                 <a:solidFill>
                   <a:schemeClr val="accent1"/>
                 </a:solidFill>
               </a14:hiddenFill>
             </a:ext>
             <a:ext uri="{91240B29-F687-4f45-9708-019B960494DF}">
-              <a14:hiddenLine xmlns:a14="http://schemas.microsoft.com/office/drawing/2010/main" xmlns="" w="9525">
+              <a14:hiddenLine xmlns="" xmlns:a14="http://schemas.microsoft.com/office/drawing/2010/main" w="9525">
                 <a:solidFill>
                   <a:schemeClr val="tx1"/>
                 </a:solidFill>
@@ -8075,11 +8063,7 @@
           <a:p>
             <a:r>
               <a:rPr lang="en-US" sz="1200" dirty="0" smtClean="0"/>
-              <a:t>Describing test results  prediction, actual </a:t>
-            </a:r>
-            <a:r>
-              <a:rPr lang="en-US" sz="1200" dirty="0" smtClean="0"/>
-              <a:t>points testing data</a:t>
+              <a:t>Describing test results  prediction, actual points testing data</a:t>
             </a:r>
             <a:endParaRPr lang="en-US" sz="1200" dirty="0"/>
           </a:p>
@@ -8222,17 +8206,17 @@
           </a:ln>
           <a:extLst>
             <a:ext uri="{FAA26D3D-D897-4be2-8F04-BA451C77F1D7}">
-              <ma14:placeholderFlag xmlns="" xmlns:ma14="http://schemas.microsoft.com/office/mac/drawingml/2011/main" val="1"/>
+              <ma14:placeholderFlag xmlns:ma14="http://schemas.microsoft.com/office/mac/drawingml/2011/main" xmlns="" val="1"/>
             </a:ext>
             <a:ext uri="{909E8E84-426E-40dd-AFC4-6F175D3DCCD1}">
-              <a14:hiddenFill xmlns:a14="http://schemas.microsoft.com/office/drawing/2010/main" xmlns="">
+              <a14:hiddenFill xmlns="" xmlns:a14="http://schemas.microsoft.com/office/drawing/2010/main">
                 <a:solidFill>
                   <a:schemeClr val="accent1"/>
                 </a:solidFill>
               </a14:hiddenFill>
             </a:ext>
             <a:ext uri="{91240B29-F687-4f45-9708-019B960494DF}">
-              <a14:hiddenLine xmlns:a14="http://schemas.microsoft.com/office/drawing/2010/main" xmlns="" w="9525">
+              <a14:hiddenLine xmlns="" xmlns:a14="http://schemas.microsoft.com/office/drawing/2010/main" w="9525">
                 <a:solidFill>
                   <a:schemeClr val="tx1"/>
                 </a:solidFill>
@@ -8551,11 +8535,7 @@
                       </a:r>
                       <a:r>
                         <a:rPr lang="en-US" sz="1400" dirty="0" smtClean="0"/>
-                        <a:t> </a:t>
-                      </a:r>
-                      <a:r>
-                        <a:rPr lang="en-US" sz="1400" dirty="0" smtClean="0"/>
-                        <a:t>function</a:t>
+                        <a:t> function</a:t>
                       </a:r>
                       <a:r>
                         <a:rPr lang="en-US" sz="1400" baseline="0" dirty="0" smtClean="0"/>
@@ -8605,19 +8585,7 @@
                           <a:ea typeface="+mn-ea"/>
                           <a:cs typeface="+mn-cs"/>
                         </a:rPr>
-                        <a:t> to visualize prediction errors</a:t>
-                      </a:r>
-                      <a:r>
-                        <a:rPr lang="en-US" sz="1400" b="0" i="0" kern="1200" dirty="0" smtClean="0">
-                          <a:solidFill>
-                            <a:schemeClr val="dk1"/>
-                          </a:solidFill>
-                          <a:effectLst/>
-                          <a:latin typeface="+mn-lt"/>
-                          <a:ea typeface="+mn-ea"/>
-                          <a:cs typeface="+mn-cs"/>
-                        </a:rPr>
-                        <a:t>.</a:t>
+                        <a:t> to visualize prediction errors.</a:t>
                       </a:r>
                     </a:p>
                     <a:p>
@@ -8738,17 +8706,17 @@
           </a:ln>
           <a:extLst>
             <a:ext uri="{FAA26D3D-D897-4be2-8F04-BA451C77F1D7}">
-              <ma14:placeholderFlag xmlns="" xmlns:ma14="http://schemas.microsoft.com/office/mac/drawingml/2011/main" val="1"/>
+              <ma14:placeholderFlag xmlns:ma14="http://schemas.microsoft.com/office/mac/drawingml/2011/main" xmlns="" val="1"/>
             </a:ext>
             <a:ext uri="{909E8E84-426E-40dd-AFC4-6F175D3DCCD1}">
-              <a14:hiddenFill xmlns:a14="http://schemas.microsoft.com/office/drawing/2010/main" xmlns="">
+              <a14:hiddenFill xmlns="" xmlns:a14="http://schemas.microsoft.com/office/drawing/2010/main">
                 <a:solidFill>
                   <a:schemeClr val="accent1"/>
                 </a:solidFill>
               </a14:hiddenFill>
             </a:ext>
             <a:ext uri="{91240B29-F687-4f45-9708-019B960494DF}">
-              <a14:hiddenLine xmlns:a14="http://schemas.microsoft.com/office/drawing/2010/main" xmlns="" w="9525">
+              <a14:hiddenLine xmlns="" xmlns:a14="http://schemas.microsoft.com/office/drawing/2010/main" w="9525">
                 <a:solidFill>
                   <a:schemeClr val="tx1"/>
                 </a:solidFill>
@@ -9098,13 +9066,8 @@
                       </a:pPr>
                       <a:r>
                         <a:rPr lang="en-US" sz="1400" baseline="0" dirty="0" smtClean="0"/>
-                        <a:t>Descriptions can be used to predict scores, more model </a:t>
+                        <a:t>Descriptions can be used to predict scores, more model research/tuning is needed and adding more variables may help predictions.</a:t>
                       </a:r>
-                      <a:r>
-                        <a:rPr lang="en-US" sz="1400" baseline="0" dirty="0" smtClean="0"/>
-                        <a:t>research/tuning is needed and adding more variables may help predictions.</a:t>
-                      </a:r>
-                      <a:endParaRPr lang="en-US" sz="1400" baseline="0" dirty="0" smtClean="0"/>
                     </a:p>
                     <a:p>
                       <a:pPr marL="285750" indent="-285750">
@@ -9175,15 +9138,7 @@
                       </a:r>
                       <a:r>
                         <a:rPr lang="en-US" sz="1400" baseline="0" dirty="0" smtClean="0"/>
-                        <a:t> with modeling, modeling </a:t>
-                      </a:r>
-                      <a:r>
-                        <a:rPr lang="en-US" sz="1400" baseline="0" dirty="0" smtClean="0"/>
-                        <a:t>optimization, variables </a:t>
-                      </a:r>
-                      <a:r>
-                        <a:rPr lang="en-US" sz="1400" baseline="0" dirty="0" smtClean="0"/>
-                        <a:t>and scoring. </a:t>
+                        <a:t> with modeling, modeling optimization, variables and scoring. </a:t>
                       </a:r>
                     </a:p>
                     <a:p>
@@ -9509,17 +9464,17 @@
           </a:ln>
           <a:extLst>
             <a:ext uri="{FAA26D3D-D897-4be2-8F04-BA451C77F1D7}">
-              <ma14:placeholderFlag xmlns="" xmlns:ma14="http://schemas.microsoft.com/office/mac/drawingml/2011/main" val="1"/>
+              <ma14:placeholderFlag xmlns:ma14="http://schemas.microsoft.com/office/mac/drawingml/2011/main" xmlns="" val="1"/>
             </a:ext>
             <a:ext uri="{909E8E84-426E-40dd-AFC4-6F175D3DCCD1}">
-              <a14:hiddenFill xmlns:a14="http://schemas.microsoft.com/office/drawing/2010/main" xmlns="">
+              <a14:hiddenFill xmlns="" xmlns:a14="http://schemas.microsoft.com/office/drawing/2010/main">
                 <a:solidFill>
                   <a:schemeClr val="accent1"/>
                 </a:solidFill>
               </a14:hiddenFill>
             </a:ext>
             <a:ext uri="{91240B29-F687-4f45-9708-019B960494DF}">
-              <a14:hiddenLine xmlns:a14="http://schemas.microsoft.com/office/drawing/2010/main" xmlns="" w="9525">
+              <a14:hiddenLine xmlns="" xmlns:a14="http://schemas.microsoft.com/office/drawing/2010/main" w="9525">
                 <a:solidFill>
                   <a:schemeClr val="tx1"/>
                 </a:solidFill>
@@ -9766,17 +9721,17 @@
           </a:ln>
           <a:extLst>
             <a:ext uri="{FAA26D3D-D897-4be2-8F04-BA451C77F1D7}">
-              <ma14:placeholderFlag xmlns="" xmlns:ma14="http://schemas.microsoft.com/office/mac/drawingml/2011/main" val="1"/>
+              <ma14:placeholderFlag xmlns:ma14="http://schemas.microsoft.com/office/mac/drawingml/2011/main" xmlns="" val="1"/>
             </a:ext>
             <a:ext uri="{909E8E84-426E-40dd-AFC4-6F175D3DCCD1}">
-              <a14:hiddenFill xmlns:a14="http://schemas.microsoft.com/office/drawing/2010/main" xmlns="">
+              <a14:hiddenFill xmlns="" xmlns:a14="http://schemas.microsoft.com/office/drawing/2010/main">
                 <a:solidFill>
                   <a:schemeClr val="accent1"/>
                 </a:solidFill>
               </a14:hiddenFill>
             </a:ext>
             <a:ext uri="{91240B29-F687-4f45-9708-019B960494DF}">
-              <a14:hiddenLine xmlns:a14="http://schemas.microsoft.com/office/drawing/2010/main" xmlns="" w="9525">
+              <a14:hiddenLine xmlns="" xmlns:a14="http://schemas.microsoft.com/office/drawing/2010/main" w="9525">
                 <a:solidFill>
                   <a:schemeClr val="tx1"/>
                 </a:solidFill>
@@ -10460,15 +10415,7 @@
             <a:pPr lvl="1"/>
             <a:r>
               <a:rPr lang="en-US" sz="2200" dirty="0" smtClean="0"/>
-              <a:t>Linear</a:t>
-            </a:r>
-            <a:r>
-              <a:rPr lang="en-US" sz="2200" dirty="0" smtClean="0"/>
-              <a:t> </a:t>
-            </a:r>
-            <a:r>
-              <a:rPr lang="en-US" sz="2200" dirty="0" smtClean="0"/>
-              <a:t>Regression prediction</a:t>
+              <a:t>Linear Regression prediction</a:t>
             </a:r>
           </a:p>
           <a:p>
@@ -10543,17 +10490,17 @@
           </a:ln>
           <a:extLst>
             <a:ext uri="{FAA26D3D-D897-4be2-8F04-BA451C77F1D7}">
-              <ma14:placeholderFlag xmlns="" xmlns:ma14="http://schemas.microsoft.com/office/mac/drawingml/2011/main" val="1"/>
+              <ma14:placeholderFlag xmlns:ma14="http://schemas.microsoft.com/office/mac/drawingml/2011/main" xmlns="" val="1"/>
             </a:ext>
             <a:ext uri="{909E8E84-426E-40dd-AFC4-6F175D3DCCD1}">
-              <a14:hiddenFill xmlns:a14="http://schemas.microsoft.com/office/drawing/2010/main" xmlns="">
+              <a14:hiddenFill xmlns="" xmlns:a14="http://schemas.microsoft.com/office/drawing/2010/main">
                 <a:solidFill>
                   <a:schemeClr val="accent1"/>
                 </a:solidFill>
               </a14:hiddenFill>
             </a:ext>
             <a:ext uri="{91240B29-F687-4f45-9708-019B960494DF}">
-              <a14:hiddenLine xmlns:a14="http://schemas.microsoft.com/office/drawing/2010/main" xmlns="" w="9525">
+              <a14:hiddenLine xmlns="" xmlns:a14="http://schemas.microsoft.com/office/drawing/2010/main" w="9525">
                 <a:solidFill>
                   <a:schemeClr val="tx1"/>
                 </a:solidFill>
@@ -11121,17 +11068,17 @@
           </a:ln>
           <a:extLst>
             <a:ext uri="{FAA26D3D-D897-4be2-8F04-BA451C77F1D7}">
-              <ma14:placeholderFlag xmlns="" xmlns:ma14="http://schemas.microsoft.com/office/mac/drawingml/2011/main" val="1"/>
+              <ma14:placeholderFlag xmlns:ma14="http://schemas.microsoft.com/office/mac/drawingml/2011/main" xmlns="" val="1"/>
             </a:ext>
             <a:ext uri="{909E8E84-426E-40dd-AFC4-6F175D3DCCD1}">
-              <a14:hiddenFill xmlns:a14="http://schemas.microsoft.com/office/drawing/2010/main" xmlns="">
+              <a14:hiddenFill xmlns="" xmlns:a14="http://schemas.microsoft.com/office/drawing/2010/main">
                 <a:solidFill>
                   <a:schemeClr val="accent1"/>
                 </a:solidFill>
               </a14:hiddenFill>
             </a:ext>
             <a:ext uri="{91240B29-F687-4f45-9708-019B960494DF}">
-              <a14:hiddenLine xmlns:a14="http://schemas.microsoft.com/office/drawing/2010/main" xmlns="" w="9525">
+              <a14:hiddenLine xmlns="" xmlns:a14="http://schemas.microsoft.com/office/drawing/2010/main" w="9525">
                 <a:solidFill>
                   <a:schemeClr val="tx1"/>
                 </a:solidFill>
@@ -11422,17 +11369,17 @@
           </a:ln>
           <a:extLst>
             <a:ext uri="{FAA26D3D-D897-4be2-8F04-BA451C77F1D7}">
-              <ma14:placeholderFlag xmlns="" xmlns:ma14="http://schemas.microsoft.com/office/mac/drawingml/2011/main" val="1"/>
+              <ma14:placeholderFlag xmlns:ma14="http://schemas.microsoft.com/office/mac/drawingml/2011/main" xmlns="" val="1"/>
             </a:ext>
             <a:ext uri="{909E8E84-426E-40dd-AFC4-6F175D3DCCD1}">
-              <a14:hiddenFill xmlns:a14="http://schemas.microsoft.com/office/drawing/2010/main" xmlns="">
+              <a14:hiddenFill xmlns="" xmlns:a14="http://schemas.microsoft.com/office/drawing/2010/main">
                 <a:solidFill>
                   <a:schemeClr val="accent1"/>
                 </a:solidFill>
               </a14:hiddenFill>
             </a:ext>
             <a:ext uri="{91240B29-F687-4f45-9708-019B960494DF}">
-              <a14:hiddenLine xmlns:a14="http://schemas.microsoft.com/office/drawing/2010/main" xmlns="" w="9525">
+              <a14:hiddenLine xmlns="" xmlns:a14="http://schemas.microsoft.com/office/drawing/2010/main" w="9525">
                 <a:solidFill>
                   <a:schemeClr val="tx1"/>
                 </a:solidFill>
@@ -11757,15 +11704,7 @@
                       </a:r>
                       <a:r>
                         <a:rPr lang="en-US" sz="1400" baseline="0" dirty="0" smtClean="0"/>
-                        <a:t> </a:t>
-                      </a:r>
-                      <a:r>
-                        <a:rPr lang="en-US" sz="1400" baseline="0" dirty="0" smtClean="0"/>
-                        <a:t>identified </a:t>
-                      </a:r>
-                      <a:r>
-                        <a:rPr lang="en-US" sz="1400" baseline="0" dirty="0" smtClean="0"/>
-                        <a:t>that </a:t>
+                        <a:t> identified that </a:t>
                       </a:r>
                       <a:r>
                         <a:rPr lang="en-US" sz="1400" dirty="0" smtClean="0"/>
@@ -11828,11 +11767,7 @@
                       </a:r>
                       <a:r>
                         <a:rPr lang="en-US" sz="1400" baseline="0" dirty="0" smtClean="0"/>
-                        <a:t> used to drop wine tastings that had no scores associated</a:t>
-                      </a:r>
-                      <a:r>
-                        <a:rPr lang="en-US" sz="1400" baseline="0" dirty="0" smtClean="0"/>
-                        <a:t>. </a:t>
+                        <a:t> used to drop wine tastings that had no scores associated. </a:t>
                       </a:r>
                       <a:r>
                         <a:rPr lang="en-US" sz="1400" baseline="0" dirty="0" err="1" smtClean="0"/>
@@ -12050,15 +11985,7 @@
                       </a:pPr>
                       <a:r>
                         <a:rPr lang="en-US" sz="1400" baseline="0" dirty="0" smtClean="0"/>
-                        <a:t>Original input file was </a:t>
-                      </a:r>
-                      <a:r>
-                        <a:rPr lang="en-US" sz="1400" baseline="0" dirty="0" smtClean="0"/>
-                        <a:t>150k records, </a:t>
-                      </a:r>
-                      <a:r>
-                        <a:rPr lang="en-US" sz="1400" baseline="0" dirty="0" smtClean="0"/>
-                        <a:t>reduced to 130k records.</a:t>
+                        <a:t>Original input file was 150k records, reduced to 130k records.</a:t>
                       </a:r>
                     </a:p>
                     <a:p>
@@ -12162,17 +12089,17 @@
           </a:ln>
           <a:extLst>
             <a:ext uri="{FAA26D3D-D897-4be2-8F04-BA451C77F1D7}">
-              <ma14:placeholderFlag xmlns="" xmlns:ma14="http://schemas.microsoft.com/office/mac/drawingml/2011/main" val="1"/>
+              <ma14:placeholderFlag xmlns:ma14="http://schemas.microsoft.com/office/mac/drawingml/2011/main" xmlns="" val="1"/>
             </a:ext>
             <a:ext uri="{909E8E84-426E-40dd-AFC4-6F175D3DCCD1}">
-              <a14:hiddenFill xmlns:a14="http://schemas.microsoft.com/office/drawing/2010/main" xmlns="">
+              <a14:hiddenFill xmlns="" xmlns:a14="http://schemas.microsoft.com/office/drawing/2010/main">
                 <a:solidFill>
                   <a:schemeClr val="accent1"/>
                 </a:solidFill>
               </a14:hiddenFill>
             </a:ext>
             <a:ext uri="{91240B29-F687-4f45-9708-019B960494DF}">
-              <a14:hiddenLine xmlns:a14="http://schemas.microsoft.com/office/drawing/2010/main" xmlns="" w="9525">
+              <a14:hiddenLine xmlns="" xmlns:a14="http://schemas.microsoft.com/office/drawing/2010/main" w="9525">
                 <a:solidFill>
                   <a:schemeClr val="tx1"/>
                 </a:solidFill>
@@ -12525,17 +12452,17 @@
           </a:ln>
           <a:extLst>
             <a:ext uri="{FAA26D3D-D897-4be2-8F04-BA451C77F1D7}">
-              <ma14:placeholderFlag xmlns="" xmlns:ma14="http://schemas.microsoft.com/office/mac/drawingml/2011/main" val="1"/>
+              <ma14:placeholderFlag xmlns:ma14="http://schemas.microsoft.com/office/mac/drawingml/2011/main" xmlns="" val="1"/>
             </a:ext>
             <a:ext uri="{909E8E84-426E-40dd-AFC4-6F175D3DCCD1}">
-              <a14:hiddenFill xmlns:a14="http://schemas.microsoft.com/office/drawing/2010/main" xmlns="">
+              <a14:hiddenFill xmlns="" xmlns:a14="http://schemas.microsoft.com/office/drawing/2010/main">
                 <a:solidFill>
                   <a:schemeClr val="accent1"/>
                 </a:solidFill>
               </a14:hiddenFill>
             </a:ext>
             <a:ext uri="{91240B29-F687-4f45-9708-019B960494DF}">
-              <a14:hiddenLine xmlns:a14="http://schemas.microsoft.com/office/drawing/2010/main" xmlns="" w="9525">
+              <a14:hiddenLine xmlns="" xmlns:a14="http://schemas.microsoft.com/office/drawing/2010/main" w="9525">
                 <a:solidFill>
                   <a:schemeClr val="tx1"/>
                 </a:solidFill>
@@ -12849,17 +12776,17 @@
           </a:ln>
           <a:extLst>
             <a:ext uri="{FAA26D3D-D897-4be2-8F04-BA451C77F1D7}">
-              <ma14:placeholderFlag xmlns="" xmlns:ma14="http://schemas.microsoft.com/office/mac/drawingml/2011/main" val="1"/>
+              <ma14:placeholderFlag xmlns:ma14="http://schemas.microsoft.com/office/mac/drawingml/2011/main" xmlns="" val="1"/>
             </a:ext>
             <a:ext uri="{909E8E84-426E-40dd-AFC4-6F175D3DCCD1}">
-              <a14:hiddenFill xmlns:a14="http://schemas.microsoft.com/office/drawing/2010/main" xmlns="">
+              <a14:hiddenFill xmlns="" xmlns:a14="http://schemas.microsoft.com/office/drawing/2010/main">
                 <a:solidFill>
                   <a:schemeClr val="accent1"/>
                 </a:solidFill>
               </a14:hiddenFill>
             </a:ext>
             <a:ext uri="{91240B29-F687-4f45-9708-019B960494DF}">
-              <a14:hiddenLine xmlns:a14="http://schemas.microsoft.com/office/drawing/2010/main" xmlns="" w="9525">
+              <a14:hiddenLine xmlns="" xmlns:a14="http://schemas.microsoft.com/office/drawing/2010/main" w="9525">
                 <a:solidFill>
                   <a:schemeClr val="tx1"/>
                 </a:solidFill>
@@ -13080,13 +13007,8 @@
           <a:p>
             <a:r>
               <a:rPr lang="en-US" sz="1500" dirty="0" smtClean="0"/>
-              <a:t>Roger Voss </a:t>
-            </a:r>
-            <a:r>
-              <a:rPr lang="en-US" sz="1500" dirty="0" smtClean="0"/>
-              <a:t>had 25K tastings and may cause bias in the underlying data</a:t>
-            </a:r>
-            <a:endParaRPr lang="en-US" sz="1500" dirty="0" smtClean="0"/>
+              <a:t>Roger Voss had 25K tastings and may cause bias in the underlying data</a:t>
+            </a:r>
           </a:p>
           <a:p>
             <a:pPr marL="742950" lvl="1" indent="-285750">
@@ -13180,17 +13102,17 @@
           </a:ln>
           <a:extLst>
             <a:ext uri="{FAA26D3D-D897-4be2-8F04-BA451C77F1D7}">
-              <ma14:placeholderFlag xmlns="" xmlns:ma14="http://schemas.microsoft.com/office/mac/drawingml/2011/main" val="1"/>
+              <ma14:placeholderFlag xmlns:ma14="http://schemas.microsoft.com/office/mac/drawingml/2011/main" xmlns="" val="1"/>
             </a:ext>
             <a:ext uri="{909E8E84-426E-40dd-AFC4-6F175D3DCCD1}">
-              <a14:hiddenFill xmlns:a14="http://schemas.microsoft.com/office/drawing/2010/main" xmlns="">
+              <a14:hiddenFill xmlns="" xmlns:a14="http://schemas.microsoft.com/office/drawing/2010/main">
                 <a:solidFill>
                   <a:schemeClr val="accent1"/>
                 </a:solidFill>
               </a14:hiddenFill>
             </a:ext>
             <a:ext uri="{91240B29-F687-4f45-9708-019B960494DF}">
-              <a14:hiddenLine xmlns:a14="http://schemas.microsoft.com/office/drawing/2010/main" xmlns="" w="9525">
+              <a14:hiddenLine xmlns="" xmlns:a14="http://schemas.microsoft.com/office/drawing/2010/main" w="9525">
                 <a:solidFill>
                   <a:schemeClr val="tx1"/>
                 </a:solidFill>
